--- a/fig/fig.pptx
+++ b/fig/fig.pptx
@@ -6,6 +6,7 @@
   </p:sldMasterIdLst>
   <p:sldIdLst>
     <p:sldId id="256" r:id="rId2"/>
+    <p:sldId id="257" r:id="rId3"/>
   </p:sldIdLst>
   <p:sldSz cx="12192000" cy="6858000"/>
   <p:notesSz cx="6858000" cy="9144000"/>
@@ -104,6 +105,11 @@
       </a:defRPr>
     </a:lvl9pPr>
   </p:defaultTextStyle>
+  <p:extLst>
+    <p:ext uri="{EFAFB233-063F-42B5-8137-9DF3F51BA10A}">
+      <p15:sldGuideLst xmlns:p15="http://schemas.microsoft.com/office/powerpoint/2012/main"/>
+    </p:ext>
+  </p:extLst>
 </p:presentation>
 </file>
 
@@ -238,7 +244,7 @@
           <a:p>
             <a:fld id="{BE4C2E38-1CA4-415D-AC32-50965AFA52AB}" type="datetimeFigureOut">
               <a:rPr lang="en-US" smtClean="0"/>
-              <a:t>4/12/2019</a:t>
+              <a:t>4/13/2019</a:t>
             </a:fld>
             <a:endParaRPr lang="en-US"/>
           </a:p>
@@ -408,7 +414,7 @@
           <a:p>
             <a:fld id="{BE4C2E38-1CA4-415D-AC32-50965AFA52AB}" type="datetimeFigureOut">
               <a:rPr lang="en-US" smtClean="0"/>
-              <a:t>4/12/2019</a:t>
+              <a:t>4/13/2019</a:t>
             </a:fld>
             <a:endParaRPr lang="en-US"/>
           </a:p>
@@ -588,7 +594,7 @@
           <a:p>
             <a:fld id="{BE4C2E38-1CA4-415D-AC32-50965AFA52AB}" type="datetimeFigureOut">
               <a:rPr lang="en-US" smtClean="0"/>
-              <a:t>4/12/2019</a:t>
+              <a:t>4/13/2019</a:t>
             </a:fld>
             <a:endParaRPr lang="en-US"/>
           </a:p>
@@ -758,7 +764,7 @@
           <a:p>
             <a:fld id="{BE4C2E38-1CA4-415D-AC32-50965AFA52AB}" type="datetimeFigureOut">
               <a:rPr lang="en-US" smtClean="0"/>
-              <a:t>4/12/2019</a:t>
+              <a:t>4/13/2019</a:t>
             </a:fld>
             <a:endParaRPr lang="en-US"/>
           </a:p>
@@ -1004,7 +1010,7 @@
           <a:p>
             <a:fld id="{BE4C2E38-1CA4-415D-AC32-50965AFA52AB}" type="datetimeFigureOut">
               <a:rPr lang="en-US" smtClean="0"/>
-              <a:t>4/12/2019</a:t>
+              <a:t>4/13/2019</a:t>
             </a:fld>
             <a:endParaRPr lang="en-US"/>
           </a:p>
@@ -1236,7 +1242,7 @@
           <a:p>
             <a:fld id="{BE4C2E38-1CA4-415D-AC32-50965AFA52AB}" type="datetimeFigureOut">
               <a:rPr lang="en-US" smtClean="0"/>
-              <a:t>4/12/2019</a:t>
+              <a:t>4/13/2019</a:t>
             </a:fld>
             <a:endParaRPr lang="en-US"/>
           </a:p>
@@ -1603,7 +1609,7 @@
           <a:p>
             <a:fld id="{BE4C2E38-1CA4-415D-AC32-50965AFA52AB}" type="datetimeFigureOut">
               <a:rPr lang="en-US" smtClean="0"/>
-              <a:t>4/12/2019</a:t>
+              <a:t>4/13/2019</a:t>
             </a:fld>
             <a:endParaRPr lang="en-US"/>
           </a:p>
@@ -1721,7 +1727,7 @@
           <a:p>
             <a:fld id="{BE4C2E38-1CA4-415D-AC32-50965AFA52AB}" type="datetimeFigureOut">
               <a:rPr lang="en-US" smtClean="0"/>
-              <a:t>4/12/2019</a:t>
+              <a:t>4/13/2019</a:t>
             </a:fld>
             <a:endParaRPr lang="en-US"/>
           </a:p>
@@ -1816,7 +1822,7 @@
           <a:p>
             <a:fld id="{BE4C2E38-1CA4-415D-AC32-50965AFA52AB}" type="datetimeFigureOut">
               <a:rPr lang="en-US" smtClean="0"/>
-              <a:t>4/12/2019</a:t>
+              <a:t>4/13/2019</a:t>
             </a:fld>
             <a:endParaRPr lang="en-US"/>
           </a:p>
@@ -2093,7 +2099,7 @@
           <a:p>
             <a:fld id="{BE4C2E38-1CA4-415D-AC32-50965AFA52AB}" type="datetimeFigureOut">
               <a:rPr lang="en-US" smtClean="0"/>
-              <a:t>4/12/2019</a:t>
+              <a:t>4/13/2019</a:t>
             </a:fld>
             <a:endParaRPr lang="en-US"/>
           </a:p>
@@ -2346,7 +2352,7 @@
           <a:p>
             <a:fld id="{BE4C2E38-1CA4-415D-AC32-50965AFA52AB}" type="datetimeFigureOut">
               <a:rPr lang="en-US" smtClean="0"/>
-              <a:t>4/12/2019</a:t>
+              <a:t>4/13/2019</a:t>
             </a:fld>
             <a:endParaRPr lang="en-US"/>
           </a:p>
@@ -2559,7 +2565,7 @@
           <a:p>
             <a:fld id="{BE4C2E38-1CA4-415D-AC32-50965AFA52AB}" type="datetimeFigureOut">
               <a:rPr lang="en-US" smtClean="0"/>
-              <a:t>4/12/2019</a:t>
+              <a:t>4/13/2019</a:t>
             </a:fld>
             <a:endParaRPr lang="en-US"/>
           </a:p>
@@ -3515,6 +3521,2241 @@
 </p:sld>
 </file>
 
+<file path=ppt/slides/slide2.xml><?xml version="1.0" encoding="utf-8"?>
+<p:sld xmlns:a="http://schemas.openxmlformats.org/drawingml/2006/main" xmlns:r="http://schemas.openxmlformats.org/officeDocument/2006/relationships" xmlns:p="http://schemas.openxmlformats.org/presentationml/2006/main">
+  <p:cSld>
+    <p:spTree>
+      <p:nvGrpSpPr>
+        <p:cNvPr id="1" name=""/>
+        <p:cNvGrpSpPr/>
+        <p:nvPr/>
+      </p:nvGrpSpPr>
+      <p:grpSpPr>
+        <a:xfrm>
+          <a:off x="0" y="0"/>
+          <a:ext cx="0" cy="0"/>
+          <a:chOff x="0" y="0"/>
+          <a:chExt cx="0" cy="0"/>
+        </a:xfrm>
+      </p:grpSpPr>
+      <p:grpSp>
+        <p:nvGrpSpPr>
+          <p:cNvPr id="114" name="Group 113"/>
+          <p:cNvGrpSpPr/>
+          <p:nvPr/>
+        </p:nvGrpSpPr>
+        <p:grpSpPr>
+          <a:xfrm>
+            <a:off x="399171" y="616728"/>
+            <a:ext cx="11473435" cy="5834957"/>
+            <a:chOff x="399171" y="616728"/>
+            <a:chExt cx="11473435" cy="5834957"/>
+          </a:xfrm>
+        </p:grpSpPr>
+        <p:sp>
+          <p:nvSpPr>
+            <p:cNvPr id="5" name="Rounded Rectangle 4"/>
+            <p:cNvSpPr/>
+            <p:nvPr/>
+          </p:nvSpPr>
+          <p:spPr>
+            <a:xfrm>
+              <a:off x="693842" y="1276951"/>
+              <a:ext cx="1948270" cy="1650048"/>
+            </a:xfrm>
+            <a:prstGeom prst="roundRect">
+              <a:avLst/>
+            </a:prstGeom>
+            <a:noFill/>
+            <a:ln w="19050">
+              <a:solidFill>
+                <a:schemeClr val="tx1"/>
+              </a:solidFill>
+            </a:ln>
+          </p:spPr>
+          <p:style>
+            <a:lnRef idx="2">
+              <a:schemeClr val="accent1">
+                <a:shade val="50000"/>
+              </a:schemeClr>
+            </a:lnRef>
+            <a:fillRef idx="1">
+              <a:schemeClr val="accent1"/>
+            </a:fillRef>
+            <a:effectRef idx="0">
+              <a:schemeClr val="accent1"/>
+            </a:effectRef>
+            <a:fontRef idx="minor">
+              <a:schemeClr val="lt1"/>
+            </a:fontRef>
+          </p:style>
+          <p:txBody>
+            <a:bodyPr rtlCol="0" anchor="ctr"/>
+            <a:lstStyle/>
+            <a:p>
+              <a:pPr algn="ctr"/>
+              <a:endParaRPr lang="en-US" dirty="0"/>
+            </a:p>
+          </p:txBody>
+        </p:sp>
+        <p:sp>
+          <p:nvSpPr>
+            <p:cNvPr id="6" name="TextBox 5"/>
+            <p:cNvSpPr txBox="1"/>
+            <p:nvPr/>
+          </p:nvSpPr>
+          <p:spPr>
+            <a:xfrm>
+              <a:off x="819037" y="1367762"/>
+              <a:ext cx="627095" cy="369332"/>
+            </a:xfrm>
+            <a:prstGeom prst="rect">
+              <a:avLst/>
+            </a:prstGeom>
+            <a:solidFill>
+              <a:srgbClr val="00B050"/>
+            </a:solidFill>
+          </p:spPr>
+          <p:txBody>
+            <a:bodyPr wrap="none" rtlCol="0">
+              <a:spAutoFit/>
+            </a:bodyPr>
+            <a:lstStyle/>
+            <a:p>
+              <a:r>
+                <a:rPr lang="en-US" dirty="0" smtClean="0">
+                  <a:solidFill>
+                    <a:schemeClr val="bg1"/>
+                  </a:solidFill>
+                </a:rPr>
+                <a:t>L1 I$</a:t>
+              </a:r>
+              <a:endParaRPr lang="en-US" dirty="0">
+                <a:solidFill>
+                  <a:schemeClr val="bg1"/>
+                </a:solidFill>
+              </a:endParaRPr>
+            </a:p>
+          </p:txBody>
+        </p:sp>
+        <p:sp>
+          <p:nvSpPr>
+            <p:cNvPr id="7" name="TextBox 6"/>
+            <p:cNvSpPr txBox="1"/>
+            <p:nvPr/>
+          </p:nvSpPr>
+          <p:spPr>
+            <a:xfrm>
+              <a:off x="1593785" y="1374172"/>
+              <a:ext cx="898003" cy="369332"/>
+            </a:xfrm>
+            <a:prstGeom prst="rect">
+              <a:avLst/>
+            </a:prstGeom>
+            <a:solidFill>
+              <a:srgbClr val="00B050"/>
+            </a:solidFill>
+          </p:spPr>
+          <p:txBody>
+            <a:bodyPr wrap="none" rtlCol="0">
+              <a:spAutoFit/>
+            </a:bodyPr>
+            <a:lstStyle/>
+            <a:p>
+              <a:r>
+                <a:rPr lang="en-US" dirty="0" smtClean="0">
+                  <a:solidFill>
+                    <a:schemeClr val="bg1"/>
+                  </a:solidFill>
+                </a:rPr>
+                <a:t>L1 I TLB</a:t>
+              </a:r>
+              <a:endParaRPr lang="en-US" dirty="0">
+                <a:solidFill>
+                  <a:schemeClr val="bg1"/>
+                </a:solidFill>
+              </a:endParaRPr>
+            </a:p>
+          </p:txBody>
+        </p:sp>
+        <p:sp>
+          <p:nvSpPr>
+            <p:cNvPr id="8" name="TextBox 7"/>
+            <p:cNvSpPr txBox="1"/>
+            <p:nvPr/>
+          </p:nvSpPr>
+          <p:spPr>
+            <a:xfrm>
+              <a:off x="1102566" y="2175491"/>
+              <a:ext cx="1130822" cy="646331"/>
+            </a:xfrm>
+            <a:prstGeom prst="rect">
+              <a:avLst/>
+            </a:prstGeom>
+            <a:solidFill>
+              <a:srgbClr val="00B050"/>
+            </a:solidFill>
+          </p:spPr>
+          <p:txBody>
+            <a:bodyPr wrap="none" rtlCol="0">
+              <a:spAutoFit/>
+            </a:bodyPr>
+            <a:lstStyle/>
+            <a:p>
+              <a:pPr algn="ctr"/>
+              <a:r>
+                <a:rPr lang="en-US" dirty="0" smtClean="0">
+                  <a:solidFill>
+                    <a:schemeClr val="bg1"/>
+                  </a:solidFill>
+                </a:rPr>
+                <a:t>Branch</a:t>
+              </a:r>
+            </a:p>
+            <a:p>
+              <a:pPr algn="ctr"/>
+              <a:r>
+                <a:rPr lang="en-US" dirty="0" smtClean="0">
+                  <a:solidFill>
+                    <a:schemeClr val="bg1"/>
+                  </a:solidFill>
+                </a:rPr>
+                <a:t>Predictors</a:t>
+              </a:r>
+              <a:endParaRPr lang="en-US" dirty="0">
+                <a:solidFill>
+                  <a:schemeClr val="bg1"/>
+                </a:solidFill>
+              </a:endParaRPr>
+            </a:p>
+          </p:txBody>
+        </p:sp>
+        <p:sp>
+          <p:nvSpPr>
+            <p:cNvPr id="9" name="TextBox 8"/>
+            <p:cNvSpPr txBox="1"/>
+            <p:nvPr/>
+          </p:nvSpPr>
+          <p:spPr>
+            <a:xfrm>
+              <a:off x="907993" y="1791269"/>
+              <a:ext cx="1519968" cy="369332"/>
+            </a:xfrm>
+            <a:prstGeom prst="rect">
+              <a:avLst/>
+            </a:prstGeom>
+            <a:noFill/>
+          </p:spPr>
+          <p:txBody>
+            <a:bodyPr wrap="none" rtlCol="0">
+              <a:spAutoFit/>
+            </a:bodyPr>
+            <a:lstStyle/>
+            <a:p>
+              <a:r>
+                <a:rPr lang="en-US" b="1" dirty="0" smtClean="0"/>
+                <a:t>Fetch pipeline</a:t>
+              </a:r>
+              <a:endParaRPr lang="en-US" b="1" dirty="0"/>
+            </a:p>
+          </p:txBody>
+        </p:sp>
+        <p:sp>
+          <p:nvSpPr>
+            <p:cNvPr id="10" name="Cloud 9"/>
+            <p:cNvSpPr/>
+            <p:nvPr/>
+          </p:nvSpPr>
+          <p:spPr>
+            <a:xfrm>
+              <a:off x="912103" y="3315711"/>
+              <a:ext cx="1511748" cy="1098199"/>
+            </a:xfrm>
+            <a:prstGeom prst="cloud">
+              <a:avLst/>
+            </a:prstGeom>
+          </p:spPr>
+          <p:style>
+            <a:lnRef idx="2">
+              <a:schemeClr val="accent1">
+                <a:shade val="50000"/>
+              </a:schemeClr>
+            </a:lnRef>
+            <a:fillRef idx="1">
+              <a:schemeClr val="accent1"/>
+            </a:fillRef>
+            <a:effectRef idx="0">
+              <a:schemeClr val="accent1"/>
+            </a:effectRef>
+            <a:fontRef idx="minor">
+              <a:schemeClr val="lt1"/>
+            </a:fontRef>
+          </p:style>
+          <p:txBody>
+            <a:bodyPr rtlCol="0" anchor="ctr"/>
+            <a:lstStyle/>
+            <a:p>
+              <a:pPr algn="ctr"/>
+              <a:r>
+                <a:rPr lang="en-US" dirty="0" smtClean="0"/>
+                <a:t>Rename</a:t>
+              </a:r>
+            </a:p>
+            <a:p>
+              <a:pPr algn="ctr"/>
+              <a:r>
+                <a:rPr lang="en-US" dirty="0" smtClean="0"/>
+                <a:t>Stage</a:t>
+              </a:r>
+              <a:endParaRPr lang="en-US" dirty="0"/>
+            </a:p>
+          </p:txBody>
+        </p:sp>
+        <p:sp>
+          <p:nvSpPr>
+            <p:cNvPr id="11" name="TextBox 10"/>
+            <p:cNvSpPr txBox="1"/>
+            <p:nvPr/>
+          </p:nvSpPr>
+          <p:spPr>
+            <a:xfrm>
+              <a:off x="399171" y="4615981"/>
+              <a:ext cx="2537611" cy="369332"/>
+            </a:xfrm>
+            <a:prstGeom prst="rect">
+              <a:avLst/>
+            </a:prstGeom>
+            <a:solidFill>
+              <a:srgbClr val="00B050"/>
+            </a:solidFill>
+          </p:spPr>
+          <p:txBody>
+            <a:bodyPr wrap="square" rtlCol="0">
+              <a:spAutoFit/>
+            </a:bodyPr>
+            <a:lstStyle/>
+            <a:p>
+              <a:pPr algn="ctr"/>
+              <a:r>
+                <a:rPr lang="en-US" dirty="0" smtClean="0">
+                  <a:solidFill>
+                    <a:schemeClr val="bg1"/>
+                  </a:solidFill>
+                </a:rPr>
+                <a:t>Speculation Tag </a:t>
+              </a:r>
+              <a:r>
+                <a:rPr lang="en-US" dirty="0">
+                  <a:solidFill>
+                    <a:schemeClr val="bg1"/>
+                  </a:solidFill>
+                </a:rPr>
+                <a:t>M</a:t>
+              </a:r>
+              <a:r>
+                <a:rPr lang="en-US" dirty="0" smtClean="0">
+                  <a:solidFill>
+                    <a:schemeClr val="bg1"/>
+                  </a:solidFill>
+                </a:rPr>
+                <a:t>anager</a:t>
+              </a:r>
+              <a:endParaRPr lang="en-US" dirty="0">
+                <a:solidFill>
+                  <a:schemeClr val="bg1"/>
+                </a:solidFill>
+              </a:endParaRPr>
+            </a:p>
+          </p:txBody>
+        </p:sp>
+        <p:sp>
+          <p:nvSpPr>
+            <p:cNvPr id="12" name="TextBox 11"/>
+            <p:cNvSpPr txBox="1"/>
+            <p:nvPr/>
+          </p:nvSpPr>
+          <p:spPr>
+            <a:xfrm>
+              <a:off x="846437" y="5181168"/>
+              <a:ext cx="1643079" cy="369332"/>
+            </a:xfrm>
+            <a:prstGeom prst="rect">
+              <a:avLst/>
+            </a:prstGeom>
+            <a:solidFill>
+              <a:srgbClr val="00B050"/>
+            </a:solidFill>
+          </p:spPr>
+          <p:txBody>
+            <a:bodyPr wrap="none" rtlCol="0">
+              <a:spAutoFit/>
+            </a:bodyPr>
+            <a:lstStyle/>
+            <a:p>
+              <a:r>
+                <a:rPr lang="en-US" dirty="0" smtClean="0">
+                  <a:solidFill>
+                    <a:schemeClr val="bg1"/>
+                  </a:solidFill>
+                </a:rPr>
+                <a:t>Epoch Manager</a:t>
+              </a:r>
+              <a:endParaRPr lang="en-US" dirty="0">
+                <a:solidFill>
+                  <a:schemeClr val="bg1"/>
+                </a:solidFill>
+              </a:endParaRPr>
+            </a:p>
+          </p:txBody>
+        </p:sp>
+        <p:grpSp>
+          <p:nvGrpSpPr>
+            <p:cNvPr id="16" name="Group 15"/>
+            <p:cNvGrpSpPr/>
+            <p:nvPr/>
+          </p:nvGrpSpPr>
+          <p:grpSpPr>
+            <a:xfrm>
+              <a:off x="3934062" y="2499720"/>
+              <a:ext cx="5311025" cy="638702"/>
+              <a:chOff x="2835864" y="836285"/>
+              <a:chExt cx="5311025" cy="638702"/>
+            </a:xfrm>
+          </p:grpSpPr>
+          <p:sp>
+            <p:nvSpPr>
+              <p:cNvPr id="13" name="Rounded Rectangle 12"/>
+              <p:cNvSpPr/>
+              <p:nvPr/>
+            </p:nvSpPr>
+            <p:spPr>
+              <a:xfrm>
+                <a:off x="2835864" y="836285"/>
+                <a:ext cx="5311025" cy="638702"/>
+              </a:xfrm>
+              <a:prstGeom prst="roundRect">
+                <a:avLst/>
+              </a:prstGeom>
+              <a:noFill/>
+              <a:ln w="19050">
+                <a:solidFill>
+                  <a:schemeClr val="tx1"/>
+                </a:solidFill>
+              </a:ln>
+            </p:spPr>
+            <p:style>
+              <a:lnRef idx="2">
+                <a:schemeClr val="accent1">
+                  <a:shade val="50000"/>
+                </a:schemeClr>
+              </a:lnRef>
+              <a:fillRef idx="1">
+                <a:schemeClr val="accent1"/>
+              </a:fillRef>
+              <a:effectRef idx="0">
+                <a:schemeClr val="accent1"/>
+              </a:effectRef>
+              <a:fontRef idx="minor">
+                <a:schemeClr val="lt1"/>
+              </a:fontRef>
+            </p:style>
+            <p:txBody>
+              <a:bodyPr rtlCol="0" anchor="ctr"/>
+              <a:lstStyle/>
+              <a:p>
+                <a:pPr algn="ctr"/>
+                <a:endParaRPr lang="en-US" dirty="0"/>
+              </a:p>
+            </p:txBody>
+          </p:sp>
+          <p:sp>
+            <p:nvSpPr>
+              <p:cNvPr id="14" name="TextBox 13"/>
+              <p:cNvSpPr txBox="1"/>
+              <p:nvPr/>
+            </p:nvSpPr>
+            <p:spPr>
+              <a:xfrm>
+                <a:off x="2948377" y="984752"/>
+                <a:ext cx="2014196" cy="369332"/>
+              </a:xfrm>
+              <a:prstGeom prst="rect">
+                <a:avLst/>
+              </a:prstGeom>
+              <a:solidFill>
+                <a:srgbClr val="00B050"/>
+              </a:solidFill>
+            </p:spPr>
+            <p:txBody>
+              <a:bodyPr wrap="square" rtlCol="0">
+                <a:spAutoFit/>
+              </a:bodyPr>
+              <a:lstStyle/>
+              <a:p>
+                <a:pPr algn="ctr"/>
+                <a:r>
+                  <a:rPr lang="en-US" dirty="0" smtClean="0">
+                    <a:solidFill>
+                      <a:schemeClr val="bg1"/>
+                    </a:solidFill>
+                  </a:rPr>
+                  <a:t>Reservation Station</a:t>
+                </a:r>
+                <a:endParaRPr lang="en-US" dirty="0">
+                  <a:solidFill>
+                    <a:schemeClr val="bg1"/>
+                  </a:solidFill>
+                </a:endParaRPr>
+              </a:p>
+            </p:txBody>
+          </p:sp>
+          <p:sp>
+            <p:nvSpPr>
+              <p:cNvPr id="15" name="TextBox 14"/>
+              <p:cNvSpPr txBox="1"/>
+              <p:nvPr/>
+            </p:nvSpPr>
+            <p:spPr>
+              <a:xfrm>
+                <a:off x="5072008" y="970970"/>
+                <a:ext cx="3074881" cy="369332"/>
+              </a:xfrm>
+              <a:prstGeom prst="rect">
+                <a:avLst/>
+              </a:prstGeom>
+              <a:noFill/>
+            </p:spPr>
+            <p:txBody>
+              <a:bodyPr wrap="square" rtlCol="0">
+                <a:spAutoFit/>
+              </a:bodyPr>
+              <a:lstStyle/>
+              <a:p>
+                <a:r>
+                  <a:rPr lang="en-US" dirty="0" smtClean="0"/>
+                  <a:t>ALU/Branch execution pipeline</a:t>
+                </a:r>
+                <a:endParaRPr lang="en-US" dirty="0"/>
+              </a:p>
+            </p:txBody>
+          </p:sp>
+        </p:grpSp>
+        <p:grpSp>
+          <p:nvGrpSpPr>
+            <p:cNvPr id="17" name="Group 16"/>
+            <p:cNvGrpSpPr/>
+            <p:nvPr/>
+          </p:nvGrpSpPr>
+          <p:grpSpPr>
+            <a:xfrm>
+              <a:off x="3934062" y="3279998"/>
+              <a:ext cx="5311025" cy="638702"/>
+              <a:chOff x="2835864" y="836285"/>
+              <a:chExt cx="5311025" cy="638702"/>
+            </a:xfrm>
+          </p:grpSpPr>
+          <p:sp>
+            <p:nvSpPr>
+              <p:cNvPr id="18" name="Rounded Rectangle 17"/>
+              <p:cNvSpPr/>
+              <p:nvPr/>
+            </p:nvSpPr>
+            <p:spPr>
+              <a:xfrm>
+                <a:off x="2835864" y="836285"/>
+                <a:ext cx="5311025" cy="638702"/>
+              </a:xfrm>
+              <a:prstGeom prst="roundRect">
+                <a:avLst/>
+              </a:prstGeom>
+              <a:noFill/>
+              <a:ln w="19050">
+                <a:solidFill>
+                  <a:schemeClr val="tx1"/>
+                </a:solidFill>
+              </a:ln>
+            </p:spPr>
+            <p:style>
+              <a:lnRef idx="2">
+                <a:schemeClr val="accent1">
+                  <a:shade val="50000"/>
+                </a:schemeClr>
+              </a:lnRef>
+              <a:fillRef idx="1">
+                <a:schemeClr val="accent1"/>
+              </a:fillRef>
+              <a:effectRef idx="0">
+                <a:schemeClr val="accent1"/>
+              </a:effectRef>
+              <a:fontRef idx="minor">
+                <a:schemeClr val="lt1"/>
+              </a:fontRef>
+            </p:style>
+            <p:txBody>
+              <a:bodyPr rtlCol="0" anchor="ctr"/>
+              <a:lstStyle/>
+              <a:p>
+                <a:pPr algn="ctr"/>
+                <a:endParaRPr lang="en-US" dirty="0"/>
+              </a:p>
+            </p:txBody>
+          </p:sp>
+          <p:sp>
+            <p:nvSpPr>
+              <p:cNvPr id="19" name="TextBox 18"/>
+              <p:cNvSpPr txBox="1"/>
+              <p:nvPr/>
+            </p:nvSpPr>
+            <p:spPr>
+              <a:xfrm>
+                <a:off x="2948377" y="984752"/>
+                <a:ext cx="2014196" cy="369332"/>
+              </a:xfrm>
+              <a:prstGeom prst="rect">
+                <a:avLst/>
+              </a:prstGeom>
+              <a:solidFill>
+                <a:srgbClr val="00B050"/>
+              </a:solidFill>
+            </p:spPr>
+            <p:txBody>
+              <a:bodyPr wrap="square" rtlCol="0">
+                <a:spAutoFit/>
+              </a:bodyPr>
+              <a:lstStyle/>
+              <a:p>
+                <a:pPr algn="ctr"/>
+                <a:r>
+                  <a:rPr lang="en-US" dirty="0" smtClean="0">
+                    <a:solidFill>
+                      <a:schemeClr val="bg1"/>
+                    </a:solidFill>
+                  </a:rPr>
+                  <a:t>Reservation Station</a:t>
+                </a:r>
+                <a:endParaRPr lang="en-US" dirty="0">
+                  <a:solidFill>
+                    <a:schemeClr val="bg1"/>
+                  </a:solidFill>
+                </a:endParaRPr>
+              </a:p>
+            </p:txBody>
+          </p:sp>
+          <p:sp>
+            <p:nvSpPr>
+              <p:cNvPr id="20" name="TextBox 19"/>
+              <p:cNvSpPr txBox="1"/>
+              <p:nvPr/>
+            </p:nvSpPr>
+            <p:spPr>
+              <a:xfrm>
+                <a:off x="5072008" y="970970"/>
+                <a:ext cx="3074881" cy="369332"/>
+              </a:xfrm>
+              <a:prstGeom prst="rect">
+                <a:avLst/>
+              </a:prstGeom>
+              <a:noFill/>
+            </p:spPr>
+            <p:txBody>
+              <a:bodyPr wrap="square" rtlCol="0">
+                <a:spAutoFit/>
+              </a:bodyPr>
+              <a:lstStyle/>
+              <a:p>
+                <a:r>
+                  <a:rPr lang="en-US" dirty="0" smtClean="0"/>
+                  <a:t>ALU/Branch execution pipeline</a:t>
+                </a:r>
+                <a:endParaRPr lang="en-US" dirty="0"/>
+              </a:p>
+            </p:txBody>
+          </p:sp>
+        </p:grpSp>
+        <p:grpSp>
+          <p:nvGrpSpPr>
+            <p:cNvPr id="76" name="Group 75"/>
+            <p:cNvGrpSpPr/>
+            <p:nvPr/>
+          </p:nvGrpSpPr>
+          <p:grpSpPr>
+            <a:xfrm>
+              <a:off x="3934062" y="4129402"/>
+              <a:ext cx="4768819" cy="902290"/>
+              <a:chOff x="3805402" y="3587195"/>
+              <a:chExt cx="4768819" cy="902290"/>
+            </a:xfrm>
+          </p:grpSpPr>
+          <p:sp>
+            <p:nvSpPr>
+              <p:cNvPr id="22" name="Rounded Rectangle 21"/>
+              <p:cNvSpPr/>
+              <p:nvPr/>
+            </p:nvSpPr>
+            <p:spPr>
+              <a:xfrm>
+                <a:off x="3805402" y="3587195"/>
+                <a:ext cx="4768819" cy="902290"/>
+              </a:xfrm>
+              <a:prstGeom prst="roundRect">
+                <a:avLst/>
+              </a:prstGeom>
+              <a:noFill/>
+              <a:ln w="19050">
+                <a:solidFill>
+                  <a:schemeClr val="tx1"/>
+                </a:solidFill>
+              </a:ln>
+            </p:spPr>
+            <p:style>
+              <a:lnRef idx="2">
+                <a:schemeClr val="accent1">
+                  <a:shade val="50000"/>
+                </a:schemeClr>
+              </a:lnRef>
+              <a:fillRef idx="1">
+                <a:schemeClr val="accent1"/>
+              </a:fillRef>
+              <a:effectRef idx="0">
+                <a:schemeClr val="accent1"/>
+              </a:effectRef>
+              <a:fontRef idx="minor">
+                <a:schemeClr val="lt1"/>
+              </a:fontRef>
+            </p:style>
+            <p:txBody>
+              <a:bodyPr rtlCol="0" anchor="ctr"/>
+              <a:lstStyle/>
+              <a:p>
+                <a:pPr algn="ctr"/>
+                <a:endParaRPr lang="en-US" dirty="0"/>
+              </a:p>
+            </p:txBody>
+          </p:sp>
+          <p:sp>
+            <p:nvSpPr>
+              <p:cNvPr id="23" name="TextBox 22"/>
+              <p:cNvSpPr txBox="1"/>
+              <p:nvPr/>
+            </p:nvSpPr>
+            <p:spPr>
+              <a:xfrm>
+                <a:off x="3917917" y="4017157"/>
+                <a:ext cx="2014196" cy="369332"/>
+              </a:xfrm>
+              <a:prstGeom prst="rect">
+                <a:avLst/>
+              </a:prstGeom>
+              <a:solidFill>
+                <a:srgbClr val="00B050"/>
+              </a:solidFill>
+            </p:spPr>
+            <p:txBody>
+              <a:bodyPr wrap="square" rtlCol="0">
+                <a:spAutoFit/>
+              </a:bodyPr>
+              <a:lstStyle/>
+              <a:p>
+                <a:pPr algn="ctr"/>
+                <a:r>
+                  <a:rPr lang="en-US" dirty="0" smtClean="0">
+                    <a:solidFill>
+                      <a:schemeClr val="bg1"/>
+                    </a:solidFill>
+                  </a:rPr>
+                  <a:t>Reservation Station</a:t>
+                </a:r>
+                <a:endParaRPr lang="en-US" dirty="0">
+                  <a:solidFill>
+                    <a:schemeClr val="bg1"/>
+                  </a:solidFill>
+                </a:endParaRPr>
+              </a:p>
+            </p:txBody>
+          </p:sp>
+          <p:sp>
+            <p:nvSpPr>
+              <p:cNvPr id="24" name="TextBox 23"/>
+              <p:cNvSpPr txBox="1"/>
+              <p:nvPr/>
+            </p:nvSpPr>
+            <p:spPr>
+              <a:xfrm>
+                <a:off x="4229633" y="3621242"/>
+                <a:ext cx="3920359" cy="369332"/>
+              </a:xfrm>
+              <a:prstGeom prst="rect">
+                <a:avLst/>
+              </a:prstGeom>
+              <a:noFill/>
+            </p:spPr>
+            <p:txBody>
+              <a:bodyPr wrap="square" rtlCol="0">
+                <a:spAutoFit/>
+              </a:bodyPr>
+              <a:lstStyle/>
+              <a:p>
+                <a:r>
+                  <a:rPr lang="en-US" dirty="0" smtClean="0"/>
+                  <a:t>FPU/</a:t>
+                </a:r>
+                <a:r>
+                  <a:rPr lang="en-US" dirty="0" err="1" smtClean="0"/>
+                  <a:t>Int-Mul</a:t>
+                </a:r>
+                <a:r>
+                  <a:rPr lang="en-US" dirty="0" smtClean="0"/>
+                  <a:t>/</a:t>
+                </a:r>
+                <a:r>
+                  <a:rPr lang="en-US" dirty="0" err="1" smtClean="0"/>
+                  <a:t>Int-Div</a:t>
+                </a:r>
+                <a:r>
+                  <a:rPr lang="en-US" dirty="0" smtClean="0"/>
+                  <a:t> execution pipeline</a:t>
+                </a:r>
+                <a:endParaRPr lang="en-US" dirty="0"/>
+              </a:p>
+            </p:txBody>
+          </p:sp>
+          <p:sp>
+            <p:nvSpPr>
+              <p:cNvPr id="25" name="TextBox 24"/>
+              <p:cNvSpPr txBox="1"/>
+              <p:nvPr/>
+            </p:nvSpPr>
+            <p:spPr>
+              <a:xfrm>
+                <a:off x="6101296" y="4017157"/>
+                <a:ext cx="717647" cy="369332"/>
+              </a:xfrm>
+              <a:prstGeom prst="rect">
+                <a:avLst/>
+              </a:prstGeom>
+              <a:solidFill>
+                <a:srgbClr val="00B050"/>
+              </a:solidFill>
+            </p:spPr>
+            <p:txBody>
+              <a:bodyPr wrap="square" rtlCol="0">
+                <a:spAutoFit/>
+              </a:bodyPr>
+              <a:lstStyle/>
+              <a:p>
+                <a:pPr algn="ctr"/>
+                <a:r>
+                  <a:rPr lang="en-US" dirty="0" smtClean="0">
+                    <a:solidFill>
+                      <a:schemeClr val="bg1"/>
+                    </a:solidFill>
+                  </a:rPr>
+                  <a:t>FPU</a:t>
+                </a:r>
+                <a:endParaRPr lang="en-US" dirty="0">
+                  <a:solidFill>
+                    <a:schemeClr val="bg1"/>
+                  </a:solidFill>
+                </a:endParaRPr>
+              </a:p>
+            </p:txBody>
+          </p:sp>
+          <p:sp>
+            <p:nvSpPr>
+              <p:cNvPr id="26" name="TextBox 25"/>
+              <p:cNvSpPr txBox="1"/>
+              <p:nvPr/>
+            </p:nvSpPr>
+            <p:spPr>
+              <a:xfrm>
+                <a:off x="6988126" y="4017157"/>
+                <a:ext cx="1379324" cy="369332"/>
+              </a:xfrm>
+              <a:prstGeom prst="rect">
+                <a:avLst/>
+              </a:prstGeom>
+              <a:solidFill>
+                <a:srgbClr val="00B050"/>
+              </a:solidFill>
+            </p:spPr>
+            <p:txBody>
+              <a:bodyPr wrap="square" rtlCol="0">
+                <a:spAutoFit/>
+              </a:bodyPr>
+              <a:lstStyle/>
+              <a:p>
+                <a:pPr algn="ctr"/>
+                <a:r>
+                  <a:rPr lang="en-US" dirty="0" err="1" smtClean="0">
+                    <a:solidFill>
+                      <a:schemeClr val="bg1"/>
+                    </a:solidFill>
+                  </a:rPr>
+                  <a:t>Int</a:t>
+                </a:r>
+                <a:r>
+                  <a:rPr lang="en-US" dirty="0" smtClean="0">
+                    <a:solidFill>
+                      <a:schemeClr val="bg1"/>
+                    </a:solidFill>
+                  </a:rPr>
+                  <a:t> </a:t>
+                </a:r>
+                <a:r>
+                  <a:rPr lang="en-US" dirty="0" err="1" smtClean="0">
+                    <a:solidFill>
+                      <a:schemeClr val="bg1"/>
+                    </a:solidFill>
+                  </a:rPr>
+                  <a:t>Mul</a:t>
+                </a:r>
+                <a:r>
+                  <a:rPr lang="en-US" dirty="0" smtClean="0">
+                    <a:solidFill>
+                      <a:schemeClr val="bg1"/>
+                    </a:solidFill>
+                  </a:rPr>
+                  <a:t> </a:t>
+                </a:r>
+                <a:r>
+                  <a:rPr lang="en-US" dirty="0" err="1" smtClean="0">
+                    <a:solidFill>
+                      <a:schemeClr val="bg1"/>
+                    </a:solidFill>
+                  </a:rPr>
+                  <a:t>Div</a:t>
+                </a:r>
+                <a:endParaRPr lang="en-US" dirty="0">
+                  <a:solidFill>
+                    <a:schemeClr val="bg1"/>
+                  </a:solidFill>
+                </a:endParaRPr>
+              </a:p>
+            </p:txBody>
+          </p:sp>
+        </p:grpSp>
+        <p:sp>
+          <p:nvSpPr>
+            <p:cNvPr id="35" name="TextBox 34"/>
+            <p:cNvSpPr txBox="1"/>
+            <p:nvPr/>
+          </p:nvSpPr>
+          <p:spPr>
+            <a:xfrm>
+              <a:off x="3934062" y="5717920"/>
+              <a:ext cx="5049116" cy="369332"/>
+            </a:xfrm>
+            <a:prstGeom prst="rect">
+              <a:avLst/>
+            </a:prstGeom>
+            <a:solidFill>
+              <a:srgbClr val="00B050"/>
+            </a:solidFill>
+          </p:spPr>
+          <p:txBody>
+            <a:bodyPr wrap="square" rtlCol="0">
+              <a:spAutoFit/>
+            </a:bodyPr>
+            <a:lstStyle/>
+            <a:p>
+              <a:pPr algn="ctr"/>
+              <a:r>
+                <a:rPr lang="en-US" dirty="0" smtClean="0">
+                  <a:solidFill>
+                    <a:schemeClr val="bg1"/>
+                  </a:solidFill>
+                </a:rPr>
+                <a:t>ROB</a:t>
+              </a:r>
+              <a:endParaRPr lang="en-US" dirty="0">
+                <a:solidFill>
+                  <a:schemeClr val="bg1"/>
+                </a:solidFill>
+              </a:endParaRPr>
+            </a:p>
+          </p:txBody>
+        </p:sp>
+        <p:sp>
+          <p:nvSpPr>
+            <p:cNvPr id="36" name="Cloud 35"/>
+            <p:cNvSpPr/>
+            <p:nvPr/>
+          </p:nvSpPr>
+          <p:spPr>
+            <a:xfrm>
+              <a:off x="9669318" y="5353486"/>
+              <a:ext cx="1511748" cy="1098199"/>
+            </a:xfrm>
+            <a:prstGeom prst="cloud">
+              <a:avLst/>
+            </a:prstGeom>
+          </p:spPr>
+          <p:style>
+            <a:lnRef idx="2">
+              <a:schemeClr val="accent1">
+                <a:shade val="50000"/>
+              </a:schemeClr>
+            </a:lnRef>
+            <a:fillRef idx="1">
+              <a:schemeClr val="accent1"/>
+            </a:fillRef>
+            <a:effectRef idx="0">
+              <a:schemeClr val="accent1"/>
+            </a:effectRef>
+            <a:fontRef idx="minor">
+              <a:schemeClr val="lt1"/>
+            </a:fontRef>
+          </p:style>
+          <p:txBody>
+            <a:bodyPr rtlCol="0" anchor="ctr"/>
+            <a:lstStyle/>
+            <a:p>
+              <a:pPr algn="ctr"/>
+              <a:r>
+                <a:rPr lang="en-US" dirty="0" smtClean="0"/>
+                <a:t>Commit</a:t>
+              </a:r>
+            </a:p>
+            <a:p>
+              <a:pPr algn="ctr"/>
+              <a:r>
+                <a:rPr lang="en-US" dirty="0" smtClean="0"/>
+                <a:t>Stage</a:t>
+              </a:r>
+              <a:endParaRPr lang="en-US" dirty="0"/>
+            </a:p>
+          </p:txBody>
+        </p:sp>
+        <p:grpSp>
+          <p:nvGrpSpPr>
+            <p:cNvPr id="75" name="Group 74"/>
+            <p:cNvGrpSpPr/>
+            <p:nvPr/>
+          </p:nvGrpSpPr>
+          <p:grpSpPr>
+            <a:xfrm>
+              <a:off x="3934062" y="1276951"/>
+              <a:ext cx="4613448" cy="1042862"/>
+              <a:chOff x="3805402" y="734744"/>
+              <a:chExt cx="4613448" cy="1042862"/>
+            </a:xfrm>
+          </p:grpSpPr>
+          <p:sp>
+            <p:nvSpPr>
+              <p:cNvPr id="27" name="Rounded Rectangle 26"/>
+              <p:cNvSpPr/>
+              <p:nvPr/>
+            </p:nvSpPr>
+            <p:spPr>
+              <a:xfrm>
+                <a:off x="3805402" y="734744"/>
+                <a:ext cx="4613448" cy="1042862"/>
+              </a:xfrm>
+              <a:prstGeom prst="roundRect">
+                <a:avLst/>
+              </a:prstGeom>
+              <a:noFill/>
+              <a:ln w="19050">
+                <a:solidFill>
+                  <a:schemeClr val="tx1"/>
+                </a:solidFill>
+              </a:ln>
+            </p:spPr>
+            <p:style>
+              <a:lnRef idx="2">
+                <a:schemeClr val="accent1">
+                  <a:shade val="50000"/>
+                </a:schemeClr>
+              </a:lnRef>
+              <a:fillRef idx="1">
+                <a:schemeClr val="accent1"/>
+              </a:fillRef>
+              <a:effectRef idx="0">
+                <a:schemeClr val="accent1"/>
+              </a:effectRef>
+              <a:fontRef idx="minor">
+                <a:schemeClr val="lt1"/>
+              </a:fontRef>
+            </p:style>
+            <p:txBody>
+              <a:bodyPr rtlCol="0" anchor="ctr"/>
+              <a:lstStyle/>
+              <a:p>
+                <a:pPr algn="ctr"/>
+                <a:endParaRPr lang="en-US" dirty="0"/>
+              </a:p>
+            </p:txBody>
+          </p:sp>
+          <p:sp>
+            <p:nvSpPr>
+              <p:cNvPr id="29" name="TextBox 28"/>
+              <p:cNvSpPr txBox="1"/>
+              <p:nvPr/>
+            </p:nvSpPr>
+            <p:spPr>
+              <a:xfrm>
+                <a:off x="6080309" y="1301021"/>
+                <a:ext cx="717647" cy="369332"/>
+              </a:xfrm>
+              <a:prstGeom prst="rect">
+                <a:avLst/>
+              </a:prstGeom>
+              <a:solidFill>
+                <a:srgbClr val="00B050"/>
+              </a:solidFill>
+            </p:spPr>
+            <p:txBody>
+              <a:bodyPr wrap="square" rtlCol="0">
+                <a:spAutoFit/>
+              </a:bodyPr>
+              <a:lstStyle/>
+              <a:p>
+                <a:pPr algn="ctr"/>
+                <a:r>
+                  <a:rPr lang="en-US" dirty="0" smtClean="0">
+                    <a:solidFill>
+                      <a:schemeClr val="bg1"/>
+                    </a:solidFill>
+                  </a:rPr>
+                  <a:t>LSQ</a:t>
+                </a:r>
+                <a:endParaRPr lang="en-US" dirty="0">
+                  <a:solidFill>
+                    <a:schemeClr val="bg1"/>
+                  </a:solidFill>
+                </a:endParaRPr>
+              </a:p>
+            </p:txBody>
+          </p:sp>
+          <p:sp>
+            <p:nvSpPr>
+              <p:cNvPr id="30" name="TextBox 29"/>
+              <p:cNvSpPr txBox="1"/>
+              <p:nvPr/>
+            </p:nvSpPr>
+            <p:spPr>
+              <a:xfrm>
+                <a:off x="5926303" y="821340"/>
+                <a:ext cx="2441147" cy="369332"/>
+              </a:xfrm>
+              <a:prstGeom prst="rect">
+                <a:avLst/>
+              </a:prstGeom>
+              <a:noFill/>
+            </p:spPr>
+            <p:txBody>
+              <a:bodyPr wrap="square" rtlCol="0">
+                <a:spAutoFit/>
+              </a:bodyPr>
+              <a:lstStyle/>
+              <a:p>
+                <a:r>
+                  <a:rPr lang="en-US" dirty="0" smtClean="0"/>
+                  <a:t>Mem execution pipeline</a:t>
+                </a:r>
+                <a:endParaRPr lang="en-US" dirty="0"/>
+              </a:p>
+            </p:txBody>
+          </p:sp>
+          <p:sp>
+            <p:nvSpPr>
+              <p:cNvPr id="31" name="TextBox 30"/>
+              <p:cNvSpPr txBox="1"/>
+              <p:nvPr/>
+            </p:nvSpPr>
+            <p:spPr>
+              <a:xfrm>
+                <a:off x="3945816" y="817345"/>
+                <a:ext cx="997940" cy="369332"/>
+              </a:xfrm>
+              <a:prstGeom prst="rect">
+                <a:avLst/>
+              </a:prstGeom>
+              <a:solidFill>
+                <a:srgbClr val="00B050"/>
+              </a:solidFill>
+            </p:spPr>
+            <p:txBody>
+              <a:bodyPr wrap="square" rtlCol="0">
+                <a:spAutoFit/>
+              </a:bodyPr>
+              <a:lstStyle/>
+              <a:p>
+                <a:pPr algn="ctr"/>
+                <a:r>
+                  <a:rPr lang="en-US" dirty="0" smtClean="0">
+                    <a:solidFill>
+                      <a:schemeClr val="bg1"/>
+                    </a:solidFill>
+                  </a:rPr>
+                  <a:t>L1 D TLB</a:t>
+                </a:r>
+                <a:endParaRPr lang="en-US" dirty="0">
+                  <a:solidFill>
+                    <a:schemeClr val="bg1"/>
+                  </a:solidFill>
+                </a:endParaRPr>
+              </a:p>
+            </p:txBody>
+          </p:sp>
+          <p:sp>
+            <p:nvSpPr>
+              <p:cNvPr id="32" name="TextBox 31"/>
+              <p:cNvSpPr txBox="1"/>
+              <p:nvPr/>
+            </p:nvSpPr>
+            <p:spPr>
+              <a:xfrm>
+                <a:off x="5084168" y="820256"/>
+                <a:ext cx="769060" cy="369332"/>
+              </a:xfrm>
+              <a:prstGeom prst="rect">
+                <a:avLst/>
+              </a:prstGeom>
+              <a:solidFill>
+                <a:srgbClr val="00B050"/>
+              </a:solidFill>
+            </p:spPr>
+            <p:txBody>
+              <a:bodyPr wrap="square" rtlCol="0">
+                <a:spAutoFit/>
+              </a:bodyPr>
+              <a:lstStyle/>
+              <a:p>
+                <a:pPr algn="ctr"/>
+                <a:r>
+                  <a:rPr lang="en-US" dirty="0" smtClean="0">
+                    <a:solidFill>
+                      <a:schemeClr val="bg1"/>
+                    </a:solidFill>
+                  </a:rPr>
+                  <a:t>L1 D$</a:t>
+                </a:r>
+                <a:endParaRPr lang="en-US" dirty="0">
+                  <a:solidFill>
+                    <a:schemeClr val="bg1"/>
+                  </a:solidFill>
+                </a:endParaRPr>
+              </a:p>
+            </p:txBody>
+          </p:sp>
+          <p:sp>
+            <p:nvSpPr>
+              <p:cNvPr id="33" name="TextBox 32"/>
+              <p:cNvSpPr txBox="1"/>
+              <p:nvPr/>
+            </p:nvSpPr>
+            <p:spPr>
+              <a:xfrm>
+                <a:off x="6918253" y="1301021"/>
+                <a:ext cx="1321469" cy="369332"/>
+              </a:xfrm>
+              <a:prstGeom prst="rect">
+                <a:avLst/>
+              </a:prstGeom>
+              <a:solidFill>
+                <a:srgbClr val="00B050"/>
+              </a:solidFill>
+            </p:spPr>
+            <p:txBody>
+              <a:bodyPr wrap="square" rtlCol="0">
+                <a:spAutoFit/>
+              </a:bodyPr>
+              <a:lstStyle/>
+              <a:p>
+                <a:pPr algn="ctr"/>
+                <a:r>
+                  <a:rPr lang="en-US" dirty="0" smtClean="0">
+                    <a:solidFill>
+                      <a:schemeClr val="bg1"/>
+                    </a:solidFill>
+                  </a:rPr>
+                  <a:t>Store Buffer</a:t>
+                </a:r>
+                <a:endParaRPr lang="en-US" dirty="0">
+                  <a:solidFill>
+                    <a:schemeClr val="bg1"/>
+                  </a:solidFill>
+                </a:endParaRPr>
+              </a:p>
+            </p:txBody>
+          </p:sp>
+          <p:sp>
+            <p:nvSpPr>
+              <p:cNvPr id="37" name="TextBox 36"/>
+              <p:cNvSpPr txBox="1"/>
+              <p:nvPr/>
+            </p:nvSpPr>
+            <p:spPr>
+              <a:xfrm>
+                <a:off x="3945816" y="1301021"/>
+                <a:ext cx="2014196" cy="369332"/>
+              </a:xfrm>
+              <a:prstGeom prst="rect">
+                <a:avLst/>
+              </a:prstGeom>
+              <a:solidFill>
+                <a:srgbClr val="00B050"/>
+              </a:solidFill>
+            </p:spPr>
+            <p:txBody>
+              <a:bodyPr wrap="square" rtlCol="0">
+                <a:spAutoFit/>
+              </a:bodyPr>
+              <a:lstStyle/>
+              <a:p>
+                <a:pPr algn="ctr"/>
+                <a:r>
+                  <a:rPr lang="en-US" dirty="0" smtClean="0">
+                    <a:solidFill>
+                      <a:schemeClr val="bg1"/>
+                    </a:solidFill>
+                  </a:rPr>
+                  <a:t>Reservation Station</a:t>
+                </a:r>
+                <a:endParaRPr lang="en-US" dirty="0">
+                  <a:solidFill>
+                    <a:schemeClr val="bg1"/>
+                  </a:solidFill>
+                </a:endParaRPr>
+              </a:p>
+            </p:txBody>
+          </p:sp>
+        </p:grpSp>
+        <p:sp>
+          <p:nvSpPr>
+            <p:cNvPr id="38" name="TextBox 37"/>
+            <p:cNvSpPr txBox="1"/>
+            <p:nvPr/>
+          </p:nvSpPr>
+          <p:spPr>
+            <a:xfrm>
+              <a:off x="2846102" y="1362607"/>
+              <a:ext cx="907218" cy="369332"/>
+            </a:xfrm>
+            <a:prstGeom prst="rect">
+              <a:avLst/>
+            </a:prstGeom>
+            <a:solidFill>
+              <a:srgbClr val="00B050"/>
+            </a:solidFill>
+          </p:spPr>
+          <p:txBody>
+            <a:bodyPr wrap="square" rtlCol="0">
+              <a:spAutoFit/>
+            </a:bodyPr>
+            <a:lstStyle/>
+            <a:p>
+              <a:pPr algn="ctr"/>
+              <a:r>
+                <a:rPr lang="en-US" dirty="0" smtClean="0">
+                  <a:solidFill>
+                    <a:schemeClr val="bg1"/>
+                  </a:solidFill>
+                </a:rPr>
+                <a:t>L2 TLB</a:t>
+              </a:r>
+              <a:endParaRPr lang="en-US" dirty="0">
+                <a:solidFill>
+                  <a:schemeClr val="bg1"/>
+                </a:solidFill>
+              </a:endParaRPr>
+            </a:p>
+          </p:txBody>
+        </p:sp>
+        <p:cxnSp>
+          <p:nvCxnSpPr>
+            <p:cNvPr id="40" name="Elbow Connector 39"/>
+            <p:cNvCxnSpPr>
+              <a:stCxn id="10" idx="0"/>
+              <a:endCxn id="27" idx="1"/>
+            </p:cNvCxnSpPr>
+            <p:nvPr/>
+          </p:nvCxnSpPr>
+          <p:spPr>
+            <a:xfrm flipV="1">
+              <a:off x="2422591" y="1798382"/>
+              <a:ext cx="1511471" cy="2066429"/>
+            </a:xfrm>
+            <a:prstGeom prst="bentConnector3">
+              <a:avLst/>
+            </a:prstGeom>
+            <a:ln w="12700">
+              <a:solidFill>
+                <a:schemeClr val="tx1"/>
+              </a:solidFill>
+              <a:tailEnd type="triangle"/>
+            </a:ln>
+          </p:spPr>
+          <p:style>
+            <a:lnRef idx="1">
+              <a:schemeClr val="accent1"/>
+            </a:lnRef>
+            <a:fillRef idx="0">
+              <a:schemeClr val="accent1"/>
+            </a:fillRef>
+            <a:effectRef idx="0">
+              <a:schemeClr val="accent1"/>
+            </a:effectRef>
+            <a:fontRef idx="minor">
+              <a:schemeClr val="tx1"/>
+            </a:fontRef>
+          </p:style>
+        </p:cxnSp>
+        <p:cxnSp>
+          <p:nvCxnSpPr>
+            <p:cNvPr id="42" name="Elbow Connector 41"/>
+            <p:cNvCxnSpPr>
+              <a:stCxn id="10" idx="0"/>
+              <a:endCxn id="13" idx="1"/>
+            </p:cNvCxnSpPr>
+            <p:nvPr/>
+          </p:nvCxnSpPr>
+          <p:spPr>
+            <a:xfrm flipV="1">
+              <a:off x="2422591" y="2819071"/>
+              <a:ext cx="1511471" cy="1045740"/>
+            </a:xfrm>
+            <a:prstGeom prst="bentConnector3">
+              <a:avLst/>
+            </a:prstGeom>
+            <a:ln w="12700">
+              <a:solidFill>
+                <a:schemeClr val="tx1"/>
+              </a:solidFill>
+              <a:tailEnd type="triangle"/>
+            </a:ln>
+          </p:spPr>
+          <p:style>
+            <a:lnRef idx="1">
+              <a:schemeClr val="accent1"/>
+            </a:lnRef>
+            <a:fillRef idx="0">
+              <a:schemeClr val="accent1"/>
+            </a:fillRef>
+            <a:effectRef idx="0">
+              <a:schemeClr val="accent1"/>
+            </a:effectRef>
+            <a:fontRef idx="minor">
+              <a:schemeClr val="tx1"/>
+            </a:fontRef>
+          </p:style>
+        </p:cxnSp>
+        <p:cxnSp>
+          <p:nvCxnSpPr>
+            <p:cNvPr id="44" name="Elbow Connector 43"/>
+            <p:cNvCxnSpPr>
+              <a:stCxn id="10" idx="0"/>
+              <a:endCxn id="18" idx="1"/>
+            </p:cNvCxnSpPr>
+            <p:nvPr/>
+          </p:nvCxnSpPr>
+          <p:spPr>
+            <a:xfrm flipV="1">
+              <a:off x="2422591" y="3599349"/>
+              <a:ext cx="1511471" cy="265462"/>
+            </a:xfrm>
+            <a:prstGeom prst="bentConnector3">
+              <a:avLst/>
+            </a:prstGeom>
+            <a:ln w="12700">
+              <a:solidFill>
+                <a:schemeClr val="tx1"/>
+              </a:solidFill>
+              <a:tailEnd type="triangle"/>
+            </a:ln>
+          </p:spPr>
+          <p:style>
+            <a:lnRef idx="1">
+              <a:schemeClr val="accent1"/>
+            </a:lnRef>
+            <a:fillRef idx="0">
+              <a:schemeClr val="accent1"/>
+            </a:fillRef>
+            <a:effectRef idx="0">
+              <a:schemeClr val="accent1"/>
+            </a:effectRef>
+            <a:fontRef idx="minor">
+              <a:schemeClr val="tx1"/>
+            </a:fontRef>
+          </p:style>
+        </p:cxnSp>
+        <p:cxnSp>
+          <p:nvCxnSpPr>
+            <p:cNvPr id="46" name="Elbow Connector 45"/>
+            <p:cNvCxnSpPr>
+              <a:stCxn id="10" idx="0"/>
+              <a:endCxn id="22" idx="1"/>
+            </p:cNvCxnSpPr>
+            <p:nvPr/>
+          </p:nvCxnSpPr>
+          <p:spPr>
+            <a:xfrm>
+              <a:off x="2422591" y="3864811"/>
+              <a:ext cx="1511471" cy="715736"/>
+            </a:xfrm>
+            <a:prstGeom prst="bentConnector3">
+              <a:avLst/>
+            </a:prstGeom>
+            <a:ln w="12700">
+              <a:solidFill>
+                <a:schemeClr val="tx1"/>
+              </a:solidFill>
+              <a:tailEnd type="triangle"/>
+            </a:ln>
+          </p:spPr>
+          <p:style>
+            <a:lnRef idx="1">
+              <a:schemeClr val="accent1"/>
+            </a:lnRef>
+            <a:fillRef idx="0">
+              <a:schemeClr val="accent1"/>
+            </a:fillRef>
+            <a:effectRef idx="0">
+              <a:schemeClr val="accent1"/>
+            </a:effectRef>
+            <a:fontRef idx="minor">
+              <a:schemeClr val="tx1"/>
+            </a:fontRef>
+          </p:style>
+        </p:cxnSp>
+        <p:cxnSp>
+          <p:nvCxnSpPr>
+            <p:cNvPr id="49" name="Straight Arrow Connector 48"/>
+            <p:cNvCxnSpPr>
+              <a:stCxn id="5" idx="2"/>
+              <a:endCxn id="10" idx="3"/>
+            </p:cNvCxnSpPr>
+            <p:nvPr/>
+          </p:nvCxnSpPr>
+          <p:spPr>
+            <a:xfrm>
+              <a:off x="1667977" y="2926999"/>
+              <a:ext cx="0" cy="451503"/>
+            </a:xfrm>
+            <a:prstGeom prst="straightConnector1">
+              <a:avLst/>
+            </a:prstGeom>
+            <a:ln w="12700">
+              <a:solidFill>
+                <a:schemeClr val="tx1"/>
+              </a:solidFill>
+              <a:tailEnd type="triangle"/>
+            </a:ln>
+          </p:spPr>
+          <p:style>
+            <a:lnRef idx="1">
+              <a:schemeClr val="accent1"/>
+            </a:lnRef>
+            <a:fillRef idx="0">
+              <a:schemeClr val="accent1"/>
+            </a:fillRef>
+            <a:effectRef idx="0">
+              <a:schemeClr val="accent1"/>
+            </a:effectRef>
+            <a:fontRef idx="minor">
+              <a:schemeClr val="tx1"/>
+            </a:fontRef>
+          </p:style>
+        </p:cxnSp>
+        <p:cxnSp>
+          <p:nvCxnSpPr>
+            <p:cNvPr id="64" name="Elbow Connector 63"/>
+            <p:cNvCxnSpPr>
+              <a:stCxn id="10" idx="0"/>
+              <a:endCxn id="35" idx="1"/>
+            </p:cNvCxnSpPr>
+            <p:nvPr/>
+          </p:nvCxnSpPr>
+          <p:spPr>
+            <a:xfrm>
+              <a:off x="2422591" y="3864811"/>
+              <a:ext cx="1511471" cy="2037775"/>
+            </a:xfrm>
+            <a:prstGeom prst="bentConnector3">
+              <a:avLst/>
+            </a:prstGeom>
+            <a:ln w="12700">
+              <a:solidFill>
+                <a:schemeClr val="tx1"/>
+              </a:solidFill>
+              <a:tailEnd type="triangle"/>
+            </a:ln>
+          </p:spPr>
+          <p:style>
+            <a:lnRef idx="1">
+              <a:schemeClr val="accent1"/>
+            </a:lnRef>
+            <a:fillRef idx="0">
+              <a:schemeClr val="accent1"/>
+            </a:fillRef>
+            <a:effectRef idx="0">
+              <a:schemeClr val="accent1"/>
+            </a:effectRef>
+            <a:fontRef idx="minor">
+              <a:schemeClr val="tx1"/>
+            </a:fontRef>
+          </p:style>
+        </p:cxnSp>
+        <p:cxnSp>
+          <p:nvCxnSpPr>
+            <p:cNvPr id="67" name="Straight Arrow Connector 66"/>
+            <p:cNvCxnSpPr>
+              <a:stCxn id="35" idx="3"/>
+              <a:endCxn id="36" idx="2"/>
+            </p:cNvCxnSpPr>
+            <p:nvPr/>
+          </p:nvCxnSpPr>
+          <p:spPr>
+            <a:xfrm>
+              <a:off x="8983178" y="5902586"/>
+              <a:ext cx="690829" cy="0"/>
+            </a:xfrm>
+            <a:prstGeom prst="straightConnector1">
+              <a:avLst/>
+            </a:prstGeom>
+            <a:ln w="12700">
+              <a:solidFill>
+                <a:schemeClr val="tx1"/>
+              </a:solidFill>
+              <a:tailEnd type="triangle"/>
+            </a:ln>
+          </p:spPr>
+          <p:style>
+            <a:lnRef idx="1">
+              <a:schemeClr val="accent1"/>
+            </a:lnRef>
+            <a:fillRef idx="0">
+              <a:schemeClr val="accent1"/>
+            </a:fillRef>
+            <a:effectRef idx="0">
+              <a:schemeClr val="accent1"/>
+            </a:effectRef>
+            <a:fontRef idx="minor">
+              <a:schemeClr val="tx1"/>
+            </a:fontRef>
+          </p:style>
+        </p:cxnSp>
+        <p:sp>
+          <p:nvSpPr>
+            <p:cNvPr id="68" name="TextBox 67"/>
+            <p:cNvSpPr txBox="1"/>
+            <p:nvPr/>
+          </p:nvSpPr>
+          <p:spPr>
+            <a:xfrm>
+              <a:off x="516860" y="5722994"/>
+              <a:ext cx="2302233" cy="369332"/>
+            </a:xfrm>
+            <a:prstGeom prst="rect">
+              <a:avLst/>
+            </a:prstGeom>
+            <a:solidFill>
+              <a:srgbClr val="00B050"/>
+            </a:solidFill>
+          </p:spPr>
+          <p:txBody>
+            <a:bodyPr wrap="none" rtlCol="0">
+              <a:spAutoFit/>
+            </a:bodyPr>
+            <a:lstStyle/>
+            <a:p>
+              <a:r>
+                <a:rPr lang="en-US" dirty="0" smtClean="0">
+                  <a:solidFill>
+                    <a:schemeClr val="bg1"/>
+                  </a:solidFill>
+                </a:rPr>
+                <a:t>Aggressive Scoreboard</a:t>
+              </a:r>
+              <a:endParaRPr lang="en-US" dirty="0">
+                <a:solidFill>
+                  <a:schemeClr val="bg1"/>
+                </a:solidFill>
+              </a:endParaRPr>
+            </a:p>
+          </p:txBody>
+        </p:sp>
+        <p:sp>
+          <p:nvSpPr>
+            <p:cNvPr id="69" name="TextBox 68"/>
+            <p:cNvSpPr txBox="1"/>
+            <p:nvPr/>
+          </p:nvSpPr>
+          <p:spPr>
+            <a:xfrm>
+              <a:off x="9546827" y="1276951"/>
+              <a:ext cx="1934404" cy="369332"/>
+            </a:xfrm>
+            <a:prstGeom prst="rect">
+              <a:avLst/>
+            </a:prstGeom>
+            <a:solidFill>
+              <a:srgbClr val="00B050"/>
+            </a:solidFill>
+          </p:spPr>
+          <p:txBody>
+            <a:bodyPr wrap="square" rtlCol="0">
+              <a:spAutoFit/>
+            </a:bodyPr>
+            <a:lstStyle/>
+            <a:p>
+              <a:pPr algn="ctr"/>
+              <a:r>
+                <a:rPr lang="en-US" dirty="0" smtClean="0">
+                  <a:solidFill>
+                    <a:schemeClr val="bg1"/>
+                  </a:solidFill>
+                </a:rPr>
+                <a:t>MMIO Handler</a:t>
+              </a:r>
+              <a:endParaRPr lang="en-US" dirty="0">
+                <a:solidFill>
+                  <a:schemeClr val="bg1"/>
+                </a:solidFill>
+              </a:endParaRPr>
+            </a:p>
+          </p:txBody>
+        </p:sp>
+        <p:sp>
+          <p:nvSpPr>
+            <p:cNvPr id="70" name="TextBox 69"/>
+            <p:cNvSpPr txBox="1"/>
+            <p:nvPr/>
+          </p:nvSpPr>
+          <p:spPr>
+            <a:xfrm>
+              <a:off x="9546827" y="1793337"/>
+              <a:ext cx="1934404" cy="369332"/>
+            </a:xfrm>
+            <a:prstGeom prst="rect">
+              <a:avLst/>
+            </a:prstGeom>
+            <a:solidFill>
+              <a:srgbClr val="00B050"/>
+            </a:solidFill>
+          </p:spPr>
+          <p:txBody>
+            <a:bodyPr wrap="square" rtlCol="0">
+              <a:spAutoFit/>
+            </a:bodyPr>
+            <a:lstStyle/>
+            <a:p>
+              <a:pPr algn="ctr"/>
+              <a:r>
+                <a:rPr lang="en-US" dirty="0" smtClean="0">
+                  <a:solidFill>
+                    <a:schemeClr val="bg1"/>
+                  </a:solidFill>
+                </a:rPr>
+                <a:t>Physical </a:t>
+              </a:r>
+              <a:r>
+                <a:rPr lang="en-US" dirty="0" err="1" smtClean="0">
+                  <a:solidFill>
+                    <a:schemeClr val="bg1"/>
+                  </a:solidFill>
+                </a:rPr>
+                <a:t>Reg</a:t>
+              </a:r>
+              <a:r>
+                <a:rPr lang="en-US" dirty="0" smtClean="0">
+                  <a:solidFill>
+                    <a:schemeClr val="bg1"/>
+                  </a:solidFill>
+                </a:rPr>
+                <a:t> File</a:t>
+              </a:r>
+            </a:p>
+          </p:txBody>
+        </p:sp>
+        <p:sp>
+          <p:nvSpPr>
+            <p:cNvPr id="71" name="TextBox 70"/>
+            <p:cNvSpPr txBox="1"/>
+            <p:nvPr/>
+          </p:nvSpPr>
+          <p:spPr>
+            <a:xfrm>
+              <a:off x="9546827" y="3102962"/>
+              <a:ext cx="1934404" cy="369332"/>
+            </a:xfrm>
+            <a:prstGeom prst="rect">
+              <a:avLst/>
+            </a:prstGeom>
+            <a:solidFill>
+              <a:srgbClr val="00B050"/>
+            </a:solidFill>
+          </p:spPr>
+          <p:txBody>
+            <a:bodyPr wrap="square" rtlCol="0">
+              <a:spAutoFit/>
+            </a:bodyPr>
+            <a:lstStyle/>
+            <a:p>
+              <a:pPr algn="ctr"/>
+              <a:r>
+                <a:rPr lang="en-US" dirty="0" smtClean="0">
+                  <a:solidFill>
+                    <a:schemeClr val="bg1"/>
+                  </a:solidFill>
+                </a:rPr>
+                <a:t>CSR </a:t>
+              </a:r>
+              <a:r>
+                <a:rPr lang="en-US" dirty="0" err="1" smtClean="0">
+                  <a:solidFill>
+                    <a:schemeClr val="bg1"/>
+                  </a:solidFill>
+                </a:rPr>
+                <a:t>Reg</a:t>
+              </a:r>
+              <a:r>
+                <a:rPr lang="en-US" dirty="0" smtClean="0">
+                  <a:solidFill>
+                    <a:schemeClr val="bg1"/>
+                  </a:solidFill>
+                </a:rPr>
+                <a:t> File</a:t>
+              </a:r>
+              <a:endParaRPr lang="en-US" dirty="0">
+                <a:solidFill>
+                  <a:schemeClr val="bg1"/>
+                </a:solidFill>
+              </a:endParaRPr>
+            </a:p>
+          </p:txBody>
+        </p:sp>
+        <p:sp>
+          <p:nvSpPr>
+            <p:cNvPr id="72" name="TextBox 71"/>
+            <p:cNvSpPr txBox="1"/>
+            <p:nvPr/>
+          </p:nvSpPr>
+          <p:spPr>
+            <a:xfrm>
+              <a:off x="9546827" y="2298864"/>
+              <a:ext cx="1934404" cy="646331"/>
+            </a:xfrm>
+            <a:prstGeom prst="rect">
+              <a:avLst/>
+            </a:prstGeom>
+            <a:solidFill>
+              <a:srgbClr val="00B050"/>
+            </a:solidFill>
+          </p:spPr>
+          <p:txBody>
+            <a:bodyPr wrap="square" rtlCol="0">
+              <a:spAutoFit/>
+            </a:bodyPr>
+            <a:lstStyle/>
+            <a:p>
+              <a:pPr algn="ctr"/>
+              <a:r>
+                <a:rPr lang="en-US" dirty="0" smtClean="0">
+                  <a:solidFill>
+                    <a:schemeClr val="bg1"/>
+                  </a:solidFill>
+                </a:rPr>
+                <a:t>Conservative</a:t>
+              </a:r>
+            </a:p>
+            <a:p>
+              <a:pPr algn="ctr"/>
+              <a:r>
+                <a:rPr lang="en-US" dirty="0" smtClean="0">
+                  <a:solidFill>
+                    <a:schemeClr val="bg1"/>
+                  </a:solidFill>
+                </a:rPr>
+                <a:t>Scoreboard</a:t>
+              </a:r>
+            </a:p>
+          </p:txBody>
+        </p:sp>
+        <p:sp>
+          <p:nvSpPr>
+            <p:cNvPr id="80" name="TextBox 79"/>
+            <p:cNvSpPr txBox="1"/>
+            <p:nvPr/>
+          </p:nvSpPr>
+          <p:spPr>
+            <a:xfrm>
+              <a:off x="9546827" y="3626662"/>
+              <a:ext cx="1934404" cy="646331"/>
+            </a:xfrm>
+            <a:prstGeom prst="rect">
+              <a:avLst/>
+            </a:prstGeom>
+            <a:solidFill>
+              <a:srgbClr val="00B050"/>
+            </a:solidFill>
+          </p:spPr>
+          <p:txBody>
+            <a:bodyPr wrap="square" rtlCol="0">
+              <a:spAutoFit/>
+            </a:bodyPr>
+            <a:lstStyle/>
+            <a:p>
+              <a:pPr algn="ctr"/>
+              <a:r>
+                <a:rPr lang="en-US" dirty="0" smtClean="0">
+                  <a:solidFill>
+                    <a:schemeClr val="bg1"/>
+                  </a:solidFill>
+                </a:rPr>
+                <a:t>Global Speculation Update</a:t>
+              </a:r>
+              <a:endParaRPr lang="en-US" dirty="0">
+                <a:solidFill>
+                  <a:schemeClr val="bg1"/>
+                </a:solidFill>
+              </a:endParaRPr>
+            </a:p>
+          </p:txBody>
+        </p:sp>
+        <p:sp>
+          <p:nvSpPr>
+            <p:cNvPr id="90" name="Cloud 89"/>
+            <p:cNvSpPr/>
+            <p:nvPr/>
+          </p:nvSpPr>
+          <p:spPr>
+            <a:xfrm>
+              <a:off x="9634089" y="4476982"/>
+              <a:ext cx="1816587" cy="619905"/>
+            </a:xfrm>
+            <a:prstGeom prst="cloud">
+              <a:avLst/>
+            </a:prstGeom>
+          </p:spPr>
+          <p:style>
+            <a:lnRef idx="2">
+              <a:schemeClr val="accent1">
+                <a:shade val="50000"/>
+              </a:schemeClr>
+            </a:lnRef>
+            <a:fillRef idx="1">
+              <a:schemeClr val="accent1"/>
+            </a:fillRef>
+            <a:effectRef idx="0">
+              <a:schemeClr val="accent1"/>
+            </a:effectRef>
+            <a:fontRef idx="minor">
+              <a:schemeClr val="lt1"/>
+            </a:fontRef>
+          </p:style>
+          <p:txBody>
+            <a:bodyPr rtlCol="0" anchor="ctr"/>
+            <a:lstStyle/>
+            <a:p>
+              <a:pPr algn="ctr"/>
+              <a:r>
+                <a:rPr lang="en-US" dirty="0" err="1" smtClean="0"/>
+                <a:t>Misc</a:t>
+              </a:r>
+              <a:r>
+                <a:rPr lang="en-US" dirty="0" smtClean="0"/>
+                <a:t> Rules</a:t>
+              </a:r>
+              <a:endParaRPr lang="en-US" dirty="0"/>
+            </a:p>
+          </p:txBody>
+        </p:sp>
+        <p:sp>
+          <p:nvSpPr>
+            <p:cNvPr id="92" name="TextBox 91"/>
+            <p:cNvSpPr txBox="1"/>
+            <p:nvPr/>
+          </p:nvSpPr>
+          <p:spPr>
+            <a:xfrm>
+              <a:off x="741130" y="616728"/>
+              <a:ext cx="782907" cy="369332"/>
+            </a:xfrm>
+            <a:prstGeom prst="rect">
+              <a:avLst/>
+            </a:prstGeom>
+            <a:noFill/>
+          </p:spPr>
+          <p:txBody>
+            <a:bodyPr wrap="none" rtlCol="0">
+              <a:spAutoFit/>
+            </a:bodyPr>
+            <a:lstStyle/>
+            <a:p>
+              <a:r>
+                <a:rPr lang="en-US" dirty="0" smtClean="0"/>
+                <a:t>To L2$</a:t>
+              </a:r>
+              <a:endParaRPr lang="en-US" dirty="0"/>
+            </a:p>
+          </p:txBody>
+        </p:sp>
+        <p:cxnSp>
+          <p:nvCxnSpPr>
+            <p:cNvPr id="94" name="Straight Arrow Connector 93"/>
+            <p:cNvCxnSpPr>
+              <a:stCxn id="6" idx="0"/>
+              <a:endCxn id="92" idx="2"/>
+            </p:cNvCxnSpPr>
+            <p:nvPr/>
+          </p:nvCxnSpPr>
+          <p:spPr>
+            <a:xfrm flipH="1" flipV="1">
+              <a:off x="1132584" y="986060"/>
+              <a:ext cx="1" cy="381702"/>
+            </a:xfrm>
+            <a:prstGeom prst="straightConnector1">
+              <a:avLst/>
+            </a:prstGeom>
+            <a:ln w="12700">
+              <a:solidFill>
+                <a:schemeClr val="tx1"/>
+              </a:solidFill>
+              <a:headEnd type="triangle" w="med" len="med"/>
+              <a:tailEnd type="triangle" w="med" len="med"/>
+            </a:ln>
+          </p:spPr>
+          <p:style>
+            <a:lnRef idx="1">
+              <a:schemeClr val="accent1"/>
+            </a:lnRef>
+            <a:fillRef idx="0">
+              <a:schemeClr val="accent1"/>
+            </a:fillRef>
+            <a:effectRef idx="0">
+              <a:schemeClr val="accent1"/>
+            </a:effectRef>
+            <a:fontRef idx="minor">
+              <a:schemeClr val="tx1"/>
+            </a:fontRef>
+          </p:style>
+        </p:cxnSp>
+        <p:sp>
+          <p:nvSpPr>
+            <p:cNvPr id="95" name="TextBox 94"/>
+            <p:cNvSpPr txBox="1"/>
+            <p:nvPr/>
+          </p:nvSpPr>
+          <p:spPr>
+            <a:xfrm>
+              <a:off x="2908257" y="616728"/>
+              <a:ext cx="782907" cy="369332"/>
+            </a:xfrm>
+            <a:prstGeom prst="rect">
+              <a:avLst/>
+            </a:prstGeom>
+            <a:noFill/>
+          </p:spPr>
+          <p:txBody>
+            <a:bodyPr wrap="none" rtlCol="0">
+              <a:spAutoFit/>
+            </a:bodyPr>
+            <a:lstStyle/>
+            <a:p>
+              <a:r>
+                <a:rPr lang="en-US" dirty="0" smtClean="0"/>
+                <a:t>To L2$</a:t>
+              </a:r>
+              <a:endParaRPr lang="en-US" dirty="0"/>
+            </a:p>
+          </p:txBody>
+        </p:sp>
+        <p:cxnSp>
+          <p:nvCxnSpPr>
+            <p:cNvPr id="96" name="Straight Arrow Connector 95"/>
+            <p:cNvCxnSpPr>
+              <a:stCxn id="38" idx="0"/>
+              <a:endCxn id="95" idx="2"/>
+            </p:cNvCxnSpPr>
+            <p:nvPr/>
+          </p:nvCxnSpPr>
+          <p:spPr>
+            <a:xfrm flipV="1">
+              <a:off x="3299711" y="986060"/>
+              <a:ext cx="0" cy="376547"/>
+            </a:xfrm>
+            <a:prstGeom prst="straightConnector1">
+              <a:avLst/>
+            </a:prstGeom>
+            <a:ln w="12700">
+              <a:solidFill>
+                <a:schemeClr val="tx1"/>
+              </a:solidFill>
+              <a:headEnd type="triangle" w="med" len="med"/>
+              <a:tailEnd type="triangle" w="med" len="med"/>
+            </a:ln>
+          </p:spPr>
+          <p:style>
+            <a:lnRef idx="1">
+              <a:schemeClr val="accent1"/>
+            </a:lnRef>
+            <a:fillRef idx="0">
+              <a:schemeClr val="accent1"/>
+            </a:fillRef>
+            <a:effectRef idx="0">
+              <a:schemeClr val="accent1"/>
+            </a:effectRef>
+            <a:fontRef idx="minor">
+              <a:schemeClr val="tx1"/>
+            </a:fontRef>
+          </p:style>
+        </p:cxnSp>
+        <p:sp>
+          <p:nvSpPr>
+            <p:cNvPr id="99" name="TextBox 98"/>
+            <p:cNvSpPr txBox="1"/>
+            <p:nvPr/>
+          </p:nvSpPr>
+          <p:spPr>
+            <a:xfrm>
+              <a:off x="5205904" y="616728"/>
+              <a:ext cx="782907" cy="369332"/>
+            </a:xfrm>
+            <a:prstGeom prst="rect">
+              <a:avLst/>
+            </a:prstGeom>
+            <a:noFill/>
+          </p:spPr>
+          <p:txBody>
+            <a:bodyPr wrap="none" rtlCol="0">
+              <a:spAutoFit/>
+            </a:bodyPr>
+            <a:lstStyle/>
+            <a:p>
+              <a:r>
+                <a:rPr lang="en-US" dirty="0" smtClean="0"/>
+                <a:t>To L2$</a:t>
+              </a:r>
+              <a:endParaRPr lang="en-US" dirty="0"/>
+            </a:p>
+          </p:txBody>
+        </p:sp>
+        <p:cxnSp>
+          <p:nvCxnSpPr>
+            <p:cNvPr id="100" name="Straight Arrow Connector 99"/>
+            <p:cNvCxnSpPr>
+              <a:stCxn id="32" idx="0"/>
+              <a:endCxn id="99" idx="2"/>
+            </p:cNvCxnSpPr>
+            <p:nvPr/>
+          </p:nvCxnSpPr>
+          <p:spPr>
+            <a:xfrm flipV="1">
+              <a:off x="5597358" y="986060"/>
+              <a:ext cx="0" cy="376403"/>
+            </a:xfrm>
+            <a:prstGeom prst="straightConnector1">
+              <a:avLst/>
+            </a:prstGeom>
+            <a:ln w="12700">
+              <a:solidFill>
+                <a:schemeClr val="tx1"/>
+              </a:solidFill>
+              <a:headEnd type="triangle" w="med" len="med"/>
+              <a:tailEnd type="triangle" w="med" len="med"/>
+            </a:ln>
+          </p:spPr>
+          <p:style>
+            <a:lnRef idx="1">
+              <a:schemeClr val="accent1"/>
+            </a:lnRef>
+            <a:fillRef idx="0">
+              <a:schemeClr val="accent1"/>
+            </a:fillRef>
+            <a:effectRef idx="0">
+              <a:schemeClr val="accent1"/>
+            </a:effectRef>
+            <a:fontRef idx="minor">
+              <a:schemeClr val="tx1"/>
+            </a:fontRef>
+          </p:style>
+        </p:cxnSp>
+        <p:sp>
+          <p:nvSpPr>
+            <p:cNvPr id="103" name="TextBox 102"/>
+            <p:cNvSpPr txBox="1"/>
+            <p:nvPr/>
+          </p:nvSpPr>
+          <p:spPr>
+            <a:xfrm>
+              <a:off x="9155452" y="616728"/>
+              <a:ext cx="2717154" cy="369332"/>
+            </a:xfrm>
+            <a:prstGeom prst="rect">
+              <a:avLst/>
+            </a:prstGeom>
+            <a:noFill/>
+          </p:spPr>
+          <p:txBody>
+            <a:bodyPr wrap="none" rtlCol="0">
+              <a:spAutoFit/>
+            </a:bodyPr>
+            <a:lstStyle/>
+            <a:p>
+              <a:r>
+                <a:rPr lang="en-US" dirty="0" smtClean="0"/>
+                <a:t>To Platform MMIO Handler</a:t>
+              </a:r>
+              <a:endParaRPr lang="en-US" dirty="0"/>
+            </a:p>
+          </p:txBody>
+        </p:sp>
+        <p:cxnSp>
+          <p:nvCxnSpPr>
+            <p:cNvPr id="104" name="Straight Arrow Connector 103"/>
+            <p:cNvCxnSpPr>
+              <a:stCxn id="69" idx="0"/>
+              <a:endCxn id="103" idx="2"/>
+            </p:cNvCxnSpPr>
+            <p:nvPr/>
+          </p:nvCxnSpPr>
+          <p:spPr>
+            <a:xfrm flipV="1">
+              <a:off x="10514029" y="986060"/>
+              <a:ext cx="0" cy="290891"/>
+            </a:xfrm>
+            <a:prstGeom prst="straightConnector1">
+              <a:avLst/>
+            </a:prstGeom>
+            <a:ln w="12700">
+              <a:solidFill>
+                <a:schemeClr val="tx1"/>
+              </a:solidFill>
+              <a:headEnd type="triangle" w="med" len="med"/>
+              <a:tailEnd type="triangle" w="med" len="med"/>
+            </a:ln>
+          </p:spPr>
+          <p:style>
+            <a:lnRef idx="1">
+              <a:schemeClr val="accent1"/>
+            </a:lnRef>
+            <a:fillRef idx="0">
+              <a:schemeClr val="accent1"/>
+            </a:fillRef>
+            <a:effectRef idx="0">
+              <a:schemeClr val="accent1"/>
+            </a:effectRef>
+            <a:fontRef idx="minor">
+              <a:schemeClr val="tx1"/>
+            </a:fontRef>
+          </p:style>
+        </p:cxnSp>
+      </p:grpSp>
+    </p:spTree>
+    <p:extLst>
+      <p:ext uri="{BB962C8B-B14F-4D97-AF65-F5344CB8AC3E}">
+        <p14:creationId xmlns:p14="http://schemas.microsoft.com/office/powerpoint/2010/main" val="4132555016"/>
+      </p:ext>
+    </p:extLst>
+  </p:cSld>
+  <p:clrMapOvr>
+    <a:masterClrMapping/>
+  </p:clrMapOvr>
+</p:sld>
+</file>
+
 <file path=ppt/theme/theme1.xml><?xml version="1.0" encoding="utf-8"?>
 <a:theme xmlns:a="http://schemas.openxmlformats.org/drawingml/2006/main" name="Office Theme">
   <a:themeElements>

--- a/fig/fig.pptx
+++ b/fig/fig.pptx
@@ -244,7 +244,7 @@
           <a:p>
             <a:fld id="{BE4C2E38-1CA4-415D-AC32-50965AFA52AB}" type="datetimeFigureOut">
               <a:rPr lang="en-US" smtClean="0"/>
-              <a:t>4/13/2019</a:t>
+              <a:t>4/17/2019</a:t>
             </a:fld>
             <a:endParaRPr lang="en-US"/>
           </a:p>
@@ -414,7 +414,7 @@
           <a:p>
             <a:fld id="{BE4C2E38-1CA4-415D-AC32-50965AFA52AB}" type="datetimeFigureOut">
               <a:rPr lang="en-US" smtClean="0"/>
-              <a:t>4/13/2019</a:t>
+              <a:t>4/17/2019</a:t>
             </a:fld>
             <a:endParaRPr lang="en-US"/>
           </a:p>
@@ -594,7 +594,7 @@
           <a:p>
             <a:fld id="{BE4C2E38-1CA4-415D-AC32-50965AFA52AB}" type="datetimeFigureOut">
               <a:rPr lang="en-US" smtClean="0"/>
-              <a:t>4/13/2019</a:t>
+              <a:t>4/17/2019</a:t>
             </a:fld>
             <a:endParaRPr lang="en-US"/>
           </a:p>
@@ -764,7 +764,7 @@
           <a:p>
             <a:fld id="{BE4C2E38-1CA4-415D-AC32-50965AFA52AB}" type="datetimeFigureOut">
               <a:rPr lang="en-US" smtClean="0"/>
-              <a:t>4/13/2019</a:t>
+              <a:t>4/17/2019</a:t>
             </a:fld>
             <a:endParaRPr lang="en-US"/>
           </a:p>
@@ -1010,7 +1010,7 @@
           <a:p>
             <a:fld id="{BE4C2E38-1CA4-415D-AC32-50965AFA52AB}" type="datetimeFigureOut">
               <a:rPr lang="en-US" smtClean="0"/>
-              <a:t>4/13/2019</a:t>
+              <a:t>4/17/2019</a:t>
             </a:fld>
             <a:endParaRPr lang="en-US"/>
           </a:p>
@@ -1242,7 +1242,7 @@
           <a:p>
             <a:fld id="{BE4C2E38-1CA4-415D-AC32-50965AFA52AB}" type="datetimeFigureOut">
               <a:rPr lang="en-US" smtClean="0"/>
-              <a:t>4/13/2019</a:t>
+              <a:t>4/17/2019</a:t>
             </a:fld>
             <a:endParaRPr lang="en-US"/>
           </a:p>
@@ -1609,7 +1609,7 @@
           <a:p>
             <a:fld id="{BE4C2E38-1CA4-415D-AC32-50965AFA52AB}" type="datetimeFigureOut">
               <a:rPr lang="en-US" smtClean="0"/>
-              <a:t>4/13/2019</a:t>
+              <a:t>4/17/2019</a:t>
             </a:fld>
             <a:endParaRPr lang="en-US"/>
           </a:p>
@@ -1727,7 +1727,7 @@
           <a:p>
             <a:fld id="{BE4C2E38-1CA4-415D-AC32-50965AFA52AB}" type="datetimeFigureOut">
               <a:rPr lang="en-US" smtClean="0"/>
-              <a:t>4/13/2019</a:t>
+              <a:t>4/17/2019</a:t>
             </a:fld>
             <a:endParaRPr lang="en-US"/>
           </a:p>
@@ -1822,7 +1822,7 @@
           <a:p>
             <a:fld id="{BE4C2E38-1CA4-415D-AC32-50965AFA52AB}" type="datetimeFigureOut">
               <a:rPr lang="en-US" smtClean="0"/>
-              <a:t>4/13/2019</a:t>
+              <a:t>4/17/2019</a:t>
             </a:fld>
             <a:endParaRPr lang="en-US"/>
           </a:p>
@@ -2099,7 +2099,7 @@
           <a:p>
             <a:fld id="{BE4C2E38-1CA4-415D-AC32-50965AFA52AB}" type="datetimeFigureOut">
               <a:rPr lang="en-US" smtClean="0"/>
-              <a:t>4/13/2019</a:t>
+              <a:t>4/17/2019</a:t>
             </a:fld>
             <a:endParaRPr lang="en-US"/>
           </a:p>
@@ -2352,7 +2352,7 @@
           <a:p>
             <a:fld id="{BE4C2E38-1CA4-415D-AC32-50965AFA52AB}" type="datetimeFigureOut">
               <a:rPr lang="en-US" smtClean="0"/>
-              <a:t>4/13/2019</a:t>
+              <a:t>4/17/2019</a:t>
             </a:fld>
             <a:endParaRPr lang="en-US"/>
           </a:p>
@@ -2565,7 +2565,7 @@
           <a:p>
             <a:fld id="{BE4C2E38-1CA4-415D-AC32-50965AFA52AB}" type="datetimeFigureOut">
               <a:rPr lang="en-US" smtClean="0"/>
-              <a:t>4/13/2019</a:t>
+              <a:t>4/17/2019</a:t>
             </a:fld>
             <a:endParaRPr lang="en-US"/>
           </a:p>
@@ -3540,16 +3540,16 @@
       </p:grpSpPr>
       <p:grpSp>
         <p:nvGrpSpPr>
-          <p:cNvPr id="114" name="Group 113"/>
+          <p:cNvPr id="2" name="Group 1"/>
           <p:cNvGrpSpPr/>
           <p:nvPr/>
         </p:nvGrpSpPr>
         <p:grpSpPr>
           <a:xfrm>
             <a:off x="399171" y="616728"/>
-            <a:ext cx="11473435" cy="5834957"/>
+            <a:ext cx="11473435" cy="6019623"/>
             <a:chOff x="399171" y="616728"/>
-            <a:chExt cx="11473435" cy="5834957"/>
+            <a:chExt cx="11473435" cy="6019623"/>
           </a:xfrm>
         </p:grpSpPr>
         <p:sp>
@@ -3876,8 +3876,8 @@
           </p:nvSpPr>
           <p:spPr>
             <a:xfrm>
-              <a:off x="846437" y="5181168"/>
-              <a:ext cx="1643079" cy="369332"/>
+              <a:off x="399171" y="5181168"/>
+              <a:ext cx="2537611" cy="369332"/>
             </a:xfrm>
             <a:prstGeom prst="rect">
               <a:avLst/>
@@ -3887,11 +3887,12 @@
             </a:solidFill>
           </p:spPr>
           <p:txBody>
-            <a:bodyPr wrap="none" rtlCol="0">
+            <a:bodyPr wrap="square" rtlCol="0">
               <a:spAutoFit/>
             </a:bodyPr>
             <a:lstStyle/>
             <a:p>
+              <a:pPr algn="ctr"/>
               <a:r>
                 <a:rPr lang="en-US" dirty="0" smtClean="0">
                   <a:solidFill>
@@ -5144,8 +5145,8 @@
           </p:nvSpPr>
           <p:spPr>
             <a:xfrm>
-              <a:off x="516860" y="5722994"/>
-              <a:ext cx="2302233" cy="369332"/>
+              <a:off x="399172" y="5722994"/>
+              <a:ext cx="2537610" cy="369332"/>
             </a:xfrm>
             <a:prstGeom prst="rect">
               <a:avLst/>
@@ -5155,11 +5156,12 @@
             </a:solidFill>
           </p:spPr>
           <p:txBody>
-            <a:bodyPr wrap="none" rtlCol="0">
+            <a:bodyPr wrap="square" rtlCol="0">
               <a:spAutoFit/>
             </a:bodyPr>
             <a:lstStyle/>
             <a:p>
+              <a:pPr algn="ctr"/>
               <a:r>
                 <a:rPr lang="en-US" dirty="0" smtClean="0">
                   <a:solidFill>
@@ -5404,7 +5406,15 @@
                     <a:schemeClr val="bg1"/>
                   </a:solidFill>
                 </a:rPr>
-                <a:t>Global Speculation Update</a:t>
+                <a:t>Global Speculation </a:t>
+              </a:r>
+              <a:r>
+                <a:rPr lang="en-US" dirty="0" smtClean="0">
+                  <a:solidFill>
+                    <a:schemeClr val="bg1"/>
+                  </a:solidFill>
+                </a:rPr>
+                <a:t>Updater</a:t>
               </a:r>
               <a:endParaRPr lang="en-US" dirty="0">
                 <a:solidFill>
@@ -5742,6 +5752,47 @@
             </a:fontRef>
           </p:style>
         </p:cxnSp>
+        <p:sp>
+          <p:nvSpPr>
+            <p:cNvPr id="58" name="TextBox 57"/>
+            <p:cNvSpPr txBox="1"/>
+            <p:nvPr/>
+          </p:nvSpPr>
+          <p:spPr>
+            <a:xfrm>
+              <a:off x="399171" y="6267019"/>
+              <a:ext cx="2537611" cy="369332"/>
+            </a:xfrm>
+            <a:prstGeom prst="rect">
+              <a:avLst/>
+            </a:prstGeom>
+            <a:solidFill>
+              <a:srgbClr val="00B050"/>
+            </a:solidFill>
+          </p:spPr>
+          <p:txBody>
+            <a:bodyPr wrap="square" rtlCol="0">
+              <a:spAutoFit/>
+            </a:bodyPr>
+            <a:lstStyle/>
+            <a:p>
+              <a:pPr algn="ctr"/>
+              <a:r>
+                <a:rPr lang="en-US" dirty="0" smtClean="0">
+                  <a:solidFill>
+                    <a:schemeClr val="bg1"/>
+                  </a:solidFill>
+                </a:rPr>
+                <a:t>Reaming Table</a:t>
+              </a:r>
+              <a:endParaRPr lang="en-US" dirty="0">
+                <a:solidFill>
+                  <a:schemeClr val="bg1"/>
+                </a:solidFill>
+              </a:endParaRPr>
+            </a:p>
+          </p:txBody>
+        </p:sp>
       </p:grpSp>
     </p:spTree>
     <p:extLst>

--- a/fig/fig.pptx
+++ b/fig/fig.pptx
@@ -7,6 +7,7 @@
   <p:sldIdLst>
     <p:sldId id="256" r:id="rId2"/>
     <p:sldId id="257" r:id="rId3"/>
+    <p:sldId id="258" r:id="rId4"/>
   </p:sldIdLst>
   <p:sldSz cx="12192000" cy="6858000"/>
   <p:notesSz cx="6858000" cy="9144000"/>
@@ -244,7 +245,7 @@
           <a:p>
             <a:fld id="{BE4C2E38-1CA4-415D-AC32-50965AFA52AB}" type="datetimeFigureOut">
               <a:rPr lang="en-US" smtClean="0"/>
-              <a:t>4/17/2019</a:t>
+              <a:t>5/10/2019</a:t>
             </a:fld>
             <a:endParaRPr lang="en-US"/>
           </a:p>
@@ -414,7 +415,7 @@
           <a:p>
             <a:fld id="{BE4C2E38-1CA4-415D-AC32-50965AFA52AB}" type="datetimeFigureOut">
               <a:rPr lang="en-US" smtClean="0"/>
-              <a:t>4/17/2019</a:t>
+              <a:t>5/10/2019</a:t>
             </a:fld>
             <a:endParaRPr lang="en-US"/>
           </a:p>
@@ -594,7 +595,7 @@
           <a:p>
             <a:fld id="{BE4C2E38-1CA4-415D-AC32-50965AFA52AB}" type="datetimeFigureOut">
               <a:rPr lang="en-US" smtClean="0"/>
-              <a:t>4/17/2019</a:t>
+              <a:t>5/10/2019</a:t>
             </a:fld>
             <a:endParaRPr lang="en-US"/>
           </a:p>
@@ -764,7 +765,7 @@
           <a:p>
             <a:fld id="{BE4C2E38-1CA4-415D-AC32-50965AFA52AB}" type="datetimeFigureOut">
               <a:rPr lang="en-US" smtClean="0"/>
-              <a:t>4/17/2019</a:t>
+              <a:t>5/10/2019</a:t>
             </a:fld>
             <a:endParaRPr lang="en-US"/>
           </a:p>
@@ -1010,7 +1011,7 @@
           <a:p>
             <a:fld id="{BE4C2E38-1CA4-415D-AC32-50965AFA52AB}" type="datetimeFigureOut">
               <a:rPr lang="en-US" smtClean="0"/>
-              <a:t>4/17/2019</a:t>
+              <a:t>5/10/2019</a:t>
             </a:fld>
             <a:endParaRPr lang="en-US"/>
           </a:p>
@@ -1242,7 +1243,7 @@
           <a:p>
             <a:fld id="{BE4C2E38-1CA4-415D-AC32-50965AFA52AB}" type="datetimeFigureOut">
               <a:rPr lang="en-US" smtClean="0"/>
-              <a:t>4/17/2019</a:t>
+              <a:t>5/10/2019</a:t>
             </a:fld>
             <a:endParaRPr lang="en-US"/>
           </a:p>
@@ -1609,7 +1610,7 @@
           <a:p>
             <a:fld id="{BE4C2E38-1CA4-415D-AC32-50965AFA52AB}" type="datetimeFigureOut">
               <a:rPr lang="en-US" smtClean="0"/>
-              <a:t>4/17/2019</a:t>
+              <a:t>5/10/2019</a:t>
             </a:fld>
             <a:endParaRPr lang="en-US"/>
           </a:p>
@@ -1727,7 +1728,7 @@
           <a:p>
             <a:fld id="{BE4C2E38-1CA4-415D-AC32-50965AFA52AB}" type="datetimeFigureOut">
               <a:rPr lang="en-US" smtClean="0"/>
-              <a:t>4/17/2019</a:t>
+              <a:t>5/10/2019</a:t>
             </a:fld>
             <a:endParaRPr lang="en-US"/>
           </a:p>
@@ -1822,7 +1823,7 @@
           <a:p>
             <a:fld id="{BE4C2E38-1CA4-415D-AC32-50965AFA52AB}" type="datetimeFigureOut">
               <a:rPr lang="en-US" smtClean="0"/>
-              <a:t>4/17/2019</a:t>
+              <a:t>5/10/2019</a:t>
             </a:fld>
             <a:endParaRPr lang="en-US"/>
           </a:p>
@@ -2099,7 +2100,7 @@
           <a:p>
             <a:fld id="{BE4C2E38-1CA4-415D-AC32-50965AFA52AB}" type="datetimeFigureOut">
               <a:rPr lang="en-US" smtClean="0"/>
-              <a:t>4/17/2019</a:t>
+              <a:t>5/10/2019</a:t>
             </a:fld>
             <a:endParaRPr lang="en-US"/>
           </a:p>
@@ -2352,7 +2353,7 @@
           <a:p>
             <a:fld id="{BE4C2E38-1CA4-415D-AC32-50965AFA52AB}" type="datetimeFigureOut">
               <a:rPr lang="en-US" smtClean="0"/>
-              <a:t>4/17/2019</a:t>
+              <a:t>5/10/2019</a:t>
             </a:fld>
             <a:endParaRPr lang="en-US"/>
           </a:p>
@@ -2565,7 +2566,7 @@
           <a:p>
             <a:fld id="{BE4C2E38-1CA4-415D-AC32-50965AFA52AB}" type="datetimeFigureOut">
               <a:rPr lang="en-US" smtClean="0"/>
-              <a:t>4/17/2019</a:t>
+              <a:t>5/10/2019</a:t>
             </a:fld>
             <a:endParaRPr lang="en-US"/>
           </a:p>
@@ -5406,15 +5407,7 @@
                     <a:schemeClr val="bg1"/>
                   </a:solidFill>
                 </a:rPr>
-                <a:t>Global Speculation </a:t>
-              </a:r>
-              <a:r>
-                <a:rPr lang="en-US" dirty="0" smtClean="0">
-                  <a:solidFill>
-                    <a:schemeClr val="bg1"/>
-                  </a:solidFill>
-                </a:rPr>
-                <a:t>Updater</a:t>
+                <a:t>Global Speculation Updater</a:t>
               </a:r>
               <a:endParaRPr lang="en-US" dirty="0">
                 <a:solidFill>
@@ -5807,6 +5800,1853 @@
 </p:sld>
 </file>
 
+<file path=ppt/slides/slide3.xml><?xml version="1.0" encoding="utf-8"?>
+<p:sld xmlns:a="http://schemas.openxmlformats.org/drawingml/2006/main" xmlns:r="http://schemas.openxmlformats.org/officeDocument/2006/relationships" xmlns:p="http://schemas.openxmlformats.org/presentationml/2006/main">
+  <p:cSld>
+    <p:spTree>
+      <p:nvGrpSpPr>
+        <p:cNvPr id="1" name=""/>
+        <p:cNvGrpSpPr/>
+        <p:nvPr/>
+      </p:nvGrpSpPr>
+      <p:grpSpPr>
+        <a:xfrm>
+          <a:off x="0" y="0"/>
+          <a:ext cx="0" cy="0"/>
+          <a:chOff x="0" y="0"/>
+          <a:chExt cx="0" cy="0"/>
+        </a:xfrm>
+      </p:grpSpPr>
+      <p:grpSp>
+        <p:nvGrpSpPr>
+          <p:cNvPr id="5" name="Group 4"/>
+          <p:cNvGrpSpPr/>
+          <p:nvPr/>
+        </p:nvGrpSpPr>
+        <p:grpSpPr>
+          <a:xfrm>
+            <a:off x="2836018" y="954633"/>
+            <a:ext cx="7854779" cy="2105598"/>
+            <a:chOff x="2836018" y="954633"/>
+            <a:chExt cx="7854779" cy="2105598"/>
+          </a:xfrm>
+        </p:grpSpPr>
+        <p:grpSp>
+          <p:nvGrpSpPr>
+            <p:cNvPr id="6" name="Group 5"/>
+            <p:cNvGrpSpPr/>
+            <p:nvPr/>
+          </p:nvGrpSpPr>
+          <p:grpSpPr>
+            <a:xfrm>
+              <a:off x="7562592" y="2564531"/>
+              <a:ext cx="1701609" cy="495700"/>
+              <a:chOff x="3336505" y="1683620"/>
+              <a:chExt cx="1701609" cy="495700"/>
+            </a:xfrm>
+            <a:solidFill>
+              <a:srgbClr val="92D050"/>
+            </a:solidFill>
+          </p:grpSpPr>
+          <p:sp>
+            <p:nvSpPr>
+              <p:cNvPr id="31" name="Rectangle 30"/>
+              <p:cNvSpPr/>
+              <p:nvPr/>
+            </p:nvSpPr>
+            <p:spPr>
+              <a:xfrm>
+                <a:off x="4308853" y="1683620"/>
+                <a:ext cx="243087" cy="495700"/>
+              </a:xfrm>
+              <a:prstGeom prst="rect">
+                <a:avLst/>
+              </a:prstGeom>
+              <a:grpFill/>
+              <a:ln w="12700" cap="flat" cmpd="sng" algn="ctr">
+                <a:solidFill>
+                  <a:sysClr val="windowText" lastClr="000000"/>
+                </a:solidFill>
+                <a:prstDash val="solid"/>
+              </a:ln>
+              <a:effectLst/>
+            </p:spPr>
+            <p:txBody>
+              <a:bodyPr rtlCol="0" anchor="ctr"/>
+              <a:lstStyle/>
+              <a:p>
+                <a:pPr marL="0" marR="0" lvl="0" indent="0" algn="ctr" defTabSz="914400" rtl="0" eaLnBrk="1" fontAlgn="auto" latinLnBrk="0" hangingPunct="1">
+                  <a:lnSpc>
+                    <a:spcPct val="100000"/>
+                  </a:lnSpc>
+                  <a:spcBef>
+                    <a:spcPts val="0"/>
+                  </a:spcBef>
+                  <a:spcAft>
+                    <a:spcPts val="0"/>
+                  </a:spcAft>
+                  <a:buClrTx/>
+                  <a:buSzTx/>
+                  <a:buFontTx/>
+                  <a:buNone/>
+                  <a:tabLst/>
+                  <a:defRPr/>
+                </a:pPr>
+                <a:endParaRPr kumimoji="0" lang="en-US" sz="2000" b="1" i="0" u="none" strike="noStrike" kern="0" cap="none" spc="0" normalizeH="0" baseline="0" noProof="0" dirty="0" smtClean="0">
+                  <a:ln>
+                    <a:noFill/>
+                  </a:ln>
+                  <a:solidFill>
+                    <a:prstClr val="black"/>
+                  </a:solidFill>
+                  <a:effectLst/>
+                  <a:uLnTx/>
+                  <a:uFillTx/>
+                  <a:latin typeface="Calibri"/>
+                  <a:ea typeface="+mn-ea"/>
+                  <a:cs typeface="+mn-cs"/>
+                </a:endParaRPr>
+              </a:p>
+            </p:txBody>
+          </p:sp>
+          <p:sp>
+            <p:nvSpPr>
+              <p:cNvPr id="32" name="Rectangle 31"/>
+              <p:cNvSpPr/>
+              <p:nvPr/>
+            </p:nvSpPr>
+            <p:spPr>
+              <a:xfrm>
+                <a:off x="4551940" y="1683620"/>
+                <a:ext cx="243087" cy="495700"/>
+              </a:xfrm>
+              <a:prstGeom prst="rect">
+                <a:avLst/>
+              </a:prstGeom>
+              <a:grpFill/>
+              <a:ln w="12700" cap="flat" cmpd="sng" algn="ctr">
+                <a:solidFill>
+                  <a:sysClr val="windowText" lastClr="000000"/>
+                </a:solidFill>
+                <a:prstDash val="solid"/>
+              </a:ln>
+              <a:effectLst/>
+            </p:spPr>
+            <p:txBody>
+              <a:bodyPr rtlCol="0" anchor="ctr"/>
+              <a:lstStyle/>
+              <a:p>
+                <a:pPr marL="0" marR="0" lvl="0" indent="0" algn="ctr" defTabSz="914400" rtl="0" eaLnBrk="1" fontAlgn="auto" latinLnBrk="0" hangingPunct="1">
+                  <a:lnSpc>
+                    <a:spcPct val="100000"/>
+                  </a:lnSpc>
+                  <a:spcBef>
+                    <a:spcPts val="0"/>
+                  </a:spcBef>
+                  <a:spcAft>
+                    <a:spcPts val="0"/>
+                  </a:spcAft>
+                  <a:buClrTx/>
+                  <a:buSzTx/>
+                  <a:buFontTx/>
+                  <a:buNone/>
+                  <a:tabLst/>
+                  <a:defRPr/>
+                </a:pPr>
+                <a:endParaRPr kumimoji="0" lang="en-US" sz="2000" b="1" i="0" u="none" strike="noStrike" kern="0" cap="none" spc="0" normalizeH="0" baseline="0" noProof="0" dirty="0" smtClean="0">
+                  <a:ln>
+                    <a:noFill/>
+                  </a:ln>
+                  <a:solidFill>
+                    <a:prstClr val="black"/>
+                  </a:solidFill>
+                  <a:effectLst/>
+                  <a:uLnTx/>
+                  <a:uFillTx/>
+                  <a:latin typeface="Calibri"/>
+                  <a:ea typeface="+mn-ea"/>
+                  <a:cs typeface="+mn-cs"/>
+                </a:endParaRPr>
+              </a:p>
+            </p:txBody>
+          </p:sp>
+          <p:sp>
+            <p:nvSpPr>
+              <p:cNvPr id="33" name="Rectangle 32"/>
+              <p:cNvSpPr/>
+              <p:nvPr/>
+            </p:nvSpPr>
+            <p:spPr>
+              <a:xfrm>
+                <a:off x="4795027" y="1683620"/>
+                <a:ext cx="243087" cy="495700"/>
+              </a:xfrm>
+              <a:prstGeom prst="rect">
+                <a:avLst/>
+              </a:prstGeom>
+              <a:grpFill/>
+              <a:ln w="12700" cap="flat" cmpd="sng" algn="ctr">
+                <a:solidFill>
+                  <a:sysClr val="windowText" lastClr="000000"/>
+                </a:solidFill>
+                <a:prstDash val="solid"/>
+              </a:ln>
+              <a:effectLst/>
+            </p:spPr>
+            <p:txBody>
+              <a:bodyPr rtlCol="0" anchor="ctr"/>
+              <a:lstStyle/>
+              <a:p>
+                <a:pPr marL="0" marR="0" lvl="0" indent="0" algn="ctr" defTabSz="914400" rtl="0" eaLnBrk="1" fontAlgn="auto" latinLnBrk="0" hangingPunct="1">
+                  <a:lnSpc>
+                    <a:spcPct val="100000"/>
+                  </a:lnSpc>
+                  <a:spcBef>
+                    <a:spcPts val="0"/>
+                  </a:spcBef>
+                  <a:spcAft>
+                    <a:spcPts val="0"/>
+                  </a:spcAft>
+                  <a:buClrTx/>
+                  <a:buSzTx/>
+                  <a:buFontTx/>
+                  <a:buNone/>
+                  <a:tabLst/>
+                  <a:defRPr/>
+                </a:pPr>
+                <a:endParaRPr kumimoji="0" lang="en-US" sz="2000" b="1" i="0" u="none" strike="noStrike" kern="0" cap="none" spc="0" normalizeH="0" baseline="0" noProof="0" dirty="0" smtClean="0">
+                  <a:ln>
+                    <a:noFill/>
+                  </a:ln>
+                  <a:solidFill>
+                    <a:prstClr val="black"/>
+                  </a:solidFill>
+                  <a:effectLst/>
+                  <a:uLnTx/>
+                  <a:uFillTx/>
+                  <a:latin typeface="Calibri"/>
+                  <a:ea typeface="+mn-ea"/>
+                  <a:cs typeface="+mn-cs"/>
+                </a:endParaRPr>
+              </a:p>
+            </p:txBody>
+          </p:sp>
+          <p:sp>
+            <p:nvSpPr>
+              <p:cNvPr id="34" name="Rectangle 33"/>
+              <p:cNvSpPr/>
+              <p:nvPr/>
+            </p:nvSpPr>
+            <p:spPr>
+              <a:xfrm>
+                <a:off x="3336505" y="1683620"/>
+                <a:ext cx="243087" cy="495700"/>
+              </a:xfrm>
+              <a:prstGeom prst="rect">
+                <a:avLst/>
+              </a:prstGeom>
+              <a:grpFill/>
+              <a:ln w="12700" cap="flat" cmpd="sng" algn="ctr">
+                <a:solidFill>
+                  <a:sysClr val="windowText" lastClr="000000"/>
+                </a:solidFill>
+                <a:prstDash val="solid"/>
+              </a:ln>
+              <a:effectLst/>
+            </p:spPr>
+            <p:txBody>
+              <a:bodyPr rtlCol="0" anchor="ctr"/>
+              <a:lstStyle/>
+              <a:p>
+                <a:pPr marL="0" marR="0" lvl="0" indent="0" algn="ctr" defTabSz="914400" rtl="0" eaLnBrk="1" fontAlgn="auto" latinLnBrk="0" hangingPunct="1">
+                  <a:lnSpc>
+                    <a:spcPct val="100000"/>
+                  </a:lnSpc>
+                  <a:spcBef>
+                    <a:spcPts val="0"/>
+                  </a:spcBef>
+                  <a:spcAft>
+                    <a:spcPts val="0"/>
+                  </a:spcAft>
+                  <a:buClrTx/>
+                  <a:buSzTx/>
+                  <a:buFontTx/>
+                  <a:buNone/>
+                  <a:tabLst/>
+                  <a:defRPr/>
+                </a:pPr>
+                <a:endParaRPr kumimoji="0" lang="en-US" sz="2000" b="1" i="0" u="none" strike="noStrike" kern="0" cap="none" spc="0" normalizeH="0" baseline="0" noProof="0" dirty="0" smtClean="0">
+                  <a:ln>
+                    <a:noFill/>
+                  </a:ln>
+                  <a:solidFill>
+                    <a:prstClr val="black"/>
+                  </a:solidFill>
+                  <a:effectLst/>
+                  <a:uLnTx/>
+                  <a:uFillTx/>
+                  <a:latin typeface="Calibri"/>
+                  <a:ea typeface="+mn-ea"/>
+                  <a:cs typeface="+mn-cs"/>
+                </a:endParaRPr>
+              </a:p>
+            </p:txBody>
+          </p:sp>
+          <p:sp>
+            <p:nvSpPr>
+              <p:cNvPr id="35" name="Rectangle 34"/>
+              <p:cNvSpPr/>
+              <p:nvPr/>
+            </p:nvSpPr>
+            <p:spPr>
+              <a:xfrm>
+                <a:off x="3579592" y="1683620"/>
+                <a:ext cx="243087" cy="495700"/>
+              </a:xfrm>
+              <a:prstGeom prst="rect">
+                <a:avLst/>
+              </a:prstGeom>
+              <a:grpFill/>
+              <a:ln w="12700" cap="flat" cmpd="sng" algn="ctr">
+                <a:solidFill>
+                  <a:sysClr val="windowText" lastClr="000000"/>
+                </a:solidFill>
+                <a:prstDash val="solid"/>
+              </a:ln>
+              <a:effectLst/>
+            </p:spPr>
+            <p:txBody>
+              <a:bodyPr rtlCol="0" anchor="ctr"/>
+              <a:lstStyle/>
+              <a:p>
+                <a:pPr marL="0" marR="0" lvl="0" indent="0" algn="ctr" defTabSz="914400" rtl="0" eaLnBrk="1" fontAlgn="auto" latinLnBrk="0" hangingPunct="1">
+                  <a:lnSpc>
+                    <a:spcPct val="100000"/>
+                  </a:lnSpc>
+                  <a:spcBef>
+                    <a:spcPts val="0"/>
+                  </a:spcBef>
+                  <a:spcAft>
+                    <a:spcPts val="0"/>
+                  </a:spcAft>
+                  <a:buClrTx/>
+                  <a:buSzTx/>
+                  <a:buFontTx/>
+                  <a:buNone/>
+                  <a:tabLst/>
+                  <a:defRPr/>
+                </a:pPr>
+                <a:endParaRPr kumimoji="0" lang="en-US" sz="2000" b="1" i="0" u="none" strike="noStrike" kern="0" cap="none" spc="0" normalizeH="0" baseline="0" noProof="0" dirty="0" smtClean="0">
+                  <a:ln>
+                    <a:noFill/>
+                  </a:ln>
+                  <a:solidFill>
+                    <a:prstClr val="black"/>
+                  </a:solidFill>
+                  <a:effectLst/>
+                  <a:uLnTx/>
+                  <a:uFillTx/>
+                  <a:latin typeface="Calibri"/>
+                  <a:ea typeface="+mn-ea"/>
+                  <a:cs typeface="+mn-cs"/>
+                </a:endParaRPr>
+              </a:p>
+            </p:txBody>
+          </p:sp>
+          <p:sp>
+            <p:nvSpPr>
+              <p:cNvPr id="36" name="Rectangle 35"/>
+              <p:cNvSpPr/>
+              <p:nvPr/>
+            </p:nvSpPr>
+            <p:spPr>
+              <a:xfrm>
+                <a:off x="3822679" y="1683620"/>
+                <a:ext cx="243087" cy="495700"/>
+              </a:xfrm>
+              <a:prstGeom prst="rect">
+                <a:avLst/>
+              </a:prstGeom>
+              <a:grpFill/>
+              <a:ln w="12700" cap="flat" cmpd="sng" algn="ctr">
+                <a:solidFill>
+                  <a:sysClr val="windowText" lastClr="000000"/>
+                </a:solidFill>
+                <a:prstDash val="solid"/>
+              </a:ln>
+              <a:effectLst/>
+            </p:spPr>
+            <p:txBody>
+              <a:bodyPr rtlCol="0" anchor="ctr"/>
+              <a:lstStyle/>
+              <a:p>
+                <a:pPr marL="0" marR="0" lvl="0" indent="0" algn="ctr" defTabSz="914400" rtl="0" eaLnBrk="1" fontAlgn="auto" latinLnBrk="0" hangingPunct="1">
+                  <a:lnSpc>
+                    <a:spcPct val="100000"/>
+                  </a:lnSpc>
+                  <a:spcBef>
+                    <a:spcPts val="0"/>
+                  </a:spcBef>
+                  <a:spcAft>
+                    <a:spcPts val="0"/>
+                  </a:spcAft>
+                  <a:buClrTx/>
+                  <a:buSzTx/>
+                  <a:buFontTx/>
+                  <a:buNone/>
+                  <a:tabLst/>
+                  <a:defRPr/>
+                </a:pPr>
+                <a:endParaRPr kumimoji="0" lang="en-US" sz="2000" b="1" i="0" u="none" strike="noStrike" kern="0" cap="none" spc="0" normalizeH="0" baseline="0" noProof="0" dirty="0" smtClean="0">
+                  <a:ln>
+                    <a:noFill/>
+                  </a:ln>
+                  <a:solidFill>
+                    <a:prstClr val="black"/>
+                  </a:solidFill>
+                  <a:effectLst/>
+                  <a:uLnTx/>
+                  <a:uFillTx/>
+                  <a:latin typeface="Calibri"/>
+                  <a:ea typeface="+mn-ea"/>
+                  <a:cs typeface="+mn-cs"/>
+                </a:endParaRPr>
+              </a:p>
+            </p:txBody>
+          </p:sp>
+          <p:sp>
+            <p:nvSpPr>
+              <p:cNvPr id="37" name="Rectangle 36"/>
+              <p:cNvSpPr/>
+              <p:nvPr/>
+            </p:nvSpPr>
+            <p:spPr>
+              <a:xfrm>
+                <a:off x="4065766" y="1683620"/>
+                <a:ext cx="243087" cy="495700"/>
+              </a:xfrm>
+              <a:prstGeom prst="rect">
+                <a:avLst/>
+              </a:prstGeom>
+              <a:grpFill/>
+              <a:ln w="12700" cap="flat" cmpd="sng" algn="ctr">
+                <a:solidFill>
+                  <a:sysClr val="windowText" lastClr="000000"/>
+                </a:solidFill>
+                <a:prstDash val="solid"/>
+              </a:ln>
+              <a:effectLst/>
+            </p:spPr>
+            <p:txBody>
+              <a:bodyPr rtlCol="0" anchor="ctr"/>
+              <a:lstStyle/>
+              <a:p>
+                <a:pPr marL="0" marR="0" lvl="0" indent="0" algn="ctr" defTabSz="914400" rtl="0" eaLnBrk="1" fontAlgn="auto" latinLnBrk="0" hangingPunct="1">
+                  <a:lnSpc>
+                    <a:spcPct val="100000"/>
+                  </a:lnSpc>
+                  <a:spcBef>
+                    <a:spcPts val="0"/>
+                  </a:spcBef>
+                  <a:spcAft>
+                    <a:spcPts val="0"/>
+                  </a:spcAft>
+                  <a:buClrTx/>
+                  <a:buSzTx/>
+                  <a:buFontTx/>
+                  <a:buNone/>
+                  <a:tabLst/>
+                  <a:defRPr/>
+                </a:pPr>
+                <a:endParaRPr kumimoji="0" lang="en-US" sz="2000" b="1" i="0" u="none" strike="noStrike" kern="0" cap="none" spc="0" normalizeH="0" baseline="0" noProof="0" dirty="0" smtClean="0">
+                  <a:ln>
+                    <a:noFill/>
+                  </a:ln>
+                  <a:solidFill>
+                    <a:prstClr val="black"/>
+                  </a:solidFill>
+                  <a:effectLst/>
+                  <a:uLnTx/>
+                  <a:uFillTx/>
+                  <a:latin typeface="Calibri"/>
+                  <a:ea typeface="+mn-ea"/>
+                  <a:cs typeface="+mn-cs"/>
+                </a:endParaRPr>
+              </a:p>
+            </p:txBody>
+          </p:sp>
+          <p:sp>
+            <p:nvSpPr>
+              <p:cNvPr id="38" name="TextBox 37"/>
+              <p:cNvSpPr txBox="1"/>
+              <p:nvPr/>
+            </p:nvSpPr>
+            <p:spPr>
+              <a:xfrm>
+                <a:off x="3957534" y="1731415"/>
+                <a:ext cx="459549" cy="400110"/>
+              </a:xfrm>
+              <a:prstGeom prst="rect">
+                <a:avLst/>
+              </a:prstGeom>
+              <a:grpFill/>
+            </p:spPr>
+            <p:txBody>
+              <a:bodyPr wrap="none" rtlCol="0">
+                <a:spAutoFit/>
+              </a:bodyPr>
+              <a:lstStyle/>
+              <a:p>
+                <a:r>
+                  <a:rPr lang="en-US" sz="2000" dirty="0" smtClean="0"/>
+                  <a:t>LQ</a:t>
+                </a:r>
+                <a:endParaRPr lang="en-US" sz="2000" dirty="0"/>
+              </a:p>
+            </p:txBody>
+          </p:sp>
+        </p:grpSp>
+        <p:grpSp>
+          <p:nvGrpSpPr>
+            <p:cNvPr id="7" name="Group 6"/>
+            <p:cNvGrpSpPr/>
+            <p:nvPr/>
+          </p:nvGrpSpPr>
+          <p:grpSpPr>
+            <a:xfrm>
+              <a:off x="4887240" y="2564531"/>
+              <a:ext cx="1701609" cy="495700"/>
+              <a:chOff x="3336505" y="1683620"/>
+              <a:chExt cx="1701609" cy="495700"/>
+            </a:xfrm>
+            <a:solidFill>
+              <a:srgbClr val="FFFF00"/>
+            </a:solidFill>
+          </p:grpSpPr>
+          <p:sp>
+            <p:nvSpPr>
+              <p:cNvPr id="23" name="Rectangle 22"/>
+              <p:cNvSpPr/>
+              <p:nvPr/>
+            </p:nvSpPr>
+            <p:spPr>
+              <a:xfrm>
+                <a:off x="4308853" y="1683620"/>
+                <a:ext cx="243087" cy="495700"/>
+              </a:xfrm>
+              <a:prstGeom prst="rect">
+                <a:avLst/>
+              </a:prstGeom>
+              <a:grpFill/>
+              <a:ln w="12700" cap="flat" cmpd="sng" algn="ctr">
+                <a:solidFill>
+                  <a:sysClr val="windowText" lastClr="000000"/>
+                </a:solidFill>
+                <a:prstDash val="solid"/>
+              </a:ln>
+              <a:effectLst/>
+            </p:spPr>
+            <p:txBody>
+              <a:bodyPr rtlCol="0" anchor="ctr"/>
+              <a:lstStyle/>
+              <a:p>
+                <a:pPr marL="0" marR="0" lvl="0" indent="0" algn="ctr" defTabSz="914400" rtl="0" eaLnBrk="1" fontAlgn="auto" latinLnBrk="0" hangingPunct="1">
+                  <a:lnSpc>
+                    <a:spcPct val="100000"/>
+                  </a:lnSpc>
+                  <a:spcBef>
+                    <a:spcPts val="0"/>
+                  </a:spcBef>
+                  <a:spcAft>
+                    <a:spcPts val="0"/>
+                  </a:spcAft>
+                  <a:buClrTx/>
+                  <a:buSzTx/>
+                  <a:buFontTx/>
+                  <a:buNone/>
+                  <a:tabLst/>
+                  <a:defRPr/>
+                </a:pPr>
+                <a:endParaRPr kumimoji="0" lang="en-US" sz="2000" b="1" i="0" u="none" strike="noStrike" kern="0" cap="none" spc="0" normalizeH="0" baseline="0" noProof="0" dirty="0" smtClean="0">
+                  <a:ln>
+                    <a:noFill/>
+                  </a:ln>
+                  <a:solidFill>
+                    <a:prstClr val="black"/>
+                  </a:solidFill>
+                  <a:effectLst/>
+                  <a:uLnTx/>
+                  <a:uFillTx/>
+                  <a:latin typeface="Calibri"/>
+                  <a:ea typeface="+mn-ea"/>
+                  <a:cs typeface="+mn-cs"/>
+                </a:endParaRPr>
+              </a:p>
+            </p:txBody>
+          </p:sp>
+          <p:sp>
+            <p:nvSpPr>
+              <p:cNvPr id="24" name="Rectangle 23"/>
+              <p:cNvSpPr/>
+              <p:nvPr/>
+            </p:nvSpPr>
+            <p:spPr>
+              <a:xfrm>
+                <a:off x="4551940" y="1683620"/>
+                <a:ext cx="243087" cy="495700"/>
+              </a:xfrm>
+              <a:prstGeom prst="rect">
+                <a:avLst/>
+              </a:prstGeom>
+              <a:grpFill/>
+              <a:ln w="12700" cap="flat" cmpd="sng" algn="ctr">
+                <a:solidFill>
+                  <a:sysClr val="windowText" lastClr="000000"/>
+                </a:solidFill>
+                <a:prstDash val="solid"/>
+              </a:ln>
+              <a:effectLst/>
+            </p:spPr>
+            <p:txBody>
+              <a:bodyPr rtlCol="0" anchor="ctr"/>
+              <a:lstStyle/>
+              <a:p>
+                <a:pPr marL="0" marR="0" lvl="0" indent="0" algn="ctr" defTabSz="914400" rtl="0" eaLnBrk="1" fontAlgn="auto" latinLnBrk="0" hangingPunct="1">
+                  <a:lnSpc>
+                    <a:spcPct val="100000"/>
+                  </a:lnSpc>
+                  <a:spcBef>
+                    <a:spcPts val="0"/>
+                  </a:spcBef>
+                  <a:spcAft>
+                    <a:spcPts val="0"/>
+                  </a:spcAft>
+                  <a:buClrTx/>
+                  <a:buSzTx/>
+                  <a:buFontTx/>
+                  <a:buNone/>
+                  <a:tabLst/>
+                  <a:defRPr/>
+                </a:pPr>
+                <a:endParaRPr kumimoji="0" lang="en-US" sz="2000" b="1" i="0" u="none" strike="noStrike" kern="0" cap="none" spc="0" normalizeH="0" baseline="0" noProof="0" dirty="0" smtClean="0">
+                  <a:ln>
+                    <a:noFill/>
+                  </a:ln>
+                  <a:solidFill>
+                    <a:prstClr val="black"/>
+                  </a:solidFill>
+                  <a:effectLst/>
+                  <a:uLnTx/>
+                  <a:uFillTx/>
+                  <a:latin typeface="Calibri"/>
+                  <a:ea typeface="+mn-ea"/>
+                  <a:cs typeface="+mn-cs"/>
+                </a:endParaRPr>
+              </a:p>
+            </p:txBody>
+          </p:sp>
+          <p:sp>
+            <p:nvSpPr>
+              <p:cNvPr id="25" name="Rectangle 24"/>
+              <p:cNvSpPr/>
+              <p:nvPr/>
+            </p:nvSpPr>
+            <p:spPr>
+              <a:xfrm>
+                <a:off x="4795027" y="1683620"/>
+                <a:ext cx="243087" cy="495700"/>
+              </a:xfrm>
+              <a:prstGeom prst="rect">
+                <a:avLst/>
+              </a:prstGeom>
+              <a:grpFill/>
+              <a:ln w="12700" cap="flat" cmpd="sng" algn="ctr">
+                <a:solidFill>
+                  <a:sysClr val="windowText" lastClr="000000"/>
+                </a:solidFill>
+                <a:prstDash val="solid"/>
+              </a:ln>
+              <a:effectLst/>
+            </p:spPr>
+            <p:txBody>
+              <a:bodyPr rtlCol="0" anchor="ctr"/>
+              <a:lstStyle/>
+              <a:p>
+                <a:pPr marL="0" marR="0" lvl="0" indent="0" algn="ctr" defTabSz="914400" rtl="0" eaLnBrk="1" fontAlgn="auto" latinLnBrk="0" hangingPunct="1">
+                  <a:lnSpc>
+                    <a:spcPct val="100000"/>
+                  </a:lnSpc>
+                  <a:spcBef>
+                    <a:spcPts val="0"/>
+                  </a:spcBef>
+                  <a:spcAft>
+                    <a:spcPts val="0"/>
+                  </a:spcAft>
+                  <a:buClrTx/>
+                  <a:buSzTx/>
+                  <a:buFontTx/>
+                  <a:buNone/>
+                  <a:tabLst/>
+                  <a:defRPr/>
+                </a:pPr>
+                <a:endParaRPr kumimoji="0" lang="en-US" sz="2000" b="1" i="0" u="none" strike="noStrike" kern="0" cap="none" spc="0" normalizeH="0" baseline="0" noProof="0" dirty="0" smtClean="0">
+                  <a:ln>
+                    <a:noFill/>
+                  </a:ln>
+                  <a:solidFill>
+                    <a:prstClr val="black"/>
+                  </a:solidFill>
+                  <a:effectLst/>
+                  <a:uLnTx/>
+                  <a:uFillTx/>
+                  <a:latin typeface="Calibri"/>
+                  <a:ea typeface="+mn-ea"/>
+                  <a:cs typeface="+mn-cs"/>
+                </a:endParaRPr>
+              </a:p>
+            </p:txBody>
+          </p:sp>
+          <p:sp>
+            <p:nvSpPr>
+              <p:cNvPr id="26" name="Rectangle 25"/>
+              <p:cNvSpPr/>
+              <p:nvPr/>
+            </p:nvSpPr>
+            <p:spPr>
+              <a:xfrm>
+                <a:off x="3336505" y="1683620"/>
+                <a:ext cx="243087" cy="495700"/>
+              </a:xfrm>
+              <a:prstGeom prst="rect">
+                <a:avLst/>
+              </a:prstGeom>
+              <a:grpFill/>
+              <a:ln w="12700" cap="flat" cmpd="sng" algn="ctr">
+                <a:solidFill>
+                  <a:sysClr val="windowText" lastClr="000000"/>
+                </a:solidFill>
+                <a:prstDash val="solid"/>
+              </a:ln>
+              <a:effectLst/>
+            </p:spPr>
+            <p:txBody>
+              <a:bodyPr rtlCol="0" anchor="ctr"/>
+              <a:lstStyle/>
+              <a:p>
+                <a:pPr marL="0" marR="0" lvl="0" indent="0" algn="ctr" defTabSz="914400" rtl="0" eaLnBrk="1" fontAlgn="auto" latinLnBrk="0" hangingPunct="1">
+                  <a:lnSpc>
+                    <a:spcPct val="100000"/>
+                  </a:lnSpc>
+                  <a:spcBef>
+                    <a:spcPts val="0"/>
+                  </a:spcBef>
+                  <a:spcAft>
+                    <a:spcPts val="0"/>
+                  </a:spcAft>
+                  <a:buClrTx/>
+                  <a:buSzTx/>
+                  <a:buFontTx/>
+                  <a:buNone/>
+                  <a:tabLst/>
+                  <a:defRPr/>
+                </a:pPr>
+                <a:endParaRPr kumimoji="0" lang="en-US" sz="2000" b="1" i="0" u="none" strike="noStrike" kern="0" cap="none" spc="0" normalizeH="0" baseline="0" noProof="0" dirty="0" smtClean="0">
+                  <a:ln>
+                    <a:noFill/>
+                  </a:ln>
+                  <a:solidFill>
+                    <a:prstClr val="black"/>
+                  </a:solidFill>
+                  <a:effectLst/>
+                  <a:uLnTx/>
+                  <a:uFillTx/>
+                  <a:latin typeface="Calibri"/>
+                  <a:ea typeface="+mn-ea"/>
+                  <a:cs typeface="+mn-cs"/>
+                </a:endParaRPr>
+              </a:p>
+            </p:txBody>
+          </p:sp>
+          <p:sp>
+            <p:nvSpPr>
+              <p:cNvPr id="27" name="Rectangle 26"/>
+              <p:cNvSpPr/>
+              <p:nvPr/>
+            </p:nvSpPr>
+            <p:spPr>
+              <a:xfrm>
+                <a:off x="3579592" y="1683620"/>
+                <a:ext cx="243087" cy="495700"/>
+              </a:xfrm>
+              <a:prstGeom prst="rect">
+                <a:avLst/>
+              </a:prstGeom>
+              <a:grpFill/>
+              <a:ln w="12700" cap="flat" cmpd="sng" algn="ctr">
+                <a:solidFill>
+                  <a:sysClr val="windowText" lastClr="000000"/>
+                </a:solidFill>
+                <a:prstDash val="solid"/>
+              </a:ln>
+              <a:effectLst/>
+            </p:spPr>
+            <p:txBody>
+              <a:bodyPr rtlCol="0" anchor="ctr"/>
+              <a:lstStyle/>
+              <a:p>
+                <a:pPr marL="0" marR="0" lvl="0" indent="0" algn="ctr" defTabSz="914400" rtl="0" eaLnBrk="1" fontAlgn="auto" latinLnBrk="0" hangingPunct="1">
+                  <a:lnSpc>
+                    <a:spcPct val="100000"/>
+                  </a:lnSpc>
+                  <a:spcBef>
+                    <a:spcPts val="0"/>
+                  </a:spcBef>
+                  <a:spcAft>
+                    <a:spcPts val="0"/>
+                  </a:spcAft>
+                  <a:buClrTx/>
+                  <a:buSzTx/>
+                  <a:buFontTx/>
+                  <a:buNone/>
+                  <a:tabLst/>
+                  <a:defRPr/>
+                </a:pPr>
+                <a:endParaRPr kumimoji="0" lang="en-US" sz="2000" b="1" i="0" u="none" strike="noStrike" kern="0" cap="none" spc="0" normalizeH="0" baseline="0" noProof="0" dirty="0" smtClean="0">
+                  <a:ln>
+                    <a:noFill/>
+                  </a:ln>
+                  <a:solidFill>
+                    <a:prstClr val="black"/>
+                  </a:solidFill>
+                  <a:effectLst/>
+                  <a:uLnTx/>
+                  <a:uFillTx/>
+                  <a:latin typeface="Calibri"/>
+                  <a:ea typeface="+mn-ea"/>
+                  <a:cs typeface="+mn-cs"/>
+                </a:endParaRPr>
+              </a:p>
+            </p:txBody>
+          </p:sp>
+          <p:sp>
+            <p:nvSpPr>
+              <p:cNvPr id="28" name="Rectangle 27"/>
+              <p:cNvSpPr/>
+              <p:nvPr/>
+            </p:nvSpPr>
+            <p:spPr>
+              <a:xfrm>
+                <a:off x="3822679" y="1683620"/>
+                <a:ext cx="243087" cy="495700"/>
+              </a:xfrm>
+              <a:prstGeom prst="rect">
+                <a:avLst/>
+              </a:prstGeom>
+              <a:grpFill/>
+              <a:ln w="12700" cap="flat" cmpd="sng" algn="ctr">
+                <a:solidFill>
+                  <a:sysClr val="windowText" lastClr="000000"/>
+                </a:solidFill>
+                <a:prstDash val="solid"/>
+              </a:ln>
+              <a:effectLst/>
+            </p:spPr>
+            <p:txBody>
+              <a:bodyPr rtlCol="0" anchor="ctr"/>
+              <a:lstStyle/>
+              <a:p>
+                <a:pPr marL="0" marR="0" lvl="0" indent="0" algn="ctr" defTabSz="914400" rtl="0" eaLnBrk="1" fontAlgn="auto" latinLnBrk="0" hangingPunct="1">
+                  <a:lnSpc>
+                    <a:spcPct val="100000"/>
+                  </a:lnSpc>
+                  <a:spcBef>
+                    <a:spcPts val="0"/>
+                  </a:spcBef>
+                  <a:spcAft>
+                    <a:spcPts val="0"/>
+                  </a:spcAft>
+                  <a:buClrTx/>
+                  <a:buSzTx/>
+                  <a:buFontTx/>
+                  <a:buNone/>
+                  <a:tabLst/>
+                  <a:defRPr/>
+                </a:pPr>
+                <a:endParaRPr kumimoji="0" lang="en-US" sz="2000" b="1" i="0" u="none" strike="noStrike" kern="0" cap="none" spc="0" normalizeH="0" baseline="0" noProof="0" dirty="0" smtClean="0">
+                  <a:ln>
+                    <a:noFill/>
+                  </a:ln>
+                  <a:solidFill>
+                    <a:prstClr val="black"/>
+                  </a:solidFill>
+                  <a:effectLst/>
+                  <a:uLnTx/>
+                  <a:uFillTx/>
+                  <a:latin typeface="Calibri"/>
+                  <a:ea typeface="+mn-ea"/>
+                  <a:cs typeface="+mn-cs"/>
+                </a:endParaRPr>
+              </a:p>
+            </p:txBody>
+          </p:sp>
+          <p:sp>
+            <p:nvSpPr>
+              <p:cNvPr id="29" name="Rectangle 28"/>
+              <p:cNvSpPr/>
+              <p:nvPr/>
+            </p:nvSpPr>
+            <p:spPr>
+              <a:xfrm>
+                <a:off x="4065766" y="1683620"/>
+                <a:ext cx="243087" cy="495700"/>
+              </a:xfrm>
+              <a:prstGeom prst="rect">
+                <a:avLst/>
+              </a:prstGeom>
+              <a:grpFill/>
+              <a:ln w="12700" cap="flat" cmpd="sng" algn="ctr">
+                <a:solidFill>
+                  <a:sysClr val="windowText" lastClr="000000"/>
+                </a:solidFill>
+                <a:prstDash val="solid"/>
+              </a:ln>
+              <a:effectLst/>
+            </p:spPr>
+            <p:txBody>
+              <a:bodyPr rtlCol="0" anchor="ctr"/>
+              <a:lstStyle/>
+              <a:p>
+                <a:pPr marL="0" marR="0" lvl="0" indent="0" algn="ctr" defTabSz="914400" rtl="0" eaLnBrk="1" fontAlgn="auto" latinLnBrk="0" hangingPunct="1">
+                  <a:lnSpc>
+                    <a:spcPct val="100000"/>
+                  </a:lnSpc>
+                  <a:spcBef>
+                    <a:spcPts val="0"/>
+                  </a:spcBef>
+                  <a:spcAft>
+                    <a:spcPts val="0"/>
+                  </a:spcAft>
+                  <a:buClrTx/>
+                  <a:buSzTx/>
+                  <a:buFontTx/>
+                  <a:buNone/>
+                  <a:tabLst/>
+                  <a:defRPr/>
+                </a:pPr>
+                <a:endParaRPr kumimoji="0" lang="en-US" sz="2000" b="1" i="0" u="none" strike="noStrike" kern="0" cap="none" spc="0" normalizeH="0" baseline="0" noProof="0" dirty="0" smtClean="0">
+                  <a:ln>
+                    <a:noFill/>
+                  </a:ln>
+                  <a:solidFill>
+                    <a:prstClr val="black"/>
+                  </a:solidFill>
+                  <a:effectLst/>
+                  <a:uLnTx/>
+                  <a:uFillTx/>
+                  <a:latin typeface="Calibri"/>
+                  <a:ea typeface="+mn-ea"/>
+                  <a:cs typeface="+mn-cs"/>
+                </a:endParaRPr>
+              </a:p>
+            </p:txBody>
+          </p:sp>
+          <p:sp>
+            <p:nvSpPr>
+              <p:cNvPr id="30" name="TextBox 29"/>
+              <p:cNvSpPr txBox="1"/>
+              <p:nvPr/>
+            </p:nvSpPr>
+            <p:spPr>
+              <a:xfrm>
+                <a:off x="3957534" y="1731415"/>
+                <a:ext cx="476412" cy="400110"/>
+              </a:xfrm>
+              <a:prstGeom prst="rect">
+                <a:avLst/>
+              </a:prstGeom>
+              <a:grpFill/>
+            </p:spPr>
+            <p:txBody>
+              <a:bodyPr wrap="none" rtlCol="0">
+                <a:spAutoFit/>
+              </a:bodyPr>
+              <a:lstStyle/>
+              <a:p>
+                <a:r>
+                  <a:rPr lang="en-US" sz="2000" dirty="0" smtClean="0"/>
+                  <a:t>SQ</a:t>
+                </a:r>
+                <a:endParaRPr lang="en-US" sz="2000" dirty="0"/>
+              </a:p>
+            </p:txBody>
+          </p:sp>
+        </p:grpSp>
+        <p:sp>
+          <p:nvSpPr>
+            <p:cNvPr id="8" name="Cloud 7"/>
+            <p:cNvSpPr/>
+            <p:nvPr/>
+          </p:nvSpPr>
+          <p:spPr>
+            <a:xfrm>
+              <a:off x="7461969" y="1842292"/>
+              <a:ext cx="1902856" cy="424216"/>
+            </a:xfrm>
+            <a:prstGeom prst="cloud">
+              <a:avLst/>
+            </a:prstGeom>
+            <a:solidFill>
+              <a:srgbClr val="4BACC6">
+                <a:lumMod val="40000"/>
+                <a:lumOff val="60000"/>
+              </a:srgbClr>
+            </a:solidFill>
+            <a:ln w="25400" cap="flat" cmpd="sng" algn="ctr">
+              <a:solidFill>
+                <a:sysClr val="windowText" lastClr="000000"/>
+              </a:solidFill>
+              <a:prstDash val="solid"/>
+            </a:ln>
+            <a:effectLst/>
+          </p:spPr>
+          <p:txBody>
+            <a:bodyPr rtlCol="0" anchor="ctr"/>
+            <a:lstStyle/>
+            <a:p>
+              <a:pPr marL="0" marR="0" lvl="0" indent="0" algn="ctr" defTabSz="914400" rtl="0" eaLnBrk="1" fontAlgn="auto" latinLnBrk="0" hangingPunct="1">
+                <a:lnSpc>
+                  <a:spcPct val="100000"/>
+                </a:lnSpc>
+                <a:spcBef>
+                  <a:spcPts val="0"/>
+                </a:spcBef>
+                <a:spcAft>
+                  <a:spcPts val="0"/>
+                </a:spcAft>
+                <a:buClrTx/>
+                <a:buSzTx/>
+                <a:buFontTx/>
+                <a:buNone/>
+                <a:tabLst/>
+                <a:defRPr/>
+              </a:pPr>
+              <a:r>
+                <a:rPr lang="en-US" sz="2000" kern="0" dirty="0" err="1" smtClean="0">
+                  <a:solidFill>
+                    <a:prstClr val="black"/>
+                  </a:solidFill>
+                  <a:latin typeface="Calibri"/>
+                </a:rPr>
+                <a:t>findIssue</a:t>
+              </a:r>
+              <a:endParaRPr kumimoji="0" lang="en-US" sz="1600" b="0" i="0" u="none" strike="noStrike" kern="0" cap="none" spc="0" normalizeH="0" baseline="0" noProof="0" dirty="0" smtClean="0">
+                <a:ln>
+                  <a:noFill/>
+                </a:ln>
+                <a:solidFill>
+                  <a:prstClr val="black"/>
+                </a:solidFill>
+                <a:effectLst/>
+                <a:uLnTx/>
+                <a:uFillTx/>
+                <a:latin typeface="Calibri"/>
+                <a:ea typeface="+mn-ea"/>
+                <a:cs typeface="+mn-cs"/>
+              </a:endParaRPr>
+            </a:p>
+          </p:txBody>
+        </p:sp>
+        <p:grpSp>
+          <p:nvGrpSpPr>
+            <p:cNvPr id="9" name="Group 8"/>
+            <p:cNvGrpSpPr/>
+            <p:nvPr/>
+          </p:nvGrpSpPr>
+          <p:grpSpPr>
+            <a:xfrm>
+              <a:off x="10120201" y="1001141"/>
+              <a:ext cx="230601" cy="331199"/>
+              <a:chOff x="5540558" y="1752600"/>
+              <a:chExt cx="230601" cy="331199"/>
+            </a:xfrm>
+          </p:grpSpPr>
+          <p:sp>
+            <p:nvSpPr>
+              <p:cNvPr id="20" name="Rectangle 19"/>
+              <p:cNvSpPr/>
+              <p:nvPr/>
+            </p:nvSpPr>
+            <p:spPr>
+              <a:xfrm>
+                <a:off x="5641313" y="1752600"/>
+                <a:ext cx="129846" cy="331199"/>
+              </a:xfrm>
+              <a:prstGeom prst="rect">
+                <a:avLst/>
+              </a:prstGeom>
+              <a:solidFill>
+                <a:srgbClr val="F79646">
+                  <a:lumMod val="40000"/>
+                  <a:lumOff val="60000"/>
+                </a:srgbClr>
+              </a:solidFill>
+              <a:ln w="19050" cap="flat" cmpd="sng" algn="ctr">
+                <a:solidFill>
+                  <a:sysClr val="windowText" lastClr="000000"/>
+                </a:solidFill>
+                <a:prstDash val="solid"/>
+              </a:ln>
+              <a:effectLst/>
+            </p:spPr>
+            <p:txBody>
+              <a:bodyPr rtlCol="0" anchor="ctr"/>
+              <a:lstStyle/>
+              <a:p>
+                <a:pPr marL="0" marR="0" lvl="0" indent="0" algn="ctr" defTabSz="914400" rtl="0" eaLnBrk="1" fontAlgn="auto" latinLnBrk="0" hangingPunct="1">
+                  <a:lnSpc>
+                    <a:spcPct val="100000"/>
+                  </a:lnSpc>
+                  <a:spcBef>
+                    <a:spcPts val="0"/>
+                  </a:spcBef>
+                  <a:spcAft>
+                    <a:spcPts val="0"/>
+                  </a:spcAft>
+                  <a:buClrTx/>
+                  <a:buSzTx/>
+                  <a:buFontTx/>
+                  <a:buNone/>
+                  <a:tabLst/>
+                  <a:defRPr/>
+                </a:pPr>
+                <a:endParaRPr kumimoji="0" lang="en-US" sz="2000" b="1" i="0" u="none" strike="noStrike" kern="0" cap="none" spc="0" normalizeH="0" baseline="0" noProof="0" dirty="0" smtClean="0">
+                  <a:ln>
+                    <a:noFill/>
+                  </a:ln>
+                  <a:solidFill>
+                    <a:prstClr val="black"/>
+                  </a:solidFill>
+                  <a:effectLst/>
+                  <a:uLnTx/>
+                  <a:uFillTx/>
+                  <a:latin typeface="Calibri"/>
+                  <a:ea typeface="+mn-ea"/>
+                  <a:cs typeface="+mn-cs"/>
+                </a:endParaRPr>
+              </a:p>
+            </p:txBody>
+          </p:sp>
+          <p:cxnSp>
+            <p:nvCxnSpPr>
+              <p:cNvPr id="21" name="Straight Connector 20"/>
+              <p:cNvCxnSpPr>
+                <a:stCxn id="20" idx="0"/>
+              </p:cNvCxnSpPr>
+              <p:nvPr/>
+            </p:nvCxnSpPr>
+            <p:spPr>
+              <a:xfrm flipH="1">
+                <a:off x="5540558" y="1752600"/>
+                <a:ext cx="165678" cy="0"/>
+              </a:xfrm>
+              <a:prstGeom prst="line">
+                <a:avLst/>
+              </a:prstGeom>
+              <a:ln w="19050">
+                <a:solidFill>
+                  <a:schemeClr val="tx1"/>
+                </a:solidFill>
+              </a:ln>
+            </p:spPr>
+            <p:style>
+              <a:lnRef idx="1">
+                <a:schemeClr val="accent1"/>
+              </a:lnRef>
+              <a:fillRef idx="0">
+                <a:schemeClr val="accent1"/>
+              </a:fillRef>
+              <a:effectRef idx="0">
+                <a:schemeClr val="accent1"/>
+              </a:effectRef>
+              <a:fontRef idx="minor">
+                <a:schemeClr val="tx1"/>
+              </a:fontRef>
+            </p:style>
+          </p:cxnSp>
+          <p:cxnSp>
+            <p:nvCxnSpPr>
+              <p:cNvPr id="22" name="Straight Connector 21"/>
+              <p:cNvCxnSpPr>
+                <a:stCxn id="20" idx="2"/>
+              </p:cNvCxnSpPr>
+              <p:nvPr/>
+            </p:nvCxnSpPr>
+            <p:spPr>
+              <a:xfrm flipH="1">
+                <a:off x="5541801" y="2083799"/>
+                <a:ext cx="164435" cy="0"/>
+              </a:xfrm>
+              <a:prstGeom prst="line">
+                <a:avLst/>
+              </a:prstGeom>
+              <a:ln w="19050">
+                <a:solidFill>
+                  <a:schemeClr val="tx1"/>
+                </a:solidFill>
+              </a:ln>
+            </p:spPr>
+            <p:style>
+              <a:lnRef idx="1">
+                <a:schemeClr val="accent1"/>
+              </a:lnRef>
+              <a:fillRef idx="0">
+                <a:schemeClr val="accent1"/>
+              </a:fillRef>
+              <a:effectRef idx="0">
+                <a:schemeClr val="accent1"/>
+              </a:effectRef>
+              <a:fontRef idx="minor">
+                <a:schemeClr val="tx1"/>
+              </a:fontRef>
+            </p:style>
+          </p:cxnSp>
+        </p:grpSp>
+        <p:sp>
+          <p:nvSpPr>
+            <p:cNvPr id="10" name="TextBox 9"/>
+            <p:cNvSpPr txBox="1"/>
+            <p:nvPr/>
+          </p:nvSpPr>
+          <p:spPr>
+            <a:xfrm>
+              <a:off x="9880960" y="1327000"/>
+              <a:ext cx="809837" cy="369332"/>
+            </a:xfrm>
+            <a:prstGeom prst="rect">
+              <a:avLst/>
+            </a:prstGeom>
+            <a:noFill/>
+          </p:spPr>
+          <p:txBody>
+            <a:bodyPr wrap="none" rtlCol="0">
+              <a:spAutoFit/>
+            </a:bodyPr>
+            <a:lstStyle/>
+            <a:p>
+              <a:r>
+                <a:rPr lang="en-US" dirty="0" err="1" smtClean="0"/>
+                <a:t>issueQ</a:t>
+              </a:r>
+              <a:endParaRPr lang="en-US" dirty="0"/>
+            </a:p>
+          </p:txBody>
+        </p:sp>
+        <p:cxnSp>
+          <p:nvCxnSpPr>
+            <p:cNvPr id="11" name="Straight Arrow Connector 10"/>
+            <p:cNvCxnSpPr>
+              <a:stCxn id="20" idx="3"/>
+            </p:cNvCxnSpPr>
+            <p:nvPr/>
+          </p:nvCxnSpPr>
+          <p:spPr>
+            <a:xfrm flipV="1">
+              <a:off x="10350802" y="1166740"/>
+              <a:ext cx="265581" cy="1"/>
+            </a:xfrm>
+            <a:prstGeom prst="straightConnector1">
+              <a:avLst/>
+            </a:prstGeom>
+            <a:ln w="12700">
+              <a:solidFill>
+                <a:schemeClr val="tx1"/>
+              </a:solidFill>
+              <a:tailEnd type="triangle"/>
+            </a:ln>
+          </p:spPr>
+          <p:style>
+            <a:lnRef idx="1">
+              <a:schemeClr val="accent1"/>
+            </a:lnRef>
+            <a:fillRef idx="0">
+              <a:schemeClr val="accent1"/>
+            </a:fillRef>
+            <a:effectRef idx="0">
+              <a:schemeClr val="accent1"/>
+            </a:effectRef>
+            <a:fontRef idx="minor">
+              <a:schemeClr val="tx1"/>
+            </a:fontRef>
+          </p:style>
+        </p:cxnSp>
+        <p:cxnSp>
+          <p:nvCxnSpPr>
+            <p:cNvPr id="12" name="Straight Arrow Connector 11"/>
+            <p:cNvCxnSpPr>
+              <a:stCxn id="8" idx="1"/>
+              <a:endCxn id="37" idx="0"/>
+            </p:cNvCxnSpPr>
+            <p:nvPr/>
+          </p:nvCxnSpPr>
+          <p:spPr>
+            <a:xfrm>
+              <a:off x="8413397" y="2266056"/>
+              <a:ext cx="0" cy="298475"/>
+            </a:xfrm>
+            <a:prstGeom prst="straightConnector1">
+              <a:avLst/>
+            </a:prstGeom>
+            <a:ln w="12700">
+              <a:solidFill>
+                <a:schemeClr val="tx1"/>
+              </a:solidFill>
+              <a:headEnd type="triangle" w="med" len="med"/>
+              <a:tailEnd type="triangle" w="med" len="med"/>
+            </a:ln>
+          </p:spPr>
+          <p:style>
+            <a:lnRef idx="1">
+              <a:schemeClr val="accent1"/>
+            </a:lnRef>
+            <a:fillRef idx="0">
+              <a:schemeClr val="accent1"/>
+            </a:fillRef>
+            <a:effectRef idx="0">
+              <a:schemeClr val="accent1"/>
+            </a:effectRef>
+            <a:fontRef idx="minor">
+              <a:schemeClr val="tx1"/>
+            </a:fontRef>
+          </p:style>
+        </p:cxnSp>
+        <p:cxnSp>
+          <p:nvCxnSpPr>
+            <p:cNvPr id="13" name="Straight Arrow Connector 12"/>
+            <p:cNvCxnSpPr>
+              <a:stCxn id="39" idx="0"/>
+              <a:endCxn id="20" idx="1"/>
+            </p:cNvCxnSpPr>
+            <p:nvPr/>
+          </p:nvCxnSpPr>
+          <p:spPr>
+            <a:xfrm>
+              <a:off x="9456638" y="1166741"/>
+              <a:ext cx="764318" cy="0"/>
+            </a:xfrm>
+            <a:prstGeom prst="straightConnector1">
+              <a:avLst/>
+            </a:prstGeom>
+            <a:ln w="12700">
+              <a:solidFill>
+                <a:schemeClr val="tx1"/>
+              </a:solidFill>
+              <a:tailEnd type="triangle"/>
+            </a:ln>
+          </p:spPr>
+          <p:style>
+            <a:lnRef idx="1">
+              <a:schemeClr val="accent1"/>
+            </a:lnRef>
+            <a:fillRef idx="0">
+              <a:schemeClr val="accent1"/>
+            </a:fillRef>
+            <a:effectRef idx="0">
+              <a:schemeClr val="accent1"/>
+            </a:effectRef>
+            <a:fontRef idx="minor">
+              <a:schemeClr val="tx1"/>
+            </a:fontRef>
+          </p:style>
+        </p:cxnSp>
+        <p:sp>
+          <p:nvSpPr>
+            <p:cNvPr id="14" name="Rectangle 13"/>
+            <p:cNvSpPr/>
+            <p:nvPr/>
+          </p:nvSpPr>
+          <p:spPr>
+            <a:xfrm>
+              <a:off x="5552998" y="1888800"/>
+              <a:ext cx="1342439" cy="331199"/>
+            </a:xfrm>
+            <a:prstGeom prst="rect">
+              <a:avLst/>
+            </a:prstGeom>
+            <a:solidFill>
+              <a:srgbClr val="F79646">
+                <a:lumMod val="40000"/>
+                <a:lumOff val="60000"/>
+              </a:srgbClr>
+            </a:solidFill>
+            <a:ln w="12700" cap="flat" cmpd="sng" algn="ctr">
+              <a:solidFill>
+                <a:sysClr val="windowText" lastClr="000000"/>
+              </a:solidFill>
+              <a:prstDash val="solid"/>
+            </a:ln>
+            <a:effectLst/>
+          </p:spPr>
+          <p:txBody>
+            <a:bodyPr rtlCol="0" anchor="ctr"/>
+            <a:lstStyle/>
+            <a:p>
+              <a:pPr marL="0" marR="0" lvl="0" indent="0" algn="ctr" defTabSz="914400" rtl="0" eaLnBrk="1" fontAlgn="auto" latinLnBrk="0" hangingPunct="1">
+                <a:lnSpc>
+                  <a:spcPct val="100000"/>
+                </a:lnSpc>
+                <a:spcBef>
+                  <a:spcPts val="0"/>
+                </a:spcBef>
+                <a:spcAft>
+                  <a:spcPts val="0"/>
+                </a:spcAft>
+                <a:buClrTx/>
+                <a:buSzTx/>
+                <a:buFontTx/>
+                <a:buNone/>
+                <a:tabLst/>
+                <a:defRPr/>
+              </a:pPr>
+              <a:r>
+                <a:rPr kumimoji="0" lang="en-US" sz="2000" i="0" u="none" strike="noStrike" kern="0" cap="none" spc="0" normalizeH="0" baseline="0" noProof="0" dirty="0" err="1" smtClean="0">
+                  <a:ln>
+                    <a:noFill/>
+                  </a:ln>
+                  <a:solidFill>
+                    <a:prstClr val="black"/>
+                  </a:solidFill>
+                  <a:effectLst/>
+                  <a:uLnTx/>
+                  <a:uFillTx/>
+                  <a:latin typeface="Calibri"/>
+                  <a:ea typeface="+mn-ea"/>
+                  <a:cs typeface="+mn-cs"/>
+                </a:rPr>
+                <a:t>st_verifyP</a:t>
+              </a:r>
+              <a:endParaRPr kumimoji="0" lang="en-US" sz="2000" i="0" u="none" strike="noStrike" kern="0" cap="none" spc="0" normalizeH="0" baseline="0" noProof="0" dirty="0" smtClean="0">
+                <a:ln>
+                  <a:noFill/>
+                </a:ln>
+                <a:solidFill>
+                  <a:prstClr val="black"/>
+                </a:solidFill>
+                <a:effectLst/>
+                <a:uLnTx/>
+                <a:uFillTx/>
+                <a:latin typeface="Calibri"/>
+                <a:ea typeface="+mn-ea"/>
+                <a:cs typeface="+mn-cs"/>
+              </a:endParaRPr>
+            </a:p>
+          </p:txBody>
+        </p:sp>
+        <p:cxnSp>
+          <p:nvCxnSpPr>
+            <p:cNvPr id="15" name="Straight Arrow Connector 14"/>
+            <p:cNvCxnSpPr/>
+            <p:nvPr/>
+          </p:nvCxnSpPr>
+          <p:spPr>
+            <a:xfrm>
+              <a:off x="6287718" y="2219999"/>
+              <a:ext cx="1" cy="344532"/>
+            </a:xfrm>
+            <a:prstGeom prst="straightConnector1">
+              <a:avLst/>
+            </a:prstGeom>
+            <a:ln w="12700">
+              <a:solidFill>
+                <a:schemeClr val="tx1"/>
+              </a:solidFill>
+              <a:tailEnd type="triangle"/>
+            </a:ln>
+          </p:spPr>
+          <p:style>
+            <a:lnRef idx="1">
+              <a:schemeClr val="accent1"/>
+            </a:lnRef>
+            <a:fillRef idx="0">
+              <a:schemeClr val="accent1"/>
+            </a:fillRef>
+            <a:effectRef idx="0">
+              <a:schemeClr val="accent1"/>
+            </a:effectRef>
+            <a:fontRef idx="minor">
+              <a:schemeClr val="tx1"/>
+            </a:fontRef>
+          </p:style>
+        </p:cxnSp>
+        <p:sp>
+          <p:nvSpPr>
+            <p:cNvPr id="16" name="Cloud 15"/>
+            <p:cNvSpPr/>
+            <p:nvPr/>
+          </p:nvSpPr>
+          <p:spPr>
+            <a:xfrm>
+              <a:off x="2836018" y="1841840"/>
+              <a:ext cx="1827301" cy="424216"/>
+            </a:xfrm>
+            <a:prstGeom prst="cloud">
+              <a:avLst/>
+            </a:prstGeom>
+            <a:solidFill>
+              <a:srgbClr val="4BACC6">
+                <a:lumMod val="40000"/>
+                <a:lumOff val="60000"/>
+              </a:srgbClr>
+            </a:solidFill>
+            <a:ln w="25400" cap="flat" cmpd="sng" algn="ctr">
+              <a:solidFill>
+                <a:sysClr val="windowText" lastClr="000000"/>
+              </a:solidFill>
+              <a:prstDash val="solid"/>
+            </a:ln>
+            <a:effectLst/>
+          </p:spPr>
+          <p:txBody>
+            <a:bodyPr rtlCol="0" anchor="ctr"/>
+            <a:lstStyle/>
+            <a:p>
+              <a:pPr marL="0" marR="0" lvl="0" indent="0" algn="ctr" defTabSz="914400" rtl="0" eaLnBrk="1" fontAlgn="auto" latinLnBrk="0" hangingPunct="1">
+                <a:lnSpc>
+                  <a:spcPct val="100000"/>
+                </a:lnSpc>
+                <a:spcBef>
+                  <a:spcPts val="0"/>
+                </a:spcBef>
+                <a:spcAft>
+                  <a:spcPts val="0"/>
+                </a:spcAft>
+                <a:buClrTx/>
+                <a:buSzTx/>
+                <a:buFontTx/>
+                <a:buNone/>
+                <a:tabLst/>
+                <a:defRPr/>
+              </a:pPr>
+              <a:r>
+                <a:rPr lang="en-US" sz="2000" kern="0" noProof="0" dirty="0" err="1" smtClean="0">
+                  <a:solidFill>
+                    <a:prstClr val="black"/>
+                  </a:solidFill>
+                  <a:latin typeface="Calibri"/>
+                </a:rPr>
+                <a:t>verifySt</a:t>
+              </a:r>
+              <a:endParaRPr kumimoji="0" lang="en-US" sz="1600" b="0" i="0" u="none" strike="noStrike" kern="0" cap="none" spc="0" normalizeH="0" baseline="0" noProof="0" dirty="0" smtClean="0">
+                <a:ln>
+                  <a:noFill/>
+                </a:ln>
+                <a:solidFill>
+                  <a:prstClr val="black"/>
+                </a:solidFill>
+                <a:effectLst/>
+                <a:uLnTx/>
+                <a:uFillTx/>
+                <a:latin typeface="Calibri"/>
+                <a:ea typeface="+mn-ea"/>
+                <a:cs typeface="+mn-cs"/>
+              </a:endParaRPr>
+            </a:p>
+          </p:txBody>
+        </p:sp>
+        <p:cxnSp>
+          <p:nvCxnSpPr>
+            <p:cNvPr id="18" name="Straight Arrow Connector 17"/>
+            <p:cNvCxnSpPr>
+              <a:stCxn id="16" idx="0"/>
+              <a:endCxn id="14" idx="1"/>
+            </p:cNvCxnSpPr>
+            <p:nvPr/>
+          </p:nvCxnSpPr>
+          <p:spPr>
+            <a:xfrm>
+              <a:off x="4661796" y="2053948"/>
+              <a:ext cx="891202" cy="452"/>
+            </a:xfrm>
+            <a:prstGeom prst="straightConnector1">
+              <a:avLst/>
+            </a:prstGeom>
+            <a:ln w="12700">
+              <a:solidFill>
+                <a:schemeClr val="tx1"/>
+              </a:solidFill>
+              <a:tailEnd type="triangle"/>
+            </a:ln>
+          </p:spPr>
+          <p:style>
+            <a:lnRef idx="1">
+              <a:schemeClr val="accent1"/>
+            </a:lnRef>
+            <a:fillRef idx="0">
+              <a:schemeClr val="accent1"/>
+            </a:fillRef>
+            <a:effectRef idx="0">
+              <a:schemeClr val="accent1"/>
+            </a:effectRef>
+            <a:fontRef idx="minor">
+              <a:schemeClr val="tx1"/>
+            </a:fontRef>
+          </p:style>
+        </p:cxnSp>
+        <p:sp>
+          <p:nvSpPr>
+            <p:cNvPr id="39" name="Cloud 38"/>
+            <p:cNvSpPr/>
+            <p:nvPr/>
+          </p:nvSpPr>
+          <p:spPr>
+            <a:xfrm>
+              <a:off x="7365240" y="954633"/>
+              <a:ext cx="2093142" cy="424216"/>
+            </a:xfrm>
+            <a:prstGeom prst="cloud">
+              <a:avLst/>
+            </a:prstGeom>
+            <a:solidFill>
+              <a:srgbClr val="4BACC6">
+                <a:lumMod val="40000"/>
+                <a:lumOff val="60000"/>
+              </a:srgbClr>
+            </a:solidFill>
+            <a:ln w="25400" cap="flat" cmpd="sng" algn="ctr">
+              <a:solidFill>
+                <a:sysClr val="windowText" lastClr="000000"/>
+              </a:solidFill>
+              <a:prstDash val="solid"/>
+            </a:ln>
+            <a:effectLst/>
+          </p:spPr>
+          <p:txBody>
+            <a:bodyPr rtlCol="0" anchor="ctr"/>
+            <a:lstStyle/>
+            <a:p>
+              <a:pPr marL="0" marR="0" lvl="0" indent="0" algn="ctr" defTabSz="914400" rtl="0" eaLnBrk="1" fontAlgn="auto" latinLnBrk="0" hangingPunct="1">
+                <a:lnSpc>
+                  <a:spcPct val="100000"/>
+                </a:lnSpc>
+                <a:spcBef>
+                  <a:spcPts val="0"/>
+                </a:spcBef>
+                <a:spcAft>
+                  <a:spcPts val="0"/>
+                </a:spcAft>
+                <a:buClrTx/>
+                <a:buSzTx/>
+                <a:buFontTx/>
+                <a:buNone/>
+                <a:tabLst/>
+                <a:defRPr/>
+              </a:pPr>
+              <a:r>
+                <a:rPr lang="en-US" sz="2000" kern="0" dirty="0" err="1" smtClean="0">
+                  <a:solidFill>
+                    <a:prstClr val="black"/>
+                  </a:solidFill>
+                  <a:latin typeface="Calibri"/>
+                </a:rPr>
+                <a:t>enqIssueQ</a:t>
+              </a:r>
+              <a:endParaRPr kumimoji="0" lang="en-US" sz="1600" b="0" i="0" u="none" strike="noStrike" kern="0" cap="none" spc="0" normalizeH="0" baseline="0" noProof="0" dirty="0" smtClean="0">
+                <a:ln>
+                  <a:noFill/>
+                </a:ln>
+                <a:solidFill>
+                  <a:prstClr val="black"/>
+                </a:solidFill>
+                <a:effectLst/>
+                <a:uLnTx/>
+                <a:uFillTx/>
+                <a:latin typeface="Calibri"/>
+                <a:ea typeface="+mn-ea"/>
+                <a:cs typeface="+mn-cs"/>
+              </a:endParaRPr>
+            </a:p>
+          </p:txBody>
+        </p:sp>
+        <p:cxnSp>
+          <p:nvCxnSpPr>
+            <p:cNvPr id="42" name="Straight Arrow Connector 41"/>
+            <p:cNvCxnSpPr>
+              <a:stCxn id="8" idx="3"/>
+              <a:endCxn id="39" idx="1"/>
+            </p:cNvCxnSpPr>
+            <p:nvPr/>
+          </p:nvCxnSpPr>
+          <p:spPr>
+            <a:xfrm flipH="1" flipV="1">
+              <a:off x="8411811" y="1378397"/>
+              <a:ext cx="1586" cy="488150"/>
+            </a:xfrm>
+            <a:prstGeom prst="straightConnector1">
+              <a:avLst/>
+            </a:prstGeom>
+            <a:ln w="12700">
+              <a:solidFill>
+                <a:schemeClr val="tx1"/>
+              </a:solidFill>
+              <a:tailEnd type="triangle"/>
+            </a:ln>
+          </p:spPr>
+          <p:style>
+            <a:lnRef idx="1">
+              <a:schemeClr val="accent1"/>
+            </a:lnRef>
+            <a:fillRef idx="0">
+              <a:schemeClr val="accent1"/>
+            </a:fillRef>
+            <a:effectRef idx="0">
+              <a:schemeClr val="accent1"/>
+            </a:effectRef>
+            <a:fontRef idx="minor">
+              <a:schemeClr val="tx1"/>
+            </a:fontRef>
+          </p:style>
+        </p:cxnSp>
+        <p:sp>
+          <p:nvSpPr>
+            <p:cNvPr id="43" name="TextBox 42"/>
+            <p:cNvSpPr txBox="1"/>
+            <p:nvPr/>
+          </p:nvSpPr>
+          <p:spPr>
+            <a:xfrm>
+              <a:off x="7886007" y="1443794"/>
+              <a:ext cx="595228" cy="369332"/>
+            </a:xfrm>
+            <a:prstGeom prst="rect">
+              <a:avLst/>
+            </a:prstGeom>
+            <a:noFill/>
+          </p:spPr>
+          <p:txBody>
+            <a:bodyPr wrap="none" rtlCol="0">
+              <a:spAutoFit/>
+            </a:bodyPr>
+            <a:lstStyle/>
+            <a:p>
+              <a:r>
+                <a:rPr lang="en-US" dirty="0" smtClean="0">
+                  <a:solidFill>
+                    <a:srgbClr val="FF0000"/>
+                  </a:solidFill>
+                </a:rPr>
+                <a:t>wire</a:t>
+              </a:r>
+              <a:endParaRPr lang="en-US" dirty="0">
+                <a:solidFill>
+                  <a:srgbClr val="FF0000"/>
+                </a:solidFill>
+              </a:endParaRPr>
+            </a:p>
+          </p:txBody>
+        </p:sp>
+        <p:sp>
+          <p:nvSpPr>
+            <p:cNvPr id="4" name="Freeform 3"/>
+            <p:cNvSpPr/>
+            <p:nvPr/>
+          </p:nvSpPr>
+          <p:spPr>
+            <a:xfrm>
+              <a:off x="3774440" y="2260600"/>
+              <a:ext cx="2405380" cy="299720"/>
+            </a:xfrm>
+            <a:custGeom>
+              <a:avLst/>
+              <a:gdLst>
+                <a:gd name="connsiteX0" fmla="*/ 2405380 w 2405380"/>
+                <a:gd name="connsiteY0" fmla="*/ 299720 h 299720"/>
+                <a:gd name="connsiteX1" fmla="*/ 2405380 w 2405380"/>
+                <a:gd name="connsiteY1" fmla="*/ 185420 h 299720"/>
+                <a:gd name="connsiteX2" fmla="*/ 0 w 2405380"/>
+                <a:gd name="connsiteY2" fmla="*/ 185420 h 299720"/>
+                <a:gd name="connsiteX3" fmla="*/ 0 w 2405380"/>
+                <a:gd name="connsiteY3" fmla="*/ 0 h 299720"/>
+              </a:gdLst>
+              <a:ahLst/>
+              <a:cxnLst>
+                <a:cxn ang="0">
+                  <a:pos x="connsiteX0" y="connsiteY0"/>
+                </a:cxn>
+                <a:cxn ang="0">
+                  <a:pos x="connsiteX1" y="connsiteY1"/>
+                </a:cxn>
+                <a:cxn ang="0">
+                  <a:pos x="connsiteX2" y="connsiteY2"/>
+                </a:cxn>
+                <a:cxn ang="0">
+                  <a:pos x="connsiteX3" y="connsiteY3"/>
+                </a:cxn>
+              </a:cxnLst>
+              <a:rect l="l" t="t" r="r" b="b"/>
+              <a:pathLst>
+                <a:path w="2405380" h="299720">
+                  <a:moveTo>
+                    <a:pt x="2405380" y="299720"/>
+                  </a:moveTo>
+                  <a:lnTo>
+                    <a:pt x="2405380" y="185420"/>
+                  </a:lnTo>
+                  <a:lnTo>
+                    <a:pt x="0" y="185420"/>
+                  </a:lnTo>
+                  <a:lnTo>
+                    <a:pt x="0" y="0"/>
+                  </a:lnTo>
+                </a:path>
+              </a:pathLst>
+            </a:custGeom>
+            <a:noFill/>
+            <a:ln>
+              <a:solidFill>
+                <a:schemeClr val="tx1"/>
+              </a:solidFill>
+              <a:headEnd type="none" w="med" len="med"/>
+              <a:tailEnd type="triangle" w="med" len="med"/>
+            </a:ln>
+          </p:spPr>
+          <p:style>
+            <a:lnRef idx="2">
+              <a:schemeClr val="accent1">
+                <a:shade val="50000"/>
+              </a:schemeClr>
+            </a:lnRef>
+            <a:fillRef idx="1">
+              <a:schemeClr val="accent1"/>
+            </a:fillRef>
+            <a:effectRef idx="0">
+              <a:schemeClr val="accent1"/>
+            </a:effectRef>
+            <a:fontRef idx="minor">
+              <a:schemeClr val="lt1"/>
+            </a:fontRef>
+          </p:style>
+          <p:txBody>
+            <a:bodyPr rtlCol="0" anchor="ctr"/>
+            <a:lstStyle/>
+            <a:p>
+              <a:pPr algn="ctr"/>
+              <a:endParaRPr lang="en-US"/>
+            </a:p>
+          </p:txBody>
+        </p:sp>
+      </p:grpSp>
+    </p:spTree>
+    <p:extLst>
+      <p:ext uri="{BB962C8B-B14F-4D97-AF65-F5344CB8AC3E}">
+        <p14:creationId xmlns:p14="http://schemas.microsoft.com/office/powerpoint/2010/main" val="3326532316"/>
+      </p:ext>
+    </p:extLst>
+  </p:cSld>
+  <p:clrMapOvr>
+    <a:masterClrMapping/>
+  </p:clrMapOvr>
+</p:sld>
+</file>
+
 <file path=ppt/theme/theme1.xml><?xml version="1.0" encoding="utf-8"?>
 <a:theme xmlns:a="http://schemas.openxmlformats.org/drawingml/2006/main" name="Office Theme">
   <a:themeElements>

--- a/fig/fig.pptx
+++ b/fig/fig.pptx
@@ -5771,12 +5771,20 @@
             <a:p>
               <a:pPr algn="ctr"/>
               <a:r>
+                <a:rPr lang="en-US" smtClean="0">
+                  <a:solidFill>
+                    <a:schemeClr val="bg1"/>
+                  </a:solidFill>
+                </a:rPr>
+                <a:t>Renaming </a:t>
+              </a:r>
+              <a:r>
                 <a:rPr lang="en-US" dirty="0" smtClean="0">
                   <a:solidFill>
                     <a:schemeClr val="bg1"/>
                   </a:solidFill>
                 </a:rPr>
-                <a:t>Reaming Table</a:t>
+                <a:t>Table</a:t>
               </a:r>
               <a:endParaRPr lang="en-US" dirty="0">
                 <a:solidFill>

--- a/fig/fig.pptx
+++ b/fig/fig.pptx
@@ -8,9 +8,11 @@
     <p:sldId id="256" r:id="rId2"/>
     <p:sldId id="257" r:id="rId3"/>
     <p:sldId id="258" r:id="rId4"/>
+    <p:sldId id="259" r:id="rId5"/>
+    <p:sldId id="260" r:id="rId6"/>
   </p:sldIdLst>
   <p:sldSz cx="12192000" cy="6858000"/>
-  <p:notesSz cx="6858000" cy="9144000"/>
+  <p:notesSz cx="7315200" cy="9601200"/>
   <p:defaultTextStyle>
     <a:defPPr>
       <a:defRPr lang="en-US"/>
@@ -245,7 +247,7 @@
           <a:p>
             <a:fld id="{BE4C2E38-1CA4-415D-AC32-50965AFA52AB}" type="datetimeFigureOut">
               <a:rPr lang="en-US" smtClean="0"/>
-              <a:t>5/10/2019</a:t>
+              <a:t>5/29/2019</a:t>
             </a:fld>
             <a:endParaRPr lang="en-US"/>
           </a:p>
@@ -415,7 +417,7 @@
           <a:p>
             <a:fld id="{BE4C2E38-1CA4-415D-AC32-50965AFA52AB}" type="datetimeFigureOut">
               <a:rPr lang="en-US" smtClean="0"/>
-              <a:t>5/10/2019</a:t>
+              <a:t>5/29/2019</a:t>
             </a:fld>
             <a:endParaRPr lang="en-US"/>
           </a:p>
@@ -595,7 +597,7 @@
           <a:p>
             <a:fld id="{BE4C2E38-1CA4-415D-AC32-50965AFA52AB}" type="datetimeFigureOut">
               <a:rPr lang="en-US" smtClean="0"/>
-              <a:t>5/10/2019</a:t>
+              <a:t>5/29/2019</a:t>
             </a:fld>
             <a:endParaRPr lang="en-US"/>
           </a:p>
@@ -765,7 +767,7 @@
           <a:p>
             <a:fld id="{BE4C2E38-1CA4-415D-AC32-50965AFA52AB}" type="datetimeFigureOut">
               <a:rPr lang="en-US" smtClean="0"/>
-              <a:t>5/10/2019</a:t>
+              <a:t>5/29/2019</a:t>
             </a:fld>
             <a:endParaRPr lang="en-US"/>
           </a:p>
@@ -1011,7 +1013,7 @@
           <a:p>
             <a:fld id="{BE4C2E38-1CA4-415D-AC32-50965AFA52AB}" type="datetimeFigureOut">
               <a:rPr lang="en-US" smtClean="0"/>
-              <a:t>5/10/2019</a:t>
+              <a:t>5/29/2019</a:t>
             </a:fld>
             <a:endParaRPr lang="en-US"/>
           </a:p>
@@ -1243,7 +1245,7 @@
           <a:p>
             <a:fld id="{BE4C2E38-1CA4-415D-AC32-50965AFA52AB}" type="datetimeFigureOut">
               <a:rPr lang="en-US" smtClean="0"/>
-              <a:t>5/10/2019</a:t>
+              <a:t>5/29/2019</a:t>
             </a:fld>
             <a:endParaRPr lang="en-US"/>
           </a:p>
@@ -1610,7 +1612,7 @@
           <a:p>
             <a:fld id="{BE4C2E38-1CA4-415D-AC32-50965AFA52AB}" type="datetimeFigureOut">
               <a:rPr lang="en-US" smtClean="0"/>
-              <a:t>5/10/2019</a:t>
+              <a:t>5/29/2019</a:t>
             </a:fld>
             <a:endParaRPr lang="en-US"/>
           </a:p>
@@ -1728,7 +1730,7 @@
           <a:p>
             <a:fld id="{BE4C2E38-1CA4-415D-AC32-50965AFA52AB}" type="datetimeFigureOut">
               <a:rPr lang="en-US" smtClean="0"/>
-              <a:t>5/10/2019</a:t>
+              <a:t>5/29/2019</a:t>
             </a:fld>
             <a:endParaRPr lang="en-US"/>
           </a:p>
@@ -1823,7 +1825,7 @@
           <a:p>
             <a:fld id="{BE4C2E38-1CA4-415D-AC32-50965AFA52AB}" type="datetimeFigureOut">
               <a:rPr lang="en-US" smtClean="0"/>
-              <a:t>5/10/2019</a:t>
+              <a:t>5/29/2019</a:t>
             </a:fld>
             <a:endParaRPr lang="en-US"/>
           </a:p>
@@ -2100,7 +2102,7 @@
           <a:p>
             <a:fld id="{BE4C2E38-1CA4-415D-AC32-50965AFA52AB}" type="datetimeFigureOut">
               <a:rPr lang="en-US" smtClean="0"/>
-              <a:t>5/10/2019</a:t>
+              <a:t>5/29/2019</a:t>
             </a:fld>
             <a:endParaRPr lang="en-US"/>
           </a:p>
@@ -2353,7 +2355,7 @@
           <a:p>
             <a:fld id="{BE4C2E38-1CA4-415D-AC32-50965AFA52AB}" type="datetimeFigureOut">
               <a:rPr lang="en-US" smtClean="0"/>
-              <a:t>5/10/2019</a:t>
+              <a:t>5/29/2019</a:t>
             </a:fld>
             <a:endParaRPr lang="en-US"/>
           </a:p>
@@ -2566,7 +2568,7 @@
           <a:p>
             <a:fld id="{BE4C2E38-1CA4-415D-AC32-50965AFA52AB}" type="datetimeFigureOut">
               <a:rPr lang="en-US" smtClean="0"/>
-              <a:t>5/10/2019</a:t>
+              <a:t>5/29/2019</a:t>
             </a:fld>
             <a:endParaRPr lang="en-US"/>
           </a:p>
@@ -7655,6 +7657,7548 @@
 </p:sld>
 </file>
 
+<file path=ppt/slides/slide4.xml><?xml version="1.0" encoding="utf-8"?>
+<p:sld xmlns:a="http://schemas.openxmlformats.org/drawingml/2006/main" xmlns:r="http://schemas.openxmlformats.org/officeDocument/2006/relationships" xmlns:p="http://schemas.openxmlformats.org/presentationml/2006/main">
+  <p:cSld>
+    <p:spTree>
+      <p:nvGrpSpPr>
+        <p:cNvPr id="1" name=""/>
+        <p:cNvGrpSpPr/>
+        <p:nvPr/>
+      </p:nvGrpSpPr>
+      <p:grpSpPr>
+        <a:xfrm>
+          <a:off x="0" y="0"/>
+          <a:ext cx="0" cy="0"/>
+          <a:chOff x="0" y="0"/>
+          <a:chExt cx="0" cy="0"/>
+        </a:xfrm>
+      </p:grpSpPr>
+      <p:grpSp>
+        <p:nvGrpSpPr>
+          <p:cNvPr id="4" name="Group 3"/>
+          <p:cNvGrpSpPr/>
+          <p:nvPr/>
+        </p:nvGrpSpPr>
+        <p:grpSpPr>
+          <a:xfrm>
+            <a:off x="250133" y="666378"/>
+            <a:ext cx="11805974" cy="5827858"/>
+            <a:chOff x="255023" y="172504"/>
+            <a:chExt cx="11805974" cy="5827858"/>
+          </a:xfrm>
+        </p:grpSpPr>
+        <p:sp>
+          <p:nvSpPr>
+            <p:cNvPr id="5" name="Rectangle 4"/>
+            <p:cNvSpPr/>
+            <p:nvPr/>
+          </p:nvSpPr>
+          <p:spPr>
+            <a:xfrm>
+              <a:off x="2667577" y="732870"/>
+              <a:ext cx="9393420" cy="4587275"/>
+            </a:xfrm>
+            <a:prstGeom prst="rect">
+              <a:avLst/>
+            </a:prstGeom>
+            <a:solidFill>
+              <a:sysClr val="window" lastClr="FFFFFF">
+                <a:lumMod val="85000"/>
+              </a:sysClr>
+            </a:solidFill>
+            <a:ln w="28575" cap="flat" cmpd="sng" algn="ctr">
+              <a:solidFill>
+                <a:sysClr val="windowText" lastClr="000000"/>
+              </a:solidFill>
+              <a:prstDash val="solid"/>
+            </a:ln>
+            <a:effectLst/>
+          </p:spPr>
+          <p:txBody>
+            <a:bodyPr rtlCol="0" anchor="ctr"/>
+            <a:lstStyle/>
+            <a:p>
+              <a:pPr marL="0" marR="0" lvl="0" indent="0" algn="ctr" defTabSz="914400" eaLnBrk="1" fontAlgn="auto" latinLnBrk="0" hangingPunct="1">
+                <a:lnSpc>
+                  <a:spcPct val="100000"/>
+                </a:lnSpc>
+                <a:spcBef>
+                  <a:spcPts val="0"/>
+                </a:spcBef>
+                <a:spcAft>
+                  <a:spcPts val="0"/>
+                </a:spcAft>
+                <a:buClrTx/>
+                <a:buSzTx/>
+                <a:buFontTx/>
+                <a:buNone/>
+                <a:tabLst/>
+                <a:defRPr/>
+              </a:pPr>
+              <a:endParaRPr kumimoji="0" lang="en-US" sz="1800" b="0" i="0" u="none" strike="noStrike" kern="0" cap="none" spc="0" normalizeH="0" baseline="0" noProof="0" dirty="0">
+                <a:ln>
+                  <a:noFill/>
+                </a:ln>
+                <a:solidFill>
+                  <a:prstClr val="white"/>
+                </a:solidFill>
+                <a:effectLst/>
+                <a:uLnTx/>
+                <a:uFillTx/>
+                <a:latin typeface="Calibri"/>
+                <a:ea typeface="+mn-ea"/>
+                <a:cs typeface="+mn-cs"/>
+              </a:endParaRPr>
+            </a:p>
+          </p:txBody>
+        </p:sp>
+        <p:sp>
+          <p:nvSpPr>
+            <p:cNvPr id="6" name="Pentagon 5"/>
+            <p:cNvSpPr/>
+            <p:nvPr/>
+          </p:nvSpPr>
+          <p:spPr>
+            <a:xfrm>
+              <a:off x="5269478" y="3149559"/>
+              <a:ext cx="2590800" cy="533400"/>
+            </a:xfrm>
+            <a:prstGeom prst="homePlate">
+              <a:avLst/>
+            </a:prstGeom>
+            <a:solidFill>
+              <a:srgbClr val="4F81BD"/>
+            </a:solidFill>
+            <a:ln w="25400" cap="flat" cmpd="sng" algn="ctr">
+              <a:solidFill>
+                <a:sysClr val="windowText" lastClr="000000"/>
+              </a:solidFill>
+              <a:prstDash val="solid"/>
+            </a:ln>
+            <a:effectLst/>
+          </p:spPr>
+          <p:txBody>
+            <a:bodyPr rtlCol="0" anchor="ctr"/>
+            <a:lstStyle/>
+            <a:p>
+              <a:pPr marL="0" marR="0" lvl="0" indent="0" algn="ctr" defTabSz="914400" eaLnBrk="1" fontAlgn="auto" latinLnBrk="0" hangingPunct="1">
+                <a:lnSpc>
+                  <a:spcPct val="100000"/>
+                </a:lnSpc>
+                <a:spcBef>
+                  <a:spcPts val="0"/>
+                </a:spcBef>
+                <a:spcAft>
+                  <a:spcPts val="0"/>
+                </a:spcAft>
+                <a:buClrTx/>
+                <a:buSzTx/>
+                <a:buFontTx/>
+                <a:buNone/>
+                <a:tabLst/>
+                <a:defRPr/>
+              </a:pPr>
+              <a:r>
+                <a:rPr kumimoji="0" lang="en-US" sz="2000" b="0" i="0" u="none" strike="noStrike" kern="0" cap="none" spc="0" normalizeH="0" baseline="0" noProof="0" dirty="0">
+                  <a:ln>
+                    <a:noFill/>
+                  </a:ln>
+                  <a:solidFill>
+                    <a:prstClr val="white"/>
+                  </a:solidFill>
+                  <a:effectLst/>
+                  <a:uLnTx/>
+                  <a:uFillTx/>
+                  <a:latin typeface="Calibri"/>
+                  <a:ea typeface="+mn-ea"/>
+                  <a:cs typeface="+mn-cs"/>
+                </a:rPr>
+                <a:t>Cache-access pipeline</a:t>
+              </a:r>
+            </a:p>
+          </p:txBody>
+        </p:sp>
+        <p:cxnSp>
+          <p:nvCxnSpPr>
+            <p:cNvPr id="7" name="Straight Arrow Connector 6"/>
+            <p:cNvCxnSpPr>
+              <a:stCxn id="35" idx="0"/>
+              <a:endCxn id="6" idx="1"/>
+            </p:cNvCxnSpPr>
+            <p:nvPr/>
+          </p:nvCxnSpPr>
+          <p:spPr>
+            <a:xfrm>
+              <a:off x="4996468" y="3416259"/>
+              <a:ext cx="273010" cy="0"/>
+            </a:xfrm>
+            <a:prstGeom prst="straightConnector1">
+              <a:avLst/>
+            </a:prstGeom>
+            <a:noFill/>
+            <a:ln w="12700" cap="flat" cmpd="sng" algn="ctr">
+              <a:solidFill>
+                <a:sysClr val="windowText" lastClr="000000"/>
+              </a:solidFill>
+              <a:prstDash val="solid"/>
+              <a:tailEnd type="triangle"/>
+            </a:ln>
+            <a:effectLst/>
+          </p:spPr>
+        </p:cxnSp>
+        <p:cxnSp>
+          <p:nvCxnSpPr>
+            <p:cNvPr id="8" name="Straight Arrow Connector 7"/>
+            <p:cNvCxnSpPr>
+              <a:stCxn id="94" idx="3"/>
+            </p:cNvCxnSpPr>
+            <p:nvPr/>
+          </p:nvCxnSpPr>
+          <p:spPr>
+            <a:xfrm>
+              <a:off x="3186046" y="3316437"/>
+              <a:ext cx="296796" cy="0"/>
+            </a:xfrm>
+            <a:prstGeom prst="straightConnector1">
+              <a:avLst/>
+            </a:prstGeom>
+            <a:noFill/>
+            <a:ln w="12700" cap="flat" cmpd="sng" algn="ctr">
+              <a:solidFill>
+                <a:sysClr val="windowText" lastClr="000000"/>
+              </a:solidFill>
+              <a:prstDash val="solid"/>
+              <a:tailEnd type="triangle"/>
+            </a:ln>
+            <a:effectLst/>
+          </p:spPr>
+        </p:cxnSp>
+        <p:grpSp>
+          <p:nvGrpSpPr>
+            <p:cNvPr id="9" name="Group 8"/>
+            <p:cNvGrpSpPr/>
+            <p:nvPr/>
+          </p:nvGrpSpPr>
+          <p:grpSpPr>
+            <a:xfrm>
+              <a:off x="2728846" y="3198151"/>
+              <a:ext cx="457200" cy="236571"/>
+              <a:chOff x="7848600" y="1143000"/>
+              <a:chExt cx="457200" cy="381000"/>
+            </a:xfrm>
+            <a:solidFill>
+              <a:srgbClr val="FCD5B5"/>
+            </a:solidFill>
+          </p:grpSpPr>
+          <p:sp>
+            <p:nvSpPr>
+              <p:cNvPr id="94" name="Rectangle 93"/>
+              <p:cNvSpPr/>
+              <p:nvPr/>
+            </p:nvSpPr>
+            <p:spPr>
+              <a:xfrm>
+                <a:off x="8001000" y="1143000"/>
+                <a:ext cx="304800" cy="381000"/>
+              </a:xfrm>
+              <a:prstGeom prst="rect">
+                <a:avLst/>
+              </a:prstGeom>
+              <a:grpFill/>
+              <a:ln w="12700" cap="flat" cmpd="sng" algn="ctr">
+                <a:solidFill>
+                  <a:sysClr val="windowText" lastClr="000000"/>
+                </a:solidFill>
+                <a:prstDash val="solid"/>
+              </a:ln>
+              <a:effectLst/>
+            </p:spPr>
+            <p:txBody>
+              <a:bodyPr rtlCol="0" anchor="ctr"/>
+              <a:lstStyle/>
+              <a:p>
+                <a:pPr marL="0" marR="0" lvl="0" indent="0" algn="ctr" defTabSz="914400" eaLnBrk="1" fontAlgn="auto" latinLnBrk="0" hangingPunct="1">
+                  <a:lnSpc>
+                    <a:spcPct val="100000"/>
+                  </a:lnSpc>
+                  <a:spcBef>
+                    <a:spcPts val="0"/>
+                  </a:spcBef>
+                  <a:spcAft>
+                    <a:spcPts val="0"/>
+                  </a:spcAft>
+                  <a:buClrTx/>
+                  <a:buSzTx/>
+                  <a:buFontTx/>
+                  <a:buNone/>
+                  <a:tabLst/>
+                  <a:defRPr/>
+                </a:pPr>
+                <a:endParaRPr kumimoji="0" lang="en-US" sz="1800" b="0" i="0" u="none" strike="noStrike" kern="0" cap="none" spc="0" normalizeH="0" baseline="0" noProof="0">
+                  <a:ln>
+                    <a:noFill/>
+                  </a:ln>
+                  <a:solidFill>
+                    <a:prstClr val="white"/>
+                  </a:solidFill>
+                  <a:effectLst/>
+                  <a:uLnTx/>
+                  <a:uFillTx/>
+                  <a:latin typeface="Calibri"/>
+                  <a:ea typeface="+mn-ea"/>
+                  <a:cs typeface="+mn-cs"/>
+                </a:endParaRPr>
+              </a:p>
+            </p:txBody>
+          </p:sp>
+          <p:cxnSp>
+            <p:nvCxnSpPr>
+              <p:cNvPr id="95" name="Straight Connector 94"/>
+              <p:cNvCxnSpPr>
+                <a:stCxn id="94" idx="0"/>
+              </p:cNvCxnSpPr>
+              <p:nvPr/>
+            </p:nvCxnSpPr>
+            <p:spPr>
+              <a:xfrm flipH="1">
+                <a:off x="7848600" y="1143000"/>
+                <a:ext cx="304800" cy="0"/>
+              </a:xfrm>
+              <a:prstGeom prst="line">
+                <a:avLst/>
+              </a:prstGeom>
+              <a:grpFill/>
+              <a:ln w="12700" cap="flat" cmpd="sng" algn="ctr">
+                <a:solidFill>
+                  <a:sysClr val="windowText" lastClr="000000"/>
+                </a:solidFill>
+                <a:prstDash val="solid"/>
+              </a:ln>
+              <a:effectLst/>
+            </p:spPr>
+          </p:cxnSp>
+          <p:cxnSp>
+            <p:nvCxnSpPr>
+              <p:cNvPr id="96" name="Straight Connector 95"/>
+              <p:cNvCxnSpPr>
+                <a:stCxn id="94" idx="0"/>
+                <a:endCxn id="94" idx="2"/>
+              </p:cNvCxnSpPr>
+              <p:nvPr/>
+            </p:nvCxnSpPr>
+            <p:spPr>
+              <a:xfrm>
+                <a:off x="8153400" y="1143000"/>
+                <a:ext cx="0" cy="381000"/>
+              </a:xfrm>
+              <a:prstGeom prst="line">
+                <a:avLst/>
+              </a:prstGeom>
+              <a:grpFill/>
+              <a:ln w="12700" cap="flat" cmpd="sng" algn="ctr">
+                <a:solidFill>
+                  <a:sysClr val="windowText" lastClr="000000"/>
+                </a:solidFill>
+                <a:prstDash val="solid"/>
+              </a:ln>
+              <a:effectLst/>
+            </p:spPr>
+          </p:cxnSp>
+          <p:cxnSp>
+            <p:nvCxnSpPr>
+              <p:cNvPr id="97" name="Straight Connector 96"/>
+              <p:cNvCxnSpPr>
+                <a:stCxn id="94" idx="2"/>
+              </p:cNvCxnSpPr>
+              <p:nvPr/>
+            </p:nvCxnSpPr>
+            <p:spPr>
+              <a:xfrm flipH="1">
+                <a:off x="7848600" y="1524000"/>
+                <a:ext cx="304800" cy="0"/>
+              </a:xfrm>
+              <a:prstGeom prst="line">
+                <a:avLst/>
+              </a:prstGeom>
+              <a:grpFill/>
+              <a:ln w="12700" cap="flat" cmpd="sng" algn="ctr">
+                <a:solidFill>
+                  <a:sysClr val="windowText" lastClr="000000"/>
+                </a:solidFill>
+                <a:prstDash val="solid"/>
+              </a:ln>
+              <a:effectLst/>
+            </p:spPr>
+          </p:cxnSp>
+        </p:grpSp>
+        <p:cxnSp>
+          <p:nvCxnSpPr>
+            <p:cNvPr id="10" name="Straight Arrow Connector 9"/>
+            <p:cNvCxnSpPr>
+              <a:stCxn id="11" idx="3"/>
+              <a:endCxn id="94" idx="1"/>
+            </p:cNvCxnSpPr>
+            <p:nvPr/>
+          </p:nvCxnSpPr>
+          <p:spPr>
+            <a:xfrm flipV="1">
+              <a:off x="2410378" y="3316437"/>
+              <a:ext cx="470868" cy="1872"/>
+            </a:xfrm>
+            <a:prstGeom prst="straightConnector1">
+              <a:avLst/>
+            </a:prstGeom>
+            <a:noFill/>
+            <a:ln w="12700" cap="flat" cmpd="sng" algn="ctr">
+              <a:solidFill>
+                <a:sysClr val="windowText" lastClr="000000"/>
+              </a:solidFill>
+              <a:prstDash val="solid"/>
+              <a:tailEnd type="triangle"/>
+            </a:ln>
+            <a:effectLst/>
+          </p:spPr>
+        </p:cxnSp>
+        <p:sp>
+          <p:nvSpPr>
+            <p:cNvPr id="11" name="TextBox 10"/>
+            <p:cNvSpPr txBox="1"/>
+            <p:nvPr/>
+          </p:nvSpPr>
+          <p:spPr>
+            <a:xfrm>
+              <a:off x="255023" y="3118254"/>
+              <a:ext cx="2155355" cy="400110"/>
+            </a:xfrm>
+            <a:prstGeom prst="rect">
+              <a:avLst/>
+            </a:prstGeom>
+            <a:noFill/>
+          </p:spPr>
+          <p:txBody>
+            <a:bodyPr wrap="square" rtlCol="0">
+              <a:spAutoFit/>
+            </a:bodyPr>
+            <a:lstStyle/>
+            <a:p>
+              <a:pPr marL="0" marR="0" lvl="0" indent="0" algn="r" defTabSz="914400" eaLnBrk="1" fontAlgn="auto" latinLnBrk="0" hangingPunct="1">
+                <a:lnSpc>
+                  <a:spcPct val="100000"/>
+                </a:lnSpc>
+                <a:spcBef>
+                  <a:spcPts val="0"/>
+                </a:spcBef>
+                <a:spcAft>
+                  <a:spcPts val="0"/>
+                </a:spcAft>
+                <a:buClrTx/>
+                <a:buSzTx/>
+                <a:buFontTx/>
+                <a:buNone/>
+                <a:tabLst/>
+                <a:defRPr/>
+              </a:pPr>
+              <a:r>
+                <a:rPr kumimoji="0" lang="en-US" sz="2000" b="0" i="0" u="none" strike="noStrike" kern="0" cap="none" spc="0" normalizeH="0" baseline="0" noProof="0" dirty="0" smtClean="0">
+                  <a:ln>
+                    <a:noFill/>
+                  </a:ln>
+                  <a:solidFill>
+                    <a:prstClr val="black"/>
+                  </a:solidFill>
+                  <a:effectLst/>
+                  <a:uLnTx/>
+                  <a:uFillTx/>
+                </a:rPr>
+                <a:t>L1 downgrade </a:t>
+              </a:r>
+              <a:r>
+                <a:rPr kumimoji="0" lang="en-US" sz="2000" b="0" i="0" u="none" strike="noStrike" kern="0" cap="none" spc="0" normalizeH="0" baseline="0" noProof="0" dirty="0" err="1">
+                  <a:ln>
+                    <a:noFill/>
+                  </a:ln>
+                  <a:solidFill>
+                    <a:prstClr val="black"/>
+                  </a:solidFill>
+                  <a:effectLst/>
+                  <a:uLnTx/>
+                  <a:uFillTx/>
+                </a:rPr>
+                <a:t>resp</a:t>
+              </a:r>
+              <a:endParaRPr kumimoji="0" lang="en-US" sz="2000" b="0" i="0" u="none" strike="noStrike" kern="0" cap="none" spc="0" normalizeH="0" baseline="0" noProof="0" dirty="0">
+                <a:ln>
+                  <a:noFill/>
+                </a:ln>
+                <a:solidFill>
+                  <a:prstClr val="black"/>
+                </a:solidFill>
+                <a:effectLst/>
+                <a:uLnTx/>
+                <a:uFillTx/>
+              </a:endParaRPr>
+            </a:p>
+          </p:txBody>
+        </p:sp>
+        <p:cxnSp>
+          <p:nvCxnSpPr>
+            <p:cNvPr id="12" name="Straight Arrow Connector 11"/>
+            <p:cNvCxnSpPr>
+              <a:stCxn id="90" idx="3"/>
+            </p:cNvCxnSpPr>
+            <p:nvPr/>
+          </p:nvCxnSpPr>
+          <p:spPr>
+            <a:xfrm>
+              <a:off x="3188588" y="3736520"/>
+              <a:ext cx="341876" cy="0"/>
+            </a:xfrm>
+            <a:prstGeom prst="straightConnector1">
+              <a:avLst/>
+            </a:prstGeom>
+            <a:noFill/>
+            <a:ln w="12700" cap="flat" cmpd="sng" algn="ctr">
+              <a:solidFill>
+                <a:sysClr val="windowText" lastClr="000000"/>
+              </a:solidFill>
+              <a:prstDash val="solid"/>
+              <a:tailEnd type="triangle"/>
+            </a:ln>
+            <a:effectLst/>
+          </p:spPr>
+        </p:cxnSp>
+        <p:grpSp>
+          <p:nvGrpSpPr>
+            <p:cNvPr id="13" name="Group 12"/>
+            <p:cNvGrpSpPr/>
+            <p:nvPr/>
+          </p:nvGrpSpPr>
+          <p:grpSpPr>
+            <a:xfrm>
+              <a:off x="2731388" y="3618234"/>
+              <a:ext cx="457200" cy="236571"/>
+              <a:chOff x="7848600" y="1143000"/>
+              <a:chExt cx="457200" cy="381000"/>
+            </a:xfrm>
+            <a:solidFill>
+              <a:srgbClr val="FCD5B5"/>
+            </a:solidFill>
+          </p:grpSpPr>
+          <p:sp>
+            <p:nvSpPr>
+              <p:cNvPr id="90" name="Rectangle 89"/>
+              <p:cNvSpPr/>
+              <p:nvPr/>
+            </p:nvSpPr>
+            <p:spPr>
+              <a:xfrm>
+                <a:off x="8001000" y="1143000"/>
+                <a:ext cx="304800" cy="381000"/>
+              </a:xfrm>
+              <a:prstGeom prst="rect">
+                <a:avLst/>
+              </a:prstGeom>
+              <a:grpFill/>
+              <a:ln w="12700" cap="flat" cmpd="sng" algn="ctr">
+                <a:solidFill>
+                  <a:sysClr val="windowText" lastClr="000000"/>
+                </a:solidFill>
+                <a:prstDash val="solid"/>
+              </a:ln>
+              <a:effectLst/>
+            </p:spPr>
+            <p:txBody>
+              <a:bodyPr rtlCol="0" anchor="ctr"/>
+              <a:lstStyle/>
+              <a:p>
+                <a:pPr marL="0" marR="0" lvl="0" indent="0" algn="ctr" defTabSz="914400" eaLnBrk="1" fontAlgn="auto" latinLnBrk="0" hangingPunct="1">
+                  <a:lnSpc>
+                    <a:spcPct val="100000"/>
+                  </a:lnSpc>
+                  <a:spcBef>
+                    <a:spcPts val="0"/>
+                  </a:spcBef>
+                  <a:spcAft>
+                    <a:spcPts val="0"/>
+                  </a:spcAft>
+                  <a:buClrTx/>
+                  <a:buSzTx/>
+                  <a:buFontTx/>
+                  <a:buNone/>
+                  <a:tabLst/>
+                  <a:defRPr/>
+                </a:pPr>
+                <a:endParaRPr kumimoji="0" lang="en-US" sz="1800" b="0" i="0" u="none" strike="noStrike" kern="0" cap="none" spc="0" normalizeH="0" baseline="0" noProof="0">
+                  <a:ln>
+                    <a:noFill/>
+                  </a:ln>
+                  <a:solidFill>
+                    <a:prstClr val="white"/>
+                  </a:solidFill>
+                  <a:effectLst/>
+                  <a:uLnTx/>
+                  <a:uFillTx/>
+                  <a:latin typeface="Calibri"/>
+                  <a:ea typeface="+mn-ea"/>
+                  <a:cs typeface="+mn-cs"/>
+                </a:endParaRPr>
+              </a:p>
+            </p:txBody>
+          </p:sp>
+          <p:cxnSp>
+            <p:nvCxnSpPr>
+              <p:cNvPr id="91" name="Straight Connector 90"/>
+              <p:cNvCxnSpPr>
+                <a:stCxn id="90" idx="0"/>
+              </p:cNvCxnSpPr>
+              <p:nvPr/>
+            </p:nvCxnSpPr>
+            <p:spPr>
+              <a:xfrm flipH="1">
+                <a:off x="7848600" y="1143000"/>
+                <a:ext cx="304800" cy="0"/>
+              </a:xfrm>
+              <a:prstGeom prst="line">
+                <a:avLst/>
+              </a:prstGeom>
+              <a:grpFill/>
+              <a:ln w="12700" cap="flat" cmpd="sng" algn="ctr">
+                <a:solidFill>
+                  <a:sysClr val="windowText" lastClr="000000"/>
+                </a:solidFill>
+                <a:prstDash val="solid"/>
+              </a:ln>
+              <a:effectLst/>
+            </p:spPr>
+          </p:cxnSp>
+          <p:cxnSp>
+            <p:nvCxnSpPr>
+              <p:cNvPr id="92" name="Straight Connector 91"/>
+              <p:cNvCxnSpPr>
+                <a:stCxn id="90" idx="0"/>
+                <a:endCxn id="90" idx="2"/>
+              </p:cNvCxnSpPr>
+              <p:nvPr/>
+            </p:nvCxnSpPr>
+            <p:spPr>
+              <a:xfrm>
+                <a:off x="8153400" y="1143000"/>
+                <a:ext cx="0" cy="381000"/>
+              </a:xfrm>
+              <a:prstGeom prst="line">
+                <a:avLst/>
+              </a:prstGeom>
+              <a:grpFill/>
+              <a:ln w="12700" cap="flat" cmpd="sng" algn="ctr">
+                <a:solidFill>
+                  <a:sysClr val="windowText" lastClr="000000"/>
+                </a:solidFill>
+                <a:prstDash val="solid"/>
+              </a:ln>
+              <a:effectLst/>
+            </p:spPr>
+          </p:cxnSp>
+          <p:cxnSp>
+            <p:nvCxnSpPr>
+              <p:cNvPr id="93" name="Straight Connector 92"/>
+              <p:cNvCxnSpPr>
+                <a:stCxn id="90" idx="2"/>
+              </p:cNvCxnSpPr>
+              <p:nvPr/>
+            </p:nvCxnSpPr>
+            <p:spPr>
+              <a:xfrm flipH="1">
+                <a:off x="7848600" y="1524000"/>
+                <a:ext cx="304800" cy="0"/>
+              </a:xfrm>
+              <a:prstGeom prst="line">
+                <a:avLst/>
+              </a:prstGeom>
+              <a:grpFill/>
+              <a:ln w="12700" cap="flat" cmpd="sng" algn="ctr">
+                <a:solidFill>
+                  <a:sysClr val="windowText" lastClr="000000"/>
+                </a:solidFill>
+                <a:prstDash val="solid"/>
+              </a:ln>
+              <a:effectLst/>
+            </p:spPr>
+          </p:cxnSp>
+        </p:grpSp>
+        <p:cxnSp>
+          <p:nvCxnSpPr>
+            <p:cNvPr id="14" name="Straight Arrow Connector 13"/>
+            <p:cNvCxnSpPr>
+              <a:stCxn id="15" idx="3"/>
+              <a:endCxn id="90" idx="1"/>
+            </p:cNvCxnSpPr>
+            <p:nvPr/>
+          </p:nvCxnSpPr>
+          <p:spPr>
+            <a:xfrm>
+              <a:off x="2409852" y="3733290"/>
+              <a:ext cx="473936" cy="3230"/>
+            </a:xfrm>
+            <a:prstGeom prst="straightConnector1">
+              <a:avLst/>
+            </a:prstGeom>
+            <a:noFill/>
+            <a:ln w="12700" cap="flat" cmpd="sng" algn="ctr">
+              <a:solidFill>
+                <a:sysClr val="windowText" lastClr="000000"/>
+              </a:solidFill>
+              <a:prstDash val="solid"/>
+              <a:tailEnd type="triangle"/>
+            </a:ln>
+            <a:effectLst/>
+          </p:spPr>
+        </p:cxnSp>
+        <p:sp>
+          <p:nvSpPr>
+            <p:cNvPr id="15" name="TextBox 14"/>
+            <p:cNvSpPr txBox="1"/>
+            <p:nvPr/>
+          </p:nvSpPr>
+          <p:spPr>
+            <a:xfrm>
+              <a:off x="552005" y="3533235"/>
+              <a:ext cx="1857847" cy="400110"/>
+            </a:xfrm>
+            <a:prstGeom prst="rect">
+              <a:avLst/>
+            </a:prstGeom>
+            <a:noFill/>
+          </p:spPr>
+          <p:txBody>
+            <a:bodyPr wrap="square" rtlCol="0">
+              <a:spAutoFit/>
+            </a:bodyPr>
+            <a:lstStyle/>
+            <a:p>
+              <a:pPr marL="0" marR="0" lvl="0" indent="0" algn="r" defTabSz="914400" eaLnBrk="1" fontAlgn="auto" latinLnBrk="0" hangingPunct="1">
+                <a:lnSpc>
+                  <a:spcPct val="100000"/>
+                </a:lnSpc>
+                <a:spcBef>
+                  <a:spcPts val="0"/>
+                </a:spcBef>
+                <a:spcAft>
+                  <a:spcPts val="0"/>
+                </a:spcAft>
+                <a:buClrTx/>
+                <a:buSzTx/>
+                <a:buFontTx/>
+                <a:buNone/>
+                <a:tabLst/>
+                <a:defRPr/>
+              </a:pPr>
+              <a:r>
+                <a:rPr kumimoji="0" lang="en-US" sz="2000" b="0" i="0" u="none" strike="noStrike" kern="0" cap="none" spc="0" normalizeH="0" baseline="0" noProof="0" dirty="0" smtClean="0">
+                  <a:ln>
+                    <a:noFill/>
+                  </a:ln>
+                  <a:solidFill>
+                    <a:prstClr val="black"/>
+                  </a:solidFill>
+                  <a:effectLst/>
+                  <a:uLnTx/>
+                  <a:uFillTx/>
+                </a:rPr>
+                <a:t>L1 upgrade </a:t>
+              </a:r>
+              <a:r>
+                <a:rPr kumimoji="0" lang="en-US" sz="2000" b="0" i="0" u="none" strike="noStrike" kern="0" cap="none" spc="0" normalizeH="0" baseline="0" noProof="0" dirty="0" err="1">
+                  <a:ln>
+                    <a:noFill/>
+                  </a:ln>
+                  <a:solidFill>
+                    <a:prstClr val="black"/>
+                  </a:solidFill>
+                  <a:effectLst/>
+                  <a:uLnTx/>
+                  <a:uFillTx/>
+                </a:rPr>
+                <a:t>req</a:t>
+              </a:r>
+              <a:endParaRPr kumimoji="0" lang="en-US" sz="2000" b="0" i="0" u="none" strike="noStrike" kern="0" cap="none" spc="0" normalizeH="0" baseline="0" noProof="0" dirty="0">
+                <a:ln>
+                  <a:noFill/>
+                </a:ln>
+                <a:solidFill>
+                  <a:prstClr val="black"/>
+                </a:solidFill>
+                <a:effectLst/>
+                <a:uLnTx/>
+                <a:uFillTx/>
+              </a:endParaRPr>
+            </a:p>
+          </p:txBody>
+        </p:sp>
+        <p:sp>
+          <p:nvSpPr>
+            <p:cNvPr id="16" name="Cloud 15"/>
+            <p:cNvSpPr/>
+            <p:nvPr/>
+          </p:nvSpPr>
+          <p:spPr>
+            <a:xfrm>
+              <a:off x="8088878" y="3142236"/>
+              <a:ext cx="1559566" cy="551057"/>
+            </a:xfrm>
+            <a:prstGeom prst="cloud">
+              <a:avLst/>
+            </a:prstGeom>
+            <a:solidFill>
+              <a:srgbClr val="B7DEE8"/>
+            </a:solidFill>
+            <a:ln w="25400" cap="flat" cmpd="sng" algn="ctr">
+              <a:solidFill>
+                <a:sysClr val="windowText" lastClr="000000"/>
+              </a:solidFill>
+              <a:prstDash val="solid"/>
+            </a:ln>
+            <a:effectLst/>
+          </p:spPr>
+          <p:txBody>
+            <a:bodyPr rot="0" spcFirstLastPara="0" vertOverflow="overflow" horzOverflow="overflow" vert="horz" wrap="square" lIns="91440" tIns="45720" rIns="91440" bIns="45720" numCol="1" spcCol="0" rtlCol="0" fromWordArt="0" anchor="ctr" anchorCtr="0" forceAA="0" compatLnSpc="1">
+              <a:prstTxWarp prst="textNoShape">
+                <a:avLst/>
+              </a:prstTxWarp>
+              <a:noAutofit/>
+            </a:bodyPr>
+            <a:lstStyle/>
+            <a:p>
+              <a:pPr marL="0" marR="0" lvl="0" indent="0" algn="ctr" defTabSz="914400" eaLnBrk="1" fontAlgn="auto" latinLnBrk="0" hangingPunct="1">
+                <a:lnSpc>
+                  <a:spcPct val="100000"/>
+                </a:lnSpc>
+                <a:spcBef>
+                  <a:spcPts val="0"/>
+                </a:spcBef>
+                <a:spcAft>
+                  <a:spcPts val="0"/>
+                </a:spcAft>
+                <a:buClrTx/>
+                <a:buSzTx/>
+                <a:buFontTx/>
+                <a:buNone/>
+                <a:tabLst/>
+                <a:defRPr/>
+              </a:pPr>
+              <a:r>
+                <a:rPr kumimoji="0" lang="en-US" sz="2000" b="0" i="0" u="none" strike="noStrike" kern="0" cap="none" spc="0" normalizeH="0" baseline="0" noProof="0" dirty="0">
+                  <a:ln>
+                    <a:noFill/>
+                  </a:ln>
+                  <a:solidFill>
+                    <a:prstClr val="black"/>
+                  </a:solidFill>
+                  <a:effectLst/>
+                  <a:uLnTx/>
+                  <a:uFillTx/>
+                  <a:latin typeface="Calibri"/>
+                  <a:ea typeface="+mn-ea"/>
+                  <a:cs typeface="+mn-cs"/>
+                </a:rPr>
+                <a:t>Process</a:t>
+              </a:r>
+            </a:p>
+          </p:txBody>
+        </p:sp>
+        <p:sp>
+          <p:nvSpPr>
+            <p:cNvPr id="17" name="Cloud 16"/>
+            <p:cNvSpPr/>
+            <p:nvPr/>
+          </p:nvSpPr>
+          <p:spPr>
+            <a:xfrm>
+              <a:off x="6477149" y="1243704"/>
+              <a:ext cx="2146563" cy="887484"/>
+            </a:xfrm>
+            <a:prstGeom prst="cloud">
+              <a:avLst/>
+            </a:prstGeom>
+            <a:solidFill>
+              <a:srgbClr val="B7DEE8"/>
+            </a:solidFill>
+            <a:ln w="25400" cap="flat" cmpd="sng" algn="ctr">
+              <a:solidFill>
+                <a:sysClr val="windowText" lastClr="000000"/>
+              </a:solidFill>
+              <a:prstDash val="solid"/>
+            </a:ln>
+            <a:effectLst/>
+          </p:spPr>
+          <p:txBody>
+            <a:bodyPr rot="0" spcFirstLastPara="0" vertOverflow="overflow" horzOverflow="overflow" vert="horz" wrap="square" lIns="91440" tIns="45720" rIns="91440" bIns="45720" numCol="1" spcCol="0" rtlCol="0" fromWordArt="0" anchor="ctr" anchorCtr="0" forceAA="0" compatLnSpc="1">
+              <a:prstTxWarp prst="textNoShape">
+                <a:avLst/>
+              </a:prstTxWarp>
+              <a:noAutofit/>
+            </a:bodyPr>
+            <a:lstStyle/>
+            <a:p>
+              <a:pPr marL="0" marR="0" lvl="0" indent="0" algn="ctr" defTabSz="914400" eaLnBrk="1" fontAlgn="auto" latinLnBrk="0" hangingPunct="1">
+                <a:lnSpc>
+                  <a:spcPct val="100000"/>
+                </a:lnSpc>
+                <a:spcBef>
+                  <a:spcPts val="0"/>
+                </a:spcBef>
+                <a:spcAft>
+                  <a:spcPts val="0"/>
+                </a:spcAft>
+                <a:buClrTx/>
+                <a:buSzTx/>
+                <a:buFontTx/>
+                <a:buNone/>
+                <a:tabLst/>
+                <a:defRPr/>
+              </a:pPr>
+              <a:r>
+                <a:rPr kumimoji="0" lang="en-US" sz="2000" b="0" i="0" u="none" strike="noStrike" kern="0" cap="none" spc="0" normalizeH="0" baseline="0" noProof="0" dirty="0" smtClean="0">
+                  <a:ln>
+                    <a:noFill/>
+                  </a:ln>
+                  <a:solidFill>
+                    <a:prstClr val="black"/>
+                  </a:solidFill>
+                  <a:effectLst/>
+                  <a:uLnTx/>
+                  <a:uFillTx/>
+                  <a:latin typeface="Calibri"/>
+                  <a:ea typeface="+mn-ea"/>
+                  <a:cs typeface="+mn-cs"/>
+                </a:rPr>
+                <a:t>Downgrade</a:t>
+              </a:r>
+            </a:p>
+            <a:p>
+              <a:pPr marL="0" marR="0" lvl="0" indent="0" algn="ctr" defTabSz="914400" eaLnBrk="1" fontAlgn="auto" latinLnBrk="0" hangingPunct="1">
+                <a:lnSpc>
+                  <a:spcPct val="100000"/>
+                </a:lnSpc>
+                <a:spcBef>
+                  <a:spcPts val="0"/>
+                </a:spcBef>
+                <a:spcAft>
+                  <a:spcPts val="0"/>
+                </a:spcAft>
+                <a:buClrTx/>
+                <a:buSzTx/>
+                <a:buFontTx/>
+                <a:buNone/>
+                <a:tabLst/>
+                <a:defRPr/>
+              </a:pPr>
+              <a:r>
+                <a:rPr kumimoji="0" lang="en-US" sz="2000" b="0" i="0" u="none" strike="noStrike" kern="0" cap="none" spc="0" normalizeH="0" baseline="0" noProof="0" dirty="0" smtClean="0">
+                  <a:ln>
+                    <a:noFill/>
+                  </a:ln>
+                  <a:solidFill>
+                    <a:prstClr val="black"/>
+                  </a:solidFill>
+                  <a:effectLst/>
+                  <a:uLnTx/>
+                  <a:uFillTx/>
+                  <a:latin typeface="Calibri"/>
+                  <a:ea typeface="+mn-ea"/>
+                  <a:cs typeface="+mn-cs"/>
+                </a:rPr>
+                <a:t>L1</a:t>
+              </a:r>
+              <a:endParaRPr kumimoji="0" lang="en-US" sz="2000" b="0" i="0" u="none" strike="noStrike" kern="0" cap="none" spc="0" normalizeH="0" baseline="0" noProof="0" dirty="0">
+                <a:ln>
+                  <a:noFill/>
+                </a:ln>
+                <a:solidFill>
+                  <a:prstClr val="black"/>
+                </a:solidFill>
+                <a:effectLst/>
+                <a:uLnTx/>
+                <a:uFillTx/>
+                <a:latin typeface="Calibri"/>
+                <a:ea typeface="+mn-ea"/>
+                <a:cs typeface="+mn-cs"/>
+              </a:endParaRPr>
+            </a:p>
+          </p:txBody>
+        </p:sp>
+        <p:cxnSp>
+          <p:nvCxnSpPr>
+            <p:cNvPr id="18" name="Straight Arrow Connector 17"/>
+            <p:cNvCxnSpPr>
+              <a:stCxn id="6" idx="3"/>
+              <a:endCxn id="16" idx="2"/>
+            </p:cNvCxnSpPr>
+            <p:nvPr/>
+          </p:nvCxnSpPr>
+          <p:spPr>
+            <a:xfrm>
+              <a:off x="7860278" y="3416259"/>
+              <a:ext cx="233438" cy="1506"/>
+            </a:xfrm>
+            <a:prstGeom prst="straightConnector1">
+              <a:avLst/>
+            </a:prstGeom>
+            <a:noFill/>
+            <a:ln w="12700" cap="flat" cmpd="sng" algn="ctr">
+              <a:solidFill>
+                <a:sysClr val="windowText" lastClr="000000"/>
+              </a:solidFill>
+              <a:prstDash val="solid"/>
+              <a:tailEnd type="triangle"/>
+            </a:ln>
+            <a:effectLst/>
+          </p:spPr>
+        </p:cxnSp>
+        <p:cxnSp>
+          <p:nvCxnSpPr>
+            <p:cNvPr id="19" name="Straight Arrow Connector 18"/>
+            <p:cNvCxnSpPr>
+              <a:stCxn id="86" idx="3"/>
+            </p:cNvCxnSpPr>
+            <p:nvPr/>
+          </p:nvCxnSpPr>
+          <p:spPr>
+            <a:xfrm flipV="1">
+              <a:off x="3808640" y="3991254"/>
+              <a:ext cx="0" cy="457824"/>
+            </a:xfrm>
+            <a:prstGeom prst="straightConnector1">
+              <a:avLst/>
+            </a:prstGeom>
+            <a:noFill/>
+            <a:ln w="12700" cap="flat" cmpd="sng" algn="ctr">
+              <a:solidFill>
+                <a:sysClr val="windowText" lastClr="000000"/>
+              </a:solidFill>
+              <a:prstDash val="solid"/>
+              <a:tailEnd type="triangle"/>
+            </a:ln>
+            <a:effectLst/>
+          </p:spPr>
+        </p:cxnSp>
+        <p:grpSp>
+          <p:nvGrpSpPr>
+            <p:cNvPr id="20" name="Group 19"/>
+            <p:cNvGrpSpPr/>
+            <p:nvPr/>
+          </p:nvGrpSpPr>
+          <p:grpSpPr>
+            <a:xfrm rot="16200000">
+              <a:off x="3580039" y="4559392"/>
+              <a:ext cx="457200" cy="236571"/>
+              <a:chOff x="7848600" y="1143000"/>
+              <a:chExt cx="457200" cy="381000"/>
+            </a:xfrm>
+            <a:solidFill>
+              <a:srgbClr val="FCD5B5"/>
+            </a:solidFill>
+          </p:grpSpPr>
+          <p:sp>
+            <p:nvSpPr>
+              <p:cNvPr id="86" name="Rectangle 85"/>
+              <p:cNvSpPr/>
+              <p:nvPr/>
+            </p:nvSpPr>
+            <p:spPr>
+              <a:xfrm>
+                <a:off x="8001000" y="1143000"/>
+                <a:ext cx="304800" cy="381000"/>
+              </a:xfrm>
+              <a:prstGeom prst="rect">
+                <a:avLst/>
+              </a:prstGeom>
+              <a:grpFill/>
+              <a:ln w="12700" cap="flat" cmpd="sng" algn="ctr">
+                <a:solidFill>
+                  <a:sysClr val="windowText" lastClr="000000"/>
+                </a:solidFill>
+                <a:prstDash val="solid"/>
+              </a:ln>
+              <a:effectLst/>
+            </p:spPr>
+            <p:txBody>
+              <a:bodyPr rtlCol="0" anchor="ctr"/>
+              <a:lstStyle/>
+              <a:p>
+                <a:pPr marL="0" marR="0" lvl="0" indent="0" algn="ctr" defTabSz="914400" eaLnBrk="1" fontAlgn="auto" latinLnBrk="0" hangingPunct="1">
+                  <a:lnSpc>
+                    <a:spcPct val="100000"/>
+                  </a:lnSpc>
+                  <a:spcBef>
+                    <a:spcPts val="0"/>
+                  </a:spcBef>
+                  <a:spcAft>
+                    <a:spcPts val="0"/>
+                  </a:spcAft>
+                  <a:buClrTx/>
+                  <a:buSzTx/>
+                  <a:buFontTx/>
+                  <a:buNone/>
+                  <a:tabLst/>
+                  <a:defRPr/>
+                </a:pPr>
+                <a:endParaRPr kumimoji="0" lang="en-US" sz="1800" b="0" i="0" u="none" strike="noStrike" kern="0" cap="none" spc="0" normalizeH="0" baseline="0" noProof="0">
+                  <a:ln>
+                    <a:noFill/>
+                  </a:ln>
+                  <a:solidFill>
+                    <a:prstClr val="white"/>
+                  </a:solidFill>
+                  <a:effectLst/>
+                  <a:uLnTx/>
+                  <a:uFillTx/>
+                  <a:latin typeface="Calibri"/>
+                  <a:ea typeface="+mn-ea"/>
+                  <a:cs typeface="+mn-cs"/>
+                </a:endParaRPr>
+              </a:p>
+            </p:txBody>
+          </p:sp>
+          <p:cxnSp>
+            <p:nvCxnSpPr>
+              <p:cNvPr id="87" name="Straight Connector 86"/>
+              <p:cNvCxnSpPr>
+                <a:stCxn id="86" idx="0"/>
+              </p:cNvCxnSpPr>
+              <p:nvPr/>
+            </p:nvCxnSpPr>
+            <p:spPr>
+              <a:xfrm flipH="1">
+                <a:off x="7848600" y="1143000"/>
+                <a:ext cx="304800" cy="0"/>
+              </a:xfrm>
+              <a:prstGeom prst="line">
+                <a:avLst/>
+              </a:prstGeom>
+              <a:grpFill/>
+              <a:ln w="12700" cap="flat" cmpd="sng" algn="ctr">
+                <a:solidFill>
+                  <a:sysClr val="windowText" lastClr="000000"/>
+                </a:solidFill>
+                <a:prstDash val="solid"/>
+              </a:ln>
+              <a:effectLst/>
+            </p:spPr>
+          </p:cxnSp>
+          <p:cxnSp>
+            <p:nvCxnSpPr>
+              <p:cNvPr id="88" name="Straight Connector 87"/>
+              <p:cNvCxnSpPr>
+                <a:stCxn id="86" idx="0"/>
+                <a:endCxn id="86" idx="2"/>
+              </p:cNvCxnSpPr>
+              <p:nvPr/>
+            </p:nvCxnSpPr>
+            <p:spPr>
+              <a:xfrm>
+                <a:off x="8153400" y="1143000"/>
+                <a:ext cx="0" cy="381000"/>
+              </a:xfrm>
+              <a:prstGeom prst="line">
+                <a:avLst/>
+              </a:prstGeom>
+              <a:grpFill/>
+              <a:ln w="12700" cap="flat" cmpd="sng" algn="ctr">
+                <a:solidFill>
+                  <a:sysClr val="windowText" lastClr="000000"/>
+                </a:solidFill>
+                <a:prstDash val="solid"/>
+              </a:ln>
+              <a:effectLst/>
+            </p:spPr>
+          </p:cxnSp>
+          <p:cxnSp>
+            <p:nvCxnSpPr>
+              <p:cNvPr id="89" name="Straight Connector 88"/>
+              <p:cNvCxnSpPr>
+                <a:stCxn id="86" idx="2"/>
+              </p:cNvCxnSpPr>
+              <p:nvPr/>
+            </p:nvCxnSpPr>
+            <p:spPr>
+              <a:xfrm flipH="1">
+                <a:off x="7848600" y="1524000"/>
+                <a:ext cx="304800" cy="0"/>
+              </a:xfrm>
+              <a:prstGeom prst="line">
+                <a:avLst/>
+              </a:prstGeom>
+              <a:grpFill/>
+              <a:ln w="12700" cap="flat" cmpd="sng" algn="ctr">
+                <a:solidFill>
+                  <a:sysClr val="windowText" lastClr="000000"/>
+                </a:solidFill>
+                <a:prstDash val="solid"/>
+              </a:ln>
+              <a:effectLst/>
+            </p:spPr>
+          </p:cxnSp>
+        </p:grpSp>
+        <p:cxnSp>
+          <p:nvCxnSpPr>
+            <p:cNvPr id="21" name="Straight Arrow Connector 20"/>
+            <p:cNvCxnSpPr>
+              <a:stCxn id="22" idx="0"/>
+              <a:endCxn id="86" idx="1"/>
+            </p:cNvCxnSpPr>
+            <p:nvPr/>
+          </p:nvCxnSpPr>
+          <p:spPr>
+            <a:xfrm flipV="1">
+              <a:off x="3806880" y="4753878"/>
+              <a:ext cx="1760" cy="844638"/>
+            </a:xfrm>
+            <a:prstGeom prst="straightConnector1">
+              <a:avLst/>
+            </a:prstGeom>
+            <a:noFill/>
+            <a:ln w="12700" cap="flat" cmpd="sng" algn="ctr">
+              <a:solidFill>
+                <a:sysClr val="windowText" lastClr="000000"/>
+              </a:solidFill>
+              <a:prstDash val="solid"/>
+              <a:tailEnd type="triangle"/>
+            </a:ln>
+            <a:effectLst/>
+          </p:spPr>
+        </p:cxnSp>
+        <p:sp>
+          <p:nvSpPr>
+            <p:cNvPr id="22" name="TextBox 21"/>
+            <p:cNvSpPr txBox="1"/>
+            <p:nvPr/>
+          </p:nvSpPr>
+          <p:spPr>
+            <a:xfrm>
+              <a:off x="3089792" y="5598516"/>
+              <a:ext cx="1434175" cy="400110"/>
+            </a:xfrm>
+            <a:prstGeom prst="rect">
+              <a:avLst/>
+            </a:prstGeom>
+            <a:noFill/>
+          </p:spPr>
+          <p:txBody>
+            <a:bodyPr wrap="square" rtlCol="0">
+              <a:spAutoFit/>
+            </a:bodyPr>
+            <a:lstStyle/>
+            <a:p>
+              <a:pPr marL="0" marR="0" lvl="0" indent="0" algn="r" defTabSz="914400" eaLnBrk="1" fontAlgn="auto" latinLnBrk="0" hangingPunct="1">
+                <a:lnSpc>
+                  <a:spcPct val="100000"/>
+                </a:lnSpc>
+                <a:spcBef>
+                  <a:spcPts val="0"/>
+                </a:spcBef>
+                <a:spcAft>
+                  <a:spcPts val="0"/>
+                </a:spcAft>
+                <a:buClrTx/>
+                <a:buSzTx/>
+                <a:buFontTx/>
+                <a:buNone/>
+                <a:tabLst/>
+                <a:defRPr/>
+              </a:pPr>
+              <a:r>
+                <a:rPr kumimoji="0" lang="en-US" sz="2000" b="0" i="0" u="none" strike="noStrike" kern="0" cap="none" spc="0" normalizeH="0" baseline="0" noProof="0" dirty="0">
+                  <a:ln>
+                    <a:noFill/>
+                  </a:ln>
+                  <a:solidFill>
+                    <a:prstClr val="black"/>
+                  </a:solidFill>
+                  <a:effectLst/>
+                  <a:uLnTx/>
+                  <a:uFillTx/>
+                </a:rPr>
+                <a:t>DRAM </a:t>
+              </a:r>
+              <a:r>
+                <a:rPr kumimoji="0" lang="en-US" sz="2000" b="0" i="0" u="none" strike="noStrike" kern="0" cap="none" spc="0" normalizeH="0" baseline="0" noProof="0" dirty="0" err="1">
+                  <a:ln>
+                    <a:noFill/>
+                  </a:ln>
+                  <a:solidFill>
+                    <a:prstClr val="black"/>
+                  </a:solidFill>
+                  <a:effectLst/>
+                  <a:uLnTx/>
+                  <a:uFillTx/>
+                </a:rPr>
+                <a:t>resp</a:t>
+              </a:r>
+              <a:endParaRPr kumimoji="0" lang="en-US" sz="2000" b="0" i="0" u="none" strike="noStrike" kern="0" cap="none" spc="0" normalizeH="0" baseline="0" noProof="0" dirty="0">
+                <a:ln>
+                  <a:noFill/>
+                </a:ln>
+                <a:solidFill>
+                  <a:prstClr val="black"/>
+                </a:solidFill>
+                <a:effectLst/>
+                <a:uLnTx/>
+                <a:uFillTx/>
+              </a:endParaRPr>
+            </a:p>
+          </p:txBody>
+        </p:sp>
+        <p:sp>
+          <p:nvSpPr>
+            <p:cNvPr id="23" name="TextBox 22"/>
+            <p:cNvSpPr txBox="1"/>
+            <p:nvPr/>
+          </p:nvSpPr>
+          <p:spPr>
+            <a:xfrm>
+              <a:off x="10250379" y="5600252"/>
+              <a:ext cx="1412987" cy="400110"/>
+            </a:xfrm>
+            <a:prstGeom prst="rect">
+              <a:avLst/>
+            </a:prstGeom>
+            <a:noFill/>
+          </p:spPr>
+          <p:txBody>
+            <a:bodyPr wrap="square" rtlCol="0">
+              <a:spAutoFit/>
+            </a:bodyPr>
+            <a:lstStyle/>
+            <a:p>
+              <a:pPr marL="0" marR="0" lvl="0" indent="0" defTabSz="914400" eaLnBrk="1" fontAlgn="auto" latinLnBrk="0" hangingPunct="1">
+                <a:lnSpc>
+                  <a:spcPct val="100000"/>
+                </a:lnSpc>
+                <a:spcBef>
+                  <a:spcPts val="0"/>
+                </a:spcBef>
+                <a:spcAft>
+                  <a:spcPts val="0"/>
+                </a:spcAft>
+                <a:buClrTx/>
+                <a:buSzTx/>
+                <a:buFontTx/>
+                <a:buNone/>
+                <a:tabLst/>
+                <a:defRPr/>
+              </a:pPr>
+              <a:r>
+                <a:rPr kumimoji="0" lang="en-US" sz="2000" b="0" i="0" u="none" strike="noStrike" kern="0" cap="none" spc="0" normalizeH="0" baseline="0" noProof="0" dirty="0">
+                  <a:ln>
+                    <a:noFill/>
+                  </a:ln>
+                  <a:solidFill>
+                    <a:prstClr val="black"/>
+                  </a:solidFill>
+                  <a:effectLst/>
+                  <a:uLnTx/>
+                  <a:uFillTx/>
+                </a:rPr>
+                <a:t>DRAM </a:t>
+              </a:r>
+              <a:r>
+                <a:rPr kumimoji="0" lang="en-US" sz="2000" b="0" i="0" u="none" strike="noStrike" kern="0" cap="none" spc="0" normalizeH="0" baseline="0" noProof="0" dirty="0" err="1">
+                  <a:ln>
+                    <a:noFill/>
+                  </a:ln>
+                  <a:solidFill>
+                    <a:prstClr val="black"/>
+                  </a:solidFill>
+                  <a:effectLst/>
+                  <a:uLnTx/>
+                  <a:uFillTx/>
+                </a:rPr>
+                <a:t>req</a:t>
+              </a:r>
+              <a:endParaRPr kumimoji="0" lang="en-US" sz="2000" b="0" i="0" u="none" strike="noStrike" kern="0" cap="none" spc="0" normalizeH="0" baseline="0" noProof="0" dirty="0">
+                <a:ln>
+                  <a:noFill/>
+                </a:ln>
+                <a:solidFill>
+                  <a:prstClr val="black"/>
+                </a:solidFill>
+                <a:effectLst/>
+                <a:uLnTx/>
+                <a:uFillTx/>
+              </a:endParaRPr>
+            </a:p>
+          </p:txBody>
+        </p:sp>
+        <p:grpSp>
+          <p:nvGrpSpPr>
+            <p:cNvPr id="24" name="Group 23"/>
+            <p:cNvGrpSpPr/>
+            <p:nvPr/>
+          </p:nvGrpSpPr>
+          <p:grpSpPr>
+            <a:xfrm rot="16200000">
+              <a:off x="9098582" y="3840760"/>
+              <a:ext cx="461013" cy="762000"/>
+              <a:chOff x="8873314" y="3352800"/>
+              <a:chExt cx="236572" cy="762000"/>
+            </a:xfrm>
+            <a:solidFill>
+              <a:srgbClr val="FCD5B5"/>
+            </a:solidFill>
+          </p:grpSpPr>
+          <p:sp>
+            <p:nvSpPr>
+              <p:cNvPr id="80" name="Rectangle 79"/>
+              <p:cNvSpPr/>
+              <p:nvPr/>
+            </p:nvSpPr>
+            <p:spPr>
+              <a:xfrm rot="5400000">
+                <a:off x="8839200" y="3539314"/>
+                <a:ext cx="304800" cy="236571"/>
+              </a:xfrm>
+              <a:prstGeom prst="rect">
+                <a:avLst/>
+              </a:prstGeom>
+              <a:grpFill/>
+              <a:ln w="12700" cap="flat" cmpd="sng" algn="ctr">
+                <a:solidFill>
+                  <a:sysClr val="windowText" lastClr="000000"/>
+                </a:solidFill>
+                <a:prstDash val="solid"/>
+              </a:ln>
+              <a:effectLst/>
+            </p:spPr>
+            <p:txBody>
+              <a:bodyPr rtlCol="0" anchor="ctr"/>
+              <a:lstStyle/>
+              <a:p>
+                <a:pPr marL="0" marR="0" lvl="0" indent="0" algn="ctr" defTabSz="914400" eaLnBrk="1" fontAlgn="auto" latinLnBrk="0" hangingPunct="1">
+                  <a:lnSpc>
+                    <a:spcPct val="100000"/>
+                  </a:lnSpc>
+                  <a:spcBef>
+                    <a:spcPts val="0"/>
+                  </a:spcBef>
+                  <a:spcAft>
+                    <a:spcPts val="0"/>
+                  </a:spcAft>
+                  <a:buClrTx/>
+                  <a:buSzTx/>
+                  <a:buFontTx/>
+                  <a:buNone/>
+                  <a:tabLst/>
+                  <a:defRPr/>
+                </a:pPr>
+                <a:endParaRPr kumimoji="0" lang="en-US" sz="1800" b="0" i="0" u="none" strike="noStrike" kern="0" cap="none" spc="0" normalizeH="0" baseline="0" noProof="0">
+                  <a:ln>
+                    <a:noFill/>
+                  </a:ln>
+                  <a:solidFill>
+                    <a:prstClr val="white"/>
+                  </a:solidFill>
+                  <a:effectLst/>
+                  <a:uLnTx/>
+                  <a:uFillTx/>
+                  <a:latin typeface="Calibri"/>
+                  <a:ea typeface="+mn-ea"/>
+                  <a:cs typeface="+mn-cs"/>
+                </a:endParaRPr>
+              </a:p>
+            </p:txBody>
+          </p:sp>
+          <p:cxnSp>
+            <p:nvCxnSpPr>
+              <p:cNvPr id="81" name="Straight Connector 80"/>
+              <p:cNvCxnSpPr>
+                <a:stCxn id="80" idx="0"/>
+              </p:cNvCxnSpPr>
+              <p:nvPr/>
+            </p:nvCxnSpPr>
+            <p:spPr>
+              <a:xfrm rot="5400000" flipH="1">
+                <a:off x="8957486" y="3505200"/>
+                <a:ext cx="304800" cy="0"/>
+              </a:xfrm>
+              <a:prstGeom prst="line">
+                <a:avLst/>
+              </a:prstGeom>
+              <a:grpFill/>
+              <a:ln w="12700" cap="flat" cmpd="sng" algn="ctr">
+                <a:solidFill>
+                  <a:sysClr val="windowText" lastClr="000000"/>
+                </a:solidFill>
+                <a:prstDash val="solid"/>
+              </a:ln>
+              <a:effectLst/>
+            </p:spPr>
+          </p:cxnSp>
+          <p:cxnSp>
+            <p:nvCxnSpPr>
+              <p:cNvPr id="82" name="Straight Connector 81"/>
+              <p:cNvCxnSpPr>
+                <a:stCxn id="80" idx="0"/>
+                <a:endCxn id="80" idx="2"/>
+              </p:cNvCxnSpPr>
+              <p:nvPr/>
+            </p:nvCxnSpPr>
+            <p:spPr>
+              <a:xfrm rot="5400000">
+                <a:off x="8991600" y="3539314"/>
+                <a:ext cx="0" cy="236571"/>
+              </a:xfrm>
+              <a:prstGeom prst="line">
+                <a:avLst/>
+              </a:prstGeom>
+              <a:grpFill/>
+              <a:ln w="12700" cap="flat" cmpd="sng" algn="ctr">
+                <a:solidFill>
+                  <a:sysClr val="windowText" lastClr="000000"/>
+                </a:solidFill>
+                <a:prstDash val="solid"/>
+              </a:ln>
+              <a:effectLst/>
+            </p:spPr>
+          </p:cxnSp>
+          <p:cxnSp>
+            <p:nvCxnSpPr>
+              <p:cNvPr id="83" name="Straight Connector 82"/>
+              <p:cNvCxnSpPr>
+                <a:stCxn id="80" idx="2"/>
+              </p:cNvCxnSpPr>
+              <p:nvPr/>
+            </p:nvCxnSpPr>
+            <p:spPr>
+              <a:xfrm rot="5400000" flipH="1">
+                <a:off x="8720915" y="3505200"/>
+                <a:ext cx="304800" cy="0"/>
+              </a:xfrm>
+              <a:prstGeom prst="line">
+                <a:avLst/>
+              </a:prstGeom>
+              <a:grpFill/>
+              <a:ln w="12700" cap="flat" cmpd="sng" algn="ctr">
+                <a:solidFill>
+                  <a:sysClr val="windowText" lastClr="000000"/>
+                </a:solidFill>
+                <a:prstDash val="solid"/>
+              </a:ln>
+              <a:effectLst/>
+            </p:spPr>
+          </p:cxnSp>
+          <p:sp>
+            <p:nvSpPr>
+              <p:cNvPr id="84" name="Rectangle 83"/>
+              <p:cNvSpPr/>
+              <p:nvPr/>
+            </p:nvSpPr>
+            <p:spPr>
+              <a:xfrm rot="5400000">
+                <a:off x="8839200" y="3844114"/>
+                <a:ext cx="304800" cy="236571"/>
+              </a:xfrm>
+              <a:prstGeom prst="rect">
+                <a:avLst/>
+              </a:prstGeom>
+              <a:grpFill/>
+              <a:ln w="12700" cap="flat" cmpd="sng" algn="ctr">
+                <a:solidFill>
+                  <a:sysClr val="windowText" lastClr="000000"/>
+                </a:solidFill>
+                <a:prstDash val="solid"/>
+              </a:ln>
+              <a:effectLst/>
+            </p:spPr>
+            <p:txBody>
+              <a:bodyPr rtlCol="0" anchor="ctr"/>
+              <a:lstStyle/>
+              <a:p>
+                <a:pPr marL="0" marR="0" lvl="0" indent="0" algn="ctr" defTabSz="914400" eaLnBrk="1" fontAlgn="auto" latinLnBrk="0" hangingPunct="1">
+                  <a:lnSpc>
+                    <a:spcPct val="100000"/>
+                  </a:lnSpc>
+                  <a:spcBef>
+                    <a:spcPts val="0"/>
+                  </a:spcBef>
+                  <a:spcAft>
+                    <a:spcPts val="0"/>
+                  </a:spcAft>
+                  <a:buClrTx/>
+                  <a:buSzTx/>
+                  <a:buFontTx/>
+                  <a:buNone/>
+                  <a:tabLst/>
+                  <a:defRPr/>
+                </a:pPr>
+                <a:endParaRPr kumimoji="0" lang="en-US" sz="1800" b="0" i="0" u="none" strike="noStrike" kern="0" cap="none" spc="0" normalizeH="0" baseline="0" noProof="0">
+                  <a:ln>
+                    <a:noFill/>
+                  </a:ln>
+                  <a:solidFill>
+                    <a:prstClr val="white"/>
+                  </a:solidFill>
+                  <a:effectLst/>
+                  <a:uLnTx/>
+                  <a:uFillTx/>
+                  <a:latin typeface="Calibri"/>
+                  <a:ea typeface="+mn-ea"/>
+                  <a:cs typeface="+mn-cs"/>
+                </a:endParaRPr>
+              </a:p>
+            </p:txBody>
+          </p:sp>
+          <p:cxnSp>
+            <p:nvCxnSpPr>
+              <p:cNvPr id="85" name="Straight Connector 84"/>
+              <p:cNvCxnSpPr>
+                <a:stCxn id="84" idx="0"/>
+                <a:endCxn id="84" idx="2"/>
+              </p:cNvCxnSpPr>
+              <p:nvPr/>
+            </p:nvCxnSpPr>
+            <p:spPr>
+              <a:xfrm rot="5400000">
+                <a:off x="8991600" y="3844114"/>
+                <a:ext cx="0" cy="236571"/>
+              </a:xfrm>
+              <a:prstGeom prst="line">
+                <a:avLst/>
+              </a:prstGeom>
+              <a:grpFill/>
+              <a:ln w="12700" cap="flat" cmpd="sng" algn="ctr">
+                <a:solidFill>
+                  <a:sysClr val="windowText" lastClr="000000"/>
+                </a:solidFill>
+                <a:prstDash val="solid"/>
+              </a:ln>
+              <a:effectLst/>
+            </p:spPr>
+          </p:cxnSp>
+        </p:grpSp>
+        <p:cxnSp>
+          <p:nvCxnSpPr>
+            <p:cNvPr id="25" name="Straight Arrow Connector 24"/>
+            <p:cNvCxnSpPr>
+              <a:stCxn id="84" idx="3"/>
+              <a:endCxn id="45" idx="2"/>
+            </p:cNvCxnSpPr>
+            <p:nvPr/>
+          </p:nvCxnSpPr>
+          <p:spPr>
+            <a:xfrm flipV="1">
+              <a:off x="9710088" y="4220588"/>
+              <a:ext cx="412478" cy="1172"/>
+            </a:xfrm>
+            <a:prstGeom prst="straightConnector1">
+              <a:avLst/>
+            </a:prstGeom>
+            <a:noFill/>
+            <a:ln w="12700" cap="flat" cmpd="sng" algn="ctr">
+              <a:solidFill>
+                <a:sysClr val="windowText" lastClr="000000"/>
+              </a:solidFill>
+              <a:prstDash val="solid"/>
+              <a:tailEnd type="triangle"/>
+            </a:ln>
+            <a:effectLst/>
+          </p:spPr>
+        </p:cxnSp>
+        <p:grpSp>
+          <p:nvGrpSpPr>
+            <p:cNvPr id="26" name="Group 25"/>
+            <p:cNvGrpSpPr/>
+            <p:nvPr/>
+          </p:nvGrpSpPr>
+          <p:grpSpPr>
+            <a:xfrm rot="16200000" flipH="1">
+              <a:off x="9077572" y="2210441"/>
+              <a:ext cx="461013" cy="762000"/>
+              <a:chOff x="8773798" y="1360549"/>
+              <a:chExt cx="236572" cy="762000"/>
+            </a:xfrm>
+            <a:solidFill>
+              <a:srgbClr val="FCD5B5"/>
+            </a:solidFill>
+          </p:grpSpPr>
+          <p:sp>
+            <p:nvSpPr>
+              <p:cNvPr id="74" name="Rectangle 73"/>
+              <p:cNvSpPr/>
+              <p:nvPr/>
+            </p:nvSpPr>
+            <p:spPr>
+              <a:xfrm rot="5400000">
+                <a:off x="8739684" y="1547063"/>
+                <a:ext cx="304800" cy="236571"/>
+              </a:xfrm>
+              <a:prstGeom prst="rect">
+                <a:avLst/>
+              </a:prstGeom>
+              <a:grpFill/>
+              <a:ln w="12700" cap="flat" cmpd="sng" algn="ctr">
+                <a:solidFill>
+                  <a:sysClr val="windowText" lastClr="000000"/>
+                </a:solidFill>
+                <a:prstDash val="solid"/>
+              </a:ln>
+              <a:effectLst/>
+            </p:spPr>
+            <p:txBody>
+              <a:bodyPr rtlCol="0" anchor="ctr"/>
+              <a:lstStyle/>
+              <a:p>
+                <a:pPr marL="0" marR="0" lvl="0" indent="0" algn="ctr" defTabSz="914400" eaLnBrk="1" fontAlgn="auto" latinLnBrk="0" hangingPunct="1">
+                  <a:lnSpc>
+                    <a:spcPct val="100000"/>
+                  </a:lnSpc>
+                  <a:spcBef>
+                    <a:spcPts val="0"/>
+                  </a:spcBef>
+                  <a:spcAft>
+                    <a:spcPts val="0"/>
+                  </a:spcAft>
+                  <a:buClrTx/>
+                  <a:buSzTx/>
+                  <a:buFontTx/>
+                  <a:buNone/>
+                  <a:tabLst/>
+                  <a:defRPr/>
+                </a:pPr>
+                <a:endParaRPr kumimoji="0" lang="en-US" sz="1800" b="0" i="0" u="none" strike="noStrike" kern="0" cap="none" spc="0" normalizeH="0" baseline="0" noProof="0">
+                  <a:ln>
+                    <a:noFill/>
+                  </a:ln>
+                  <a:solidFill>
+                    <a:prstClr val="white"/>
+                  </a:solidFill>
+                  <a:effectLst/>
+                  <a:uLnTx/>
+                  <a:uFillTx/>
+                  <a:latin typeface="Calibri"/>
+                  <a:ea typeface="+mn-ea"/>
+                  <a:cs typeface="+mn-cs"/>
+                </a:endParaRPr>
+              </a:p>
+            </p:txBody>
+          </p:sp>
+          <p:cxnSp>
+            <p:nvCxnSpPr>
+              <p:cNvPr id="75" name="Straight Connector 74"/>
+              <p:cNvCxnSpPr>
+                <a:stCxn id="74" idx="0"/>
+              </p:cNvCxnSpPr>
+              <p:nvPr/>
+            </p:nvCxnSpPr>
+            <p:spPr>
+              <a:xfrm rot="5400000" flipH="1">
+                <a:off x="8857970" y="1512949"/>
+                <a:ext cx="304800" cy="0"/>
+              </a:xfrm>
+              <a:prstGeom prst="line">
+                <a:avLst/>
+              </a:prstGeom>
+              <a:grpFill/>
+              <a:ln w="12700" cap="flat" cmpd="sng" algn="ctr">
+                <a:solidFill>
+                  <a:sysClr val="windowText" lastClr="000000"/>
+                </a:solidFill>
+                <a:prstDash val="solid"/>
+              </a:ln>
+              <a:effectLst/>
+            </p:spPr>
+          </p:cxnSp>
+          <p:cxnSp>
+            <p:nvCxnSpPr>
+              <p:cNvPr id="76" name="Straight Connector 75"/>
+              <p:cNvCxnSpPr>
+                <a:stCxn id="74" idx="0"/>
+                <a:endCxn id="74" idx="2"/>
+              </p:cNvCxnSpPr>
+              <p:nvPr/>
+            </p:nvCxnSpPr>
+            <p:spPr>
+              <a:xfrm rot="5400000">
+                <a:off x="8892084" y="1547063"/>
+                <a:ext cx="0" cy="236571"/>
+              </a:xfrm>
+              <a:prstGeom prst="line">
+                <a:avLst/>
+              </a:prstGeom>
+              <a:grpFill/>
+              <a:ln w="12700" cap="flat" cmpd="sng" algn="ctr">
+                <a:solidFill>
+                  <a:sysClr val="windowText" lastClr="000000"/>
+                </a:solidFill>
+                <a:prstDash val="solid"/>
+              </a:ln>
+              <a:effectLst/>
+            </p:spPr>
+          </p:cxnSp>
+          <p:cxnSp>
+            <p:nvCxnSpPr>
+              <p:cNvPr id="77" name="Straight Connector 76"/>
+              <p:cNvCxnSpPr>
+                <a:stCxn id="74" idx="2"/>
+              </p:cNvCxnSpPr>
+              <p:nvPr/>
+            </p:nvCxnSpPr>
+            <p:spPr>
+              <a:xfrm rot="5400000" flipH="1">
+                <a:off x="8621399" y="1512949"/>
+                <a:ext cx="304800" cy="0"/>
+              </a:xfrm>
+              <a:prstGeom prst="line">
+                <a:avLst/>
+              </a:prstGeom>
+              <a:grpFill/>
+              <a:ln w="12700" cap="flat" cmpd="sng" algn="ctr">
+                <a:solidFill>
+                  <a:sysClr val="windowText" lastClr="000000"/>
+                </a:solidFill>
+                <a:prstDash val="solid"/>
+              </a:ln>
+              <a:effectLst/>
+            </p:spPr>
+          </p:cxnSp>
+          <p:sp>
+            <p:nvSpPr>
+              <p:cNvPr id="78" name="Rectangle 77"/>
+              <p:cNvSpPr/>
+              <p:nvPr/>
+            </p:nvSpPr>
+            <p:spPr>
+              <a:xfrm rot="5400000">
+                <a:off x="8739684" y="1851863"/>
+                <a:ext cx="304800" cy="236571"/>
+              </a:xfrm>
+              <a:prstGeom prst="rect">
+                <a:avLst/>
+              </a:prstGeom>
+              <a:grpFill/>
+              <a:ln w="12700" cap="flat" cmpd="sng" algn="ctr">
+                <a:solidFill>
+                  <a:sysClr val="windowText" lastClr="000000"/>
+                </a:solidFill>
+                <a:prstDash val="solid"/>
+              </a:ln>
+              <a:effectLst/>
+            </p:spPr>
+            <p:txBody>
+              <a:bodyPr rtlCol="0" anchor="ctr"/>
+              <a:lstStyle/>
+              <a:p>
+                <a:pPr marL="0" marR="0" lvl="0" indent="0" algn="ctr" defTabSz="914400" eaLnBrk="1" fontAlgn="auto" latinLnBrk="0" hangingPunct="1">
+                  <a:lnSpc>
+                    <a:spcPct val="100000"/>
+                  </a:lnSpc>
+                  <a:spcBef>
+                    <a:spcPts val="0"/>
+                  </a:spcBef>
+                  <a:spcAft>
+                    <a:spcPts val="0"/>
+                  </a:spcAft>
+                  <a:buClrTx/>
+                  <a:buSzTx/>
+                  <a:buFontTx/>
+                  <a:buNone/>
+                  <a:tabLst/>
+                  <a:defRPr/>
+                </a:pPr>
+                <a:endParaRPr kumimoji="0" lang="en-US" sz="1800" b="0" i="0" u="none" strike="noStrike" kern="0" cap="none" spc="0" normalizeH="0" baseline="0" noProof="0">
+                  <a:ln>
+                    <a:noFill/>
+                  </a:ln>
+                  <a:solidFill>
+                    <a:prstClr val="white"/>
+                  </a:solidFill>
+                  <a:effectLst/>
+                  <a:uLnTx/>
+                  <a:uFillTx/>
+                  <a:latin typeface="Calibri"/>
+                  <a:ea typeface="+mn-ea"/>
+                  <a:cs typeface="+mn-cs"/>
+                </a:endParaRPr>
+              </a:p>
+            </p:txBody>
+          </p:sp>
+          <p:cxnSp>
+            <p:nvCxnSpPr>
+              <p:cNvPr id="79" name="Straight Connector 78"/>
+              <p:cNvCxnSpPr>
+                <a:stCxn id="78" idx="0"/>
+                <a:endCxn id="78" idx="2"/>
+              </p:cNvCxnSpPr>
+              <p:nvPr/>
+            </p:nvCxnSpPr>
+            <p:spPr>
+              <a:xfrm rot="5400000">
+                <a:off x="8892084" y="1851863"/>
+                <a:ext cx="0" cy="236571"/>
+              </a:xfrm>
+              <a:prstGeom prst="line">
+                <a:avLst/>
+              </a:prstGeom>
+              <a:grpFill/>
+              <a:ln w="12700" cap="flat" cmpd="sng" algn="ctr">
+                <a:solidFill>
+                  <a:sysClr val="windowText" lastClr="000000"/>
+                </a:solidFill>
+                <a:prstDash val="solid"/>
+              </a:ln>
+              <a:effectLst/>
+            </p:spPr>
+          </p:cxnSp>
+        </p:grpSp>
+        <p:cxnSp>
+          <p:nvCxnSpPr>
+            <p:cNvPr id="27" name="Elbow Connector 26"/>
+            <p:cNvCxnSpPr>
+              <a:stCxn id="16" idx="3"/>
+              <a:endCxn id="74" idx="1"/>
+            </p:cNvCxnSpPr>
+            <p:nvPr/>
+          </p:nvCxnSpPr>
+          <p:spPr>
+            <a:xfrm rot="5400000" flipH="1" flipV="1">
+              <a:off x="8682918" y="2777184"/>
+              <a:ext cx="582303" cy="210817"/>
+            </a:xfrm>
+            <a:prstGeom prst="bentConnector2">
+              <a:avLst/>
+            </a:prstGeom>
+            <a:noFill/>
+            <a:ln w="12700" cap="flat" cmpd="sng" algn="ctr">
+              <a:solidFill>
+                <a:sysClr val="windowText" lastClr="000000"/>
+              </a:solidFill>
+              <a:prstDash val="solid"/>
+              <a:tailEnd type="triangle"/>
+            </a:ln>
+            <a:effectLst/>
+          </p:spPr>
+        </p:cxnSp>
+        <p:cxnSp>
+          <p:nvCxnSpPr>
+            <p:cNvPr id="28" name="Straight Arrow Connector 27"/>
+            <p:cNvCxnSpPr>
+              <a:stCxn id="78" idx="3"/>
+              <a:endCxn id="37" idx="2"/>
+            </p:cNvCxnSpPr>
+            <p:nvPr/>
+          </p:nvCxnSpPr>
+          <p:spPr>
+            <a:xfrm flipV="1">
+              <a:off x="9689078" y="2589084"/>
+              <a:ext cx="419755" cy="2356"/>
+            </a:xfrm>
+            <a:prstGeom prst="straightConnector1">
+              <a:avLst/>
+            </a:prstGeom>
+            <a:noFill/>
+            <a:ln w="12700" cap="flat" cmpd="sng" algn="ctr">
+              <a:solidFill>
+                <a:sysClr val="windowText" lastClr="000000"/>
+              </a:solidFill>
+              <a:prstDash val="solid"/>
+              <a:tailEnd type="triangle"/>
+            </a:ln>
+            <a:effectLst/>
+          </p:spPr>
+        </p:cxnSp>
+        <p:grpSp>
+          <p:nvGrpSpPr>
+            <p:cNvPr id="29" name="Group 28"/>
+            <p:cNvGrpSpPr/>
+            <p:nvPr/>
+          </p:nvGrpSpPr>
+          <p:grpSpPr>
+            <a:xfrm rot="16200000">
+              <a:off x="10548637" y="820130"/>
+              <a:ext cx="457200" cy="674967"/>
+              <a:chOff x="7848600" y="1143000"/>
+              <a:chExt cx="457200" cy="381000"/>
+            </a:xfrm>
+            <a:solidFill>
+              <a:srgbClr val="FCD5B5"/>
+            </a:solidFill>
+          </p:grpSpPr>
+          <p:sp>
+            <p:nvSpPr>
+              <p:cNvPr id="70" name="Rectangle 69"/>
+              <p:cNvSpPr/>
+              <p:nvPr/>
+            </p:nvSpPr>
+            <p:spPr>
+              <a:xfrm>
+                <a:off x="8001000" y="1143000"/>
+                <a:ext cx="304800" cy="381000"/>
+              </a:xfrm>
+              <a:prstGeom prst="rect">
+                <a:avLst/>
+              </a:prstGeom>
+              <a:grpFill/>
+              <a:ln w="12700" cap="flat" cmpd="sng" algn="ctr">
+                <a:solidFill>
+                  <a:sysClr val="windowText" lastClr="000000"/>
+                </a:solidFill>
+                <a:prstDash val="solid"/>
+              </a:ln>
+              <a:effectLst/>
+            </p:spPr>
+            <p:txBody>
+              <a:bodyPr rtlCol="0" anchor="ctr"/>
+              <a:lstStyle/>
+              <a:p>
+                <a:pPr marL="0" marR="0" lvl="0" indent="0" algn="ctr" defTabSz="914400" eaLnBrk="1" fontAlgn="auto" latinLnBrk="0" hangingPunct="1">
+                  <a:lnSpc>
+                    <a:spcPct val="100000"/>
+                  </a:lnSpc>
+                  <a:spcBef>
+                    <a:spcPts val="0"/>
+                  </a:spcBef>
+                  <a:spcAft>
+                    <a:spcPts val="0"/>
+                  </a:spcAft>
+                  <a:buClrTx/>
+                  <a:buSzTx/>
+                  <a:buFontTx/>
+                  <a:buNone/>
+                  <a:tabLst/>
+                  <a:defRPr/>
+                </a:pPr>
+                <a:endParaRPr kumimoji="0" lang="en-US" sz="1800" b="0" i="0" u="none" strike="noStrike" kern="0" cap="none" spc="0" normalizeH="0" baseline="0" noProof="0">
+                  <a:ln>
+                    <a:noFill/>
+                  </a:ln>
+                  <a:solidFill>
+                    <a:prstClr val="white"/>
+                  </a:solidFill>
+                  <a:effectLst/>
+                  <a:uLnTx/>
+                  <a:uFillTx/>
+                  <a:latin typeface="Calibri"/>
+                  <a:ea typeface="+mn-ea"/>
+                  <a:cs typeface="+mn-cs"/>
+                </a:endParaRPr>
+              </a:p>
+            </p:txBody>
+          </p:sp>
+          <p:cxnSp>
+            <p:nvCxnSpPr>
+              <p:cNvPr id="71" name="Straight Connector 70"/>
+              <p:cNvCxnSpPr>
+                <a:stCxn id="70" idx="0"/>
+              </p:cNvCxnSpPr>
+              <p:nvPr/>
+            </p:nvCxnSpPr>
+            <p:spPr>
+              <a:xfrm flipH="1">
+                <a:off x="7848600" y="1143000"/>
+                <a:ext cx="304800" cy="0"/>
+              </a:xfrm>
+              <a:prstGeom prst="line">
+                <a:avLst/>
+              </a:prstGeom>
+              <a:grpFill/>
+              <a:ln w="12700" cap="flat" cmpd="sng" algn="ctr">
+                <a:solidFill>
+                  <a:sysClr val="windowText" lastClr="000000"/>
+                </a:solidFill>
+                <a:prstDash val="solid"/>
+              </a:ln>
+              <a:effectLst/>
+            </p:spPr>
+          </p:cxnSp>
+          <p:cxnSp>
+            <p:nvCxnSpPr>
+              <p:cNvPr id="72" name="Straight Connector 71"/>
+              <p:cNvCxnSpPr>
+                <a:stCxn id="70" idx="0"/>
+                <a:endCxn id="70" idx="2"/>
+              </p:cNvCxnSpPr>
+              <p:nvPr/>
+            </p:nvCxnSpPr>
+            <p:spPr>
+              <a:xfrm>
+                <a:off x="8153400" y="1143000"/>
+                <a:ext cx="0" cy="381000"/>
+              </a:xfrm>
+              <a:prstGeom prst="line">
+                <a:avLst/>
+              </a:prstGeom>
+              <a:grpFill/>
+              <a:ln w="12700" cap="flat" cmpd="sng" algn="ctr">
+                <a:solidFill>
+                  <a:sysClr val="windowText" lastClr="000000"/>
+                </a:solidFill>
+                <a:prstDash val="solid"/>
+              </a:ln>
+              <a:effectLst/>
+            </p:spPr>
+          </p:cxnSp>
+          <p:cxnSp>
+            <p:nvCxnSpPr>
+              <p:cNvPr id="73" name="Straight Connector 72"/>
+              <p:cNvCxnSpPr>
+                <a:stCxn id="70" idx="2"/>
+              </p:cNvCxnSpPr>
+              <p:nvPr/>
+            </p:nvCxnSpPr>
+            <p:spPr>
+              <a:xfrm flipH="1">
+                <a:off x="7848600" y="1524000"/>
+                <a:ext cx="304800" cy="0"/>
+              </a:xfrm>
+              <a:prstGeom prst="line">
+                <a:avLst/>
+              </a:prstGeom>
+              <a:grpFill/>
+              <a:ln w="12700" cap="flat" cmpd="sng" algn="ctr">
+                <a:solidFill>
+                  <a:sysClr val="windowText" lastClr="000000"/>
+                </a:solidFill>
+                <a:prstDash val="solid"/>
+              </a:ln>
+              <a:effectLst/>
+            </p:spPr>
+          </p:cxnSp>
+        </p:grpSp>
+        <p:sp>
+          <p:nvSpPr>
+            <p:cNvPr id="30" name="TextBox 29"/>
+            <p:cNvSpPr txBox="1"/>
+            <p:nvPr/>
+          </p:nvSpPr>
+          <p:spPr>
+            <a:xfrm>
+              <a:off x="6703252" y="2344551"/>
+              <a:ext cx="2152444" cy="707886"/>
+            </a:xfrm>
+            <a:prstGeom prst="rect">
+              <a:avLst/>
+            </a:prstGeom>
+            <a:noFill/>
+          </p:spPr>
+          <p:txBody>
+            <a:bodyPr wrap="square" rtlCol="0">
+              <a:spAutoFit/>
+            </a:bodyPr>
+            <a:lstStyle/>
+            <a:p>
+              <a:pPr marL="0" marR="0" lvl="0" indent="0" algn="r" defTabSz="914400" eaLnBrk="1" fontAlgn="auto" latinLnBrk="0" hangingPunct="1">
+                <a:lnSpc>
+                  <a:spcPct val="100000"/>
+                </a:lnSpc>
+                <a:spcBef>
+                  <a:spcPts val="0"/>
+                </a:spcBef>
+                <a:spcAft>
+                  <a:spcPts val="0"/>
+                </a:spcAft>
+                <a:buClrTx/>
+                <a:buSzTx/>
+                <a:buFontTx/>
+                <a:buNone/>
+                <a:tabLst/>
+                <a:defRPr/>
+              </a:pPr>
+              <a:r>
+                <a:rPr kumimoji="0" lang="en-US" sz="2000" b="0" i="0" u="none" strike="noStrike" kern="0" cap="none" spc="0" normalizeH="0" baseline="0" noProof="0" dirty="0" smtClean="0">
+                  <a:ln>
+                    <a:noFill/>
+                  </a:ln>
+                  <a:solidFill>
+                    <a:prstClr val="black"/>
+                  </a:solidFill>
+                  <a:effectLst/>
+                  <a:uLnTx/>
+                  <a:uFillTx/>
+                </a:rPr>
+                <a:t>MSHR index to send upgrade </a:t>
+              </a:r>
+              <a:r>
+                <a:rPr kumimoji="0" lang="en-US" sz="2000" b="0" i="0" u="none" strike="noStrike" kern="0" cap="none" spc="0" normalizeH="0" baseline="0" noProof="0" dirty="0" err="1">
+                  <a:ln>
+                    <a:noFill/>
+                  </a:ln>
+                  <a:solidFill>
+                    <a:prstClr val="black"/>
+                  </a:solidFill>
+                  <a:effectLst/>
+                  <a:uLnTx/>
+                  <a:uFillTx/>
+                </a:rPr>
+                <a:t>resp</a:t>
+              </a:r>
+              <a:endParaRPr kumimoji="0" lang="en-US" sz="2000" b="0" i="0" u="none" strike="noStrike" kern="0" cap="none" spc="0" normalizeH="0" baseline="0" noProof="0" dirty="0">
+                <a:ln>
+                  <a:noFill/>
+                </a:ln>
+                <a:solidFill>
+                  <a:prstClr val="black"/>
+                </a:solidFill>
+                <a:effectLst/>
+                <a:uLnTx/>
+                <a:uFillTx/>
+              </a:endParaRPr>
+            </a:p>
+          </p:txBody>
+        </p:sp>
+        <p:sp>
+          <p:nvSpPr>
+            <p:cNvPr id="31" name="TextBox 30"/>
+            <p:cNvSpPr txBox="1"/>
+            <p:nvPr/>
+          </p:nvSpPr>
+          <p:spPr>
+            <a:xfrm>
+              <a:off x="8480186" y="1295772"/>
+              <a:ext cx="2159859" cy="400110"/>
+            </a:xfrm>
+            <a:prstGeom prst="rect">
+              <a:avLst/>
+            </a:prstGeom>
+            <a:noFill/>
+          </p:spPr>
+          <p:txBody>
+            <a:bodyPr wrap="square" rtlCol="0">
+              <a:spAutoFit/>
+            </a:bodyPr>
+            <a:lstStyle/>
+            <a:p>
+              <a:pPr marL="0" marR="0" lvl="0" indent="0" algn="ctr" defTabSz="914400" eaLnBrk="1" fontAlgn="auto" latinLnBrk="0" hangingPunct="1">
+                <a:lnSpc>
+                  <a:spcPct val="100000"/>
+                </a:lnSpc>
+                <a:spcBef>
+                  <a:spcPts val="0"/>
+                </a:spcBef>
+                <a:spcAft>
+                  <a:spcPts val="0"/>
+                </a:spcAft>
+                <a:buClrTx/>
+                <a:buSzTx/>
+                <a:buFontTx/>
+                <a:buNone/>
+                <a:tabLst/>
+                <a:defRPr/>
+              </a:pPr>
+              <a:r>
+                <a:rPr kumimoji="0" lang="en-US" sz="2000" b="0" i="0" u="none" strike="noStrike" kern="0" cap="none" spc="0" normalizeH="0" baseline="0" noProof="0" dirty="0">
+                  <a:ln>
+                    <a:noFill/>
+                  </a:ln>
+                  <a:solidFill>
+                    <a:prstClr val="black"/>
+                  </a:solidFill>
+                  <a:effectLst/>
+                  <a:uLnTx/>
+                  <a:uFillTx/>
+                </a:rPr>
+                <a:t>Downgrade </a:t>
+              </a:r>
+              <a:r>
+                <a:rPr kumimoji="0" lang="en-US" sz="2000" b="0" i="0" u="none" strike="noStrike" kern="0" cap="none" spc="0" normalizeH="0" baseline="0" noProof="0" dirty="0" err="1" smtClean="0">
+                  <a:ln>
+                    <a:noFill/>
+                  </a:ln>
+                  <a:solidFill>
+                    <a:prstClr val="black"/>
+                  </a:solidFill>
+                  <a:effectLst/>
+                  <a:uLnTx/>
+                  <a:uFillTx/>
+                </a:rPr>
+                <a:t>req</a:t>
+              </a:r>
+              <a:endParaRPr kumimoji="0" lang="en-US" sz="2000" b="0" i="0" u="none" strike="noStrike" kern="0" cap="none" spc="0" normalizeH="0" baseline="0" noProof="0" dirty="0">
+                <a:ln>
+                  <a:noFill/>
+                </a:ln>
+                <a:solidFill>
+                  <a:prstClr val="black"/>
+                </a:solidFill>
+                <a:effectLst/>
+                <a:uLnTx/>
+                <a:uFillTx/>
+              </a:endParaRPr>
+            </a:p>
+          </p:txBody>
+        </p:sp>
+        <p:cxnSp>
+          <p:nvCxnSpPr>
+            <p:cNvPr id="32" name="Elbow Connector 31"/>
+            <p:cNvCxnSpPr>
+              <a:stCxn id="16" idx="1"/>
+              <a:endCxn id="80" idx="1"/>
+            </p:cNvCxnSpPr>
+            <p:nvPr/>
+          </p:nvCxnSpPr>
+          <p:spPr>
+            <a:xfrm rot="16200000" flipH="1">
+              <a:off x="8720047" y="3841319"/>
+              <a:ext cx="529054" cy="231827"/>
+            </a:xfrm>
+            <a:prstGeom prst="bentConnector2">
+              <a:avLst/>
+            </a:prstGeom>
+            <a:noFill/>
+            <a:ln w="12700" cap="flat" cmpd="sng" algn="ctr">
+              <a:solidFill>
+                <a:sysClr val="windowText" lastClr="000000"/>
+              </a:solidFill>
+              <a:prstDash val="solid"/>
+              <a:tailEnd type="triangle"/>
+            </a:ln>
+            <a:effectLst/>
+          </p:spPr>
+        </p:cxnSp>
+        <p:sp>
+          <p:nvSpPr>
+            <p:cNvPr id="33" name="TextBox 32"/>
+            <p:cNvSpPr txBox="1"/>
+            <p:nvPr/>
+          </p:nvSpPr>
+          <p:spPr>
+            <a:xfrm>
+              <a:off x="8376232" y="4458041"/>
+              <a:ext cx="1991717" cy="707886"/>
+            </a:xfrm>
+            <a:prstGeom prst="rect">
+              <a:avLst/>
+            </a:prstGeom>
+            <a:noFill/>
+          </p:spPr>
+          <p:txBody>
+            <a:bodyPr wrap="square" rtlCol="0">
+              <a:spAutoFit/>
+            </a:bodyPr>
+            <a:lstStyle/>
+            <a:p>
+              <a:pPr marL="0" marR="0" lvl="0" indent="0" algn="ctr" defTabSz="914400" eaLnBrk="1" fontAlgn="auto" latinLnBrk="0" hangingPunct="1">
+                <a:lnSpc>
+                  <a:spcPct val="100000"/>
+                </a:lnSpc>
+                <a:spcBef>
+                  <a:spcPts val="0"/>
+                </a:spcBef>
+                <a:spcAft>
+                  <a:spcPts val="0"/>
+                </a:spcAft>
+                <a:buClrTx/>
+                <a:buSzTx/>
+                <a:buFontTx/>
+                <a:buNone/>
+                <a:tabLst/>
+                <a:defRPr/>
+              </a:pPr>
+              <a:r>
+                <a:rPr kumimoji="0" lang="en-US" sz="2000" b="0" i="0" u="none" strike="noStrike" kern="0" cap="none" spc="0" normalizeH="0" baseline="0" noProof="0" dirty="0" smtClean="0">
+                  <a:ln>
+                    <a:noFill/>
+                  </a:ln>
+                  <a:solidFill>
+                    <a:prstClr val="black"/>
+                  </a:solidFill>
+                  <a:effectLst/>
+                  <a:uLnTx/>
+                  <a:uFillTx/>
+                </a:rPr>
+                <a:t>MSHR index to send DRAM </a:t>
+              </a:r>
+              <a:r>
+                <a:rPr kumimoji="0" lang="en-US" sz="2000" b="0" i="0" u="none" strike="noStrike" kern="0" cap="none" spc="0" normalizeH="0" baseline="0" noProof="0" dirty="0" err="1" smtClean="0">
+                  <a:ln>
+                    <a:noFill/>
+                  </a:ln>
+                  <a:solidFill>
+                    <a:prstClr val="black"/>
+                  </a:solidFill>
+                  <a:effectLst/>
+                  <a:uLnTx/>
+                  <a:uFillTx/>
+                </a:rPr>
+                <a:t>req</a:t>
+              </a:r>
+              <a:endParaRPr kumimoji="0" lang="en-US" sz="2000" b="0" i="0" u="none" strike="noStrike" kern="0" cap="none" spc="0" normalizeH="0" baseline="0" noProof="0" dirty="0">
+                <a:ln>
+                  <a:noFill/>
+                </a:ln>
+                <a:solidFill>
+                  <a:prstClr val="black"/>
+                </a:solidFill>
+                <a:effectLst/>
+                <a:uLnTx/>
+                <a:uFillTx/>
+              </a:endParaRPr>
+            </a:p>
+          </p:txBody>
+        </p:sp>
+        <p:sp>
+          <p:nvSpPr>
+            <p:cNvPr id="34" name="TextBox 33"/>
+            <p:cNvSpPr txBox="1"/>
+            <p:nvPr/>
+          </p:nvSpPr>
+          <p:spPr>
+            <a:xfrm>
+              <a:off x="3806880" y="1458332"/>
+              <a:ext cx="1784822" cy="779701"/>
+            </a:xfrm>
+            <a:prstGeom prst="rect">
+              <a:avLst/>
+            </a:prstGeom>
+            <a:solidFill>
+              <a:srgbClr val="92D050"/>
+            </a:solidFill>
+            <a:ln w="28575">
+              <a:solidFill>
+                <a:sysClr val="windowText" lastClr="000000"/>
+              </a:solidFill>
+            </a:ln>
+          </p:spPr>
+          <p:txBody>
+            <a:bodyPr wrap="square" rtlCol="0" anchor="ctr">
+              <a:spAutoFit/>
+            </a:bodyPr>
+            <a:lstStyle/>
+            <a:p>
+              <a:pPr marL="0" marR="0" lvl="0" indent="0" algn="ctr" defTabSz="914400" eaLnBrk="1" fontAlgn="auto" latinLnBrk="0" hangingPunct="1">
+                <a:lnSpc>
+                  <a:spcPct val="100000"/>
+                </a:lnSpc>
+                <a:spcBef>
+                  <a:spcPts val="0"/>
+                </a:spcBef>
+                <a:spcAft>
+                  <a:spcPts val="0"/>
+                </a:spcAft>
+                <a:buClrTx/>
+                <a:buSzTx/>
+                <a:buFontTx/>
+                <a:buNone/>
+                <a:tabLst/>
+                <a:defRPr/>
+              </a:pPr>
+              <a:r>
+                <a:rPr kumimoji="0" lang="en-US" sz="2000" b="0" i="0" u="none" strike="noStrike" kern="0" cap="none" spc="0" normalizeH="0" baseline="0" noProof="0" dirty="0" smtClean="0">
+                  <a:ln>
+                    <a:noFill/>
+                  </a:ln>
+                  <a:solidFill>
+                    <a:prstClr val="black"/>
+                  </a:solidFill>
+                  <a:effectLst/>
+                  <a:uLnTx/>
+                  <a:uFillTx/>
+                </a:rPr>
+                <a:t>MSHR</a:t>
+              </a:r>
+              <a:endParaRPr kumimoji="0" lang="en-US" sz="2000" b="0" i="0" u="none" strike="noStrike" kern="0" cap="none" spc="0" normalizeH="0" baseline="0" noProof="0" dirty="0">
+                <a:ln>
+                  <a:noFill/>
+                </a:ln>
+                <a:solidFill>
+                  <a:prstClr val="black"/>
+                </a:solidFill>
+                <a:effectLst/>
+                <a:uLnTx/>
+                <a:uFillTx/>
+              </a:endParaRPr>
+            </a:p>
+          </p:txBody>
+        </p:sp>
+        <p:sp>
+          <p:nvSpPr>
+            <p:cNvPr id="35" name="Cloud 34"/>
+            <p:cNvSpPr/>
+            <p:nvPr/>
+          </p:nvSpPr>
+          <p:spPr>
+            <a:xfrm>
+              <a:off x="3482842" y="2716459"/>
+              <a:ext cx="1514888" cy="1399600"/>
+            </a:xfrm>
+            <a:prstGeom prst="cloud">
+              <a:avLst/>
+            </a:prstGeom>
+            <a:solidFill>
+              <a:srgbClr val="B7DEE8"/>
+            </a:solidFill>
+            <a:ln w="25400" cap="flat" cmpd="sng" algn="ctr">
+              <a:solidFill>
+                <a:sysClr val="windowText" lastClr="000000"/>
+              </a:solidFill>
+              <a:prstDash val="solid"/>
+            </a:ln>
+            <a:effectLst/>
+          </p:spPr>
+          <p:txBody>
+            <a:bodyPr rot="0" spcFirstLastPara="0" vertOverflow="overflow" horzOverflow="overflow" vert="horz" wrap="square" lIns="91440" tIns="45720" rIns="91440" bIns="45720" numCol="1" spcCol="0" rtlCol="0" fromWordArt="0" anchor="ctr" anchorCtr="0" forceAA="0" compatLnSpc="1">
+              <a:prstTxWarp prst="textNoShape">
+                <a:avLst/>
+              </a:prstTxWarp>
+              <a:noAutofit/>
+            </a:bodyPr>
+            <a:lstStyle/>
+            <a:p>
+              <a:pPr marL="0" marR="0" lvl="0" indent="0" algn="ctr" defTabSz="914400" eaLnBrk="1" fontAlgn="auto" latinLnBrk="0" hangingPunct="1">
+                <a:lnSpc>
+                  <a:spcPct val="100000"/>
+                </a:lnSpc>
+                <a:spcBef>
+                  <a:spcPts val="0"/>
+                </a:spcBef>
+                <a:spcAft>
+                  <a:spcPts val="0"/>
+                </a:spcAft>
+                <a:buClrTx/>
+                <a:buSzTx/>
+                <a:buFontTx/>
+                <a:buNone/>
+                <a:tabLst/>
+                <a:defRPr/>
+              </a:pPr>
+              <a:r>
+                <a:rPr kumimoji="0" lang="en-US" sz="2000" b="0" i="0" u="none" strike="noStrike" kern="0" cap="none" spc="0" normalizeH="0" baseline="0" noProof="0" dirty="0" err="1" smtClean="0">
+                  <a:ln>
+                    <a:noFill/>
+                  </a:ln>
+                  <a:solidFill>
+                    <a:prstClr val="black"/>
+                  </a:solidFill>
+                  <a:effectLst/>
+                  <a:uLnTx/>
+                  <a:uFillTx/>
+                  <a:latin typeface="Calibri"/>
+                  <a:ea typeface="+mn-ea"/>
+                  <a:cs typeface="+mn-cs"/>
+                </a:rPr>
+                <a:t>Req</a:t>
+              </a:r>
+              <a:endParaRPr kumimoji="0" lang="en-US" sz="2000" b="0" i="0" u="none" strike="noStrike" kern="0" cap="none" spc="0" normalizeH="0" baseline="0" noProof="0" dirty="0" smtClean="0">
+                <a:ln>
+                  <a:noFill/>
+                </a:ln>
+                <a:solidFill>
+                  <a:prstClr val="black"/>
+                </a:solidFill>
+                <a:effectLst/>
+                <a:uLnTx/>
+                <a:uFillTx/>
+                <a:latin typeface="Calibri"/>
+                <a:ea typeface="+mn-ea"/>
+                <a:cs typeface="+mn-cs"/>
+              </a:endParaRPr>
+            </a:p>
+            <a:p>
+              <a:pPr marL="0" marR="0" lvl="0" indent="0" algn="ctr" defTabSz="914400" eaLnBrk="1" fontAlgn="auto" latinLnBrk="0" hangingPunct="1">
+                <a:lnSpc>
+                  <a:spcPct val="100000"/>
+                </a:lnSpc>
+                <a:spcBef>
+                  <a:spcPts val="0"/>
+                </a:spcBef>
+                <a:spcAft>
+                  <a:spcPts val="0"/>
+                </a:spcAft>
+                <a:buClrTx/>
+                <a:buSzTx/>
+                <a:buFontTx/>
+                <a:buNone/>
+                <a:tabLst/>
+                <a:defRPr/>
+              </a:pPr>
+              <a:r>
+                <a:rPr kumimoji="0" lang="en-US" sz="2000" b="0" i="0" u="none" strike="noStrike" kern="0" cap="none" spc="0" normalizeH="0" baseline="0" noProof="0" dirty="0" smtClean="0">
+                  <a:ln>
+                    <a:noFill/>
+                  </a:ln>
+                  <a:solidFill>
+                    <a:prstClr val="black"/>
+                  </a:solidFill>
+                  <a:effectLst/>
+                  <a:uLnTx/>
+                  <a:uFillTx/>
+                  <a:latin typeface="Calibri"/>
+                  <a:ea typeface="+mn-ea"/>
+                  <a:cs typeface="+mn-cs"/>
+                </a:rPr>
+                <a:t>Cache</a:t>
+              </a:r>
+              <a:endParaRPr kumimoji="0" lang="en-US" sz="2000" b="0" i="0" u="none" strike="noStrike" kern="0" cap="none" spc="0" normalizeH="0" baseline="0" noProof="0" dirty="0">
+                <a:ln>
+                  <a:noFill/>
+                </a:ln>
+                <a:solidFill>
+                  <a:prstClr val="black"/>
+                </a:solidFill>
+                <a:effectLst/>
+                <a:uLnTx/>
+                <a:uFillTx/>
+                <a:latin typeface="Calibri"/>
+                <a:ea typeface="+mn-ea"/>
+                <a:cs typeface="+mn-cs"/>
+              </a:endParaRPr>
+            </a:p>
+          </p:txBody>
+        </p:sp>
+        <p:sp>
+          <p:nvSpPr>
+            <p:cNvPr id="36" name="TextBox 35"/>
+            <p:cNvSpPr txBox="1"/>
+            <p:nvPr/>
+          </p:nvSpPr>
+          <p:spPr>
+            <a:xfrm>
+              <a:off x="4931556" y="4668192"/>
+              <a:ext cx="2453529" cy="400110"/>
+            </a:xfrm>
+            <a:prstGeom prst="rect">
+              <a:avLst/>
+            </a:prstGeom>
+            <a:noFill/>
+          </p:spPr>
+          <p:txBody>
+            <a:bodyPr wrap="square" rtlCol="0">
+              <a:spAutoFit/>
+            </a:bodyPr>
+            <a:lstStyle/>
+            <a:p>
+              <a:pPr marL="0" marR="0" lvl="0" indent="0" algn="ctr" defTabSz="914400" eaLnBrk="1" fontAlgn="auto" latinLnBrk="0" hangingPunct="1">
+                <a:lnSpc>
+                  <a:spcPct val="100000"/>
+                </a:lnSpc>
+                <a:spcBef>
+                  <a:spcPts val="0"/>
+                </a:spcBef>
+                <a:spcAft>
+                  <a:spcPts val="0"/>
+                </a:spcAft>
+                <a:buClrTx/>
+                <a:buSzTx/>
+                <a:buFontTx/>
+                <a:buNone/>
+                <a:tabLst/>
+                <a:defRPr/>
+              </a:pPr>
+              <a:r>
+                <a:rPr kumimoji="0" lang="en-US" sz="2000" b="0" i="0" u="none" strike="noStrike" kern="0" cap="none" spc="0" normalizeH="0" baseline="0" noProof="0" dirty="0" smtClean="0">
+                  <a:ln>
+                    <a:noFill/>
+                  </a:ln>
+                  <a:solidFill>
+                    <a:prstClr val="black"/>
+                  </a:solidFill>
+                  <a:effectLst/>
+                  <a:uLnTx/>
+                  <a:uFillTx/>
+                </a:rPr>
+                <a:t>MSHR index to retry</a:t>
+              </a:r>
+              <a:endParaRPr kumimoji="0" lang="en-US" sz="2000" b="0" i="0" u="none" strike="noStrike" kern="0" cap="none" spc="0" normalizeH="0" baseline="0" noProof="0" dirty="0">
+                <a:ln>
+                  <a:noFill/>
+                </a:ln>
+                <a:solidFill>
+                  <a:prstClr val="black"/>
+                </a:solidFill>
+                <a:effectLst/>
+                <a:uLnTx/>
+                <a:uFillTx/>
+              </a:endParaRPr>
+            </a:p>
+          </p:txBody>
+        </p:sp>
+        <p:sp>
+          <p:nvSpPr>
+            <p:cNvPr id="37" name="Cloud 36"/>
+            <p:cNvSpPr/>
+            <p:nvPr/>
+          </p:nvSpPr>
+          <p:spPr>
+            <a:xfrm>
+              <a:off x="10103625" y="2145342"/>
+              <a:ext cx="1679033" cy="887484"/>
+            </a:xfrm>
+            <a:prstGeom prst="cloud">
+              <a:avLst/>
+            </a:prstGeom>
+            <a:solidFill>
+              <a:srgbClr val="B7DEE8"/>
+            </a:solidFill>
+            <a:ln w="25400" cap="flat" cmpd="sng" algn="ctr">
+              <a:solidFill>
+                <a:sysClr val="windowText" lastClr="000000"/>
+              </a:solidFill>
+              <a:prstDash val="solid"/>
+            </a:ln>
+            <a:effectLst/>
+          </p:spPr>
+          <p:txBody>
+            <a:bodyPr rot="0" spcFirstLastPara="0" vertOverflow="overflow" horzOverflow="overflow" vert="horz" wrap="square" lIns="91440" tIns="45720" rIns="91440" bIns="45720" numCol="1" spcCol="0" rtlCol="0" fromWordArt="0" anchor="ctr" anchorCtr="0" forceAA="0" compatLnSpc="1">
+              <a:prstTxWarp prst="textNoShape">
+                <a:avLst/>
+              </a:prstTxWarp>
+              <a:noAutofit/>
+            </a:bodyPr>
+            <a:lstStyle/>
+            <a:p>
+              <a:pPr marL="0" marR="0" lvl="0" indent="0" algn="ctr" defTabSz="914400" eaLnBrk="1" fontAlgn="auto" latinLnBrk="0" hangingPunct="1">
+                <a:lnSpc>
+                  <a:spcPct val="100000"/>
+                </a:lnSpc>
+                <a:spcBef>
+                  <a:spcPts val="0"/>
+                </a:spcBef>
+                <a:spcAft>
+                  <a:spcPts val="0"/>
+                </a:spcAft>
+                <a:buClrTx/>
+                <a:buSzTx/>
+                <a:buFontTx/>
+                <a:buNone/>
+                <a:tabLst/>
+                <a:defRPr/>
+              </a:pPr>
+              <a:r>
+                <a:rPr kumimoji="0" lang="en-US" sz="2000" b="0" i="0" u="none" strike="noStrike" kern="0" cap="none" spc="0" normalizeH="0" baseline="0" noProof="0" dirty="0" smtClean="0">
+                  <a:ln>
+                    <a:noFill/>
+                  </a:ln>
+                  <a:solidFill>
+                    <a:prstClr val="black"/>
+                  </a:solidFill>
+                  <a:effectLst/>
+                  <a:uLnTx/>
+                  <a:uFillTx/>
+                  <a:latin typeface="Calibri"/>
+                  <a:ea typeface="+mn-ea"/>
+                  <a:cs typeface="+mn-cs"/>
+                </a:rPr>
+                <a:t>Upgrade</a:t>
+              </a:r>
+            </a:p>
+            <a:p>
+              <a:pPr marL="0" marR="0" lvl="0" indent="0" algn="ctr" defTabSz="914400" eaLnBrk="1" fontAlgn="auto" latinLnBrk="0" hangingPunct="1">
+                <a:lnSpc>
+                  <a:spcPct val="100000"/>
+                </a:lnSpc>
+                <a:spcBef>
+                  <a:spcPts val="0"/>
+                </a:spcBef>
+                <a:spcAft>
+                  <a:spcPts val="0"/>
+                </a:spcAft>
+                <a:buClrTx/>
+                <a:buSzTx/>
+                <a:buFontTx/>
+                <a:buNone/>
+                <a:tabLst/>
+                <a:defRPr/>
+              </a:pPr>
+              <a:r>
+                <a:rPr kumimoji="0" lang="en-US" sz="2000" b="0" i="0" u="none" strike="noStrike" kern="0" cap="none" spc="0" normalizeH="0" baseline="0" noProof="0" dirty="0" smtClean="0">
+                  <a:ln>
+                    <a:noFill/>
+                  </a:ln>
+                  <a:solidFill>
+                    <a:prstClr val="black"/>
+                  </a:solidFill>
+                  <a:effectLst/>
+                  <a:uLnTx/>
+                  <a:uFillTx/>
+                  <a:latin typeface="Calibri"/>
+                  <a:ea typeface="+mn-ea"/>
+                  <a:cs typeface="+mn-cs"/>
+                </a:rPr>
+                <a:t>L1</a:t>
+              </a:r>
+              <a:endParaRPr kumimoji="0" lang="en-US" sz="2000" b="0" i="0" u="none" strike="noStrike" kern="0" cap="none" spc="0" normalizeH="0" baseline="0" noProof="0" dirty="0">
+                <a:ln>
+                  <a:noFill/>
+                </a:ln>
+                <a:solidFill>
+                  <a:prstClr val="black"/>
+                </a:solidFill>
+                <a:effectLst/>
+                <a:uLnTx/>
+                <a:uFillTx/>
+                <a:latin typeface="Calibri"/>
+                <a:ea typeface="+mn-ea"/>
+                <a:cs typeface="+mn-cs"/>
+              </a:endParaRPr>
+            </a:p>
+          </p:txBody>
+        </p:sp>
+        <p:cxnSp>
+          <p:nvCxnSpPr>
+            <p:cNvPr id="38" name="Elbow Connector 37"/>
+            <p:cNvCxnSpPr>
+              <a:endCxn id="64" idx="1"/>
+            </p:cNvCxnSpPr>
+            <p:nvPr/>
+          </p:nvCxnSpPr>
+          <p:spPr>
+            <a:xfrm rot="10800000" flipV="1">
+              <a:off x="6440472" y="3665628"/>
+              <a:ext cx="2123392" cy="754891"/>
+            </a:xfrm>
+            <a:prstGeom prst="bentConnector3">
+              <a:avLst>
+                <a:gd name="adj1" fmla="val -241"/>
+              </a:avLst>
+            </a:prstGeom>
+            <a:noFill/>
+            <a:ln w="12700" cap="flat" cmpd="sng" algn="ctr">
+              <a:solidFill>
+                <a:sysClr val="windowText" lastClr="000000"/>
+              </a:solidFill>
+              <a:prstDash val="solid"/>
+              <a:tailEnd type="triangle"/>
+            </a:ln>
+            <a:effectLst/>
+          </p:spPr>
+        </p:cxnSp>
+        <p:grpSp>
+          <p:nvGrpSpPr>
+            <p:cNvPr id="39" name="Group 38"/>
+            <p:cNvGrpSpPr/>
+            <p:nvPr/>
+          </p:nvGrpSpPr>
+          <p:grpSpPr>
+            <a:xfrm rot="5400000">
+              <a:off x="5981365" y="4039521"/>
+              <a:ext cx="461013" cy="762000"/>
+              <a:chOff x="8873314" y="3352800"/>
+              <a:chExt cx="236572" cy="762000"/>
+            </a:xfrm>
+            <a:solidFill>
+              <a:srgbClr val="FCD5B5"/>
+            </a:solidFill>
+          </p:grpSpPr>
+          <p:sp>
+            <p:nvSpPr>
+              <p:cNvPr id="64" name="Rectangle 63"/>
+              <p:cNvSpPr/>
+              <p:nvPr/>
+            </p:nvSpPr>
+            <p:spPr>
+              <a:xfrm rot="5400000">
+                <a:off x="8839200" y="3539314"/>
+                <a:ext cx="304800" cy="236571"/>
+              </a:xfrm>
+              <a:prstGeom prst="rect">
+                <a:avLst/>
+              </a:prstGeom>
+              <a:grpFill/>
+              <a:ln w="12700" cap="flat" cmpd="sng" algn="ctr">
+                <a:solidFill>
+                  <a:sysClr val="windowText" lastClr="000000"/>
+                </a:solidFill>
+                <a:prstDash val="solid"/>
+              </a:ln>
+              <a:effectLst/>
+            </p:spPr>
+            <p:txBody>
+              <a:bodyPr rtlCol="0" anchor="ctr"/>
+              <a:lstStyle/>
+              <a:p>
+                <a:pPr marL="0" marR="0" lvl="0" indent="0" algn="ctr" defTabSz="914400" eaLnBrk="1" fontAlgn="auto" latinLnBrk="0" hangingPunct="1">
+                  <a:lnSpc>
+                    <a:spcPct val="100000"/>
+                  </a:lnSpc>
+                  <a:spcBef>
+                    <a:spcPts val="0"/>
+                  </a:spcBef>
+                  <a:spcAft>
+                    <a:spcPts val="0"/>
+                  </a:spcAft>
+                  <a:buClrTx/>
+                  <a:buSzTx/>
+                  <a:buFontTx/>
+                  <a:buNone/>
+                  <a:tabLst/>
+                  <a:defRPr/>
+                </a:pPr>
+                <a:endParaRPr kumimoji="0" lang="en-US" sz="1800" b="0" i="0" u="none" strike="noStrike" kern="0" cap="none" spc="0" normalizeH="0" baseline="0" noProof="0">
+                  <a:ln>
+                    <a:noFill/>
+                  </a:ln>
+                  <a:solidFill>
+                    <a:prstClr val="white"/>
+                  </a:solidFill>
+                  <a:effectLst/>
+                  <a:uLnTx/>
+                  <a:uFillTx/>
+                  <a:latin typeface="Calibri"/>
+                  <a:ea typeface="+mn-ea"/>
+                  <a:cs typeface="+mn-cs"/>
+                </a:endParaRPr>
+              </a:p>
+            </p:txBody>
+          </p:sp>
+          <p:cxnSp>
+            <p:nvCxnSpPr>
+              <p:cNvPr id="65" name="Straight Connector 64"/>
+              <p:cNvCxnSpPr>
+                <a:stCxn id="64" idx="0"/>
+              </p:cNvCxnSpPr>
+              <p:nvPr/>
+            </p:nvCxnSpPr>
+            <p:spPr>
+              <a:xfrm rot="5400000" flipH="1">
+                <a:off x="8957486" y="3505200"/>
+                <a:ext cx="304800" cy="0"/>
+              </a:xfrm>
+              <a:prstGeom prst="line">
+                <a:avLst/>
+              </a:prstGeom>
+              <a:grpFill/>
+              <a:ln w="12700" cap="flat" cmpd="sng" algn="ctr">
+                <a:solidFill>
+                  <a:sysClr val="windowText" lastClr="000000"/>
+                </a:solidFill>
+                <a:prstDash val="solid"/>
+              </a:ln>
+              <a:effectLst/>
+            </p:spPr>
+          </p:cxnSp>
+          <p:cxnSp>
+            <p:nvCxnSpPr>
+              <p:cNvPr id="66" name="Straight Connector 65"/>
+              <p:cNvCxnSpPr>
+                <a:stCxn id="64" idx="0"/>
+                <a:endCxn id="64" idx="2"/>
+              </p:cNvCxnSpPr>
+              <p:nvPr/>
+            </p:nvCxnSpPr>
+            <p:spPr>
+              <a:xfrm rot="5400000">
+                <a:off x="8991600" y="3539314"/>
+                <a:ext cx="0" cy="236571"/>
+              </a:xfrm>
+              <a:prstGeom prst="line">
+                <a:avLst/>
+              </a:prstGeom>
+              <a:grpFill/>
+              <a:ln w="12700" cap="flat" cmpd="sng" algn="ctr">
+                <a:solidFill>
+                  <a:sysClr val="windowText" lastClr="000000"/>
+                </a:solidFill>
+                <a:prstDash val="solid"/>
+              </a:ln>
+              <a:effectLst/>
+            </p:spPr>
+          </p:cxnSp>
+          <p:cxnSp>
+            <p:nvCxnSpPr>
+              <p:cNvPr id="67" name="Straight Connector 66"/>
+              <p:cNvCxnSpPr>
+                <a:stCxn id="64" idx="2"/>
+              </p:cNvCxnSpPr>
+              <p:nvPr/>
+            </p:nvCxnSpPr>
+            <p:spPr>
+              <a:xfrm rot="5400000" flipH="1">
+                <a:off x="8720915" y="3505200"/>
+                <a:ext cx="304800" cy="0"/>
+              </a:xfrm>
+              <a:prstGeom prst="line">
+                <a:avLst/>
+              </a:prstGeom>
+              <a:grpFill/>
+              <a:ln w="12700" cap="flat" cmpd="sng" algn="ctr">
+                <a:solidFill>
+                  <a:sysClr val="windowText" lastClr="000000"/>
+                </a:solidFill>
+                <a:prstDash val="solid"/>
+              </a:ln>
+              <a:effectLst/>
+            </p:spPr>
+          </p:cxnSp>
+          <p:sp>
+            <p:nvSpPr>
+              <p:cNvPr id="68" name="Rectangle 67"/>
+              <p:cNvSpPr/>
+              <p:nvPr/>
+            </p:nvSpPr>
+            <p:spPr>
+              <a:xfrm rot="5400000">
+                <a:off x="8839200" y="3844114"/>
+                <a:ext cx="304800" cy="236571"/>
+              </a:xfrm>
+              <a:prstGeom prst="rect">
+                <a:avLst/>
+              </a:prstGeom>
+              <a:grpFill/>
+              <a:ln w="12700" cap="flat" cmpd="sng" algn="ctr">
+                <a:solidFill>
+                  <a:sysClr val="windowText" lastClr="000000"/>
+                </a:solidFill>
+                <a:prstDash val="solid"/>
+              </a:ln>
+              <a:effectLst/>
+            </p:spPr>
+            <p:txBody>
+              <a:bodyPr rtlCol="0" anchor="ctr"/>
+              <a:lstStyle/>
+              <a:p>
+                <a:pPr marL="0" marR="0" lvl="0" indent="0" algn="ctr" defTabSz="914400" eaLnBrk="1" fontAlgn="auto" latinLnBrk="0" hangingPunct="1">
+                  <a:lnSpc>
+                    <a:spcPct val="100000"/>
+                  </a:lnSpc>
+                  <a:spcBef>
+                    <a:spcPts val="0"/>
+                  </a:spcBef>
+                  <a:spcAft>
+                    <a:spcPts val="0"/>
+                  </a:spcAft>
+                  <a:buClrTx/>
+                  <a:buSzTx/>
+                  <a:buFontTx/>
+                  <a:buNone/>
+                  <a:tabLst/>
+                  <a:defRPr/>
+                </a:pPr>
+                <a:endParaRPr kumimoji="0" lang="en-US" sz="1800" b="0" i="0" u="none" strike="noStrike" kern="0" cap="none" spc="0" normalizeH="0" baseline="0" noProof="0">
+                  <a:ln>
+                    <a:noFill/>
+                  </a:ln>
+                  <a:solidFill>
+                    <a:prstClr val="white"/>
+                  </a:solidFill>
+                  <a:effectLst/>
+                  <a:uLnTx/>
+                  <a:uFillTx/>
+                  <a:latin typeface="Calibri"/>
+                  <a:ea typeface="+mn-ea"/>
+                  <a:cs typeface="+mn-cs"/>
+                </a:endParaRPr>
+              </a:p>
+            </p:txBody>
+          </p:sp>
+          <p:cxnSp>
+            <p:nvCxnSpPr>
+              <p:cNvPr id="69" name="Straight Connector 68"/>
+              <p:cNvCxnSpPr>
+                <a:stCxn id="68" idx="0"/>
+                <a:endCxn id="68" idx="2"/>
+              </p:cNvCxnSpPr>
+              <p:nvPr/>
+            </p:nvCxnSpPr>
+            <p:spPr>
+              <a:xfrm rot="5400000">
+                <a:off x="8991600" y="3844114"/>
+                <a:ext cx="0" cy="236571"/>
+              </a:xfrm>
+              <a:prstGeom prst="line">
+                <a:avLst/>
+              </a:prstGeom>
+              <a:grpFill/>
+              <a:ln w="12700" cap="flat" cmpd="sng" algn="ctr">
+                <a:solidFill>
+                  <a:sysClr val="windowText" lastClr="000000"/>
+                </a:solidFill>
+                <a:prstDash val="solid"/>
+              </a:ln>
+              <a:effectLst/>
+            </p:spPr>
+          </p:cxnSp>
+        </p:grpSp>
+        <p:grpSp>
+          <p:nvGrpSpPr>
+            <p:cNvPr id="40" name="Group 39"/>
+            <p:cNvGrpSpPr/>
+            <p:nvPr/>
+          </p:nvGrpSpPr>
+          <p:grpSpPr>
+            <a:xfrm>
+              <a:off x="5808238" y="4213635"/>
+              <a:ext cx="664049" cy="400110"/>
+              <a:chOff x="1314782" y="4537987"/>
+              <a:chExt cx="664049" cy="400110"/>
+            </a:xfrm>
+          </p:grpSpPr>
+          <p:sp>
+            <p:nvSpPr>
+              <p:cNvPr id="62" name="Rectangle 61"/>
+              <p:cNvSpPr/>
+              <p:nvPr/>
+            </p:nvSpPr>
+            <p:spPr>
+              <a:xfrm>
+                <a:off x="1396703" y="4603902"/>
+                <a:ext cx="506370" cy="268280"/>
+              </a:xfrm>
+              <a:prstGeom prst="rect">
+                <a:avLst/>
+              </a:prstGeom>
+              <a:solidFill>
+                <a:srgbClr val="FCD5B5"/>
+              </a:solidFill>
+              <a:ln w="25400" cap="flat" cmpd="sng" algn="ctr">
+                <a:noFill/>
+                <a:prstDash val="solid"/>
+              </a:ln>
+              <a:effectLst/>
+            </p:spPr>
+            <p:txBody>
+              <a:bodyPr rtlCol="0" anchor="ctr"/>
+              <a:lstStyle/>
+              <a:p>
+                <a:pPr marL="0" marR="0" lvl="0" indent="0" algn="ctr" defTabSz="914400" eaLnBrk="1" fontAlgn="auto" latinLnBrk="0" hangingPunct="1">
+                  <a:lnSpc>
+                    <a:spcPct val="100000"/>
+                  </a:lnSpc>
+                  <a:spcBef>
+                    <a:spcPts val="0"/>
+                  </a:spcBef>
+                  <a:spcAft>
+                    <a:spcPts val="0"/>
+                  </a:spcAft>
+                  <a:buClrTx/>
+                  <a:buSzTx/>
+                  <a:buFontTx/>
+                  <a:buNone/>
+                  <a:tabLst/>
+                  <a:defRPr/>
+                </a:pPr>
+                <a:endParaRPr kumimoji="0" lang="en-US" sz="1800" b="0" i="0" u="none" strike="noStrike" kern="0" cap="none" spc="0" normalizeH="0" baseline="0" noProof="0">
+                  <a:ln>
+                    <a:noFill/>
+                  </a:ln>
+                  <a:solidFill>
+                    <a:prstClr val="white"/>
+                  </a:solidFill>
+                  <a:effectLst/>
+                  <a:uLnTx/>
+                  <a:uFillTx/>
+                  <a:latin typeface="Calibri"/>
+                  <a:ea typeface="+mn-ea"/>
+                  <a:cs typeface="+mn-cs"/>
+                </a:endParaRPr>
+              </a:p>
+            </p:txBody>
+          </p:sp>
+          <p:sp>
+            <p:nvSpPr>
+              <p:cNvPr id="63" name="TextBox 62"/>
+              <p:cNvSpPr txBox="1"/>
+              <p:nvPr/>
+            </p:nvSpPr>
+            <p:spPr>
+              <a:xfrm>
+                <a:off x="1314782" y="4537987"/>
+                <a:ext cx="664049" cy="400110"/>
+              </a:xfrm>
+              <a:prstGeom prst="rect">
+                <a:avLst/>
+              </a:prstGeom>
+              <a:noFill/>
+            </p:spPr>
+            <p:txBody>
+              <a:bodyPr wrap="square" rtlCol="0">
+                <a:spAutoFit/>
+              </a:bodyPr>
+              <a:lstStyle/>
+              <a:p>
+                <a:pPr marL="0" marR="0" lvl="0" indent="0" algn="ctr" defTabSz="914400" eaLnBrk="1" fontAlgn="auto" latinLnBrk="0" hangingPunct="1">
+                  <a:lnSpc>
+                    <a:spcPct val="100000"/>
+                  </a:lnSpc>
+                  <a:spcBef>
+                    <a:spcPts val="0"/>
+                  </a:spcBef>
+                  <a:spcAft>
+                    <a:spcPts val="0"/>
+                  </a:spcAft>
+                  <a:buClrTx/>
+                  <a:buSzTx/>
+                  <a:buFontTx/>
+                  <a:buNone/>
+                  <a:tabLst/>
+                  <a:defRPr/>
+                </a:pPr>
+                <a:r>
+                  <a:rPr kumimoji="0" lang="en-US" sz="2000" b="0" i="0" u="none" strike="noStrike" kern="0" cap="none" spc="0" normalizeH="0" baseline="0" noProof="0" dirty="0" smtClean="0">
+                    <a:ln>
+                      <a:noFill/>
+                    </a:ln>
+                    <a:solidFill>
+                      <a:prstClr val="black"/>
+                    </a:solidFill>
+                    <a:effectLst/>
+                    <a:uLnTx/>
+                    <a:uFillTx/>
+                  </a:rPr>
+                  <a:t>RQ</a:t>
+                </a:r>
+                <a:endParaRPr kumimoji="0" lang="en-US" sz="2000" b="0" i="0" u="none" strike="noStrike" kern="0" cap="none" spc="0" normalizeH="0" baseline="0" noProof="0" dirty="0">
+                  <a:ln>
+                    <a:noFill/>
+                  </a:ln>
+                  <a:solidFill>
+                    <a:prstClr val="black"/>
+                  </a:solidFill>
+                  <a:effectLst/>
+                  <a:uLnTx/>
+                  <a:uFillTx/>
+                </a:endParaRPr>
+              </a:p>
+            </p:txBody>
+          </p:sp>
+        </p:grpSp>
+        <p:cxnSp>
+          <p:nvCxnSpPr>
+            <p:cNvPr id="41" name="Elbow Connector 40"/>
+            <p:cNvCxnSpPr>
+              <a:stCxn id="68" idx="3"/>
+              <a:endCxn id="35" idx="1"/>
+            </p:cNvCxnSpPr>
+            <p:nvPr/>
+          </p:nvCxnSpPr>
+          <p:spPr>
+            <a:xfrm rot="10800000">
+              <a:off x="4240286" y="4114570"/>
+              <a:ext cx="1590586" cy="305951"/>
+            </a:xfrm>
+            <a:prstGeom prst="bentConnector2">
+              <a:avLst/>
+            </a:prstGeom>
+            <a:noFill/>
+            <a:ln w="12700" cap="flat" cmpd="sng" algn="ctr">
+              <a:solidFill>
+                <a:sysClr val="windowText" lastClr="000000"/>
+              </a:solidFill>
+              <a:prstDash val="solid"/>
+              <a:tailEnd type="triangle"/>
+            </a:ln>
+            <a:effectLst/>
+          </p:spPr>
+        </p:cxnSp>
+        <p:cxnSp>
+          <p:nvCxnSpPr>
+            <p:cNvPr id="42" name="Elbow Connector 41"/>
+            <p:cNvCxnSpPr>
+              <a:stCxn id="17" idx="0"/>
+            </p:cNvCxnSpPr>
+            <p:nvPr/>
+          </p:nvCxnSpPr>
+          <p:spPr>
+            <a:xfrm flipV="1">
+              <a:off x="8621923" y="1236451"/>
+              <a:ext cx="2004826" cy="450995"/>
+            </a:xfrm>
+            <a:prstGeom prst="bentConnector3">
+              <a:avLst>
+                <a:gd name="adj1" fmla="val 99918"/>
+              </a:avLst>
+            </a:prstGeom>
+            <a:noFill/>
+            <a:ln w="12700" cap="flat" cmpd="sng" algn="ctr">
+              <a:solidFill>
+                <a:sysClr val="windowText" lastClr="000000"/>
+              </a:solidFill>
+              <a:prstDash val="solid"/>
+              <a:tailEnd type="triangle"/>
+            </a:ln>
+            <a:effectLst/>
+          </p:spPr>
+        </p:cxnSp>
+        <p:cxnSp>
+          <p:nvCxnSpPr>
+            <p:cNvPr id="43" name="Straight Arrow Connector 42"/>
+            <p:cNvCxnSpPr>
+              <a:stCxn id="37" idx="3"/>
+            </p:cNvCxnSpPr>
+            <p:nvPr/>
+          </p:nvCxnSpPr>
+          <p:spPr>
+            <a:xfrm flipV="1">
+              <a:off x="10943142" y="1233813"/>
+              <a:ext cx="0" cy="962272"/>
+            </a:xfrm>
+            <a:prstGeom prst="straightConnector1">
+              <a:avLst/>
+            </a:prstGeom>
+            <a:noFill/>
+            <a:ln w="12700" cap="flat" cmpd="sng" algn="ctr">
+              <a:solidFill>
+                <a:sysClr val="windowText" lastClr="000000"/>
+              </a:solidFill>
+              <a:prstDash val="solid"/>
+              <a:tailEnd type="triangle"/>
+            </a:ln>
+            <a:effectLst/>
+          </p:spPr>
+        </p:cxnSp>
+        <p:sp>
+          <p:nvSpPr>
+            <p:cNvPr id="44" name="TextBox 43"/>
+            <p:cNvSpPr txBox="1"/>
+            <p:nvPr/>
+          </p:nvSpPr>
+          <p:spPr>
+            <a:xfrm>
+              <a:off x="10929453" y="1407994"/>
+              <a:ext cx="1075103" cy="707886"/>
+            </a:xfrm>
+            <a:prstGeom prst="rect">
+              <a:avLst/>
+            </a:prstGeom>
+            <a:noFill/>
+          </p:spPr>
+          <p:txBody>
+            <a:bodyPr wrap="square" rtlCol="0">
+              <a:spAutoFit/>
+            </a:bodyPr>
+            <a:lstStyle/>
+            <a:p>
+              <a:pPr marL="0" marR="0" lvl="0" indent="0" defTabSz="914400" eaLnBrk="1" fontAlgn="auto" latinLnBrk="0" hangingPunct="1">
+                <a:lnSpc>
+                  <a:spcPct val="100000"/>
+                </a:lnSpc>
+                <a:spcBef>
+                  <a:spcPts val="0"/>
+                </a:spcBef>
+                <a:spcAft>
+                  <a:spcPts val="0"/>
+                </a:spcAft>
+                <a:buClrTx/>
+                <a:buSzTx/>
+                <a:buFontTx/>
+                <a:buNone/>
+                <a:tabLst/>
+                <a:defRPr/>
+              </a:pPr>
+              <a:r>
+                <a:rPr kumimoji="0" lang="en-US" sz="2000" b="0" i="0" u="none" strike="noStrike" kern="0" cap="none" spc="0" normalizeH="0" baseline="0" noProof="0" dirty="0" smtClean="0">
+                  <a:ln>
+                    <a:noFill/>
+                  </a:ln>
+                  <a:solidFill>
+                    <a:prstClr val="black"/>
+                  </a:solidFill>
+                  <a:effectLst/>
+                  <a:uLnTx/>
+                  <a:uFillTx/>
+                </a:rPr>
+                <a:t>upgrade </a:t>
+              </a:r>
+              <a:r>
+                <a:rPr kumimoji="0" lang="en-US" sz="2000" b="0" i="0" u="none" strike="noStrike" kern="0" cap="none" spc="0" normalizeH="0" baseline="0" noProof="0" dirty="0" err="1" smtClean="0">
+                  <a:ln>
+                    <a:noFill/>
+                  </a:ln>
+                  <a:solidFill>
+                    <a:prstClr val="black"/>
+                  </a:solidFill>
+                  <a:effectLst/>
+                  <a:uLnTx/>
+                  <a:uFillTx/>
+                </a:rPr>
+                <a:t>resp</a:t>
+              </a:r>
+              <a:endParaRPr kumimoji="0" lang="en-US" sz="2000" b="0" i="0" u="none" strike="noStrike" kern="0" cap="none" spc="0" normalizeH="0" baseline="0" noProof="0" dirty="0">
+                <a:ln>
+                  <a:noFill/>
+                </a:ln>
+                <a:solidFill>
+                  <a:prstClr val="black"/>
+                </a:solidFill>
+                <a:effectLst/>
+                <a:uLnTx/>
+                <a:uFillTx/>
+              </a:endParaRPr>
+            </a:p>
+          </p:txBody>
+        </p:sp>
+        <p:sp>
+          <p:nvSpPr>
+            <p:cNvPr id="45" name="Cloud 44"/>
+            <p:cNvSpPr/>
+            <p:nvPr/>
+          </p:nvSpPr>
+          <p:spPr>
+            <a:xfrm>
+              <a:off x="10117358" y="3776846"/>
+              <a:ext cx="1679033" cy="887484"/>
+            </a:xfrm>
+            <a:prstGeom prst="cloud">
+              <a:avLst/>
+            </a:prstGeom>
+            <a:solidFill>
+              <a:srgbClr val="B7DEE8"/>
+            </a:solidFill>
+            <a:ln w="25400" cap="flat" cmpd="sng" algn="ctr">
+              <a:solidFill>
+                <a:sysClr val="windowText" lastClr="000000"/>
+              </a:solidFill>
+              <a:prstDash val="solid"/>
+            </a:ln>
+            <a:effectLst/>
+          </p:spPr>
+          <p:txBody>
+            <a:bodyPr rot="0" spcFirstLastPara="0" vertOverflow="overflow" horzOverflow="overflow" vert="horz" wrap="square" lIns="91440" tIns="45720" rIns="91440" bIns="45720" numCol="1" spcCol="0" rtlCol="0" fromWordArt="0" anchor="ctr" anchorCtr="0" forceAA="0" compatLnSpc="1">
+              <a:prstTxWarp prst="textNoShape">
+                <a:avLst/>
+              </a:prstTxWarp>
+              <a:noAutofit/>
+            </a:bodyPr>
+            <a:lstStyle/>
+            <a:p>
+              <a:pPr marL="0" marR="0" lvl="0" indent="0" algn="ctr" defTabSz="914400" eaLnBrk="1" fontAlgn="auto" latinLnBrk="0" hangingPunct="1">
+                <a:lnSpc>
+                  <a:spcPct val="100000"/>
+                </a:lnSpc>
+                <a:spcBef>
+                  <a:spcPts val="0"/>
+                </a:spcBef>
+                <a:spcAft>
+                  <a:spcPts val="0"/>
+                </a:spcAft>
+                <a:buClrTx/>
+                <a:buSzTx/>
+                <a:buFontTx/>
+                <a:buNone/>
+                <a:tabLst/>
+                <a:defRPr/>
+              </a:pPr>
+              <a:r>
+                <a:rPr kumimoji="0" lang="en-US" sz="2000" b="0" i="0" u="none" strike="noStrike" kern="0" cap="none" spc="0" normalizeH="0" baseline="0" noProof="0" dirty="0" err="1" smtClean="0">
+                  <a:ln>
+                    <a:noFill/>
+                  </a:ln>
+                  <a:solidFill>
+                    <a:prstClr val="black"/>
+                  </a:solidFill>
+                  <a:effectLst/>
+                  <a:uLnTx/>
+                  <a:uFillTx/>
+                  <a:latin typeface="Calibri"/>
+                  <a:ea typeface="+mn-ea"/>
+                  <a:cs typeface="+mn-cs"/>
+                </a:rPr>
+                <a:t>Req</a:t>
+              </a:r>
+              <a:endParaRPr kumimoji="0" lang="en-US" sz="2000" b="0" i="0" u="none" strike="noStrike" kern="0" cap="none" spc="0" normalizeH="0" baseline="0" noProof="0" dirty="0" smtClean="0">
+                <a:ln>
+                  <a:noFill/>
+                </a:ln>
+                <a:solidFill>
+                  <a:prstClr val="black"/>
+                </a:solidFill>
+                <a:effectLst/>
+                <a:uLnTx/>
+                <a:uFillTx/>
+                <a:latin typeface="Calibri"/>
+                <a:ea typeface="+mn-ea"/>
+                <a:cs typeface="+mn-cs"/>
+              </a:endParaRPr>
+            </a:p>
+            <a:p>
+              <a:pPr marL="0" marR="0" lvl="0" indent="0" algn="ctr" defTabSz="914400" eaLnBrk="1" fontAlgn="auto" latinLnBrk="0" hangingPunct="1">
+                <a:lnSpc>
+                  <a:spcPct val="100000"/>
+                </a:lnSpc>
+                <a:spcBef>
+                  <a:spcPts val="0"/>
+                </a:spcBef>
+                <a:spcAft>
+                  <a:spcPts val="0"/>
+                </a:spcAft>
+                <a:buClrTx/>
+                <a:buSzTx/>
+                <a:buFontTx/>
+                <a:buNone/>
+                <a:tabLst/>
+                <a:defRPr/>
+              </a:pPr>
+              <a:r>
+                <a:rPr kumimoji="0" lang="en-US" sz="2000" b="0" i="0" u="none" strike="noStrike" kern="0" cap="none" spc="0" normalizeH="0" baseline="0" noProof="0" dirty="0" smtClean="0">
+                  <a:ln>
+                    <a:noFill/>
+                  </a:ln>
+                  <a:solidFill>
+                    <a:prstClr val="black"/>
+                  </a:solidFill>
+                  <a:effectLst/>
+                  <a:uLnTx/>
+                  <a:uFillTx/>
+                  <a:latin typeface="Calibri"/>
+                  <a:ea typeface="+mn-ea"/>
+                  <a:cs typeface="+mn-cs"/>
+                </a:rPr>
+                <a:t>DRAM</a:t>
+              </a:r>
+              <a:endParaRPr kumimoji="0" lang="en-US" sz="2000" b="0" i="0" u="none" strike="noStrike" kern="0" cap="none" spc="0" normalizeH="0" baseline="0" noProof="0" dirty="0">
+                <a:ln>
+                  <a:noFill/>
+                </a:ln>
+                <a:solidFill>
+                  <a:prstClr val="black"/>
+                </a:solidFill>
+                <a:effectLst/>
+                <a:uLnTx/>
+                <a:uFillTx/>
+                <a:latin typeface="Calibri"/>
+                <a:ea typeface="+mn-ea"/>
+                <a:cs typeface="+mn-cs"/>
+              </a:endParaRPr>
+            </a:p>
+          </p:txBody>
+        </p:sp>
+        <p:grpSp>
+          <p:nvGrpSpPr>
+            <p:cNvPr id="46" name="Group 45"/>
+            <p:cNvGrpSpPr/>
+            <p:nvPr/>
+          </p:nvGrpSpPr>
+          <p:grpSpPr>
+            <a:xfrm rot="5400000">
+              <a:off x="10728273" y="4883777"/>
+              <a:ext cx="457200" cy="236571"/>
+              <a:chOff x="7848600" y="1143000"/>
+              <a:chExt cx="457200" cy="381000"/>
+            </a:xfrm>
+            <a:solidFill>
+              <a:srgbClr val="FCD5B5"/>
+            </a:solidFill>
+          </p:grpSpPr>
+          <p:sp>
+            <p:nvSpPr>
+              <p:cNvPr id="58" name="Rectangle 57"/>
+              <p:cNvSpPr/>
+              <p:nvPr/>
+            </p:nvSpPr>
+            <p:spPr>
+              <a:xfrm>
+                <a:off x="8001000" y="1143000"/>
+                <a:ext cx="304800" cy="381000"/>
+              </a:xfrm>
+              <a:prstGeom prst="rect">
+                <a:avLst/>
+              </a:prstGeom>
+              <a:grpFill/>
+              <a:ln w="12700" cap="flat" cmpd="sng" algn="ctr">
+                <a:solidFill>
+                  <a:sysClr val="windowText" lastClr="000000"/>
+                </a:solidFill>
+                <a:prstDash val="solid"/>
+              </a:ln>
+              <a:effectLst/>
+            </p:spPr>
+            <p:txBody>
+              <a:bodyPr rtlCol="0" anchor="ctr"/>
+              <a:lstStyle/>
+              <a:p>
+                <a:pPr marL="0" marR="0" lvl="0" indent="0" algn="ctr" defTabSz="914400" eaLnBrk="1" fontAlgn="auto" latinLnBrk="0" hangingPunct="1">
+                  <a:lnSpc>
+                    <a:spcPct val="100000"/>
+                  </a:lnSpc>
+                  <a:spcBef>
+                    <a:spcPts val="0"/>
+                  </a:spcBef>
+                  <a:spcAft>
+                    <a:spcPts val="0"/>
+                  </a:spcAft>
+                  <a:buClrTx/>
+                  <a:buSzTx/>
+                  <a:buFontTx/>
+                  <a:buNone/>
+                  <a:tabLst/>
+                  <a:defRPr/>
+                </a:pPr>
+                <a:endParaRPr kumimoji="0" lang="en-US" sz="1800" b="0" i="0" u="none" strike="noStrike" kern="0" cap="none" spc="0" normalizeH="0" baseline="0" noProof="0">
+                  <a:ln>
+                    <a:noFill/>
+                  </a:ln>
+                  <a:solidFill>
+                    <a:prstClr val="white"/>
+                  </a:solidFill>
+                  <a:effectLst/>
+                  <a:uLnTx/>
+                  <a:uFillTx/>
+                  <a:latin typeface="Calibri"/>
+                  <a:ea typeface="+mn-ea"/>
+                  <a:cs typeface="+mn-cs"/>
+                </a:endParaRPr>
+              </a:p>
+            </p:txBody>
+          </p:sp>
+          <p:cxnSp>
+            <p:nvCxnSpPr>
+              <p:cNvPr id="59" name="Straight Connector 58"/>
+              <p:cNvCxnSpPr>
+                <a:stCxn id="58" idx="0"/>
+              </p:cNvCxnSpPr>
+              <p:nvPr/>
+            </p:nvCxnSpPr>
+            <p:spPr>
+              <a:xfrm flipH="1">
+                <a:off x="7848600" y="1143000"/>
+                <a:ext cx="304800" cy="0"/>
+              </a:xfrm>
+              <a:prstGeom prst="line">
+                <a:avLst/>
+              </a:prstGeom>
+              <a:grpFill/>
+              <a:ln w="12700" cap="flat" cmpd="sng" algn="ctr">
+                <a:solidFill>
+                  <a:sysClr val="windowText" lastClr="000000"/>
+                </a:solidFill>
+                <a:prstDash val="solid"/>
+              </a:ln>
+              <a:effectLst/>
+            </p:spPr>
+          </p:cxnSp>
+          <p:cxnSp>
+            <p:nvCxnSpPr>
+              <p:cNvPr id="60" name="Straight Connector 59"/>
+              <p:cNvCxnSpPr>
+                <a:stCxn id="58" idx="0"/>
+                <a:endCxn id="58" idx="2"/>
+              </p:cNvCxnSpPr>
+              <p:nvPr/>
+            </p:nvCxnSpPr>
+            <p:spPr>
+              <a:xfrm>
+                <a:off x="8153400" y="1143000"/>
+                <a:ext cx="0" cy="381000"/>
+              </a:xfrm>
+              <a:prstGeom prst="line">
+                <a:avLst/>
+              </a:prstGeom>
+              <a:grpFill/>
+              <a:ln w="12700" cap="flat" cmpd="sng" algn="ctr">
+                <a:solidFill>
+                  <a:sysClr val="windowText" lastClr="000000"/>
+                </a:solidFill>
+                <a:prstDash val="solid"/>
+              </a:ln>
+              <a:effectLst/>
+            </p:spPr>
+          </p:cxnSp>
+          <p:cxnSp>
+            <p:nvCxnSpPr>
+              <p:cNvPr id="61" name="Straight Connector 60"/>
+              <p:cNvCxnSpPr>
+                <a:stCxn id="58" idx="2"/>
+              </p:cNvCxnSpPr>
+              <p:nvPr/>
+            </p:nvCxnSpPr>
+            <p:spPr>
+              <a:xfrm flipH="1">
+                <a:off x="7848600" y="1524000"/>
+                <a:ext cx="304800" cy="0"/>
+              </a:xfrm>
+              <a:prstGeom prst="line">
+                <a:avLst/>
+              </a:prstGeom>
+              <a:grpFill/>
+              <a:ln w="12700" cap="flat" cmpd="sng" algn="ctr">
+                <a:solidFill>
+                  <a:sysClr val="windowText" lastClr="000000"/>
+                </a:solidFill>
+                <a:prstDash val="solid"/>
+              </a:ln>
+              <a:effectLst/>
+            </p:spPr>
+          </p:cxnSp>
+        </p:grpSp>
+        <p:cxnSp>
+          <p:nvCxnSpPr>
+            <p:cNvPr id="47" name="Straight Arrow Connector 46"/>
+            <p:cNvCxnSpPr>
+              <a:stCxn id="45" idx="1"/>
+              <a:endCxn id="58" idx="1"/>
+            </p:cNvCxnSpPr>
+            <p:nvPr/>
+          </p:nvCxnSpPr>
+          <p:spPr>
+            <a:xfrm flipH="1">
+              <a:off x="10956873" y="4663385"/>
+              <a:ext cx="2" cy="262478"/>
+            </a:xfrm>
+            <a:prstGeom prst="straightConnector1">
+              <a:avLst/>
+            </a:prstGeom>
+            <a:noFill/>
+            <a:ln w="12700" cap="flat" cmpd="sng" algn="ctr">
+              <a:solidFill>
+                <a:sysClr val="windowText" lastClr="000000"/>
+              </a:solidFill>
+              <a:prstDash val="solid"/>
+              <a:tailEnd type="triangle"/>
+            </a:ln>
+            <a:effectLst/>
+          </p:spPr>
+        </p:cxnSp>
+        <p:cxnSp>
+          <p:nvCxnSpPr>
+            <p:cNvPr id="48" name="Straight Arrow Connector 47"/>
+            <p:cNvCxnSpPr>
+              <a:stCxn id="58" idx="3"/>
+              <a:endCxn id="23" idx="0"/>
+            </p:cNvCxnSpPr>
+            <p:nvPr/>
+          </p:nvCxnSpPr>
+          <p:spPr>
+            <a:xfrm>
+              <a:off x="10956873" y="5230663"/>
+              <a:ext cx="0" cy="369589"/>
+            </a:xfrm>
+            <a:prstGeom prst="straightConnector1">
+              <a:avLst/>
+            </a:prstGeom>
+            <a:noFill/>
+            <a:ln w="12700" cap="flat" cmpd="sng" algn="ctr">
+              <a:solidFill>
+                <a:sysClr val="windowText" lastClr="000000"/>
+              </a:solidFill>
+              <a:prstDash val="solid"/>
+              <a:tailEnd type="triangle"/>
+            </a:ln>
+            <a:effectLst/>
+          </p:spPr>
+        </p:cxnSp>
+        <p:cxnSp>
+          <p:nvCxnSpPr>
+            <p:cNvPr id="49" name="Straight Arrow Connector 48"/>
+            <p:cNvCxnSpPr>
+              <a:stCxn id="70" idx="3"/>
+              <a:endCxn id="50" idx="2"/>
+            </p:cNvCxnSpPr>
+            <p:nvPr/>
+          </p:nvCxnSpPr>
+          <p:spPr>
+            <a:xfrm flipH="1" flipV="1">
+              <a:off x="10777237" y="572614"/>
+              <a:ext cx="1" cy="356400"/>
+            </a:xfrm>
+            <a:prstGeom prst="straightConnector1">
+              <a:avLst/>
+            </a:prstGeom>
+            <a:noFill/>
+            <a:ln w="12700" cap="flat" cmpd="sng" algn="ctr">
+              <a:solidFill>
+                <a:sysClr val="windowText" lastClr="000000"/>
+              </a:solidFill>
+              <a:prstDash val="solid"/>
+              <a:tailEnd type="triangle"/>
+            </a:ln>
+            <a:effectLst/>
+          </p:spPr>
+        </p:cxnSp>
+        <p:sp>
+          <p:nvSpPr>
+            <p:cNvPr id="50" name="TextBox 49"/>
+            <p:cNvSpPr txBox="1"/>
+            <p:nvPr/>
+          </p:nvSpPr>
+          <p:spPr>
+            <a:xfrm>
+              <a:off x="9828051" y="172504"/>
+              <a:ext cx="1898372" cy="400110"/>
+            </a:xfrm>
+            <a:prstGeom prst="rect">
+              <a:avLst/>
+            </a:prstGeom>
+            <a:noFill/>
+          </p:spPr>
+          <p:txBody>
+            <a:bodyPr wrap="square" rtlCol="0">
+              <a:spAutoFit/>
+            </a:bodyPr>
+            <a:lstStyle/>
+            <a:p>
+              <a:pPr marL="0" marR="0" lvl="0" indent="0" algn="ctr" defTabSz="914400" eaLnBrk="1" fontAlgn="auto" latinLnBrk="0" hangingPunct="1">
+                <a:lnSpc>
+                  <a:spcPct val="100000"/>
+                </a:lnSpc>
+                <a:spcBef>
+                  <a:spcPts val="0"/>
+                </a:spcBef>
+                <a:spcAft>
+                  <a:spcPts val="0"/>
+                </a:spcAft>
+                <a:buClrTx/>
+                <a:buSzTx/>
+                <a:buFontTx/>
+                <a:buNone/>
+                <a:tabLst/>
+                <a:defRPr/>
+              </a:pPr>
+              <a:r>
+                <a:rPr kumimoji="0" lang="en-US" sz="2000" b="0" i="0" u="none" strike="noStrike" kern="0" cap="none" spc="0" normalizeH="0" baseline="0" noProof="0" dirty="0" err="1" smtClean="0">
+                  <a:ln>
+                    <a:noFill/>
+                  </a:ln>
+                  <a:solidFill>
+                    <a:prstClr val="black"/>
+                  </a:solidFill>
+                  <a:effectLst/>
+                  <a:uLnTx/>
+                  <a:uFillTx/>
+                </a:rPr>
+                <a:t>req</a:t>
+              </a:r>
+              <a:r>
+                <a:rPr kumimoji="0" lang="en-US" sz="2000" b="0" i="0" u="none" strike="noStrike" kern="0" cap="none" spc="0" normalizeH="0" baseline="0" noProof="0" dirty="0" smtClean="0">
+                  <a:ln>
+                    <a:noFill/>
+                  </a:ln>
+                  <a:solidFill>
+                    <a:prstClr val="black"/>
+                  </a:solidFill>
+                  <a:effectLst/>
+                  <a:uLnTx/>
+                  <a:uFillTx/>
+                </a:rPr>
+                <a:t>/</a:t>
+              </a:r>
+              <a:r>
+                <a:rPr kumimoji="0" lang="en-US" sz="2000" b="0" i="0" u="none" strike="noStrike" kern="0" cap="none" spc="0" normalizeH="0" baseline="0" noProof="0" dirty="0" err="1" smtClean="0">
+                  <a:ln>
+                    <a:noFill/>
+                  </a:ln>
+                  <a:solidFill>
+                    <a:prstClr val="black"/>
+                  </a:solidFill>
+                  <a:effectLst/>
+                  <a:uLnTx/>
+                  <a:uFillTx/>
+                </a:rPr>
+                <a:t>resp</a:t>
+              </a:r>
+              <a:r>
+                <a:rPr kumimoji="0" lang="en-US" sz="2000" b="0" i="0" u="none" strike="noStrike" kern="0" cap="none" spc="0" normalizeH="0" baseline="0" noProof="0" dirty="0" smtClean="0">
+                  <a:ln>
+                    <a:noFill/>
+                  </a:ln>
+                  <a:solidFill>
+                    <a:prstClr val="black"/>
+                  </a:solidFill>
+                  <a:effectLst/>
+                  <a:uLnTx/>
+                  <a:uFillTx/>
+                </a:rPr>
+                <a:t> to L1</a:t>
+              </a:r>
+              <a:endParaRPr kumimoji="0" lang="en-US" sz="2000" b="0" i="0" u="none" strike="noStrike" kern="0" cap="none" spc="0" normalizeH="0" baseline="0" noProof="0" dirty="0">
+                <a:ln>
+                  <a:noFill/>
+                </a:ln>
+                <a:solidFill>
+                  <a:prstClr val="black"/>
+                </a:solidFill>
+                <a:effectLst/>
+                <a:uLnTx/>
+                <a:uFillTx/>
+              </a:endParaRPr>
+            </a:p>
+          </p:txBody>
+        </p:sp>
+        <p:grpSp>
+          <p:nvGrpSpPr>
+            <p:cNvPr id="51" name="Group 50"/>
+            <p:cNvGrpSpPr/>
+            <p:nvPr/>
+          </p:nvGrpSpPr>
+          <p:grpSpPr>
+            <a:xfrm>
+              <a:off x="9063158" y="4034047"/>
+              <a:ext cx="664049" cy="400110"/>
+              <a:chOff x="1314782" y="4537987"/>
+              <a:chExt cx="664049" cy="400110"/>
+            </a:xfrm>
+          </p:grpSpPr>
+          <p:sp>
+            <p:nvSpPr>
+              <p:cNvPr id="56" name="Rectangle 55"/>
+              <p:cNvSpPr/>
+              <p:nvPr/>
+            </p:nvSpPr>
+            <p:spPr>
+              <a:xfrm>
+                <a:off x="1396703" y="4603902"/>
+                <a:ext cx="506370" cy="268280"/>
+              </a:xfrm>
+              <a:prstGeom prst="rect">
+                <a:avLst/>
+              </a:prstGeom>
+              <a:solidFill>
+                <a:srgbClr val="FCD5B5"/>
+              </a:solidFill>
+              <a:ln w="25400" cap="flat" cmpd="sng" algn="ctr">
+                <a:noFill/>
+                <a:prstDash val="solid"/>
+              </a:ln>
+              <a:effectLst/>
+            </p:spPr>
+            <p:txBody>
+              <a:bodyPr rtlCol="0" anchor="ctr"/>
+              <a:lstStyle/>
+              <a:p>
+                <a:pPr marL="0" marR="0" lvl="0" indent="0" algn="ctr" defTabSz="914400" eaLnBrk="1" fontAlgn="auto" latinLnBrk="0" hangingPunct="1">
+                  <a:lnSpc>
+                    <a:spcPct val="100000"/>
+                  </a:lnSpc>
+                  <a:spcBef>
+                    <a:spcPts val="0"/>
+                  </a:spcBef>
+                  <a:spcAft>
+                    <a:spcPts val="0"/>
+                  </a:spcAft>
+                  <a:buClrTx/>
+                  <a:buSzTx/>
+                  <a:buFontTx/>
+                  <a:buNone/>
+                  <a:tabLst/>
+                  <a:defRPr/>
+                </a:pPr>
+                <a:endParaRPr kumimoji="0" lang="en-US" sz="1800" b="0" i="0" u="none" strike="noStrike" kern="0" cap="none" spc="0" normalizeH="0" baseline="0" noProof="0">
+                  <a:ln>
+                    <a:noFill/>
+                  </a:ln>
+                  <a:solidFill>
+                    <a:prstClr val="white"/>
+                  </a:solidFill>
+                  <a:effectLst/>
+                  <a:uLnTx/>
+                  <a:uFillTx/>
+                  <a:latin typeface="Calibri"/>
+                  <a:ea typeface="+mn-ea"/>
+                  <a:cs typeface="+mn-cs"/>
+                </a:endParaRPr>
+              </a:p>
+            </p:txBody>
+          </p:sp>
+          <p:sp>
+            <p:nvSpPr>
+              <p:cNvPr id="57" name="TextBox 56"/>
+              <p:cNvSpPr txBox="1"/>
+              <p:nvPr/>
+            </p:nvSpPr>
+            <p:spPr>
+              <a:xfrm>
+                <a:off x="1314782" y="4537987"/>
+                <a:ext cx="664049" cy="400110"/>
+              </a:xfrm>
+              <a:prstGeom prst="rect">
+                <a:avLst/>
+              </a:prstGeom>
+              <a:noFill/>
+            </p:spPr>
+            <p:txBody>
+              <a:bodyPr wrap="square" rtlCol="0">
+                <a:spAutoFit/>
+              </a:bodyPr>
+              <a:lstStyle/>
+              <a:p>
+                <a:pPr marL="0" marR="0" lvl="0" indent="0" algn="ctr" defTabSz="914400" eaLnBrk="1" fontAlgn="auto" latinLnBrk="0" hangingPunct="1">
+                  <a:lnSpc>
+                    <a:spcPct val="100000"/>
+                  </a:lnSpc>
+                  <a:spcBef>
+                    <a:spcPts val="0"/>
+                  </a:spcBef>
+                  <a:spcAft>
+                    <a:spcPts val="0"/>
+                  </a:spcAft>
+                  <a:buClrTx/>
+                  <a:buSzTx/>
+                  <a:buFontTx/>
+                  <a:buNone/>
+                  <a:tabLst/>
+                  <a:defRPr/>
+                </a:pPr>
+                <a:r>
+                  <a:rPr kumimoji="0" lang="en-US" sz="2000" b="0" i="0" u="none" strike="noStrike" kern="0" cap="none" spc="0" normalizeH="0" baseline="0" noProof="0" dirty="0" smtClean="0">
+                    <a:ln>
+                      <a:noFill/>
+                    </a:ln>
+                    <a:solidFill>
+                      <a:prstClr val="black"/>
+                    </a:solidFill>
+                    <a:effectLst/>
+                    <a:uLnTx/>
+                    <a:uFillTx/>
+                  </a:rPr>
+                  <a:t>DQ</a:t>
+                </a:r>
+                <a:endParaRPr kumimoji="0" lang="en-US" sz="2000" b="0" i="0" u="none" strike="noStrike" kern="0" cap="none" spc="0" normalizeH="0" baseline="0" noProof="0" dirty="0">
+                  <a:ln>
+                    <a:noFill/>
+                  </a:ln>
+                  <a:solidFill>
+                    <a:prstClr val="black"/>
+                  </a:solidFill>
+                  <a:effectLst/>
+                  <a:uLnTx/>
+                  <a:uFillTx/>
+                </a:endParaRPr>
+              </a:p>
+            </p:txBody>
+          </p:sp>
+        </p:grpSp>
+        <p:grpSp>
+          <p:nvGrpSpPr>
+            <p:cNvPr id="52" name="Group 51"/>
+            <p:cNvGrpSpPr/>
+            <p:nvPr/>
+          </p:nvGrpSpPr>
+          <p:grpSpPr>
+            <a:xfrm>
+              <a:off x="9031937" y="2377091"/>
+              <a:ext cx="664049" cy="400110"/>
+              <a:chOff x="1314782" y="4537987"/>
+              <a:chExt cx="664049" cy="400110"/>
+            </a:xfrm>
+          </p:grpSpPr>
+          <p:sp>
+            <p:nvSpPr>
+              <p:cNvPr id="54" name="Rectangle 53"/>
+              <p:cNvSpPr/>
+              <p:nvPr/>
+            </p:nvSpPr>
+            <p:spPr>
+              <a:xfrm>
+                <a:off x="1396703" y="4603902"/>
+                <a:ext cx="506370" cy="268280"/>
+              </a:xfrm>
+              <a:prstGeom prst="rect">
+                <a:avLst/>
+              </a:prstGeom>
+              <a:solidFill>
+                <a:srgbClr val="FCD5B5"/>
+              </a:solidFill>
+              <a:ln w="25400" cap="flat" cmpd="sng" algn="ctr">
+                <a:noFill/>
+                <a:prstDash val="solid"/>
+              </a:ln>
+              <a:effectLst/>
+            </p:spPr>
+            <p:txBody>
+              <a:bodyPr rtlCol="0" anchor="ctr"/>
+              <a:lstStyle/>
+              <a:p>
+                <a:pPr marL="0" marR="0" lvl="0" indent="0" algn="ctr" defTabSz="914400" eaLnBrk="1" fontAlgn="auto" latinLnBrk="0" hangingPunct="1">
+                  <a:lnSpc>
+                    <a:spcPct val="100000"/>
+                  </a:lnSpc>
+                  <a:spcBef>
+                    <a:spcPts val="0"/>
+                  </a:spcBef>
+                  <a:spcAft>
+                    <a:spcPts val="0"/>
+                  </a:spcAft>
+                  <a:buClrTx/>
+                  <a:buSzTx/>
+                  <a:buFontTx/>
+                  <a:buNone/>
+                  <a:tabLst/>
+                  <a:defRPr/>
+                </a:pPr>
+                <a:endParaRPr kumimoji="0" lang="en-US" sz="1800" b="0" i="0" u="none" strike="noStrike" kern="0" cap="none" spc="0" normalizeH="0" baseline="0" noProof="0">
+                  <a:ln>
+                    <a:noFill/>
+                  </a:ln>
+                  <a:solidFill>
+                    <a:prstClr val="white"/>
+                  </a:solidFill>
+                  <a:effectLst/>
+                  <a:uLnTx/>
+                  <a:uFillTx/>
+                  <a:latin typeface="Calibri"/>
+                  <a:ea typeface="+mn-ea"/>
+                  <a:cs typeface="+mn-cs"/>
+                </a:endParaRPr>
+              </a:p>
+            </p:txBody>
+          </p:sp>
+          <p:sp>
+            <p:nvSpPr>
+              <p:cNvPr id="55" name="TextBox 54"/>
+              <p:cNvSpPr txBox="1"/>
+              <p:nvPr/>
+            </p:nvSpPr>
+            <p:spPr>
+              <a:xfrm>
+                <a:off x="1314782" y="4537987"/>
+                <a:ext cx="664049" cy="400110"/>
+              </a:xfrm>
+              <a:prstGeom prst="rect">
+                <a:avLst/>
+              </a:prstGeom>
+              <a:noFill/>
+            </p:spPr>
+            <p:txBody>
+              <a:bodyPr wrap="square" rtlCol="0">
+                <a:spAutoFit/>
+              </a:bodyPr>
+              <a:lstStyle/>
+              <a:p>
+                <a:pPr marL="0" marR="0" lvl="0" indent="0" algn="ctr" defTabSz="914400" eaLnBrk="1" fontAlgn="auto" latinLnBrk="0" hangingPunct="1">
+                  <a:lnSpc>
+                    <a:spcPct val="100000"/>
+                  </a:lnSpc>
+                  <a:spcBef>
+                    <a:spcPts val="0"/>
+                  </a:spcBef>
+                  <a:spcAft>
+                    <a:spcPts val="0"/>
+                  </a:spcAft>
+                  <a:buClrTx/>
+                  <a:buSzTx/>
+                  <a:buFontTx/>
+                  <a:buNone/>
+                  <a:tabLst/>
+                  <a:defRPr/>
+                </a:pPr>
+                <a:r>
+                  <a:rPr kumimoji="0" lang="en-US" sz="2000" b="0" i="0" u="none" strike="noStrike" kern="0" cap="none" spc="0" normalizeH="0" baseline="0" noProof="0" dirty="0" smtClean="0">
+                    <a:ln>
+                      <a:noFill/>
+                    </a:ln>
+                    <a:solidFill>
+                      <a:prstClr val="black"/>
+                    </a:solidFill>
+                    <a:effectLst/>
+                    <a:uLnTx/>
+                    <a:uFillTx/>
+                  </a:rPr>
+                  <a:t>UQ</a:t>
+                </a:r>
+                <a:endParaRPr kumimoji="0" lang="en-US" sz="2000" b="0" i="0" u="none" strike="noStrike" kern="0" cap="none" spc="0" normalizeH="0" baseline="0" noProof="0" dirty="0">
+                  <a:ln>
+                    <a:noFill/>
+                  </a:ln>
+                  <a:solidFill>
+                    <a:prstClr val="black"/>
+                  </a:solidFill>
+                  <a:effectLst/>
+                  <a:uLnTx/>
+                  <a:uFillTx/>
+                </a:endParaRPr>
+              </a:p>
+            </p:txBody>
+          </p:sp>
+        </p:grpSp>
+        <p:sp>
+          <p:nvSpPr>
+            <p:cNvPr id="53" name="TextBox 52"/>
+            <p:cNvSpPr txBox="1"/>
+            <p:nvPr/>
+          </p:nvSpPr>
+          <p:spPr>
+            <a:xfrm>
+              <a:off x="2687663" y="750814"/>
+              <a:ext cx="1119217" cy="400110"/>
+            </a:xfrm>
+            <a:prstGeom prst="rect">
+              <a:avLst/>
+            </a:prstGeom>
+            <a:noFill/>
+          </p:spPr>
+          <p:txBody>
+            <a:bodyPr wrap="none" rtlCol="0">
+              <a:spAutoFit/>
+            </a:bodyPr>
+            <a:lstStyle/>
+            <a:p>
+              <a:pPr marL="0" marR="0" lvl="0" indent="0" defTabSz="914400" eaLnBrk="1" fontAlgn="auto" latinLnBrk="0" hangingPunct="1">
+                <a:lnSpc>
+                  <a:spcPct val="100000"/>
+                </a:lnSpc>
+                <a:spcBef>
+                  <a:spcPts val="0"/>
+                </a:spcBef>
+                <a:spcAft>
+                  <a:spcPts val="0"/>
+                </a:spcAft>
+                <a:buClrTx/>
+                <a:buSzTx/>
+                <a:buFontTx/>
+                <a:buNone/>
+                <a:tabLst/>
+                <a:defRPr/>
+              </a:pPr>
+              <a:r>
+                <a:rPr kumimoji="0" lang="en-US" sz="2000" b="1" i="0" u="none" strike="noStrike" kern="0" cap="none" spc="0" normalizeH="0" baseline="0" noProof="0" dirty="0" smtClean="0">
+                  <a:ln>
+                    <a:noFill/>
+                  </a:ln>
+                  <a:solidFill>
+                    <a:prstClr val="black"/>
+                  </a:solidFill>
+                  <a:effectLst/>
+                  <a:uLnTx/>
+                  <a:uFillTx/>
+                </a:rPr>
+                <a:t>L2 Cache</a:t>
+              </a:r>
+              <a:endParaRPr kumimoji="0" lang="en-US" sz="2000" b="1" i="0" u="none" strike="noStrike" kern="0" cap="none" spc="0" normalizeH="0" baseline="0" noProof="0" dirty="0">
+                <a:ln>
+                  <a:noFill/>
+                </a:ln>
+                <a:solidFill>
+                  <a:prstClr val="black"/>
+                </a:solidFill>
+                <a:effectLst/>
+                <a:uLnTx/>
+                <a:uFillTx/>
+              </a:endParaRPr>
+            </a:p>
+          </p:txBody>
+        </p:sp>
+      </p:grpSp>
+    </p:spTree>
+    <p:extLst>
+      <p:ext uri="{BB962C8B-B14F-4D97-AF65-F5344CB8AC3E}">
+        <p14:creationId xmlns:p14="http://schemas.microsoft.com/office/powerpoint/2010/main" val="247759321"/>
+      </p:ext>
+    </p:extLst>
+  </p:cSld>
+  <p:clrMapOvr>
+    <a:masterClrMapping/>
+  </p:clrMapOvr>
+</p:sld>
+</file>
+
+<file path=ppt/slides/slide5.xml><?xml version="1.0" encoding="utf-8"?>
+<p:sld xmlns:a="http://schemas.openxmlformats.org/drawingml/2006/main" xmlns:r="http://schemas.openxmlformats.org/officeDocument/2006/relationships" xmlns:p="http://schemas.openxmlformats.org/presentationml/2006/main">
+  <p:cSld>
+    <p:spTree>
+      <p:nvGrpSpPr>
+        <p:cNvPr id="1" name=""/>
+        <p:cNvGrpSpPr/>
+        <p:nvPr/>
+      </p:nvGrpSpPr>
+      <p:grpSpPr>
+        <a:xfrm>
+          <a:off x="0" y="0"/>
+          <a:ext cx="0" cy="0"/>
+          <a:chOff x="0" y="0"/>
+          <a:chExt cx="0" cy="0"/>
+        </a:xfrm>
+      </p:grpSpPr>
+      <p:grpSp>
+        <p:nvGrpSpPr>
+          <p:cNvPr id="186" name="Group 185"/>
+          <p:cNvGrpSpPr/>
+          <p:nvPr/>
+        </p:nvGrpSpPr>
+        <p:grpSpPr>
+          <a:xfrm>
+            <a:off x="1510927" y="770273"/>
+            <a:ext cx="9092608" cy="5652126"/>
+            <a:chOff x="1510927" y="770273"/>
+            <a:chExt cx="9092608" cy="5652126"/>
+          </a:xfrm>
+        </p:grpSpPr>
+        <p:sp>
+          <p:nvSpPr>
+            <p:cNvPr id="5" name="Rectangle 4"/>
+            <p:cNvSpPr/>
+            <p:nvPr/>
+          </p:nvSpPr>
+          <p:spPr>
+            <a:xfrm>
+              <a:off x="1551566" y="1610360"/>
+              <a:ext cx="9051969" cy="3849570"/>
+            </a:xfrm>
+            <a:prstGeom prst="rect">
+              <a:avLst/>
+            </a:prstGeom>
+            <a:solidFill>
+              <a:sysClr val="window" lastClr="FFFFFF">
+                <a:lumMod val="85000"/>
+              </a:sysClr>
+            </a:solidFill>
+            <a:ln w="28575" cap="flat" cmpd="sng" algn="ctr">
+              <a:solidFill>
+                <a:sysClr val="windowText" lastClr="000000"/>
+              </a:solidFill>
+              <a:prstDash val="solid"/>
+            </a:ln>
+            <a:effectLst/>
+          </p:spPr>
+          <p:txBody>
+            <a:bodyPr rtlCol="0" anchor="ctr"/>
+            <a:lstStyle/>
+            <a:p>
+              <a:pPr marL="0" marR="0" lvl="0" indent="0" algn="ctr" defTabSz="914400" eaLnBrk="1" fontAlgn="auto" latinLnBrk="0" hangingPunct="1">
+                <a:lnSpc>
+                  <a:spcPct val="100000"/>
+                </a:lnSpc>
+                <a:spcBef>
+                  <a:spcPts val="0"/>
+                </a:spcBef>
+                <a:spcAft>
+                  <a:spcPts val="0"/>
+                </a:spcAft>
+                <a:buClrTx/>
+                <a:buSzTx/>
+                <a:buFontTx/>
+                <a:buNone/>
+                <a:tabLst/>
+                <a:defRPr/>
+              </a:pPr>
+              <a:endParaRPr kumimoji="0" lang="en-US" sz="1800" b="0" i="0" u="none" strike="noStrike" kern="0" cap="none" spc="0" normalizeH="0" baseline="0" noProof="0" dirty="0">
+                <a:ln>
+                  <a:noFill/>
+                </a:ln>
+                <a:solidFill>
+                  <a:prstClr val="white"/>
+                </a:solidFill>
+                <a:effectLst/>
+                <a:uLnTx/>
+                <a:uFillTx/>
+                <a:latin typeface="Calibri"/>
+                <a:ea typeface="+mn-ea"/>
+                <a:cs typeface="+mn-cs"/>
+              </a:endParaRPr>
+            </a:p>
+          </p:txBody>
+        </p:sp>
+        <p:sp>
+          <p:nvSpPr>
+            <p:cNvPr id="6" name="Pentagon 5"/>
+            <p:cNvSpPr/>
+            <p:nvPr/>
+          </p:nvSpPr>
+          <p:spPr>
+            <a:xfrm>
+              <a:off x="3677178" y="3010973"/>
+              <a:ext cx="2590800" cy="533400"/>
+            </a:xfrm>
+            <a:prstGeom prst="homePlate">
+              <a:avLst/>
+            </a:prstGeom>
+            <a:solidFill>
+              <a:srgbClr val="4F81BD"/>
+            </a:solidFill>
+            <a:ln w="25400" cap="flat" cmpd="sng" algn="ctr">
+              <a:solidFill>
+                <a:sysClr val="windowText" lastClr="000000"/>
+              </a:solidFill>
+              <a:prstDash val="solid"/>
+            </a:ln>
+            <a:effectLst/>
+          </p:spPr>
+          <p:txBody>
+            <a:bodyPr rtlCol="0" anchor="ctr"/>
+            <a:lstStyle/>
+            <a:p>
+              <a:pPr marL="0" marR="0" lvl="0" indent="0" algn="ctr" defTabSz="914400" eaLnBrk="1" fontAlgn="auto" latinLnBrk="0" hangingPunct="1">
+                <a:lnSpc>
+                  <a:spcPct val="100000"/>
+                </a:lnSpc>
+                <a:spcBef>
+                  <a:spcPts val="0"/>
+                </a:spcBef>
+                <a:spcAft>
+                  <a:spcPts val="0"/>
+                </a:spcAft>
+                <a:buClrTx/>
+                <a:buSzTx/>
+                <a:buFontTx/>
+                <a:buNone/>
+                <a:tabLst/>
+                <a:defRPr/>
+              </a:pPr>
+              <a:r>
+                <a:rPr kumimoji="0" lang="en-US" sz="2000" b="0" i="0" u="none" strike="noStrike" kern="0" cap="none" spc="0" normalizeH="0" baseline="0" noProof="0" dirty="0">
+                  <a:ln>
+                    <a:noFill/>
+                  </a:ln>
+                  <a:solidFill>
+                    <a:prstClr val="white"/>
+                  </a:solidFill>
+                  <a:effectLst/>
+                  <a:uLnTx/>
+                  <a:uFillTx/>
+                  <a:latin typeface="Calibri"/>
+                  <a:ea typeface="+mn-ea"/>
+                  <a:cs typeface="+mn-cs"/>
+                </a:rPr>
+                <a:t>Cache-access pipeline</a:t>
+              </a:r>
+            </a:p>
+          </p:txBody>
+        </p:sp>
+        <p:cxnSp>
+          <p:nvCxnSpPr>
+            <p:cNvPr id="7" name="Straight Arrow Connector 6"/>
+            <p:cNvCxnSpPr>
+              <a:stCxn id="35" idx="0"/>
+              <a:endCxn id="6" idx="1"/>
+            </p:cNvCxnSpPr>
+            <p:nvPr/>
+          </p:nvCxnSpPr>
+          <p:spPr>
+            <a:xfrm>
+              <a:off x="3284698" y="3277673"/>
+              <a:ext cx="392480" cy="0"/>
+            </a:xfrm>
+            <a:prstGeom prst="straightConnector1">
+              <a:avLst/>
+            </a:prstGeom>
+            <a:noFill/>
+            <a:ln w="12700" cap="flat" cmpd="sng" algn="ctr">
+              <a:solidFill>
+                <a:sysClr val="windowText" lastClr="000000"/>
+              </a:solidFill>
+              <a:prstDash val="solid"/>
+              <a:tailEnd type="triangle"/>
+            </a:ln>
+            <a:effectLst/>
+          </p:spPr>
+        </p:cxnSp>
+        <p:sp>
+          <p:nvSpPr>
+            <p:cNvPr id="16" name="Cloud 15"/>
+            <p:cNvSpPr/>
+            <p:nvPr/>
+          </p:nvSpPr>
+          <p:spPr>
+            <a:xfrm>
+              <a:off x="6496577" y="2875777"/>
+              <a:ext cx="1661665" cy="806803"/>
+            </a:xfrm>
+            <a:prstGeom prst="cloud">
+              <a:avLst/>
+            </a:prstGeom>
+            <a:solidFill>
+              <a:srgbClr val="B7DEE8"/>
+            </a:solidFill>
+            <a:ln w="25400" cap="flat" cmpd="sng" algn="ctr">
+              <a:solidFill>
+                <a:sysClr val="windowText" lastClr="000000"/>
+              </a:solidFill>
+              <a:prstDash val="solid"/>
+            </a:ln>
+            <a:effectLst/>
+          </p:spPr>
+          <p:txBody>
+            <a:bodyPr rot="0" spcFirstLastPara="0" vertOverflow="overflow" horzOverflow="overflow" vert="horz" wrap="square" lIns="91440" tIns="45720" rIns="91440" bIns="45720" numCol="1" spcCol="0" rtlCol="0" fromWordArt="0" anchor="ctr" anchorCtr="0" forceAA="0" compatLnSpc="1">
+              <a:prstTxWarp prst="textNoShape">
+                <a:avLst/>
+              </a:prstTxWarp>
+              <a:noAutofit/>
+            </a:bodyPr>
+            <a:lstStyle/>
+            <a:p>
+              <a:pPr marL="0" marR="0" lvl="0" indent="0" algn="ctr" defTabSz="914400" eaLnBrk="1" fontAlgn="auto" latinLnBrk="0" hangingPunct="1">
+                <a:lnSpc>
+                  <a:spcPct val="100000"/>
+                </a:lnSpc>
+                <a:spcBef>
+                  <a:spcPts val="0"/>
+                </a:spcBef>
+                <a:spcAft>
+                  <a:spcPts val="0"/>
+                </a:spcAft>
+                <a:buClrTx/>
+                <a:buSzTx/>
+                <a:buFontTx/>
+                <a:buNone/>
+                <a:tabLst/>
+                <a:defRPr/>
+              </a:pPr>
+              <a:endParaRPr kumimoji="0" lang="en-US" sz="2000" b="0" i="0" u="none" strike="noStrike" kern="0" cap="none" spc="0" normalizeH="0" baseline="0" noProof="0" dirty="0">
+                <a:ln>
+                  <a:noFill/>
+                </a:ln>
+                <a:solidFill>
+                  <a:prstClr val="black"/>
+                </a:solidFill>
+                <a:effectLst/>
+                <a:uLnTx/>
+                <a:uFillTx/>
+                <a:latin typeface="Calibri"/>
+                <a:ea typeface="+mn-ea"/>
+                <a:cs typeface="+mn-cs"/>
+              </a:endParaRPr>
+            </a:p>
+          </p:txBody>
+        </p:sp>
+        <p:cxnSp>
+          <p:nvCxnSpPr>
+            <p:cNvPr id="18" name="Straight Arrow Connector 17"/>
+            <p:cNvCxnSpPr>
+              <a:stCxn id="6" idx="3"/>
+              <a:endCxn id="16" idx="2"/>
+            </p:cNvCxnSpPr>
+            <p:nvPr/>
+          </p:nvCxnSpPr>
+          <p:spPr>
+            <a:xfrm>
+              <a:off x="6267978" y="3277673"/>
+              <a:ext cx="233438" cy="1506"/>
+            </a:xfrm>
+            <a:prstGeom prst="straightConnector1">
+              <a:avLst/>
+            </a:prstGeom>
+            <a:noFill/>
+            <a:ln w="12700" cap="flat" cmpd="sng" algn="ctr">
+              <a:solidFill>
+                <a:sysClr val="windowText" lastClr="000000"/>
+              </a:solidFill>
+              <a:prstDash val="solid"/>
+              <a:tailEnd type="triangle"/>
+            </a:ln>
+            <a:effectLst/>
+          </p:spPr>
+        </p:cxnSp>
+        <p:cxnSp>
+          <p:nvCxnSpPr>
+            <p:cNvPr id="19" name="Straight Arrow Connector 18"/>
+            <p:cNvCxnSpPr>
+              <a:stCxn id="86" idx="3"/>
+            </p:cNvCxnSpPr>
+            <p:nvPr/>
+          </p:nvCxnSpPr>
+          <p:spPr>
+            <a:xfrm flipV="1">
+              <a:off x="2279750" y="4030468"/>
+              <a:ext cx="0" cy="457824"/>
+            </a:xfrm>
+            <a:prstGeom prst="straightConnector1">
+              <a:avLst/>
+            </a:prstGeom>
+            <a:noFill/>
+            <a:ln w="12700" cap="flat" cmpd="sng" algn="ctr">
+              <a:solidFill>
+                <a:sysClr val="windowText" lastClr="000000"/>
+              </a:solidFill>
+              <a:prstDash val="solid"/>
+              <a:tailEnd type="triangle"/>
+            </a:ln>
+            <a:effectLst/>
+          </p:spPr>
+        </p:cxnSp>
+        <p:grpSp>
+          <p:nvGrpSpPr>
+            <p:cNvPr id="20" name="Group 19"/>
+            <p:cNvGrpSpPr/>
+            <p:nvPr/>
+          </p:nvGrpSpPr>
+          <p:grpSpPr>
+            <a:xfrm rot="16200000">
+              <a:off x="2051149" y="4598606"/>
+              <a:ext cx="457200" cy="236571"/>
+              <a:chOff x="7848600" y="1143000"/>
+              <a:chExt cx="457200" cy="381000"/>
+            </a:xfrm>
+            <a:solidFill>
+              <a:srgbClr val="FCD5B5"/>
+            </a:solidFill>
+          </p:grpSpPr>
+          <p:sp>
+            <p:nvSpPr>
+              <p:cNvPr id="86" name="Rectangle 85"/>
+              <p:cNvSpPr/>
+              <p:nvPr/>
+            </p:nvSpPr>
+            <p:spPr>
+              <a:xfrm>
+                <a:off x="8001000" y="1143000"/>
+                <a:ext cx="304800" cy="381000"/>
+              </a:xfrm>
+              <a:prstGeom prst="rect">
+                <a:avLst/>
+              </a:prstGeom>
+              <a:grpFill/>
+              <a:ln w="12700" cap="flat" cmpd="sng" algn="ctr">
+                <a:solidFill>
+                  <a:sysClr val="windowText" lastClr="000000"/>
+                </a:solidFill>
+                <a:prstDash val="solid"/>
+              </a:ln>
+              <a:effectLst/>
+            </p:spPr>
+            <p:txBody>
+              <a:bodyPr rtlCol="0" anchor="ctr"/>
+              <a:lstStyle/>
+              <a:p>
+                <a:pPr marL="0" marR="0" lvl="0" indent="0" algn="ctr" defTabSz="914400" eaLnBrk="1" fontAlgn="auto" latinLnBrk="0" hangingPunct="1">
+                  <a:lnSpc>
+                    <a:spcPct val="100000"/>
+                  </a:lnSpc>
+                  <a:spcBef>
+                    <a:spcPts val="0"/>
+                  </a:spcBef>
+                  <a:spcAft>
+                    <a:spcPts val="0"/>
+                  </a:spcAft>
+                  <a:buClrTx/>
+                  <a:buSzTx/>
+                  <a:buFontTx/>
+                  <a:buNone/>
+                  <a:tabLst/>
+                  <a:defRPr/>
+                </a:pPr>
+                <a:endParaRPr kumimoji="0" lang="en-US" sz="1800" b="0" i="0" u="none" strike="noStrike" kern="0" cap="none" spc="0" normalizeH="0" baseline="0" noProof="0">
+                  <a:ln>
+                    <a:noFill/>
+                  </a:ln>
+                  <a:solidFill>
+                    <a:prstClr val="white"/>
+                  </a:solidFill>
+                  <a:effectLst/>
+                  <a:uLnTx/>
+                  <a:uFillTx/>
+                  <a:latin typeface="Calibri"/>
+                  <a:ea typeface="+mn-ea"/>
+                  <a:cs typeface="+mn-cs"/>
+                </a:endParaRPr>
+              </a:p>
+            </p:txBody>
+          </p:sp>
+          <p:cxnSp>
+            <p:nvCxnSpPr>
+              <p:cNvPr id="87" name="Straight Connector 86"/>
+              <p:cNvCxnSpPr>
+                <a:stCxn id="86" idx="0"/>
+              </p:cNvCxnSpPr>
+              <p:nvPr/>
+            </p:nvCxnSpPr>
+            <p:spPr>
+              <a:xfrm flipH="1">
+                <a:off x="7848600" y="1143000"/>
+                <a:ext cx="304800" cy="0"/>
+              </a:xfrm>
+              <a:prstGeom prst="line">
+                <a:avLst/>
+              </a:prstGeom>
+              <a:grpFill/>
+              <a:ln w="12700" cap="flat" cmpd="sng" algn="ctr">
+                <a:solidFill>
+                  <a:sysClr val="windowText" lastClr="000000"/>
+                </a:solidFill>
+                <a:prstDash val="solid"/>
+              </a:ln>
+              <a:effectLst/>
+            </p:spPr>
+          </p:cxnSp>
+          <p:cxnSp>
+            <p:nvCxnSpPr>
+              <p:cNvPr id="88" name="Straight Connector 87"/>
+              <p:cNvCxnSpPr>
+                <a:stCxn id="86" idx="0"/>
+                <a:endCxn id="86" idx="2"/>
+              </p:cNvCxnSpPr>
+              <p:nvPr/>
+            </p:nvCxnSpPr>
+            <p:spPr>
+              <a:xfrm>
+                <a:off x="8153400" y="1143000"/>
+                <a:ext cx="0" cy="381000"/>
+              </a:xfrm>
+              <a:prstGeom prst="line">
+                <a:avLst/>
+              </a:prstGeom>
+              <a:grpFill/>
+              <a:ln w="12700" cap="flat" cmpd="sng" algn="ctr">
+                <a:solidFill>
+                  <a:sysClr val="windowText" lastClr="000000"/>
+                </a:solidFill>
+                <a:prstDash val="solid"/>
+              </a:ln>
+              <a:effectLst/>
+            </p:spPr>
+          </p:cxnSp>
+          <p:cxnSp>
+            <p:nvCxnSpPr>
+              <p:cNvPr id="89" name="Straight Connector 88"/>
+              <p:cNvCxnSpPr>
+                <a:stCxn id="86" idx="2"/>
+              </p:cNvCxnSpPr>
+              <p:nvPr/>
+            </p:nvCxnSpPr>
+            <p:spPr>
+              <a:xfrm flipH="1">
+                <a:off x="7848600" y="1524000"/>
+                <a:ext cx="304800" cy="0"/>
+              </a:xfrm>
+              <a:prstGeom prst="line">
+                <a:avLst/>
+              </a:prstGeom>
+              <a:grpFill/>
+              <a:ln w="12700" cap="flat" cmpd="sng" algn="ctr">
+                <a:solidFill>
+                  <a:sysClr val="windowText" lastClr="000000"/>
+                </a:solidFill>
+                <a:prstDash val="solid"/>
+              </a:ln>
+              <a:effectLst/>
+            </p:spPr>
+          </p:cxnSp>
+        </p:grpSp>
+        <p:cxnSp>
+          <p:nvCxnSpPr>
+            <p:cNvPr id="21" name="Straight Arrow Connector 20"/>
+            <p:cNvCxnSpPr>
+              <a:stCxn id="22" idx="0"/>
+              <a:endCxn id="86" idx="1"/>
+            </p:cNvCxnSpPr>
+            <p:nvPr/>
+          </p:nvCxnSpPr>
+          <p:spPr>
+            <a:xfrm flipV="1">
+              <a:off x="2279749" y="4793092"/>
+              <a:ext cx="1" cy="915288"/>
+            </a:xfrm>
+            <a:prstGeom prst="straightConnector1">
+              <a:avLst/>
+            </a:prstGeom>
+            <a:noFill/>
+            <a:ln w="12700" cap="flat" cmpd="sng" algn="ctr">
+              <a:solidFill>
+                <a:sysClr val="windowText" lastClr="000000"/>
+              </a:solidFill>
+              <a:prstDash val="solid"/>
+              <a:tailEnd type="triangle"/>
+            </a:ln>
+            <a:effectLst/>
+          </p:spPr>
+        </p:cxnSp>
+        <p:sp>
+          <p:nvSpPr>
+            <p:cNvPr id="22" name="TextBox 21"/>
+            <p:cNvSpPr txBox="1"/>
+            <p:nvPr/>
+          </p:nvSpPr>
+          <p:spPr>
+            <a:xfrm>
+              <a:off x="1510927" y="5708380"/>
+              <a:ext cx="1537643" cy="707886"/>
+            </a:xfrm>
+            <a:prstGeom prst="rect">
+              <a:avLst/>
+            </a:prstGeom>
+            <a:noFill/>
+          </p:spPr>
+          <p:txBody>
+            <a:bodyPr wrap="square" rtlCol="0">
+              <a:spAutoFit/>
+            </a:bodyPr>
+            <a:lstStyle/>
+            <a:p>
+              <a:pPr marL="0" marR="0" lvl="0" indent="0" algn="ctr" defTabSz="914400" eaLnBrk="1" fontAlgn="auto" latinLnBrk="0" hangingPunct="1">
+                <a:lnSpc>
+                  <a:spcPct val="100000"/>
+                </a:lnSpc>
+                <a:spcBef>
+                  <a:spcPts val="0"/>
+                </a:spcBef>
+                <a:spcAft>
+                  <a:spcPts val="0"/>
+                </a:spcAft>
+                <a:buClrTx/>
+                <a:buSzTx/>
+                <a:buFontTx/>
+                <a:buNone/>
+                <a:tabLst/>
+                <a:defRPr/>
+              </a:pPr>
+              <a:r>
+                <a:rPr kumimoji="0" lang="en-US" sz="2000" b="0" i="0" u="none" strike="noStrike" kern="0" cap="none" spc="0" normalizeH="0" baseline="0" noProof="0" dirty="0" err="1" smtClean="0">
+                  <a:ln>
+                    <a:noFill/>
+                  </a:ln>
+                  <a:solidFill>
+                    <a:prstClr val="black"/>
+                  </a:solidFill>
+                  <a:effectLst/>
+                  <a:uLnTx/>
+                  <a:uFillTx/>
+                </a:rPr>
+                <a:t>Req</a:t>
+              </a:r>
+              <a:r>
+                <a:rPr kumimoji="0" lang="en-US" sz="2000" b="0" i="0" u="none" strike="noStrike" kern="0" cap="none" spc="0" normalizeH="0" baseline="0" noProof="0" dirty="0" smtClean="0">
+                  <a:ln>
+                    <a:noFill/>
+                  </a:ln>
+                  <a:solidFill>
+                    <a:prstClr val="black"/>
+                  </a:solidFill>
+                  <a:effectLst/>
+                  <a:uLnTx/>
+                  <a:uFillTx/>
+                </a:rPr>
+                <a:t>/</a:t>
+              </a:r>
+              <a:r>
+                <a:rPr kumimoji="0" lang="en-US" sz="2000" b="0" i="0" u="none" strike="noStrike" kern="0" cap="none" spc="0" normalizeH="0" baseline="0" noProof="0" dirty="0" err="1" smtClean="0">
+                  <a:ln>
+                    <a:noFill/>
+                  </a:ln>
+                  <a:solidFill>
+                    <a:prstClr val="black"/>
+                  </a:solidFill>
+                  <a:effectLst/>
+                  <a:uLnTx/>
+                  <a:uFillTx/>
+                </a:rPr>
+                <a:t>resp</a:t>
+              </a:r>
+              <a:r>
+                <a:rPr kumimoji="0" lang="en-US" sz="2000" b="0" i="0" u="none" strike="noStrike" kern="0" cap="none" spc="0" normalizeH="0" baseline="0" noProof="0" dirty="0" smtClean="0">
+                  <a:ln>
+                    <a:noFill/>
+                  </a:ln>
+                  <a:solidFill>
+                    <a:prstClr val="black"/>
+                  </a:solidFill>
+                  <a:effectLst/>
+                  <a:uLnTx/>
+                  <a:uFillTx/>
+                </a:rPr>
+                <a:t> from parent</a:t>
+              </a:r>
+              <a:endParaRPr kumimoji="0" lang="en-US" sz="2000" b="0" i="0" u="none" strike="noStrike" kern="0" cap="none" spc="0" normalizeH="0" baseline="0" noProof="0" dirty="0">
+                <a:ln>
+                  <a:noFill/>
+                </a:ln>
+                <a:solidFill>
+                  <a:prstClr val="black"/>
+                </a:solidFill>
+                <a:effectLst/>
+                <a:uLnTx/>
+                <a:uFillTx/>
+              </a:endParaRPr>
+            </a:p>
+          </p:txBody>
+        </p:sp>
+        <p:cxnSp>
+          <p:nvCxnSpPr>
+            <p:cNvPr id="32" name="Elbow Connector 31"/>
+            <p:cNvCxnSpPr>
+              <a:stCxn id="16" idx="1"/>
+              <a:endCxn id="99" idx="1"/>
+            </p:cNvCxnSpPr>
+            <p:nvPr/>
+          </p:nvCxnSpPr>
+          <p:spPr>
+            <a:xfrm rot="16200000" flipH="1">
+              <a:off x="7375628" y="3633503"/>
+              <a:ext cx="334233" cy="430668"/>
+            </a:xfrm>
+            <a:prstGeom prst="bentConnector2">
+              <a:avLst/>
+            </a:prstGeom>
+            <a:noFill/>
+            <a:ln w="12700" cap="flat" cmpd="sng" algn="ctr">
+              <a:solidFill>
+                <a:sysClr val="windowText" lastClr="000000"/>
+              </a:solidFill>
+              <a:prstDash val="solid"/>
+              <a:tailEnd type="triangle"/>
+            </a:ln>
+            <a:effectLst/>
+          </p:spPr>
+        </p:cxnSp>
+        <p:sp>
+          <p:nvSpPr>
+            <p:cNvPr id="33" name="TextBox 32"/>
+            <p:cNvSpPr txBox="1"/>
+            <p:nvPr/>
+          </p:nvSpPr>
+          <p:spPr>
+            <a:xfrm>
+              <a:off x="6914619" y="4564111"/>
+              <a:ext cx="1991717" cy="707886"/>
+            </a:xfrm>
+            <a:prstGeom prst="rect">
+              <a:avLst/>
+            </a:prstGeom>
+            <a:noFill/>
+          </p:spPr>
+          <p:txBody>
+            <a:bodyPr wrap="square" rtlCol="0">
+              <a:spAutoFit/>
+            </a:bodyPr>
+            <a:lstStyle/>
+            <a:p>
+              <a:pPr marL="0" marR="0" lvl="0" indent="0" algn="ctr" defTabSz="914400" eaLnBrk="1" fontAlgn="auto" latinLnBrk="0" hangingPunct="1">
+                <a:lnSpc>
+                  <a:spcPct val="100000"/>
+                </a:lnSpc>
+                <a:spcBef>
+                  <a:spcPts val="0"/>
+                </a:spcBef>
+                <a:spcAft>
+                  <a:spcPts val="0"/>
+                </a:spcAft>
+                <a:buClrTx/>
+                <a:buSzTx/>
+                <a:buFontTx/>
+                <a:buNone/>
+                <a:tabLst/>
+                <a:defRPr/>
+              </a:pPr>
+              <a:r>
+                <a:rPr kumimoji="0" lang="en-US" sz="2000" b="0" i="0" u="none" strike="noStrike" kern="0" cap="none" spc="0" normalizeH="0" baseline="0" noProof="0" dirty="0" smtClean="0">
+                  <a:ln>
+                    <a:noFill/>
+                  </a:ln>
+                  <a:solidFill>
+                    <a:prstClr val="black"/>
+                  </a:solidFill>
+                  <a:effectLst/>
+                  <a:uLnTx/>
+                  <a:uFillTx/>
+                </a:rPr>
+                <a:t>MSHR index to </a:t>
+              </a:r>
+              <a:r>
+                <a:rPr kumimoji="0" lang="en-US" sz="2000" b="0" i="0" u="none" strike="noStrike" kern="0" cap="none" spc="0" normalizeH="0" baseline="0" noProof="0" dirty="0" err="1" smtClean="0">
+                  <a:ln>
+                    <a:noFill/>
+                  </a:ln>
+                  <a:solidFill>
+                    <a:prstClr val="black"/>
+                  </a:solidFill>
+                  <a:effectLst/>
+                  <a:uLnTx/>
+                  <a:uFillTx/>
+                </a:rPr>
+                <a:t>req</a:t>
+              </a:r>
+              <a:r>
+                <a:rPr kumimoji="0" lang="en-US" sz="2000" b="0" i="0" u="none" strike="noStrike" kern="0" cap="none" spc="0" normalizeH="0" baseline="0" noProof="0" dirty="0" smtClean="0">
+                  <a:ln>
+                    <a:noFill/>
+                  </a:ln>
+                  <a:solidFill>
+                    <a:prstClr val="black"/>
+                  </a:solidFill>
+                  <a:effectLst/>
+                  <a:uLnTx/>
+                  <a:uFillTx/>
+                </a:rPr>
+                <a:t>/</a:t>
+              </a:r>
+              <a:r>
+                <a:rPr kumimoji="0" lang="en-US" sz="2000" b="0" i="0" u="none" strike="noStrike" kern="0" cap="none" spc="0" normalizeH="0" baseline="0" noProof="0" dirty="0" err="1" smtClean="0">
+                  <a:ln>
+                    <a:noFill/>
+                  </a:ln>
+                  <a:solidFill>
+                    <a:prstClr val="black"/>
+                  </a:solidFill>
+                  <a:effectLst/>
+                  <a:uLnTx/>
+                  <a:uFillTx/>
+                </a:rPr>
+                <a:t>resp</a:t>
+              </a:r>
+              <a:r>
+                <a:rPr kumimoji="0" lang="en-US" sz="2000" b="0" i="0" u="none" strike="noStrike" kern="0" cap="none" spc="0" normalizeH="0" baseline="0" noProof="0" dirty="0" smtClean="0">
+                  <a:ln>
+                    <a:noFill/>
+                  </a:ln>
+                  <a:solidFill>
+                    <a:prstClr val="black"/>
+                  </a:solidFill>
+                  <a:effectLst/>
+                  <a:uLnTx/>
+                  <a:uFillTx/>
+                </a:rPr>
+                <a:t> parent</a:t>
+              </a:r>
+              <a:endParaRPr kumimoji="0" lang="en-US" sz="2000" b="0" i="0" u="none" strike="noStrike" kern="0" cap="none" spc="0" normalizeH="0" baseline="0" noProof="0" dirty="0">
+                <a:ln>
+                  <a:noFill/>
+                </a:ln>
+                <a:solidFill>
+                  <a:prstClr val="black"/>
+                </a:solidFill>
+                <a:effectLst/>
+                <a:uLnTx/>
+                <a:uFillTx/>
+              </a:endParaRPr>
+            </a:p>
+          </p:txBody>
+        </p:sp>
+        <p:sp>
+          <p:nvSpPr>
+            <p:cNvPr id="34" name="TextBox 33"/>
+            <p:cNvSpPr txBox="1"/>
+            <p:nvPr/>
+          </p:nvSpPr>
+          <p:spPr>
+            <a:xfrm>
+              <a:off x="4053920" y="1814506"/>
+              <a:ext cx="1784822" cy="400110"/>
+            </a:xfrm>
+            <a:prstGeom prst="rect">
+              <a:avLst/>
+            </a:prstGeom>
+            <a:solidFill>
+              <a:srgbClr val="92D050"/>
+            </a:solidFill>
+            <a:ln w="28575">
+              <a:solidFill>
+                <a:sysClr val="windowText" lastClr="000000"/>
+              </a:solidFill>
+            </a:ln>
+          </p:spPr>
+          <p:txBody>
+            <a:bodyPr wrap="square" rtlCol="0" anchor="ctr">
+              <a:spAutoFit/>
+            </a:bodyPr>
+            <a:lstStyle/>
+            <a:p>
+              <a:pPr marL="0" marR="0" lvl="0" indent="0" algn="ctr" defTabSz="914400" eaLnBrk="1" fontAlgn="auto" latinLnBrk="0" hangingPunct="1">
+                <a:lnSpc>
+                  <a:spcPct val="100000"/>
+                </a:lnSpc>
+                <a:spcBef>
+                  <a:spcPts val="0"/>
+                </a:spcBef>
+                <a:spcAft>
+                  <a:spcPts val="0"/>
+                </a:spcAft>
+                <a:buClrTx/>
+                <a:buSzTx/>
+                <a:buFontTx/>
+                <a:buNone/>
+                <a:tabLst/>
+                <a:defRPr/>
+              </a:pPr>
+              <a:r>
+                <a:rPr kumimoji="0" lang="en-US" sz="2000" b="0" i="0" u="none" strike="noStrike" kern="0" cap="none" spc="0" normalizeH="0" baseline="0" noProof="0" dirty="0" smtClean="0">
+                  <a:ln>
+                    <a:noFill/>
+                  </a:ln>
+                  <a:solidFill>
+                    <a:prstClr val="black"/>
+                  </a:solidFill>
+                  <a:effectLst/>
+                  <a:uLnTx/>
+                  <a:uFillTx/>
+                </a:rPr>
+                <a:t>Core </a:t>
+              </a:r>
+              <a:r>
+                <a:rPr kumimoji="0" lang="en-US" sz="2000" b="0" i="0" u="none" strike="noStrike" kern="0" cap="none" spc="0" normalizeH="0" baseline="0" noProof="0" dirty="0" err="1" smtClean="0">
+                  <a:ln>
+                    <a:noFill/>
+                  </a:ln>
+                  <a:solidFill>
+                    <a:prstClr val="black"/>
+                  </a:solidFill>
+                  <a:effectLst/>
+                  <a:uLnTx/>
+                  <a:uFillTx/>
+                </a:rPr>
+                <a:t>req</a:t>
+              </a:r>
+              <a:r>
+                <a:rPr kumimoji="0" lang="en-US" sz="2000" b="0" i="0" u="none" strike="noStrike" kern="0" cap="none" spc="0" normalizeH="0" baseline="0" noProof="0" dirty="0" smtClean="0">
+                  <a:ln>
+                    <a:noFill/>
+                  </a:ln>
+                  <a:solidFill>
+                    <a:prstClr val="black"/>
+                  </a:solidFill>
+                  <a:effectLst/>
+                  <a:uLnTx/>
+                  <a:uFillTx/>
+                </a:rPr>
+                <a:t> MSHR</a:t>
+              </a:r>
+              <a:endParaRPr kumimoji="0" lang="en-US" sz="2000" b="0" i="0" u="none" strike="noStrike" kern="0" cap="none" spc="0" normalizeH="0" baseline="0" noProof="0" dirty="0">
+                <a:ln>
+                  <a:noFill/>
+                </a:ln>
+                <a:solidFill>
+                  <a:prstClr val="black"/>
+                </a:solidFill>
+                <a:effectLst/>
+                <a:uLnTx/>
+                <a:uFillTx/>
+              </a:endParaRPr>
+            </a:p>
+          </p:txBody>
+        </p:sp>
+        <p:sp>
+          <p:nvSpPr>
+            <p:cNvPr id="35" name="Cloud 34"/>
+            <p:cNvSpPr/>
+            <p:nvPr/>
+          </p:nvSpPr>
+          <p:spPr>
+            <a:xfrm>
+              <a:off x="1771072" y="2577873"/>
+              <a:ext cx="1514888" cy="1399600"/>
+            </a:xfrm>
+            <a:prstGeom prst="cloud">
+              <a:avLst/>
+            </a:prstGeom>
+            <a:solidFill>
+              <a:srgbClr val="B7DEE8"/>
+            </a:solidFill>
+            <a:ln w="25400" cap="flat" cmpd="sng" algn="ctr">
+              <a:solidFill>
+                <a:sysClr val="windowText" lastClr="000000"/>
+              </a:solidFill>
+              <a:prstDash val="solid"/>
+            </a:ln>
+            <a:effectLst/>
+          </p:spPr>
+          <p:txBody>
+            <a:bodyPr rot="0" spcFirstLastPara="0" vertOverflow="overflow" horzOverflow="overflow" vert="horz" wrap="square" lIns="91440" tIns="45720" rIns="91440" bIns="45720" numCol="1" spcCol="0" rtlCol="0" fromWordArt="0" anchor="ctr" anchorCtr="0" forceAA="0" compatLnSpc="1">
+              <a:prstTxWarp prst="textNoShape">
+                <a:avLst/>
+              </a:prstTxWarp>
+              <a:noAutofit/>
+            </a:bodyPr>
+            <a:lstStyle/>
+            <a:p>
+              <a:pPr marL="0" marR="0" lvl="0" indent="0" algn="ctr" defTabSz="914400" eaLnBrk="1" fontAlgn="auto" latinLnBrk="0" hangingPunct="1">
+                <a:lnSpc>
+                  <a:spcPct val="100000"/>
+                </a:lnSpc>
+                <a:spcBef>
+                  <a:spcPts val="0"/>
+                </a:spcBef>
+                <a:spcAft>
+                  <a:spcPts val="0"/>
+                </a:spcAft>
+                <a:buClrTx/>
+                <a:buSzTx/>
+                <a:buFontTx/>
+                <a:buNone/>
+                <a:tabLst/>
+                <a:defRPr/>
+              </a:pPr>
+              <a:r>
+                <a:rPr kumimoji="0" lang="en-US" sz="2000" b="0" i="0" u="none" strike="noStrike" kern="0" cap="none" spc="0" normalizeH="0" baseline="0" noProof="0" dirty="0" smtClean="0">
+                  <a:ln>
+                    <a:noFill/>
+                  </a:ln>
+                  <a:solidFill>
+                    <a:prstClr val="black"/>
+                  </a:solidFill>
+                  <a:effectLst/>
+                  <a:uLnTx/>
+                  <a:uFillTx/>
+                  <a:latin typeface="Calibri"/>
+                  <a:ea typeface="+mn-ea"/>
+                  <a:cs typeface="+mn-cs"/>
+                </a:rPr>
+                <a:t>Income</a:t>
+              </a:r>
+            </a:p>
+            <a:p>
+              <a:pPr marL="0" marR="0" lvl="0" indent="0" algn="ctr" defTabSz="914400" eaLnBrk="1" fontAlgn="auto" latinLnBrk="0" hangingPunct="1">
+                <a:lnSpc>
+                  <a:spcPct val="100000"/>
+                </a:lnSpc>
+                <a:spcBef>
+                  <a:spcPts val="0"/>
+                </a:spcBef>
+                <a:spcAft>
+                  <a:spcPts val="0"/>
+                </a:spcAft>
+                <a:buClrTx/>
+                <a:buSzTx/>
+                <a:buFontTx/>
+                <a:buNone/>
+                <a:tabLst/>
+                <a:defRPr/>
+              </a:pPr>
+              <a:r>
+                <a:rPr lang="en-US" sz="2000" kern="0" dirty="0" smtClean="0">
+                  <a:solidFill>
+                    <a:prstClr val="black"/>
+                  </a:solidFill>
+                  <a:latin typeface="Calibri"/>
+                </a:rPr>
+                <a:t>Rules</a:t>
+              </a:r>
+              <a:endParaRPr kumimoji="0" lang="en-US" sz="2000" b="0" i="0" u="none" strike="noStrike" kern="0" cap="none" spc="0" normalizeH="0" baseline="0" noProof="0" dirty="0">
+                <a:ln>
+                  <a:noFill/>
+                </a:ln>
+                <a:solidFill>
+                  <a:prstClr val="black"/>
+                </a:solidFill>
+                <a:effectLst/>
+                <a:uLnTx/>
+                <a:uFillTx/>
+                <a:latin typeface="Calibri"/>
+                <a:ea typeface="+mn-ea"/>
+                <a:cs typeface="+mn-cs"/>
+              </a:endParaRPr>
+            </a:p>
+          </p:txBody>
+        </p:sp>
+        <p:sp>
+          <p:nvSpPr>
+            <p:cNvPr id="45" name="Cloud 44"/>
+            <p:cNvSpPr/>
+            <p:nvPr/>
+          </p:nvSpPr>
+          <p:spPr>
+            <a:xfrm>
+              <a:off x="8525058" y="3638260"/>
+              <a:ext cx="1770137" cy="887484"/>
+            </a:xfrm>
+            <a:prstGeom prst="cloud">
+              <a:avLst/>
+            </a:prstGeom>
+            <a:solidFill>
+              <a:srgbClr val="B7DEE8"/>
+            </a:solidFill>
+            <a:ln w="25400" cap="flat" cmpd="sng" algn="ctr">
+              <a:solidFill>
+                <a:sysClr val="windowText" lastClr="000000"/>
+              </a:solidFill>
+              <a:prstDash val="solid"/>
+            </a:ln>
+            <a:effectLst/>
+          </p:spPr>
+          <p:txBody>
+            <a:bodyPr rot="0" spcFirstLastPara="0" vertOverflow="overflow" horzOverflow="overflow" vert="horz" wrap="square" lIns="91440" tIns="45720" rIns="91440" bIns="45720" numCol="1" spcCol="0" rtlCol="0" fromWordArt="0" anchor="ctr" anchorCtr="0" forceAA="0" compatLnSpc="1">
+              <a:prstTxWarp prst="textNoShape">
+                <a:avLst/>
+              </a:prstTxWarp>
+              <a:noAutofit/>
+            </a:bodyPr>
+            <a:lstStyle/>
+            <a:p>
+              <a:pPr marL="0" marR="0" lvl="0" indent="0" algn="ctr" defTabSz="914400" eaLnBrk="1" fontAlgn="auto" latinLnBrk="0" hangingPunct="1">
+                <a:lnSpc>
+                  <a:spcPct val="100000"/>
+                </a:lnSpc>
+                <a:spcBef>
+                  <a:spcPts val="0"/>
+                </a:spcBef>
+                <a:spcAft>
+                  <a:spcPts val="0"/>
+                </a:spcAft>
+                <a:buClrTx/>
+                <a:buSzTx/>
+                <a:buFontTx/>
+                <a:buNone/>
+                <a:tabLst/>
+                <a:defRPr/>
+              </a:pPr>
+              <a:r>
+                <a:rPr kumimoji="0" lang="en-US" sz="2000" b="0" i="0" u="none" strike="noStrike" kern="0" cap="none" spc="0" normalizeH="0" baseline="0" noProof="0" dirty="0" smtClean="0">
+                  <a:ln>
+                    <a:noFill/>
+                  </a:ln>
+                  <a:solidFill>
+                    <a:prstClr val="black"/>
+                  </a:solidFill>
+                  <a:effectLst/>
+                  <a:uLnTx/>
+                  <a:uFillTx/>
+                  <a:latin typeface="Calibri"/>
+                  <a:ea typeface="+mn-ea"/>
+                  <a:cs typeface="+mn-cs"/>
+                </a:rPr>
+                <a:t>Rules</a:t>
+              </a:r>
+              <a:endParaRPr kumimoji="0" lang="en-US" sz="2000" b="0" i="0" u="none" strike="noStrike" kern="0" cap="none" spc="0" normalizeH="0" baseline="0" noProof="0" dirty="0">
+                <a:ln>
+                  <a:noFill/>
+                </a:ln>
+                <a:solidFill>
+                  <a:prstClr val="black"/>
+                </a:solidFill>
+                <a:effectLst/>
+                <a:uLnTx/>
+                <a:uFillTx/>
+                <a:latin typeface="Calibri"/>
+                <a:ea typeface="+mn-ea"/>
+                <a:cs typeface="+mn-cs"/>
+              </a:endParaRPr>
+            </a:p>
+          </p:txBody>
+        </p:sp>
+        <p:grpSp>
+          <p:nvGrpSpPr>
+            <p:cNvPr id="46" name="Group 45"/>
+            <p:cNvGrpSpPr/>
+            <p:nvPr/>
+          </p:nvGrpSpPr>
+          <p:grpSpPr>
+            <a:xfrm rot="5400000">
+              <a:off x="9333925" y="4983765"/>
+              <a:ext cx="457200" cy="236571"/>
+              <a:chOff x="7848600" y="1143000"/>
+              <a:chExt cx="457200" cy="381000"/>
+            </a:xfrm>
+            <a:solidFill>
+              <a:srgbClr val="FCD5B5"/>
+            </a:solidFill>
+          </p:grpSpPr>
+          <p:sp>
+            <p:nvSpPr>
+              <p:cNvPr id="58" name="Rectangle 57"/>
+              <p:cNvSpPr/>
+              <p:nvPr/>
+            </p:nvSpPr>
+            <p:spPr>
+              <a:xfrm>
+                <a:off x="8001000" y="1143000"/>
+                <a:ext cx="304800" cy="381000"/>
+              </a:xfrm>
+              <a:prstGeom prst="rect">
+                <a:avLst/>
+              </a:prstGeom>
+              <a:grpFill/>
+              <a:ln w="12700" cap="flat" cmpd="sng" algn="ctr">
+                <a:solidFill>
+                  <a:sysClr val="windowText" lastClr="000000"/>
+                </a:solidFill>
+                <a:prstDash val="solid"/>
+              </a:ln>
+              <a:effectLst/>
+            </p:spPr>
+            <p:txBody>
+              <a:bodyPr rtlCol="0" anchor="ctr"/>
+              <a:lstStyle/>
+              <a:p>
+                <a:pPr marL="0" marR="0" lvl="0" indent="0" algn="ctr" defTabSz="914400" eaLnBrk="1" fontAlgn="auto" latinLnBrk="0" hangingPunct="1">
+                  <a:lnSpc>
+                    <a:spcPct val="100000"/>
+                  </a:lnSpc>
+                  <a:spcBef>
+                    <a:spcPts val="0"/>
+                  </a:spcBef>
+                  <a:spcAft>
+                    <a:spcPts val="0"/>
+                  </a:spcAft>
+                  <a:buClrTx/>
+                  <a:buSzTx/>
+                  <a:buFontTx/>
+                  <a:buNone/>
+                  <a:tabLst/>
+                  <a:defRPr/>
+                </a:pPr>
+                <a:endParaRPr kumimoji="0" lang="en-US" sz="1800" b="0" i="0" u="none" strike="noStrike" kern="0" cap="none" spc="0" normalizeH="0" baseline="0" noProof="0">
+                  <a:ln>
+                    <a:noFill/>
+                  </a:ln>
+                  <a:solidFill>
+                    <a:prstClr val="white"/>
+                  </a:solidFill>
+                  <a:effectLst/>
+                  <a:uLnTx/>
+                  <a:uFillTx/>
+                  <a:latin typeface="Calibri"/>
+                  <a:ea typeface="+mn-ea"/>
+                  <a:cs typeface="+mn-cs"/>
+                </a:endParaRPr>
+              </a:p>
+            </p:txBody>
+          </p:sp>
+          <p:cxnSp>
+            <p:nvCxnSpPr>
+              <p:cNvPr id="59" name="Straight Connector 58"/>
+              <p:cNvCxnSpPr>
+                <a:stCxn id="58" idx="0"/>
+              </p:cNvCxnSpPr>
+              <p:nvPr/>
+            </p:nvCxnSpPr>
+            <p:spPr>
+              <a:xfrm flipH="1">
+                <a:off x="7848600" y="1143000"/>
+                <a:ext cx="304800" cy="0"/>
+              </a:xfrm>
+              <a:prstGeom prst="line">
+                <a:avLst/>
+              </a:prstGeom>
+              <a:grpFill/>
+              <a:ln w="12700" cap="flat" cmpd="sng" algn="ctr">
+                <a:solidFill>
+                  <a:sysClr val="windowText" lastClr="000000"/>
+                </a:solidFill>
+                <a:prstDash val="solid"/>
+              </a:ln>
+              <a:effectLst/>
+            </p:spPr>
+          </p:cxnSp>
+          <p:cxnSp>
+            <p:nvCxnSpPr>
+              <p:cNvPr id="60" name="Straight Connector 59"/>
+              <p:cNvCxnSpPr>
+                <a:stCxn id="58" idx="0"/>
+                <a:endCxn id="58" idx="2"/>
+              </p:cNvCxnSpPr>
+              <p:nvPr/>
+            </p:nvCxnSpPr>
+            <p:spPr>
+              <a:xfrm>
+                <a:off x="8153400" y="1143000"/>
+                <a:ext cx="0" cy="381000"/>
+              </a:xfrm>
+              <a:prstGeom prst="line">
+                <a:avLst/>
+              </a:prstGeom>
+              <a:grpFill/>
+              <a:ln w="12700" cap="flat" cmpd="sng" algn="ctr">
+                <a:solidFill>
+                  <a:sysClr val="windowText" lastClr="000000"/>
+                </a:solidFill>
+                <a:prstDash val="solid"/>
+              </a:ln>
+              <a:effectLst/>
+            </p:spPr>
+          </p:cxnSp>
+          <p:cxnSp>
+            <p:nvCxnSpPr>
+              <p:cNvPr id="61" name="Straight Connector 60"/>
+              <p:cNvCxnSpPr>
+                <a:stCxn id="58" idx="2"/>
+              </p:cNvCxnSpPr>
+              <p:nvPr/>
+            </p:nvCxnSpPr>
+            <p:spPr>
+              <a:xfrm flipH="1">
+                <a:off x="7848600" y="1524000"/>
+                <a:ext cx="304800" cy="0"/>
+              </a:xfrm>
+              <a:prstGeom prst="line">
+                <a:avLst/>
+              </a:prstGeom>
+              <a:grpFill/>
+              <a:ln w="12700" cap="flat" cmpd="sng" algn="ctr">
+                <a:solidFill>
+                  <a:sysClr val="windowText" lastClr="000000"/>
+                </a:solidFill>
+                <a:prstDash val="solid"/>
+              </a:ln>
+              <a:effectLst/>
+            </p:spPr>
+          </p:cxnSp>
+        </p:grpSp>
+        <p:cxnSp>
+          <p:nvCxnSpPr>
+            <p:cNvPr id="47" name="Straight Arrow Connector 46"/>
+            <p:cNvCxnSpPr>
+              <a:stCxn id="109" idx="1"/>
+              <a:endCxn id="58" idx="1"/>
+            </p:cNvCxnSpPr>
+            <p:nvPr/>
+          </p:nvCxnSpPr>
+          <p:spPr>
+            <a:xfrm flipH="1">
+              <a:off x="9562525" y="4677199"/>
+              <a:ext cx="2" cy="348652"/>
+            </a:xfrm>
+            <a:prstGeom prst="straightConnector1">
+              <a:avLst/>
+            </a:prstGeom>
+            <a:noFill/>
+            <a:ln w="12700" cap="flat" cmpd="sng" algn="ctr">
+              <a:solidFill>
+                <a:sysClr val="windowText" lastClr="000000"/>
+              </a:solidFill>
+              <a:prstDash val="solid"/>
+              <a:tailEnd type="triangle"/>
+            </a:ln>
+            <a:effectLst/>
+          </p:spPr>
+        </p:cxnSp>
+        <p:sp>
+          <p:nvSpPr>
+            <p:cNvPr id="53" name="TextBox 52"/>
+            <p:cNvSpPr txBox="1"/>
+            <p:nvPr/>
+          </p:nvSpPr>
+          <p:spPr>
+            <a:xfrm>
+              <a:off x="9156524" y="1655750"/>
+              <a:ext cx="1338828" cy="400110"/>
+            </a:xfrm>
+            <a:prstGeom prst="rect">
+              <a:avLst/>
+            </a:prstGeom>
+            <a:noFill/>
+          </p:spPr>
+          <p:txBody>
+            <a:bodyPr wrap="none" rtlCol="0">
+              <a:spAutoFit/>
+            </a:bodyPr>
+            <a:lstStyle/>
+            <a:p>
+              <a:pPr marL="0" marR="0" lvl="0" indent="0" defTabSz="914400" eaLnBrk="1" fontAlgn="auto" latinLnBrk="0" hangingPunct="1">
+                <a:lnSpc>
+                  <a:spcPct val="100000"/>
+                </a:lnSpc>
+                <a:spcBef>
+                  <a:spcPts val="0"/>
+                </a:spcBef>
+                <a:spcAft>
+                  <a:spcPts val="0"/>
+                </a:spcAft>
+                <a:buClrTx/>
+                <a:buSzTx/>
+                <a:buFontTx/>
+                <a:buNone/>
+                <a:tabLst/>
+                <a:defRPr/>
+              </a:pPr>
+              <a:r>
+                <a:rPr kumimoji="0" lang="en-US" sz="2000" b="1" i="0" u="none" strike="noStrike" kern="0" cap="none" spc="0" normalizeH="0" baseline="0" noProof="0" dirty="0" smtClean="0">
+                  <a:ln>
+                    <a:noFill/>
+                  </a:ln>
+                  <a:solidFill>
+                    <a:prstClr val="black"/>
+                  </a:solidFill>
+                  <a:effectLst/>
+                  <a:uLnTx/>
+                  <a:uFillTx/>
+                </a:rPr>
+                <a:t>L1 D Cache</a:t>
+              </a:r>
+              <a:endParaRPr kumimoji="0" lang="en-US" sz="2000" b="1" i="0" u="none" strike="noStrike" kern="0" cap="none" spc="0" normalizeH="0" baseline="0" noProof="0" dirty="0">
+                <a:ln>
+                  <a:noFill/>
+                </a:ln>
+                <a:solidFill>
+                  <a:prstClr val="black"/>
+                </a:solidFill>
+                <a:effectLst/>
+                <a:uLnTx/>
+                <a:uFillTx/>
+              </a:endParaRPr>
+            </a:p>
+          </p:txBody>
+        </p:sp>
+        <p:grpSp>
+          <p:nvGrpSpPr>
+            <p:cNvPr id="98" name="Group 97"/>
+            <p:cNvGrpSpPr/>
+            <p:nvPr/>
+          </p:nvGrpSpPr>
+          <p:grpSpPr>
+            <a:xfrm>
+              <a:off x="7605678" y="3897668"/>
+              <a:ext cx="457200" cy="236571"/>
+              <a:chOff x="7848600" y="1143000"/>
+              <a:chExt cx="457200" cy="381000"/>
+            </a:xfrm>
+            <a:solidFill>
+              <a:srgbClr val="FCD5B5"/>
+            </a:solidFill>
+          </p:grpSpPr>
+          <p:sp>
+            <p:nvSpPr>
+              <p:cNvPr id="99" name="Rectangle 98"/>
+              <p:cNvSpPr/>
+              <p:nvPr/>
+            </p:nvSpPr>
+            <p:spPr>
+              <a:xfrm>
+                <a:off x="8001000" y="1143000"/>
+                <a:ext cx="304800" cy="381000"/>
+              </a:xfrm>
+              <a:prstGeom prst="rect">
+                <a:avLst/>
+              </a:prstGeom>
+              <a:grpFill/>
+              <a:ln w="12700" cap="flat" cmpd="sng" algn="ctr">
+                <a:solidFill>
+                  <a:sysClr val="windowText" lastClr="000000"/>
+                </a:solidFill>
+                <a:prstDash val="solid"/>
+              </a:ln>
+              <a:effectLst/>
+            </p:spPr>
+            <p:txBody>
+              <a:bodyPr rtlCol="0" anchor="ctr"/>
+              <a:lstStyle/>
+              <a:p>
+                <a:pPr marL="0" marR="0" lvl="0" indent="0" algn="ctr" defTabSz="914400" eaLnBrk="1" fontAlgn="auto" latinLnBrk="0" hangingPunct="1">
+                  <a:lnSpc>
+                    <a:spcPct val="100000"/>
+                  </a:lnSpc>
+                  <a:spcBef>
+                    <a:spcPts val="0"/>
+                  </a:spcBef>
+                  <a:spcAft>
+                    <a:spcPts val="0"/>
+                  </a:spcAft>
+                  <a:buClrTx/>
+                  <a:buSzTx/>
+                  <a:buFontTx/>
+                  <a:buNone/>
+                  <a:tabLst/>
+                  <a:defRPr/>
+                </a:pPr>
+                <a:endParaRPr kumimoji="0" lang="en-US" sz="1800" b="0" i="0" u="none" strike="noStrike" kern="0" cap="none" spc="0" normalizeH="0" baseline="0" noProof="0">
+                  <a:ln>
+                    <a:noFill/>
+                  </a:ln>
+                  <a:solidFill>
+                    <a:prstClr val="white"/>
+                  </a:solidFill>
+                  <a:effectLst/>
+                  <a:uLnTx/>
+                  <a:uFillTx/>
+                  <a:latin typeface="Calibri"/>
+                  <a:ea typeface="+mn-ea"/>
+                  <a:cs typeface="+mn-cs"/>
+                </a:endParaRPr>
+              </a:p>
+            </p:txBody>
+          </p:sp>
+          <p:cxnSp>
+            <p:nvCxnSpPr>
+              <p:cNvPr id="100" name="Straight Connector 99"/>
+              <p:cNvCxnSpPr>
+                <a:stCxn id="99" idx="0"/>
+              </p:cNvCxnSpPr>
+              <p:nvPr/>
+            </p:nvCxnSpPr>
+            <p:spPr>
+              <a:xfrm flipH="1">
+                <a:off x="7848600" y="1143000"/>
+                <a:ext cx="304800" cy="0"/>
+              </a:xfrm>
+              <a:prstGeom prst="line">
+                <a:avLst/>
+              </a:prstGeom>
+              <a:grpFill/>
+              <a:ln w="12700" cap="flat" cmpd="sng" algn="ctr">
+                <a:solidFill>
+                  <a:sysClr val="windowText" lastClr="000000"/>
+                </a:solidFill>
+                <a:prstDash val="solid"/>
+              </a:ln>
+              <a:effectLst/>
+            </p:spPr>
+          </p:cxnSp>
+          <p:cxnSp>
+            <p:nvCxnSpPr>
+              <p:cNvPr id="101" name="Straight Connector 100"/>
+              <p:cNvCxnSpPr>
+                <a:stCxn id="99" idx="0"/>
+                <a:endCxn id="99" idx="2"/>
+              </p:cNvCxnSpPr>
+              <p:nvPr/>
+            </p:nvCxnSpPr>
+            <p:spPr>
+              <a:xfrm>
+                <a:off x="8153400" y="1143000"/>
+                <a:ext cx="0" cy="381000"/>
+              </a:xfrm>
+              <a:prstGeom prst="line">
+                <a:avLst/>
+              </a:prstGeom>
+              <a:grpFill/>
+              <a:ln w="12700" cap="flat" cmpd="sng" algn="ctr">
+                <a:solidFill>
+                  <a:sysClr val="windowText" lastClr="000000"/>
+                </a:solidFill>
+                <a:prstDash val="solid"/>
+              </a:ln>
+              <a:effectLst/>
+            </p:spPr>
+          </p:cxnSp>
+          <p:cxnSp>
+            <p:nvCxnSpPr>
+              <p:cNvPr id="102" name="Straight Connector 101"/>
+              <p:cNvCxnSpPr>
+                <a:stCxn id="99" idx="2"/>
+              </p:cNvCxnSpPr>
+              <p:nvPr/>
+            </p:nvCxnSpPr>
+            <p:spPr>
+              <a:xfrm flipH="1">
+                <a:off x="7848600" y="1524000"/>
+                <a:ext cx="304800" cy="0"/>
+              </a:xfrm>
+              <a:prstGeom prst="line">
+                <a:avLst/>
+              </a:prstGeom>
+              <a:grpFill/>
+              <a:ln w="12700" cap="flat" cmpd="sng" algn="ctr">
+                <a:solidFill>
+                  <a:sysClr val="windowText" lastClr="000000"/>
+                </a:solidFill>
+                <a:prstDash val="solid"/>
+              </a:ln>
+              <a:effectLst/>
+            </p:spPr>
+          </p:cxnSp>
+        </p:grpSp>
+        <p:grpSp>
+          <p:nvGrpSpPr>
+            <p:cNvPr id="103" name="Group 102"/>
+            <p:cNvGrpSpPr/>
+            <p:nvPr/>
+          </p:nvGrpSpPr>
+          <p:grpSpPr>
+            <a:xfrm>
+              <a:off x="7605678" y="4363245"/>
+              <a:ext cx="457200" cy="236571"/>
+              <a:chOff x="7848600" y="1143000"/>
+              <a:chExt cx="457200" cy="381000"/>
+            </a:xfrm>
+            <a:solidFill>
+              <a:srgbClr val="FCD5B5"/>
+            </a:solidFill>
+          </p:grpSpPr>
+          <p:sp>
+            <p:nvSpPr>
+              <p:cNvPr id="104" name="Rectangle 103"/>
+              <p:cNvSpPr/>
+              <p:nvPr/>
+            </p:nvSpPr>
+            <p:spPr>
+              <a:xfrm>
+                <a:off x="8001000" y="1143000"/>
+                <a:ext cx="304800" cy="381000"/>
+              </a:xfrm>
+              <a:prstGeom prst="rect">
+                <a:avLst/>
+              </a:prstGeom>
+              <a:grpFill/>
+              <a:ln w="12700" cap="flat" cmpd="sng" algn="ctr">
+                <a:solidFill>
+                  <a:sysClr val="windowText" lastClr="000000"/>
+                </a:solidFill>
+                <a:prstDash val="solid"/>
+              </a:ln>
+              <a:effectLst/>
+            </p:spPr>
+            <p:txBody>
+              <a:bodyPr rtlCol="0" anchor="ctr"/>
+              <a:lstStyle/>
+              <a:p>
+                <a:pPr marL="0" marR="0" lvl="0" indent="0" algn="ctr" defTabSz="914400" eaLnBrk="1" fontAlgn="auto" latinLnBrk="0" hangingPunct="1">
+                  <a:lnSpc>
+                    <a:spcPct val="100000"/>
+                  </a:lnSpc>
+                  <a:spcBef>
+                    <a:spcPts val="0"/>
+                  </a:spcBef>
+                  <a:spcAft>
+                    <a:spcPts val="0"/>
+                  </a:spcAft>
+                  <a:buClrTx/>
+                  <a:buSzTx/>
+                  <a:buFontTx/>
+                  <a:buNone/>
+                  <a:tabLst/>
+                  <a:defRPr/>
+                </a:pPr>
+                <a:endParaRPr kumimoji="0" lang="en-US" sz="1800" b="0" i="0" u="none" strike="noStrike" kern="0" cap="none" spc="0" normalizeH="0" baseline="0" noProof="0">
+                  <a:ln>
+                    <a:noFill/>
+                  </a:ln>
+                  <a:solidFill>
+                    <a:prstClr val="white"/>
+                  </a:solidFill>
+                  <a:effectLst/>
+                  <a:uLnTx/>
+                  <a:uFillTx/>
+                  <a:latin typeface="Calibri"/>
+                  <a:ea typeface="+mn-ea"/>
+                  <a:cs typeface="+mn-cs"/>
+                </a:endParaRPr>
+              </a:p>
+            </p:txBody>
+          </p:sp>
+          <p:cxnSp>
+            <p:nvCxnSpPr>
+              <p:cNvPr id="105" name="Straight Connector 104"/>
+              <p:cNvCxnSpPr>
+                <a:stCxn id="104" idx="0"/>
+              </p:cNvCxnSpPr>
+              <p:nvPr/>
+            </p:nvCxnSpPr>
+            <p:spPr>
+              <a:xfrm flipH="1">
+                <a:off x="7848600" y="1143000"/>
+                <a:ext cx="304800" cy="0"/>
+              </a:xfrm>
+              <a:prstGeom prst="line">
+                <a:avLst/>
+              </a:prstGeom>
+              <a:grpFill/>
+              <a:ln w="12700" cap="flat" cmpd="sng" algn="ctr">
+                <a:solidFill>
+                  <a:sysClr val="windowText" lastClr="000000"/>
+                </a:solidFill>
+                <a:prstDash val="solid"/>
+              </a:ln>
+              <a:effectLst/>
+            </p:spPr>
+          </p:cxnSp>
+          <p:cxnSp>
+            <p:nvCxnSpPr>
+              <p:cNvPr id="106" name="Straight Connector 105"/>
+              <p:cNvCxnSpPr>
+                <a:stCxn id="104" idx="0"/>
+                <a:endCxn id="104" idx="2"/>
+              </p:cNvCxnSpPr>
+              <p:nvPr/>
+            </p:nvCxnSpPr>
+            <p:spPr>
+              <a:xfrm>
+                <a:off x="8153400" y="1143000"/>
+                <a:ext cx="0" cy="381000"/>
+              </a:xfrm>
+              <a:prstGeom prst="line">
+                <a:avLst/>
+              </a:prstGeom>
+              <a:grpFill/>
+              <a:ln w="12700" cap="flat" cmpd="sng" algn="ctr">
+                <a:solidFill>
+                  <a:sysClr val="windowText" lastClr="000000"/>
+                </a:solidFill>
+                <a:prstDash val="solid"/>
+              </a:ln>
+              <a:effectLst/>
+            </p:spPr>
+          </p:cxnSp>
+          <p:cxnSp>
+            <p:nvCxnSpPr>
+              <p:cNvPr id="107" name="Straight Connector 106"/>
+              <p:cNvCxnSpPr>
+                <a:stCxn id="104" idx="2"/>
+              </p:cNvCxnSpPr>
+              <p:nvPr/>
+            </p:nvCxnSpPr>
+            <p:spPr>
+              <a:xfrm flipH="1">
+                <a:off x="7848600" y="1524000"/>
+                <a:ext cx="304800" cy="0"/>
+              </a:xfrm>
+              <a:prstGeom prst="line">
+                <a:avLst/>
+              </a:prstGeom>
+              <a:grpFill/>
+              <a:ln w="12700" cap="flat" cmpd="sng" algn="ctr">
+                <a:solidFill>
+                  <a:sysClr val="windowText" lastClr="000000"/>
+                </a:solidFill>
+                <a:prstDash val="solid"/>
+              </a:ln>
+              <a:effectLst/>
+            </p:spPr>
+          </p:cxnSp>
+        </p:grpSp>
+        <p:sp>
+          <p:nvSpPr>
+            <p:cNvPr id="108" name="Cloud 107"/>
+            <p:cNvSpPr/>
+            <p:nvPr/>
+          </p:nvSpPr>
+          <p:spPr>
+            <a:xfrm>
+              <a:off x="1923472" y="2730273"/>
+              <a:ext cx="1514888" cy="1399600"/>
+            </a:xfrm>
+            <a:prstGeom prst="cloud">
+              <a:avLst/>
+            </a:prstGeom>
+            <a:solidFill>
+              <a:srgbClr val="B7DEE8"/>
+            </a:solidFill>
+            <a:ln w="25400" cap="flat" cmpd="sng" algn="ctr">
+              <a:solidFill>
+                <a:sysClr val="windowText" lastClr="000000"/>
+              </a:solidFill>
+              <a:prstDash val="solid"/>
+            </a:ln>
+            <a:effectLst/>
+          </p:spPr>
+          <p:txBody>
+            <a:bodyPr rot="0" spcFirstLastPara="0" vertOverflow="overflow" horzOverflow="overflow" vert="horz" wrap="square" lIns="91440" tIns="45720" rIns="91440" bIns="45720" numCol="1" spcCol="0" rtlCol="0" fromWordArt="0" anchor="ctr" anchorCtr="0" forceAA="0" compatLnSpc="1">
+              <a:prstTxWarp prst="textNoShape">
+                <a:avLst/>
+              </a:prstTxWarp>
+              <a:noAutofit/>
+            </a:bodyPr>
+            <a:lstStyle/>
+            <a:p>
+              <a:pPr marL="0" marR="0" lvl="0" indent="0" algn="ctr" defTabSz="914400" eaLnBrk="1" fontAlgn="auto" latinLnBrk="0" hangingPunct="1">
+                <a:lnSpc>
+                  <a:spcPct val="100000"/>
+                </a:lnSpc>
+                <a:spcBef>
+                  <a:spcPts val="0"/>
+                </a:spcBef>
+                <a:spcAft>
+                  <a:spcPts val="0"/>
+                </a:spcAft>
+                <a:buClrTx/>
+                <a:buSzTx/>
+                <a:buFontTx/>
+                <a:buNone/>
+                <a:tabLst/>
+                <a:defRPr/>
+              </a:pPr>
+              <a:r>
+                <a:rPr kumimoji="0" lang="en-US" sz="2000" b="0" i="0" u="none" strike="noStrike" kern="0" cap="none" spc="0" normalizeH="0" baseline="0" noProof="0" dirty="0" smtClean="0">
+                  <a:ln>
+                    <a:noFill/>
+                  </a:ln>
+                  <a:solidFill>
+                    <a:prstClr val="black"/>
+                  </a:solidFill>
+                  <a:effectLst/>
+                  <a:uLnTx/>
+                  <a:uFillTx/>
+                  <a:latin typeface="Calibri"/>
+                  <a:ea typeface="+mn-ea"/>
+                  <a:cs typeface="+mn-cs"/>
+                </a:rPr>
+                <a:t>Income</a:t>
+              </a:r>
+            </a:p>
+            <a:p>
+              <a:pPr marL="0" marR="0" lvl="0" indent="0" algn="ctr" defTabSz="914400" eaLnBrk="1" fontAlgn="auto" latinLnBrk="0" hangingPunct="1">
+                <a:lnSpc>
+                  <a:spcPct val="100000"/>
+                </a:lnSpc>
+                <a:spcBef>
+                  <a:spcPts val="0"/>
+                </a:spcBef>
+                <a:spcAft>
+                  <a:spcPts val="0"/>
+                </a:spcAft>
+                <a:buClrTx/>
+                <a:buSzTx/>
+                <a:buFontTx/>
+                <a:buNone/>
+                <a:tabLst/>
+                <a:defRPr/>
+              </a:pPr>
+              <a:r>
+                <a:rPr lang="en-US" sz="2000" kern="0" dirty="0" smtClean="0">
+                  <a:solidFill>
+                    <a:prstClr val="black"/>
+                  </a:solidFill>
+                  <a:latin typeface="Calibri"/>
+                </a:rPr>
+                <a:t>Rules</a:t>
+              </a:r>
+              <a:endParaRPr kumimoji="0" lang="en-US" sz="2000" b="0" i="0" u="none" strike="noStrike" kern="0" cap="none" spc="0" normalizeH="0" baseline="0" noProof="0" dirty="0">
+                <a:ln>
+                  <a:noFill/>
+                </a:ln>
+                <a:solidFill>
+                  <a:prstClr val="black"/>
+                </a:solidFill>
+                <a:effectLst/>
+                <a:uLnTx/>
+                <a:uFillTx/>
+                <a:latin typeface="Calibri"/>
+                <a:ea typeface="+mn-ea"/>
+                <a:cs typeface="+mn-cs"/>
+              </a:endParaRPr>
+            </a:p>
+          </p:txBody>
+        </p:sp>
+        <p:sp>
+          <p:nvSpPr>
+            <p:cNvPr id="109" name="Cloud 108"/>
+            <p:cNvSpPr/>
+            <p:nvPr/>
+          </p:nvSpPr>
+          <p:spPr>
+            <a:xfrm>
+              <a:off x="8677458" y="3790660"/>
+              <a:ext cx="1770137" cy="887484"/>
+            </a:xfrm>
+            <a:prstGeom prst="cloud">
+              <a:avLst/>
+            </a:prstGeom>
+            <a:solidFill>
+              <a:srgbClr val="B7DEE8"/>
+            </a:solidFill>
+            <a:ln w="25400" cap="flat" cmpd="sng" algn="ctr">
+              <a:solidFill>
+                <a:sysClr val="windowText" lastClr="000000"/>
+              </a:solidFill>
+              <a:prstDash val="solid"/>
+            </a:ln>
+            <a:effectLst/>
+          </p:spPr>
+          <p:txBody>
+            <a:bodyPr rot="0" spcFirstLastPara="0" vertOverflow="overflow" horzOverflow="overflow" vert="horz" wrap="square" lIns="91440" tIns="45720" rIns="91440" bIns="45720" numCol="1" spcCol="0" rtlCol="0" fromWordArt="0" anchor="ctr" anchorCtr="0" forceAA="0" compatLnSpc="1">
+              <a:prstTxWarp prst="textNoShape">
+                <a:avLst/>
+              </a:prstTxWarp>
+              <a:noAutofit/>
+            </a:bodyPr>
+            <a:lstStyle/>
+            <a:p>
+              <a:pPr marL="0" marR="0" lvl="0" indent="0" algn="ctr" defTabSz="914400" eaLnBrk="1" fontAlgn="auto" latinLnBrk="0" hangingPunct="1">
+                <a:lnSpc>
+                  <a:spcPct val="100000"/>
+                </a:lnSpc>
+                <a:spcBef>
+                  <a:spcPts val="0"/>
+                </a:spcBef>
+                <a:spcAft>
+                  <a:spcPts val="0"/>
+                </a:spcAft>
+                <a:buClrTx/>
+                <a:buSzTx/>
+                <a:buFontTx/>
+                <a:buNone/>
+                <a:tabLst/>
+                <a:defRPr/>
+              </a:pPr>
+              <a:r>
+                <a:rPr lang="en-US" sz="2000" kern="0" dirty="0" err="1" smtClean="0">
+                  <a:solidFill>
+                    <a:prstClr val="black"/>
+                  </a:solidFill>
+                  <a:latin typeface="Calibri"/>
+                </a:rPr>
+                <a:t>ToParent</a:t>
+              </a:r>
+              <a:endParaRPr lang="en-US" sz="2000" kern="0" dirty="0" smtClean="0">
+                <a:solidFill>
+                  <a:prstClr val="black"/>
+                </a:solidFill>
+                <a:latin typeface="Calibri"/>
+              </a:endParaRPr>
+            </a:p>
+            <a:p>
+              <a:pPr marL="0" marR="0" lvl="0" indent="0" algn="ctr" defTabSz="914400" eaLnBrk="1" fontAlgn="auto" latinLnBrk="0" hangingPunct="1">
+                <a:lnSpc>
+                  <a:spcPct val="100000"/>
+                </a:lnSpc>
+                <a:spcBef>
+                  <a:spcPts val="0"/>
+                </a:spcBef>
+                <a:spcAft>
+                  <a:spcPts val="0"/>
+                </a:spcAft>
+                <a:buClrTx/>
+                <a:buSzTx/>
+                <a:buFontTx/>
+                <a:buNone/>
+                <a:tabLst/>
+                <a:defRPr/>
+              </a:pPr>
+              <a:r>
+                <a:rPr kumimoji="0" lang="en-US" sz="2000" b="0" i="0" u="none" strike="noStrike" kern="0" cap="none" spc="0" normalizeH="0" baseline="0" noProof="0" dirty="0" smtClean="0">
+                  <a:ln>
+                    <a:noFill/>
+                  </a:ln>
+                  <a:solidFill>
+                    <a:prstClr val="black"/>
+                  </a:solidFill>
+                  <a:effectLst/>
+                  <a:uLnTx/>
+                  <a:uFillTx/>
+                  <a:latin typeface="Calibri"/>
+                  <a:ea typeface="+mn-ea"/>
+                  <a:cs typeface="+mn-cs"/>
+                </a:rPr>
+                <a:t>Rules</a:t>
+              </a:r>
+              <a:endParaRPr kumimoji="0" lang="en-US" sz="2000" b="0" i="0" u="none" strike="noStrike" kern="0" cap="none" spc="0" normalizeH="0" baseline="0" noProof="0" dirty="0">
+                <a:ln>
+                  <a:noFill/>
+                </a:ln>
+                <a:solidFill>
+                  <a:prstClr val="black"/>
+                </a:solidFill>
+                <a:effectLst/>
+                <a:uLnTx/>
+                <a:uFillTx/>
+                <a:latin typeface="Calibri"/>
+                <a:ea typeface="+mn-ea"/>
+                <a:cs typeface="+mn-cs"/>
+              </a:endParaRPr>
+            </a:p>
+          </p:txBody>
+        </p:sp>
+        <p:cxnSp>
+          <p:nvCxnSpPr>
+            <p:cNvPr id="112" name="Elbow Connector 111"/>
+            <p:cNvCxnSpPr>
+              <a:stCxn id="16" idx="1"/>
+              <a:endCxn id="104" idx="1"/>
+            </p:cNvCxnSpPr>
+            <p:nvPr/>
+          </p:nvCxnSpPr>
+          <p:spPr>
+            <a:xfrm rot="16200000" flipH="1">
+              <a:off x="7142839" y="3866292"/>
+              <a:ext cx="799810" cy="430668"/>
+            </a:xfrm>
+            <a:prstGeom prst="bentConnector2">
+              <a:avLst/>
+            </a:prstGeom>
+            <a:ln w="12700">
+              <a:solidFill>
+                <a:schemeClr val="tx1"/>
+              </a:solidFill>
+              <a:tailEnd type="triangle"/>
+            </a:ln>
+          </p:spPr>
+          <p:style>
+            <a:lnRef idx="1">
+              <a:schemeClr val="accent1"/>
+            </a:lnRef>
+            <a:fillRef idx="0">
+              <a:schemeClr val="accent1"/>
+            </a:fillRef>
+            <a:effectRef idx="0">
+              <a:schemeClr val="accent1"/>
+            </a:effectRef>
+            <a:fontRef idx="minor">
+              <a:schemeClr val="tx1"/>
+            </a:fontRef>
+          </p:style>
+        </p:cxnSp>
+        <p:cxnSp>
+          <p:nvCxnSpPr>
+            <p:cNvPr id="118" name="Straight Arrow Connector 117"/>
+            <p:cNvCxnSpPr>
+              <a:stCxn id="99" idx="3"/>
+            </p:cNvCxnSpPr>
+            <p:nvPr/>
+          </p:nvCxnSpPr>
+          <p:spPr>
+            <a:xfrm flipV="1">
+              <a:off x="8062878" y="4010142"/>
+              <a:ext cx="448056" cy="0"/>
+            </a:xfrm>
+            <a:prstGeom prst="straightConnector1">
+              <a:avLst/>
+            </a:prstGeom>
+            <a:ln w="12700">
+              <a:solidFill>
+                <a:schemeClr val="tx1"/>
+              </a:solidFill>
+              <a:tailEnd type="triangle"/>
+            </a:ln>
+          </p:spPr>
+          <p:style>
+            <a:lnRef idx="1">
+              <a:schemeClr val="accent1"/>
+            </a:lnRef>
+            <a:fillRef idx="0">
+              <a:schemeClr val="accent1"/>
+            </a:fillRef>
+            <a:effectRef idx="0">
+              <a:schemeClr val="accent1"/>
+            </a:effectRef>
+            <a:fontRef idx="minor">
+              <a:schemeClr val="tx1"/>
+            </a:fontRef>
+          </p:style>
+        </p:cxnSp>
+        <p:cxnSp>
+          <p:nvCxnSpPr>
+            <p:cNvPr id="124" name="Straight Arrow Connector 123"/>
+            <p:cNvCxnSpPr>
+              <a:stCxn id="104" idx="3"/>
+            </p:cNvCxnSpPr>
+            <p:nvPr/>
+          </p:nvCxnSpPr>
+          <p:spPr>
+            <a:xfrm>
+              <a:off x="8062878" y="4481531"/>
+              <a:ext cx="682977" cy="0"/>
+            </a:xfrm>
+            <a:prstGeom prst="straightConnector1">
+              <a:avLst/>
+            </a:prstGeom>
+            <a:ln w="12700">
+              <a:solidFill>
+                <a:schemeClr val="tx1"/>
+              </a:solidFill>
+              <a:tailEnd type="triangle"/>
+            </a:ln>
+          </p:spPr>
+          <p:style>
+            <a:lnRef idx="1">
+              <a:schemeClr val="accent1"/>
+            </a:lnRef>
+            <a:fillRef idx="0">
+              <a:schemeClr val="accent1"/>
+            </a:fillRef>
+            <a:effectRef idx="0">
+              <a:schemeClr val="accent1"/>
+            </a:effectRef>
+            <a:fontRef idx="minor">
+              <a:schemeClr val="tx1"/>
+            </a:fontRef>
+          </p:style>
+        </p:cxnSp>
+        <p:grpSp>
+          <p:nvGrpSpPr>
+            <p:cNvPr id="128" name="Group 127"/>
+            <p:cNvGrpSpPr/>
+            <p:nvPr/>
+          </p:nvGrpSpPr>
+          <p:grpSpPr>
+            <a:xfrm rot="5400000">
+              <a:off x="9688780" y="4976457"/>
+              <a:ext cx="457200" cy="236571"/>
+              <a:chOff x="7848600" y="1143000"/>
+              <a:chExt cx="457200" cy="381000"/>
+            </a:xfrm>
+            <a:solidFill>
+              <a:srgbClr val="FCD5B5"/>
+            </a:solidFill>
+          </p:grpSpPr>
+          <p:sp>
+            <p:nvSpPr>
+              <p:cNvPr id="129" name="Rectangle 128"/>
+              <p:cNvSpPr/>
+              <p:nvPr/>
+            </p:nvSpPr>
+            <p:spPr>
+              <a:xfrm>
+                <a:off x="8001000" y="1143000"/>
+                <a:ext cx="304800" cy="381000"/>
+              </a:xfrm>
+              <a:prstGeom prst="rect">
+                <a:avLst/>
+              </a:prstGeom>
+              <a:grpFill/>
+              <a:ln w="12700" cap="flat" cmpd="sng" algn="ctr">
+                <a:solidFill>
+                  <a:sysClr val="windowText" lastClr="000000"/>
+                </a:solidFill>
+                <a:prstDash val="solid"/>
+              </a:ln>
+              <a:effectLst/>
+            </p:spPr>
+            <p:txBody>
+              <a:bodyPr rtlCol="0" anchor="ctr"/>
+              <a:lstStyle/>
+              <a:p>
+                <a:pPr marL="0" marR="0" lvl="0" indent="0" algn="ctr" defTabSz="914400" eaLnBrk="1" fontAlgn="auto" latinLnBrk="0" hangingPunct="1">
+                  <a:lnSpc>
+                    <a:spcPct val="100000"/>
+                  </a:lnSpc>
+                  <a:spcBef>
+                    <a:spcPts val="0"/>
+                  </a:spcBef>
+                  <a:spcAft>
+                    <a:spcPts val="0"/>
+                  </a:spcAft>
+                  <a:buClrTx/>
+                  <a:buSzTx/>
+                  <a:buFontTx/>
+                  <a:buNone/>
+                  <a:tabLst/>
+                  <a:defRPr/>
+                </a:pPr>
+                <a:endParaRPr kumimoji="0" lang="en-US" sz="1800" b="0" i="0" u="none" strike="noStrike" kern="0" cap="none" spc="0" normalizeH="0" baseline="0" noProof="0">
+                  <a:ln>
+                    <a:noFill/>
+                  </a:ln>
+                  <a:solidFill>
+                    <a:prstClr val="white"/>
+                  </a:solidFill>
+                  <a:effectLst/>
+                  <a:uLnTx/>
+                  <a:uFillTx/>
+                  <a:latin typeface="Calibri"/>
+                  <a:ea typeface="+mn-ea"/>
+                  <a:cs typeface="+mn-cs"/>
+                </a:endParaRPr>
+              </a:p>
+            </p:txBody>
+          </p:sp>
+          <p:cxnSp>
+            <p:nvCxnSpPr>
+              <p:cNvPr id="130" name="Straight Connector 129"/>
+              <p:cNvCxnSpPr>
+                <a:stCxn id="129" idx="0"/>
+              </p:cNvCxnSpPr>
+              <p:nvPr/>
+            </p:nvCxnSpPr>
+            <p:spPr>
+              <a:xfrm flipH="1">
+                <a:off x="7848600" y="1143000"/>
+                <a:ext cx="304800" cy="0"/>
+              </a:xfrm>
+              <a:prstGeom prst="line">
+                <a:avLst/>
+              </a:prstGeom>
+              <a:grpFill/>
+              <a:ln w="12700" cap="flat" cmpd="sng" algn="ctr">
+                <a:solidFill>
+                  <a:sysClr val="windowText" lastClr="000000"/>
+                </a:solidFill>
+                <a:prstDash val="solid"/>
+              </a:ln>
+              <a:effectLst/>
+            </p:spPr>
+          </p:cxnSp>
+          <p:cxnSp>
+            <p:nvCxnSpPr>
+              <p:cNvPr id="131" name="Straight Connector 130"/>
+              <p:cNvCxnSpPr>
+                <a:stCxn id="129" idx="0"/>
+                <a:endCxn id="129" idx="2"/>
+              </p:cNvCxnSpPr>
+              <p:nvPr/>
+            </p:nvCxnSpPr>
+            <p:spPr>
+              <a:xfrm>
+                <a:off x="8153400" y="1143000"/>
+                <a:ext cx="0" cy="381000"/>
+              </a:xfrm>
+              <a:prstGeom prst="line">
+                <a:avLst/>
+              </a:prstGeom>
+              <a:grpFill/>
+              <a:ln w="12700" cap="flat" cmpd="sng" algn="ctr">
+                <a:solidFill>
+                  <a:sysClr val="windowText" lastClr="000000"/>
+                </a:solidFill>
+                <a:prstDash val="solid"/>
+              </a:ln>
+              <a:effectLst/>
+            </p:spPr>
+          </p:cxnSp>
+          <p:cxnSp>
+            <p:nvCxnSpPr>
+              <p:cNvPr id="132" name="Straight Connector 131"/>
+              <p:cNvCxnSpPr>
+                <a:stCxn id="129" idx="2"/>
+              </p:cNvCxnSpPr>
+              <p:nvPr/>
+            </p:nvCxnSpPr>
+            <p:spPr>
+              <a:xfrm flipH="1">
+                <a:off x="7848600" y="1524000"/>
+                <a:ext cx="304800" cy="0"/>
+              </a:xfrm>
+              <a:prstGeom prst="line">
+                <a:avLst/>
+              </a:prstGeom>
+              <a:grpFill/>
+              <a:ln w="12700" cap="flat" cmpd="sng" algn="ctr">
+                <a:solidFill>
+                  <a:sysClr val="windowText" lastClr="000000"/>
+                </a:solidFill>
+                <a:prstDash val="solid"/>
+              </a:ln>
+              <a:effectLst/>
+            </p:spPr>
+          </p:cxnSp>
+        </p:grpSp>
+        <p:cxnSp>
+          <p:nvCxnSpPr>
+            <p:cNvPr id="134" name="Straight Arrow Connector 133"/>
+            <p:cNvCxnSpPr>
+              <a:endCxn id="129" idx="1"/>
+            </p:cNvCxnSpPr>
+            <p:nvPr/>
+          </p:nvCxnSpPr>
+          <p:spPr>
+            <a:xfrm>
+              <a:off x="9917380" y="4456322"/>
+              <a:ext cx="0" cy="562221"/>
+            </a:xfrm>
+            <a:prstGeom prst="straightConnector1">
+              <a:avLst/>
+            </a:prstGeom>
+            <a:ln w="12700">
+              <a:solidFill>
+                <a:schemeClr val="tx1"/>
+              </a:solidFill>
+              <a:tailEnd type="triangle"/>
+            </a:ln>
+          </p:spPr>
+          <p:style>
+            <a:lnRef idx="1">
+              <a:schemeClr val="accent1"/>
+            </a:lnRef>
+            <a:fillRef idx="0">
+              <a:schemeClr val="accent1"/>
+            </a:fillRef>
+            <a:effectRef idx="0">
+              <a:schemeClr val="accent1"/>
+            </a:effectRef>
+            <a:fontRef idx="minor">
+              <a:schemeClr val="tx1"/>
+            </a:fontRef>
+          </p:style>
+        </p:cxnSp>
+        <p:grpSp>
+          <p:nvGrpSpPr>
+            <p:cNvPr id="135" name="Group 134"/>
+            <p:cNvGrpSpPr/>
+            <p:nvPr/>
+          </p:nvGrpSpPr>
+          <p:grpSpPr>
+            <a:xfrm rot="10800000">
+              <a:off x="4631422" y="4297618"/>
+              <a:ext cx="457200" cy="236571"/>
+              <a:chOff x="7848600" y="1143000"/>
+              <a:chExt cx="457200" cy="381000"/>
+            </a:xfrm>
+            <a:solidFill>
+              <a:srgbClr val="FCD5B5"/>
+            </a:solidFill>
+          </p:grpSpPr>
+          <p:sp>
+            <p:nvSpPr>
+              <p:cNvPr id="136" name="Rectangle 135"/>
+              <p:cNvSpPr/>
+              <p:nvPr/>
+            </p:nvSpPr>
+            <p:spPr>
+              <a:xfrm>
+                <a:off x="8001000" y="1143000"/>
+                <a:ext cx="304800" cy="381000"/>
+              </a:xfrm>
+              <a:prstGeom prst="rect">
+                <a:avLst/>
+              </a:prstGeom>
+              <a:grpFill/>
+              <a:ln w="12700" cap="flat" cmpd="sng" algn="ctr">
+                <a:solidFill>
+                  <a:sysClr val="windowText" lastClr="000000"/>
+                </a:solidFill>
+                <a:prstDash val="solid"/>
+              </a:ln>
+              <a:effectLst/>
+            </p:spPr>
+            <p:txBody>
+              <a:bodyPr rtlCol="0" anchor="ctr"/>
+              <a:lstStyle/>
+              <a:p>
+                <a:pPr marL="0" marR="0" lvl="0" indent="0" algn="ctr" defTabSz="914400" eaLnBrk="1" fontAlgn="auto" latinLnBrk="0" hangingPunct="1">
+                  <a:lnSpc>
+                    <a:spcPct val="100000"/>
+                  </a:lnSpc>
+                  <a:spcBef>
+                    <a:spcPts val="0"/>
+                  </a:spcBef>
+                  <a:spcAft>
+                    <a:spcPts val="0"/>
+                  </a:spcAft>
+                  <a:buClrTx/>
+                  <a:buSzTx/>
+                  <a:buFontTx/>
+                  <a:buNone/>
+                  <a:tabLst/>
+                  <a:defRPr/>
+                </a:pPr>
+                <a:endParaRPr kumimoji="0" lang="en-US" sz="1800" b="0" i="0" u="none" strike="noStrike" kern="0" cap="none" spc="0" normalizeH="0" baseline="0" noProof="0">
+                  <a:ln>
+                    <a:noFill/>
+                  </a:ln>
+                  <a:solidFill>
+                    <a:prstClr val="white"/>
+                  </a:solidFill>
+                  <a:effectLst/>
+                  <a:uLnTx/>
+                  <a:uFillTx/>
+                  <a:latin typeface="Calibri"/>
+                  <a:ea typeface="+mn-ea"/>
+                  <a:cs typeface="+mn-cs"/>
+                </a:endParaRPr>
+              </a:p>
+            </p:txBody>
+          </p:sp>
+          <p:cxnSp>
+            <p:nvCxnSpPr>
+              <p:cNvPr id="137" name="Straight Connector 136"/>
+              <p:cNvCxnSpPr>
+                <a:stCxn id="136" idx="0"/>
+              </p:cNvCxnSpPr>
+              <p:nvPr/>
+            </p:nvCxnSpPr>
+            <p:spPr>
+              <a:xfrm flipH="1">
+                <a:off x="7848600" y="1143000"/>
+                <a:ext cx="304800" cy="0"/>
+              </a:xfrm>
+              <a:prstGeom prst="line">
+                <a:avLst/>
+              </a:prstGeom>
+              <a:grpFill/>
+              <a:ln w="12700" cap="flat" cmpd="sng" algn="ctr">
+                <a:solidFill>
+                  <a:sysClr val="windowText" lastClr="000000"/>
+                </a:solidFill>
+                <a:prstDash val="solid"/>
+              </a:ln>
+              <a:effectLst/>
+            </p:spPr>
+          </p:cxnSp>
+          <p:cxnSp>
+            <p:nvCxnSpPr>
+              <p:cNvPr id="138" name="Straight Connector 137"/>
+              <p:cNvCxnSpPr>
+                <a:stCxn id="136" idx="0"/>
+                <a:endCxn id="136" idx="2"/>
+              </p:cNvCxnSpPr>
+              <p:nvPr/>
+            </p:nvCxnSpPr>
+            <p:spPr>
+              <a:xfrm>
+                <a:off x="8153400" y="1143000"/>
+                <a:ext cx="0" cy="381000"/>
+              </a:xfrm>
+              <a:prstGeom prst="line">
+                <a:avLst/>
+              </a:prstGeom>
+              <a:grpFill/>
+              <a:ln w="12700" cap="flat" cmpd="sng" algn="ctr">
+                <a:solidFill>
+                  <a:sysClr val="windowText" lastClr="000000"/>
+                </a:solidFill>
+                <a:prstDash val="solid"/>
+              </a:ln>
+              <a:effectLst/>
+            </p:spPr>
+          </p:cxnSp>
+          <p:cxnSp>
+            <p:nvCxnSpPr>
+              <p:cNvPr id="139" name="Straight Connector 138"/>
+              <p:cNvCxnSpPr>
+                <a:stCxn id="136" idx="2"/>
+              </p:cNvCxnSpPr>
+              <p:nvPr/>
+            </p:nvCxnSpPr>
+            <p:spPr>
+              <a:xfrm flipH="1">
+                <a:off x="7848600" y="1524000"/>
+                <a:ext cx="304800" cy="0"/>
+              </a:xfrm>
+              <a:prstGeom prst="line">
+                <a:avLst/>
+              </a:prstGeom>
+              <a:grpFill/>
+              <a:ln w="12700" cap="flat" cmpd="sng" algn="ctr">
+                <a:solidFill>
+                  <a:sysClr val="windowText" lastClr="000000"/>
+                </a:solidFill>
+                <a:prstDash val="solid"/>
+              </a:ln>
+              <a:effectLst/>
+            </p:spPr>
+          </p:cxnSp>
+        </p:grpSp>
+        <p:cxnSp>
+          <p:nvCxnSpPr>
+            <p:cNvPr id="141" name="Elbow Connector 140"/>
+            <p:cNvCxnSpPr>
+              <a:endCxn id="136" idx="1"/>
+            </p:cNvCxnSpPr>
+            <p:nvPr/>
+          </p:nvCxnSpPr>
+          <p:spPr>
+            <a:xfrm rot="10800000" flipV="1">
+              <a:off x="4936223" y="3638259"/>
+              <a:ext cx="1991025" cy="777643"/>
+            </a:xfrm>
+            <a:prstGeom prst="bentConnector3">
+              <a:avLst>
+                <a:gd name="adj1" fmla="val -1029"/>
+              </a:avLst>
+            </a:prstGeom>
+            <a:ln w="12700">
+              <a:solidFill>
+                <a:schemeClr val="tx1"/>
+              </a:solidFill>
+              <a:tailEnd type="triangle"/>
+            </a:ln>
+          </p:spPr>
+          <p:style>
+            <a:lnRef idx="1">
+              <a:schemeClr val="accent1"/>
+            </a:lnRef>
+            <a:fillRef idx="0">
+              <a:schemeClr val="accent1"/>
+            </a:fillRef>
+            <a:effectRef idx="0">
+              <a:schemeClr val="accent1"/>
+            </a:effectRef>
+            <a:fontRef idx="minor">
+              <a:schemeClr val="tx1"/>
+            </a:fontRef>
+          </p:style>
+        </p:cxnSp>
+        <p:cxnSp>
+          <p:nvCxnSpPr>
+            <p:cNvPr id="144" name="Elbow Connector 143"/>
+            <p:cNvCxnSpPr>
+              <a:stCxn id="136" idx="3"/>
+              <a:endCxn id="108" idx="1"/>
+            </p:cNvCxnSpPr>
+            <p:nvPr/>
+          </p:nvCxnSpPr>
+          <p:spPr>
+            <a:xfrm rot="10800000">
+              <a:off x="2680916" y="4128383"/>
+              <a:ext cx="1950506" cy="287520"/>
+            </a:xfrm>
+            <a:prstGeom prst="bentConnector2">
+              <a:avLst/>
+            </a:prstGeom>
+            <a:ln w="12700">
+              <a:solidFill>
+                <a:schemeClr val="tx1"/>
+              </a:solidFill>
+              <a:tailEnd type="triangle"/>
+            </a:ln>
+          </p:spPr>
+          <p:style>
+            <a:lnRef idx="1">
+              <a:schemeClr val="accent1"/>
+            </a:lnRef>
+            <a:fillRef idx="0">
+              <a:schemeClr val="accent1"/>
+            </a:fillRef>
+            <a:effectRef idx="0">
+              <a:schemeClr val="accent1"/>
+            </a:effectRef>
+            <a:fontRef idx="minor">
+              <a:schemeClr val="tx1"/>
+            </a:fontRef>
+          </p:style>
+        </p:cxnSp>
+        <p:sp>
+          <p:nvSpPr>
+            <p:cNvPr id="145" name="TextBox 144"/>
+            <p:cNvSpPr txBox="1"/>
+            <p:nvPr/>
+          </p:nvSpPr>
+          <p:spPr>
+            <a:xfrm>
+              <a:off x="3441062" y="4566813"/>
+              <a:ext cx="3046313" cy="707886"/>
+            </a:xfrm>
+            <a:prstGeom prst="rect">
+              <a:avLst/>
+            </a:prstGeom>
+            <a:noFill/>
+          </p:spPr>
+          <p:txBody>
+            <a:bodyPr wrap="square" rtlCol="0">
+              <a:spAutoFit/>
+            </a:bodyPr>
+            <a:lstStyle/>
+            <a:p>
+              <a:pPr marL="0" marR="0" lvl="0" indent="0" algn="ctr" defTabSz="914400" eaLnBrk="1" fontAlgn="auto" latinLnBrk="0" hangingPunct="1">
+                <a:lnSpc>
+                  <a:spcPct val="100000"/>
+                </a:lnSpc>
+                <a:spcBef>
+                  <a:spcPts val="0"/>
+                </a:spcBef>
+                <a:spcAft>
+                  <a:spcPts val="0"/>
+                </a:spcAft>
+                <a:buClrTx/>
+                <a:buSzTx/>
+                <a:buFontTx/>
+                <a:buNone/>
+                <a:tabLst/>
+                <a:defRPr/>
+              </a:pPr>
+              <a:r>
+                <a:rPr kumimoji="0" lang="en-US" sz="2000" b="0" i="0" u="none" strike="noStrike" kern="0" cap="none" spc="0" normalizeH="0" baseline="0" noProof="0" dirty="0" smtClean="0">
+                  <a:ln>
+                    <a:noFill/>
+                  </a:ln>
+                  <a:solidFill>
+                    <a:prstClr val="black"/>
+                  </a:solidFill>
+                  <a:effectLst/>
+                  <a:uLnTx/>
+                  <a:uFillTx/>
+                </a:rPr>
+                <a:t>MSHR index to</a:t>
+              </a:r>
+              <a:r>
+                <a:rPr kumimoji="0" lang="en-US" sz="2000" b="0" i="0" u="none" strike="noStrike" kern="0" cap="none" spc="0" normalizeH="0" noProof="0" dirty="0" smtClean="0">
+                  <a:ln>
+                    <a:noFill/>
+                  </a:ln>
+                  <a:solidFill>
+                    <a:prstClr val="black"/>
+                  </a:solidFill>
+                  <a:effectLst/>
+                  <a:uLnTx/>
+                  <a:uFillTx/>
+                </a:rPr>
+                <a:t> retry</a:t>
+              </a:r>
+            </a:p>
+            <a:p>
+              <a:pPr marL="0" marR="0" lvl="0" indent="0" algn="ctr" defTabSz="914400" eaLnBrk="1" fontAlgn="auto" latinLnBrk="0" hangingPunct="1">
+                <a:lnSpc>
+                  <a:spcPct val="100000"/>
+                </a:lnSpc>
+                <a:spcBef>
+                  <a:spcPts val="0"/>
+                </a:spcBef>
+                <a:spcAft>
+                  <a:spcPts val="0"/>
+                </a:spcAft>
+                <a:buClrTx/>
+                <a:buSzTx/>
+                <a:buFontTx/>
+                <a:buNone/>
+                <a:tabLst/>
+                <a:defRPr/>
+              </a:pPr>
+              <a:r>
+                <a:rPr lang="en-US" sz="2000" kern="0" baseline="0" dirty="0" smtClean="0">
+                  <a:solidFill>
+                    <a:prstClr val="black"/>
+                  </a:solidFill>
+                </a:rPr>
+                <a:t>(because</a:t>
+              </a:r>
+              <a:r>
+                <a:rPr lang="en-US" sz="2000" kern="0" dirty="0" smtClean="0">
+                  <a:solidFill>
+                    <a:prstClr val="black"/>
+                  </a:solidFill>
+                </a:rPr>
+                <a:t> of early failed </a:t>
+              </a:r>
+              <a:r>
+                <a:rPr lang="en-US" sz="2000" kern="0" dirty="0" err="1" smtClean="0">
+                  <a:solidFill>
+                    <a:prstClr val="black"/>
+                  </a:solidFill>
+                </a:rPr>
+                <a:t>Sc</a:t>
+              </a:r>
+              <a:r>
+                <a:rPr lang="en-US" sz="2000" kern="0" dirty="0" smtClean="0">
+                  <a:solidFill>
+                    <a:prstClr val="black"/>
+                  </a:solidFill>
+                </a:rPr>
+                <a:t>)</a:t>
+              </a:r>
+              <a:endParaRPr kumimoji="0" lang="en-US" sz="2000" b="0" i="0" u="none" strike="noStrike" kern="0" cap="none" spc="0" normalizeH="0" baseline="0" noProof="0" dirty="0">
+                <a:ln>
+                  <a:noFill/>
+                </a:ln>
+                <a:solidFill>
+                  <a:prstClr val="black"/>
+                </a:solidFill>
+                <a:effectLst/>
+                <a:uLnTx/>
+                <a:uFillTx/>
+              </a:endParaRPr>
+            </a:p>
+          </p:txBody>
+        </p:sp>
+        <p:grpSp>
+          <p:nvGrpSpPr>
+            <p:cNvPr id="146" name="Group 145"/>
+            <p:cNvGrpSpPr/>
+            <p:nvPr/>
+          </p:nvGrpSpPr>
+          <p:grpSpPr>
+            <a:xfrm rot="5400000">
+              <a:off x="2299915" y="1861375"/>
+              <a:ext cx="457200" cy="236571"/>
+              <a:chOff x="7848600" y="1143000"/>
+              <a:chExt cx="457200" cy="381000"/>
+            </a:xfrm>
+            <a:solidFill>
+              <a:srgbClr val="FCD5B5"/>
+            </a:solidFill>
+          </p:grpSpPr>
+          <p:sp>
+            <p:nvSpPr>
+              <p:cNvPr id="147" name="Rectangle 146"/>
+              <p:cNvSpPr/>
+              <p:nvPr/>
+            </p:nvSpPr>
+            <p:spPr>
+              <a:xfrm>
+                <a:off x="8001000" y="1143000"/>
+                <a:ext cx="304800" cy="381000"/>
+              </a:xfrm>
+              <a:prstGeom prst="rect">
+                <a:avLst/>
+              </a:prstGeom>
+              <a:grpFill/>
+              <a:ln w="12700" cap="flat" cmpd="sng" algn="ctr">
+                <a:solidFill>
+                  <a:sysClr val="windowText" lastClr="000000"/>
+                </a:solidFill>
+                <a:prstDash val="solid"/>
+              </a:ln>
+              <a:effectLst/>
+            </p:spPr>
+            <p:txBody>
+              <a:bodyPr rtlCol="0" anchor="ctr"/>
+              <a:lstStyle/>
+              <a:p>
+                <a:pPr marL="0" marR="0" lvl="0" indent="0" algn="ctr" defTabSz="914400" eaLnBrk="1" fontAlgn="auto" latinLnBrk="0" hangingPunct="1">
+                  <a:lnSpc>
+                    <a:spcPct val="100000"/>
+                  </a:lnSpc>
+                  <a:spcBef>
+                    <a:spcPts val="0"/>
+                  </a:spcBef>
+                  <a:spcAft>
+                    <a:spcPts val="0"/>
+                  </a:spcAft>
+                  <a:buClrTx/>
+                  <a:buSzTx/>
+                  <a:buFontTx/>
+                  <a:buNone/>
+                  <a:tabLst/>
+                  <a:defRPr/>
+                </a:pPr>
+                <a:endParaRPr kumimoji="0" lang="en-US" sz="1800" b="0" i="0" u="none" strike="noStrike" kern="0" cap="none" spc="0" normalizeH="0" baseline="0" noProof="0">
+                  <a:ln>
+                    <a:noFill/>
+                  </a:ln>
+                  <a:solidFill>
+                    <a:prstClr val="white"/>
+                  </a:solidFill>
+                  <a:effectLst/>
+                  <a:uLnTx/>
+                  <a:uFillTx/>
+                  <a:latin typeface="Calibri"/>
+                  <a:ea typeface="+mn-ea"/>
+                  <a:cs typeface="+mn-cs"/>
+                </a:endParaRPr>
+              </a:p>
+            </p:txBody>
+          </p:sp>
+          <p:cxnSp>
+            <p:nvCxnSpPr>
+              <p:cNvPr id="148" name="Straight Connector 147"/>
+              <p:cNvCxnSpPr>
+                <a:stCxn id="147" idx="0"/>
+              </p:cNvCxnSpPr>
+              <p:nvPr/>
+            </p:nvCxnSpPr>
+            <p:spPr>
+              <a:xfrm flipH="1">
+                <a:off x="7848600" y="1143000"/>
+                <a:ext cx="304800" cy="0"/>
+              </a:xfrm>
+              <a:prstGeom prst="line">
+                <a:avLst/>
+              </a:prstGeom>
+              <a:grpFill/>
+              <a:ln w="12700" cap="flat" cmpd="sng" algn="ctr">
+                <a:solidFill>
+                  <a:sysClr val="windowText" lastClr="000000"/>
+                </a:solidFill>
+                <a:prstDash val="solid"/>
+              </a:ln>
+              <a:effectLst/>
+            </p:spPr>
+          </p:cxnSp>
+          <p:cxnSp>
+            <p:nvCxnSpPr>
+              <p:cNvPr id="149" name="Straight Connector 148"/>
+              <p:cNvCxnSpPr>
+                <a:stCxn id="147" idx="0"/>
+                <a:endCxn id="147" idx="2"/>
+              </p:cNvCxnSpPr>
+              <p:nvPr/>
+            </p:nvCxnSpPr>
+            <p:spPr>
+              <a:xfrm>
+                <a:off x="8153400" y="1143000"/>
+                <a:ext cx="0" cy="381000"/>
+              </a:xfrm>
+              <a:prstGeom prst="line">
+                <a:avLst/>
+              </a:prstGeom>
+              <a:grpFill/>
+              <a:ln w="12700" cap="flat" cmpd="sng" algn="ctr">
+                <a:solidFill>
+                  <a:sysClr val="windowText" lastClr="000000"/>
+                </a:solidFill>
+                <a:prstDash val="solid"/>
+              </a:ln>
+              <a:effectLst/>
+            </p:spPr>
+          </p:cxnSp>
+          <p:cxnSp>
+            <p:nvCxnSpPr>
+              <p:cNvPr id="150" name="Straight Connector 149"/>
+              <p:cNvCxnSpPr>
+                <a:stCxn id="147" idx="2"/>
+              </p:cNvCxnSpPr>
+              <p:nvPr/>
+            </p:nvCxnSpPr>
+            <p:spPr>
+              <a:xfrm flipH="1">
+                <a:off x="7848600" y="1524000"/>
+                <a:ext cx="304800" cy="0"/>
+              </a:xfrm>
+              <a:prstGeom prst="line">
+                <a:avLst/>
+              </a:prstGeom>
+              <a:grpFill/>
+              <a:ln w="12700" cap="flat" cmpd="sng" algn="ctr">
+                <a:solidFill>
+                  <a:sysClr val="windowText" lastClr="000000"/>
+                </a:solidFill>
+                <a:prstDash val="solid"/>
+              </a:ln>
+              <a:effectLst/>
+            </p:spPr>
+          </p:cxnSp>
+        </p:grpSp>
+        <p:cxnSp>
+          <p:nvCxnSpPr>
+            <p:cNvPr id="151" name="Straight Arrow Connector 150"/>
+            <p:cNvCxnSpPr>
+              <a:stCxn id="147" idx="3"/>
+              <a:endCxn id="35" idx="3"/>
+            </p:cNvCxnSpPr>
+            <p:nvPr/>
+          </p:nvCxnSpPr>
+          <p:spPr>
+            <a:xfrm>
+              <a:off x="2528515" y="2208261"/>
+              <a:ext cx="1" cy="449635"/>
+            </a:xfrm>
+            <a:prstGeom prst="straightConnector1">
+              <a:avLst/>
+            </a:prstGeom>
+            <a:noFill/>
+            <a:ln w="12700" cap="flat" cmpd="sng" algn="ctr">
+              <a:solidFill>
+                <a:sysClr val="windowText" lastClr="000000"/>
+              </a:solidFill>
+              <a:prstDash val="solid"/>
+              <a:tailEnd type="triangle"/>
+            </a:ln>
+            <a:effectLst/>
+          </p:spPr>
+        </p:cxnSp>
+        <p:sp>
+          <p:nvSpPr>
+            <p:cNvPr id="156" name="TextBox 155"/>
+            <p:cNvSpPr txBox="1"/>
+            <p:nvPr/>
+          </p:nvSpPr>
+          <p:spPr>
+            <a:xfrm>
+              <a:off x="8957709" y="5714513"/>
+              <a:ext cx="1537643" cy="707886"/>
+            </a:xfrm>
+            <a:prstGeom prst="rect">
+              <a:avLst/>
+            </a:prstGeom>
+            <a:noFill/>
+          </p:spPr>
+          <p:txBody>
+            <a:bodyPr wrap="square" rtlCol="0">
+              <a:spAutoFit/>
+            </a:bodyPr>
+            <a:lstStyle/>
+            <a:p>
+              <a:pPr marL="0" marR="0" lvl="0" indent="0" algn="ctr" defTabSz="914400" eaLnBrk="1" fontAlgn="auto" latinLnBrk="0" hangingPunct="1">
+                <a:lnSpc>
+                  <a:spcPct val="100000"/>
+                </a:lnSpc>
+                <a:spcBef>
+                  <a:spcPts val="0"/>
+                </a:spcBef>
+                <a:spcAft>
+                  <a:spcPts val="0"/>
+                </a:spcAft>
+                <a:buClrTx/>
+                <a:buSzTx/>
+                <a:buFontTx/>
+                <a:buNone/>
+                <a:tabLst/>
+                <a:defRPr/>
+              </a:pPr>
+              <a:r>
+                <a:rPr kumimoji="0" lang="en-US" sz="2000" b="0" i="0" u="none" strike="noStrike" kern="0" cap="none" spc="0" normalizeH="0" baseline="0" noProof="0" dirty="0" err="1" smtClean="0">
+                  <a:ln>
+                    <a:noFill/>
+                  </a:ln>
+                  <a:solidFill>
+                    <a:prstClr val="black"/>
+                  </a:solidFill>
+                  <a:effectLst/>
+                  <a:uLnTx/>
+                  <a:uFillTx/>
+                </a:rPr>
+                <a:t>Req</a:t>
+              </a:r>
+              <a:r>
+                <a:rPr kumimoji="0" lang="en-US" sz="2000" b="0" i="0" u="none" strike="noStrike" kern="0" cap="none" spc="0" normalizeH="0" baseline="0" noProof="0" dirty="0" smtClean="0">
+                  <a:ln>
+                    <a:noFill/>
+                  </a:ln>
+                  <a:solidFill>
+                    <a:prstClr val="black"/>
+                  </a:solidFill>
+                  <a:effectLst/>
+                  <a:uLnTx/>
+                  <a:uFillTx/>
+                </a:rPr>
+                <a:t>/</a:t>
+              </a:r>
+              <a:r>
+                <a:rPr kumimoji="0" lang="en-US" sz="2000" b="0" i="0" u="none" strike="noStrike" kern="0" cap="none" spc="0" normalizeH="0" baseline="0" noProof="0" dirty="0" err="1" smtClean="0">
+                  <a:ln>
+                    <a:noFill/>
+                  </a:ln>
+                  <a:solidFill>
+                    <a:prstClr val="black"/>
+                  </a:solidFill>
+                  <a:effectLst/>
+                  <a:uLnTx/>
+                  <a:uFillTx/>
+                </a:rPr>
+                <a:t>resp</a:t>
+              </a:r>
+              <a:r>
+                <a:rPr kumimoji="0" lang="en-US" sz="2000" b="0" i="0" u="none" strike="noStrike" kern="0" cap="none" spc="0" normalizeH="0" baseline="0" noProof="0" dirty="0" smtClean="0">
+                  <a:ln>
+                    <a:noFill/>
+                  </a:ln>
+                  <a:solidFill>
+                    <a:prstClr val="black"/>
+                  </a:solidFill>
+                  <a:effectLst/>
+                  <a:uLnTx/>
+                  <a:uFillTx/>
+                </a:rPr>
+                <a:t> to parent</a:t>
+              </a:r>
+              <a:endParaRPr kumimoji="0" lang="en-US" sz="2000" b="0" i="0" u="none" strike="noStrike" kern="0" cap="none" spc="0" normalizeH="0" baseline="0" noProof="0" dirty="0">
+                <a:ln>
+                  <a:noFill/>
+                </a:ln>
+                <a:solidFill>
+                  <a:prstClr val="black"/>
+                </a:solidFill>
+                <a:effectLst/>
+                <a:uLnTx/>
+                <a:uFillTx/>
+              </a:endParaRPr>
+            </a:p>
+          </p:txBody>
+        </p:sp>
+        <p:cxnSp>
+          <p:nvCxnSpPr>
+            <p:cNvPr id="158" name="Straight Arrow Connector 157"/>
+            <p:cNvCxnSpPr>
+              <a:stCxn id="58" idx="3"/>
+            </p:cNvCxnSpPr>
+            <p:nvPr/>
+          </p:nvCxnSpPr>
+          <p:spPr>
+            <a:xfrm>
+              <a:off x="9562525" y="5330651"/>
+              <a:ext cx="0" cy="424989"/>
+            </a:xfrm>
+            <a:prstGeom prst="straightConnector1">
+              <a:avLst/>
+            </a:prstGeom>
+            <a:ln w="12700">
+              <a:solidFill>
+                <a:schemeClr val="tx1"/>
+              </a:solidFill>
+              <a:tailEnd type="triangle"/>
+            </a:ln>
+          </p:spPr>
+          <p:style>
+            <a:lnRef idx="1">
+              <a:schemeClr val="accent1"/>
+            </a:lnRef>
+            <a:fillRef idx="0">
+              <a:schemeClr val="accent1"/>
+            </a:fillRef>
+            <a:effectRef idx="0">
+              <a:schemeClr val="accent1"/>
+            </a:effectRef>
+            <a:fontRef idx="minor">
+              <a:schemeClr val="tx1"/>
+            </a:fontRef>
+          </p:style>
+        </p:cxnSp>
+        <p:cxnSp>
+          <p:nvCxnSpPr>
+            <p:cNvPr id="160" name="Straight Arrow Connector 159"/>
+            <p:cNvCxnSpPr>
+              <a:stCxn id="129" idx="3"/>
+            </p:cNvCxnSpPr>
+            <p:nvPr/>
+          </p:nvCxnSpPr>
+          <p:spPr>
+            <a:xfrm>
+              <a:off x="9917380" y="5323343"/>
+              <a:ext cx="0" cy="432297"/>
+            </a:xfrm>
+            <a:prstGeom prst="straightConnector1">
+              <a:avLst/>
+            </a:prstGeom>
+            <a:ln w="12700">
+              <a:solidFill>
+                <a:schemeClr val="tx1"/>
+              </a:solidFill>
+              <a:tailEnd type="triangle"/>
+            </a:ln>
+          </p:spPr>
+          <p:style>
+            <a:lnRef idx="1">
+              <a:schemeClr val="accent1"/>
+            </a:lnRef>
+            <a:fillRef idx="0">
+              <a:schemeClr val="accent1"/>
+            </a:fillRef>
+            <a:effectRef idx="0">
+              <a:schemeClr val="accent1"/>
+            </a:effectRef>
+            <a:fontRef idx="minor">
+              <a:schemeClr val="tx1"/>
+            </a:fontRef>
+          </p:style>
+        </p:cxnSp>
+        <p:sp>
+          <p:nvSpPr>
+            <p:cNvPr id="169" name="Cloud 168"/>
+            <p:cNvSpPr/>
+            <p:nvPr/>
+          </p:nvSpPr>
+          <p:spPr>
+            <a:xfrm>
+              <a:off x="6763445" y="2981121"/>
+              <a:ext cx="1661665" cy="806803"/>
+            </a:xfrm>
+            <a:prstGeom prst="cloud">
+              <a:avLst/>
+            </a:prstGeom>
+            <a:solidFill>
+              <a:srgbClr val="B7DEE8"/>
+            </a:solidFill>
+            <a:ln w="25400" cap="flat" cmpd="sng" algn="ctr">
+              <a:solidFill>
+                <a:sysClr val="windowText" lastClr="000000"/>
+              </a:solidFill>
+              <a:prstDash val="solid"/>
+            </a:ln>
+            <a:effectLst/>
+          </p:spPr>
+          <p:txBody>
+            <a:bodyPr rot="0" spcFirstLastPara="0" vertOverflow="overflow" horzOverflow="overflow" vert="horz" wrap="square" lIns="91440" tIns="45720" rIns="91440" bIns="45720" numCol="1" spcCol="0" rtlCol="0" fromWordArt="0" anchor="ctr" anchorCtr="0" forceAA="0" compatLnSpc="1">
+              <a:prstTxWarp prst="textNoShape">
+                <a:avLst/>
+              </a:prstTxWarp>
+              <a:noAutofit/>
+            </a:bodyPr>
+            <a:lstStyle/>
+            <a:p>
+              <a:pPr marL="0" marR="0" lvl="0" indent="0" algn="ctr" defTabSz="914400" eaLnBrk="1" fontAlgn="auto" latinLnBrk="0" hangingPunct="1">
+                <a:lnSpc>
+                  <a:spcPct val="100000"/>
+                </a:lnSpc>
+                <a:spcBef>
+                  <a:spcPts val="0"/>
+                </a:spcBef>
+                <a:spcAft>
+                  <a:spcPts val="0"/>
+                </a:spcAft>
+                <a:buClrTx/>
+                <a:buSzTx/>
+                <a:buFontTx/>
+                <a:buNone/>
+                <a:tabLst/>
+                <a:defRPr/>
+              </a:pPr>
+              <a:r>
+                <a:rPr kumimoji="0" lang="en-US" sz="2000" b="0" i="0" u="none" strike="noStrike" kern="0" cap="none" spc="0" normalizeH="0" baseline="0" noProof="0" dirty="0" smtClean="0">
+                  <a:ln>
+                    <a:noFill/>
+                  </a:ln>
+                  <a:solidFill>
+                    <a:prstClr val="black"/>
+                  </a:solidFill>
+                  <a:effectLst/>
+                  <a:uLnTx/>
+                  <a:uFillTx/>
+                  <a:latin typeface="Calibri"/>
+                  <a:ea typeface="+mn-ea"/>
+                  <a:cs typeface="+mn-cs"/>
+                </a:rPr>
+                <a:t>Process</a:t>
+              </a:r>
+            </a:p>
+            <a:p>
+              <a:pPr marL="0" marR="0" lvl="0" indent="0" algn="ctr" defTabSz="914400" eaLnBrk="1" fontAlgn="auto" latinLnBrk="0" hangingPunct="1">
+                <a:lnSpc>
+                  <a:spcPct val="100000"/>
+                </a:lnSpc>
+                <a:spcBef>
+                  <a:spcPts val="0"/>
+                </a:spcBef>
+                <a:spcAft>
+                  <a:spcPts val="0"/>
+                </a:spcAft>
+                <a:buClrTx/>
+                <a:buSzTx/>
+                <a:buFontTx/>
+                <a:buNone/>
+                <a:tabLst/>
+                <a:defRPr/>
+              </a:pPr>
+              <a:r>
+                <a:rPr lang="en-US" sz="2000" kern="0" dirty="0" smtClean="0">
+                  <a:solidFill>
+                    <a:prstClr val="black"/>
+                  </a:solidFill>
+                  <a:latin typeface="Calibri"/>
+                </a:rPr>
+                <a:t>Rules</a:t>
+              </a:r>
+              <a:endParaRPr kumimoji="0" lang="en-US" sz="2000" b="0" i="0" u="none" strike="noStrike" kern="0" cap="none" spc="0" normalizeH="0" baseline="0" noProof="0" dirty="0">
+                <a:ln>
+                  <a:noFill/>
+                </a:ln>
+                <a:solidFill>
+                  <a:prstClr val="black"/>
+                </a:solidFill>
+                <a:effectLst/>
+                <a:uLnTx/>
+                <a:uFillTx/>
+                <a:latin typeface="Calibri"/>
+                <a:ea typeface="+mn-ea"/>
+                <a:cs typeface="+mn-cs"/>
+              </a:endParaRPr>
+            </a:p>
+          </p:txBody>
+        </p:sp>
+        <p:sp>
+          <p:nvSpPr>
+            <p:cNvPr id="173" name="TextBox 172"/>
+            <p:cNvSpPr txBox="1"/>
+            <p:nvPr/>
+          </p:nvSpPr>
+          <p:spPr>
+            <a:xfrm>
+              <a:off x="1563453" y="806382"/>
+              <a:ext cx="1917485" cy="400110"/>
+            </a:xfrm>
+            <a:prstGeom prst="rect">
+              <a:avLst/>
+            </a:prstGeom>
+            <a:noFill/>
+          </p:spPr>
+          <p:txBody>
+            <a:bodyPr wrap="square" rtlCol="0">
+              <a:spAutoFit/>
+            </a:bodyPr>
+            <a:lstStyle/>
+            <a:p>
+              <a:pPr marL="0" marR="0" lvl="0" indent="0" algn="ctr" defTabSz="914400" eaLnBrk="1" fontAlgn="auto" latinLnBrk="0" hangingPunct="1">
+                <a:lnSpc>
+                  <a:spcPct val="100000"/>
+                </a:lnSpc>
+                <a:spcBef>
+                  <a:spcPts val="0"/>
+                </a:spcBef>
+                <a:spcAft>
+                  <a:spcPts val="0"/>
+                </a:spcAft>
+                <a:buClrTx/>
+                <a:buSzTx/>
+                <a:buFontTx/>
+                <a:buNone/>
+                <a:tabLst/>
+                <a:defRPr/>
+              </a:pPr>
+              <a:r>
+                <a:rPr kumimoji="0" lang="en-US" sz="2000" b="0" i="0" u="none" strike="noStrike" kern="0" cap="none" spc="0" normalizeH="0" baseline="0" noProof="0" dirty="0" err="1" smtClean="0">
+                  <a:ln>
+                    <a:noFill/>
+                  </a:ln>
+                  <a:solidFill>
+                    <a:prstClr val="black"/>
+                  </a:solidFill>
+                  <a:effectLst/>
+                  <a:uLnTx/>
+                  <a:uFillTx/>
+                </a:rPr>
+                <a:t>Req</a:t>
+              </a:r>
+              <a:r>
+                <a:rPr kumimoji="0" lang="en-US" sz="2000" b="0" i="0" u="none" strike="noStrike" kern="0" cap="none" spc="0" normalizeH="0" baseline="0" noProof="0" dirty="0" smtClean="0">
+                  <a:ln>
+                    <a:noFill/>
+                  </a:ln>
+                  <a:solidFill>
+                    <a:prstClr val="black"/>
+                  </a:solidFill>
+                  <a:effectLst/>
+                  <a:uLnTx/>
+                  <a:uFillTx/>
+                </a:rPr>
+                <a:t> from core</a:t>
+              </a:r>
+              <a:endParaRPr kumimoji="0" lang="en-US" sz="2000" b="0" i="0" u="none" strike="noStrike" kern="0" cap="none" spc="0" normalizeH="0" baseline="0" noProof="0" dirty="0">
+                <a:ln>
+                  <a:noFill/>
+                </a:ln>
+                <a:solidFill>
+                  <a:prstClr val="black"/>
+                </a:solidFill>
+                <a:effectLst/>
+                <a:uLnTx/>
+                <a:uFillTx/>
+              </a:endParaRPr>
+            </a:p>
+          </p:txBody>
+        </p:sp>
+        <p:sp>
+          <p:nvSpPr>
+            <p:cNvPr id="174" name="TextBox 173"/>
+            <p:cNvSpPr txBox="1"/>
+            <p:nvPr/>
+          </p:nvSpPr>
+          <p:spPr>
+            <a:xfrm>
+              <a:off x="5783268" y="770273"/>
+              <a:ext cx="3088283" cy="1015663"/>
+            </a:xfrm>
+            <a:prstGeom prst="rect">
+              <a:avLst/>
+            </a:prstGeom>
+            <a:noFill/>
+          </p:spPr>
+          <p:txBody>
+            <a:bodyPr wrap="square" rtlCol="0">
+              <a:spAutoFit/>
+            </a:bodyPr>
+            <a:lstStyle/>
+            <a:p>
+              <a:pPr algn="ctr"/>
+              <a:r>
+                <a:rPr lang="en-US" sz="2000" dirty="0" smtClean="0"/>
+                <a:t>Call methods of L1ProcResp to respond core</a:t>
+              </a:r>
+              <a:endParaRPr lang="en-US" sz="2000" dirty="0"/>
+            </a:p>
+          </p:txBody>
+        </p:sp>
+        <p:cxnSp>
+          <p:nvCxnSpPr>
+            <p:cNvPr id="176" name="Straight Arrow Connector 175"/>
+            <p:cNvCxnSpPr>
+              <a:stCxn id="174" idx="2"/>
+              <a:endCxn id="16" idx="3"/>
+            </p:cNvCxnSpPr>
+            <p:nvPr/>
+          </p:nvCxnSpPr>
+          <p:spPr>
+            <a:xfrm>
+              <a:off x="7327410" y="1457960"/>
+              <a:ext cx="0" cy="1463947"/>
+            </a:xfrm>
+            <a:prstGeom prst="straightConnector1">
+              <a:avLst/>
+            </a:prstGeom>
+            <a:ln w="12700">
+              <a:solidFill>
+                <a:schemeClr val="tx1"/>
+              </a:solidFill>
+              <a:headEnd type="triangle" w="med" len="med"/>
+              <a:tailEnd type="none" w="med" len="med"/>
+            </a:ln>
+          </p:spPr>
+          <p:style>
+            <a:lnRef idx="1">
+              <a:schemeClr val="accent1"/>
+            </a:lnRef>
+            <a:fillRef idx="0">
+              <a:schemeClr val="accent1"/>
+            </a:fillRef>
+            <a:effectRef idx="0">
+              <a:schemeClr val="accent1"/>
+            </a:effectRef>
+            <a:fontRef idx="minor">
+              <a:schemeClr val="tx1"/>
+            </a:fontRef>
+          </p:style>
+        </p:cxnSp>
+        <p:cxnSp>
+          <p:nvCxnSpPr>
+            <p:cNvPr id="179" name="Straight Arrow Connector 178"/>
+            <p:cNvCxnSpPr>
+              <a:stCxn id="173" idx="2"/>
+              <a:endCxn id="147" idx="1"/>
+            </p:cNvCxnSpPr>
+            <p:nvPr/>
+          </p:nvCxnSpPr>
+          <p:spPr>
+            <a:xfrm>
+              <a:off x="2522196" y="1206492"/>
+              <a:ext cx="6319" cy="696969"/>
+            </a:xfrm>
+            <a:prstGeom prst="straightConnector1">
+              <a:avLst/>
+            </a:prstGeom>
+            <a:ln w="12700">
+              <a:solidFill>
+                <a:schemeClr val="tx1"/>
+              </a:solidFill>
+              <a:tailEnd type="triangle"/>
+            </a:ln>
+          </p:spPr>
+          <p:style>
+            <a:lnRef idx="1">
+              <a:schemeClr val="accent1"/>
+            </a:lnRef>
+            <a:fillRef idx="0">
+              <a:schemeClr val="accent1"/>
+            </a:fillRef>
+            <a:effectRef idx="0">
+              <a:schemeClr val="accent1"/>
+            </a:effectRef>
+            <a:fontRef idx="minor">
+              <a:schemeClr val="tx1"/>
+            </a:fontRef>
+          </p:style>
+        </p:cxnSp>
+        <p:sp>
+          <p:nvSpPr>
+            <p:cNvPr id="184" name="TextBox 183"/>
+            <p:cNvSpPr txBox="1"/>
+            <p:nvPr/>
+          </p:nvSpPr>
+          <p:spPr>
+            <a:xfrm>
+              <a:off x="3873041" y="2409359"/>
+              <a:ext cx="2146581" cy="400110"/>
+            </a:xfrm>
+            <a:prstGeom prst="rect">
+              <a:avLst/>
+            </a:prstGeom>
+            <a:solidFill>
+              <a:srgbClr val="92D050"/>
+            </a:solidFill>
+            <a:ln w="28575">
+              <a:solidFill>
+                <a:sysClr val="windowText" lastClr="000000"/>
+              </a:solidFill>
+            </a:ln>
+          </p:spPr>
+          <p:txBody>
+            <a:bodyPr wrap="square" rtlCol="0" anchor="ctr">
+              <a:spAutoFit/>
+            </a:bodyPr>
+            <a:lstStyle/>
+            <a:p>
+              <a:pPr marL="0" marR="0" lvl="0" indent="0" algn="ctr" defTabSz="914400" eaLnBrk="1" fontAlgn="auto" latinLnBrk="0" hangingPunct="1">
+                <a:lnSpc>
+                  <a:spcPct val="100000"/>
+                </a:lnSpc>
+                <a:spcBef>
+                  <a:spcPts val="0"/>
+                </a:spcBef>
+                <a:spcAft>
+                  <a:spcPts val="0"/>
+                </a:spcAft>
+                <a:buClrTx/>
+                <a:buSzTx/>
+                <a:buFontTx/>
+                <a:buNone/>
+                <a:tabLst/>
+                <a:defRPr/>
+              </a:pPr>
+              <a:r>
+                <a:rPr kumimoji="0" lang="en-US" sz="2000" b="0" i="0" u="none" strike="noStrike" kern="0" cap="none" spc="0" normalizeH="0" baseline="0" noProof="0" dirty="0" smtClean="0">
+                  <a:ln>
+                    <a:noFill/>
+                  </a:ln>
+                  <a:solidFill>
+                    <a:prstClr val="black"/>
+                  </a:solidFill>
+                  <a:effectLst/>
+                  <a:uLnTx/>
+                  <a:uFillTx/>
+                </a:rPr>
+                <a:t>Parent </a:t>
+              </a:r>
+              <a:r>
+                <a:rPr kumimoji="0" lang="en-US" sz="2000" b="0" i="0" u="none" strike="noStrike" kern="0" cap="none" spc="0" normalizeH="0" baseline="0" noProof="0" dirty="0" err="1" smtClean="0">
+                  <a:ln>
+                    <a:noFill/>
+                  </a:ln>
+                  <a:solidFill>
+                    <a:prstClr val="black"/>
+                  </a:solidFill>
+                  <a:effectLst/>
+                  <a:uLnTx/>
+                  <a:uFillTx/>
+                </a:rPr>
+                <a:t>req</a:t>
+              </a:r>
+              <a:r>
+                <a:rPr kumimoji="0" lang="en-US" sz="2000" b="0" i="0" u="none" strike="noStrike" kern="0" cap="none" spc="0" normalizeH="0" baseline="0" noProof="0" dirty="0" smtClean="0">
+                  <a:ln>
+                    <a:noFill/>
+                  </a:ln>
+                  <a:solidFill>
+                    <a:prstClr val="black"/>
+                  </a:solidFill>
+                  <a:effectLst/>
+                  <a:uLnTx/>
+                  <a:uFillTx/>
+                </a:rPr>
+                <a:t> MSHR</a:t>
+              </a:r>
+              <a:endParaRPr kumimoji="0" lang="en-US" sz="2000" b="0" i="0" u="none" strike="noStrike" kern="0" cap="none" spc="0" normalizeH="0" baseline="0" noProof="0" dirty="0">
+                <a:ln>
+                  <a:noFill/>
+                </a:ln>
+                <a:solidFill>
+                  <a:prstClr val="black"/>
+                </a:solidFill>
+                <a:effectLst/>
+                <a:uLnTx/>
+                <a:uFillTx/>
+              </a:endParaRPr>
+            </a:p>
+          </p:txBody>
+        </p:sp>
+      </p:grpSp>
+    </p:spTree>
+    <p:extLst>
+      <p:ext uri="{BB962C8B-B14F-4D97-AF65-F5344CB8AC3E}">
+        <p14:creationId xmlns:p14="http://schemas.microsoft.com/office/powerpoint/2010/main" val="113769760"/>
+      </p:ext>
+    </p:extLst>
+  </p:cSld>
+  <p:clrMapOvr>
+    <a:masterClrMapping/>
+  </p:clrMapOvr>
+</p:sld>
+</file>
+
 <file path=ppt/theme/theme1.xml><?xml version="1.0" encoding="utf-8"?>
 <a:theme xmlns:a="http://schemas.openxmlformats.org/drawingml/2006/main" name="Office Theme">
   <a:themeElements>

--- a/fig/fig.pptx
+++ b/fig/fig.pptx
@@ -11,6 +11,7 @@
     <p:sldId id="259" r:id="rId5"/>
     <p:sldId id="260" r:id="rId6"/>
     <p:sldId id="261" r:id="rId7"/>
+    <p:sldId id="262" r:id="rId8"/>
   </p:sldIdLst>
   <p:sldSz cx="12192000" cy="6858000"/>
   <p:notesSz cx="7315200" cy="9601200"/>
@@ -248,7 +249,7 @@
           <a:p>
             <a:fld id="{BE4C2E38-1CA4-415D-AC32-50965AFA52AB}" type="datetimeFigureOut">
               <a:rPr lang="en-US" smtClean="0"/>
-              <a:t>5/29/2019</a:t>
+              <a:t>5/30/2019</a:t>
             </a:fld>
             <a:endParaRPr lang="en-US"/>
           </a:p>
@@ -418,7 +419,7 @@
           <a:p>
             <a:fld id="{BE4C2E38-1CA4-415D-AC32-50965AFA52AB}" type="datetimeFigureOut">
               <a:rPr lang="en-US" smtClean="0"/>
-              <a:t>5/29/2019</a:t>
+              <a:t>5/30/2019</a:t>
             </a:fld>
             <a:endParaRPr lang="en-US"/>
           </a:p>
@@ -598,7 +599,7 @@
           <a:p>
             <a:fld id="{BE4C2E38-1CA4-415D-AC32-50965AFA52AB}" type="datetimeFigureOut">
               <a:rPr lang="en-US" smtClean="0"/>
-              <a:t>5/29/2019</a:t>
+              <a:t>5/30/2019</a:t>
             </a:fld>
             <a:endParaRPr lang="en-US"/>
           </a:p>
@@ -768,7 +769,7 @@
           <a:p>
             <a:fld id="{BE4C2E38-1CA4-415D-AC32-50965AFA52AB}" type="datetimeFigureOut">
               <a:rPr lang="en-US" smtClean="0"/>
-              <a:t>5/29/2019</a:t>
+              <a:t>5/30/2019</a:t>
             </a:fld>
             <a:endParaRPr lang="en-US"/>
           </a:p>
@@ -1014,7 +1015,7 @@
           <a:p>
             <a:fld id="{BE4C2E38-1CA4-415D-AC32-50965AFA52AB}" type="datetimeFigureOut">
               <a:rPr lang="en-US" smtClean="0"/>
-              <a:t>5/29/2019</a:t>
+              <a:t>5/30/2019</a:t>
             </a:fld>
             <a:endParaRPr lang="en-US"/>
           </a:p>
@@ -1246,7 +1247,7 @@
           <a:p>
             <a:fld id="{BE4C2E38-1CA4-415D-AC32-50965AFA52AB}" type="datetimeFigureOut">
               <a:rPr lang="en-US" smtClean="0"/>
-              <a:t>5/29/2019</a:t>
+              <a:t>5/30/2019</a:t>
             </a:fld>
             <a:endParaRPr lang="en-US"/>
           </a:p>
@@ -1613,7 +1614,7 @@
           <a:p>
             <a:fld id="{BE4C2E38-1CA4-415D-AC32-50965AFA52AB}" type="datetimeFigureOut">
               <a:rPr lang="en-US" smtClean="0"/>
-              <a:t>5/29/2019</a:t>
+              <a:t>5/30/2019</a:t>
             </a:fld>
             <a:endParaRPr lang="en-US"/>
           </a:p>
@@ -1731,7 +1732,7 @@
           <a:p>
             <a:fld id="{BE4C2E38-1CA4-415D-AC32-50965AFA52AB}" type="datetimeFigureOut">
               <a:rPr lang="en-US" smtClean="0"/>
-              <a:t>5/29/2019</a:t>
+              <a:t>5/30/2019</a:t>
             </a:fld>
             <a:endParaRPr lang="en-US"/>
           </a:p>
@@ -1826,7 +1827,7 @@
           <a:p>
             <a:fld id="{BE4C2E38-1CA4-415D-AC32-50965AFA52AB}" type="datetimeFigureOut">
               <a:rPr lang="en-US" smtClean="0"/>
-              <a:t>5/29/2019</a:t>
+              <a:t>5/30/2019</a:t>
             </a:fld>
             <a:endParaRPr lang="en-US"/>
           </a:p>
@@ -2103,7 +2104,7 @@
           <a:p>
             <a:fld id="{BE4C2E38-1CA4-415D-AC32-50965AFA52AB}" type="datetimeFigureOut">
               <a:rPr lang="en-US" smtClean="0"/>
-              <a:t>5/29/2019</a:t>
+              <a:t>5/30/2019</a:t>
             </a:fld>
             <a:endParaRPr lang="en-US"/>
           </a:p>
@@ -2356,7 +2357,7 @@
           <a:p>
             <a:fld id="{BE4C2E38-1CA4-415D-AC32-50965AFA52AB}" type="datetimeFigureOut">
               <a:rPr lang="en-US" smtClean="0"/>
-              <a:t>5/29/2019</a:t>
+              <a:t>5/30/2019</a:t>
             </a:fld>
             <a:endParaRPr lang="en-US"/>
           </a:p>
@@ -2569,7 +2570,7 @@
           <a:p>
             <a:fld id="{BE4C2E38-1CA4-415D-AC32-50965AFA52AB}" type="datetimeFigureOut">
               <a:rPr lang="en-US" smtClean="0"/>
-              <a:t>5/29/2019</a:t>
+              <a:t>5/30/2019</a:t>
             </a:fld>
             <a:endParaRPr lang="en-US"/>
           </a:p>
@@ -17789,21 +17790,7 @@
                   <a:uLnTx/>
                   <a:uFillTx/>
                 </a:rPr>
-                <a:t>L2 </a:t>
-              </a:r>
-              <a:r>
-                <a:rPr kumimoji="0" lang="en-US" sz="2000" b="1" i="0" u="none" strike="noStrike" kern="0" cap="none" spc="0" normalizeH="0" baseline="0" noProof="0" dirty="0" smtClean="0">
-                  <a:ln>
-                    <a:noFill/>
-                  </a:ln>
-                  <a:solidFill>
-                    <a:prstClr val="black"/>
-                  </a:solidFill>
-                  <a:effectLst/>
-                  <a:uLnTx/>
-                  <a:uFillTx/>
-                </a:rPr>
-                <a:t>TLB</a:t>
+                <a:t>L2 TLB</a:t>
               </a:r>
               <a:endParaRPr kumimoji="0" lang="en-US" sz="2000" b="1" i="0" u="none" strike="noStrike" kern="0" cap="none" spc="0" normalizeH="0" baseline="0" noProof="0" dirty="0">
                 <a:ln>
@@ -18119,6 +18106,2509 @@
 </p:sld>
 </file>
 
+<file path=ppt/slides/slide7.xml><?xml version="1.0" encoding="utf-8"?>
+<p:sld xmlns:a="http://schemas.openxmlformats.org/drawingml/2006/main" xmlns:r="http://schemas.openxmlformats.org/officeDocument/2006/relationships" xmlns:p="http://schemas.openxmlformats.org/presentationml/2006/main">
+  <p:cSld>
+    <p:spTree>
+      <p:nvGrpSpPr>
+        <p:cNvPr id="1" name=""/>
+        <p:cNvGrpSpPr/>
+        <p:nvPr/>
+      </p:nvGrpSpPr>
+      <p:grpSpPr>
+        <a:xfrm>
+          <a:off x="0" y="0"/>
+          <a:ext cx="0" cy="0"/>
+          <a:chOff x="0" y="0"/>
+          <a:chExt cx="0" cy="0"/>
+        </a:xfrm>
+      </p:grpSpPr>
+      <p:grpSp>
+        <p:nvGrpSpPr>
+          <p:cNvPr id="69" name="Group 68"/>
+          <p:cNvGrpSpPr/>
+          <p:nvPr/>
+        </p:nvGrpSpPr>
+        <p:grpSpPr>
+          <a:xfrm>
+            <a:off x="341453" y="2082731"/>
+            <a:ext cx="11896343" cy="2972739"/>
+            <a:chOff x="341453" y="2082731"/>
+            <a:chExt cx="11896343" cy="2972739"/>
+          </a:xfrm>
+        </p:grpSpPr>
+        <p:sp>
+          <p:nvSpPr>
+            <p:cNvPr id="5" name="Rectangle 4"/>
+            <p:cNvSpPr/>
+            <p:nvPr/>
+          </p:nvSpPr>
+          <p:spPr>
+            <a:xfrm>
+              <a:off x="341453" y="2082731"/>
+              <a:ext cx="10497475" cy="2396672"/>
+            </a:xfrm>
+            <a:prstGeom prst="rect">
+              <a:avLst/>
+            </a:prstGeom>
+            <a:solidFill>
+              <a:schemeClr val="bg1">
+                <a:lumMod val="85000"/>
+              </a:schemeClr>
+            </a:solidFill>
+            <a:ln w="28575">
+              <a:solidFill>
+                <a:schemeClr val="tx1"/>
+              </a:solidFill>
+            </a:ln>
+          </p:spPr>
+          <p:style>
+            <a:lnRef idx="2">
+              <a:schemeClr val="accent1">
+                <a:shade val="50000"/>
+              </a:schemeClr>
+            </a:lnRef>
+            <a:fillRef idx="1">
+              <a:schemeClr val="accent1"/>
+            </a:fillRef>
+            <a:effectRef idx="0">
+              <a:schemeClr val="accent1"/>
+            </a:effectRef>
+            <a:fontRef idx="minor">
+              <a:schemeClr val="lt1"/>
+            </a:fontRef>
+          </p:style>
+          <p:txBody>
+            <a:bodyPr rtlCol="0" anchor="ctr"/>
+            <a:lstStyle/>
+            <a:p>
+              <a:pPr marL="0" marR="0" lvl="0" indent="0" algn="ctr" defTabSz="914400" rtl="0" eaLnBrk="1" fontAlgn="auto" latinLnBrk="0" hangingPunct="1">
+                <a:lnSpc>
+                  <a:spcPct val="100000"/>
+                </a:lnSpc>
+                <a:spcBef>
+                  <a:spcPts val="0"/>
+                </a:spcBef>
+                <a:spcAft>
+                  <a:spcPts val="0"/>
+                </a:spcAft>
+                <a:buClrTx/>
+                <a:buSzTx/>
+                <a:buFontTx/>
+                <a:buNone/>
+                <a:tabLst/>
+                <a:defRPr/>
+              </a:pPr>
+              <a:endParaRPr kumimoji="0" lang="en-US" sz="1800" b="0" i="0" u="none" strike="noStrike" kern="1200" cap="none" spc="0" normalizeH="0" baseline="0" noProof="0" dirty="0">
+                <a:ln>
+                  <a:noFill/>
+                </a:ln>
+                <a:solidFill>
+                  <a:prstClr val="white"/>
+                </a:solidFill>
+                <a:effectLst/>
+                <a:uLnTx/>
+                <a:uFillTx/>
+                <a:latin typeface="Calibri"/>
+                <a:ea typeface="+mn-ea"/>
+                <a:cs typeface="+mn-cs"/>
+              </a:endParaRPr>
+            </a:p>
+          </p:txBody>
+        </p:sp>
+        <p:sp>
+          <p:nvSpPr>
+            <p:cNvPr id="6" name="Rectangle 5"/>
+            <p:cNvSpPr/>
+            <p:nvPr/>
+          </p:nvSpPr>
+          <p:spPr>
+            <a:xfrm>
+              <a:off x="971925" y="2717241"/>
+              <a:ext cx="469233" cy="331199"/>
+            </a:xfrm>
+            <a:prstGeom prst="rect">
+              <a:avLst/>
+            </a:prstGeom>
+            <a:solidFill>
+              <a:schemeClr val="accent6">
+                <a:lumMod val="60000"/>
+                <a:lumOff val="40000"/>
+              </a:schemeClr>
+            </a:solidFill>
+            <a:ln w="25400" cap="flat" cmpd="sng" algn="ctr">
+              <a:solidFill>
+                <a:sysClr val="windowText" lastClr="000000"/>
+              </a:solidFill>
+              <a:prstDash val="solid"/>
+            </a:ln>
+            <a:effectLst/>
+          </p:spPr>
+          <p:txBody>
+            <a:bodyPr rtlCol="0" anchor="ctr"/>
+            <a:lstStyle/>
+            <a:p>
+              <a:pPr marL="0" marR="0" lvl="0" indent="0" algn="ctr" defTabSz="914400" rtl="0" eaLnBrk="1" fontAlgn="auto" latinLnBrk="0" hangingPunct="1">
+                <a:lnSpc>
+                  <a:spcPct val="100000"/>
+                </a:lnSpc>
+                <a:spcBef>
+                  <a:spcPts val="0"/>
+                </a:spcBef>
+                <a:spcAft>
+                  <a:spcPts val="0"/>
+                </a:spcAft>
+                <a:buClrTx/>
+                <a:buSzTx/>
+                <a:buFontTx/>
+                <a:buNone/>
+                <a:tabLst/>
+                <a:defRPr/>
+              </a:pPr>
+              <a:r>
+                <a:rPr kumimoji="0" lang="en-US" sz="2000" b="1" i="0" u="none" strike="noStrike" kern="0" cap="none" spc="0" normalizeH="0" baseline="0" noProof="0" dirty="0" smtClean="0">
+                  <a:ln>
+                    <a:noFill/>
+                  </a:ln>
+                  <a:solidFill>
+                    <a:prstClr val="black"/>
+                  </a:solidFill>
+                  <a:effectLst/>
+                  <a:uLnTx/>
+                  <a:uFillTx/>
+                  <a:latin typeface="Calibri"/>
+                  <a:ea typeface="+mn-ea"/>
+                  <a:cs typeface="+mn-cs"/>
+                </a:rPr>
+                <a:t>PC</a:t>
+              </a:r>
+            </a:p>
+          </p:txBody>
+        </p:sp>
+        <p:sp>
+          <p:nvSpPr>
+            <p:cNvPr id="7" name="Cloud 6"/>
+            <p:cNvSpPr/>
+            <p:nvPr/>
+          </p:nvSpPr>
+          <p:spPr>
+            <a:xfrm>
+              <a:off x="1617799" y="2714138"/>
+              <a:ext cx="1789495" cy="829819"/>
+            </a:xfrm>
+            <a:prstGeom prst="cloud">
+              <a:avLst/>
+            </a:prstGeom>
+            <a:solidFill>
+              <a:srgbClr val="4BACC6">
+                <a:lumMod val="40000"/>
+                <a:lumOff val="60000"/>
+              </a:srgbClr>
+            </a:solidFill>
+            <a:ln w="25400" cap="flat" cmpd="sng" algn="ctr">
+              <a:solidFill>
+                <a:sysClr val="windowText" lastClr="000000"/>
+              </a:solidFill>
+              <a:prstDash val="solid"/>
+            </a:ln>
+            <a:effectLst/>
+          </p:spPr>
+          <p:txBody>
+            <a:bodyPr rtlCol="0" anchor="ctr"/>
+            <a:lstStyle/>
+            <a:p>
+              <a:pPr marL="0" marR="0" lvl="0" indent="0" algn="ctr" defTabSz="914400" rtl="0" eaLnBrk="1" fontAlgn="auto" latinLnBrk="0" hangingPunct="1">
+                <a:lnSpc>
+                  <a:spcPct val="100000"/>
+                </a:lnSpc>
+                <a:spcBef>
+                  <a:spcPts val="0"/>
+                </a:spcBef>
+                <a:spcAft>
+                  <a:spcPts val="0"/>
+                </a:spcAft>
+                <a:buClrTx/>
+                <a:buSzTx/>
+                <a:buFontTx/>
+                <a:buNone/>
+                <a:tabLst/>
+                <a:defRPr/>
+              </a:pPr>
+              <a:r>
+                <a:rPr kumimoji="0" lang="en-US" sz="2000" b="1" i="0" u="none" strike="noStrike" kern="0" cap="none" spc="0" normalizeH="0" baseline="0" noProof="0" dirty="0" smtClean="0">
+                  <a:ln>
+                    <a:noFill/>
+                  </a:ln>
+                  <a:solidFill>
+                    <a:prstClr val="black"/>
+                  </a:solidFill>
+                  <a:effectLst/>
+                  <a:uLnTx/>
+                  <a:uFillTx/>
+                  <a:latin typeface="Calibri"/>
+                  <a:ea typeface="+mn-ea"/>
+                  <a:cs typeface="+mn-cs"/>
+                </a:rPr>
+                <a:t>doFetch1</a:t>
+              </a:r>
+              <a:endParaRPr kumimoji="0" lang="en-US" sz="2000" b="1" i="0" u="none" strike="noStrike" kern="0" cap="none" spc="0" normalizeH="0" baseline="0" noProof="0" dirty="0" smtClean="0">
+                <a:ln>
+                  <a:noFill/>
+                </a:ln>
+                <a:solidFill>
+                  <a:prstClr val="black"/>
+                </a:solidFill>
+                <a:effectLst/>
+                <a:uLnTx/>
+                <a:uFillTx/>
+                <a:latin typeface="Calibri"/>
+                <a:ea typeface="+mn-ea"/>
+                <a:cs typeface="+mn-cs"/>
+              </a:endParaRPr>
+            </a:p>
+          </p:txBody>
+        </p:sp>
+        <p:sp>
+          <p:nvSpPr>
+            <p:cNvPr id="8" name="Cloud 7"/>
+            <p:cNvSpPr/>
+            <p:nvPr/>
+          </p:nvSpPr>
+          <p:spPr>
+            <a:xfrm>
+              <a:off x="3894256" y="2714138"/>
+              <a:ext cx="1821708" cy="829819"/>
+            </a:xfrm>
+            <a:prstGeom prst="cloud">
+              <a:avLst/>
+            </a:prstGeom>
+            <a:solidFill>
+              <a:srgbClr val="4BACC6">
+                <a:lumMod val="40000"/>
+                <a:lumOff val="60000"/>
+              </a:srgbClr>
+            </a:solidFill>
+            <a:ln w="25400" cap="flat" cmpd="sng" algn="ctr">
+              <a:solidFill>
+                <a:sysClr val="windowText" lastClr="000000"/>
+              </a:solidFill>
+              <a:prstDash val="solid"/>
+            </a:ln>
+            <a:effectLst/>
+          </p:spPr>
+          <p:txBody>
+            <a:bodyPr rtlCol="0" anchor="ctr"/>
+            <a:lstStyle/>
+            <a:p>
+              <a:pPr marL="0" marR="0" lvl="0" indent="0" algn="ctr" defTabSz="914400" rtl="0" eaLnBrk="1" fontAlgn="auto" latinLnBrk="0" hangingPunct="1">
+                <a:lnSpc>
+                  <a:spcPct val="100000"/>
+                </a:lnSpc>
+                <a:spcBef>
+                  <a:spcPts val="0"/>
+                </a:spcBef>
+                <a:spcAft>
+                  <a:spcPts val="0"/>
+                </a:spcAft>
+                <a:buClrTx/>
+                <a:buSzTx/>
+                <a:buFontTx/>
+                <a:buNone/>
+                <a:tabLst/>
+                <a:defRPr/>
+              </a:pPr>
+              <a:r>
+                <a:rPr kumimoji="0" lang="en-US" sz="2000" b="1" i="0" u="none" strike="noStrike" kern="0" cap="none" spc="0" normalizeH="0" baseline="0" noProof="0" dirty="0" smtClean="0">
+                  <a:ln>
+                    <a:noFill/>
+                  </a:ln>
+                  <a:solidFill>
+                    <a:prstClr val="black"/>
+                  </a:solidFill>
+                  <a:effectLst/>
+                  <a:uLnTx/>
+                  <a:uFillTx/>
+                  <a:latin typeface="Calibri"/>
+                  <a:ea typeface="+mn-ea"/>
+                  <a:cs typeface="+mn-cs"/>
+                </a:rPr>
+                <a:t>doFetch2</a:t>
+              </a:r>
+              <a:endParaRPr kumimoji="0" lang="en-US" sz="2000" b="1" i="0" u="none" strike="noStrike" kern="0" cap="none" spc="0" normalizeH="0" baseline="0" noProof="0" dirty="0" smtClean="0">
+                <a:ln>
+                  <a:noFill/>
+                </a:ln>
+                <a:solidFill>
+                  <a:prstClr val="black"/>
+                </a:solidFill>
+                <a:effectLst/>
+                <a:uLnTx/>
+                <a:uFillTx/>
+                <a:latin typeface="Calibri"/>
+                <a:ea typeface="+mn-ea"/>
+                <a:cs typeface="+mn-cs"/>
+              </a:endParaRPr>
+            </a:p>
+          </p:txBody>
+        </p:sp>
+        <p:sp>
+          <p:nvSpPr>
+            <p:cNvPr id="9" name="Cloud 8"/>
+            <p:cNvSpPr/>
+            <p:nvPr/>
+          </p:nvSpPr>
+          <p:spPr>
+            <a:xfrm>
+              <a:off x="6128157" y="2714138"/>
+              <a:ext cx="1807919" cy="829819"/>
+            </a:xfrm>
+            <a:prstGeom prst="cloud">
+              <a:avLst/>
+            </a:prstGeom>
+            <a:solidFill>
+              <a:srgbClr val="4BACC6">
+                <a:lumMod val="40000"/>
+                <a:lumOff val="60000"/>
+              </a:srgbClr>
+            </a:solidFill>
+            <a:ln w="25400" cap="flat" cmpd="sng" algn="ctr">
+              <a:solidFill>
+                <a:sysClr val="windowText" lastClr="000000"/>
+              </a:solidFill>
+              <a:prstDash val="solid"/>
+            </a:ln>
+            <a:effectLst/>
+          </p:spPr>
+          <p:txBody>
+            <a:bodyPr rtlCol="0" anchor="ctr"/>
+            <a:lstStyle/>
+            <a:p>
+              <a:pPr marL="0" marR="0" lvl="0" indent="0" algn="ctr" defTabSz="914400" rtl="0" eaLnBrk="1" fontAlgn="auto" latinLnBrk="0" hangingPunct="1">
+                <a:lnSpc>
+                  <a:spcPct val="100000"/>
+                </a:lnSpc>
+                <a:spcBef>
+                  <a:spcPts val="0"/>
+                </a:spcBef>
+                <a:spcAft>
+                  <a:spcPts val="0"/>
+                </a:spcAft>
+                <a:buClrTx/>
+                <a:buSzTx/>
+                <a:buFontTx/>
+                <a:buNone/>
+                <a:tabLst/>
+                <a:defRPr/>
+              </a:pPr>
+              <a:r>
+                <a:rPr kumimoji="0" lang="en-US" sz="2000" b="1" i="0" u="none" strike="noStrike" kern="0" cap="none" spc="0" normalizeH="0" baseline="0" noProof="0" dirty="0" smtClean="0">
+                  <a:ln>
+                    <a:noFill/>
+                  </a:ln>
+                  <a:solidFill>
+                    <a:prstClr val="black"/>
+                  </a:solidFill>
+                  <a:effectLst/>
+                  <a:uLnTx/>
+                  <a:uFillTx/>
+                  <a:latin typeface="Calibri"/>
+                  <a:ea typeface="+mn-ea"/>
+                  <a:cs typeface="+mn-cs"/>
+                </a:rPr>
+                <a:t>doFetch3</a:t>
+              </a:r>
+              <a:endParaRPr kumimoji="0" lang="en-US" sz="2000" b="1" i="0" u="none" strike="noStrike" kern="0" cap="none" spc="0" normalizeH="0" baseline="0" noProof="0" dirty="0" smtClean="0">
+                <a:ln>
+                  <a:noFill/>
+                </a:ln>
+                <a:solidFill>
+                  <a:prstClr val="black"/>
+                </a:solidFill>
+                <a:effectLst/>
+                <a:uLnTx/>
+                <a:uFillTx/>
+                <a:latin typeface="Calibri"/>
+                <a:ea typeface="+mn-ea"/>
+                <a:cs typeface="+mn-cs"/>
+              </a:endParaRPr>
+            </a:p>
+          </p:txBody>
+        </p:sp>
+        <p:sp>
+          <p:nvSpPr>
+            <p:cNvPr id="10" name="Cloud 9"/>
+            <p:cNvSpPr/>
+            <p:nvPr/>
+          </p:nvSpPr>
+          <p:spPr>
+            <a:xfrm>
+              <a:off x="8443570" y="2714138"/>
+              <a:ext cx="1946874" cy="829819"/>
+            </a:xfrm>
+            <a:prstGeom prst="cloud">
+              <a:avLst/>
+            </a:prstGeom>
+            <a:solidFill>
+              <a:srgbClr val="4BACC6">
+                <a:lumMod val="40000"/>
+                <a:lumOff val="60000"/>
+              </a:srgbClr>
+            </a:solidFill>
+            <a:ln w="25400" cap="flat" cmpd="sng" algn="ctr">
+              <a:solidFill>
+                <a:sysClr val="windowText" lastClr="000000"/>
+              </a:solidFill>
+              <a:prstDash val="solid"/>
+            </a:ln>
+            <a:effectLst/>
+          </p:spPr>
+          <p:txBody>
+            <a:bodyPr rtlCol="0" anchor="ctr"/>
+            <a:lstStyle/>
+            <a:p>
+              <a:pPr marL="0" marR="0" lvl="0" indent="0" algn="ctr" defTabSz="914400" rtl="0" eaLnBrk="1" fontAlgn="auto" latinLnBrk="0" hangingPunct="1">
+                <a:lnSpc>
+                  <a:spcPct val="100000"/>
+                </a:lnSpc>
+                <a:spcBef>
+                  <a:spcPts val="0"/>
+                </a:spcBef>
+                <a:spcAft>
+                  <a:spcPts val="0"/>
+                </a:spcAft>
+                <a:buClrTx/>
+                <a:buSzTx/>
+                <a:buFontTx/>
+                <a:buNone/>
+                <a:tabLst/>
+                <a:defRPr/>
+              </a:pPr>
+              <a:r>
+                <a:rPr kumimoji="0" lang="en-US" sz="2000" b="1" i="0" u="none" strike="noStrike" kern="0" cap="none" spc="0" normalizeH="0" baseline="0" noProof="0" dirty="0" err="1" smtClean="0">
+                  <a:ln>
+                    <a:noFill/>
+                  </a:ln>
+                  <a:solidFill>
+                    <a:prstClr val="black"/>
+                  </a:solidFill>
+                  <a:effectLst/>
+                  <a:uLnTx/>
+                  <a:uFillTx/>
+                  <a:latin typeface="Calibri"/>
+                  <a:ea typeface="+mn-ea"/>
+                  <a:cs typeface="+mn-cs"/>
+                </a:rPr>
+                <a:t>doDecode</a:t>
+              </a:r>
+              <a:endParaRPr kumimoji="0" lang="en-US" sz="2000" b="1" i="0" u="none" strike="noStrike" kern="0" cap="none" spc="0" normalizeH="0" baseline="0" noProof="0" dirty="0" smtClean="0">
+                <a:ln>
+                  <a:noFill/>
+                </a:ln>
+                <a:solidFill>
+                  <a:prstClr val="black"/>
+                </a:solidFill>
+                <a:effectLst/>
+                <a:uLnTx/>
+                <a:uFillTx/>
+                <a:latin typeface="Calibri"/>
+                <a:ea typeface="+mn-ea"/>
+                <a:cs typeface="+mn-cs"/>
+              </a:endParaRPr>
+            </a:p>
+          </p:txBody>
+        </p:sp>
+        <p:sp>
+          <p:nvSpPr>
+            <p:cNvPr id="11" name="Rectangle 10"/>
+            <p:cNvSpPr/>
+            <p:nvPr/>
+          </p:nvSpPr>
+          <p:spPr>
+            <a:xfrm>
+              <a:off x="3218058" y="3760070"/>
+              <a:ext cx="1144375" cy="331199"/>
+            </a:xfrm>
+            <a:prstGeom prst="rect">
+              <a:avLst/>
+            </a:prstGeom>
+            <a:solidFill>
+              <a:srgbClr val="F79646">
+                <a:lumMod val="40000"/>
+                <a:lumOff val="60000"/>
+              </a:srgbClr>
+            </a:solidFill>
+            <a:ln w="25400" cap="flat" cmpd="sng" algn="ctr">
+              <a:solidFill>
+                <a:sysClr val="windowText" lastClr="000000"/>
+              </a:solidFill>
+              <a:prstDash val="solid"/>
+            </a:ln>
+            <a:effectLst/>
+          </p:spPr>
+          <p:txBody>
+            <a:bodyPr rtlCol="0" anchor="ctr"/>
+            <a:lstStyle/>
+            <a:p>
+              <a:pPr marL="0" marR="0" lvl="0" indent="0" algn="ctr" defTabSz="914400" rtl="0" eaLnBrk="1" fontAlgn="auto" latinLnBrk="0" hangingPunct="1">
+                <a:lnSpc>
+                  <a:spcPct val="100000"/>
+                </a:lnSpc>
+                <a:spcBef>
+                  <a:spcPts val="0"/>
+                </a:spcBef>
+                <a:spcAft>
+                  <a:spcPts val="0"/>
+                </a:spcAft>
+                <a:buClrTx/>
+                <a:buSzTx/>
+                <a:buFontTx/>
+                <a:buNone/>
+                <a:tabLst/>
+                <a:defRPr/>
+              </a:pPr>
+              <a:r>
+                <a:rPr kumimoji="0" lang="en-US" sz="2000" b="1" i="0" u="none" strike="noStrike" kern="0" cap="none" spc="0" normalizeH="0" baseline="0" noProof="0" dirty="0" smtClean="0">
+                  <a:ln>
+                    <a:noFill/>
+                  </a:ln>
+                  <a:solidFill>
+                    <a:prstClr val="black"/>
+                  </a:solidFill>
+                  <a:effectLst/>
+                  <a:uLnTx/>
+                  <a:uFillTx/>
+                  <a:latin typeface="Calibri"/>
+                  <a:ea typeface="+mn-ea"/>
+                  <a:cs typeface="+mn-cs"/>
+                </a:rPr>
+                <a:t>L1 I TLB</a:t>
+              </a:r>
+            </a:p>
+          </p:txBody>
+        </p:sp>
+        <p:cxnSp>
+          <p:nvCxnSpPr>
+            <p:cNvPr id="12" name="Elbow Connector 11"/>
+            <p:cNvCxnSpPr>
+              <a:stCxn id="7" idx="1"/>
+              <a:endCxn id="11" idx="1"/>
+            </p:cNvCxnSpPr>
+            <p:nvPr/>
+          </p:nvCxnSpPr>
+          <p:spPr>
+            <a:xfrm rot="16200000" flipH="1">
+              <a:off x="2674004" y="3381615"/>
+              <a:ext cx="382597" cy="705511"/>
+            </a:xfrm>
+            <a:prstGeom prst="bentConnector2">
+              <a:avLst/>
+            </a:prstGeom>
+            <a:noFill/>
+            <a:ln w="12700" cap="flat" cmpd="sng" algn="ctr">
+              <a:solidFill>
+                <a:sysClr val="windowText" lastClr="000000"/>
+              </a:solidFill>
+              <a:prstDash val="solid"/>
+              <a:tailEnd type="triangle"/>
+            </a:ln>
+            <a:effectLst/>
+          </p:spPr>
+        </p:cxnSp>
+        <p:cxnSp>
+          <p:nvCxnSpPr>
+            <p:cNvPr id="13" name="Elbow Connector 12"/>
+            <p:cNvCxnSpPr>
+              <a:stCxn id="11" idx="3"/>
+            </p:cNvCxnSpPr>
+            <p:nvPr/>
+          </p:nvCxnSpPr>
+          <p:spPr>
+            <a:xfrm flipV="1">
+              <a:off x="4362433" y="3459529"/>
+              <a:ext cx="259660" cy="466141"/>
+            </a:xfrm>
+            <a:prstGeom prst="bentConnector2">
+              <a:avLst/>
+            </a:prstGeom>
+            <a:noFill/>
+            <a:ln w="12700" cap="flat" cmpd="sng" algn="ctr">
+              <a:solidFill>
+                <a:sysClr val="windowText" lastClr="000000"/>
+              </a:solidFill>
+              <a:prstDash val="solid"/>
+              <a:tailEnd type="triangle"/>
+            </a:ln>
+            <a:effectLst/>
+          </p:spPr>
+        </p:cxnSp>
+        <p:cxnSp>
+          <p:nvCxnSpPr>
+            <p:cNvPr id="14" name="Straight Arrow Connector 13"/>
+            <p:cNvCxnSpPr>
+              <a:stCxn id="7" idx="0"/>
+              <a:endCxn id="38" idx="1"/>
+            </p:cNvCxnSpPr>
+            <p:nvPr/>
+          </p:nvCxnSpPr>
+          <p:spPr>
+            <a:xfrm flipV="1">
+              <a:off x="3405803" y="3128160"/>
+              <a:ext cx="190705" cy="888"/>
+            </a:xfrm>
+            <a:prstGeom prst="straightConnector1">
+              <a:avLst/>
+            </a:prstGeom>
+            <a:noFill/>
+            <a:ln w="12700" cap="flat" cmpd="sng" algn="ctr">
+              <a:solidFill>
+                <a:sysClr val="windowText" lastClr="000000"/>
+              </a:solidFill>
+              <a:prstDash val="solid"/>
+              <a:tailEnd type="triangle"/>
+            </a:ln>
+            <a:effectLst/>
+          </p:spPr>
+        </p:cxnSp>
+        <p:cxnSp>
+          <p:nvCxnSpPr>
+            <p:cNvPr id="15" name="Straight Arrow Connector 14"/>
+            <p:cNvCxnSpPr>
+              <a:stCxn id="38" idx="3"/>
+              <a:endCxn id="8" idx="2"/>
+            </p:cNvCxnSpPr>
+            <p:nvPr/>
+          </p:nvCxnSpPr>
+          <p:spPr>
+            <a:xfrm>
+              <a:off x="3726354" y="3128160"/>
+              <a:ext cx="173553" cy="888"/>
+            </a:xfrm>
+            <a:prstGeom prst="straightConnector1">
+              <a:avLst/>
+            </a:prstGeom>
+            <a:noFill/>
+            <a:ln w="12700" cap="flat" cmpd="sng" algn="ctr">
+              <a:solidFill>
+                <a:sysClr val="windowText" lastClr="000000"/>
+              </a:solidFill>
+              <a:prstDash val="solid"/>
+              <a:tailEnd type="triangle"/>
+            </a:ln>
+            <a:effectLst/>
+          </p:spPr>
+        </p:cxnSp>
+        <p:cxnSp>
+          <p:nvCxnSpPr>
+            <p:cNvPr id="16" name="Straight Arrow Connector 15"/>
+            <p:cNvCxnSpPr>
+              <a:stCxn id="8" idx="0"/>
+              <a:endCxn id="41" idx="1"/>
+            </p:cNvCxnSpPr>
+            <p:nvPr/>
+          </p:nvCxnSpPr>
+          <p:spPr>
+            <a:xfrm flipV="1">
+              <a:off x="5714446" y="3128161"/>
+              <a:ext cx="151461" cy="887"/>
+            </a:xfrm>
+            <a:prstGeom prst="straightConnector1">
+              <a:avLst/>
+            </a:prstGeom>
+            <a:noFill/>
+            <a:ln w="12700" cap="flat" cmpd="sng" algn="ctr">
+              <a:solidFill>
+                <a:sysClr val="windowText" lastClr="000000"/>
+              </a:solidFill>
+              <a:prstDash val="solid"/>
+              <a:tailEnd type="triangle"/>
+            </a:ln>
+            <a:effectLst/>
+          </p:spPr>
+        </p:cxnSp>
+        <p:cxnSp>
+          <p:nvCxnSpPr>
+            <p:cNvPr id="17" name="Straight Arrow Connector 16"/>
+            <p:cNvCxnSpPr>
+              <a:stCxn id="41" idx="3"/>
+              <a:endCxn id="9" idx="2"/>
+            </p:cNvCxnSpPr>
+            <p:nvPr/>
+          </p:nvCxnSpPr>
+          <p:spPr>
+            <a:xfrm>
+              <a:off x="5995753" y="3128161"/>
+              <a:ext cx="138012" cy="887"/>
+            </a:xfrm>
+            <a:prstGeom prst="straightConnector1">
+              <a:avLst/>
+            </a:prstGeom>
+            <a:noFill/>
+            <a:ln w="12700" cap="flat" cmpd="sng" algn="ctr">
+              <a:solidFill>
+                <a:sysClr val="windowText" lastClr="000000"/>
+              </a:solidFill>
+              <a:prstDash val="solid"/>
+              <a:tailEnd type="triangle"/>
+            </a:ln>
+            <a:effectLst/>
+          </p:spPr>
+        </p:cxnSp>
+        <p:cxnSp>
+          <p:nvCxnSpPr>
+            <p:cNvPr id="18" name="Straight Arrow Connector 17"/>
+            <p:cNvCxnSpPr>
+              <a:stCxn id="9" idx="0"/>
+              <a:endCxn id="47" idx="1"/>
+            </p:cNvCxnSpPr>
+            <p:nvPr/>
+          </p:nvCxnSpPr>
+          <p:spPr>
+            <a:xfrm flipV="1">
+              <a:off x="7934569" y="3128160"/>
+              <a:ext cx="212993" cy="888"/>
+            </a:xfrm>
+            <a:prstGeom prst="straightConnector1">
+              <a:avLst/>
+            </a:prstGeom>
+            <a:noFill/>
+            <a:ln w="12700" cap="flat" cmpd="sng" algn="ctr">
+              <a:solidFill>
+                <a:sysClr val="windowText" lastClr="000000"/>
+              </a:solidFill>
+              <a:prstDash val="solid"/>
+              <a:tailEnd type="triangle"/>
+            </a:ln>
+            <a:effectLst/>
+          </p:spPr>
+        </p:cxnSp>
+        <p:cxnSp>
+          <p:nvCxnSpPr>
+            <p:cNvPr id="19" name="Straight Arrow Connector 18"/>
+            <p:cNvCxnSpPr>
+              <a:stCxn id="47" idx="3"/>
+              <a:endCxn id="10" idx="2"/>
+            </p:cNvCxnSpPr>
+            <p:nvPr/>
+          </p:nvCxnSpPr>
+          <p:spPr>
+            <a:xfrm>
+              <a:off x="8277408" y="3128160"/>
+              <a:ext cx="172201" cy="888"/>
+            </a:xfrm>
+            <a:prstGeom prst="straightConnector1">
+              <a:avLst/>
+            </a:prstGeom>
+            <a:noFill/>
+            <a:ln w="12700" cap="flat" cmpd="sng" algn="ctr">
+              <a:solidFill>
+                <a:sysClr val="windowText" lastClr="000000"/>
+              </a:solidFill>
+              <a:prstDash val="solid"/>
+              <a:tailEnd type="triangle"/>
+            </a:ln>
+            <a:effectLst/>
+          </p:spPr>
+        </p:cxnSp>
+        <p:sp>
+          <p:nvSpPr>
+            <p:cNvPr id="20" name="Rectangle 19"/>
+            <p:cNvSpPr/>
+            <p:nvPr/>
+          </p:nvSpPr>
+          <p:spPr>
+            <a:xfrm>
+              <a:off x="5389880" y="3760070"/>
+              <a:ext cx="1144375" cy="331199"/>
+            </a:xfrm>
+            <a:prstGeom prst="rect">
+              <a:avLst/>
+            </a:prstGeom>
+            <a:solidFill>
+              <a:srgbClr val="F79646">
+                <a:lumMod val="40000"/>
+                <a:lumOff val="60000"/>
+              </a:srgbClr>
+            </a:solidFill>
+            <a:ln w="25400" cap="flat" cmpd="sng" algn="ctr">
+              <a:solidFill>
+                <a:sysClr val="windowText" lastClr="000000"/>
+              </a:solidFill>
+              <a:prstDash val="solid"/>
+            </a:ln>
+            <a:effectLst/>
+          </p:spPr>
+          <p:txBody>
+            <a:bodyPr rtlCol="0" anchor="ctr"/>
+            <a:lstStyle/>
+            <a:p>
+              <a:pPr marL="0" marR="0" lvl="0" indent="0" algn="ctr" defTabSz="914400" rtl="0" eaLnBrk="1" fontAlgn="auto" latinLnBrk="0" hangingPunct="1">
+                <a:lnSpc>
+                  <a:spcPct val="100000"/>
+                </a:lnSpc>
+                <a:spcBef>
+                  <a:spcPts val="0"/>
+                </a:spcBef>
+                <a:spcAft>
+                  <a:spcPts val="0"/>
+                </a:spcAft>
+                <a:buClrTx/>
+                <a:buSzTx/>
+                <a:buFontTx/>
+                <a:buNone/>
+                <a:tabLst/>
+                <a:defRPr/>
+              </a:pPr>
+              <a:r>
+                <a:rPr kumimoji="0" lang="en-US" sz="2000" b="1" i="0" u="none" strike="noStrike" kern="0" cap="none" spc="0" normalizeH="0" baseline="0" noProof="0" dirty="0" smtClean="0">
+                  <a:ln>
+                    <a:noFill/>
+                  </a:ln>
+                  <a:solidFill>
+                    <a:prstClr val="black"/>
+                  </a:solidFill>
+                  <a:effectLst/>
+                  <a:uLnTx/>
+                  <a:uFillTx/>
+                  <a:latin typeface="Calibri"/>
+                  <a:ea typeface="+mn-ea"/>
+                  <a:cs typeface="+mn-cs"/>
+                </a:rPr>
+                <a:t>L1 I$</a:t>
+              </a:r>
+            </a:p>
+          </p:txBody>
+        </p:sp>
+        <p:cxnSp>
+          <p:nvCxnSpPr>
+            <p:cNvPr id="21" name="Elbow Connector 20"/>
+            <p:cNvCxnSpPr>
+              <a:endCxn id="20" idx="1"/>
+            </p:cNvCxnSpPr>
+            <p:nvPr/>
+          </p:nvCxnSpPr>
+          <p:spPr>
+            <a:xfrm rot="16200000" flipH="1">
+              <a:off x="5026980" y="3562770"/>
+              <a:ext cx="466140" cy="259660"/>
+            </a:xfrm>
+            <a:prstGeom prst="bentConnector2">
+              <a:avLst/>
+            </a:prstGeom>
+            <a:noFill/>
+            <a:ln w="12700" cap="flat" cmpd="sng" algn="ctr">
+              <a:solidFill>
+                <a:sysClr val="windowText" lastClr="000000"/>
+              </a:solidFill>
+              <a:prstDash val="solid"/>
+              <a:tailEnd type="triangle"/>
+            </a:ln>
+            <a:effectLst/>
+          </p:spPr>
+        </p:cxnSp>
+        <p:cxnSp>
+          <p:nvCxnSpPr>
+            <p:cNvPr id="22" name="Elbow Connector 21"/>
+            <p:cNvCxnSpPr>
+              <a:stCxn id="20" idx="3"/>
+              <a:endCxn id="9" idx="1"/>
+            </p:cNvCxnSpPr>
+            <p:nvPr/>
+          </p:nvCxnSpPr>
+          <p:spPr>
+            <a:xfrm flipV="1">
+              <a:off x="6534255" y="3543073"/>
+              <a:ext cx="497862" cy="382597"/>
+            </a:xfrm>
+            <a:prstGeom prst="bentConnector2">
+              <a:avLst/>
+            </a:prstGeom>
+            <a:noFill/>
+            <a:ln w="12700" cap="flat" cmpd="sng" algn="ctr">
+              <a:solidFill>
+                <a:sysClr val="windowText" lastClr="000000"/>
+              </a:solidFill>
+              <a:prstDash val="solid"/>
+              <a:tailEnd type="triangle"/>
+            </a:ln>
+            <a:effectLst/>
+          </p:spPr>
+        </p:cxnSp>
+        <p:cxnSp>
+          <p:nvCxnSpPr>
+            <p:cNvPr id="23" name="Straight Arrow Connector 22"/>
+            <p:cNvCxnSpPr>
+              <a:stCxn id="10" idx="0"/>
+              <a:endCxn id="44" idx="1"/>
+            </p:cNvCxnSpPr>
+            <p:nvPr/>
+          </p:nvCxnSpPr>
+          <p:spPr>
+            <a:xfrm flipV="1">
+              <a:off x="10388822" y="3128160"/>
+              <a:ext cx="157976" cy="888"/>
+            </a:xfrm>
+            <a:prstGeom prst="straightConnector1">
+              <a:avLst/>
+            </a:prstGeom>
+            <a:noFill/>
+            <a:ln w="12700" cap="flat" cmpd="sng" algn="ctr">
+              <a:solidFill>
+                <a:sysClr val="windowText" lastClr="000000"/>
+              </a:solidFill>
+              <a:prstDash val="solid"/>
+              <a:tailEnd type="triangle"/>
+            </a:ln>
+            <a:effectLst/>
+          </p:spPr>
+        </p:cxnSp>
+        <p:cxnSp>
+          <p:nvCxnSpPr>
+            <p:cNvPr id="24" name="Straight Arrow Connector 23"/>
+            <p:cNvCxnSpPr>
+              <a:stCxn id="44" idx="3"/>
+              <a:endCxn id="33" idx="1"/>
+            </p:cNvCxnSpPr>
+            <p:nvPr/>
+          </p:nvCxnSpPr>
+          <p:spPr>
+            <a:xfrm flipV="1">
+              <a:off x="10676644" y="3128159"/>
+              <a:ext cx="389491" cy="1"/>
+            </a:xfrm>
+            <a:prstGeom prst="straightConnector1">
+              <a:avLst/>
+            </a:prstGeom>
+            <a:noFill/>
+            <a:ln w="12700" cap="flat" cmpd="sng" algn="ctr">
+              <a:solidFill>
+                <a:sysClr val="windowText" lastClr="000000"/>
+              </a:solidFill>
+              <a:prstDash val="solid"/>
+              <a:tailEnd type="triangle"/>
+            </a:ln>
+            <a:effectLst/>
+          </p:spPr>
+        </p:cxnSp>
+        <p:grpSp>
+          <p:nvGrpSpPr>
+            <p:cNvPr id="25" name="Group 24"/>
+            <p:cNvGrpSpPr/>
+            <p:nvPr/>
+          </p:nvGrpSpPr>
+          <p:grpSpPr>
+            <a:xfrm>
+              <a:off x="8046807" y="2962560"/>
+              <a:ext cx="230601" cy="331199"/>
+              <a:chOff x="5540558" y="1752600"/>
+              <a:chExt cx="230601" cy="331199"/>
+            </a:xfrm>
+          </p:grpSpPr>
+          <p:sp>
+            <p:nvSpPr>
+              <p:cNvPr id="47" name="Rectangle 46"/>
+              <p:cNvSpPr/>
+              <p:nvPr/>
+            </p:nvSpPr>
+            <p:spPr>
+              <a:xfrm>
+                <a:off x="5641313" y="1752600"/>
+                <a:ext cx="129846" cy="331199"/>
+              </a:xfrm>
+              <a:prstGeom prst="rect">
+                <a:avLst/>
+              </a:prstGeom>
+              <a:solidFill>
+                <a:srgbClr val="F79646">
+                  <a:lumMod val="40000"/>
+                  <a:lumOff val="60000"/>
+                </a:srgbClr>
+              </a:solidFill>
+              <a:ln w="19050" cap="flat" cmpd="sng" algn="ctr">
+                <a:solidFill>
+                  <a:sysClr val="windowText" lastClr="000000"/>
+                </a:solidFill>
+                <a:prstDash val="solid"/>
+              </a:ln>
+              <a:effectLst/>
+            </p:spPr>
+            <p:txBody>
+              <a:bodyPr rtlCol="0" anchor="ctr"/>
+              <a:lstStyle/>
+              <a:p>
+                <a:pPr marL="0" marR="0" lvl="0" indent="0" algn="ctr" defTabSz="914400" rtl="0" eaLnBrk="1" fontAlgn="auto" latinLnBrk="0" hangingPunct="1">
+                  <a:lnSpc>
+                    <a:spcPct val="100000"/>
+                  </a:lnSpc>
+                  <a:spcBef>
+                    <a:spcPts val="0"/>
+                  </a:spcBef>
+                  <a:spcAft>
+                    <a:spcPts val="0"/>
+                  </a:spcAft>
+                  <a:buClrTx/>
+                  <a:buSzTx/>
+                  <a:buFontTx/>
+                  <a:buNone/>
+                  <a:tabLst/>
+                  <a:defRPr/>
+                </a:pPr>
+                <a:endParaRPr kumimoji="0" lang="en-US" sz="2000" b="1" i="0" u="none" strike="noStrike" kern="0" cap="none" spc="0" normalizeH="0" baseline="0" noProof="0" dirty="0" smtClean="0">
+                  <a:ln>
+                    <a:noFill/>
+                  </a:ln>
+                  <a:solidFill>
+                    <a:prstClr val="black"/>
+                  </a:solidFill>
+                  <a:effectLst/>
+                  <a:uLnTx/>
+                  <a:uFillTx/>
+                  <a:latin typeface="Calibri"/>
+                  <a:ea typeface="+mn-ea"/>
+                  <a:cs typeface="+mn-cs"/>
+                </a:endParaRPr>
+              </a:p>
+            </p:txBody>
+          </p:sp>
+          <p:cxnSp>
+            <p:nvCxnSpPr>
+              <p:cNvPr id="48" name="Straight Connector 47"/>
+              <p:cNvCxnSpPr>
+                <a:stCxn id="47" idx="0"/>
+              </p:cNvCxnSpPr>
+              <p:nvPr/>
+            </p:nvCxnSpPr>
+            <p:spPr>
+              <a:xfrm flipH="1">
+                <a:off x="5540558" y="1752600"/>
+                <a:ext cx="165678" cy="0"/>
+              </a:xfrm>
+              <a:prstGeom prst="line">
+                <a:avLst/>
+              </a:prstGeom>
+              <a:ln w="19050">
+                <a:solidFill>
+                  <a:schemeClr val="tx1"/>
+                </a:solidFill>
+              </a:ln>
+            </p:spPr>
+            <p:style>
+              <a:lnRef idx="1">
+                <a:schemeClr val="accent1"/>
+              </a:lnRef>
+              <a:fillRef idx="0">
+                <a:schemeClr val="accent1"/>
+              </a:fillRef>
+              <a:effectRef idx="0">
+                <a:schemeClr val="accent1"/>
+              </a:effectRef>
+              <a:fontRef idx="minor">
+                <a:schemeClr val="tx1"/>
+              </a:fontRef>
+            </p:style>
+          </p:cxnSp>
+          <p:cxnSp>
+            <p:nvCxnSpPr>
+              <p:cNvPr id="49" name="Straight Connector 48"/>
+              <p:cNvCxnSpPr>
+                <a:stCxn id="47" idx="2"/>
+              </p:cNvCxnSpPr>
+              <p:nvPr/>
+            </p:nvCxnSpPr>
+            <p:spPr>
+              <a:xfrm flipH="1">
+                <a:off x="5541801" y="2083799"/>
+                <a:ext cx="164435" cy="0"/>
+              </a:xfrm>
+              <a:prstGeom prst="line">
+                <a:avLst/>
+              </a:prstGeom>
+              <a:ln w="19050">
+                <a:solidFill>
+                  <a:schemeClr val="tx1"/>
+                </a:solidFill>
+              </a:ln>
+            </p:spPr>
+            <p:style>
+              <a:lnRef idx="1">
+                <a:schemeClr val="accent1"/>
+              </a:lnRef>
+              <a:fillRef idx="0">
+                <a:schemeClr val="accent1"/>
+              </a:fillRef>
+              <a:effectRef idx="0">
+                <a:schemeClr val="accent1"/>
+              </a:effectRef>
+              <a:fontRef idx="minor">
+                <a:schemeClr val="tx1"/>
+              </a:fontRef>
+            </p:style>
+          </p:cxnSp>
+        </p:grpSp>
+        <p:grpSp>
+          <p:nvGrpSpPr>
+            <p:cNvPr id="26" name="Group 25"/>
+            <p:cNvGrpSpPr/>
+            <p:nvPr/>
+          </p:nvGrpSpPr>
+          <p:grpSpPr>
+            <a:xfrm>
+              <a:off x="10446043" y="2962560"/>
+              <a:ext cx="230601" cy="331199"/>
+              <a:chOff x="5540558" y="1752600"/>
+              <a:chExt cx="230601" cy="331199"/>
+            </a:xfrm>
+          </p:grpSpPr>
+          <p:sp>
+            <p:nvSpPr>
+              <p:cNvPr id="44" name="Rectangle 43"/>
+              <p:cNvSpPr/>
+              <p:nvPr/>
+            </p:nvSpPr>
+            <p:spPr>
+              <a:xfrm>
+                <a:off x="5641313" y="1752600"/>
+                <a:ext cx="129846" cy="331199"/>
+              </a:xfrm>
+              <a:prstGeom prst="rect">
+                <a:avLst/>
+              </a:prstGeom>
+              <a:solidFill>
+                <a:srgbClr val="F79646">
+                  <a:lumMod val="40000"/>
+                  <a:lumOff val="60000"/>
+                </a:srgbClr>
+              </a:solidFill>
+              <a:ln w="19050" cap="flat" cmpd="sng" algn="ctr">
+                <a:solidFill>
+                  <a:sysClr val="windowText" lastClr="000000"/>
+                </a:solidFill>
+                <a:prstDash val="solid"/>
+              </a:ln>
+              <a:effectLst/>
+            </p:spPr>
+            <p:txBody>
+              <a:bodyPr rtlCol="0" anchor="ctr"/>
+              <a:lstStyle/>
+              <a:p>
+                <a:pPr marL="0" marR="0" lvl="0" indent="0" algn="ctr" defTabSz="914400" rtl="0" eaLnBrk="1" fontAlgn="auto" latinLnBrk="0" hangingPunct="1">
+                  <a:lnSpc>
+                    <a:spcPct val="100000"/>
+                  </a:lnSpc>
+                  <a:spcBef>
+                    <a:spcPts val="0"/>
+                  </a:spcBef>
+                  <a:spcAft>
+                    <a:spcPts val="0"/>
+                  </a:spcAft>
+                  <a:buClrTx/>
+                  <a:buSzTx/>
+                  <a:buFontTx/>
+                  <a:buNone/>
+                  <a:tabLst/>
+                  <a:defRPr/>
+                </a:pPr>
+                <a:endParaRPr kumimoji="0" lang="en-US" sz="2000" b="1" i="0" u="none" strike="noStrike" kern="0" cap="none" spc="0" normalizeH="0" baseline="0" noProof="0" dirty="0" smtClean="0">
+                  <a:ln>
+                    <a:noFill/>
+                  </a:ln>
+                  <a:solidFill>
+                    <a:prstClr val="black"/>
+                  </a:solidFill>
+                  <a:effectLst/>
+                  <a:uLnTx/>
+                  <a:uFillTx/>
+                  <a:latin typeface="Calibri"/>
+                  <a:ea typeface="+mn-ea"/>
+                  <a:cs typeface="+mn-cs"/>
+                </a:endParaRPr>
+              </a:p>
+            </p:txBody>
+          </p:sp>
+          <p:cxnSp>
+            <p:nvCxnSpPr>
+              <p:cNvPr id="45" name="Straight Connector 44"/>
+              <p:cNvCxnSpPr>
+                <a:stCxn id="44" idx="0"/>
+              </p:cNvCxnSpPr>
+              <p:nvPr/>
+            </p:nvCxnSpPr>
+            <p:spPr>
+              <a:xfrm flipH="1">
+                <a:off x="5540558" y="1752600"/>
+                <a:ext cx="165678" cy="0"/>
+              </a:xfrm>
+              <a:prstGeom prst="line">
+                <a:avLst/>
+              </a:prstGeom>
+              <a:ln w="19050">
+                <a:solidFill>
+                  <a:schemeClr val="tx1"/>
+                </a:solidFill>
+              </a:ln>
+            </p:spPr>
+            <p:style>
+              <a:lnRef idx="1">
+                <a:schemeClr val="accent1"/>
+              </a:lnRef>
+              <a:fillRef idx="0">
+                <a:schemeClr val="accent1"/>
+              </a:fillRef>
+              <a:effectRef idx="0">
+                <a:schemeClr val="accent1"/>
+              </a:effectRef>
+              <a:fontRef idx="minor">
+                <a:schemeClr val="tx1"/>
+              </a:fontRef>
+            </p:style>
+          </p:cxnSp>
+          <p:cxnSp>
+            <p:nvCxnSpPr>
+              <p:cNvPr id="46" name="Straight Connector 45"/>
+              <p:cNvCxnSpPr>
+                <a:stCxn id="44" idx="2"/>
+              </p:cNvCxnSpPr>
+              <p:nvPr/>
+            </p:nvCxnSpPr>
+            <p:spPr>
+              <a:xfrm flipH="1">
+                <a:off x="5541801" y="2083799"/>
+                <a:ext cx="164435" cy="0"/>
+              </a:xfrm>
+              <a:prstGeom prst="line">
+                <a:avLst/>
+              </a:prstGeom>
+              <a:ln w="19050">
+                <a:solidFill>
+                  <a:schemeClr val="tx1"/>
+                </a:solidFill>
+              </a:ln>
+            </p:spPr>
+            <p:style>
+              <a:lnRef idx="1">
+                <a:schemeClr val="accent1"/>
+              </a:lnRef>
+              <a:fillRef idx="0">
+                <a:schemeClr val="accent1"/>
+              </a:fillRef>
+              <a:effectRef idx="0">
+                <a:schemeClr val="accent1"/>
+              </a:effectRef>
+              <a:fontRef idx="minor">
+                <a:schemeClr val="tx1"/>
+              </a:fontRef>
+            </p:style>
+          </p:cxnSp>
+        </p:grpSp>
+        <p:sp>
+          <p:nvSpPr>
+            <p:cNvPr id="27" name="TextBox 26"/>
+            <p:cNvSpPr txBox="1"/>
+            <p:nvPr/>
+          </p:nvSpPr>
+          <p:spPr>
+            <a:xfrm>
+              <a:off x="369260" y="2132371"/>
+              <a:ext cx="1674561" cy="400110"/>
+            </a:xfrm>
+            <a:prstGeom prst="rect">
+              <a:avLst/>
+            </a:prstGeom>
+            <a:noFill/>
+          </p:spPr>
+          <p:txBody>
+            <a:bodyPr wrap="none" rtlCol="0">
+              <a:spAutoFit/>
+            </a:bodyPr>
+            <a:lstStyle/>
+            <a:p>
+              <a:pPr marL="0" marR="0" lvl="0" indent="0" algn="l" defTabSz="914400" rtl="0" eaLnBrk="1" fontAlgn="auto" latinLnBrk="0" hangingPunct="1">
+                <a:lnSpc>
+                  <a:spcPct val="100000"/>
+                </a:lnSpc>
+                <a:spcBef>
+                  <a:spcPts val="0"/>
+                </a:spcBef>
+                <a:spcAft>
+                  <a:spcPts val="0"/>
+                </a:spcAft>
+                <a:buClrTx/>
+                <a:buSzTx/>
+                <a:buFontTx/>
+                <a:buNone/>
+                <a:tabLst/>
+                <a:defRPr/>
+              </a:pPr>
+              <a:r>
+                <a:rPr kumimoji="0" lang="en-US" sz="2000" b="1" i="0" u="none" strike="noStrike" kern="1200" cap="none" spc="0" normalizeH="0" baseline="0" noProof="0" dirty="0" smtClean="0">
+                  <a:ln>
+                    <a:noFill/>
+                  </a:ln>
+                  <a:solidFill>
+                    <a:prstClr val="black"/>
+                  </a:solidFill>
+                  <a:effectLst/>
+                  <a:uLnTx/>
+                  <a:uFillTx/>
+                  <a:latin typeface="Calibri"/>
+                  <a:ea typeface="+mn-ea"/>
+                  <a:cs typeface="+mn-cs"/>
+                </a:rPr>
+                <a:t>Fetch </a:t>
+              </a:r>
+              <a:r>
+                <a:rPr kumimoji="0" lang="en-US" sz="2000" b="1" i="0" u="none" strike="noStrike" kern="1200" cap="none" spc="0" normalizeH="0" baseline="0" noProof="0" dirty="0" smtClean="0">
+                  <a:ln>
+                    <a:noFill/>
+                  </a:ln>
+                  <a:solidFill>
+                    <a:prstClr val="black"/>
+                  </a:solidFill>
+                  <a:effectLst/>
+                  <a:uLnTx/>
+                  <a:uFillTx/>
+                  <a:latin typeface="Calibri"/>
+                  <a:ea typeface="+mn-ea"/>
+                  <a:cs typeface="+mn-cs"/>
+                </a:rPr>
+                <a:t>pipeline</a:t>
+              </a:r>
+              <a:endParaRPr kumimoji="0" lang="en-US" sz="2000" b="1" i="0" u="none" strike="noStrike" kern="1200" cap="none" spc="0" normalizeH="0" baseline="0" noProof="0" dirty="0">
+                <a:ln>
+                  <a:noFill/>
+                </a:ln>
+                <a:solidFill>
+                  <a:prstClr val="black"/>
+                </a:solidFill>
+                <a:effectLst/>
+                <a:uLnTx/>
+                <a:uFillTx/>
+                <a:latin typeface="Calibri"/>
+                <a:ea typeface="+mn-ea"/>
+                <a:cs typeface="+mn-cs"/>
+              </a:endParaRPr>
+            </a:p>
+          </p:txBody>
+        </p:sp>
+        <p:grpSp>
+          <p:nvGrpSpPr>
+            <p:cNvPr id="28" name="Group 27"/>
+            <p:cNvGrpSpPr/>
+            <p:nvPr/>
+          </p:nvGrpSpPr>
+          <p:grpSpPr>
+            <a:xfrm>
+              <a:off x="5765152" y="2962561"/>
+              <a:ext cx="230601" cy="331199"/>
+              <a:chOff x="5540558" y="1752600"/>
+              <a:chExt cx="230601" cy="331199"/>
+            </a:xfrm>
+          </p:grpSpPr>
+          <p:sp>
+            <p:nvSpPr>
+              <p:cNvPr id="41" name="Rectangle 40"/>
+              <p:cNvSpPr/>
+              <p:nvPr/>
+            </p:nvSpPr>
+            <p:spPr>
+              <a:xfrm>
+                <a:off x="5641313" y="1752600"/>
+                <a:ext cx="129846" cy="331199"/>
+              </a:xfrm>
+              <a:prstGeom prst="rect">
+                <a:avLst/>
+              </a:prstGeom>
+              <a:solidFill>
+                <a:srgbClr val="F79646">
+                  <a:lumMod val="40000"/>
+                  <a:lumOff val="60000"/>
+                </a:srgbClr>
+              </a:solidFill>
+              <a:ln w="19050" cap="flat" cmpd="sng" algn="ctr">
+                <a:solidFill>
+                  <a:sysClr val="windowText" lastClr="000000"/>
+                </a:solidFill>
+                <a:prstDash val="solid"/>
+              </a:ln>
+              <a:effectLst/>
+            </p:spPr>
+            <p:txBody>
+              <a:bodyPr rtlCol="0" anchor="ctr"/>
+              <a:lstStyle/>
+              <a:p>
+                <a:pPr marL="0" marR="0" lvl="0" indent="0" algn="ctr" defTabSz="914400" rtl="0" eaLnBrk="1" fontAlgn="auto" latinLnBrk="0" hangingPunct="1">
+                  <a:lnSpc>
+                    <a:spcPct val="100000"/>
+                  </a:lnSpc>
+                  <a:spcBef>
+                    <a:spcPts val="0"/>
+                  </a:spcBef>
+                  <a:spcAft>
+                    <a:spcPts val="0"/>
+                  </a:spcAft>
+                  <a:buClrTx/>
+                  <a:buSzTx/>
+                  <a:buFontTx/>
+                  <a:buNone/>
+                  <a:tabLst/>
+                  <a:defRPr/>
+                </a:pPr>
+                <a:endParaRPr kumimoji="0" lang="en-US" sz="2000" b="1" i="0" u="none" strike="noStrike" kern="0" cap="none" spc="0" normalizeH="0" baseline="0" noProof="0" dirty="0" smtClean="0">
+                  <a:ln>
+                    <a:noFill/>
+                  </a:ln>
+                  <a:solidFill>
+                    <a:prstClr val="black"/>
+                  </a:solidFill>
+                  <a:effectLst/>
+                  <a:uLnTx/>
+                  <a:uFillTx/>
+                  <a:latin typeface="Calibri"/>
+                  <a:ea typeface="+mn-ea"/>
+                  <a:cs typeface="+mn-cs"/>
+                </a:endParaRPr>
+              </a:p>
+            </p:txBody>
+          </p:sp>
+          <p:cxnSp>
+            <p:nvCxnSpPr>
+              <p:cNvPr id="42" name="Straight Connector 41"/>
+              <p:cNvCxnSpPr>
+                <a:stCxn id="41" idx="0"/>
+              </p:cNvCxnSpPr>
+              <p:nvPr/>
+            </p:nvCxnSpPr>
+            <p:spPr>
+              <a:xfrm flipH="1">
+                <a:off x="5540558" y="1752600"/>
+                <a:ext cx="165678" cy="0"/>
+              </a:xfrm>
+              <a:prstGeom prst="line">
+                <a:avLst/>
+              </a:prstGeom>
+              <a:ln w="19050">
+                <a:solidFill>
+                  <a:schemeClr val="tx1"/>
+                </a:solidFill>
+              </a:ln>
+            </p:spPr>
+            <p:style>
+              <a:lnRef idx="1">
+                <a:schemeClr val="accent1"/>
+              </a:lnRef>
+              <a:fillRef idx="0">
+                <a:schemeClr val="accent1"/>
+              </a:fillRef>
+              <a:effectRef idx="0">
+                <a:schemeClr val="accent1"/>
+              </a:effectRef>
+              <a:fontRef idx="minor">
+                <a:schemeClr val="tx1"/>
+              </a:fontRef>
+            </p:style>
+          </p:cxnSp>
+          <p:cxnSp>
+            <p:nvCxnSpPr>
+              <p:cNvPr id="43" name="Straight Connector 42"/>
+              <p:cNvCxnSpPr>
+                <a:stCxn id="41" idx="2"/>
+              </p:cNvCxnSpPr>
+              <p:nvPr/>
+            </p:nvCxnSpPr>
+            <p:spPr>
+              <a:xfrm flipH="1">
+                <a:off x="5541801" y="2083799"/>
+                <a:ext cx="164435" cy="0"/>
+              </a:xfrm>
+              <a:prstGeom prst="line">
+                <a:avLst/>
+              </a:prstGeom>
+              <a:ln w="19050">
+                <a:solidFill>
+                  <a:schemeClr val="tx1"/>
+                </a:solidFill>
+              </a:ln>
+            </p:spPr>
+            <p:style>
+              <a:lnRef idx="1">
+                <a:schemeClr val="accent1"/>
+              </a:lnRef>
+              <a:fillRef idx="0">
+                <a:schemeClr val="accent1"/>
+              </a:fillRef>
+              <a:effectRef idx="0">
+                <a:schemeClr val="accent1"/>
+              </a:effectRef>
+              <a:fontRef idx="minor">
+                <a:schemeClr val="tx1"/>
+              </a:fontRef>
+            </p:style>
+          </p:cxnSp>
+        </p:grpSp>
+        <p:grpSp>
+          <p:nvGrpSpPr>
+            <p:cNvPr id="29" name="Group 28"/>
+            <p:cNvGrpSpPr/>
+            <p:nvPr/>
+          </p:nvGrpSpPr>
+          <p:grpSpPr>
+            <a:xfrm>
+              <a:off x="3495753" y="2962560"/>
+              <a:ext cx="230601" cy="331199"/>
+              <a:chOff x="5540558" y="1752600"/>
+              <a:chExt cx="230601" cy="331199"/>
+            </a:xfrm>
+          </p:grpSpPr>
+          <p:sp>
+            <p:nvSpPr>
+              <p:cNvPr id="38" name="Rectangle 37"/>
+              <p:cNvSpPr/>
+              <p:nvPr/>
+            </p:nvSpPr>
+            <p:spPr>
+              <a:xfrm>
+                <a:off x="5641313" y="1752600"/>
+                <a:ext cx="129846" cy="331199"/>
+              </a:xfrm>
+              <a:prstGeom prst="rect">
+                <a:avLst/>
+              </a:prstGeom>
+              <a:solidFill>
+                <a:srgbClr val="F79646">
+                  <a:lumMod val="40000"/>
+                  <a:lumOff val="60000"/>
+                </a:srgbClr>
+              </a:solidFill>
+              <a:ln w="19050" cap="flat" cmpd="sng" algn="ctr">
+                <a:solidFill>
+                  <a:sysClr val="windowText" lastClr="000000"/>
+                </a:solidFill>
+                <a:prstDash val="solid"/>
+              </a:ln>
+              <a:effectLst/>
+            </p:spPr>
+            <p:txBody>
+              <a:bodyPr rtlCol="0" anchor="ctr"/>
+              <a:lstStyle/>
+              <a:p>
+                <a:pPr marL="0" marR="0" lvl="0" indent="0" algn="ctr" defTabSz="914400" rtl="0" eaLnBrk="1" fontAlgn="auto" latinLnBrk="0" hangingPunct="1">
+                  <a:lnSpc>
+                    <a:spcPct val="100000"/>
+                  </a:lnSpc>
+                  <a:spcBef>
+                    <a:spcPts val="0"/>
+                  </a:spcBef>
+                  <a:spcAft>
+                    <a:spcPts val="0"/>
+                  </a:spcAft>
+                  <a:buClrTx/>
+                  <a:buSzTx/>
+                  <a:buFontTx/>
+                  <a:buNone/>
+                  <a:tabLst/>
+                  <a:defRPr/>
+                </a:pPr>
+                <a:endParaRPr kumimoji="0" lang="en-US" sz="2000" b="1" i="0" u="none" strike="noStrike" kern="0" cap="none" spc="0" normalizeH="0" baseline="0" noProof="0" dirty="0" smtClean="0">
+                  <a:ln>
+                    <a:noFill/>
+                  </a:ln>
+                  <a:solidFill>
+                    <a:prstClr val="black"/>
+                  </a:solidFill>
+                  <a:effectLst/>
+                  <a:uLnTx/>
+                  <a:uFillTx/>
+                  <a:latin typeface="Calibri"/>
+                  <a:ea typeface="+mn-ea"/>
+                  <a:cs typeface="+mn-cs"/>
+                </a:endParaRPr>
+              </a:p>
+            </p:txBody>
+          </p:sp>
+          <p:cxnSp>
+            <p:nvCxnSpPr>
+              <p:cNvPr id="39" name="Straight Connector 38"/>
+              <p:cNvCxnSpPr>
+                <a:stCxn id="38" idx="0"/>
+              </p:cNvCxnSpPr>
+              <p:nvPr/>
+            </p:nvCxnSpPr>
+            <p:spPr>
+              <a:xfrm flipH="1">
+                <a:off x="5540558" y="1752600"/>
+                <a:ext cx="165678" cy="0"/>
+              </a:xfrm>
+              <a:prstGeom prst="line">
+                <a:avLst/>
+              </a:prstGeom>
+              <a:ln w="19050">
+                <a:solidFill>
+                  <a:schemeClr val="tx1"/>
+                </a:solidFill>
+              </a:ln>
+            </p:spPr>
+            <p:style>
+              <a:lnRef idx="1">
+                <a:schemeClr val="accent1"/>
+              </a:lnRef>
+              <a:fillRef idx="0">
+                <a:schemeClr val="accent1"/>
+              </a:fillRef>
+              <a:effectRef idx="0">
+                <a:schemeClr val="accent1"/>
+              </a:effectRef>
+              <a:fontRef idx="minor">
+                <a:schemeClr val="tx1"/>
+              </a:fontRef>
+            </p:style>
+          </p:cxnSp>
+          <p:cxnSp>
+            <p:nvCxnSpPr>
+              <p:cNvPr id="40" name="Straight Connector 39"/>
+              <p:cNvCxnSpPr>
+                <a:stCxn id="38" idx="2"/>
+              </p:cNvCxnSpPr>
+              <p:nvPr/>
+            </p:nvCxnSpPr>
+            <p:spPr>
+              <a:xfrm flipH="1">
+                <a:off x="5541801" y="2083799"/>
+                <a:ext cx="164435" cy="0"/>
+              </a:xfrm>
+              <a:prstGeom prst="line">
+                <a:avLst/>
+              </a:prstGeom>
+              <a:ln w="19050">
+                <a:solidFill>
+                  <a:schemeClr val="tx1"/>
+                </a:solidFill>
+              </a:ln>
+            </p:spPr>
+            <p:style>
+              <a:lnRef idx="1">
+                <a:schemeClr val="accent1"/>
+              </a:lnRef>
+              <a:fillRef idx="0">
+                <a:schemeClr val="accent1"/>
+              </a:fillRef>
+              <a:effectRef idx="0">
+                <a:schemeClr val="accent1"/>
+              </a:effectRef>
+              <a:fontRef idx="minor">
+                <a:schemeClr val="tx1"/>
+              </a:fontRef>
+            </p:style>
+          </p:cxnSp>
+        </p:grpSp>
+        <p:sp>
+          <p:nvSpPr>
+            <p:cNvPr id="30" name="Rectangle 29"/>
+            <p:cNvSpPr/>
+            <p:nvPr/>
+          </p:nvSpPr>
+          <p:spPr>
+            <a:xfrm>
+              <a:off x="488840" y="3172998"/>
+              <a:ext cx="952318" cy="944951"/>
+            </a:xfrm>
+            <a:prstGeom prst="rect">
+              <a:avLst/>
+            </a:prstGeom>
+            <a:solidFill>
+              <a:srgbClr val="F79646">
+                <a:lumMod val="40000"/>
+                <a:lumOff val="60000"/>
+              </a:srgbClr>
+            </a:solidFill>
+            <a:ln w="25400" cap="flat" cmpd="sng" algn="ctr">
+              <a:solidFill>
+                <a:sysClr val="windowText" lastClr="000000"/>
+              </a:solidFill>
+              <a:prstDash val="solid"/>
+            </a:ln>
+            <a:effectLst/>
+          </p:spPr>
+          <p:txBody>
+            <a:bodyPr rtlCol="0" anchor="ctr"/>
+            <a:lstStyle/>
+            <a:p>
+              <a:pPr marL="0" marR="0" lvl="0" indent="0" algn="ctr" defTabSz="914400" rtl="0" eaLnBrk="1" fontAlgn="auto" latinLnBrk="0" hangingPunct="1">
+                <a:lnSpc>
+                  <a:spcPct val="100000"/>
+                </a:lnSpc>
+                <a:spcBef>
+                  <a:spcPts val="0"/>
+                </a:spcBef>
+                <a:spcAft>
+                  <a:spcPts val="0"/>
+                </a:spcAft>
+                <a:buClrTx/>
+                <a:buSzTx/>
+                <a:buFontTx/>
+                <a:buNone/>
+                <a:tabLst/>
+                <a:defRPr/>
+              </a:pPr>
+              <a:r>
+                <a:rPr kumimoji="0" lang="en-US" sz="2000" b="1" i="0" u="none" strike="noStrike" kern="0" cap="none" spc="0" normalizeH="0" baseline="0" noProof="0" dirty="0" smtClean="0">
+                  <a:ln>
+                    <a:noFill/>
+                  </a:ln>
+                  <a:solidFill>
+                    <a:prstClr val="black"/>
+                  </a:solidFill>
+                  <a:effectLst/>
+                  <a:uLnTx/>
+                  <a:uFillTx/>
+                  <a:latin typeface="Calibri"/>
+                  <a:ea typeface="+mn-ea"/>
+                  <a:cs typeface="+mn-cs"/>
+                </a:rPr>
+                <a:t>Branch</a:t>
+              </a:r>
+            </a:p>
+            <a:p>
+              <a:pPr marL="0" marR="0" lvl="0" indent="0" algn="ctr" defTabSz="914400" rtl="0" eaLnBrk="1" fontAlgn="auto" latinLnBrk="0" hangingPunct="1">
+                <a:lnSpc>
+                  <a:spcPct val="100000"/>
+                </a:lnSpc>
+                <a:spcBef>
+                  <a:spcPts val="0"/>
+                </a:spcBef>
+                <a:spcAft>
+                  <a:spcPts val="0"/>
+                </a:spcAft>
+                <a:buClrTx/>
+                <a:buSzTx/>
+                <a:buFontTx/>
+                <a:buNone/>
+                <a:tabLst/>
+                <a:defRPr/>
+              </a:pPr>
+              <a:r>
+                <a:rPr lang="en-US" sz="2000" b="1" kern="0" dirty="0" smtClean="0">
+                  <a:solidFill>
+                    <a:prstClr val="black"/>
+                  </a:solidFill>
+                  <a:latin typeface="Calibri"/>
+                </a:rPr>
+                <a:t>T</a:t>
+              </a:r>
+              <a:r>
+                <a:rPr kumimoji="0" lang="en-US" sz="2000" b="1" i="0" u="none" strike="noStrike" kern="0" cap="none" spc="0" normalizeH="0" noProof="0" dirty="0" err="1" smtClean="0">
+                  <a:ln>
+                    <a:noFill/>
+                  </a:ln>
+                  <a:solidFill>
+                    <a:prstClr val="black"/>
+                  </a:solidFill>
+                  <a:effectLst/>
+                  <a:uLnTx/>
+                  <a:uFillTx/>
+                  <a:latin typeface="Calibri"/>
+                  <a:ea typeface="+mn-ea"/>
+                  <a:cs typeface="+mn-cs"/>
+                </a:rPr>
+                <a:t>arget</a:t>
+              </a:r>
+              <a:endParaRPr kumimoji="0" lang="en-US" sz="2000" b="1" i="0" u="none" strike="noStrike" kern="0" cap="none" spc="0" normalizeH="0" noProof="0" dirty="0" smtClean="0">
+                <a:ln>
+                  <a:noFill/>
+                </a:ln>
+                <a:solidFill>
+                  <a:prstClr val="black"/>
+                </a:solidFill>
+                <a:effectLst/>
+                <a:uLnTx/>
+                <a:uFillTx/>
+                <a:latin typeface="Calibri"/>
+                <a:ea typeface="+mn-ea"/>
+                <a:cs typeface="+mn-cs"/>
+              </a:endParaRPr>
+            </a:p>
+            <a:p>
+              <a:pPr marL="0" marR="0" lvl="0" indent="0" algn="ctr" defTabSz="914400" rtl="0" eaLnBrk="1" fontAlgn="auto" latinLnBrk="0" hangingPunct="1">
+                <a:lnSpc>
+                  <a:spcPct val="100000"/>
+                </a:lnSpc>
+                <a:spcBef>
+                  <a:spcPts val="0"/>
+                </a:spcBef>
+                <a:spcAft>
+                  <a:spcPts val="0"/>
+                </a:spcAft>
+                <a:buClrTx/>
+                <a:buSzTx/>
+                <a:buFontTx/>
+                <a:buNone/>
+                <a:tabLst/>
+                <a:defRPr/>
+              </a:pPr>
+              <a:r>
+                <a:rPr kumimoji="0" lang="en-US" sz="2000" b="1" i="0" u="none" strike="noStrike" kern="0" cap="none" spc="0" normalizeH="0" noProof="0" dirty="0" smtClean="0">
+                  <a:ln>
+                    <a:noFill/>
+                  </a:ln>
+                  <a:solidFill>
+                    <a:prstClr val="black"/>
+                  </a:solidFill>
+                  <a:effectLst/>
+                  <a:uLnTx/>
+                  <a:uFillTx/>
+                  <a:latin typeface="Calibri"/>
+                  <a:ea typeface="+mn-ea"/>
+                  <a:cs typeface="+mn-cs"/>
+                </a:rPr>
+                <a:t>Buffer</a:t>
+              </a:r>
+              <a:endParaRPr kumimoji="0" lang="en-US" sz="2000" b="1" i="0" u="none" strike="noStrike" kern="0" cap="none" spc="0" normalizeH="0" baseline="0" noProof="0" dirty="0" smtClean="0">
+                <a:ln>
+                  <a:noFill/>
+                </a:ln>
+                <a:solidFill>
+                  <a:prstClr val="black"/>
+                </a:solidFill>
+                <a:effectLst/>
+                <a:uLnTx/>
+                <a:uFillTx/>
+                <a:latin typeface="Calibri"/>
+                <a:ea typeface="+mn-ea"/>
+                <a:cs typeface="+mn-cs"/>
+              </a:endParaRPr>
+            </a:p>
+          </p:txBody>
+        </p:sp>
+        <p:sp>
+          <p:nvSpPr>
+            <p:cNvPr id="31" name="Rectangle 30"/>
+            <p:cNvSpPr/>
+            <p:nvPr/>
+          </p:nvSpPr>
+          <p:spPr>
+            <a:xfrm>
+              <a:off x="8665146" y="3730704"/>
+              <a:ext cx="1561198" cy="586740"/>
+            </a:xfrm>
+            <a:prstGeom prst="rect">
+              <a:avLst/>
+            </a:prstGeom>
+            <a:solidFill>
+              <a:srgbClr val="F79646">
+                <a:lumMod val="40000"/>
+                <a:lumOff val="60000"/>
+              </a:srgbClr>
+            </a:solidFill>
+            <a:ln w="25400" cap="flat" cmpd="sng" algn="ctr">
+              <a:solidFill>
+                <a:sysClr val="windowText" lastClr="000000"/>
+              </a:solidFill>
+              <a:prstDash val="solid"/>
+            </a:ln>
+            <a:effectLst/>
+          </p:spPr>
+          <p:txBody>
+            <a:bodyPr rtlCol="0" anchor="ctr"/>
+            <a:lstStyle/>
+            <a:p>
+              <a:pPr marL="0" marR="0" lvl="0" indent="0" algn="ctr" defTabSz="914400" rtl="0" eaLnBrk="1" fontAlgn="auto" latinLnBrk="0" hangingPunct="1">
+                <a:lnSpc>
+                  <a:spcPct val="100000"/>
+                </a:lnSpc>
+                <a:spcBef>
+                  <a:spcPts val="0"/>
+                </a:spcBef>
+                <a:spcAft>
+                  <a:spcPts val="0"/>
+                </a:spcAft>
+                <a:buClrTx/>
+                <a:buSzTx/>
+                <a:buFontTx/>
+                <a:buNone/>
+                <a:tabLst/>
+                <a:defRPr/>
+              </a:pPr>
+              <a:r>
+                <a:rPr kumimoji="0" lang="en-US" sz="2000" b="1" i="0" u="none" strike="noStrike" kern="0" cap="none" spc="0" normalizeH="0" baseline="0" noProof="0" dirty="0" smtClean="0">
+                  <a:ln>
+                    <a:noFill/>
+                  </a:ln>
+                  <a:solidFill>
+                    <a:prstClr val="black"/>
+                  </a:solidFill>
+                  <a:effectLst/>
+                  <a:uLnTx/>
+                  <a:uFillTx/>
+                  <a:latin typeface="Calibri"/>
+                  <a:ea typeface="+mn-ea"/>
+                  <a:cs typeface="+mn-cs"/>
+                </a:rPr>
+                <a:t>Tournament</a:t>
+              </a:r>
+              <a:r>
+                <a:rPr kumimoji="0" lang="en-US" sz="2000" b="1" i="0" u="none" strike="noStrike" kern="0" cap="none" spc="0" normalizeH="0" noProof="0" dirty="0" smtClean="0">
+                  <a:ln>
+                    <a:noFill/>
+                  </a:ln>
+                  <a:solidFill>
+                    <a:prstClr val="black"/>
+                  </a:solidFill>
+                  <a:effectLst/>
+                  <a:uLnTx/>
+                  <a:uFillTx/>
+                  <a:latin typeface="Calibri"/>
+                  <a:ea typeface="+mn-ea"/>
+                  <a:cs typeface="+mn-cs"/>
+                </a:rPr>
+                <a:t> Branch</a:t>
+              </a:r>
+              <a:r>
+                <a:rPr kumimoji="0" lang="en-US" sz="2000" b="1" i="0" u="none" strike="noStrike" kern="0" cap="none" spc="0" normalizeH="0" baseline="0" noProof="0" dirty="0" smtClean="0">
+                  <a:ln>
+                    <a:noFill/>
+                  </a:ln>
+                  <a:solidFill>
+                    <a:prstClr val="black"/>
+                  </a:solidFill>
+                  <a:effectLst/>
+                  <a:uLnTx/>
+                  <a:uFillTx/>
+                  <a:latin typeface="Calibri"/>
+                  <a:ea typeface="+mn-ea"/>
+                  <a:cs typeface="+mn-cs"/>
+                </a:rPr>
+                <a:t> </a:t>
+              </a:r>
+              <a:r>
+                <a:rPr kumimoji="0" lang="en-US" sz="2000" b="1" i="0" u="none" strike="noStrike" kern="0" cap="none" spc="0" normalizeH="0" baseline="0" noProof="0" dirty="0" err="1" smtClean="0">
+                  <a:ln>
+                    <a:noFill/>
+                  </a:ln>
+                  <a:solidFill>
+                    <a:prstClr val="black"/>
+                  </a:solidFill>
+                  <a:effectLst/>
+                  <a:uLnTx/>
+                  <a:uFillTx/>
+                  <a:latin typeface="Calibri"/>
+                  <a:ea typeface="+mn-ea"/>
+                  <a:cs typeface="+mn-cs"/>
+                </a:rPr>
+                <a:t>Pred</a:t>
+              </a:r>
+              <a:endParaRPr kumimoji="0" lang="en-US" sz="2000" b="1" i="0" u="none" strike="noStrike" kern="0" cap="none" spc="0" normalizeH="0" baseline="0" noProof="0" dirty="0" smtClean="0">
+                <a:ln>
+                  <a:noFill/>
+                </a:ln>
+                <a:solidFill>
+                  <a:prstClr val="black"/>
+                </a:solidFill>
+                <a:effectLst/>
+                <a:uLnTx/>
+                <a:uFillTx/>
+                <a:latin typeface="Calibri"/>
+                <a:ea typeface="+mn-ea"/>
+                <a:cs typeface="+mn-cs"/>
+              </a:endParaRPr>
+            </a:p>
+          </p:txBody>
+        </p:sp>
+        <p:sp>
+          <p:nvSpPr>
+            <p:cNvPr id="32" name="Rectangle 31"/>
+            <p:cNvSpPr/>
+            <p:nvPr/>
+          </p:nvSpPr>
+          <p:spPr>
+            <a:xfrm>
+              <a:off x="8330207" y="2229191"/>
+              <a:ext cx="2231077" cy="331199"/>
+            </a:xfrm>
+            <a:prstGeom prst="rect">
+              <a:avLst/>
+            </a:prstGeom>
+            <a:solidFill>
+              <a:srgbClr val="F79646">
+                <a:lumMod val="40000"/>
+                <a:lumOff val="60000"/>
+              </a:srgbClr>
+            </a:solidFill>
+            <a:ln w="25400" cap="flat" cmpd="sng" algn="ctr">
+              <a:solidFill>
+                <a:sysClr val="windowText" lastClr="000000"/>
+              </a:solidFill>
+              <a:prstDash val="solid"/>
+            </a:ln>
+            <a:effectLst/>
+          </p:spPr>
+          <p:txBody>
+            <a:bodyPr rtlCol="0" anchor="ctr"/>
+            <a:lstStyle/>
+            <a:p>
+              <a:pPr marL="0" marR="0" lvl="0" indent="0" algn="ctr" defTabSz="914400" rtl="0" eaLnBrk="1" fontAlgn="auto" latinLnBrk="0" hangingPunct="1">
+                <a:lnSpc>
+                  <a:spcPct val="100000"/>
+                </a:lnSpc>
+                <a:spcBef>
+                  <a:spcPts val="0"/>
+                </a:spcBef>
+                <a:spcAft>
+                  <a:spcPts val="0"/>
+                </a:spcAft>
+                <a:buClrTx/>
+                <a:buSzTx/>
+                <a:buFontTx/>
+                <a:buNone/>
+                <a:tabLst/>
+                <a:defRPr/>
+              </a:pPr>
+              <a:r>
+                <a:rPr lang="en-US" sz="2000" b="1" kern="0" dirty="0" smtClean="0">
+                  <a:solidFill>
+                    <a:prstClr val="black"/>
+                  </a:solidFill>
+                  <a:latin typeface="Calibri"/>
+                </a:rPr>
+                <a:t>Return </a:t>
+              </a:r>
+              <a:r>
+                <a:rPr lang="en-US" sz="2000" b="1" kern="0" dirty="0" err="1" smtClean="0">
+                  <a:solidFill>
+                    <a:prstClr val="black"/>
+                  </a:solidFill>
+                  <a:latin typeface="Calibri"/>
+                </a:rPr>
+                <a:t>Addr</a:t>
+              </a:r>
+              <a:r>
+                <a:rPr lang="en-US" sz="2000" b="1" kern="0" dirty="0" smtClean="0">
+                  <a:solidFill>
+                    <a:prstClr val="black"/>
+                  </a:solidFill>
+                  <a:latin typeface="Calibri"/>
+                </a:rPr>
+                <a:t> Stack</a:t>
+              </a:r>
+              <a:endParaRPr kumimoji="0" lang="en-US" sz="2000" b="1" i="0" u="none" strike="noStrike" kern="0" cap="none" spc="0" normalizeH="0" baseline="0" noProof="0" dirty="0" smtClean="0">
+                <a:ln>
+                  <a:noFill/>
+                </a:ln>
+                <a:solidFill>
+                  <a:prstClr val="black"/>
+                </a:solidFill>
+                <a:effectLst/>
+                <a:uLnTx/>
+                <a:uFillTx/>
+                <a:latin typeface="Calibri"/>
+                <a:ea typeface="+mn-ea"/>
+                <a:cs typeface="+mn-cs"/>
+              </a:endParaRPr>
+            </a:p>
+          </p:txBody>
+        </p:sp>
+        <p:sp>
+          <p:nvSpPr>
+            <p:cNvPr id="33" name="TextBox 32"/>
+            <p:cNvSpPr txBox="1"/>
+            <p:nvPr/>
+          </p:nvSpPr>
+          <p:spPr>
+            <a:xfrm>
+              <a:off x="11066135" y="2928104"/>
+              <a:ext cx="1171661" cy="400110"/>
+            </a:xfrm>
+            <a:prstGeom prst="rect">
+              <a:avLst/>
+            </a:prstGeom>
+            <a:noFill/>
+          </p:spPr>
+          <p:txBody>
+            <a:bodyPr wrap="square" rtlCol="0">
+              <a:spAutoFit/>
+            </a:bodyPr>
+            <a:lstStyle/>
+            <a:p>
+              <a:pPr algn="ctr">
+                <a:defRPr/>
+              </a:pPr>
+              <a:r>
+                <a:rPr lang="en-US" sz="2000" b="1" kern="0" dirty="0" smtClean="0">
+                  <a:solidFill>
+                    <a:prstClr val="black"/>
+                  </a:solidFill>
+                  <a:latin typeface="Calibri"/>
+                </a:rPr>
+                <a:t>Rename </a:t>
+              </a:r>
+              <a:endParaRPr lang="en-US" sz="2000" b="1" kern="0" dirty="0">
+                <a:solidFill>
+                  <a:prstClr val="black"/>
+                </a:solidFill>
+                <a:latin typeface="Calibri"/>
+              </a:endParaRPr>
+            </a:p>
+          </p:txBody>
+        </p:sp>
+        <p:cxnSp>
+          <p:nvCxnSpPr>
+            <p:cNvPr id="34" name="Straight Arrow Connector 33"/>
+            <p:cNvCxnSpPr>
+              <a:stCxn id="11" idx="2"/>
+              <a:endCxn id="35" idx="0"/>
+            </p:cNvCxnSpPr>
+            <p:nvPr/>
+          </p:nvCxnSpPr>
+          <p:spPr>
+            <a:xfrm flipH="1">
+              <a:off x="3787715" y="4091269"/>
+              <a:ext cx="2531" cy="564091"/>
+            </a:xfrm>
+            <a:prstGeom prst="straightConnector1">
+              <a:avLst/>
+            </a:prstGeom>
+            <a:ln w="12700">
+              <a:solidFill>
+                <a:schemeClr val="tx1"/>
+              </a:solidFill>
+              <a:tailEnd type="triangle"/>
+            </a:ln>
+          </p:spPr>
+          <p:style>
+            <a:lnRef idx="1">
+              <a:schemeClr val="accent1"/>
+            </a:lnRef>
+            <a:fillRef idx="0">
+              <a:schemeClr val="accent1"/>
+            </a:fillRef>
+            <a:effectRef idx="0">
+              <a:schemeClr val="accent1"/>
+            </a:effectRef>
+            <a:fontRef idx="minor">
+              <a:schemeClr val="tx1"/>
+            </a:fontRef>
+          </p:style>
+        </p:cxnSp>
+        <p:sp>
+          <p:nvSpPr>
+            <p:cNvPr id="35" name="TextBox 34"/>
+            <p:cNvSpPr txBox="1"/>
+            <p:nvPr/>
+          </p:nvSpPr>
+          <p:spPr>
+            <a:xfrm>
+              <a:off x="3000476" y="4655360"/>
+              <a:ext cx="1574478" cy="400110"/>
+            </a:xfrm>
+            <a:prstGeom prst="rect">
+              <a:avLst/>
+            </a:prstGeom>
+            <a:noFill/>
+          </p:spPr>
+          <p:txBody>
+            <a:bodyPr wrap="square" rtlCol="0">
+              <a:spAutoFit/>
+            </a:bodyPr>
+            <a:lstStyle/>
+            <a:p>
+              <a:pPr algn="ctr">
+                <a:defRPr/>
+              </a:pPr>
+              <a:r>
+                <a:rPr lang="en-US" sz="2000" b="1" kern="0" dirty="0">
+                  <a:solidFill>
+                    <a:prstClr val="black"/>
+                  </a:solidFill>
+                  <a:latin typeface="Calibri"/>
+                </a:rPr>
+                <a:t>To </a:t>
+              </a:r>
+              <a:r>
+                <a:rPr lang="en-US" sz="2000" b="1" kern="0" dirty="0" smtClean="0">
+                  <a:solidFill>
+                    <a:prstClr val="black"/>
+                  </a:solidFill>
+                  <a:latin typeface="Calibri"/>
+                </a:rPr>
+                <a:t>L2 TLB </a:t>
+              </a:r>
+              <a:endParaRPr lang="en-US" sz="2000" b="1" kern="0" dirty="0">
+                <a:solidFill>
+                  <a:prstClr val="black"/>
+                </a:solidFill>
+                <a:latin typeface="Calibri"/>
+              </a:endParaRPr>
+            </a:p>
+          </p:txBody>
+        </p:sp>
+        <p:sp>
+          <p:nvSpPr>
+            <p:cNvPr id="36" name="TextBox 35"/>
+            <p:cNvSpPr txBox="1"/>
+            <p:nvPr/>
+          </p:nvSpPr>
+          <p:spPr>
+            <a:xfrm>
+              <a:off x="5171667" y="4655360"/>
+              <a:ext cx="1574478" cy="400110"/>
+            </a:xfrm>
+            <a:prstGeom prst="rect">
+              <a:avLst/>
+            </a:prstGeom>
+            <a:noFill/>
+          </p:spPr>
+          <p:txBody>
+            <a:bodyPr wrap="square" rtlCol="0">
+              <a:spAutoFit/>
+            </a:bodyPr>
+            <a:lstStyle/>
+            <a:p>
+              <a:pPr algn="ctr">
+                <a:defRPr/>
+              </a:pPr>
+              <a:r>
+                <a:rPr lang="en-US" sz="2000" b="1" kern="0" dirty="0">
+                  <a:solidFill>
+                    <a:prstClr val="black"/>
+                  </a:solidFill>
+                  <a:latin typeface="Calibri"/>
+                </a:rPr>
+                <a:t>To </a:t>
+              </a:r>
+              <a:r>
+                <a:rPr lang="en-US" sz="2000" b="1" kern="0" dirty="0" smtClean="0">
+                  <a:solidFill>
+                    <a:prstClr val="black"/>
+                  </a:solidFill>
+                  <a:latin typeface="Calibri"/>
+                </a:rPr>
+                <a:t>L2$</a:t>
+              </a:r>
+              <a:endParaRPr lang="en-US" sz="2000" b="1" kern="0" dirty="0">
+                <a:solidFill>
+                  <a:prstClr val="black"/>
+                </a:solidFill>
+                <a:latin typeface="Calibri"/>
+              </a:endParaRPr>
+            </a:p>
+          </p:txBody>
+        </p:sp>
+        <p:cxnSp>
+          <p:nvCxnSpPr>
+            <p:cNvPr id="37" name="Straight Arrow Connector 36"/>
+            <p:cNvCxnSpPr>
+              <a:stCxn id="20" idx="2"/>
+              <a:endCxn id="36" idx="0"/>
+            </p:cNvCxnSpPr>
+            <p:nvPr/>
+          </p:nvCxnSpPr>
+          <p:spPr>
+            <a:xfrm flipH="1">
+              <a:off x="5958906" y="4091269"/>
+              <a:ext cx="3162" cy="564091"/>
+            </a:xfrm>
+            <a:prstGeom prst="straightConnector1">
+              <a:avLst/>
+            </a:prstGeom>
+            <a:ln w="12700">
+              <a:solidFill>
+                <a:schemeClr val="tx1"/>
+              </a:solidFill>
+              <a:tailEnd type="triangle"/>
+            </a:ln>
+          </p:spPr>
+          <p:style>
+            <a:lnRef idx="1">
+              <a:schemeClr val="accent1"/>
+            </a:lnRef>
+            <a:fillRef idx="0">
+              <a:schemeClr val="accent1"/>
+            </a:fillRef>
+            <a:effectRef idx="0">
+              <a:schemeClr val="accent1"/>
+            </a:effectRef>
+            <a:fontRef idx="minor">
+              <a:schemeClr val="tx1"/>
+            </a:fontRef>
+          </p:style>
+        </p:cxnSp>
+        <p:sp>
+          <p:nvSpPr>
+            <p:cNvPr id="50" name="Rectangle 49"/>
+            <p:cNvSpPr/>
+            <p:nvPr/>
+          </p:nvSpPr>
+          <p:spPr>
+            <a:xfrm>
+              <a:off x="2846148" y="2206426"/>
+              <a:ext cx="1753051" cy="331199"/>
+            </a:xfrm>
+            <a:prstGeom prst="rect">
+              <a:avLst/>
+            </a:prstGeom>
+            <a:solidFill>
+              <a:schemeClr val="accent6">
+                <a:lumMod val="60000"/>
+                <a:lumOff val="40000"/>
+              </a:schemeClr>
+            </a:solidFill>
+            <a:ln w="25400" cap="flat" cmpd="sng" algn="ctr">
+              <a:solidFill>
+                <a:sysClr val="windowText" lastClr="000000"/>
+              </a:solidFill>
+              <a:prstDash val="solid"/>
+            </a:ln>
+            <a:effectLst/>
+          </p:spPr>
+          <p:txBody>
+            <a:bodyPr rtlCol="0" anchor="ctr"/>
+            <a:lstStyle/>
+            <a:p>
+              <a:pPr marL="0" marR="0" lvl="0" indent="0" algn="ctr" defTabSz="914400" rtl="0" eaLnBrk="1" fontAlgn="auto" latinLnBrk="0" hangingPunct="1">
+                <a:lnSpc>
+                  <a:spcPct val="100000"/>
+                </a:lnSpc>
+                <a:spcBef>
+                  <a:spcPts val="0"/>
+                </a:spcBef>
+                <a:spcAft>
+                  <a:spcPts val="0"/>
+                </a:spcAft>
+                <a:buClrTx/>
+                <a:buSzTx/>
+                <a:buFontTx/>
+                <a:buNone/>
+                <a:tabLst/>
+                <a:defRPr/>
+              </a:pPr>
+              <a:r>
+                <a:rPr kumimoji="0" lang="en-US" sz="2000" b="1" i="0" u="none" strike="noStrike" kern="0" cap="none" spc="0" normalizeH="0" baseline="0" noProof="0" dirty="0" err="1" smtClean="0">
+                  <a:ln>
+                    <a:noFill/>
+                  </a:ln>
+                  <a:solidFill>
+                    <a:prstClr val="black"/>
+                  </a:solidFill>
+                  <a:effectLst/>
+                  <a:uLnTx/>
+                  <a:uFillTx/>
+                  <a:latin typeface="Calibri"/>
+                  <a:ea typeface="+mn-ea"/>
+                  <a:cs typeface="+mn-cs"/>
+                </a:rPr>
+                <a:t>f_main_epoch</a:t>
+              </a:r>
+              <a:endParaRPr kumimoji="0" lang="en-US" sz="2000" b="1" i="0" u="none" strike="noStrike" kern="0" cap="none" spc="0" normalizeH="0" baseline="0" noProof="0" dirty="0" smtClean="0">
+                <a:ln>
+                  <a:noFill/>
+                </a:ln>
+                <a:solidFill>
+                  <a:prstClr val="black"/>
+                </a:solidFill>
+                <a:effectLst/>
+                <a:uLnTx/>
+                <a:uFillTx/>
+                <a:latin typeface="Calibri"/>
+                <a:ea typeface="+mn-ea"/>
+                <a:cs typeface="+mn-cs"/>
+              </a:endParaRPr>
+            </a:p>
+          </p:txBody>
+        </p:sp>
+        <p:sp>
+          <p:nvSpPr>
+            <p:cNvPr id="51" name="Rectangle 50"/>
+            <p:cNvSpPr/>
+            <p:nvPr/>
+          </p:nvSpPr>
+          <p:spPr>
+            <a:xfrm>
+              <a:off x="4805110" y="2206427"/>
+              <a:ext cx="1753051" cy="331199"/>
+            </a:xfrm>
+            <a:prstGeom prst="rect">
+              <a:avLst/>
+            </a:prstGeom>
+            <a:solidFill>
+              <a:schemeClr val="accent6">
+                <a:lumMod val="60000"/>
+                <a:lumOff val="40000"/>
+              </a:schemeClr>
+            </a:solidFill>
+            <a:ln w="25400" cap="flat" cmpd="sng" algn="ctr">
+              <a:solidFill>
+                <a:sysClr val="windowText" lastClr="000000"/>
+              </a:solidFill>
+              <a:prstDash val="solid"/>
+            </a:ln>
+            <a:effectLst/>
+          </p:spPr>
+          <p:txBody>
+            <a:bodyPr rtlCol="0" anchor="ctr"/>
+            <a:lstStyle/>
+            <a:p>
+              <a:pPr marL="0" marR="0" lvl="0" indent="0" algn="ctr" defTabSz="914400" rtl="0" eaLnBrk="1" fontAlgn="auto" latinLnBrk="0" hangingPunct="1">
+                <a:lnSpc>
+                  <a:spcPct val="100000"/>
+                </a:lnSpc>
+                <a:spcBef>
+                  <a:spcPts val="0"/>
+                </a:spcBef>
+                <a:spcAft>
+                  <a:spcPts val="0"/>
+                </a:spcAft>
+                <a:buClrTx/>
+                <a:buSzTx/>
+                <a:buFontTx/>
+                <a:buNone/>
+                <a:tabLst/>
+                <a:defRPr/>
+              </a:pPr>
+              <a:r>
+                <a:rPr kumimoji="0" lang="en-US" sz="2000" b="1" i="0" u="none" strike="noStrike" kern="0" cap="none" spc="0" normalizeH="0" baseline="0" noProof="0" dirty="0" err="1" smtClean="0">
+                  <a:ln>
+                    <a:noFill/>
+                  </a:ln>
+                  <a:solidFill>
+                    <a:prstClr val="black"/>
+                  </a:solidFill>
+                  <a:effectLst/>
+                  <a:uLnTx/>
+                  <a:uFillTx/>
+                  <a:latin typeface="Calibri"/>
+                  <a:ea typeface="+mn-ea"/>
+                  <a:cs typeface="+mn-cs"/>
+                </a:rPr>
+                <a:t>decode_eopch</a:t>
+              </a:r>
+              <a:endParaRPr kumimoji="0" lang="en-US" sz="2000" b="1" i="0" u="none" strike="noStrike" kern="0" cap="none" spc="0" normalizeH="0" baseline="0" noProof="0" dirty="0" smtClean="0">
+                <a:ln>
+                  <a:noFill/>
+                </a:ln>
+                <a:solidFill>
+                  <a:prstClr val="black"/>
+                </a:solidFill>
+                <a:effectLst/>
+                <a:uLnTx/>
+                <a:uFillTx/>
+                <a:latin typeface="Calibri"/>
+                <a:ea typeface="+mn-ea"/>
+                <a:cs typeface="+mn-cs"/>
+              </a:endParaRPr>
+            </a:p>
+          </p:txBody>
+        </p:sp>
+      </p:grpSp>
+    </p:spTree>
+    <p:extLst>
+      <p:ext uri="{BB962C8B-B14F-4D97-AF65-F5344CB8AC3E}">
+        <p14:creationId xmlns:p14="http://schemas.microsoft.com/office/powerpoint/2010/main" val="4066076650"/>
+      </p:ext>
+    </p:extLst>
+  </p:cSld>
+  <p:clrMapOvr>
+    <a:masterClrMapping/>
+  </p:clrMapOvr>
+</p:sld>
+</file>
+
 <file path=ppt/theme/theme1.xml><?xml version="1.0" encoding="utf-8"?>
 <a:theme xmlns:a="http://schemas.openxmlformats.org/drawingml/2006/main" name="Office Theme">
   <a:themeElements>

--- a/fig/fig.pptx
+++ b/fig/fig.pptx
@@ -12,6 +12,7 @@
     <p:sldId id="260" r:id="rId6"/>
     <p:sldId id="261" r:id="rId7"/>
     <p:sldId id="262" r:id="rId8"/>
+    <p:sldId id="263" r:id="rId9"/>
   </p:sldIdLst>
   <p:sldSz cx="12192000" cy="6858000"/>
   <p:notesSz cx="7315200" cy="9601200"/>
@@ -18351,20 +18352,6 @@
                 </a:rPr>
                 <a:t>doFetch1</a:t>
               </a:r>
-              <a:endParaRPr kumimoji="0" lang="en-US" sz="2000" b="1" i="0" u="none" strike="noStrike" kern="0" cap="none" spc="0" normalizeH="0" baseline="0" noProof="0" dirty="0" smtClean="0">
-                <a:ln>
-                  <a:noFill/>
-                </a:ln>
-                <a:solidFill>
-                  <a:prstClr val="black"/>
-                </a:solidFill>
-                <a:effectLst/>
-                <a:uLnTx/>
-                <a:uFillTx/>
-                <a:latin typeface="Calibri"/>
-                <a:ea typeface="+mn-ea"/>
-                <a:cs typeface="+mn-cs"/>
-              </a:endParaRPr>
             </a:p>
           </p:txBody>
         </p:sp>
@@ -18434,20 +18421,6 @@
                 </a:rPr>
                 <a:t>doFetch2</a:t>
               </a:r>
-              <a:endParaRPr kumimoji="0" lang="en-US" sz="2000" b="1" i="0" u="none" strike="noStrike" kern="0" cap="none" spc="0" normalizeH="0" baseline="0" noProof="0" dirty="0" smtClean="0">
-                <a:ln>
-                  <a:noFill/>
-                </a:ln>
-                <a:solidFill>
-                  <a:prstClr val="black"/>
-                </a:solidFill>
-                <a:effectLst/>
-                <a:uLnTx/>
-                <a:uFillTx/>
-                <a:latin typeface="Calibri"/>
-                <a:ea typeface="+mn-ea"/>
-                <a:cs typeface="+mn-cs"/>
-              </a:endParaRPr>
             </a:p>
           </p:txBody>
         </p:sp>
@@ -18517,20 +18490,6 @@
                 </a:rPr>
                 <a:t>doFetch3</a:t>
               </a:r>
-              <a:endParaRPr kumimoji="0" lang="en-US" sz="2000" b="1" i="0" u="none" strike="noStrike" kern="0" cap="none" spc="0" normalizeH="0" baseline="0" noProof="0" dirty="0" smtClean="0">
-                <a:ln>
-                  <a:noFill/>
-                </a:ln>
-                <a:solidFill>
-                  <a:prstClr val="black"/>
-                </a:solidFill>
-                <a:effectLst/>
-                <a:uLnTx/>
-                <a:uFillTx/>
-                <a:latin typeface="Calibri"/>
-                <a:ea typeface="+mn-ea"/>
-                <a:cs typeface="+mn-cs"/>
-              </a:endParaRPr>
             </a:p>
           </p:txBody>
         </p:sp>
@@ -19453,24 +19412,7 @@
                   <a:ea typeface="+mn-ea"/>
                   <a:cs typeface="+mn-cs"/>
                 </a:rPr>
-                <a:t>Fetch </a:t>
-              </a:r>
-              <a:r>
-                <a:rPr kumimoji="0" lang="en-US" sz="2000" b="1" i="0" u="none" strike="noStrike" kern="1200" cap="none" spc="0" normalizeH="0" baseline="0" noProof="0" dirty="0" smtClean="0">
-                  <a:ln>
-                    <a:noFill/>
-                  </a:ln>
-                  <a:solidFill>
-                    <a:prstClr val="black"/>
-                  </a:solidFill>
-                  <a:effectLst/>
-                  <a:uLnTx/>
-                  <a:uFillTx/>
-                  <a:latin typeface="Calibri"/>
-                  <a:ea typeface="+mn-ea"/>
-                  <a:cs typeface="+mn-cs"/>
-                </a:rPr>
-                <a:t>pipeline</a:t>
+                <a:t>Fetch pipeline</a:t>
               </a:r>
               <a:endParaRPr kumimoji="0" lang="en-US" sz="2000" b="1" i="0" u="none" strike="noStrike" kern="1200" cap="none" spc="0" normalizeH="0" baseline="0" noProof="0" dirty="0">
                 <a:ln>
@@ -20600,6 +20542,1140 @@
     <p:extLst>
       <p:ext uri="{BB962C8B-B14F-4D97-AF65-F5344CB8AC3E}">
         <p14:creationId xmlns:p14="http://schemas.microsoft.com/office/powerpoint/2010/main" val="4066076650"/>
+      </p:ext>
+    </p:extLst>
+  </p:cSld>
+  <p:clrMapOvr>
+    <a:masterClrMapping/>
+  </p:clrMapOvr>
+</p:sld>
+</file>
+
+<file path=ppt/slides/slide8.xml><?xml version="1.0" encoding="utf-8"?>
+<p:sld xmlns:a="http://schemas.openxmlformats.org/drawingml/2006/main" xmlns:r="http://schemas.openxmlformats.org/officeDocument/2006/relationships" xmlns:p="http://schemas.openxmlformats.org/presentationml/2006/main">
+  <p:cSld>
+    <p:spTree>
+      <p:nvGrpSpPr>
+        <p:cNvPr id="1" name=""/>
+        <p:cNvGrpSpPr/>
+        <p:nvPr/>
+      </p:nvGrpSpPr>
+      <p:grpSpPr>
+        <a:xfrm>
+          <a:off x="0" y="0"/>
+          <a:ext cx="0" cy="0"/>
+          <a:chOff x="0" y="0"/>
+          <a:chExt cx="0" cy="0"/>
+        </a:xfrm>
+      </p:grpSpPr>
+      <p:sp>
+        <p:nvSpPr>
+          <p:cNvPr id="7" name="Cloud 6"/>
+          <p:cNvSpPr/>
+          <p:nvPr/>
+        </p:nvSpPr>
+        <p:spPr>
+          <a:xfrm>
+            <a:off x="2050143" y="2724298"/>
+            <a:ext cx="2126514" cy="829819"/>
+          </a:xfrm>
+          <a:prstGeom prst="cloud">
+            <a:avLst/>
+          </a:prstGeom>
+          <a:solidFill>
+            <a:srgbClr val="4BACC6">
+              <a:lumMod val="40000"/>
+              <a:lumOff val="60000"/>
+            </a:srgbClr>
+          </a:solidFill>
+          <a:ln w="25400" cap="flat" cmpd="sng" algn="ctr">
+            <a:solidFill>
+              <a:sysClr val="windowText" lastClr="000000"/>
+            </a:solidFill>
+            <a:prstDash val="solid"/>
+          </a:ln>
+          <a:effectLst/>
+        </p:spPr>
+        <p:txBody>
+          <a:bodyPr rtlCol="0" anchor="ctr"/>
+          <a:lstStyle/>
+          <a:p>
+            <a:pPr marL="0" marR="0" lvl="0" indent="0" algn="ctr" defTabSz="914400" rtl="0" eaLnBrk="1" fontAlgn="auto" latinLnBrk="0" hangingPunct="1">
+              <a:lnSpc>
+                <a:spcPct val="100000"/>
+              </a:lnSpc>
+              <a:spcBef>
+                <a:spcPts val="0"/>
+              </a:spcBef>
+              <a:spcAft>
+                <a:spcPts val="0"/>
+              </a:spcAft>
+              <a:buClrTx/>
+              <a:buSzTx/>
+              <a:buFontTx/>
+              <a:buNone/>
+              <a:tabLst/>
+              <a:defRPr/>
+            </a:pPr>
+            <a:r>
+              <a:rPr kumimoji="0" lang="en-US" sz="2000" b="1" i="0" u="none" strike="noStrike" kern="0" cap="none" spc="0" normalizeH="0" baseline="0" noProof="0" dirty="0" err="1" smtClean="0">
+                <a:ln>
+                  <a:noFill/>
+                </a:ln>
+                <a:solidFill>
+                  <a:prstClr val="black"/>
+                </a:solidFill>
+                <a:effectLst/>
+                <a:uLnTx/>
+                <a:uFillTx/>
+                <a:latin typeface="Calibri"/>
+                <a:ea typeface="+mn-ea"/>
+                <a:cs typeface="+mn-cs"/>
+              </a:rPr>
+              <a:t>doDispatch</a:t>
+            </a:r>
+            <a:endParaRPr kumimoji="0" lang="en-US" sz="2000" b="1" i="0" u="none" strike="noStrike" kern="0" cap="none" spc="0" normalizeH="0" baseline="0" noProof="0" dirty="0" smtClean="0">
+              <a:ln>
+                <a:noFill/>
+              </a:ln>
+              <a:solidFill>
+                <a:prstClr val="black"/>
+              </a:solidFill>
+              <a:effectLst/>
+              <a:uLnTx/>
+              <a:uFillTx/>
+              <a:latin typeface="Calibri"/>
+              <a:ea typeface="+mn-ea"/>
+              <a:cs typeface="+mn-cs"/>
+            </a:endParaRPr>
+          </a:p>
+        </p:txBody>
+      </p:sp>
+      <p:sp>
+        <p:nvSpPr>
+          <p:cNvPr id="8" name="Cloud 7"/>
+          <p:cNvSpPr/>
+          <p:nvPr/>
+        </p:nvSpPr>
+        <p:spPr>
+          <a:xfrm>
+            <a:off x="4640128" y="2724298"/>
+            <a:ext cx="2148633" cy="829819"/>
+          </a:xfrm>
+          <a:prstGeom prst="cloud">
+            <a:avLst/>
+          </a:prstGeom>
+          <a:solidFill>
+            <a:srgbClr val="4BACC6">
+              <a:lumMod val="40000"/>
+              <a:lumOff val="60000"/>
+            </a:srgbClr>
+          </a:solidFill>
+          <a:ln w="25400" cap="flat" cmpd="sng" algn="ctr">
+            <a:solidFill>
+              <a:sysClr val="windowText" lastClr="000000"/>
+            </a:solidFill>
+            <a:prstDash val="solid"/>
+          </a:ln>
+          <a:effectLst/>
+        </p:spPr>
+        <p:txBody>
+          <a:bodyPr rtlCol="0" anchor="ctr"/>
+          <a:lstStyle/>
+          <a:p>
+            <a:pPr marL="0" marR="0" lvl="0" indent="0" algn="ctr" defTabSz="914400" rtl="0" eaLnBrk="1" fontAlgn="auto" latinLnBrk="0" hangingPunct="1">
+              <a:lnSpc>
+                <a:spcPct val="100000"/>
+              </a:lnSpc>
+              <a:spcBef>
+                <a:spcPts val="0"/>
+              </a:spcBef>
+              <a:spcAft>
+                <a:spcPts val="0"/>
+              </a:spcAft>
+              <a:buClrTx/>
+              <a:buSzTx/>
+              <a:buFontTx/>
+              <a:buNone/>
+              <a:tabLst/>
+              <a:defRPr/>
+            </a:pPr>
+            <a:r>
+              <a:rPr kumimoji="0" lang="en-US" sz="2000" b="1" i="0" u="none" strike="noStrike" kern="0" cap="none" spc="0" normalizeH="0" baseline="0" noProof="0" dirty="0" err="1" smtClean="0">
+                <a:ln>
+                  <a:noFill/>
+                </a:ln>
+                <a:solidFill>
+                  <a:prstClr val="black"/>
+                </a:solidFill>
+                <a:effectLst/>
+                <a:uLnTx/>
+                <a:uFillTx/>
+                <a:latin typeface="Calibri"/>
+                <a:ea typeface="+mn-ea"/>
+                <a:cs typeface="+mn-cs"/>
+              </a:rPr>
+              <a:t>doRegRead</a:t>
+            </a:r>
+            <a:endParaRPr kumimoji="0" lang="en-US" sz="2000" b="1" i="0" u="none" strike="noStrike" kern="0" cap="none" spc="0" normalizeH="0" baseline="0" noProof="0" dirty="0" smtClean="0">
+              <a:ln>
+                <a:noFill/>
+              </a:ln>
+              <a:solidFill>
+                <a:prstClr val="black"/>
+              </a:solidFill>
+              <a:effectLst/>
+              <a:uLnTx/>
+              <a:uFillTx/>
+              <a:latin typeface="Calibri"/>
+              <a:ea typeface="+mn-ea"/>
+              <a:cs typeface="+mn-cs"/>
+            </a:endParaRPr>
+          </a:p>
+        </p:txBody>
+      </p:sp>
+      <p:sp>
+        <p:nvSpPr>
+          <p:cNvPr id="9" name="Cloud 8"/>
+          <p:cNvSpPr/>
+          <p:nvPr/>
+        </p:nvSpPr>
+        <p:spPr>
+          <a:xfrm>
+            <a:off x="7234207" y="2724298"/>
+            <a:ext cx="1311110" cy="829819"/>
+          </a:xfrm>
+          <a:prstGeom prst="cloud">
+            <a:avLst/>
+          </a:prstGeom>
+          <a:solidFill>
+            <a:srgbClr val="4BACC6">
+              <a:lumMod val="40000"/>
+              <a:lumOff val="60000"/>
+            </a:srgbClr>
+          </a:solidFill>
+          <a:ln w="25400" cap="flat" cmpd="sng" algn="ctr">
+            <a:solidFill>
+              <a:sysClr val="windowText" lastClr="000000"/>
+            </a:solidFill>
+            <a:prstDash val="solid"/>
+          </a:ln>
+          <a:effectLst/>
+        </p:spPr>
+        <p:txBody>
+          <a:bodyPr rtlCol="0" anchor="ctr"/>
+          <a:lstStyle/>
+          <a:p>
+            <a:pPr marL="0" marR="0" lvl="0" indent="0" algn="ctr" defTabSz="914400" rtl="0" eaLnBrk="1" fontAlgn="auto" latinLnBrk="0" hangingPunct="1">
+              <a:lnSpc>
+                <a:spcPct val="100000"/>
+              </a:lnSpc>
+              <a:spcBef>
+                <a:spcPts val="0"/>
+              </a:spcBef>
+              <a:spcAft>
+                <a:spcPts val="0"/>
+              </a:spcAft>
+              <a:buClrTx/>
+              <a:buSzTx/>
+              <a:buFontTx/>
+              <a:buNone/>
+              <a:tabLst/>
+              <a:defRPr/>
+            </a:pPr>
+            <a:r>
+              <a:rPr kumimoji="0" lang="en-US" sz="2000" b="1" i="0" u="none" strike="noStrike" kern="0" cap="none" spc="0" normalizeH="0" baseline="0" noProof="0" dirty="0" err="1" smtClean="0">
+                <a:ln>
+                  <a:noFill/>
+                </a:ln>
+                <a:solidFill>
+                  <a:prstClr val="black"/>
+                </a:solidFill>
+                <a:effectLst/>
+                <a:uLnTx/>
+                <a:uFillTx/>
+                <a:latin typeface="Calibri"/>
+                <a:ea typeface="+mn-ea"/>
+                <a:cs typeface="+mn-cs"/>
+              </a:rPr>
+              <a:t>doExe</a:t>
+            </a:r>
+            <a:endParaRPr kumimoji="0" lang="en-US" sz="2000" b="1" i="0" u="none" strike="noStrike" kern="0" cap="none" spc="0" normalizeH="0" baseline="0" noProof="0" dirty="0" smtClean="0">
+              <a:ln>
+                <a:noFill/>
+              </a:ln>
+              <a:solidFill>
+                <a:prstClr val="black"/>
+              </a:solidFill>
+              <a:effectLst/>
+              <a:uLnTx/>
+              <a:uFillTx/>
+              <a:latin typeface="Calibri"/>
+              <a:ea typeface="+mn-ea"/>
+              <a:cs typeface="+mn-cs"/>
+            </a:endParaRPr>
+          </a:p>
+        </p:txBody>
+      </p:sp>
+      <p:sp>
+        <p:nvSpPr>
+          <p:cNvPr id="10" name="Cloud 9"/>
+          <p:cNvSpPr/>
+          <p:nvPr/>
+        </p:nvSpPr>
+        <p:spPr>
+          <a:xfrm>
+            <a:off x="8990763" y="2724298"/>
+            <a:ext cx="1667924" cy="829819"/>
+          </a:xfrm>
+          <a:prstGeom prst="cloud">
+            <a:avLst/>
+          </a:prstGeom>
+          <a:solidFill>
+            <a:srgbClr val="4BACC6">
+              <a:lumMod val="40000"/>
+              <a:lumOff val="60000"/>
+            </a:srgbClr>
+          </a:solidFill>
+          <a:ln w="25400" cap="flat" cmpd="sng" algn="ctr">
+            <a:solidFill>
+              <a:sysClr val="windowText" lastClr="000000"/>
+            </a:solidFill>
+            <a:prstDash val="solid"/>
+          </a:ln>
+          <a:effectLst/>
+        </p:spPr>
+        <p:txBody>
+          <a:bodyPr rtlCol="0" anchor="ctr"/>
+          <a:lstStyle/>
+          <a:p>
+            <a:pPr marL="0" marR="0" lvl="0" indent="0" algn="ctr" defTabSz="914400" rtl="0" eaLnBrk="1" fontAlgn="auto" latinLnBrk="0" hangingPunct="1">
+              <a:lnSpc>
+                <a:spcPct val="100000"/>
+              </a:lnSpc>
+              <a:spcBef>
+                <a:spcPts val="0"/>
+              </a:spcBef>
+              <a:spcAft>
+                <a:spcPts val="0"/>
+              </a:spcAft>
+              <a:buClrTx/>
+              <a:buSzTx/>
+              <a:buFontTx/>
+              <a:buNone/>
+              <a:tabLst/>
+              <a:defRPr/>
+            </a:pPr>
+            <a:r>
+              <a:rPr kumimoji="0" lang="en-US" sz="2000" b="1" i="0" u="none" strike="noStrike" kern="0" cap="none" spc="0" normalizeH="0" baseline="0" noProof="0" dirty="0" err="1" smtClean="0">
+                <a:ln>
+                  <a:noFill/>
+                </a:ln>
+                <a:solidFill>
+                  <a:prstClr val="black"/>
+                </a:solidFill>
+                <a:effectLst/>
+                <a:uLnTx/>
+                <a:uFillTx/>
+                <a:latin typeface="Calibri"/>
+                <a:ea typeface="+mn-ea"/>
+                <a:cs typeface="+mn-cs"/>
+              </a:rPr>
+              <a:t>doFinish</a:t>
+            </a:r>
+            <a:endParaRPr kumimoji="0" lang="en-US" sz="2000" b="1" i="0" u="none" strike="noStrike" kern="0" cap="none" spc="0" normalizeH="0" baseline="0" noProof="0" dirty="0" smtClean="0">
+              <a:ln>
+                <a:noFill/>
+              </a:ln>
+              <a:solidFill>
+                <a:prstClr val="black"/>
+              </a:solidFill>
+              <a:effectLst/>
+              <a:uLnTx/>
+              <a:uFillTx/>
+              <a:latin typeface="Calibri"/>
+              <a:ea typeface="+mn-ea"/>
+              <a:cs typeface="+mn-cs"/>
+            </a:endParaRPr>
+          </a:p>
+        </p:txBody>
+      </p:sp>
+      <p:cxnSp>
+        <p:nvCxnSpPr>
+          <p:cNvPr id="14" name="Straight Arrow Connector 13"/>
+          <p:cNvCxnSpPr>
+            <a:stCxn id="7" idx="0"/>
+            <a:endCxn id="40" idx="1"/>
+          </p:cNvCxnSpPr>
+          <p:nvPr/>
+        </p:nvCxnSpPr>
+        <p:spPr>
+          <a:xfrm flipV="1">
+            <a:off x="4174885" y="3138320"/>
+            <a:ext cx="165111" cy="888"/>
+          </a:xfrm>
+          <a:prstGeom prst="straightConnector1">
+            <a:avLst/>
+          </a:prstGeom>
+          <a:noFill/>
+          <a:ln w="12700" cap="flat" cmpd="sng" algn="ctr">
+            <a:solidFill>
+              <a:sysClr val="windowText" lastClr="000000"/>
+            </a:solidFill>
+            <a:prstDash val="solid"/>
+            <a:tailEnd type="triangle"/>
+          </a:ln>
+          <a:effectLst/>
+        </p:spPr>
+      </p:cxnSp>
+      <p:cxnSp>
+        <p:nvCxnSpPr>
+          <p:cNvPr id="15" name="Straight Arrow Connector 14"/>
+          <p:cNvCxnSpPr>
+            <a:stCxn id="40" idx="3"/>
+            <a:endCxn id="8" idx="2"/>
+          </p:cNvCxnSpPr>
+          <p:nvPr/>
+        </p:nvCxnSpPr>
+        <p:spPr>
+          <a:xfrm>
+            <a:off x="4469842" y="3138320"/>
+            <a:ext cx="176951" cy="888"/>
+          </a:xfrm>
+          <a:prstGeom prst="straightConnector1">
+            <a:avLst/>
+          </a:prstGeom>
+          <a:noFill/>
+          <a:ln w="12700" cap="flat" cmpd="sng" algn="ctr">
+            <a:solidFill>
+              <a:sysClr val="windowText" lastClr="000000"/>
+            </a:solidFill>
+            <a:prstDash val="solid"/>
+            <a:tailEnd type="triangle"/>
+          </a:ln>
+          <a:effectLst/>
+        </p:spPr>
+      </p:cxnSp>
+      <p:cxnSp>
+        <p:nvCxnSpPr>
+          <p:cNvPr id="16" name="Straight Arrow Connector 15"/>
+          <p:cNvCxnSpPr>
+            <a:stCxn id="8" idx="0"/>
+            <a:endCxn id="43" idx="1"/>
+          </p:cNvCxnSpPr>
+          <p:nvPr/>
+        </p:nvCxnSpPr>
+        <p:spPr>
+          <a:xfrm flipV="1">
+            <a:off x="6786970" y="3138320"/>
+            <a:ext cx="151228" cy="888"/>
+          </a:xfrm>
+          <a:prstGeom prst="straightConnector1">
+            <a:avLst/>
+          </a:prstGeom>
+          <a:noFill/>
+          <a:ln w="12700" cap="flat" cmpd="sng" algn="ctr">
+            <a:solidFill>
+              <a:sysClr val="windowText" lastClr="000000"/>
+            </a:solidFill>
+            <a:prstDash val="solid"/>
+            <a:tailEnd type="triangle"/>
+          </a:ln>
+          <a:effectLst/>
+        </p:spPr>
+      </p:cxnSp>
+      <p:cxnSp>
+        <p:nvCxnSpPr>
+          <p:cNvPr id="17" name="Straight Arrow Connector 16"/>
+          <p:cNvCxnSpPr>
+            <a:stCxn id="43" idx="3"/>
+            <a:endCxn id="9" idx="2"/>
+          </p:cNvCxnSpPr>
+          <p:nvPr/>
+        </p:nvCxnSpPr>
+        <p:spPr>
+          <a:xfrm>
+            <a:off x="7068044" y="3138320"/>
+            <a:ext cx="170230" cy="888"/>
+          </a:xfrm>
+          <a:prstGeom prst="straightConnector1">
+            <a:avLst/>
+          </a:prstGeom>
+          <a:noFill/>
+          <a:ln w="12700" cap="flat" cmpd="sng" algn="ctr">
+            <a:solidFill>
+              <a:sysClr val="windowText" lastClr="000000"/>
+            </a:solidFill>
+            <a:prstDash val="solid"/>
+            <a:tailEnd type="triangle"/>
+          </a:ln>
+          <a:effectLst/>
+        </p:spPr>
+      </p:cxnSp>
+      <p:cxnSp>
+        <p:nvCxnSpPr>
+          <p:cNvPr id="18" name="Straight Arrow Connector 17"/>
+          <p:cNvCxnSpPr>
+            <a:stCxn id="9" idx="0"/>
+            <a:endCxn id="49" idx="1"/>
+          </p:cNvCxnSpPr>
+          <p:nvPr/>
+        </p:nvCxnSpPr>
+        <p:spPr>
+          <a:xfrm flipV="1">
+            <a:off x="8544224" y="3138319"/>
+            <a:ext cx="136920" cy="889"/>
+          </a:xfrm>
+          <a:prstGeom prst="straightConnector1">
+            <a:avLst/>
+          </a:prstGeom>
+          <a:noFill/>
+          <a:ln w="12700" cap="flat" cmpd="sng" algn="ctr">
+            <a:solidFill>
+              <a:sysClr val="windowText" lastClr="000000"/>
+            </a:solidFill>
+            <a:prstDash val="solid"/>
+            <a:tailEnd type="triangle"/>
+          </a:ln>
+          <a:effectLst/>
+        </p:spPr>
+      </p:cxnSp>
+      <p:cxnSp>
+        <p:nvCxnSpPr>
+          <p:cNvPr id="19" name="Straight Arrow Connector 18"/>
+          <p:cNvCxnSpPr>
+            <a:stCxn id="49" idx="3"/>
+            <a:endCxn id="10" idx="2"/>
+          </p:cNvCxnSpPr>
+          <p:nvPr/>
+        </p:nvCxnSpPr>
+        <p:spPr>
+          <a:xfrm>
+            <a:off x="8810990" y="3138319"/>
+            <a:ext cx="184947" cy="889"/>
+          </a:xfrm>
+          <a:prstGeom prst="straightConnector1">
+            <a:avLst/>
+          </a:prstGeom>
+          <a:noFill/>
+          <a:ln w="12700" cap="flat" cmpd="sng" algn="ctr">
+            <a:solidFill>
+              <a:sysClr val="windowText" lastClr="000000"/>
+            </a:solidFill>
+            <a:prstDash val="solid"/>
+            <a:tailEnd type="triangle"/>
+          </a:ln>
+          <a:effectLst/>
+        </p:spPr>
+      </p:cxnSp>
+      <p:grpSp>
+        <p:nvGrpSpPr>
+          <p:cNvPr id="25" name="Group 24"/>
+          <p:cNvGrpSpPr/>
+          <p:nvPr/>
+        </p:nvGrpSpPr>
+        <p:grpSpPr>
+          <a:xfrm>
+            <a:off x="8580389" y="2972719"/>
+            <a:ext cx="230601" cy="331199"/>
+            <a:chOff x="5540558" y="1752600"/>
+            <a:chExt cx="230601" cy="331199"/>
+          </a:xfrm>
+        </p:grpSpPr>
+        <p:sp>
+          <p:nvSpPr>
+            <p:cNvPr id="49" name="Rectangle 48"/>
+            <p:cNvSpPr/>
+            <p:nvPr/>
+          </p:nvSpPr>
+          <p:spPr>
+            <a:xfrm>
+              <a:off x="5641313" y="1752600"/>
+              <a:ext cx="129846" cy="331199"/>
+            </a:xfrm>
+            <a:prstGeom prst="rect">
+              <a:avLst/>
+            </a:prstGeom>
+            <a:solidFill>
+              <a:srgbClr val="F79646">
+                <a:lumMod val="40000"/>
+                <a:lumOff val="60000"/>
+              </a:srgbClr>
+            </a:solidFill>
+            <a:ln w="19050" cap="flat" cmpd="sng" algn="ctr">
+              <a:solidFill>
+                <a:sysClr val="windowText" lastClr="000000"/>
+              </a:solidFill>
+              <a:prstDash val="solid"/>
+            </a:ln>
+            <a:effectLst/>
+          </p:spPr>
+          <p:txBody>
+            <a:bodyPr rtlCol="0" anchor="ctr"/>
+            <a:lstStyle/>
+            <a:p>
+              <a:pPr marL="0" marR="0" lvl="0" indent="0" algn="ctr" defTabSz="914400" rtl="0" eaLnBrk="1" fontAlgn="auto" latinLnBrk="0" hangingPunct="1">
+                <a:lnSpc>
+                  <a:spcPct val="100000"/>
+                </a:lnSpc>
+                <a:spcBef>
+                  <a:spcPts val="0"/>
+                </a:spcBef>
+                <a:spcAft>
+                  <a:spcPts val="0"/>
+                </a:spcAft>
+                <a:buClrTx/>
+                <a:buSzTx/>
+                <a:buFontTx/>
+                <a:buNone/>
+                <a:tabLst/>
+                <a:defRPr/>
+              </a:pPr>
+              <a:endParaRPr kumimoji="0" lang="en-US" sz="2000" b="1" i="0" u="none" strike="noStrike" kern="0" cap="none" spc="0" normalizeH="0" baseline="0" noProof="0" dirty="0" smtClean="0">
+                <a:ln>
+                  <a:noFill/>
+                </a:ln>
+                <a:solidFill>
+                  <a:prstClr val="black"/>
+                </a:solidFill>
+                <a:effectLst/>
+                <a:uLnTx/>
+                <a:uFillTx/>
+                <a:latin typeface="Calibri"/>
+                <a:ea typeface="+mn-ea"/>
+                <a:cs typeface="+mn-cs"/>
+              </a:endParaRPr>
+            </a:p>
+          </p:txBody>
+        </p:sp>
+        <p:cxnSp>
+          <p:nvCxnSpPr>
+            <p:cNvPr id="50" name="Straight Connector 49"/>
+            <p:cNvCxnSpPr>
+              <a:stCxn id="49" idx="0"/>
+            </p:cNvCxnSpPr>
+            <p:nvPr/>
+          </p:nvCxnSpPr>
+          <p:spPr>
+            <a:xfrm flipH="1">
+              <a:off x="5540558" y="1752600"/>
+              <a:ext cx="165678" cy="0"/>
+            </a:xfrm>
+            <a:prstGeom prst="line">
+              <a:avLst/>
+            </a:prstGeom>
+            <a:ln w="19050">
+              <a:solidFill>
+                <a:schemeClr val="tx1"/>
+              </a:solidFill>
+            </a:ln>
+          </p:spPr>
+          <p:style>
+            <a:lnRef idx="1">
+              <a:schemeClr val="accent1"/>
+            </a:lnRef>
+            <a:fillRef idx="0">
+              <a:schemeClr val="accent1"/>
+            </a:fillRef>
+            <a:effectRef idx="0">
+              <a:schemeClr val="accent1"/>
+            </a:effectRef>
+            <a:fontRef idx="minor">
+              <a:schemeClr val="tx1"/>
+            </a:fontRef>
+          </p:style>
+        </p:cxnSp>
+        <p:cxnSp>
+          <p:nvCxnSpPr>
+            <p:cNvPr id="51" name="Straight Connector 50"/>
+            <p:cNvCxnSpPr>
+              <a:stCxn id="49" idx="2"/>
+            </p:cNvCxnSpPr>
+            <p:nvPr/>
+          </p:nvCxnSpPr>
+          <p:spPr>
+            <a:xfrm flipH="1">
+              <a:off x="5541801" y="2083799"/>
+              <a:ext cx="164435" cy="0"/>
+            </a:xfrm>
+            <a:prstGeom prst="line">
+              <a:avLst/>
+            </a:prstGeom>
+            <a:ln w="19050">
+              <a:solidFill>
+                <a:schemeClr val="tx1"/>
+              </a:solidFill>
+            </a:ln>
+          </p:spPr>
+          <p:style>
+            <a:lnRef idx="1">
+              <a:schemeClr val="accent1"/>
+            </a:lnRef>
+            <a:fillRef idx="0">
+              <a:schemeClr val="accent1"/>
+            </a:fillRef>
+            <a:effectRef idx="0">
+              <a:schemeClr val="accent1"/>
+            </a:effectRef>
+            <a:fontRef idx="minor">
+              <a:schemeClr val="tx1"/>
+            </a:fontRef>
+          </p:style>
+        </p:cxnSp>
+      </p:grpSp>
+      <p:grpSp>
+        <p:nvGrpSpPr>
+          <p:cNvPr id="28" name="Group 27"/>
+          <p:cNvGrpSpPr/>
+          <p:nvPr/>
+        </p:nvGrpSpPr>
+        <p:grpSpPr>
+          <a:xfrm>
+            <a:off x="6837443" y="2972720"/>
+            <a:ext cx="230601" cy="331199"/>
+            <a:chOff x="5540558" y="1752600"/>
+            <a:chExt cx="230601" cy="331199"/>
+          </a:xfrm>
+        </p:grpSpPr>
+        <p:sp>
+          <p:nvSpPr>
+            <p:cNvPr id="43" name="Rectangle 42"/>
+            <p:cNvSpPr/>
+            <p:nvPr/>
+          </p:nvSpPr>
+          <p:spPr>
+            <a:xfrm>
+              <a:off x="5641313" y="1752600"/>
+              <a:ext cx="129846" cy="331199"/>
+            </a:xfrm>
+            <a:prstGeom prst="rect">
+              <a:avLst/>
+            </a:prstGeom>
+            <a:solidFill>
+              <a:srgbClr val="F79646">
+                <a:lumMod val="40000"/>
+                <a:lumOff val="60000"/>
+              </a:srgbClr>
+            </a:solidFill>
+            <a:ln w="19050" cap="flat" cmpd="sng" algn="ctr">
+              <a:solidFill>
+                <a:sysClr val="windowText" lastClr="000000"/>
+              </a:solidFill>
+              <a:prstDash val="solid"/>
+            </a:ln>
+            <a:effectLst/>
+          </p:spPr>
+          <p:txBody>
+            <a:bodyPr rtlCol="0" anchor="ctr"/>
+            <a:lstStyle/>
+            <a:p>
+              <a:pPr marL="0" marR="0" lvl="0" indent="0" algn="ctr" defTabSz="914400" rtl="0" eaLnBrk="1" fontAlgn="auto" latinLnBrk="0" hangingPunct="1">
+                <a:lnSpc>
+                  <a:spcPct val="100000"/>
+                </a:lnSpc>
+                <a:spcBef>
+                  <a:spcPts val="0"/>
+                </a:spcBef>
+                <a:spcAft>
+                  <a:spcPts val="0"/>
+                </a:spcAft>
+                <a:buClrTx/>
+                <a:buSzTx/>
+                <a:buFontTx/>
+                <a:buNone/>
+                <a:tabLst/>
+                <a:defRPr/>
+              </a:pPr>
+              <a:endParaRPr kumimoji="0" lang="en-US" sz="2000" b="1" i="0" u="none" strike="noStrike" kern="0" cap="none" spc="0" normalizeH="0" baseline="0" noProof="0" dirty="0" smtClean="0">
+                <a:ln>
+                  <a:noFill/>
+                </a:ln>
+                <a:solidFill>
+                  <a:prstClr val="black"/>
+                </a:solidFill>
+                <a:effectLst/>
+                <a:uLnTx/>
+                <a:uFillTx/>
+                <a:latin typeface="Calibri"/>
+                <a:ea typeface="+mn-ea"/>
+                <a:cs typeface="+mn-cs"/>
+              </a:endParaRPr>
+            </a:p>
+          </p:txBody>
+        </p:sp>
+        <p:cxnSp>
+          <p:nvCxnSpPr>
+            <p:cNvPr id="44" name="Straight Connector 43"/>
+            <p:cNvCxnSpPr>
+              <a:stCxn id="43" idx="0"/>
+            </p:cNvCxnSpPr>
+            <p:nvPr/>
+          </p:nvCxnSpPr>
+          <p:spPr>
+            <a:xfrm flipH="1">
+              <a:off x="5540558" y="1752600"/>
+              <a:ext cx="165678" cy="0"/>
+            </a:xfrm>
+            <a:prstGeom prst="line">
+              <a:avLst/>
+            </a:prstGeom>
+            <a:ln w="19050">
+              <a:solidFill>
+                <a:schemeClr val="tx1"/>
+              </a:solidFill>
+            </a:ln>
+          </p:spPr>
+          <p:style>
+            <a:lnRef idx="1">
+              <a:schemeClr val="accent1"/>
+            </a:lnRef>
+            <a:fillRef idx="0">
+              <a:schemeClr val="accent1"/>
+            </a:fillRef>
+            <a:effectRef idx="0">
+              <a:schemeClr val="accent1"/>
+            </a:effectRef>
+            <a:fontRef idx="minor">
+              <a:schemeClr val="tx1"/>
+            </a:fontRef>
+          </p:style>
+        </p:cxnSp>
+        <p:cxnSp>
+          <p:nvCxnSpPr>
+            <p:cNvPr id="45" name="Straight Connector 44"/>
+            <p:cNvCxnSpPr>
+              <a:stCxn id="43" idx="2"/>
+            </p:cNvCxnSpPr>
+            <p:nvPr/>
+          </p:nvCxnSpPr>
+          <p:spPr>
+            <a:xfrm flipH="1">
+              <a:off x="5541801" y="2083799"/>
+              <a:ext cx="164435" cy="0"/>
+            </a:xfrm>
+            <a:prstGeom prst="line">
+              <a:avLst/>
+            </a:prstGeom>
+            <a:ln w="19050">
+              <a:solidFill>
+                <a:schemeClr val="tx1"/>
+              </a:solidFill>
+            </a:ln>
+          </p:spPr>
+          <p:style>
+            <a:lnRef idx="1">
+              <a:schemeClr val="accent1"/>
+            </a:lnRef>
+            <a:fillRef idx="0">
+              <a:schemeClr val="accent1"/>
+            </a:fillRef>
+            <a:effectRef idx="0">
+              <a:schemeClr val="accent1"/>
+            </a:effectRef>
+            <a:fontRef idx="minor">
+              <a:schemeClr val="tx1"/>
+            </a:fontRef>
+          </p:style>
+        </p:cxnSp>
+      </p:grpSp>
+      <p:grpSp>
+        <p:nvGrpSpPr>
+          <p:cNvPr id="29" name="Group 28"/>
+          <p:cNvGrpSpPr/>
+          <p:nvPr/>
+        </p:nvGrpSpPr>
+        <p:grpSpPr>
+          <a:xfrm>
+            <a:off x="4239241" y="2972720"/>
+            <a:ext cx="230601" cy="331199"/>
+            <a:chOff x="5540558" y="1752600"/>
+            <a:chExt cx="230601" cy="331199"/>
+          </a:xfrm>
+        </p:grpSpPr>
+        <p:sp>
+          <p:nvSpPr>
+            <p:cNvPr id="40" name="Rectangle 39"/>
+            <p:cNvSpPr/>
+            <p:nvPr/>
+          </p:nvSpPr>
+          <p:spPr>
+            <a:xfrm>
+              <a:off x="5641313" y="1752600"/>
+              <a:ext cx="129846" cy="331199"/>
+            </a:xfrm>
+            <a:prstGeom prst="rect">
+              <a:avLst/>
+            </a:prstGeom>
+            <a:solidFill>
+              <a:srgbClr val="F79646">
+                <a:lumMod val="40000"/>
+                <a:lumOff val="60000"/>
+              </a:srgbClr>
+            </a:solidFill>
+            <a:ln w="19050" cap="flat" cmpd="sng" algn="ctr">
+              <a:solidFill>
+                <a:sysClr val="windowText" lastClr="000000"/>
+              </a:solidFill>
+              <a:prstDash val="solid"/>
+            </a:ln>
+            <a:effectLst/>
+          </p:spPr>
+          <p:txBody>
+            <a:bodyPr rtlCol="0" anchor="ctr"/>
+            <a:lstStyle/>
+            <a:p>
+              <a:pPr marL="0" marR="0" lvl="0" indent="0" algn="ctr" defTabSz="914400" rtl="0" eaLnBrk="1" fontAlgn="auto" latinLnBrk="0" hangingPunct="1">
+                <a:lnSpc>
+                  <a:spcPct val="100000"/>
+                </a:lnSpc>
+                <a:spcBef>
+                  <a:spcPts val="0"/>
+                </a:spcBef>
+                <a:spcAft>
+                  <a:spcPts val="0"/>
+                </a:spcAft>
+                <a:buClrTx/>
+                <a:buSzTx/>
+                <a:buFontTx/>
+                <a:buNone/>
+                <a:tabLst/>
+                <a:defRPr/>
+              </a:pPr>
+              <a:endParaRPr kumimoji="0" lang="en-US" sz="2000" b="1" i="0" u="none" strike="noStrike" kern="0" cap="none" spc="0" normalizeH="0" baseline="0" noProof="0" dirty="0" smtClean="0">
+                <a:ln>
+                  <a:noFill/>
+                </a:ln>
+                <a:solidFill>
+                  <a:prstClr val="black"/>
+                </a:solidFill>
+                <a:effectLst/>
+                <a:uLnTx/>
+                <a:uFillTx/>
+                <a:latin typeface="Calibri"/>
+                <a:ea typeface="+mn-ea"/>
+                <a:cs typeface="+mn-cs"/>
+              </a:endParaRPr>
+            </a:p>
+          </p:txBody>
+        </p:sp>
+        <p:cxnSp>
+          <p:nvCxnSpPr>
+            <p:cNvPr id="41" name="Straight Connector 40"/>
+            <p:cNvCxnSpPr>
+              <a:stCxn id="40" idx="0"/>
+            </p:cNvCxnSpPr>
+            <p:nvPr/>
+          </p:nvCxnSpPr>
+          <p:spPr>
+            <a:xfrm flipH="1">
+              <a:off x="5540558" y="1752600"/>
+              <a:ext cx="165678" cy="0"/>
+            </a:xfrm>
+            <a:prstGeom prst="line">
+              <a:avLst/>
+            </a:prstGeom>
+            <a:ln w="19050">
+              <a:solidFill>
+                <a:schemeClr val="tx1"/>
+              </a:solidFill>
+            </a:ln>
+          </p:spPr>
+          <p:style>
+            <a:lnRef idx="1">
+              <a:schemeClr val="accent1"/>
+            </a:lnRef>
+            <a:fillRef idx="0">
+              <a:schemeClr val="accent1"/>
+            </a:fillRef>
+            <a:effectRef idx="0">
+              <a:schemeClr val="accent1"/>
+            </a:effectRef>
+            <a:fontRef idx="minor">
+              <a:schemeClr val="tx1"/>
+            </a:fontRef>
+          </p:style>
+        </p:cxnSp>
+        <p:cxnSp>
+          <p:nvCxnSpPr>
+            <p:cNvPr id="42" name="Straight Connector 41"/>
+            <p:cNvCxnSpPr>
+              <a:stCxn id="40" idx="2"/>
+            </p:cNvCxnSpPr>
+            <p:nvPr/>
+          </p:nvCxnSpPr>
+          <p:spPr>
+            <a:xfrm flipH="1">
+              <a:off x="5541801" y="2083799"/>
+              <a:ext cx="164435" cy="0"/>
+            </a:xfrm>
+            <a:prstGeom prst="line">
+              <a:avLst/>
+            </a:prstGeom>
+            <a:ln w="19050">
+              <a:solidFill>
+                <a:schemeClr val="tx1"/>
+              </a:solidFill>
+            </a:ln>
+          </p:spPr>
+          <p:style>
+            <a:lnRef idx="1">
+              <a:schemeClr val="accent1"/>
+            </a:lnRef>
+            <a:fillRef idx="0">
+              <a:schemeClr val="accent1"/>
+            </a:fillRef>
+            <a:effectRef idx="0">
+              <a:schemeClr val="accent1"/>
+            </a:effectRef>
+            <a:fontRef idx="minor">
+              <a:schemeClr val="tx1"/>
+            </a:fontRef>
+          </p:style>
+        </p:cxnSp>
+      </p:grpSp>
+      <p:sp>
+        <p:nvSpPr>
+          <p:cNvPr id="30" name="Rectangle 29"/>
+          <p:cNvSpPr/>
+          <p:nvPr/>
+        </p:nvSpPr>
+        <p:spPr>
+          <a:xfrm>
+            <a:off x="354504" y="2779484"/>
+            <a:ext cx="1500893" cy="717668"/>
+          </a:xfrm>
+          <a:prstGeom prst="rect">
+            <a:avLst/>
+          </a:prstGeom>
+          <a:solidFill>
+            <a:srgbClr val="F79646">
+              <a:lumMod val="40000"/>
+              <a:lumOff val="60000"/>
+            </a:srgbClr>
+          </a:solidFill>
+          <a:ln w="25400" cap="flat" cmpd="sng" algn="ctr">
+            <a:solidFill>
+              <a:sysClr val="windowText" lastClr="000000"/>
+            </a:solidFill>
+            <a:prstDash val="solid"/>
+          </a:ln>
+          <a:effectLst/>
+        </p:spPr>
+        <p:txBody>
+          <a:bodyPr rtlCol="0" anchor="ctr"/>
+          <a:lstStyle/>
+          <a:p>
+            <a:pPr marL="0" marR="0" lvl="0" indent="0" algn="ctr" defTabSz="914400" rtl="0" eaLnBrk="1" fontAlgn="auto" latinLnBrk="0" hangingPunct="1">
+              <a:lnSpc>
+                <a:spcPct val="100000"/>
+              </a:lnSpc>
+              <a:spcBef>
+                <a:spcPts val="0"/>
+              </a:spcBef>
+              <a:spcAft>
+                <a:spcPts val="0"/>
+              </a:spcAft>
+              <a:buClrTx/>
+              <a:buSzTx/>
+              <a:buFontTx/>
+              <a:buNone/>
+              <a:tabLst/>
+              <a:defRPr/>
+            </a:pPr>
+            <a:r>
+              <a:rPr kumimoji="0" lang="en-US" sz="2000" b="1" i="0" u="none" strike="noStrike" kern="0" cap="none" spc="0" normalizeH="0" baseline="0" noProof="0" dirty="0" smtClean="0">
+                <a:ln>
+                  <a:noFill/>
+                </a:ln>
+                <a:solidFill>
+                  <a:prstClr val="black"/>
+                </a:solidFill>
+                <a:effectLst/>
+                <a:uLnTx/>
+                <a:uFillTx/>
+                <a:latin typeface="Calibri"/>
+                <a:ea typeface="+mn-ea"/>
+                <a:cs typeface="+mn-cs"/>
+              </a:rPr>
+              <a:t>Reservation</a:t>
+            </a:r>
+          </a:p>
+          <a:p>
+            <a:pPr marL="0" marR="0" lvl="0" indent="0" algn="ctr" defTabSz="914400" rtl="0" eaLnBrk="1" fontAlgn="auto" latinLnBrk="0" hangingPunct="1">
+              <a:lnSpc>
+                <a:spcPct val="100000"/>
+              </a:lnSpc>
+              <a:spcBef>
+                <a:spcPts val="0"/>
+              </a:spcBef>
+              <a:spcAft>
+                <a:spcPts val="0"/>
+              </a:spcAft>
+              <a:buClrTx/>
+              <a:buSzTx/>
+              <a:buFontTx/>
+              <a:buNone/>
+              <a:tabLst/>
+              <a:defRPr/>
+            </a:pPr>
+            <a:r>
+              <a:rPr lang="en-US" sz="2000" b="1" kern="0" dirty="0" smtClean="0">
+                <a:solidFill>
+                  <a:prstClr val="black"/>
+                </a:solidFill>
+                <a:latin typeface="Calibri"/>
+              </a:rPr>
+              <a:t>Station</a:t>
+            </a:r>
+            <a:endParaRPr kumimoji="0" lang="en-US" sz="2000" b="1" i="0" u="none" strike="noStrike" kern="0" cap="none" spc="0" normalizeH="0" baseline="0" noProof="0" dirty="0" smtClean="0">
+              <a:ln>
+                <a:noFill/>
+              </a:ln>
+              <a:solidFill>
+                <a:prstClr val="black"/>
+              </a:solidFill>
+              <a:effectLst/>
+              <a:uLnTx/>
+              <a:uFillTx/>
+              <a:latin typeface="Calibri"/>
+              <a:ea typeface="+mn-ea"/>
+              <a:cs typeface="+mn-cs"/>
+            </a:endParaRPr>
+          </a:p>
+        </p:txBody>
+      </p:sp>
+      <p:cxnSp>
+        <p:nvCxnSpPr>
+          <p:cNvPr id="72" name="Straight Arrow Connector 71"/>
+          <p:cNvCxnSpPr>
+            <a:stCxn id="30" idx="3"/>
+            <a:endCxn id="7" idx="2"/>
+          </p:cNvCxnSpPr>
+          <p:nvPr/>
+        </p:nvCxnSpPr>
+        <p:spPr>
+          <a:xfrm>
+            <a:off x="1855397" y="3138318"/>
+            <a:ext cx="201342" cy="890"/>
+          </a:xfrm>
+          <a:prstGeom prst="straightConnector1">
+            <a:avLst/>
+          </a:prstGeom>
+          <a:noFill/>
+          <a:ln w="12700" cap="flat" cmpd="sng" algn="ctr">
+            <a:solidFill>
+              <a:sysClr val="windowText" lastClr="000000"/>
+            </a:solidFill>
+            <a:prstDash val="solid"/>
+            <a:tailEnd type="triangle"/>
+          </a:ln>
+          <a:effectLst/>
+        </p:spPr>
+      </p:cxnSp>
+    </p:spTree>
+    <p:extLst>
+      <p:ext uri="{BB962C8B-B14F-4D97-AF65-F5344CB8AC3E}">
+        <p14:creationId xmlns:p14="http://schemas.microsoft.com/office/powerpoint/2010/main" val="1288418655"/>
       </p:ext>
     </p:extLst>
   </p:cSld>

--- a/fig/fig.pptx
+++ b/fig/fig.pptx
@@ -13,6 +13,7 @@
     <p:sldId id="261" r:id="rId7"/>
     <p:sldId id="262" r:id="rId8"/>
     <p:sldId id="263" r:id="rId9"/>
+    <p:sldId id="264" r:id="rId10"/>
   </p:sldIdLst>
   <p:sldSz cx="12192000" cy="6858000"/>
   <p:notesSz cx="7315200" cy="9601200"/>
@@ -21685,6 +21686,1704 @@
 </p:sld>
 </file>
 
+<file path=ppt/slides/slide9.xml><?xml version="1.0" encoding="utf-8"?>
+<p:sld xmlns:a="http://schemas.openxmlformats.org/drawingml/2006/main" xmlns:r="http://schemas.openxmlformats.org/officeDocument/2006/relationships" xmlns:p="http://schemas.openxmlformats.org/presentationml/2006/main">
+  <p:cSld>
+    <p:spTree>
+      <p:nvGrpSpPr>
+        <p:cNvPr id="1" name=""/>
+        <p:cNvGrpSpPr/>
+        <p:nvPr/>
+      </p:nvGrpSpPr>
+      <p:grpSpPr>
+        <a:xfrm>
+          <a:off x="0" y="0"/>
+          <a:ext cx="0" cy="0"/>
+          <a:chOff x="0" y="0"/>
+          <a:chExt cx="0" cy="0"/>
+        </a:xfrm>
+      </p:grpSpPr>
+      <p:grpSp>
+        <p:nvGrpSpPr>
+          <p:cNvPr id="57" name="Group 56"/>
+          <p:cNvGrpSpPr/>
+          <p:nvPr/>
+        </p:nvGrpSpPr>
+        <p:grpSpPr>
+          <a:xfrm>
+            <a:off x="38292" y="2314454"/>
+            <a:ext cx="12130733" cy="3070858"/>
+            <a:chOff x="45950" y="2723405"/>
+            <a:chExt cx="12130733" cy="3070858"/>
+          </a:xfrm>
+        </p:grpSpPr>
+        <p:sp>
+          <p:nvSpPr>
+            <p:cNvPr id="7" name="Cloud 6"/>
+            <p:cNvSpPr/>
+            <p:nvPr/>
+          </p:nvSpPr>
+          <p:spPr>
+            <a:xfrm>
+              <a:off x="1653700" y="2723408"/>
+              <a:ext cx="2668896" cy="829819"/>
+            </a:xfrm>
+            <a:prstGeom prst="cloud">
+              <a:avLst/>
+            </a:prstGeom>
+            <a:solidFill>
+              <a:srgbClr val="4BACC6">
+                <a:lumMod val="40000"/>
+                <a:lumOff val="60000"/>
+              </a:srgbClr>
+            </a:solidFill>
+            <a:ln w="25400" cap="flat" cmpd="sng" algn="ctr">
+              <a:solidFill>
+                <a:sysClr val="windowText" lastClr="000000"/>
+              </a:solidFill>
+              <a:prstDash val="solid"/>
+            </a:ln>
+            <a:effectLst/>
+          </p:spPr>
+          <p:txBody>
+            <a:bodyPr rtlCol="0" anchor="ctr"/>
+            <a:lstStyle/>
+            <a:p>
+              <a:pPr marL="0" marR="0" lvl="0" indent="0" algn="ctr" defTabSz="914400" rtl="0" eaLnBrk="1" fontAlgn="auto" latinLnBrk="0" hangingPunct="1">
+                <a:lnSpc>
+                  <a:spcPct val="100000"/>
+                </a:lnSpc>
+                <a:spcBef>
+                  <a:spcPts val="0"/>
+                </a:spcBef>
+                <a:spcAft>
+                  <a:spcPts val="0"/>
+                </a:spcAft>
+                <a:buClrTx/>
+                <a:buSzTx/>
+                <a:buFontTx/>
+                <a:buNone/>
+                <a:tabLst/>
+                <a:defRPr/>
+              </a:pPr>
+              <a:r>
+                <a:rPr kumimoji="0" lang="en-US" sz="2000" b="1" i="0" u="none" strike="noStrike" kern="0" cap="none" spc="0" normalizeH="0" baseline="0" noProof="0" dirty="0" err="1" smtClean="0">
+                  <a:ln>
+                    <a:noFill/>
+                  </a:ln>
+                  <a:solidFill>
+                    <a:prstClr val="black"/>
+                  </a:solidFill>
+                  <a:effectLst/>
+                  <a:uLnTx/>
+                  <a:uFillTx/>
+                  <a:latin typeface="Calibri"/>
+                  <a:ea typeface="+mn-ea"/>
+                  <a:cs typeface="+mn-cs"/>
+                </a:rPr>
+                <a:t>doDispatchAlu</a:t>
+              </a:r>
+              <a:endParaRPr kumimoji="0" lang="en-US" sz="2000" b="1" i="0" u="none" strike="noStrike" kern="0" cap="none" spc="0" normalizeH="0" baseline="0" noProof="0" dirty="0" smtClean="0">
+                <a:ln>
+                  <a:noFill/>
+                </a:ln>
+                <a:solidFill>
+                  <a:prstClr val="black"/>
+                </a:solidFill>
+                <a:effectLst/>
+                <a:uLnTx/>
+                <a:uFillTx/>
+                <a:latin typeface="Calibri"/>
+                <a:ea typeface="+mn-ea"/>
+                <a:cs typeface="+mn-cs"/>
+              </a:endParaRPr>
+            </a:p>
+          </p:txBody>
+        </p:sp>
+        <p:sp>
+          <p:nvSpPr>
+            <p:cNvPr id="8" name="Cloud 7"/>
+            <p:cNvSpPr/>
+            <p:nvPr/>
+          </p:nvSpPr>
+          <p:spPr>
+            <a:xfrm>
+              <a:off x="4717053" y="2723406"/>
+              <a:ext cx="2670477" cy="829819"/>
+            </a:xfrm>
+            <a:prstGeom prst="cloud">
+              <a:avLst/>
+            </a:prstGeom>
+            <a:solidFill>
+              <a:srgbClr val="4BACC6">
+                <a:lumMod val="40000"/>
+                <a:lumOff val="60000"/>
+              </a:srgbClr>
+            </a:solidFill>
+            <a:ln w="25400" cap="flat" cmpd="sng" algn="ctr">
+              <a:solidFill>
+                <a:sysClr val="windowText" lastClr="000000"/>
+              </a:solidFill>
+              <a:prstDash val="solid"/>
+            </a:ln>
+            <a:effectLst/>
+          </p:spPr>
+          <p:txBody>
+            <a:bodyPr rtlCol="0" anchor="ctr"/>
+            <a:lstStyle/>
+            <a:p>
+              <a:pPr marL="0" marR="0" lvl="0" indent="0" algn="ctr" defTabSz="914400" rtl="0" eaLnBrk="1" fontAlgn="auto" latinLnBrk="0" hangingPunct="1">
+                <a:lnSpc>
+                  <a:spcPct val="100000"/>
+                </a:lnSpc>
+                <a:spcBef>
+                  <a:spcPts val="0"/>
+                </a:spcBef>
+                <a:spcAft>
+                  <a:spcPts val="0"/>
+                </a:spcAft>
+                <a:buClrTx/>
+                <a:buSzTx/>
+                <a:buFontTx/>
+                <a:buNone/>
+                <a:tabLst/>
+                <a:defRPr/>
+              </a:pPr>
+              <a:r>
+                <a:rPr kumimoji="0" lang="en-US" sz="2000" b="1" i="0" u="none" strike="noStrike" kern="0" cap="none" spc="0" normalizeH="0" baseline="0" noProof="0" dirty="0" err="1" smtClean="0">
+                  <a:ln>
+                    <a:noFill/>
+                  </a:ln>
+                  <a:solidFill>
+                    <a:prstClr val="black"/>
+                  </a:solidFill>
+                  <a:effectLst/>
+                  <a:uLnTx/>
+                  <a:uFillTx/>
+                  <a:latin typeface="Calibri"/>
+                  <a:ea typeface="+mn-ea"/>
+                  <a:cs typeface="+mn-cs"/>
+                </a:rPr>
+                <a:t>doRegReadAlu</a:t>
+              </a:r>
+              <a:endParaRPr kumimoji="0" lang="en-US" sz="2000" b="1" i="0" u="none" strike="noStrike" kern="0" cap="none" spc="0" normalizeH="0" baseline="0" noProof="0" dirty="0" smtClean="0">
+                <a:ln>
+                  <a:noFill/>
+                </a:ln>
+                <a:solidFill>
+                  <a:prstClr val="black"/>
+                </a:solidFill>
+                <a:effectLst/>
+                <a:uLnTx/>
+                <a:uFillTx/>
+                <a:latin typeface="Calibri"/>
+                <a:ea typeface="+mn-ea"/>
+                <a:cs typeface="+mn-cs"/>
+              </a:endParaRPr>
+            </a:p>
+          </p:txBody>
+        </p:sp>
+        <p:sp>
+          <p:nvSpPr>
+            <p:cNvPr id="9" name="Cloud 8"/>
+            <p:cNvSpPr/>
+            <p:nvPr/>
+          </p:nvSpPr>
+          <p:spPr>
+            <a:xfrm>
+              <a:off x="7805583" y="2723405"/>
+              <a:ext cx="1822395" cy="829819"/>
+            </a:xfrm>
+            <a:prstGeom prst="cloud">
+              <a:avLst/>
+            </a:prstGeom>
+            <a:solidFill>
+              <a:srgbClr val="4BACC6">
+                <a:lumMod val="40000"/>
+                <a:lumOff val="60000"/>
+              </a:srgbClr>
+            </a:solidFill>
+            <a:ln w="25400" cap="flat" cmpd="sng" algn="ctr">
+              <a:solidFill>
+                <a:sysClr val="windowText" lastClr="000000"/>
+              </a:solidFill>
+              <a:prstDash val="solid"/>
+            </a:ln>
+            <a:effectLst/>
+          </p:spPr>
+          <p:txBody>
+            <a:bodyPr rtlCol="0" anchor="ctr"/>
+            <a:lstStyle/>
+            <a:p>
+              <a:pPr marL="0" marR="0" lvl="0" indent="0" algn="ctr" defTabSz="914400" rtl="0" eaLnBrk="1" fontAlgn="auto" latinLnBrk="0" hangingPunct="1">
+                <a:lnSpc>
+                  <a:spcPct val="100000"/>
+                </a:lnSpc>
+                <a:spcBef>
+                  <a:spcPts val="0"/>
+                </a:spcBef>
+                <a:spcAft>
+                  <a:spcPts val="0"/>
+                </a:spcAft>
+                <a:buClrTx/>
+                <a:buSzTx/>
+                <a:buFontTx/>
+                <a:buNone/>
+                <a:tabLst/>
+                <a:defRPr/>
+              </a:pPr>
+              <a:r>
+                <a:rPr kumimoji="0" lang="en-US" sz="2000" b="1" i="0" u="none" strike="noStrike" kern="0" cap="none" spc="0" normalizeH="0" baseline="0" noProof="0" dirty="0" err="1" smtClean="0">
+                  <a:ln>
+                    <a:noFill/>
+                  </a:ln>
+                  <a:solidFill>
+                    <a:prstClr val="black"/>
+                  </a:solidFill>
+                  <a:effectLst/>
+                  <a:uLnTx/>
+                  <a:uFillTx/>
+                  <a:latin typeface="Calibri"/>
+                  <a:ea typeface="+mn-ea"/>
+                  <a:cs typeface="+mn-cs"/>
+                </a:rPr>
+                <a:t>doExeAlu</a:t>
+              </a:r>
+              <a:endParaRPr kumimoji="0" lang="en-US" sz="2000" b="1" i="0" u="none" strike="noStrike" kern="0" cap="none" spc="0" normalizeH="0" baseline="0" noProof="0" dirty="0" smtClean="0">
+                <a:ln>
+                  <a:noFill/>
+                </a:ln>
+                <a:solidFill>
+                  <a:prstClr val="black"/>
+                </a:solidFill>
+                <a:effectLst/>
+                <a:uLnTx/>
+                <a:uFillTx/>
+                <a:latin typeface="Calibri"/>
+                <a:ea typeface="+mn-ea"/>
+                <a:cs typeface="+mn-cs"/>
+              </a:endParaRPr>
+            </a:p>
+          </p:txBody>
+        </p:sp>
+        <p:sp>
+          <p:nvSpPr>
+            <p:cNvPr id="10" name="Cloud 9"/>
+            <p:cNvSpPr/>
+            <p:nvPr/>
+          </p:nvSpPr>
+          <p:spPr>
+            <a:xfrm>
+              <a:off x="9992467" y="2723405"/>
+              <a:ext cx="2184216" cy="829819"/>
+            </a:xfrm>
+            <a:prstGeom prst="cloud">
+              <a:avLst/>
+            </a:prstGeom>
+            <a:solidFill>
+              <a:srgbClr val="4BACC6">
+                <a:lumMod val="40000"/>
+                <a:lumOff val="60000"/>
+              </a:srgbClr>
+            </a:solidFill>
+            <a:ln w="25400" cap="flat" cmpd="sng" algn="ctr">
+              <a:solidFill>
+                <a:sysClr val="windowText" lastClr="000000"/>
+              </a:solidFill>
+              <a:prstDash val="solid"/>
+            </a:ln>
+            <a:effectLst/>
+          </p:spPr>
+          <p:txBody>
+            <a:bodyPr rtlCol="0" anchor="ctr"/>
+            <a:lstStyle/>
+            <a:p>
+              <a:pPr marL="0" marR="0" lvl="0" indent="0" algn="ctr" defTabSz="914400" rtl="0" eaLnBrk="1" fontAlgn="auto" latinLnBrk="0" hangingPunct="1">
+                <a:lnSpc>
+                  <a:spcPct val="100000"/>
+                </a:lnSpc>
+                <a:spcBef>
+                  <a:spcPts val="0"/>
+                </a:spcBef>
+                <a:spcAft>
+                  <a:spcPts val="0"/>
+                </a:spcAft>
+                <a:buClrTx/>
+                <a:buSzTx/>
+                <a:buFontTx/>
+                <a:buNone/>
+                <a:tabLst/>
+                <a:defRPr/>
+              </a:pPr>
+              <a:r>
+                <a:rPr kumimoji="0" lang="en-US" sz="2000" b="1" i="0" u="none" strike="noStrike" kern="0" cap="none" spc="0" normalizeH="0" baseline="0" noProof="0" dirty="0" err="1" smtClean="0">
+                  <a:ln>
+                    <a:noFill/>
+                  </a:ln>
+                  <a:solidFill>
+                    <a:prstClr val="black"/>
+                  </a:solidFill>
+                  <a:effectLst/>
+                  <a:uLnTx/>
+                  <a:uFillTx/>
+                  <a:latin typeface="Calibri"/>
+                  <a:ea typeface="+mn-ea"/>
+                  <a:cs typeface="+mn-cs"/>
+                </a:rPr>
+                <a:t>doFinishAlu</a:t>
+              </a:r>
+              <a:endParaRPr kumimoji="0" lang="en-US" sz="2000" b="1" i="0" u="none" strike="noStrike" kern="0" cap="none" spc="0" normalizeH="0" baseline="0" noProof="0" dirty="0" smtClean="0">
+                <a:ln>
+                  <a:noFill/>
+                </a:ln>
+                <a:solidFill>
+                  <a:prstClr val="black"/>
+                </a:solidFill>
+                <a:effectLst/>
+                <a:uLnTx/>
+                <a:uFillTx/>
+                <a:latin typeface="Calibri"/>
+                <a:ea typeface="+mn-ea"/>
+                <a:cs typeface="+mn-cs"/>
+              </a:endParaRPr>
+            </a:p>
+          </p:txBody>
+        </p:sp>
+        <p:cxnSp>
+          <p:nvCxnSpPr>
+            <p:cNvPr id="14" name="Straight Arrow Connector 13"/>
+            <p:cNvCxnSpPr>
+              <a:stCxn id="7" idx="0"/>
+              <a:endCxn id="40" idx="1"/>
+            </p:cNvCxnSpPr>
+            <p:nvPr/>
+          </p:nvCxnSpPr>
+          <p:spPr>
+            <a:xfrm flipV="1">
+              <a:off x="4320372" y="3138317"/>
+              <a:ext cx="160186" cy="1"/>
+            </a:xfrm>
+            <a:prstGeom prst="straightConnector1">
+              <a:avLst/>
+            </a:prstGeom>
+            <a:noFill/>
+            <a:ln w="12700" cap="flat" cmpd="sng" algn="ctr">
+              <a:solidFill>
+                <a:sysClr val="windowText" lastClr="000000"/>
+              </a:solidFill>
+              <a:prstDash val="solid"/>
+              <a:tailEnd type="triangle"/>
+            </a:ln>
+            <a:effectLst/>
+          </p:spPr>
+        </p:cxnSp>
+        <p:cxnSp>
+          <p:nvCxnSpPr>
+            <p:cNvPr id="15" name="Straight Arrow Connector 14"/>
+            <p:cNvCxnSpPr>
+              <a:stCxn id="40" idx="3"/>
+              <a:endCxn id="8" idx="2"/>
+            </p:cNvCxnSpPr>
+            <p:nvPr/>
+          </p:nvCxnSpPr>
+          <p:spPr>
+            <a:xfrm flipV="1">
+              <a:off x="4610404" y="3138316"/>
+              <a:ext cx="114932" cy="1"/>
+            </a:xfrm>
+            <a:prstGeom prst="straightConnector1">
+              <a:avLst/>
+            </a:prstGeom>
+            <a:noFill/>
+            <a:ln w="12700" cap="flat" cmpd="sng" algn="ctr">
+              <a:solidFill>
+                <a:sysClr val="windowText" lastClr="000000"/>
+              </a:solidFill>
+              <a:prstDash val="solid"/>
+              <a:tailEnd type="triangle"/>
+            </a:ln>
+            <a:effectLst/>
+          </p:spPr>
+        </p:cxnSp>
+        <p:cxnSp>
+          <p:nvCxnSpPr>
+            <p:cNvPr id="16" name="Straight Arrow Connector 15"/>
+            <p:cNvCxnSpPr>
+              <a:stCxn id="8" idx="0"/>
+              <a:endCxn id="43" idx="1"/>
+            </p:cNvCxnSpPr>
+            <p:nvPr/>
+          </p:nvCxnSpPr>
+          <p:spPr>
+            <a:xfrm>
+              <a:off x="7385305" y="3138316"/>
+              <a:ext cx="161100" cy="1"/>
+            </a:xfrm>
+            <a:prstGeom prst="straightConnector1">
+              <a:avLst/>
+            </a:prstGeom>
+            <a:noFill/>
+            <a:ln w="12700" cap="flat" cmpd="sng" algn="ctr">
+              <a:solidFill>
+                <a:sysClr val="windowText" lastClr="000000"/>
+              </a:solidFill>
+              <a:prstDash val="solid"/>
+              <a:tailEnd type="triangle"/>
+            </a:ln>
+            <a:effectLst/>
+          </p:spPr>
+        </p:cxnSp>
+        <p:cxnSp>
+          <p:nvCxnSpPr>
+            <p:cNvPr id="17" name="Straight Arrow Connector 16"/>
+            <p:cNvCxnSpPr>
+              <a:stCxn id="43" idx="3"/>
+              <a:endCxn id="9" idx="2"/>
+            </p:cNvCxnSpPr>
+            <p:nvPr/>
+          </p:nvCxnSpPr>
+          <p:spPr>
+            <a:xfrm flipV="1">
+              <a:off x="7676251" y="3138315"/>
+              <a:ext cx="134985" cy="2"/>
+            </a:xfrm>
+            <a:prstGeom prst="straightConnector1">
+              <a:avLst/>
+            </a:prstGeom>
+            <a:noFill/>
+            <a:ln w="12700" cap="flat" cmpd="sng" algn="ctr">
+              <a:solidFill>
+                <a:sysClr val="windowText" lastClr="000000"/>
+              </a:solidFill>
+              <a:prstDash val="solid"/>
+              <a:tailEnd type="triangle"/>
+            </a:ln>
+            <a:effectLst/>
+          </p:spPr>
+        </p:cxnSp>
+        <p:cxnSp>
+          <p:nvCxnSpPr>
+            <p:cNvPr id="18" name="Straight Arrow Connector 17"/>
+            <p:cNvCxnSpPr>
+              <a:stCxn id="9" idx="0"/>
+              <a:endCxn id="49" idx="1"/>
+            </p:cNvCxnSpPr>
+            <p:nvPr/>
+          </p:nvCxnSpPr>
+          <p:spPr>
+            <a:xfrm>
+              <a:off x="9626459" y="3138315"/>
+              <a:ext cx="129844" cy="2"/>
+            </a:xfrm>
+            <a:prstGeom prst="straightConnector1">
+              <a:avLst/>
+            </a:prstGeom>
+            <a:noFill/>
+            <a:ln w="12700" cap="flat" cmpd="sng" algn="ctr">
+              <a:solidFill>
+                <a:sysClr val="windowText" lastClr="000000"/>
+              </a:solidFill>
+              <a:prstDash val="solid"/>
+              <a:tailEnd type="triangle"/>
+            </a:ln>
+            <a:effectLst/>
+          </p:spPr>
+        </p:cxnSp>
+        <p:cxnSp>
+          <p:nvCxnSpPr>
+            <p:cNvPr id="19" name="Straight Arrow Connector 18"/>
+            <p:cNvCxnSpPr>
+              <a:stCxn id="49" idx="3"/>
+              <a:endCxn id="10" idx="2"/>
+            </p:cNvCxnSpPr>
+            <p:nvPr/>
+          </p:nvCxnSpPr>
+          <p:spPr>
+            <a:xfrm flipV="1">
+              <a:off x="9886149" y="3138315"/>
+              <a:ext cx="113093" cy="2"/>
+            </a:xfrm>
+            <a:prstGeom prst="straightConnector1">
+              <a:avLst/>
+            </a:prstGeom>
+            <a:noFill/>
+            <a:ln w="12700" cap="flat" cmpd="sng" algn="ctr">
+              <a:solidFill>
+                <a:sysClr val="windowText" lastClr="000000"/>
+              </a:solidFill>
+              <a:prstDash val="solid"/>
+              <a:tailEnd type="triangle"/>
+            </a:ln>
+            <a:effectLst/>
+          </p:spPr>
+        </p:cxnSp>
+        <p:grpSp>
+          <p:nvGrpSpPr>
+            <p:cNvPr id="25" name="Group 24"/>
+            <p:cNvGrpSpPr/>
+            <p:nvPr/>
+          </p:nvGrpSpPr>
+          <p:grpSpPr>
+            <a:xfrm>
+              <a:off x="9655548" y="2972717"/>
+              <a:ext cx="230601" cy="331199"/>
+              <a:chOff x="5540558" y="1752600"/>
+              <a:chExt cx="230601" cy="331199"/>
+            </a:xfrm>
+          </p:grpSpPr>
+          <p:sp>
+            <p:nvSpPr>
+              <p:cNvPr id="49" name="Rectangle 48"/>
+              <p:cNvSpPr/>
+              <p:nvPr/>
+            </p:nvSpPr>
+            <p:spPr>
+              <a:xfrm>
+                <a:off x="5641313" y="1752600"/>
+                <a:ext cx="129846" cy="331199"/>
+              </a:xfrm>
+              <a:prstGeom prst="rect">
+                <a:avLst/>
+              </a:prstGeom>
+              <a:solidFill>
+                <a:srgbClr val="F79646">
+                  <a:lumMod val="40000"/>
+                  <a:lumOff val="60000"/>
+                </a:srgbClr>
+              </a:solidFill>
+              <a:ln w="19050" cap="flat" cmpd="sng" algn="ctr">
+                <a:solidFill>
+                  <a:sysClr val="windowText" lastClr="000000"/>
+                </a:solidFill>
+                <a:prstDash val="solid"/>
+              </a:ln>
+              <a:effectLst/>
+            </p:spPr>
+            <p:txBody>
+              <a:bodyPr rtlCol="0" anchor="ctr"/>
+              <a:lstStyle/>
+              <a:p>
+                <a:pPr marL="0" marR="0" lvl="0" indent="0" algn="ctr" defTabSz="914400" rtl="0" eaLnBrk="1" fontAlgn="auto" latinLnBrk="0" hangingPunct="1">
+                  <a:lnSpc>
+                    <a:spcPct val="100000"/>
+                  </a:lnSpc>
+                  <a:spcBef>
+                    <a:spcPts val="0"/>
+                  </a:spcBef>
+                  <a:spcAft>
+                    <a:spcPts val="0"/>
+                  </a:spcAft>
+                  <a:buClrTx/>
+                  <a:buSzTx/>
+                  <a:buFontTx/>
+                  <a:buNone/>
+                  <a:tabLst/>
+                  <a:defRPr/>
+                </a:pPr>
+                <a:endParaRPr kumimoji="0" lang="en-US" sz="2000" b="1" i="0" u="none" strike="noStrike" kern="0" cap="none" spc="0" normalizeH="0" baseline="0" noProof="0" dirty="0" smtClean="0">
+                  <a:ln>
+                    <a:noFill/>
+                  </a:ln>
+                  <a:solidFill>
+                    <a:prstClr val="black"/>
+                  </a:solidFill>
+                  <a:effectLst/>
+                  <a:uLnTx/>
+                  <a:uFillTx/>
+                  <a:latin typeface="Calibri"/>
+                  <a:ea typeface="+mn-ea"/>
+                  <a:cs typeface="+mn-cs"/>
+                </a:endParaRPr>
+              </a:p>
+            </p:txBody>
+          </p:sp>
+          <p:cxnSp>
+            <p:nvCxnSpPr>
+              <p:cNvPr id="50" name="Straight Connector 49"/>
+              <p:cNvCxnSpPr>
+                <a:stCxn id="49" idx="0"/>
+              </p:cNvCxnSpPr>
+              <p:nvPr/>
+            </p:nvCxnSpPr>
+            <p:spPr>
+              <a:xfrm flipH="1">
+                <a:off x="5540558" y="1752600"/>
+                <a:ext cx="165678" cy="0"/>
+              </a:xfrm>
+              <a:prstGeom prst="line">
+                <a:avLst/>
+              </a:prstGeom>
+              <a:ln w="19050">
+                <a:solidFill>
+                  <a:schemeClr val="tx1"/>
+                </a:solidFill>
+              </a:ln>
+            </p:spPr>
+            <p:style>
+              <a:lnRef idx="1">
+                <a:schemeClr val="accent1"/>
+              </a:lnRef>
+              <a:fillRef idx="0">
+                <a:schemeClr val="accent1"/>
+              </a:fillRef>
+              <a:effectRef idx="0">
+                <a:schemeClr val="accent1"/>
+              </a:effectRef>
+              <a:fontRef idx="minor">
+                <a:schemeClr val="tx1"/>
+              </a:fontRef>
+            </p:style>
+          </p:cxnSp>
+          <p:cxnSp>
+            <p:nvCxnSpPr>
+              <p:cNvPr id="51" name="Straight Connector 50"/>
+              <p:cNvCxnSpPr>
+                <a:stCxn id="49" idx="2"/>
+              </p:cNvCxnSpPr>
+              <p:nvPr/>
+            </p:nvCxnSpPr>
+            <p:spPr>
+              <a:xfrm flipH="1">
+                <a:off x="5541801" y="2083799"/>
+                <a:ext cx="164435" cy="0"/>
+              </a:xfrm>
+              <a:prstGeom prst="line">
+                <a:avLst/>
+              </a:prstGeom>
+              <a:ln w="19050">
+                <a:solidFill>
+                  <a:schemeClr val="tx1"/>
+                </a:solidFill>
+              </a:ln>
+            </p:spPr>
+            <p:style>
+              <a:lnRef idx="1">
+                <a:schemeClr val="accent1"/>
+              </a:lnRef>
+              <a:fillRef idx="0">
+                <a:schemeClr val="accent1"/>
+              </a:fillRef>
+              <a:effectRef idx="0">
+                <a:schemeClr val="accent1"/>
+              </a:effectRef>
+              <a:fontRef idx="minor">
+                <a:schemeClr val="tx1"/>
+              </a:fontRef>
+            </p:style>
+          </p:cxnSp>
+        </p:grpSp>
+        <p:grpSp>
+          <p:nvGrpSpPr>
+            <p:cNvPr id="28" name="Group 27"/>
+            <p:cNvGrpSpPr/>
+            <p:nvPr/>
+          </p:nvGrpSpPr>
+          <p:grpSpPr>
+            <a:xfrm>
+              <a:off x="7445650" y="2972717"/>
+              <a:ext cx="230601" cy="331199"/>
+              <a:chOff x="5540558" y="1752600"/>
+              <a:chExt cx="230601" cy="331199"/>
+            </a:xfrm>
+          </p:grpSpPr>
+          <p:sp>
+            <p:nvSpPr>
+              <p:cNvPr id="43" name="Rectangle 42"/>
+              <p:cNvSpPr/>
+              <p:nvPr/>
+            </p:nvSpPr>
+            <p:spPr>
+              <a:xfrm>
+                <a:off x="5641313" y="1752600"/>
+                <a:ext cx="129846" cy="331199"/>
+              </a:xfrm>
+              <a:prstGeom prst="rect">
+                <a:avLst/>
+              </a:prstGeom>
+              <a:solidFill>
+                <a:srgbClr val="F79646">
+                  <a:lumMod val="40000"/>
+                  <a:lumOff val="60000"/>
+                </a:srgbClr>
+              </a:solidFill>
+              <a:ln w="19050" cap="flat" cmpd="sng" algn="ctr">
+                <a:solidFill>
+                  <a:sysClr val="windowText" lastClr="000000"/>
+                </a:solidFill>
+                <a:prstDash val="solid"/>
+              </a:ln>
+              <a:effectLst/>
+            </p:spPr>
+            <p:txBody>
+              <a:bodyPr rtlCol="0" anchor="ctr"/>
+              <a:lstStyle/>
+              <a:p>
+                <a:pPr marL="0" marR="0" lvl="0" indent="0" algn="ctr" defTabSz="914400" rtl="0" eaLnBrk="1" fontAlgn="auto" latinLnBrk="0" hangingPunct="1">
+                  <a:lnSpc>
+                    <a:spcPct val="100000"/>
+                  </a:lnSpc>
+                  <a:spcBef>
+                    <a:spcPts val="0"/>
+                  </a:spcBef>
+                  <a:spcAft>
+                    <a:spcPts val="0"/>
+                  </a:spcAft>
+                  <a:buClrTx/>
+                  <a:buSzTx/>
+                  <a:buFontTx/>
+                  <a:buNone/>
+                  <a:tabLst/>
+                  <a:defRPr/>
+                </a:pPr>
+                <a:endParaRPr kumimoji="0" lang="en-US" sz="2000" b="1" i="0" u="none" strike="noStrike" kern="0" cap="none" spc="0" normalizeH="0" baseline="0" noProof="0" dirty="0" smtClean="0">
+                  <a:ln>
+                    <a:noFill/>
+                  </a:ln>
+                  <a:solidFill>
+                    <a:prstClr val="black"/>
+                  </a:solidFill>
+                  <a:effectLst/>
+                  <a:uLnTx/>
+                  <a:uFillTx/>
+                  <a:latin typeface="Calibri"/>
+                  <a:ea typeface="+mn-ea"/>
+                  <a:cs typeface="+mn-cs"/>
+                </a:endParaRPr>
+              </a:p>
+            </p:txBody>
+          </p:sp>
+          <p:cxnSp>
+            <p:nvCxnSpPr>
+              <p:cNvPr id="44" name="Straight Connector 43"/>
+              <p:cNvCxnSpPr>
+                <a:stCxn id="43" idx="0"/>
+              </p:cNvCxnSpPr>
+              <p:nvPr/>
+            </p:nvCxnSpPr>
+            <p:spPr>
+              <a:xfrm flipH="1">
+                <a:off x="5540558" y="1752600"/>
+                <a:ext cx="165678" cy="0"/>
+              </a:xfrm>
+              <a:prstGeom prst="line">
+                <a:avLst/>
+              </a:prstGeom>
+              <a:ln w="19050">
+                <a:solidFill>
+                  <a:schemeClr val="tx1"/>
+                </a:solidFill>
+              </a:ln>
+            </p:spPr>
+            <p:style>
+              <a:lnRef idx="1">
+                <a:schemeClr val="accent1"/>
+              </a:lnRef>
+              <a:fillRef idx="0">
+                <a:schemeClr val="accent1"/>
+              </a:fillRef>
+              <a:effectRef idx="0">
+                <a:schemeClr val="accent1"/>
+              </a:effectRef>
+              <a:fontRef idx="minor">
+                <a:schemeClr val="tx1"/>
+              </a:fontRef>
+            </p:style>
+          </p:cxnSp>
+          <p:cxnSp>
+            <p:nvCxnSpPr>
+              <p:cNvPr id="45" name="Straight Connector 44"/>
+              <p:cNvCxnSpPr>
+                <a:stCxn id="43" idx="2"/>
+              </p:cNvCxnSpPr>
+              <p:nvPr/>
+            </p:nvCxnSpPr>
+            <p:spPr>
+              <a:xfrm flipH="1">
+                <a:off x="5541801" y="2083799"/>
+                <a:ext cx="164435" cy="0"/>
+              </a:xfrm>
+              <a:prstGeom prst="line">
+                <a:avLst/>
+              </a:prstGeom>
+              <a:ln w="19050">
+                <a:solidFill>
+                  <a:schemeClr val="tx1"/>
+                </a:solidFill>
+              </a:ln>
+            </p:spPr>
+            <p:style>
+              <a:lnRef idx="1">
+                <a:schemeClr val="accent1"/>
+              </a:lnRef>
+              <a:fillRef idx="0">
+                <a:schemeClr val="accent1"/>
+              </a:fillRef>
+              <a:effectRef idx="0">
+                <a:schemeClr val="accent1"/>
+              </a:effectRef>
+              <a:fontRef idx="minor">
+                <a:schemeClr val="tx1"/>
+              </a:fontRef>
+            </p:style>
+          </p:cxnSp>
+        </p:grpSp>
+        <p:grpSp>
+          <p:nvGrpSpPr>
+            <p:cNvPr id="29" name="Group 28"/>
+            <p:cNvGrpSpPr/>
+            <p:nvPr/>
+          </p:nvGrpSpPr>
+          <p:grpSpPr>
+            <a:xfrm>
+              <a:off x="4379803" y="2972717"/>
+              <a:ext cx="230601" cy="331199"/>
+              <a:chOff x="5540558" y="1752600"/>
+              <a:chExt cx="230601" cy="331199"/>
+            </a:xfrm>
+          </p:grpSpPr>
+          <p:sp>
+            <p:nvSpPr>
+              <p:cNvPr id="40" name="Rectangle 39"/>
+              <p:cNvSpPr/>
+              <p:nvPr/>
+            </p:nvSpPr>
+            <p:spPr>
+              <a:xfrm>
+                <a:off x="5641313" y="1752600"/>
+                <a:ext cx="129846" cy="331199"/>
+              </a:xfrm>
+              <a:prstGeom prst="rect">
+                <a:avLst/>
+              </a:prstGeom>
+              <a:solidFill>
+                <a:srgbClr val="F79646">
+                  <a:lumMod val="40000"/>
+                  <a:lumOff val="60000"/>
+                </a:srgbClr>
+              </a:solidFill>
+              <a:ln w="19050" cap="flat" cmpd="sng" algn="ctr">
+                <a:solidFill>
+                  <a:sysClr val="windowText" lastClr="000000"/>
+                </a:solidFill>
+                <a:prstDash val="solid"/>
+              </a:ln>
+              <a:effectLst/>
+            </p:spPr>
+            <p:txBody>
+              <a:bodyPr rtlCol="0" anchor="ctr"/>
+              <a:lstStyle/>
+              <a:p>
+                <a:pPr marL="0" marR="0" lvl="0" indent="0" algn="ctr" defTabSz="914400" rtl="0" eaLnBrk="1" fontAlgn="auto" latinLnBrk="0" hangingPunct="1">
+                  <a:lnSpc>
+                    <a:spcPct val="100000"/>
+                  </a:lnSpc>
+                  <a:spcBef>
+                    <a:spcPts val="0"/>
+                  </a:spcBef>
+                  <a:spcAft>
+                    <a:spcPts val="0"/>
+                  </a:spcAft>
+                  <a:buClrTx/>
+                  <a:buSzTx/>
+                  <a:buFontTx/>
+                  <a:buNone/>
+                  <a:tabLst/>
+                  <a:defRPr/>
+                </a:pPr>
+                <a:endParaRPr kumimoji="0" lang="en-US" sz="2000" b="1" i="0" u="none" strike="noStrike" kern="0" cap="none" spc="0" normalizeH="0" baseline="0" noProof="0" dirty="0" smtClean="0">
+                  <a:ln>
+                    <a:noFill/>
+                  </a:ln>
+                  <a:solidFill>
+                    <a:prstClr val="black"/>
+                  </a:solidFill>
+                  <a:effectLst/>
+                  <a:uLnTx/>
+                  <a:uFillTx/>
+                  <a:latin typeface="Calibri"/>
+                  <a:ea typeface="+mn-ea"/>
+                  <a:cs typeface="+mn-cs"/>
+                </a:endParaRPr>
+              </a:p>
+            </p:txBody>
+          </p:sp>
+          <p:cxnSp>
+            <p:nvCxnSpPr>
+              <p:cNvPr id="41" name="Straight Connector 40"/>
+              <p:cNvCxnSpPr>
+                <a:stCxn id="40" idx="0"/>
+              </p:cNvCxnSpPr>
+              <p:nvPr/>
+            </p:nvCxnSpPr>
+            <p:spPr>
+              <a:xfrm flipH="1">
+                <a:off x="5540558" y="1752600"/>
+                <a:ext cx="165678" cy="0"/>
+              </a:xfrm>
+              <a:prstGeom prst="line">
+                <a:avLst/>
+              </a:prstGeom>
+              <a:ln w="19050">
+                <a:solidFill>
+                  <a:schemeClr val="tx1"/>
+                </a:solidFill>
+              </a:ln>
+            </p:spPr>
+            <p:style>
+              <a:lnRef idx="1">
+                <a:schemeClr val="accent1"/>
+              </a:lnRef>
+              <a:fillRef idx="0">
+                <a:schemeClr val="accent1"/>
+              </a:fillRef>
+              <a:effectRef idx="0">
+                <a:schemeClr val="accent1"/>
+              </a:effectRef>
+              <a:fontRef idx="minor">
+                <a:schemeClr val="tx1"/>
+              </a:fontRef>
+            </p:style>
+          </p:cxnSp>
+          <p:cxnSp>
+            <p:nvCxnSpPr>
+              <p:cNvPr id="42" name="Straight Connector 41"/>
+              <p:cNvCxnSpPr>
+                <a:stCxn id="40" idx="2"/>
+              </p:cNvCxnSpPr>
+              <p:nvPr/>
+            </p:nvCxnSpPr>
+            <p:spPr>
+              <a:xfrm flipH="1">
+                <a:off x="5541801" y="2083799"/>
+                <a:ext cx="164435" cy="0"/>
+              </a:xfrm>
+              <a:prstGeom prst="line">
+                <a:avLst/>
+              </a:prstGeom>
+              <a:ln w="19050">
+                <a:solidFill>
+                  <a:schemeClr val="tx1"/>
+                </a:solidFill>
+              </a:ln>
+            </p:spPr>
+            <p:style>
+              <a:lnRef idx="1">
+                <a:schemeClr val="accent1"/>
+              </a:lnRef>
+              <a:fillRef idx="0">
+                <a:schemeClr val="accent1"/>
+              </a:fillRef>
+              <a:effectRef idx="0">
+                <a:schemeClr val="accent1"/>
+              </a:effectRef>
+              <a:fontRef idx="minor">
+                <a:schemeClr val="tx1"/>
+              </a:fontRef>
+            </p:style>
+          </p:cxnSp>
+        </p:grpSp>
+        <p:sp>
+          <p:nvSpPr>
+            <p:cNvPr id="30" name="Rectangle 29"/>
+            <p:cNvSpPr/>
+            <p:nvPr/>
+          </p:nvSpPr>
+          <p:spPr>
+            <a:xfrm>
+              <a:off x="45950" y="2779484"/>
+              <a:ext cx="1459363" cy="717668"/>
+            </a:xfrm>
+            <a:prstGeom prst="rect">
+              <a:avLst/>
+            </a:prstGeom>
+            <a:solidFill>
+              <a:srgbClr val="F79646">
+                <a:lumMod val="40000"/>
+                <a:lumOff val="60000"/>
+              </a:srgbClr>
+            </a:solidFill>
+            <a:ln w="25400" cap="flat" cmpd="sng" algn="ctr">
+              <a:solidFill>
+                <a:sysClr val="windowText" lastClr="000000"/>
+              </a:solidFill>
+              <a:prstDash val="solid"/>
+            </a:ln>
+            <a:effectLst/>
+          </p:spPr>
+          <p:txBody>
+            <a:bodyPr rtlCol="0" anchor="ctr"/>
+            <a:lstStyle/>
+            <a:p>
+              <a:pPr marL="0" marR="0" lvl="0" indent="0" algn="ctr" defTabSz="914400" rtl="0" eaLnBrk="1" fontAlgn="auto" latinLnBrk="0" hangingPunct="1">
+                <a:lnSpc>
+                  <a:spcPct val="100000"/>
+                </a:lnSpc>
+                <a:spcBef>
+                  <a:spcPts val="0"/>
+                </a:spcBef>
+                <a:spcAft>
+                  <a:spcPts val="0"/>
+                </a:spcAft>
+                <a:buClrTx/>
+                <a:buSzTx/>
+                <a:buFontTx/>
+                <a:buNone/>
+                <a:tabLst/>
+                <a:defRPr/>
+              </a:pPr>
+              <a:r>
+                <a:rPr kumimoji="0" lang="en-US" sz="2000" b="1" i="0" u="none" strike="noStrike" kern="0" cap="none" spc="0" normalizeH="0" baseline="0" noProof="0" dirty="0" smtClean="0">
+                  <a:ln>
+                    <a:noFill/>
+                  </a:ln>
+                  <a:solidFill>
+                    <a:prstClr val="black"/>
+                  </a:solidFill>
+                  <a:effectLst/>
+                  <a:uLnTx/>
+                  <a:uFillTx/>
+                  <a:latin typeface="Calibri"/>
+                  <a:ea typeface="+mn-ea"/>
+                  <a:cs typeface="+mn-cs"/>
+                </a:rPr>
+                <a:t>Reservation</a:t>
+              </a:r>
+            </a:p>
+            <a:p>
+              <a:pPr marL="0" marR="0" lvl="0" indent="0" algn="ctr" defTabSz="914400" rtl="0" eaLnBrk="1" fontAlgn="auto" latinLnBrk="0" hangingPunct="1">
+                <a:lnSpc>
+                  <a:spcPct val="100000"/>
+                </a:lnSpc>
+                <a:spcBef>
+                  <a:spcPts val="0"/>
+                </a:spcBef>
+                <a:spcAft>
+                  <a:spcPts val="0"/>
+                </a:spcAft>
+                <a:buClrTx/>
+                <a:buSzTx/>
+                <a:buFontTx/>
+                <a:buNone/>
+                <a:tabLst/>
+                <a:defRPr/>
+              </a:pPr>
+              <a:r>
+                <a:rPr lang="en-US" sz="2000" b="1" kern="0" dirty="0" smtClean="0">
+                  <a:solidFill>
+                    <a:prstClr val="black"/>
+                  </a:solidFill>
+                  <a:latin typeface="Calibri"/>
+                </a:rPr>
+                <a:t>Station</a:t>
+              </a:r>
+              <a:endParaRPr kumimoji="0" lang="en-US" sz="2000" b="1" i="0" u="none" strike="noStrike" kern="0" cap="none" spc="0" normalizeH="0" baseline="0" noProof="0" dirty="0" smtClean="0">
+                <a:ln>
+                  <a:noFill/>
+                </a:ln>
+                <a:solidFill>
+                  <a:prstClr val="black"/>
+                </a:solidFill>
+                <a:effectLst/>
+                <a:uLnTx/>
+                <a:uFillTx/>
+                <a:latin typeface="Calibri"/>
+                <a:ea typeface="+mn-ea"/>
+                <a:cs typeface="+mn-cs"/>
+              </a:endParaRPr>
+            </a:p>
+          </p:txBody>
+        </p:sp>
+        <p:cxnSp>
+          <p:nvCxnSpPr>
+            <p:cNvPr id="72" name="Straight Arrow Connector 71"/>
+            <p:cNvCxnSpPr>
+              <a:stCxn id="30" idx="3"/>
+              <a:endCxn id="7" idx="2"/>
+            </p:cNvCxnSpPr>
+            <p:nvPr/>
+          </p:nvCxnSpPr>
+          <p:spPr>
+            <a:xfrm>
+              <a:off x="1505313" y="3138318"/>
+              <a:ext cx="156666" cy="0"/>
+            </a:xfrm>
+            <a:prstGeom prst="straightConnector1">
+              <a:avLst/>
+            </a:prstGeom>
+            <a:noFill/>
+            <a:ln w="12700" cap="flat" cmpd="sng" algn="ctr">
+              <a:solidFill>
+                <a:sysClr val="windowText" lastClr="000000"/>
+              </a:solidFill>
+              <a:prstDash val="solid"/>
+              <a:tailEnd type="triangle"/>
+            </a:ln>
+            <a:effectLst/>
+          </p:spPr>
+        </p:cxnSp>
+        <p:sp>
+          <p:nvSpPr>
+            <p:cNvPr id="39" name="TextBox 38"/>
+            <p:cNvSpPr txBox="1"/>
+            <p:nvPr/>
+          </p:nvSpPr>
+          <p:spPr>
+            <a:xfrm>
+              <a:off x="5265052" y="4425612"/>
+              <a:ext cx="1574478" cy="400110"/>
+            </a:xfrm>
+            <a:prstGeom prst="rect">
+              <a:avLst/>
+            </a:prstGeom>
+            <a:noFill/>
+          </p:spPr>
+          <p:txBody>
+            <a:bodyPr wrap="square" rtlCol="0">
+              <a:spAutoFit/>
+            </a:bodyPr>
+            <a:lstStyle/>
+            <a:p>
+              <a:pPr algn="ctr">
+                <a:defRPr/>
+              </a:pPr>
+              <a:r>
+                <a:rPr lang="en-US" sz="2000" b="1" kern="0" dirty="0" err="1" smtClean="0">
+                  <a:solidFill>
+                    <a:prstClr val="black"/>
+                  </a:solidFill>
+                  <a:latin typeface="Calibri"/>
+                </a:rPr>
+                <a:t>recvBypass</a:t>
+              </a:r>
+              <a:endParaRPr lang="en-US" sz="2000" b="1" kern="0" dirty="0">
+                <a:solidFill>
+                  <a:prstClr val="black"/>
+                </a:solidFill>
+                <a:latin typeface="Calibri"/>
+              </a:endParaRPr>
+            </a:p>
+          </p:txBody>
+        </p:sp>
+        <p:cxnSp>
+          <p:nvCxnSpPr>
+            <p:cNvPr id="27" name="Straight Arrow Connector 26"/>
+            <p:cNvCxnSpPr>
+              <a:stCxn id="39" idx="0"/>
+              <a:endCxn id="8" idx="1"/>
+            </p:cNvCxnSpPr>
+            <p:nvPr/>
+          </p:nvCxnSpPr>
+          <p:spPr>
+            <a:xfrm flipV="1">
+              <a:off x="6052291" y="3552341"/>
+              <a:ext cx="1" cy="873271"/>
+            </a:xfrm>
+            <a:prstGeom prst="straightConnector1">
+              <a:avLst/>
+            </a:prstGeom>
+            <a:ln w="12700">
+              <a:solidFill>
+                <a:schemeClr val="tx1"/>
+              </a:solidFill>
+              <a:tailEnd type="triangle"/>
+            </a:ln>
+          </p:spPr>
+          <p:style>
+            <a:lnRef idx="1">
+              <a:schemeClr val="accent1"/>
+            </a:lnRef>
+            <a:fillRef idx="0">
+              <a:schemeClr val="accent1"/>
+            </a:fillRef>
+            <a:effectRef idx="0">
+              <a:schemeClr val="accent1"/>
+            </a:effectRef>
+            <a:fontRef idx="minor">
+              <a:schemeClr val="tx1"/>
+            </a:fontRef>
+          </p:style>
+        </p:cxnSp>
+        <p:sp>
+          <p:nvSpPr>
+            <p:cNvPr id="46" name="TextBox 45"/>
+            <p:cNvSpPr txBox="1"/>
+            <p:nvPr/>
+          </p:nvSpPr>
+          <p:spPr>
+            <a:xfrm>
+              <a:off x="7929541" y="4425612"/>
+              <a:ext cx="1574478" cy="400110"/>
+            </a:xfrm>
+            <a:prstGeom prst="rect">
+              <a:avLst/>
+            </a:prstGeom>
+            <a:noFill/>
+          </p:spPr>
+          <p:txBody>
+            <a:bodyPr wrap="square" rtlCol="0">
+              <a:spAutoFit/>
+            </a:bodyPr>
+            <a:lstStyle/>
+            <a:p>
+              <a:pPr algn="ctr">
+                <a:defRPr/>
+              </a:pPr>
+              <a:r>
+                <a:rPr lang="en-US" sz="2000" b="1" kern="0" dirty="0" err="1" smtClean="0">
+                  <a:solidFill>
+                    <a:prstClr val="black"/>
+                  </a:solidFill>
+                  <a:latin typeface="Calibri"/>
+                </a:rPr>
+                <a:t>sendBypass</a:t>
+              </a:r>
+              <a:endParaRPr lang="en-US" sz="2000" b="1" kern="0" dirty="0">
+                <a:solidFill>
+                  <a:prstClr val="black"/>
+                </a:solidFill>
+                <a:latin typeface="Calibri"/>
+              </a:endParaRPr>
+            </a:p>
+          </p:txBody>
+        </p:sp>
+        <p:cxnSp>
+          <p:nvCxnSpPr>
+            <p:cNvPr id="34" name="Straight Arrow Connector 33"/>
+            <p:cNvCxnSpPr>
+              <a:stCxn id="9" idx="1"/>
+              <a:endCxn id="46" idx="0"/>
+            </p:cNvCxnSpPr>
+            <p:nvPr/>
+          </p:nvCxnSpPr>
+          <p:spPr>
+            <a:xfrm flipH="1">
+              <a:off x="8716780" y="3552340"/>
+              <a:ext cx="1" cy="873272"/>
+            </a:xfrm>
+            <a:prstGeom prst="straightConnector1">
+              <a:avLst/>
+            </a:prstGeom>
+            <a:ln w="12700">
+              <a:solidFill>
+                <a:schemeClr val="tx1"/>
+              </a:solidFill>
+              <a:tailEnd type="triangle"/>
+            </a:ln>
+          </p:spPr>
+          <p:style>
+            <a:lnRef idx="1">
+              <a:schemeClr val="accent1"/>
+            </a:lnRef>
+            <a:fillRef idx="0">
+              <a:schemeClr val="accent1"/>
+            </a:fillRef>
+            <a:effectRef idx="0">
+              <a:schemeClr val="accent1"/>
+            </a:effectRef>
+            <a:fontRef idx="minor">
+              <a:schemeClr val="tx1"/>
+            </a:fontRef>
+          </p:style>
+        </p:cxnSp>
+        <p:sp>
+          <p:nvSpPr>
+            <p:cNvPr id="47" name="TextBox 46"/>
+            <p:cNvSpPr txBox="1"/>
+            <p:nvPr/>
+          </p:nvSpPr>
+          <p:spPr>
+            <a:xfrm>
+              <a:off x="10297336" y="4425612"/>
+              <a:ext cx="1574478" cy="400110"/>
+            </a:xfrm>
+            <a:prstGeom prst="rect">
+              <a:avLst/>
+            </a:prstGeom>
+            <a:noFill/>
+          </p:spPr>
+          <p:txBody>
+            <a:bodyPr wrap="square" rtlCol="0">
+              <a:spAutoFit/>
+            </a:bodyPr>
+            <a:lstStyle/>
+            <a:p>
+              <a:pPr algn="ctr">
+                <a:defRPr/>
+              </a:pPr>
+              <a:r>
+                <a:rPr lang="en-US" sz="2000" b="1" kern="0" dirty="0" err="1" smtClean="0">
+                  <a:solidFill>
+                    <a:prstClr val="black"/>
+                  </a:solidFill>
+                  <a:latin typeface="Calibri"/>
+                </a:rPr>
+                <a:t>sendBypass</a:t>
+              </a:r>
+              <a:endParaRPr lang="en-US" sz="2000" b="1" kern="0" dirty="0">
+                <a:solidFill>
+                  <a:prstClr val="black"/>
+                </a:solidFill>
+                <a:latin typeface="Calibri"/>
+              </a:endParaRPr>
+            </a:p>
+          </p:txBody>
+        </p:sp>
+        <p:cxnSp>
+          <p:nvCxnSpPr>
+            <p:cNvPr id="48" name="Straight Arrow Connector 47"/>
+            <p:cNvCxnSpPr>
+              <a:stCxn id="10" idx="1"/>
+              <a:endCxn id="47" idx="0"/>
+            </p:cNvCxnSpPr>
+            <p:nvPr/>
+          </p:nvCxnSpPr>
+          <p:spPr>
+            <a:xfrm>
+              <a:off x="11084575" y="3552340"/>
+              <a:ext cx="0" cy="873272"/>
+            </a:xfrm>
+            <a:prstGeom prst="straightConnector1">
+              <a:avLst/>
+            </a:prstGeom>
+            <a:ln w="12700">
+              <a:solidFill>
+                <a:schemeClr val="tx1"/>
+              </a:solidFill>
+              <a:tailEnd type="triangle"/>
+            </a:ln>
+          </p:spPr>
+          <p:style>
+            <a:lnRef idx="1">
+              <a:schemeClr val="accent1"/>
+            </a:lnRef>
+            <a:fillRef idx="0">
+              <a:schemeClr val="accent1"/>
+            </a:fillRef>
+            <a:effectRef idx="0">
+              <a:schemeClr val="accent1"/>
+            </a:effectRef>
+            <a:fontRef idx="minor">
+              <a:schemeClr val="tx1"/>
+            </a:fontRef>
+          </p:style>
+        </p:cxnSp>
+        <p:sp>
+          <p:nvSpPr>
+            <p:cNvPr id="52" name="TextBox 51"/>
+            <p:cNvSpPr txBox="1"/>
+            <p:nvPr/>
+          </p:nvSpPr>
+          <p:spPr>
+            <a:xfrm>
+              <a:off x="8030622" y="3788921"/>
+              <a:ext cx="778928" cy="400110"/>
+            </a:xfrm>
+            <a:prstGeom prst="rect">
+              <a:avLst/>
+            </a:prstGeom>
+            <a:noFill/>
+          </p:spPr>
+          <p:txBody>
+            <a:bodyPr wrap="square" rtlCol="0">
+              <a:spAutoFit/>
+            </a:bodyPr>
+            <a:lstStyle/>
+            <a:p>
+              <a:pPr algn="ctr">
+                <a:defRPr/>
+              </a:pPr>
+              <a:r>
+                <a:rPr lang="en-US" sz="2000" kern="0" dirty="0" smtClean="0">
+                  <a:solidFill>
+                    <a:prstClr val="black"/>
+                  </a:solidFill>
+                  <a:latin typeface="Calibri"/>
+                </a:rPr>
+                <a:t>wire</a:t>
+              </a:r>
+              <a:endParaRPr lang="en-US" sz="2000" kern="0" dirty="0">
+                <a:solidFill>
+                  <a:prstClr val="black"/>
+                </a:solidFill>
+                <a:latin typeface="Calibri"/>
+              </a:endParaRPr>
+            </a:p>
+          </p:txBody>
+        </p:sp>
+        <p:sp>
+          <p:nvSpPr>
+            <p:cNvPr id="53" name="TextBox 52"/>
+            <p:cNvSpPr txBox="1"/>
+            <p:nvPr/>
+          </p:nvSpPr>
+          <p:spPr>
+            <a:xfrm>
+              <a:off x="10398416" y="3788921"/>
+              <a:ext cx="778928" cy="400110"/>
+            </a:xfrm>
+            <a:prstGeom prst="rect">
+              <a:avLst/>
+            </a:prstGeom>
+            <a:noFill/>
+          </p:spPr>
+          <p:txBody>
+            <a:bodyPr wrap="square" rtlCol="0">
+              <a:spAutoFit/>
+            </a:bodyPr>
+            <a:lstStyle/>
+            <a:p>
+              <a:pPr algn="ctr">
+                <a:defRPr/>
+              </a:pPr>
+              <a:r>
+                <a:rPr lang="en-US" sz="2000" kern="0" dirty="0" smtClean="0">
+                  <a:solidFill>
+                    <a:prstClr val="black"/>
+                  </a:solidFill>
+                  <a:latin typeface="Calibri"/>
+                </a:rPr>
+                <a:t>wire</a:t>
+              </a:r>
+              <a:endParaRPr lang="en-US" sz="2000" kern="0" dirty="0">
+                <a:solidFill>
+                  <a:prstClr val="black"/>
+                </a:solidFill>
+                <a:latin typeface="Calibri"/>
+              </a:endParaRPr>
+            </a:p>
+          </p:txBody>
+        </p:sp>
+        <p:sp>
+          <p:nvSpPr>
+            <p:cNvPr id="54" name="TextBox 53"/>
+            <p:cNvSpPr txBox="1"/>
+            <p:nvPr/>
+          </p:nvSpPr>
+          <p:spPr>
+            <a:xfrm>
+              <a:off x="5352517" y="3788921"/>
+              <a:ext cx="778928" cy="400110"/>
+            </a:xfrm>
+            <a:prstGeom prst="rect">
+              <a:avLst/>
+            </a:prstGeom>
+            <a:noFill/>
+          </p:spPr>
+          <p:txBody>
+            <a:bodyPr wrap="square" rtlCol="0">
+              <a:spAutoFit/>
+            </a:bodyPr>
+            <a:lstStyle/>
+            <a:p>
+              <a:pPr algn="ctr">
+                <a:defRPr/>
+              </a:pPr>
+              <a:r>
+                <a:rPr lang="en-US" sz="2000" kern="0" dirty="0" smtClean="0">
+                  <a:solidFill>
+                    <a:prstClr val="black"/>
+                  </a:solidFill>
+                  <a:latin typeface="Calibri"/>
+                </a:rPr>
+                <a:t>wire</a:t>
+              </a:r>
+              <a:endParaRPr lang="en-US" sz="2000" kern="0" dirty="0">
+                <a:solidFill>
+                  <a:prstClr val="black"/>
+                </a:solidFill>
+                <a:latin typeface="Calibri"/>
+              </a:endParaRPr>
+            </a:p>
+          </p:txBody>
+        </p:sp>
+        <p:sp>
+          <p:nvSpPr>
+            <p:cNvPr id="56" name="Freeform 55"/>
+            <p:cNvSpPr/>
+            <p:nvPr/>
+          </p:nvSpPr>
+          <p:spPr>
+            <a:xfrm>
+              <a:off x="6304306" y="4824724"/>
+              <a:ext cx="2458311" cy="505447"/>
+            </a:xfrm>
+            <a:custGeom>
+              <a:avLst/>
+              <a:gdLst>
+                <a:gd name="connsiteX0" fmla="*/ 2665085 w 2665085"/>
+                <a:gd name="connsiteY0" fmla="*/ 0 h 505447"/>
+                <a:gd name="connsiteX1" fmla="*/ 1194693 w 2665085"/>
+                <a:gd name="connsiteY1" fmla="*/ 505447 h 505447"/>
+                <a:gd name="connsiteX2" fmla="*/ 0 w 2665085"/>
+                <a:gd name="connsiteY2" fmla="*/ 0 h 505447"/>
+              </a:gdLst>
+              <a:ahLst/>
+              <a:cxnLst>
+                <a:cxn ang="0">
+                  <a:pos x="connsiteX0" y="connsiteY0"/>
+                </a:cxn>
+                <a:cxn ang="0">
+                  <a:pos x="connsiteX1" y="connsiteY1"/>
+                </a:cxn>
+                <a:cxn ang="0">
+                  <a:pos x="connsiteX2" y="connsiteY2"/>
+                </a:cxn>
+              </a:cxnLst>
+              <a:rect l="l" t="t" r="r" b="b"/>
+              <a:pathLst>
+                <a:path w="2665085" h="505447">
+                  <a:moveTo>
+                    <a:pt x="2665085" y="0"/>
+                  </a:moveTo>
+                  <a:cubicBezTo>
+                    <a:pt x="2151979" y="252723"/>
+                    <a:pt x="1638874" y="505447"/>
+                    <a:pt x="1194693" y="505447"/>
+                  </a:cubicBezTo>
+                  <a:cubicBezTo>
+                    <a:pt x="750512" y="505447"/>
+                    <a:pt x="100323" y="20677"/>
+                    <a:pt x="0" y="0"/>
+                  </a:cubicBezTo>
+                </a:path>
+              </a:pathLst>
+            </a:custGeom>
+            <a:noFill/>
+            <a:ln>
+              <a:solidFill>
+                <a:schemeClr val="tx1"/>
+              </a:solidFill>
+              <a:prstDash val="lgDash"/>
+              <a:headEnd type="none" w="med" len="med"/>
+              <a:tailEnd type="triangle" w="med" len="med"/>
+            </a:ln>
+          </p:spPr>
+          <p:style>
+            <a:lnRef idx="2">
+              <a:schemeClr val="accent1">
+                <a:shade val="50000"/>
+              </a:schemeClr>
+            </a:lnRef>
+            <a:fillRef idx="1">
+              <a:schemeClr val="accent1"/>
+            </a:fillRef>
+            <a:effectRef idx="0">
+              <a:schemeClr val="accent1"/>
+            </a:effectRef>
+            <a:fontRef idx="minor">
+              <a:schemeClr val="lt1"/>
+            </a:fontRef>
+          </p:style>
+          <p:txBody>
+            <a:bodyPr rtlCol="0" anchor="ctr"/>
+            <a:lstStyle/>
+            <a:p>
+              <a:pPr algn="ctr"/>
+              <a:endParaRPr lang="en-US"/>
+            </a:p>
+          </p:txBody>
+        </p:sp>
+        <p:sp>
+          <p:nvSpPr>
+            <p:cNvPr id="59" name="Freeform 58"/>
+            <p:cNvSpPr/>
+            <p:nvPr/>
+          </p:nvSpPr>
+          <p:spPr>
+            <a:xfrm>
+              <a:off x="5831023" y="4778774"/>
+              <a:ext cx="5284281" cy="1015489"/>
+            </a:xfrm>
+            <a:custGeom>
+              <a:avLst/>
+              <a:gdLst>
+                <a:gd name="connsiteX0" fmla="*/ 2665085 w 2665085"/>
+                <a:gd name="connsiteY0" fmla="*/ 0 h 505447"/>
+                <a:gd name="connsiteX1" fmla="*/ 1194693 w 2665085"/>
+                <a:gd name="connsiteY1" fmla="*/ 505447 h 505447"/>
+                <a:gd name="connsiteX2" fmla="*/ 0 w 2665085"/>
+                <a:gd name="connsiteY2" fmla="*/ 0 h 505447"/>
+              </a:gdLst>
+              <a:ahLst/>
+              <a:cxnLst>
+                <a:cxn ang="0">
+                  <a:pos x="connsiteX0" y="connsiteY0"/>
+                </a:cxn>
+                <a:cxn ang="0">
+                  <a:pos x="connsiteX1" y="connsiteY1"/>
+                </a:cxn>
+                <a:cxn ang="0">
+                  <a:pos x="connsiteX2" y="connsiteY2"/>
+                </a:cxn>
+              </a:cxnLst>
+              <a:rect l="l" t="t" r="r" b="b"/>
+              <a:pathLst>
+                <a:path w="2665085" h="505447">
+                  <a:moveTo>
+                    <a:pt x="2665085" y="0"/>
+                  </a:moveTo>
+                  <a:cubicBezTo>
+                    <a:pt x="2151979" y="252723"/>
+                    <a:pt x="1638874" y="505447"/>
+                    <a:pt x="1194693" y="505447"/>
+                  </a:cubicBezTo>
+                  <a:cubicBezTo>
+                    <a:pt x="750512" y="505447"/>
+                    <a:pt x="100323" y="20677"/>
+                    <a:pt x="0" y="0"/>
+                  </a:cubicBezTo>
+                </a:path>
+              </a:pathLst>
+            </a:custGeom>
+            <a:noFill/>
+            <a:ln>
+              <a:solidFill>
+                <a:schemeClr val="tx1"/>
+              </a:solidFill>
+              <a:prstDash val="lgDash"/>
+              <a:headEnd type="none" w="med" len="med"/>
+              <a:tailEnd type="triangle" w="med" len="med"/>
+            </a:ln>
+          </p:spPr>
+          <p:style>
+            <a:lnRef idx="2">
+              <a:schemeClr val="accent1">
+                <a:shade val="50000"/>
+              </a:schemeClr>
+            </a:lnRef>
+            <a:fillRef idx="1">
+              <a:schemeClr val="accent1"/>
+            </a:fillRef>
+            <a:effectRef idx="0">
+              <a:schemeClr val="accent1"/>
+            </a:effectRef>
+            <a:fontRef idx="minor">
+              <a:schemeClr val="lt1"/>
+            </a:fontRef>
+          </p:style>
+          <p:txBody>
+            <a:bodyPr rtlCol="0" anchor="ctr"/>
+            <a:lstStyle/>
+            <a:p>
+              <a:pPr algn="ctr"/>
+              <a:endParaRPr lang="en-US"/>
+            </a:p>
+          </p:txBody>
+        </p:sp>
+      </p:grpSp>
+    </p:spTree>
+    <p:extLst>
+      <p:ext uri="{BB962C8B-B14F-4D97-AF65-F5344CB8AC3E}">
+        <p14:creationId xmlns:p14="http://schemas.microsoft.com/office/powerpoint/2010/main" val="1588809634"/>
+      </p:ext>
+    </p:extLst>
+  </p:cSld>
+  <p:clrMapOvr>
+    <a:masterClrMapping/>
+  </p:clrMapOvr>
+</p:sld>
+</file>
+
 <file path=ppt/theme/theme1.xml><?xml version="1.0" encoding="utf-8"?>
 <a:theme xmlns:a="http://schemas.openxmlformats.org/drawingml/2006/main" name="Office Theme">
   <a:themeElements>

--- a/fig/fig.pptx
+++ b/fig/fig.pptx
@@ -14,6 +14,7 @@
     <p:sldId id="262" r:id="rId8"/>
     <p:sldId id="263" r:id="rId9"/>
     <p:sldId id="264" r:id="rId10"/>
+    <p:sldId id="265" r:id="rId11"/>
   </p:sldIdLst>
   <p:sldSz cx="12192000" cy="6858000"/>
   <p:notesSz cx="7315200" cy="9601200"/>
@@ -251,7 +252,7 @@
           <a:p>
             <a:fld id="{BE4C2E38-1CA4-415D-AC32-50965AFA52AB}" type="datetimeFigureOut">
               <a:rPr lang="en-US" smtClean="0"/>
-              <a:t>5/30/2019</a:t>
+              <a:t>5/31/2019</a:t>
             </a:fld>
             <a:endParaRPr lang="en-US"/>
           </a:p>
@@ -421,7 +422,7 @@
           <a:p>
             <a:fld id="{BE4C2E38-1CA4-415D-AC32-50965AFA52AB}" type="datetimeFigureOut">
               <a:rPr lang="en-US" smtClean="0"/>
-              <a:t>5/30/2019</a:t>
+              <a:t>5/31/2019</a:t>
             </a:fld>
             <a:endParaRPr lang="en-US"/>
           </a:p>
@@ -601,7 +602,7 @@
           <a:p>
             <a:fld id="{BE4C2E38-1CA4-415D-AC32-50965AFA52AB}" type="datetimeFigureOut">
               <a:rPr lang="en-US" smtClean="0"/>
-              <a:t>5/30/2019</a:t>
+              <a:t>5/31/2019</a:t>
             </a:fld>
             <a:endParaRPr lang="en-US"/>
           </a:p>
@@ -771,7 +772,7 @@
           <a:p>
             <a:fld id="{BE4C2E38-1CA4-415D-AC32-50965AFA52AB}" type="datetimeFigureOut">
               <a:rPr lang="en-US" smtClean="0"/>
-              <a:t>5/30/2019</a:t>
+              <a:t>5/31/2019</a:t>
             </a:fld>
             <a:endParaRPr lang="en-US"/>
           </a:p>
@@ -1017,7 +1018,7 @@
           <a:p>
             <a:fld id="{BE4C2E38-1CA4-415D-AC32-50965AFA52AB}" type="datetimeFigureOut">
               <a:rPr lang="en-US" smtClean="0"/>
-              <a:t>5/30/2019</a:t>
+              <a:t>5/31/2019</a:t>
             </a:fld>
             <a:endParaRPr lang="en-US"/>
           </a:p>
@@ -1249,7 +1250,7 @@
           <a:p>
             <a:fld id="{BE4C2E38-1CA4-415D-AC32-50965AFA52AB}" type="datetimeFigureOut">
               <a:rPr lang="en-US" smtClean="0"/>
-              <a:t>5/30/2019</a:t>
+              <a:t>5/31/2019</a:t>
             </a:fld>
             <a:endParaRPr lang="en-US"/>
           </a:p>
@@ -1616,7 +1617,7 @@
           <a:p>
             <a:fld id="{BE4C2E38-1CA4-415D-AC32-50965AFA52AB}" type="datetimeFigureOut">
               <a:rPr lang="en-US" smtClean="0"/>
-              <a:t>5/30/2019</a:t>
+              <a:t>5/31/2019</a:t>
             </a:fld>
             <a:endParaRPr lang="en-US"/>
           </a:p>
@@ -1734,7 +1735,7 @@
           <a:p>
             <a:fld id="{BE4C2E38-1CA4-415D-AC32-50965AFA52AB}" type="datetimeFigureOut">
               <a:rPr lang="en-US" smtClean="0"/>
-              <a:t>5/30/2019</a:t>
+              <a:t>5/31/2019</a:t>
             </a:fld>
             <a:endParaRPr lang="en-US"/>
           </a:p>
@@ -1829,7 +1830,7 @@
           <a:p>
             <a:fld id="{BE4C2E38-1CA4-415D-AC32-50965AFA52AB}" type="datetimeFigureOut">
               <a:rPr lang="en-US" smtClean="0"/>
-              <a:t>5/30/2019</a:t>
+              <a:t>5/31/2019</a:t>
             </a:fld>
             <a:endParaRPr lang="en-US"/>
           </a:p>
@@ -2106,7 +2107,7 @@
           <a:p>
             <a:fld id="{BE4C2E38-1CA4-415D-AC32-50965AFA52AB}" type="datetimeFigureOut">
               <a:rPr lang="en-US" smtClean="0"/>
-              <a:t>5/30/2019</a:t>
+              <a:t>5/31/2019</a:t>
             </a:fld>
             <a:endParaRPr lang="en-US"/>
           </a:p>
@@ -2359,7 +2360,7 @@
           <a:p>
             <a:fld id="{BE4C2E38-1CA4-415D-AC32-50965AFA52AB}" type="datetimeFigureOut">
               <a:rPr lang="en-US" smtClean="0"/>
-              <a:t>5/30/2019</a:t>
+              <a:t>5/31/2019</a:t>
             </a:fld>
             <a:endParaRPr lang="en-US"/>
           </a:p>
@@ -2572,7 +2573,7 @@
           <a:p>
             <a:fld id="{BE4C2E38-1CA4-415D-AC32-50965AFA52AB}" type="datetimeFigureOut">
               <a:rPr lang="en-US" smtClean="0"/>
-              <a:t>5/30/2019</a:t>
+              <a:t>5/31/2019</a:t>
             </a:fld>
             <a:endParaRPr lang="en-US"/>
           </a:p>
@@ -3525,6 +3526,2985 @@
       </p:par>
     </p:tnLst>
   </p:timing>
+</p:sld>
+</file>
+
+<file path=ppt/slides/slide10.xml><?xml version="1.0" encoding="utf-8"?>
+<p:sld xmlns:a="http://schemas.openxmlformats.org/drawingml/2006/main" xmlns:r="http://schemas.openxmlformats.org/officeDocument/2006/relationships" xmlns:p="http://schemas.openxmlformats.org/presentationml/2006/main">
+  <p:cSld>
+    <p:spTree>
+      <p:nvGrpSpPr>
+        <p:cNvPr id="1" name=""/>
+        <p:cNvGrpSpPr/>
+        <p:nvPr/>
+      </p:nvGrpSpPr>
+      <p:grpSpPr>
+        <a:xfrm>
+          <a:off x="0" y="0"/>
+          <a:ext cx="0" cy="0"/>
+          <a:chOff x="0" y="0"/>
+          <a:chExt cx="0" cy="0"/>
+        </a:xfrm>
+      </p:grpSpPr>
+      <p:grpSp>
+        <p:nvGrpSpPr>
+          <p:cNvPr id="154" name="Group 153"/>
+          <p:cNvGrpSpPr/>
+          <p:nvPr/>
+        </p:nvGrpSpPr>
+        <p:grpSpPr>
+          <a:xfrm>
+            <a:off x="277231" y="811897"/>
+            <a:ext cx="10810444" cy="5898676"/>
+            <a:chOff x="277231" y="811897"/>
+            <a:chExt cx="10810444" cy="5898676"/>
+          </a:xfrm>
+        </p:grpSpPr>
+        <p:sp>
+          <p:nvSpPr>
+            <p:cNvPr id="5" name="Cloud 4"/>
+            <p:cNvSpPr/>
+            <p:nvPr/>
+          </p:nvSpPr>
+          <p:spPr>
+            <a:xfrm>
+              <a:off x="1884981" y="811900"/>
+              <a:ext cx="2131027" cy="829819"/>
+            </a:xfrm>
+            <a:prstGeom prst="cloud">
+              <a:avLst/>
+            </a:prstGeom>
+            <a:solidFill>
+              <a:srgbClr val="4BACC6">
+                <a:lumMod val="40000"/>
+                <a:lumOff val="60000"/>
+              </a:srgbClr>
+            </a:solidFill>
+            <a:ln w="25400" cap="flat" cmpd="sng" algn="ctr">
+              <a:solidFill>
+                <a:sysClr val="windowText" lastClr="000000"/>
+              </a:solidFill>
+              <a:prstDash val="solid"/>
+            </a:ln>
+            <a:effectLst/>
+          </p:spPr>
+          <p:txBody>
+            <a:bodyPr rtlCol="0" anchor="ctr"/>
+            <a:lstStyle/>
+            <a:p>
+              <a:pPr marL="0" marR="0" lvl="0" indent="0" algn="ctr" defTabSz="914400" rtl="0" eaLnBrk="1" fontAlgn="auto" latinLnBrk="0" hangingPunct="1">
+                <a:lnSpc>
+                  <a:spcPct val="100000"/>
+                </a:lnSpc>
+                <a:spcBef>
+                  <a:spcPts val="0"/>
+                </a:spcBef>
+                <a:spcAft>
+                  <a:spcPts val="0"/>
+                </a:spcAft>
+                <a:buClrTx/>
+                <a:buSzTx/>
+                <a:buFontTx/>
+                <a:buNone/>
+                <a:tabLst/>
+                <a:defRPr/>
+              </a:pPr>
+              <a:r>
+                <a:rPr kumimoji="0" lang="en-US" sz="2000" b="1" i="0" u="none" strike="noStrike" kern="0" cap="none" spc="0" normalizeH="0" baseline="0" noProof="0" dirty="0" err="1" smtClean="0">
+                  <a:ln>
+                    <a:noFill/>
+                  </a:ln>
+                  <a:solidFill>
+                    <a:prstClr val="black"/>
+                  </a:solidFill>
+                  <a:effectLst/>
+                  <a:uLnTx/>
+                  <a:uFillTx/>
+                  <a:latin typeface="Calibri"/>
+                  <a:ea typeface="+mn-ea"/>
+                  <a:cs typeface="+mn-cs"/>
+                </a:rPr>
+                <a:t>doDispatch</a:t>
+              </a:r>
+              <a:endParaRPr kumimoji="0" lang="en-US" sz="2000" b="1" i="0" u="none" strike="noStrike" kern="0" cap="none" spc="0" normalizeH="0" baseline="0" noProof="0" dirty="0" smtClean="0">
+                <a:ln>
+                  <a:noFill/>
+                </a:ln>
+                <a:solidFill>
+                  <a:prstClr val="black"/>
+                </a:solidFill>
+                <a:effectLst/>
+                <a:uLnTx/>
+                <a:uFillTx/>
+                <a:latin typeface="Calibri"/>
+                <a:ea typeface="+mn-ea"/>
+                <a:cs typeface="+mn-cs"/>
+              </a:endParaRPr>
+            </a:p>
+          </p:txBody>
+        </p:sp>
+        <p:sp>
+          <p:nvSpPr>
+            <p:cNvPr id="6" name="Cloud 5"/>
+            <p:cNvSpPr/>
+            <p:nvPr/>
+          </p:nvSpPr>
+          <p:spPr>
+            <a:xfrm>
+              <a:off x="4516834" y="811898"/>
+              <a:ext cx="2141285" cy="829819"/>
+            </a:xfrm>
+            <a:prstGeom prst="cloud">
+              <a:avLst/>
+            </a:prstGeom>
+            <a:solidFill>
+              <a:srgbClr val="4BACC6">
+                <a:lumMod val="40000"/>
+                <a:lumOff val="60000"/>
+              </a:srgbClr>
+            </a:solidFill>
+            <a:ln w="25400" cap="flat" cmpd="sng" algn="ctr">
+              <a:solidFill>
+                <a:sysClr val="windowText" lastClr="000000"/>
+              </a:solidFill>
+              <a:prstDash val="solid"/>
+            </a:ln>
+            <a:effectLst/>
+          </p:spPr>
+          <p:txBody>
+            <a:bodyPr rtlCol="0" anchor="ctr"/>
+            <a:lstStyle/>
+            <a:p>
+              <a:pPr marL="0" marR="0" lvl="0" indent="0" algn="ctr" defTabSz="914400" rtl="0" eaLnBrk="1" fontAlgn="auto" latinLnBrk="0" hangingPunct="1">
+                <a:lnSpc>
+                  <a:spcPct val="100000"/>
+                </a:lnSpc>
+                <a:spcBef>
+                  <a:spcPts val="0"/>
+                </a:spcBef>
+                <a:spcAft>
+                  <a:spcPts val="0"/>
+                </a:spcAft>
+                <a:buClrTx/>
+                <a:buSzTx/>
+                <a:buFontTx/>
+                <a:buNone/>
+                <a:tabLst/>
+                <a:defRPr/>
+              </a:pPr>
+              <a:r>
+                <a:rPr kumimoji="0" lang="en-US" sz="2000" b="1" i="0" u="none" strike="noStrike" kern="0" cap="none" spc="0" normalizeH="0" baseline="0" noProof="0" dirty="0" err="1" smtClean="0">
+                  <a:ln>
+                    <a:noFill/>
+                  </a:ln>
+                  <a:solidFill>
+                    <a:prstClr val="black"/>
+                  </a:solidFill>
+                  <a:effectLst/>
+                  <a:uLnTx/>
+                  <a:uFillTx/>
+                  <a:latin typeface="Calibri"/>
+                  <a:ea typeface="+mn-ea"/>
+                  <a:cs typeface="+mn-cs"/>
+                </a:rPr>
+                <a:t>doRegRead</a:t>
+              </a:r>
+              <a:endParaRPr kumimoji="0" lang="en-US" sz="2000" b="1" i="0" u="none" strike="noStrike" kern="0" cap="none" spc="0" normalizeH="0" baseline="0" noProof="0" dirty="0" smtClean="0">
+                <a:ln>
+                  <a:noFill/>
+                </a:ln>
+                <a:solidFill>
+                  <a:prstClr val="black"/>
+                </a:solidFill>
+                <a:effectLst/>
+                <a:uLnTx/>
+                <a:uFillTx/>
+                <a:latin typeface="Calibri"/>
+                <a:ea typeface="+mn-ea"/>
+                <a:cs typeface="+mn-cs"/>
+              </a:endParaRPr>
+            </a:p>
+          </p:txBody>
+        </p:sp>
+        <p:sp>
+          <p:nvSpPr>
+            <p:cNvPr id="7" name="Cloud 6"/>
+            <p:cNvSpPr/>
+            <p:nvPr/>
+          </p:nvSpPr>
+          <p:spPr>
+            <a:xfrm>
+              <a:off x="7122460" y="811897"/>
+              <a:ext cx="1272560" cy="829819"/>
+            </a:xfrm>
+            <a:prstGeom prst="cloud">
+              <a:avLst/>
+            </a:prstGeom>
+            <a:solidFill>
+              <a:srgbClr val="4BACC6">
+                <a:lumMod val="40000"/>
+                <a:lumOff val="60000"/>
+              </a:srgbClr>
+            </a:solidFill>
+            <a:ln w="25400" cap="flat" cmpd="sng" algn="ctr">
+              <a:solidFill>
+                <a:sysClr val="windowText" lastClr="000000"/>
+              </a:solidFill>
+              <a:prstDash val="solid"/>
+            </a:ln>
+            <a:effectLst/>
+          </p:spPr>
+          <p:txBody>
+            <a:bodyPr rtlCol="0" anchor="ctr"/>
+            <a:lstStyle/>
+            <a:p>
+              <a:pPr marL="0" marR="0" lvl="0" indent="0" algn="ctr" defTabSz="914400" rtl="0" eaLnBrk="1" fontAlgn="auto" latinLnBrk="0" hangingPunct="1">
+                <a:lnSpc>
+                  <a:spcPct val="100000"/>
+                </a:lnSpc>
+                <a:spcBef>
+                  <a:spcPts val="0"/>
+                </a:spcBef>
+                <a:spcAft>
+                  <a:spcPts val="0"/>
+                </a:spcAft>
+                <a:buClrTx/>
+                <a:buSzTx/>
+                <a:buFontTx/>
+                <a:buNone/>
+                <a:tabLst/>
+                <a:defRPr/>
+              </a:pPr>
+              <a:r>
+                <a:rPr kumimoji="0" lang="en-US" sz="2000" b="1" i="0" u="none" strike="noStrike" kern="0" cap="none" spc="0" normalizeH="0" baseline="0" noProof="0" dirty="0" err="1" smtClean="0">
+                  <a:ln>
+                    <a:noFill/>
+                  </a:ln>
+                  <a:solidFill>
+                    <a:prstClr val="black"/>
+                  </a:solidFill>
+                  <a:effectLst/>
+                  <a:uLnTx/>
+                  <a:uFillTx/>
+                  <a:latin typeface="Calibri"/>
+                  <a:ea typeface="+mn-ea"/>
+                  <a:cs typeface="+mn-cs"/>
+                </a:rPr>
+                <a:t>doExe</a:t>
+              </a:r>
+              <a:endParaRPr kumimoji="0" lang="en-US" sz="2000" b="1" i="0" u="none" strike="noStrike" kern="0" cap="none" spc="0" normalizeH="0" baseline="0" noProof="0" dirty="0" smtClean="0">
+                <a:ln>
+                  <a:noFill/>
+                </a:ln>
+                <a:solidFill>
+                  <a:prstClr val="black"/>
+                </a:solidFill>
+                <a:effectLst/>
+                <a:uLnTx/>
+                <a:uFillTx/>
+                <a:latin typeface="Calibri"/>
+                <a:ea typeface="+mn-ea"/>
+                <a:cs typeface="+mn-cs"/>
+              </a:endParaRPr>
+            </a:p>
+          </p:txBody>
+        </p:sp>
+        <p:sp>
+          <p:nvSpPr>
+            <p:cNvPr id="8" name="Cloud 7"/>
+            <p:cNvSpPr/>
+            <p:nvPr/>
+          </p:nvSpPr>
+          <p:spPr>
+            <a:xfrm>
+              <a:off x="9435885" y="811897"/>
+              <a:ext cx="1651790" cy="829819"/>
+            </a:xfrm>
+            <a:prstGeom prst="cloud">
+              <a:avLst/>
+            </a:prstGeom>
+            <a:solidFill>
+              <a:srgbClr val="4BACC6">
+                <a:lumMod val="40000"/>
+                <a:lumOff val="60000"/>
+              </a:srgbClr>
+            </a:solidFill>
+            <a:ln w="25400" cap="flat" cmpd="sng" algn="ctr">
+              <a:solidFill>
+                <a:sysClr val="windowText" lastClr="000000"/>
+              </a:solidFill>
+              <a:prstDash val="solid"/>
+            </a:ln>
+            <a:effectLst/>
+          </p:spPr>
+          <p:txBody>
+            <a:bodyPr rtlCol="0" anchor="ctr"/>
+            <a:lstStyle/>
+            <a:p>
+              <a:pPr marL="0" marR="0" lvl="0" indent="0" algn="ctr" defTabSz="914400" rtl="0" eaLnBrk="1" fontAlgn="auto" latinLnBrk="0" hangingPunct="1">
+                <a:lnSpc>
+                  <a:spcPct val="100000"/>
+                </a:lnSpc>
+                <a:spcBef>
+                  <a:spcPts val="0"/>
+                </a:spcBef>
+                <a:spcAft>
+                  <a:spcPts val="0"/>
+                </a:spcAft>
+                <a:buClrTx/>
+                <a:buSzTx/>
+                <a:buFontTx/>
+                <a:buNone/>
+                <a:tabLst/>
+                <a:defRPr/>
+              </a:pPr>
+              <a:r>
+                <a:rPr kumimoji="0" lang="en-US" sz="2000" b="1" i="0" u="none" strike="noStrike" kern="0" cap="none" spc="0" normalizeH="0" baseline="0" noProof="0" dirty="0" err="1" smtClean="0">
+                  <a:ln>
+                    <a:noFill/>
+                  </a:ln>
+                  <a:solidFill>
+                    <a:prstClr val="black"/>
+                  </a:solidFill>
+                  <a:effectLst/>
+                  <a:uLnTx/>
+                  <a:uFillTx/>
+                  <a:latin typeface="Calibri"/>
+                  <a:ea typeface="+mn-ea"/>
+                  <a:cs typeface="+mn-cs"/>
+                </a:rPr>
+                <a:t>doFinish</a:t>
+              </a:r>
+              <a:endParaRPr kumimoji="0" lang="en-US" sz="2000" b="1" i="0" u="none" strike="noStrike" kern="0" cap="none" spc="0" normalizeH="0" baseline="0" noProof="0" dirty="0" smtClean="0">
+                <a:ln>
+                  <a:noFill/>
+                </a:ln>
+                <a:solidFill>
+                  <a:prstClr val="black"/>
+                </a:solidFill>
+                <a:effectLst/>
+                <a:uLnTx/>
+                <a:uFillTx/>
+                <a:latin typeface="Calibri"/>
+                <a:ea typeface="+mn-ea"/>
+                <a:cs typeface="+mn-cs"/>
+              </a:endParaRPr>
+            </a:p>
+          </p:txBody>
+        </p:sp>
+        <p:cxnSp>
+          <p:nvCxnSpPr>
+            <p:cNvPr id="9" name="Straight Arrow Connector 8"/>
+            <p:cNvCxnSpPr>
+              <a:stCxn id="5" idx="0"/>
+              <a:endCxn id="31" idx="1"/>
+            </p:cNvCxnSpPr>
+            <p:nvPr/>
+          </p:nvCxnSpPr>
+          <p:spPr>
+            <a:xfrm flipV="1">
+              <a:off x="4014232" y="1226809"/>
+              <a:ext cx="219727" cy="1"/>
+            </a:xfrm>
+            <a:prstGeom prst="straightConnector1">
+              <a:avLst/>
+            </a:prstGeom>
+            <a:noFill/>
+            <a:ln w="12700" cap="flat" cmpd="sng" algn="ctr">
+              <a:solidFill>
+                <a:sysClr val="windowText" lastClr="000000"/>
+              </a:solidFill>
+              <a:prstDash val="solid"/>
+              <a:tailEnd type="triangle"/>
+            </a:ln>
+            <a:effectLst/>
+          </p:spPr>
+        </p:cxnSp>
+        <p:cxnSp>
+          <p:nvCxnSpPr>
+            <p:cNvPr id="10" name="Straight Arrow Connector 9"/>
+            <p:cNvCxnSpPr>
+              <a:stCxn id="31" idx="3"/>
+              <a:endCxn id="6" idx="2"/>
+            </p:cNvCxnSpPr>
+            <p:nvPr/>
+          </p:nvCxnSpPr>
+          <p:spPr>
+            <a:xfrm flipV="1">
+              <a:off x="4363805" y="1226808"/>
+              <a:ext cx="159671" cy="1"/>
+            </a:xfrm>
+            <a:prstGeom prst="straightConnector1">
+              <a:avLst/>
+            </a:prstGeom>
+            <a:noFill/>
+            <a:ln w="12700" cap="flat" cmpd="sng" algn="ctr">
+              <a:solidFill>
+                <a:sysClr val="windowText" lastClr="000000"/>
+              </a:solidFill>
+              <a:prstDash val="solid"/>
+              <a:tailEnd type="triangle"/>
+            </a:ln>
+            <a:effectLst/>
+          </p:spPr>
+        </p:cxnSp>
+        <p:cxnSp>
+          <p:nvCxnSpPr>
+            <p:cNvPr id="11" name="Straight Arrow Connector 10"/>
+            <p:cNvCxnSpPr>
+              <a:stCxn id="6" idx="0"/>
+              <a:endCxn id="34" idx="1"/>
+            </p:cNvCxnSpPr>
+            <p:nvPr/>
+          </p:nvCxnSpPr>
+          <p:spPr>
+            <a:xfrm>
+              <a:off x="6656335" y="1226808"/>
+              <a:ext cx="188566" cy="1"/>
+            </a:xfrm>
+            <a:prstGeom prst="straightConnector1">
+              <a:avLst/>
+            </a:prstGeom>
+            <a:noFill/>
+            <a:ln w="12700" cap="flat" cmpd="sng" algn="ctr">
+              <a:solidFill>
+                <a:sysClr val="windowText" lastClr="000000"/>
+              </a:solidFill>
+              <a:prstDash val="solid"/>
+              <a:tailEnd type="triangle"/>
+            </a:ln>
+            <a:effectLst/>
+          </p:spPr>
+        </p:cxnSp>
+        <p:cxnSp>
+          <p:nvCxnSpPr>
+            <p:cNvPr id="12" name="Straight Arrow Connector 11"/>
+            <p:cNvCxnSpPr>
+              <a:stCxn id="34" idx="3"/>
+              <a:endCxn id="7" idx="2"/>
+            </p:cNvCxnSpPr>
+            <p:nvPr/>
+          </p:nvCxnSpPr>
+          <p:spPr>
+            <a:xfrm flipV="1">
+              <a:off x="6974747" y="1226807"/>
+              <a:ext cx="151660" cy="2"/>
+            </a:xfrm>
+            <a:prstGeom prst="straightConnector1">
+              <a:avLst/>
+            </a:prstGeom>
+            <a:noFill/>
+            <a:ln w="12700" cap="flat" cmpd="sng" algn="ctr">
+              <a:solidFill>
+                <a:sysClr val="windowText" lastClr="000000"/>
+              </a:solidFill>
+              <a:prstDash val="solid"/>
+              <a:tailEnd type="triangle"/>
+            </a:ln>
+            <a:effectLst/>
+          </p:spPr>
+        </p:cxnSp>
+        <p:cxnSp>
+          <p:nvCxnSpPr>
+            <p:cNvPr id="13" name="Straight Arrow Connector 12"/>
+            <p:cNvCxnSpPr>
+              <a:stCxn id="7" idx="0"/>
+              <a:endCxn id="53" idx="1"/>
+            </p:cNvCxnSpPr>
+            <p:nvPr/>
+          </p:nvCxnSpPr>
+          <p:spPr>
+            <a:xfrm>
+              <a:off x="8393960" y="1226807"/>
+              <a:ext cx="195565" cy="3"/>
+            </a:xfrm>
+            <a:prstGeom prst="straightConnector1">
+              <a:avLst/>
+            </a:prstGeom>
+            <a:noFill/>
+            <a:ln w="12700" cap="flat" cmpd="sng" algn="ctr">
+              <a:solidFill>
+                <a:sysClr val="windowText" lastClr="000000"/>
+              </a:solidFill>
+              <a:prstDash val="solid"/>
+              <a:tailEnd type="triangle"/>
+            </a:ln>
+            <a:effectLst/>
+          </p:spPr>
+        </p:cxnSp>
+        <p:cxnSp>
+          <p:nvCxnSpPr>
+            <p:cNvPr id="14" name="Straight Arrow Connector 13"/>
+            <p:cNvCxnSpPr>
+              <a:stCxn id="53" idx="3"/>
+              <a:endCxn id="8" idx="2"/>
+            </p:cNvCxnSpPr>
+            <p:nvPr/>
+          </p:nvCxnSpPr>
+          <p:spPr>
+            <a:xfrm flipV="1">
+              <a:off x="9241380" y="1226807"/>
+              <a:ext cx="199629" cy="3"/>
+            </a:xfrm>
+            <a:prstGeom prst="straightConnector1">
+              <a:avLst/>
+            </a:prstGeom>
+            <a:noFill/>
+            <a:ln w="12700" cap="flat" cmpd="sng" algn="ctr">
+              <a:solidFill>
+                <a:sysClr val="windowText" lastClr="000000"/>
+              </a:solidFill>
+              <a:prstDash val="solid"/>
+              <a:tailEnd type="triangle"/>
+            </a:ln>
+            <a:effectLst/>
+          </p:spPr>
+        </p:cxnSp>
+        <p:grpSp>
+          <p:nvGrpSpPr>
+            <p:cNvPr id="16" name="Group 15"/>
+            <p:cNvGrpSpPr/>
+            <p:nvPr/>
+          </p:nvGrpSpPr>
+          <p:grpSpPr>
+            <a:xfrm>
+              <a:off x="6744146" y="1061209"/>
+              <a:ext cx="230601" cy="331199"/>
+              <a:chOff x="5540558" y="1752600"/>
+              <a:chExt cx="230601" cy="331199"/>
+            </a:xfrm>
+          </p:grpSpPr>
+          <p:sp>
+            <p:nvSpPr>
+              <p:cNvPr id="34" name="Rectangle 33"/>
+              <p:cNvSpPr/>
+              <p:nvPr/>
+            </p:nvSpPr>
+            <p:spPr>
+              <a:xfrm>
+                <a:off x="5641313" y="1752600"/>
+                <a:ext cx="129846" cy="331199"/>
+              </a:xfrm>
+              <a:prstGeom prst="rect">
+                <a:avLst/>
+              </a:prstGeom>
+              <a:solidFill>
+                <a:srgbClr val="F79646">
+                  <a:lumMod val="40000"/>
+                  <a:lumOff val="60000"/>
+                </a:srgbClr>
+              </a:solidFill>
+              <a:ln w="19050" cap="flat" cmpd="sng" algn="ctr">
+                <a:solidFill>
+                  <a:sysClr val="windowText" lastClr="000000"/>
+                </a:solidFill>
+                <a:prstDash val="solid"/>
+              </a:ln>
+              <a:effectLst/>
+            </p:spPr>
+            <p:txBody>
+              <a:bodyPr rtlCol="0" anchor="ctr"/>
+              <a:lstStyle/>
+              <a:p>
+                <a:pPr marL="0" marR="0" lvl="0" indent="0" algn="ctr" defTabSz="914400" rtl="0" eaLnBrk="1" fontAlgn="auto" latinLnBrk="0" hangingPunct="1">
+                  <a:lnSpc>
+                    <a:spcPct val="100000"/>
+                  </a:lnSpc>
+                  <a:spcBef>
+                    <a:spcPts val="0"/>
+                  </a:spcBef>
+                  <a:spcAft>
+                    <a:spcPts val="0"/>
+                  </a:spcAft>
+                  <a:buClrTx/>
+                  <a:buSzTx/>
+                  <a:buFontTx/>
+                  <a:buNone/>
+                  <a:tabLst/>
+                  <a:defRPr/>
+                </a:pPr>
+                <a:endParaRPr kumimoji="0" lang="en-US" sz="2000" b="1" i="0" u="none" strike="noStrike" kern="0" cap="none" spc="0" normalizeH="0" baseline="0" noProof="0" dirty="0" smtClean="0">
+                  <a:ln>
+                    <a:noFill/>
+                  </a:ln>
+                  <a:solidFill>
+                    <a:prstClr val="black"/>
+                  </a:solidFill>
+                  <a:effectLst/>
+                  <a:uLnTx/>
+                  <a:uFillTx/>
+                  <a:latin typeface="Calibri"/>
+                  <a:ea typeface="+mn-ea"/>
+                  <a:cs typeface="+mn-cs"/>
+                </a:endParaRPr>
+              </a:p>
+            </p:txBody>
+          </p:sp>
+          <p:cxnSp>
+            <p:nvCxnSpPr>
+              <p:cNvPr id="35" name="Straight Connector 34"/>
+              <p:cNvCxnSpPr>
+                <a:stCxn id="34" idx="0"/>
+              </p:cNvCxnSpPr>
+              <p:nvPr/>
+            </p:nvCxnSpPr>
+            <p:spPr>
+              <a:xfrm flipH="1">
+                <a:off x="5540558" y="1752600"/>
+                <a:ext cx="165678" cy="0"/>
+              </a:xfrm>
+              <a:prstGeom prst="line">
+                <a:avLst/>
+              </a:prstGeom>
+              <a:ln w="19050">
+                <a:solidFill>
+                  <a:schemeClr val="tx1"/>
+                </a:solidFill>
+              </a:ln>
+            </p:spPr>
+            <p:style>
+              <a:lnRef idx="1">
+                <a:schemeClr val="accent1"/>
+              </a:lnRef>
+              <a:fillRef idx="0">
+                <a:schemeClr val="accent1"/>
+              </a:fillRef>
+              <a:effectRef idx="0">
+                <a:schemeClr val="accent1"/>
+              </a:effectRef>
+              <a:fontRef idx="minor">
+                <a:schemeClr val="tx1"/>
+              </a:fontRef>
+            </p:style>
+          </p:cxnSp>
+          <p:cxnSp>
+            <p:nvCxnSpPr>
+              <p:cNvPr id="36" name="Straight Connector 35"/>
+              <p:cNvCxnSpPr>
+                <a:stCxn id="34" idx="2"/>
+              </p:cNvCxnSpPr>
+              <p:nvPr/>
+            </p:nvCxnSpPr>
+            <p:spPr>
+              <a:xfrm flipH="1">
+                <a:off x="5541801" y="2083799"/>
+                <a:ext cx="164435" cy="0"/>
+              </a:xfrm>
+              <a:prstGeom prst="line">
+                <a:avLst/>
+              </a:prstGeom>
+              <a:ln w="19050">
+                <a:solidFill>
+                  <a:schemeClr val="tx1"/>
+                </a:solidFill>
+              </a:ln>
+            </p:spPr>
+            <p:style>
+              <a:lnRef idx="1">
+                <a:schemeClr val="accent1"/>
+              </a:lnRef>
+              <a:fillRef idx="0">
+                <a:schemeClr val="accent1"/>
+              </a:fillRef>
+              <a:effectRef idx="0">
+                <a:schemeClr val="accent1"/>
+              </a:effectRef>
+              <a:fontRef idx="minor">
+                <a:schemeClr val="tx1"/>
+              </a:fontRef>
+            </p:style>
+          </p:cxnSp>
+        </p:grpSp>
+        <p:grpSp>
+          <p:nvGrpSpPr>
+            <p:cNvPr id="17" name="Group 16"/>
+            <p:cNvGrpSpPr/>
+            <p:nvPr/>
+          </p:nvGrpSpPr>
+          <p:grpSpPr>
+            <a:xfrm>
+              <a:off x="4133204" y="1061209"/>
+              <a:ext cx="230601" cy="331199"/>
+              <a:chOff x="5540558" y="1752600"/>
+              <a:chExt cx="230601" cy="331199"/>
+            </a:xfrm>
+          </p:grpSpPr>
+          <p:sp>
+            <p:nvSpPr>
+              <p:cNvPr id="31" name="Rectangle 30"/>
+              <p:cNvSpPr/>
+              <p:nvPr/>
+            </p:nvSpPr>
+            <p:spPr>
+              <a:xfrm>
+                <a:off x="5641313" y="1752600"/>
+                <a:ext cx="129846" cy="331199"/>
+              </a:xfrm>
+              <a:prstGeom prst="rect">
+                <a:avLst/>
+              </a:prstGeom>
+              <a:solidFill>
+                <a:srgbClr val="F79646">
+                  <a:lumMod val="40000"/>
+                  <a:lumOff val="60000"/>
+                </a:srgbClr>
+              </a:solidFill>
+              <a:ln w="19050" cap="flat" cmpd="sng" algn="ctr">
+                <a:solidFill>
+                  <a:sysClr val="windowText" lastClr="000000"/>
+                </a:solidFill>
+                <a:prstDash val="solid"/>
+              </a:ln>
+              <a:effectLst/>
+            </p:spPr>
+            <p:txBody>
+              <a:bodyPr rtlCol="0" anchor="ctr"/>
+              <a:lstStyle/>
+              <a:p>
+                <a:pPr marL="0" marR="0" lvl="0" indent="0" algn="ctr" defTabSz="914400" rtl="0" eaLnBrk="1" fontAlgn="auto" latinLnBrk="0" hangingPunct="1">
+                  <a:lnSpc>
+                    <a:spcPct val="100000"/>
+                  </a:lnSpc>
+                  <a:spcBef>
+                    <a:spcPts val="0"/>
+                  </a:spcBef>
+                  <a:spcAft>
+                    <a:spcPts val="0"/>
+                  </a:spcAft>
+                  <a:buClrTx/>
+                  <a:buSzTx/>
+                  <a:buFontTx/>
+                  <a:buNone/>
+                  <a:tabLst/>
+                  <a:defRPr/>
+                </a:pPr>
+                <a:endParaRPr kumimoji="0" lang="en-US" sz="2000" b="1" i="0" u="none" strike="noStrike" kern="0" cap="none" spc="0" normalizeH="0" baseline="0" noProof="0" dirty="0" smtClean="0">
+                  <a:ln>
+                    <a:noFill/>
+                  </a:ln>
+                  <a:solidFill>
+                    <a:prstClr val="black"/>
+                  </a:solidFill>
+                  <a:effectLst/>
+                  <a:uLnTx/>
+                  <a:uFillTx/>
+                  <a:latin typeface="Calibri"/>
+                  <a:ea typeface="+mn-ea"/>
+                  <a:cs typeface="+mn-cs"/>
+                </a:endParaRPr>
+              </a:p>
+            </p:txBody>
+          </p:sp>
+          <p:cxnSp>
+            <p:nvCxnSpPr>
+              <p:cNvPr id="32" name="Straight Connector 31"/>
+              <p:cNvCxnSpPr>
+                <a:stCxn id="31" idx="0"/>
+              </p:cNvCxnSpPr>
+              <p:nvPr/>
+            </p:nvCxnSpPr>
+            <p:spPr>
+              <a:xfrm flipH="1">
+                <a:off x="5540558" y="1752600"/>
+                <a:ext cx="165678" cy="0"/>
+              </a:xfrm>
+              <a:prstGeom prst="line">
+                <a:avLst/>
+              </a:prstGeom>
+              <a:ln w="19050">
+                <a:solidFill>
+                  <a:schemeClr val="tx1"/>
+                </a:solidFill>
+              </a:ln>
+            </p:spPr>
+            <p:style>
+              <a:lnRef idx="1">
+                <a:schemeClr val="accent1"/>
+              </a:lnRef>
+              <a:fillRef idx="0">
+                <a:schemeClr val="accent1"/>
+              </a:fillRef>
+              <a:effectRef idx="0">
+                <a:schemeClr val="accent1"/>
+              </a:effectRef>
+              <a:fontRef idx="minor">
+                <a:schemeClr val="tx1"/>
+              </a:fontRef>
+            </p:style>
+          </p:cxnSp>
+          <p:cxnSp>
+            <p:nvCxnSpPr>
+              <p:cNvPr id="33" name="Straight Connector 32"/>
+              <p:cNvCxnSpPr>
+                <a:stCxn id="31" idx="2"/>
+              </p:cNvCxnSpPr>
+              <p:nvPr/>
+            </p:nvCxnSpPr>
+            <p:spPr>
+              <a:xfrm flipH="1">
+                <a:off x="5541801" y="2083799"/>
+                <a:ext cx="164435" cy="0"/>
+              </a:xfrm>
+              <a:prstGeom prst="line">
+                <a:avLst/>
+              </a:prstGeom>
+              <a:ln w="19050">
+                <a:solidFill>
+                  <a:schemeClr val="tx1"/>
+                </a:solidFill>
+              </a:ln>
+            </p:spPr>
+            <p:style>
+              <a:lnRef idx="1">
+                <a:schemeClr val="accent1"/>
+              </a:lnRef>
+              <a:fillRef idx="0">
+                <a:schemeClr val="accent1"/>
+              </a:fillRef>
+              <a:effectRef idx="0">
+                <a:schemeClr val="accent1"/>
+              </a:effectRef>
+              <a:fontRef idx="minor">
+                <a:schemeClr val="tx1"/>
+              </a:fontRef>
+            </p:style>
+          </p:cxnSp>
+        </p:grpSp>
+        <p:sp>
+          <p:nvSpPr>
+            <p:cNvPr id="18" name="Rectangle 17"/>
+            <p:cNvSpPr/>
+            <p:nvPr/>
+          </p:nvSpPr>
+          <p:spPr>
+            <a:xfrm>
+              <a:off x="277231" y="867976"/>
+              <a:ext cx="1459363" cy="717668"/>
+            </a:xfrm>
+            <a:prstGeom prst="rect">
+              <a:avLst/>
+            </a:prstGeom>
+            <a:solidFill>
+              <a:srgbClr val="F79646">
+                <a:lumMod val="40000"/>
+                <a:lumOff val="60000"/>
+              </a:srgbClr>
+            </a:solidFill>
+            <a:ln w="25400" cap="flat" cmpd="sng" algn="ctr">
+              <a:solidFill>
+                <a:sysClr val="windowText" lastClr="000000"/>
+              </a:solidFill>
+              <a:prstDash val="solid"/>
+            </a:ln>
+            <a:effectLst/>
+          </p:spPr>
+          <p:txBody>
+            <a:bodyPr rtlCol="0" anchor="ctr"/>
+            <a:lstStyle/>
+            <a:p>
+              <a:pPr marL="0" marR="0" lvl="0" indent="0" algn="ctr" defTabSz="914400" rtl="0" eaLnBrk="1" fontAlgn="auto" latinLnBrk="0" hangingPunct="1">
+                <a:lnSpc>
+                  <a:spcPct val="100000"/>
+                </a:lnSpc>
+                <a:spcBef>
+                  <a:spcPts val="0"/>
+                </a:spcBef>
+                <a:spcAft>
+                  <a:spcPts val="0"/>
+                </a:spcAft>
+                <a:buClrTx/>
+                <a:buSzTx/>
+                <a:buFontTx/>
+                <a:buNone/>
+                <a:tabLst/>
+                <a:defRPr/>
+              </a:pPr>
+              <a:r>
+                <a:rPr kumimoji="0" lang="en-US" sz="2000" b="1" i="0" u="none" strike="noStrike" kern="0" cap="none" spc="0" normalizeH="0" baseline="0" noProof="0" dirty="0" smtClean="0">
+                  <a:ln>
+                    <a:noFill/>
+                  </a:ln>
+                  <a:solidFill>
+                    <a:prstClr val="black"/>
+                  </a:solidFill>
+                  <a:effectLst/>
+                  <a:uLnTx/>
+                  <a:uFillTx/>
+                  <a:latin typeface="Calibri"/>
+                  <a:ea typeface="+mn-ea"/>
+                  <a:cs typeface="+mn-cs"/>
+                </a:rPr>
+                <a:t>Reservation</a:t>
+              </a:r>
+            </a:p>
+            <a:p>
+              <a:pPr marL="0" marR="0" lvl="0" indent="0" algn="ctr" defTabSz="914400" rtl="0" eaLnBrk="1" fontAlgn="auto" latinLnBrk="0" hangingPunct="1">
+                <a:lnSpc>
+                  <a:spcPct val="100000"/>
+                </a:lnSpc>
+                <a:spcBef>
+                  <a:spcPts val="0"/>
+                </a:spcBef>
+                <a:spcAft>
+                  <a:spcPts val="0"/>
+                </a:spcAft>
+                <a:buClrTx/>
+                <a:buSzTx/>
+                <a:buFontTx/>
+                <a:buNone/>
+                <a:tabLst/>
+                <a:defRPr/>
+              </a:pPr>
+              <a:r>
+                <a:rPr lang="en-US" sz="2000" b="1" kern="0" dirty="0" smtClean="0">
+                  <a:solidFill>
+                    <a:prstClr val="black"/>
+                  </a:solidFill>
+                  <a:latin typeface="Calibri"/>
+                </a:rPr>
+                <a:t>Station</a:t>
+              </a:r>
+              <a:endParaRPr kumimoji="0" lang="en-US" sz="2000" b="1" i="0" u="none" strike="noStrike" kern="0" cap="none" spc="0" normalizeH="0" baseline="0" noProof="0" dirty="0" smtClean="0">
+                <a:ln>
+                  <a:noFill/>
+                </a:ln>
+                <a:solidFill>
+                  <a:prstClr val="black"/>
+                </a:solidFill>
+                <a:effectLst/>
+                <a:uLnTx/>
+                <a:uFillTx/>
+                <a:latin typeface="Calibri"/>
+                <a:ea typeface="+mn-ea"/>
+                <a:cs typeface="+mn-cs"/>
+              </a:endParaRPr>
+            </a:p>
+          </p:txBody>
+        </p:sp>
+        <p:cxnSp>
+          <p:nvCxnSpPr>
+            <p:cNvPr id="19" name="Straight Arrow Connector 18"/>
+            <p:cNvCxnSpPr>
+              <a:stCxn id="18" idx="3"/>
+              <a:endCxn id="5" idx="2"/>
+            </p:cNvCxnSpPr>
+            <p:nvPr/>
+          </p:nvCxnSpPr>
+          <p:spPr>
+            <a:xfrm>
+              <a:off x="1736594" y="1226810"/>
+              <a:ext cx="154997" cy="0"/>
+            </a:xfrm>
+            <a:prstGeom prst="straightConnector1">
+              <a:avLst/>
+            </a:prstGeom>
+            <a:noFill/>
+            <a:ln w="12700" cap="flat" cmpd="sng" algn="ctr">
+              <a:solidFill>
+                <a:sysClr val="windowText" lastClr="000000"/>
+              </a:solidFill>
+              <a:prstDash val="solid"/>
+              <a:tailEnd type="triangle"/>
+            </a:ln>
+            <a:effectLst/>
+          </p:spPr>
+        </p:cxnSp>
+        <p:sp>
+          <p:nvSpPr>
+            <p:cNvPr id="53" name="Rectangle 52"/>
+            <p:cNvSpPr/>
+            <p:nvPr/>
+          </p:nvSpPr>
+          <p:spPr>
+            <a:xfrm>
+              <a:off x="8589525" y="867976"/>
+              <a:ext cx="651855" cy="717668"/>
+            </a:xfrm>
+            <a:prstGeom prst="rect">
+              <a:avLst/>
+            </a:prstGeom>
+            <a:solidFill>
+              <a:srgbClr val="F79646">
+                <a:lumMod val="40000"/>
+                <a:lumOff val="60000"/>
+              </a:srgbClr>
+            </a:solidFill>
+            <a:ln w="25400" cap="flat" cmpd="sng" algn="ctr">
+              <a:solidFill>
+                <a:sysClr val="windowText" lastClr="000000"/>
+              </a:solidFill>
+              <a:prstDash val="solid"/>
+            </a:ln>
+            <a:effectLst/>
+          </p:spPr>
+          <p:txBody>
+            <a:bodyPr rtlCol="0" anchor="ctr"/>
+            <a:lstStyle/>
+            <a:p>
+              <a:pPr marL="0" marR="0" lvl="0" indent="0" algn="ctr" defTabSz="914400" rtl="0" eaLnBrk="1" fontAlgn="auto" latinLnBrk="0" hangingPunct="1">
+                <a:lnSpc>
+                  <a:spcPct val="100000"/>
+                </a:lnSpc>
+                <a:spcBef>
+                  <a:spcPts val="0"/>
+                </a:spcBef>
+                <a:spcAft>
+                  <a:spcPts val="0"/>
+                </a:spcAft>
+                <a:buClrTx/>
+                <a:buSzTx/>
+                <a:buFontTx/>
+                <a:buNone/>
+                <a:tabLst/>
+                <a:defRPr/>
+              </a:pPr>
+              <a:r>
+                <a:rPr kumimoji="0" lang="en-US" sz="2000" b="1" i="0" u="none" strike="noStrike" kern="0" cap="none" spc="0" normalizeH="0" baseline="0" noProof="0" dirty="0" smtClean="0">
+                  <a:ln>
+                    <a:noFill/>
+                  </a:ln>
+                  <a:solidFill>
+                    <a:prstClr val="black"/>
+                  </a:solidFill>
+                  <a:effectLst/>
+                  <a:uLnTx/>
+                  <a:uFillTx/>
+                  <a:latin typeface="Calibri"/>
+                  <a:ea typeface="+mn-ea"/>
+                  <a:cs typeface="+mn-cs"/>
+                </a:rPr>
+                <a:t>L1 D</a:t>
+              </a:r>
+            </a:p>
+            <a:p>
+              <a:pPr marL="0" marR="0" lvl="0" indent="0" algn="ctr" defTabSz="914400" rtl="0" eaLnBrk="1" fontAlgn="auto" latinLnBrk="0" hangingPunct="1">
+                <a:lnSpc>
+                  <a:spcPct val="100000"/>
+                </a:lnSpc>
+                <a:spcBef>
+                  <a:spcPts val="0"/>
+                </a:spcBef>
+                <a:spcAft>
+                  <a:spcPts val="0"/>
+                </a:spcAft>
+                <a:buClrTx/>
+                <a:buSzTx/>
+                <a:buFontTx/>
+                <a:buNone/>
+                <a:tabLst/>
+                <a:defRPr/>
+              </a:pPr>
+              <a:r>
+                <a:rPr lang="en-US" sz="2000" b="1" kern="0" dirty="0" smtClean="0">
+                  <a:solidFill>
+                    <a:prstClr val="black"/>
+                  </a:solidFill>
+                  <a:latin typeface="Calibri"/>
+                </a:rPr>
+                <a:t>TLB</a:t>
+              </a:r>
+              <a:endParaRPr kumimoji="0" lang="en-US" sz="2000" b="1" i="0" u="none" strike="noStrike" kern="0" cap="none" spc="0" normalizeH="0" baseline="0" noProof="0" dirty="0" smtClean="0">
+                <a:ln>
+                  <a:noFill/>
+                </a:ln>
+                <a:solidFill>
+                  <a:prstClr val="black"/>
+                </a:solidFill>
+                <a:effectLst/>
+                <a:uLnTx/>
+                <a:uFillTx/>
+                <a:latin typeface="Calibri"/>
+                <a:ea typeface="+mn-ea"/>
+                <a:cs typeface="+mn-cs"/>
+              </a:endParaRPr>
+            </a:p>
+          </p:txBody>
+        </p:sp>
+        <p:sp>
+          <p:nvSpPr>
+            <p:cNvPr id="60" name="Rectangle 59"/>
+            <p:cNvSpPr/>
+            <p:nvPr/>
+          </p:nvSpPr>
+          <p:spPr>
+            <a:xfrm>
+              <a:off x="1909427" y="2752390"/>
+              <a:ext cx="5228097" cy="368742"/>
+            </a:xfrm>
+            <a:prstGeom prst="rect">
+              <a:avLst/>
+            </a:prstGeom>
+            <a:solidFill>
+              <a:srgbClr val="F79646">
+                <a:lumMod val="40000"/>
+                <a:lumOff val="60000"/>
+              </a:srgbClr>
+            </a:solidFill>
+            <a:ln w="25400" cap="flat" cmpd="sng" algn="ctr">
+              <a:solidFill>
+                <a:sysClr val="windowText" lastClr="000000"/>
+              </a:solidFill>
+              <a:prstDash val="solid"/>
+            </a:ln>
+            <a:effectLst/>
+          </p:spPr>
+          <p:txBody>
+            <a:bodyPr rtlCol="0" anchor="ctr"/>
+            <a:lstStyle/>
+            <a:p>
+              <a:pPr marL="0" marR="0" lvl="0" indent="0" algn="ctr" defTabSz="914400" rtl="0" eaLnBrk="1" fontAlgn="auto" latinLnBrk="0" hangingPunct="1">
+                <a:lnSpc>
+                  <a:spcPct val="100000"/>
+                </a:lnSpc>
+                <a:spcBef>
+                  <a:spcPts val="0"/>
+                </a:spcBef>
+                <a:spcAft>
+                  <a:spcPts val="0"/>
+                </a:spcAft>
+                <a:buClrTx/>
+                <a:buSzTx/>
+                <a:buFontTx/>
+                <a:buNone/>
+                <a:tabLst/>
+                <a:defRPr/>
+              </a:pPr>
+              <a:r>
+                <a:rPr kumimoji="0" lang="en-US" sz="2000" b="1" i="0" u="none" strike="noStrike" kern="0" cap="none" spc="0" normalizeH="0" baseline="0" noProof="0" dirty="0" smtClean="0">
+                  <a:ln>
+                    <a:noFill/>
+                  </a:ln>
+                  <a:solidFill>
+                    <a:prstClr val="black"/>
+                  </a:solidFill>
+                  <a:effectLst/>
+                  <a:uLnTx/>
+                  <a:uFillTx/>
+                  <a:latin typeface="Calibri"/>
+                  <a:ea typeface="+mn-ea"/>
+                  <a:cs typeface="+mn-cs"/>
+                </a:rPr>
+                <a:t>LSQ (LQ +</a:t>
+              </a:r>
+              <a:r>
+                <a:rPr kumimoji="0" lang="en-US" sz="2000" b="1" i="0" u="none" strike="noStrike" kern="0" cap="none" spc="0" normalizeH="0" noProof="0" dirty="0" smtClean="0">
+                  <a:ln>
+                    <a:noFill/>
+                  </a:ln>
+                  <a:solidFill>
+                    <a:prstClr val="black"/>
+                  </a:solidFill>
+                  <a:effectLst/>
+                  <a:uLnTx/>
+                  <a:uFillTx/>
+                  <a:latin typeface="Calibri"/>
+                  <a:ea typeface="+mn-ea"/>
+                  <a:cs typeface="+mn-cs"/>
+                </a:rPr>
+                <a:t> SQ)</a:t>
+              </a:r>
+              <a:endParaRPr kumimoji="0" lang="en-US" sz="2000" b="1" i="0" u="none" strike="noStrike" kern="0" cap="none" spc="0" normalizeH="0" baseline="0" noProof="0" dirty="0" smtClean="0">
+                <a:ln>
+                  <a:noFill/>
+                </a:ln>
+                <a:solidFill>
+                  <a:prstClr val="black"/>
+                </a:solidFill>
+                <a:effectLst/>
+                <a:uLnTx/>
+                <a:uFillTx/>
+                <a:latin typeface="Calibri"/>
+                <a:ea typeface="+mn-ea"/>
+                <a:cs typeface="+mn-cs"/>
+              </a:endParaRPr>
+            </a:p>
+          </p:txBody>
+        </p:sp>
+        <p:sp>
+          <p:nvSpPr>
+            <p:cNvPr id="61" name="Rectangle 60"/>
+            <p:cNvSpPr/>
+            <p:nvPr/>
+          </p:nvSpPr>
+          <p:spPr>
+            <a:xfrm>
+              <a:off x="9309065" y="5088404"/>
+              <a:ext cx="952715" cy="717668"/>
+            </a:xfrm>
+            <a:prstGeom prst="rect">
+              <a:avLst/>
+            </a:prstGeom>
+            <a:solidFill>
+              <a:srgbClr val="F79646">
+                <a:lumMod val="40000"/>
+                <a:lumOff val="60000"/>
+              </a:srgbClr>
+            </a:solidFill>
+            <a:ln w="25400" cap="flat" cmpd="sng" algn="ctr">
+              <a:solidFill>
+                <a:sysClr val="windowText" lastClr="000000"/>
+              </a:solidFill>
+              <a:prstDash val="solid"/>
+            </a:ln>
+            <a:effectLst/>
+          </p:spPr>
+          <p:txBody>
+            <a:bodyPr rtlCol="0" anchor="ctr"/>
+            <a:lstStyle/>
+            <a:p>
+              <a:pPr marL="0" marR="0" lvl="0" indent="0" algn="ctr" defTabSz="914400" rtl="0" eaLnBrk="1" fontAlgn="auto" latinLnBrk="0" hangingPunct="1">
+                <a:lnSpc>
+                  <a:spcPct val="100000"/>
+                </a:lnSpc>
+                <a:spcBef>
+                  <a:spcPts val="0"/>
+                </a:spcBef>
+                <a:spcAft>
+                  <a:spcPts val="0"/>
+                </a:spcAft>
+                <a:buClrTx/>
+                <a:buSzTx/>
+                <a:buFontTx/>
+                <a:buNone/>
+                <a:tabLst/>
+                <a:defRPr/>
+              </a:pPr>
+              <a:r>
+                <a:rPr kumimoji="0" lang="en-US" sz="2000" b="1" i="0" u="none" strike="noStrike" kern="0" cap="none" spc="0" normalizeH="0" baseline="0" noProof="0" dirty="0" smtClean="0">
+                  <a:ln>
+                    <a:noFill/>
+                  </a:ln>
+                  <a:solidFill>
+                    <a:prstClr val="black"/>
+                  </a:solidFill>
+                  <a:effectLst/>
+                  <a:uLnTx/>
+                  <a:uFillTx/>
+                  <a:latin typeface="Calibri"/>
+                  <a:ea typeface="+mn-ea"/>
+                  <a:cs typeface="+mn-cs"/>
+                </a:rPr>
+                <a:t>Store</a:t>
+              </a:r>
+            </a:p>
+            <a:p>
+              <a:pPr marL="0" marR="0" lvl="0" indent="0" algn="ctr" defTabSz="914400" rtl="0" eaLnBrk="1" fontAlgn="auto" latinLnBrk="0" hangingPunct="1">
+                <a:lnSpc>
+                  <a:spcPct val="100000"/>
+                </a:lnSpc>
+                <a:spcBef>
+                  <a:spcPts val="0"/>
+                </a:spcBef>
+                <a:spcAft>
+                  <a:spcPts val="0"/>
+                </a:spcAft>
+                <a:buClrTx/>
+                <a:buSzTx/>
+                <a:buFontTx/>
+                <a:buNone/>
+                <a:tabLst/>
+                <a:defRPr/>
+              </a:pPr>
+              <a:r>
+                <a:rPr lang="en-US" sz="2000" b="1" kern="0" dirty="0" smtClean="0">
+                  <a:solidFill>
+                    <a:prstClr val="black"/>
+                  </a:solidFill>
+                  <a:latin typeface="Calibri"/>
+                </a:rPr>
+                <a:t>Buffer</a:t>
+              </a:r>
+              <a:endParaRPr kumimoji="0" lang="en-US" sz="2000" b="1" i="0" u="none" strike="noStrike" kern="0" cap="none" spc="0" normalizeH="0" baseline="0" noProof="0" dirty="0" smtClean="0">
+                <a:ln>
+                  <a:noFill/>
+                </a:ln>
+                <a:solidFill>
+                  <a:prstClr val="black"/>
+                </a:solidFill>
+                <a:effectLst/>
+                <a:uLnTx/>
+                <a:uFillTx/>
+                <a:latin typeface="Calibri"/>
+                <a:ea typeface="+mn-ea"/>
+                <a:cs typeface="+mn-cs"/>
+              </a:endParaRPr>
+            </a:p>
+          </p:txBody>
+        </p:sp>
+        <p:sp>
+          <p:nvSpPr>
+            <p:cNvPr id="62" name="Cloud 61"/>
+            <p:cNvSpPr/>
+            <p:nvPr/>
+          </p:nvSpPr>
+          <p:spPr>
+            <a:xfrm>
+              <a:off x="8753177" y="2516839"/>
+              <a:ext cx="2000123" cy="829819"/>
+            </a:xfrm>
+            <a:prstGeom prst="cloud">
+              <a:avLst/>
+            </a:prstGeom>
+            <a:solidFill>
+              <a:srgbClr val="4BACC6">
+                <a:lumMod val="40000"/>
+                <a:lumOff val="60000"/>
+              </a:srgbClr>
+            </a:solidFill>
+            <a:ln w="25400" cap="flat" cmpd="sng" algn="ctr">
+              <a:solidFill>
+                <a:sysClr val="windowText" lastClr="000000"/>
+              </a:solidFill>
+              <a:prstDash val="solid"/>
+            </a:ln>
+            <a:effectLst/>
+          </p:spPr>
+          <p:txBody>
+            <a:bodyPr rtlCol="0" anchor="ctr"/>
+            <a:lstStyle/>
+            <a:p>
+              <a:pPr marL="0" marR="0" lvl="0" indent="0" algn="ctr" defTabSz="914400" rtl="0" eaLnBrk="1" fontAlgn="auto" latinLnBrk="0" hangingPunct="1">
+                <a:lnSpc>
+                  <a:spcPct val="100000"/>
+                </a:lnSpc>
+                <a:spcBef>
+                  <a:spcPts val="0"/>
+                </a:spcBef>
+                <a:spcAft>
+                  <a:spcPts val="0"/>
+                </a:spcAft>
+                <a:buClrTx/>
+                <a:buSzTx/>
+                <a:buFontTx/>
+                <a:buNone/>
+                <a:tabLst/>
+                <a:defRPr/>
+              </a:pPr>
+              <a:r>
+                <a:rPr kumimoji="0" lang="en-US" sz="2000" b="1" i="0" u="none" strike="noStrike" kern="0" cap="none" spc="0" normalizeH="0" baseline="0" noProof="0" dirty="0" err="1" smtClean="0">
+                  <a:ln>
+                    <a:noFill/>
+                  </a:ln>
+                  <a:solidFill>
+                    <a:prstClr val="black"/>
+                  </a:solidFill>
+                  <a:effectLst/>
+                  <a:uLnTx/>
+                  <a:uFillTx/>
+                  <a:latin typeface="Calibri"/>
+                  <a:ea typeface="+mn-ea"/>
+                  <a:cs typeface="+mn-cs"/>
+                </a:rPr>
+                <a:t>doDeqLQ</a:t>
+              </a:r>
+              <a:endParaRPr kumimoji="0" lang="en-US" sz="2000" b="1" i="0" u="none" strike="noStrike" kern="0" cap="none" spc="0" normalizeH="0" baseline="0" noProof="0" dirty="0" smtClean="0">
+                <a:ln>
+                  <a:noFill/>
+                </a:ln>
+                <a:solidFill>
+                  <a:prstClr val="black"/>
+                </a:solidFill>
+                <a:effectLst/>
+                <a:uLnTx/>
+                <a:uFillTx/>
+                <a:latin typeface="Calibri"/>
+                <a:ea typeface="+mn-ea"/>
+                <a:cs typeface="+mn-cs"/>
+              </a:endParaRPr>
+            </a:p>
+          </p:txBody>
+        </p:sp>
+        <p:sp>
+          <p:nvSpPr>
+            <p:cNvPr id="63" name="Cloud 62"/>
+            <p:cNvSpPr/>
+            <p:nvPr/>
+          </p:nvSpPr>
+          <p:spPr>
+            <a:xfrm>
+              <a:off x="8788119" y="3803598"/>
+              <a:ext cx="2000123" cy="829819"/>
+            </a:xfrm>
+            <a:prstGeom prst="cloud">
+              <a:avLst/>
+            </a:prstGeom>
+            <a:solidFill>
+              <a:srgbClr val="4BACC6">
+                <a:lumMod val="40000"/>
+                <a:lumOff val="60000"/>
+              </a:srgbClr>
+            </a:solidFill>
+            <a:ln w="25400" cap="flat" cmpd="sng" algn="ctr">
+              <a:solidFill>
+                <a:sysClr val="windowText" lastClr="000000"/>
+              </a:solidFill>
+              <a:prstDash val="solid"/>
+            </a:ln>
+            <a:effectLst/>
+          </p:spPr>
+          <p:txBody>
+            <a:bodyPr rtlCol="0" anchor="ctr"/>
+            <a:lstStyle/>
+            <a:p>
+              <a:pPr marL="0" marR="0" lvl="0" indent="0" algn="ctr" defTabSz="914400" rtl="0" eaLnBrk="1" fontAlgn="auto" latinLnBrk="0" hangingPunct="1">
+                <a:lnSpc>
+                  <a:spcPct val="100000"/>
+                </a:lnSpc>
+                <a:spcBef>
+                  <a:spcPts val="0"/>
+                </a:spcBef>
+                <a:spcAft>
+                  <a:spcPts val="0"/>
+                </a:spcAft>
+                <a:buClrTx/>
+                <a:buSzTx/>
+                <a:buFontTx/>
+                <a:buNone/>
+                <a:tabLst/>
+                <a:defRPr/>
+              </a:pPr>
+              <a:r>
+                <a:rPr kumimoji="0" lang="en-US" sz="2000" b="1" i="0" u="none" strike="noStrike" kern="0" cap="none" spc="0" normalizeH="0" baseline="0" noProof="0" dirty="0" err="1" smtClean="0">
+                  <a:ln>
+                    <a:noFill/>
+                  </a:ln>
+                  <a:solidFill>
+                    <a:prstClr val="black"/>
+                  </a:solidFill>
+                  <a:effectLst/>
+                  <a:uLnTx/>
+                  <a:uFillTx/>
+                  <a:latin typeface="Calibri"/>
+                  <a:ea typeface="+mn-ea"/>
+                  <a:cs typeface="+mn-cs"/>
+                </a:rPr>
+                <a:t>doDeqSQ</a:t>
+              </a:r>
+              <a:endParaRPr kumimoji="0" lang="en-US" sz="2000" b="1" i="0" u="none" strike="noStrike" kern="0" cap="none" spc="0" normalizeH="0" baseline="0" noProof="0" dirty="0" smtClean="0">
+                <a:ln>
+                  <a:noFill/>
+                </a:ln>
+                <a:solidFill>
+                  <a:prstClr val="black"/>
+                </a:solidFill>
+                <a:effectLst/>
+                <a:uLnTx/>
+                <a:uFillTx/>
+                <a:latin typeface="Calibri"/>
+                <a:ea typeface="+mn-ea"/>
+                <a:cs typeface="+mn-cs"/>
+              </a:endParaRPr>
+            </a:p>
+          </p:txBody>
+        </p:sp>
+        <p:cxnSp>
+          <p:nvCxnSpPr>
+            <p:cNvPr id="65" name="Straight Arrow Connector 64"/>
+            <p:cNvCxnSpPr>
+              <a:stCxn id="60" idx="3"/>
+              <a:endCxn id="62" idx="2"/>
+            </p:cNvCxnSpPr>
+            <p:nvPr/>
+          </p:nvCxnSpPr>
+          <p:spPr>
+            <a:xfrm flipV="1">
+              <a:off x="7137524" y="2931749"/>
+              <a:ext cx="1621857" cy="5012"/>
+            </a:xfrm>
+            <a:prstGeom prst="straightConnector1">
+              <a:avLst/>
+            </a:prstGeom>
+            <a:ln w="12700">
+              <a:solidFill>
+                <a:schemeClr val="tx1"/>
+              </a:solidFill>
+              <a:tailEnd type="triangle"/>
+            </a:ln>
+          </p:spPr>
+          <p:style>
+            <a:lnRef idx="1">
+              <a:schemeClr val="accent1"/>
+            </a:lnRef>
+            <a:fillRef idx="0">
+              <a:schemeClr val="accent1"/>
+            </a:fillRef>
+            <a:effectRef idx="0">
+              <a:schemeClr val="accent1"/>
+            </a:effectRef>
+            <a:fontRef idx="minor">
+              <a:schemeClr val="tx1"/>
+            </a:fontRef>
+          </p:style>
+        </p:cxnSp>
+        <p:cxnSp>
+          <p:nvCxnSpPr>
+            <p:cNvPr id="67" name="Elbow Connector 66"/>
+            <p:cNvCxnSpPr>
+              <a:stCxn id="60" idx="3"/>
+              <a:endCxn id="63" idx="2"/>
+            </p:cNvCxnSpPr>
+            <p:nvPr/>
+          </p:nvCxnSpPr>
+          <p:spPr>
+            <a:xfrm>
+              <a:off x="7137524" y="2936761"/>
+              <a:ext cx="1656799" cy="1281747"/>
+            </a:xfrm>
+            <a:prstGeom prst="bentConnector3">
+              <a:avLst/>
+            </a:prstGeom>
+            <a:ln w="12700">
+              <a:solidFill>
+                <a:schemeClr val="tx1"/>
+              </a:solidFill>
+              <a:tailEnd type="triangle"/>
+            </a:ln>
+          </p:spPr>
+          <p:style>
+            <a:lnRef idx="1">
+              <a:schemeClr val="accent1"/>
+            </a:lnRef>
+            <a:fillRef idx="0">
+              <a:schemeClr val="accent1"/>
+            </a:fillRef>
+            <a:effectRef idx="0">
+              <a:schemeClr val="accent1"/>
+            </a:effectRef>
+            <a:fontRef idx="minor">
+              <a:schemeClr val="tx1"/>
+            </a:fontRef>
+          </p:style>
+        </p:cxnSp>
+        <p:sp>
+          <p:nvSpPr>
+            <p:cNvPr id="68" name="Rectangle 67"/>
+            <p:cNvSpPr/>
+            <p:nvPr/>
+          </p:nvSpPr>
+          <p:spPr>
+            <a:xfrm>
+              <a:off x="1909427" y="6341831"/>
+              <a:ext cx="7428372" cy="368742"/>
+            </a:xfrm>
+            <a:prstGeom prst="rect">
+              <a:avLst/>
+            </a:prstGeom>
+            <a:solidFill>
+              <a:srgbClr val="F79646">
+                <a:lumMod val="40000"/>
+                <a:lumOff val="60000"/>
+              </a:srgbClr>
+            </a:solidFill>
+            <a:ln w="25400" cap="flat" cmpd="sng" algn="ctr">
+              <a:solidFill>
+                <a:sysClr val="windowText" lastClr="000000"/>
+              </a:solidFill>
+              <a:prstDash val="solid"/>
+            </a:ln>
+            <a:effectLst/>
+          </p:spPr>
+          <p:txBody>
+            <a:bodyPr rtlCol="0" anchor="ctr"/>
+            <a:lstStyle/>
+            <a:p>
+              <a:pPr marL="0" marR="0" lvl="0" indent="0" algn="ctr" defTabSz="914400" rtl="0" eaLnBrk="1" fontAlgn="auto" latinLnBrk="0" hangingPunct="1">
+                <a:lnSpc>
+                  <a:spcPct val="100000"/>
+                </a:lnSpc>
+                <a:spcBef>
+                  <a:spcPts val="0"/>
+                </a:spcBef>
+                <a:spcAft>
+                  <a:spcPts val="0"/>
+                </a:spcAft>
+                <a:buClrTx/>
+                <a:buSzTx/>
+                <a:buFontTx/>
+                <a:buNone/>
+                <a:tabLst/>
+                <a:defRPr/>
+              </a:pPr>
+              <a:r>
+                <a:rPr kumimoji="0" lang="en-US" sz="2000" b="1" i="0" u="none" strike="noStrike" kern="0" cap="none" spc="0" normalizeH="0" baseline="0" noProof="0" dirty="0" smtClean="0">
+                  <a:ln>
+                    <a:noFill/>
+                  </a:ln>
+                  <a:solidFill>
+                    <a:prstClr val="black"/>
+                  </a:solidFill>
+                  <a:effectLst/>
+                  <a:uLnTx/>
+                  <a:uFillTx/>
+                  <a:latin typeface="Calibri"/>
+                  <a:ea typeface="+mn-ea"/>
+                  <a:cs typeface="+mn-cs"/>
+                </a:rPr>
+                <a:t>L1 D$</a:t>
+              </a:r>
+              <a:endParaRPr kumimoji="0" lang="en-US" sz="2000" b="1" i="0" u="none" strike="noStrike" kern="0" cap="none" spc="0" normalizeH="0" baseline="0" noProof="0" dirty="0" smtClean="0">
+                <a:ln>
+                  <a:noFill/>
+                </a:ln>
+                <a:solidFill>
+                  <a:prstClr val="black"/>
+                </a:solidFill>
+                <a:effectLst/>
+                <a:uLnTx/>
+                <a:uFillTx/>
+                <a:latin typeface="Calibri"/>
+                <a:ea typeface="+mn-ea"/>
+                <a:cs typeface="+mn-cs"/>
+              </a:endParaRPr>
+            </a:p>
+          </p:txBody>
+        </p:sp>
+        <p:sp>
+          <p:nvSpPr>
+            <p:cNvPr id="69" name="Cloud 68"/>
+            <p:cNvSpPr/>
+            <p:nvPr/>
+          </p:nvSpPr>
+          <p:spPr>
+            <a:xfrm>
+              <a:off x="1644528" y="3910169"/>
+              <a:ext cx="1898648" cy="829819"/>
+            </a:xfrm>
+            <a:prstGeom prst="cloud">
+              <a:avLst/>
+            </a:prstGeom>
+            <a:solidFill>
+              <a:srgbClr val="4BACC6">
+                <a:lumMod val="40000"/>
+                <a:lumOff val="60000"/>
+              </a:srgbClr>
+            </a:solidFill>
+            <a:ln w="25400" cap="flat" cmpd="sng" algn="ctr">
+              <a:solidFill>
+                <a:sysClr val="windowText" lastClr="000000"/>
+              </a:solidFill>
+              <a:prstDash val="solid"/>
+            </a:ln>
+            <a:effectLst/>
+          </p:spPr>
+          <p:txBody>
+            <a:bodyPr rtlCol="0" anchor="ctr"/>
+            <a:lstStyle/>
+            <a:p>
+              <a:pPr marL="0" marR="0" lvl="0" indent="0" algn="ctr" defTabSz="914400" rtl="0" eaLnBrk="1" fontAlgn="auto" latinLnBrk="0" hangingPunct="1">
+                <a:lnSpc>
+                  <a:spcPct val="100000"/>
+                </a:lnSpc>
+                <a:spcBef>
+                  <a:spcPts val="0"/>
+                </a:spcBef>
+                <a:spcAft>
+                  <a:spcPts val="0"/>
+                </a:spcAft>
+                <a:buClrTx/>
+                <a:buSzTx/>
+                <a:buFontTx/>
+                <a:buNone/>
+                <a:tabLst/>
+                <a:defRPr/>
+              </a:pPr>
+              <a:r>
+                <a:rPr kumimoji="0" lang="en-US" sz="2000" b="1" i="0" u="none" strike="noStrike" kern="0" cap="none" spc="0" normalizeH="0" baseline="0" noProof="0" dirty="0" err="1" smtClean="0">
+                  <a:ln>
+                    <a:noFill/>
+                  </a:ln>
+                  <a:solidFill>
+                    <a:prstClr val="black"/>
+                  </a:solidFill>
+                  <a:effectLst/>
+                  <a:uLnTx/>
+                  <a:uFillTx/>
+                  <a:latin typeface="Calibri"/>
+                  <a:ea typeface="+mn-ea"/>
+                  <a:cs typeface="+mn-cs"/>
+                </a:rPr>
+                <a:t>doRespLd</a:t>
+              </a:r>
+              <a:endParaRPr kumimoji="0" lang="en-US" sz="2000" b="1" i="0" u="none" strike="noStrike" kern="0" cap="none" spc="0" normalizeH="0" baseline="0" noProof="0" dirty="0" smtClean="0">
+                <a:ln>
+                  <a:noFill/>
+                </a:ln>
+                <a:solidFill>
+                  <a:prstClr val="black"/>
+                </a:solidFill>
+                <a:effectLst/>
+                <a:uLnTx/>
+                <a:uFillTx/>
+                <a:latin typeface="Calibri"/>
+                <a:ea typeface="+mn-ea"/>
+                <a:cs typeface="+mn-cs"/>
+              </a:endParaRPr>
+            </a:p>
+          </p:txBody>
+        </p:sp>
+        <p:sp>
+          <p:nvSpPr>
+            <p:cNvPr id="70" name="Cloud 69"/>
+            <p:cNvSpPr/>
+            <p:nvPr/>
+          </p:nvSpPr>
+          <p:spPr>
+            <a:xfrm>
+              <a:off x="4674289" y="3901662"/>
+              <a:ext cx="1898648" cy="829819"/>
+            </a:xfrm>
+            <a:prstGeom prst="cloud">
+              <a:avLst/>
+            </a:prstGeom>
+            <a:solidFill>
+              <a:srgbClr val="4BACC6">
+                <a:lumMod val="40000"/>
+                <a:lumOff val="60000"/>
+              </a:srgbClr>
+            </a:solidFill>
+            <a:ln w="25400" cap="flat" cmpd="sng" algn="ctr">
+              <a:solidFill>
+                <a:sysClr val="windowText" lastClr="000000"/>
+              </a:solidFill>
+              <a:prstDash val="solid"/>
+            </a:ln>
+            <a:effectLst/>
+          </p:spPr>
+          <p:txBody>
+            <a:bodyPr rtlCol="0" anchor="ctr"/>
+            <a:lstStyle/>
+            <a:p>
+              <a:pPr marL="0" marR="0" lvl="0" indent="0" algn="ctr" defTabSz="914400" rtl="0" eaLnBrk="1" fontAlgn="auto" latinLnBrk="0" hangingPunct="1">
+                <a:lnSpc>
+                  <a:spcPct val="100000"/>
+                </a:lnSpc>
+                <a:spcBef>
+                  <a:spcPts val="0"/>
+                </a:spcBef>
+                <a:spcAft>
+                  <a:spcPts val="0"/>
+                </a:spcAft>
+                <a:buClrTx/>
+                <a:buSzTx/>
+                <a:buFontTx/>
+                <a:buNone/>
+                <a:tabLst/>
+                <a:defRPr/>
+              </a:pPr>
+              <a:r>
+                <a:rPr kumimoji="0" lang="en-US" sz="2000" b="1" i="0" u="none" strike="noStrike" kern="0" cap="none" spc="0" normalizeH="0" baseline="0" noProof="0" dirty="0" err="1" smtClean="0">
+                  <a:ln>
+                    <a:noFill/>
+                  </a:ln>
+                  <a:solidFill>
+                    <a:prstClr val="black"/>
+                  </a:solidFill>
+                  <a:effectLst/>
+                  <a:uLnTx/>
+                  <a:uFillTx/>
+                  <a:latin typeface="Calibri"/>
+                  <a:ea typeface="+mn-ea"/>
+                  <a:cs typeface="+mn-cs"/>
+                </a:rPr>
+                <a:t>doIssueLd</a:t>
+              </a:r>
+              <a:endParaRPr kumimoji="0" lang="en-US" sz="2000" b="1" i="0" u="none" strike="noStrike" kern="0" cap="none" spc="0" normalizeH="0" baseline="0" noProof="0" dirty="0" smtClean="0">
+                <a:ln>
+                  <a:noFill/>
+                </a:ln>
+                <a:solidFill>
+                  <a:prstClr val="black"/>
+                </a:solidFill>
+                <a:effectLst/>
+                <a:uLnTx/>
+                <a:uFillTx/>
+                <a:latin typeface="Calibri"/>
+                <a:ea typeface="+mn-ea"/>
+                <a:cs typeface="+mn-cs"/>
+              </a:endParaRPr>
+            </a:p>
+          </p:txBody>
+        </p:sp>
+        <p:cxnSp>
+          <p:nvCxnSpPr>
+            <p:cNvPr id="72" name="Straight Arrow Connector 71"/>
+            <p:cNvCxnSpPr>
+              <a:stCxn id="70" idx="1"/>
+              <a:endCxn id="68" idx="0"/>
+            </p:cNvCxnSpPr>
+            <p:nvPr/>
+          </p:nvCxnSpPr>
+          <p:spPr>
+            <a:xfrm>
+              <a:off x="5623613" y="4730597"/>
+              <a:ext cx="0" cy="1611234"/>
+            </a:xfrm>
+            <a:prstGeom prst="straightConnector1">
+              <a:avLst/>
+            </a:prstGeom>
+            <a:ln w="12700">
+              <a:solidFill>
+                <a:schemeClr val="tx1"/>
+              </a:solidFill>
+              <a:tailEnd type="triangle"/>
+            </a:ln>
+          </p:spPr>
+          <p:style>
+            <a:lnRef idx="1">
+              <a:schemeClr val="accent1"/>
+            </a:lnRef>
+            <a:fillRef idx="0">
+              <a:schemeClr val="accent1"/>
+            </a:fillRef>
+            <a:effectRef idx="0">
+              <a:schemeClr val="accent1"/>
+            </a:effectRef>
+            <a:fontRef idx="minor">
+              <a:schemeClr val="tx1"/>
+            </a:fontRef>
+          </p:style>
+        </p:cxnSp>
+        <p:sp>
+          <p:nvSpPr>
+            <p:cNvPr id="78" name="TextBox 77"/>
+            <p:cNvSpPr txBox="1"/>
+            <p:nvPr/>
+          </p:nvSpPr>
+          <p:spPr>
+            <a:xfrm>
+              <a:off x="5715554" y="3356171"/>
+              <a:ext cx="595228" cy="369332"/>
+            </a:xfrm>
+            <a:prstGeom prst="rect">
+              <a:avLst/>
+            </a:prstGeom>
+            <a:noFill/>
+          </p:spPr>
+          <p:txBody>
+            <a:bodyPr wrap="none" rtlCol="0">
+              <a:spAutoFit/>
+            </a:bodyPr>
+            <a:lstStyle/>
+            <a:p>
+              <a:r>
+                <a:rPr lang="en-US" smtClean="0">
+                  <a:solidFill>
+                    <a:srgbClr val="FF0000"/>
+                  </a:solidFill>
+                </a:rPr>
+                <a:t>wire</a:t>
+              </a:r>
+              <a:endParaRPr lang="en-US" dirty="0">
+                <a:solidFill>
+                  <a:srgbClr val="FF0000"/>
+                </a:solidFill>
+              </a:endParaRPr>
+            </a:p>
+          </p:txBody>
+        </p:sp>
+        <p:grpSp>
+          <p:nvGrpSpPr>
+            <p:cNvPr id="82" name="Group 81"/>
+            <p:cNvGrpSpPr/>
+            <p:nvPr/>
+          </p:nvGrpSpPr>
+          <p:grpSpPr>
+            <a:xfrm flipH="1">
+              <a:off x="3985442" y="4149914"/>
+              <a:ext cx="230601" cy="331199"/>
+              <a:chOff x="5540558" y="1752600"/>
+              <a:chExt cx="230601" cy="331199"/>
+            </a:xfrm>
+          </p:grpSpPr>
+          <p:sp>
+            <p:nvSpPr>
+              <p:cNvPr id="83" name="Rectangle 82"/>
+              <p:cNvSpPr/>
+              <p:nvPr/>
+            </p:nvSpPr>
+            <p:spPr>
+              <a:xfrm>
+                <a:off x="5641313" y="1752600"/>
+                <a:ext cx="129846" cy="331199"/>
+              </a:xfrm>
+              <a:prstGeom prst="rect">
+                <a:avLst/>
+              </a:prstGeom>
+              <a:solidFill>
+                <a:srgbClr val="F79646">
+                  <a:lumMod val="40000"/>
+                  <a:lumOff val="60000"/>
+                </a:srgbClr>
+              </a:solidFill>
+              <a:ln w="19050" cap="flat" cmpd="sng" algn="ctr">
+                <a:solidFill>
+                  <a:sysClr val="windowText" lastClr="000000"/>
+                </a:solidFill>
+                <a:prstDash val="solid"/>
+              </a:ln>
+              <a:effectLst/>
+            </p:spPr>
+            <p:txBody>
+              <a:bodyPr rtlCol="0" anchor="ctr"/>
+              <a:lstStyle/>
+              <a:p>
+                <a:pPr marL="0" marR="0" lvl="0" indent="0" algn="ctr" defTabSz="914400" rtl="0" eaLnBrk="1" fontAlgn="auto" latinLnBrk="0" hangingPunct="1">
+                  <a:lnSpc>
+                    <a:spcPct val="100000"/>
+                  </a:lnSpc>
+                  <a:spcBef>
+                    <a:spcPts val="0"/>
+                  </a:spcBef>
+                  <a:spcAft>
+                    <a:spcPts val="0"/>
+                  </a:spcAft>
+                  <a:buClrTx/>
+                  <a:buSzTx/>
+                  <a:buFontTx/>
+                  <a:buNone/>
+                  <a:tabLst/>
+                  <a:defRPr/>
+                </a:pPr>
+                <a:endParaRPr kumimoji="0" lang="en-US" sz="2000" b="1" i="0" u="none" strike="noStrike" kern="0" cap="none" spc="0" normalizeH="0" baseline="0" noProof="0" dirty="0" smtClean="0">
+                  <a:ln>
+                    <a:noFill/>
+                  </a:ln>
+                  <a:solidFill>
+                    <a:prstClr val="black"/>
+                  </a:solidFill>
+                  <a:effectLst/>
+                  <a:uLnTx/>
+                  <a:uFillTx/>
+                  <a:latin typeface="Calibri"/>
+                  <a:ea typeface="+mn-ea"/>
+                  <a:cs typeface="+mn-cs"/>
+                </a:endParaRPr>
+              </a:p>
+            </p:txBody>
+          </p:sp>
+          <p:cxnSp>
+            <p:nvCxnSpPr>
+              <p:cNvPr id="84" name="Straight Connector 83"/>
+              <p:cNvCxnSpPr>
+                <a:stCxn id="83" idx="0"/>
+              </p:cNvCxnSpPr>
+              <p:nvPr/>
+            </p:nvCxnSpPr>
+            <p:spPr>
+              <a:xfrm flipH="1">
+                <a:off x="5540558" y="1752600"/>
+                <a:ext cx="165678" cy="0"/>
+              </a:xfrm>
+              <a:prstGeom prst="line">
+                <a:avLst/>
+              </a:prstGeom>
+              <a:ln w="19050">
+                <a:solidFill>
+                  <a:schemeClr val="tx1"/>
+                </a:solidFill>
+              </a:ln>
+            </p:spPr>
+            <p:style>
+              <a:lnRef idx="1">
+                <a:schemeClr val="accent1"/>
+              </a:lnRef>
+              <a:fillRef idx="0">
+                <a:schemeClr val="accent1"/>
+              </a:fillRef>
+              <a:effectRef idx="0">
+                <a:schemeClr val="accent1"/>
+              </a:effectRef>
+              <a:fontRef idx="minor">
+                <a:schemeClr val="tx1"/>
+              </a:fontRef>
+            </p:style>
+          </p:cxnSp>
+          <p:cxnSp>
+            <p:nvCxnSpPr>
+              <p:cNvPr id="85" name="Straight Connector 84"/>
+              <p:cNvCxnSpPr>
+                <a:stCxn id="83" idx="2"/>
+              </p:cNvCxnSpPr>
+              <p:nvPr/>
+            </p:nvCxnSpPr>
+            <p:spPr>
+              <a:xfrm flipH="1">
+                <a:off x="5541801" y="2083799"/>
+                <a:ext cx="164435" cy="0"/>
+              </a:xfrm>
+              <a:prstGeom prst="line">
+                <a:avLst/>
+              </a:prstGeom>
+              <a:ln w="19050">
+                <a:solidFill>
+                  <a:schemeClr val="tx1"/>
+                </a:solidFill>
+              </a:ln>
+            </p:spPr>
+            <p:style>
+              <a:lnRef idx="1">
+                <a:schemeClr val="accent1"/>
+              </a:lnRef>
+              <a:fillRef idx="0">
+                <a:schemeClr val="accent1"/>
+              </a:fillRef>
+              <a:effectRef idx="0">
+                <a:schemeClr val="accent1"/>
+              </a:effectRef>
+              <a:fontRef idx="minor">
+                <a:schemeClr val="tx1"/>
+              </a:fontRef>
+            </p:style>
+          </p:cxnSp>
+        </p:grpSp>
+        <p:cxnSp>
+          <p:nvCxnSpPr>
+            <p:cNvPr id="86" name="Straight Arrow Connector 85"/>
+            <p:cNvCxnSpPr>
+              <a:stCxn id="70" idx="2"/>
+              <a:endCxn id="83" idx="1"/>
+            </p:cNvCxnSpPr>
+            <p:nvPr/>
+          </p:nvCxnSpPr>
+          <p:spPr>
+            <a:xfrm flipH="1" flipV="1">
+              <a:off x="4115288" y="4315514"/>
+              <a:ext cx="564890" cy="1058"/>
+            </a:xfrm>
+            <a:prstGeom prst="straightConnector1">
+              <a:avLst/>
+            </a:prstGeom>
+            <a:noFill/>
+            <a:ln w="12700" cap="flat" cmpd="sng" algn="ctr">
+              <a:solidFill>
+                <a:sysClr val="windowText" lastClr="000000"/>
+              </a:solidFill>
+              <a:prstDash val="solid"/>
+              <a:tailEnd type="triangle"/>
+            </a:ln>
+            <a:effectLst/>
+          </p:spPr>
+        </p:cxnSp>
+        <p:cxnSp>
+          <p:nvCxnSpPr>
+            <p:cNvPr id="89" name="Straight Arrow Connector 88"/>
+            <p:cNvCxnSpPr>
+              <a:stCxn id="83" idx="3"/>
+              <a:endCxn id="69" idx="0"/>
+            </p:cNvCxnSpPr>
+            <p:nvPr/>
+          </p:nvCxnSpPr>
+          <p:spPr>
+            <a:xfrm flipH="1">
+              <a:off x="3541594" y="4315514"/>
+              <a:ext cx="443848" cy="9565"/>
+            </a:xfrm>
+            <a:prstGeom prst="straightConnector1">
+              <a:avLst/>
+            </a:prstGeom>
+            <a:noFill/>
+            <a:ln w="12700" cap="flat" cmpd="sng" algn="ctr">
+              <a:solidFill>
+                <a:sysClr val="windowText" lastClr="000000"/>
+              </a:solidFill>
+              <a:prstDash val="solid"/>
+              <a:tailEnd type="triangle"/>
+            </a:ln>
+            <a:effectLst/>
+          </p:spPr>
+        </p:cxnSp>
+        <p:cxnSp>
+          <p:nvCxnSpPr>
+            <p:cNvPr id="96" name="Straight Arrow Connector 95"/>
+            <p:cNvCxnSpPr/>
+            <p:nvPr/>
+          </p:nvCxnSpPr>
+          <p:spPr>
+            <a:xfrm>
+              <a:off x="5143605" y="3121132"/>
+              <a:ext cx="7362" cy="867306"/>
+            </a:xfrm>
+            <a:prstGeom prst="straightConnector1">
+              <a:avLst/>
+            </a:prstGeom>
+            <a:ln w="12700">
+              <a:solidFill>
+                <a:schemeClr val="tx1"/>
+              </a:solidFill>
+              <a:headEnd type="triangle" w="med" len="med"/>
+              <a:tailEnd type="triangle" w="med" len="med"/>
+            </a:ln>
+          </p:spPr>
+          <p:style>
+            <a:lnRef idx="1">
+              <a:schemeClr val="accent1"/>
+            </a:lnRef>
+            <a:fillRef idx="0">
+              <a:schemeClr val="accent1"/>
+            </a:fillRef>
+            <a:effectRef idx="0">
+              <a:schemeClr val="accent1"/>
+            </a:effectRef>
+            <a:fontRef idx="minor">
+              <a:schemeClr val="tx1"/>
+            </a:fontRef>
+          </p:style>
+        </p:cxnSp>
+        <p:sp>
+          <p:nvSpPr>
+            <p:cNvPr id="105" name="Freeform 104"/>
+            <p:cNvSpPr/>
+            <p:nvPr/>
+          </p:nvSpPr>
+          <p:spPr>
+            <a:xfrm>
+              <a:off x="6244571" y="1649595"/>
+              <a:ext cx="4043578" cy="2260573"/>
+            </a:xfrm>
+            <a:custGeom>
+              <a:avLst/>
+              <a:gdLst>
+                <a:gd name="connsiteX0" fmla="*/ 4043578 w 4043578"/>
+                <a:gd name="connsiteY0" fmla="*/ 0 h 2214778"/>
+                <a:gd name="connsiteX1" fmla="*/ 4043578 w 4043578"/>
+                <a:gd name="connsiteY1" fmla="*/ 427333 h 2214778"/>
+                <a:gd name="connsiteX2" fmla="*/ 0 w 4043578"/>
+                <a:gd name="connsiteY2" fmla="*/ 427333 h 2214778"/>
+                <a:gd name="connsiteX3" fmla="*/ 0 w 4043578"/>
+                <a:gd name="connsiteY3" fmla="*/ 2214778 h 2214778"/>
+              </a:gdLst>
+              <a:ahLst/>
+              <a:cxnLst>
+                <a:cxn ang="0">
+                  <a:pos x="connsiteX0" y="connsiteY0"/>
+                </a:cxn>
+                <a:cxn ang="0">
+                  <a:pos x="connsiteX1" y="connsiteY1"/>
+                </a:cxn>
+                <a:cxn ang="0">
+                  <a:pos x="connsiteX2" y="connsiteY2"/>
+                </a:cxn>
+                <a:cxn ang="0">
+                  <a:pos x="connsiteX3" y="connsiteY3"/>
+                </a:cxn>
+              </a:cxnLst>
+              <a:rect l="l" t="t" r="r" b="b"/>
+              <a:pathLst>
+                <a:path w="4043578" h="2214778">
+                  <a:moveTo>
+                    <a:pt x="4043578" y="0"/>
+                  </a:moveTo>
+                  <a:lnTo>
+                    <a:pt x="4043578" y="427333"/>
+                  </a:lnTo>
+                  <a:lnTo>
+                    <a:pt x="0" y="427333"/>
+                  </a:lnTo>
+                  <a:lnTo>
+                    <a:pt x="0" y="2214778"/>
+                  </a:lnTo>
+                </a:path>
+              </a:pathLst>
+            </a:custGeom>
+            <a:noFill/>
+            <a:ln>
+              <a:solidFill>
+                <a:schemeClr val="tx1"/>
+              </a:solidFill>
+              <a:headEnd type="none" w="med" len="med"/>
+              <a:tailEnd type="triangle" w="med" len="med"/>
+            </a:ln>
+          </p:spPr>
+          <p:style>
+            <a:lnRef idx="2">
+              <a:schemeClr val="accent1">
+                <a:shade val="50000"/>
+              </a:schemeClr>
+            </a:lnRef>
+            <a:fillRef idx="1">
+              <a:schemeClr val="accent1"/>
+            </a:fillRef>
+            <a:effectRef idx="0">
+              <a:schemeClr val="accent1"/>
+            </a:effectRef>
+            <a:fontRef idx="minor">
+              <a:schemeClr val="lt1"/>
+            </a:fontRef>
+          </p:style>
+          <p:txBody>
+            <a:bodyPr rtlCol="0" anchor="ctr"/>
+            <a:lstStyle/>
+            <a:p>
+              <a:pPr algn="ctr"/>
+              <a:endParaRPr lang="en-US"/>
+            </a:p>
+          </p:txBody>
+        </p:sp>
+        <p:cxnSp>
+          <p:nvCxnSpPr>
+            <p:cNvPr id="106" name="Straight Arrow Connector 105"/>
+            <p:cNvCxnSpPr/>
+            <p:nvPr/>
+          </p:nvCxnSpPr>
+          <p:spPr>
+            <a:xfrm>
+              <a:off x="6244571" y="2516839"/>
+              <a:ext cx="0" cy="235549"/>
+            </a:xfrm>
+            <a:prstGeom prst="straightConnector1">
+              <a:avLst/>
+            </a:prstGeom>
+            <a:noFill/>
+            <a:ln w="12700" cap="flat" cmpd="sng" algn="ctr">
+              <a:solidFill>
+                <a:sysClr val="windowText" lastClr="000000"/>
+              </a:solidFill>
+              <a:prstDash val="solid"/>
+              <a:tailEnd type="triangle"/>
+            </a:ln>
+            <a:effectLst/>
+          </p:spPr>
+        </p:cxnSp>
+        <p:cxnSp>
+          <p:nvCxnSpPr>
+            <p:cNvPr id="110" name="Straight Arrow Connector 109"/>
+            <p:cNvCxnSpPr>
+              <a:endCxn id="69" idx="3"/>
+            </p:cNvCxnSpPr>
+            <p:nvPr/>
+          </p:nvCxnSpPr>
+          <p:spPr>
+            <a:xfrm>
+              <a:off x="2593852" y="3121132"/>
+              <a:ext cx="0" cy="836483"/>
+            </a:xfrm>
+            <a:prstGeom prst="straightConnector1">
+              <a:avLst/>
+            </a:prstGeom>
+            <a:ln w="12700">
+              <a:solidFill>
+                <a:schemeClr val="tx1"/>
+              </a:solidFill>
+              <a:headEnd type="triangle" w="med" len="med"/>
+              <a:tailEnd type="triangle" w="med" len="med"/>
+            </a:ln>
+          </p:spPr>
+          <p:style>
+            <a:lnRef idx="1">
+              <a:schemeClr val="accent1"/>
+            </a:lnRef>
+            <a:fillRef idx="0">
+              <a:schemeClr val="accent1"/>
+            </a:fillRef>
+            <a:effectRef idx="0">
+              <a:schemeClr val="accent1"/>
+            </a:effectRef>
+            <a:fontRef idx="minor">
+              <a:schemeClr val="tx1"/>
+            </a:fontRef>
+          </p:style>
+        </p:cxnSp>
+        <p:sp>
+          <p:nvSpPr>
+            <p:cNvPr id="116" name="Cloud 115"/>
+            <p:cNvSpPr/>
+            <p:nvPr/>
+          </p:nvSpPr>
+          <p:spPr>
+            <a:xfrm>
+              <a:off x="6407195" y="5030605"/>
+              <a:ext cx="2642111" cy="829819"/>
+            </a:xfrm>
+            <a:prstGeom prst="cloud">
+              <a:avLst/>
+            </a:prstGeom>
+            <a:solidFill>
+              <a:srgbClr val="4BACC6">
+                <a:lumMod val="40000"/>
+                <a:lumOff val="60000"/>
+              </a:srgbClr>
+            </a:solidFill>
+            <a:ln w="25400" cap="flat" cmpd="sng" algn="ctr">
+              <a:solidFill>
+                <a:sysClr val="windowText" lastClr="000000"/>
+              </a:solidFill>
+              <a:prstDash val="solid"/>
+            </a:ln>
+            <a:effectLst/>
+          </p:spPr>
+          <p:txBody>
+            <a:bodyPr rtlCol="0" anchor="ctr"/>
+            <a:lstStyle/>
+            <a:p>
+              <a:pPr marL="0" marR="0" lvl="0" indent="0" algn="ctr" defTabSz="914400" rtl="0" eaLnBrk="1" fontAlgn="auto" latinLnBrk="0" hangingPunct="1">
+                <a:lnSpc>
+                  <a:spcPct val="100000"/>
+                </a:lnSpc>
+                <a:spcBef>
+                  <a:spcPts val="0"/>
+                </a:spcBef>
+                <a:spcAft>
+                  <a:spcPts val="0"/>
+                </a:spcAft>
+                <a:buClrTx/>
+                <a:buSzTx/>
+                <a:buFontTx/>
+                <a:buNone/>
+                <a:tabLst/>
+                <a:defRPr/>
+              </a:pPr>
+              <a:r>
+                <a:rPr kumimoji="0" lang="en-US" sz="2000" b="1" i="0" u="none" strike="noStrike" kern="0" cap="none" spc="0" normalizeH="0" baseline="0" noProof="0" dirty="0" err="1" smtClean="0">
+                  <a:ln>
+                    <a:noFill/>
+                  </a:ln>
+                  <a:solidFill>
+                    <a:prstClr val="black"/>
+                  </a:solidFill>
+                  <a:effectLst/>
+                  <a:uLnTx/>
+                  <a:uFillTx/>
+                  <a:latin typeface="Calibri"/>
+                  <a:ea typeface="+mn-ea"/>
+                  <a:cs typeface="+mn-cs"/>
+                </a:rPr>
+                <a:t>sendStToMem</a:t>
+              </a:r>
+              <a:endParaRPr kumimoji="0" lang="en-US" sz="2000" b="1" i="0" u="none" strike="noStrike" kern="0" cap="none" spc="0" normalizeH="0" baseline="0" noProof="0" dirty="0" smtClean="0">
+                <a:ln>
+                  <a:noFill/>
+                </a:ln>
+                <a:solidFill>
+                  <a:prstClr val="black"/>
+                </a:solidFill>
+                <a:effectLst/>
+                <a:uLnTx/>
+                <a:uFillTx/>
+                <a:latin typeface="Calibri"/>
+                <a:ea typeface="+mn-ea"/>
+                <a:cs typeface="+mn-cs"/>
+              </a:endParaRPr>
+            </a:p>
+          </p:txBody>
+        </p:sp>
+        <p:cxnSp>
+          <p:nvCxnSpPr>
+            <p:cNvPr id="120" name="Straight Arrow Connector 119"/>
+            <p:cNvCxnSpPr>
+              <a:stCxn id="116" idx="1"/>
+            </p:cNvCxnSpPr>
+            <p:nvPr/>
+          </p:nvCxnSpPr>
+          <p:spPr>
+            <a:xfrm flipH="1">
+              <a:off x="7728250" y="5859540"/>
+              <a:ext cx="1" cy="455871"/>
+            </a:xfrm>
+            <a:prstGeom prst="straightConnector1">
+              <a:avLst/>
+            </a:prstGeom>
+            <a:ln w="12700">
+              <a:solidFill>
+                <a:schemeClr val="tx1"/>
+              </a:solidFill>
+              <a:tailEnd type="triangle"/>
+            </a:ln>
+          </p:spPr>
+          <p:style>
+            <a:lnRef idx="1">
+              <a:schemeClr val="accent1"/>
+            </a:lnRef>
+            <a:fillRef idx="0">
+              <a:schemeClr val="accent1"/>
+            </a:fillRef>
+            <a:effectRef idx="0">
+              <a:schemeClr val="accent1"/>
+            </a:effectRef>
+            <a:fontRef idx="minor">
+              <a:schemeClr val="tx1"/>
+            </a:fontRef>
+          </p:style>
+        </p:cxnSp>
+        <p:cxnSp>
+          <p:nvCxnSpPr>
+            <p:cNvPr id="125" name="Elbow Connector 124"/>
+            <p:cNvCxnSpPr>
+              <a:stCxn id="68" idx="3"/>
+              <a:endCxn id="61" idx="2"/>
+            </p:cNvCxnSpPr>
+            <p:nvPr/>
+          </p:nvCxnSpPr>
+          <p:spPr>
+            <a:xfrm flipV="1">
+              <a:off x="9337799" y="5806072"/>
+              <a:ext cx="447624" cy="720130"/>
+            </a:xfrm>
+            <a:prstGeom prst="bentConnector2">
+              <a:avLst/>
+            </a:prstGeom>
+            <a:ln w="12700">
+              <a:solidFill>
+                <a:schemeClr val="tx1"/>
+              </a:solidFill>
+              <a:tailEnd type="triangle"/>
+            </a:ln>
+          </p:spPr>
+          <p:style>
+            <a:lnRef idx="1">
+              <a:schemeClr val="accent1"/>
+            </a:lnRef>
+            <a:fillRef idx="0">
+              <a:schemeClr val="accent1"/>
+            </a:fillRef>
+            <a:effectRef idx="0">
+              <a:schemeClr val="accent1"/>
+            </a:effectRef>
+            <a:fontRef idx="minor">
+              <a:schemeClr val="tx1"/>
+            </a:fontRef>
+          </p:style>
+        </p:cxnSp>
+        <p:cxnSp>
+          <p:nvCxnSpPr>
+            <p:cNvPr id="126" name="Straight Arrow Connector 125"/>
+            <p:cNvCxnSpPr>
+              <a:stCxn id="63" idx="1"/>
+              <a:endCxn id="61" idx="0"/>
+            </p:cNvCxnSpPr>
+            <p:nvPr/>
+          </p:nvCxnSpPr>
+          <p:spPr>
+            <a:xfrm flipH="1">
+              <a:off x="9785423" y="4632533"/>
+              <a:ext cx="2758" cy="455871"/>
+            </a:xfrm>
+            <a:prstGeom prst="straightConnector1">
+              <a:avLst/>
+            </a:prstGeom>
+            <a:ln w="12700">
+              <a:solidFill>
+                <a:schemeClr val="tx1"/>
+              </a:solidFill>
+              <a:tailEnd type="triangle"/>
+            </a:ln>
+          </p:spPr>
+          <p:style>
+            <a:lnRef idx="1">
+              <a:schemeClr val="accent1"/>
+            </a:lnRef>
+            <a:fillRef idx="0">
+              <a:schemeClr val="accent1"/>
+            </a:fillRef>
+            <a:effectRef idx="0">
+              <a:schemeClr val="accent1"/>
+            </a:effectRef>
+            <a:fontRef idx="minor">
+              <a:schemeClr val="tx1"/>
+            </a:fontRef>
+          </p:style>
+        </p:cxnSp>
+        <p:cxnSp>
+          <p:nvCxnSpPr>
+            <p:cNvPr id="132" name="Straight Arrow Connector 131"/>
+            <p:cNvCxnSpPr>
+              <a:stCxn id="61" idx="1"/>
+              <a:endCxn id="116" idx="0"/>
+            </p:cNvCxnSpPr>
+            <p:nvPr/>
+          </p:nvCxnSpPr>
+          <p:spPr>
+            <a:xfrm flipH="1" flipV="1">
+              <a:off x="9047104" y="5445515"/>
+              <a:ext cx="261961" cy="1723"/>
+            </a:xfrm>
+            <a:prstGeom prst="straightConnector1">
+              <a:avLst/>
+            </a:prstGeom>
+            <a:ln w="12700">
+              <a:solidFill>
+                <a:schemeClr val="tx1"/>
+              </a:solidFill>
+              <a:tailEnd type="triangle"/>
+            </a:ln>
+          </p:spPr>
+          <p:style>
+            <a:lnRef idx="1">
+              <a:schemeClr val="accent1"/>
+            </a:lnRef>
+            <a:fillRef idx="0">
+              <a:schemeClr val="accent1"/>
+            </a:fillRef>
+            <a:effectRef idx="0">
+              <a:schemeClr val="accent1"/>
+            </a:effectRef>
+            <a:fontRef idx="minor">
+              <a:schemeClr val="tx1"/>
+            </a:fontRef>
+          </p:style>
+        </p:cxnSp>
+        <p:cxnSp>
+          <p:nvCxnSpPr>
+            <p:cNvPr id="135" name="Straight Arrow Connector 134"/>
+            <p:cNvCxnSpPr>
+              <a:stCxn id="141" idx="3"/>
+              <a:endCxn id="69" idx="1"/>
+            </p:cNvCxnSpPr>
+            <p:nvPr/>
+          </p:nvCxnSpPr>
+          <p:spPr>
+            <a:xfrm flipV="1">
+              <a:off x="2593851" y="4739104"/>
+              <a:ext cx="1" cy="667073"/>
+            </a:xfrm>
+            <a:prstGeom prst="straightConnector1">
+              <a:avLst/>
+            </a:prstGeom>
+            <a:ln w="12700">
+              <a:solidFill>
+                <a:schemeClr val="tx1"/>
+              </a:solidFill>
+              <a:tailEnd type="triangle"/>
+            </a:ln>
+          </p:spPr>
+          <p:style>
+            <a:lnRef idx="1">
+              <a:schemeClr val="accent1"/>
+            </a:lnRef>
+            <a:fillRef idx="0">
+              <a:schemeClr val="accent1"/>
+            </a:fillRef>
+            <a:effectRef idx="0">
+              <a:schemeClr val="accent1"/>
+            </a:effectRef>
+            <a:fontRef idx="minor">
+              <a:schemeClr val="tx1"/>
+            </a:fontRef>
+          </p:style>
+        </p:cxnSp>
+        <p:grpSp>
+          <p:nvGrpSpPr>
+            <p:cNvPr id="140" name="Group 139"/>
+            <p:cNvGrpSpPr/>
+            <p:nvPr/>
+          </p:nvGrpSpPr>
+          <p:grpSpPr>
+            <a:xfrm rot="5400000" flipH="1">
+              <a:off x="2478551" y="5355877"/>
+              <a:ext cx="230601" cy="331199"/>
+              <a:chOff x="5540558" y="1752600"/>
+              <a:chExt cx="230601" cy="331199"/>
+            </a:xfrm>
+          </p:grpSpPr>
+          <p:sp>
+            <p:nvSpPr>
+              <p:cNvPr id="141" name="Rectangle 140"/>
+              <p:cNvSpPr/>
+              <p:nvPr/>
+            </p:nvSpPr>
+            <p:spPr>
+              <a:xfrm>
+                <a:off x="5641313" y="1752600"/>
+                <a:ext cx="129846" cy="331199"/>
+              </a:xfrm>
+              <a:prstGeom prst="rect">
+                <a:avLst/>
+              </a:prstGeom>
+              <a:solidFill>
+                <a:srgbClr val="F79646">
+                  <a:lumMod val="40000"/>
+                  <a:lumOff val="60000"/>
+                </a:srgbClr>
+              </a:solidFill>
+              <a:ln w="19050" cap="flat" cmpd="sng" algn="ctr">
+                <a:solidFill>
+                  <a:sysClr val="windowText" lastClr="000000"/>
+                </a:solidFill>
+                <a:prstDash val="solid"/>
+              </a:ln>
+              <a:effectLst/>
+            </p:spPr>
+            <p:txBody>
+              <a:bodyPr rtlCol="0" anchor="ctr"/>
+              <a:lstStyle/>
+              <a:p>
+                <a:pPr marL="0" marR="0" lvl="0" indent="0" algn="ctr" defTabSz="914400" rtl="0" eaLnBrk="1" fontAlgn="auto" latinLnBrk="0" hangingPunct="1">
+                  <a:lnSpc>
+                    <a:spcPct val="100000"/>
+                  </a:lnSpc>
+                  <a:spcBef>
+                    <a:spcPts val="0"/>
+                  </a:spcBef>
+                  <a:spcAft>
+                    <a:spcPts val="0"/>
+                  </a:spcAft>
+                  <a:buClrTx/>
+                  <a:buSzTx/>
+                  <a:buFontTx/>
+                  <a:buNone/>
+                  <a:tabLst/>
+                  <a:defRPr/>
+                </a:pPr>
+                <a:endParaRPr kumimoji="0" lang="en-US" sz="2000" b="1" i="0" u="none" strike="noStrike" kern="0" cap="none" spc="0" normalizeH="0" baseline="0" noProof="0" dirty="0" smtClean="0">
+                  <a:ln>
+                    <a:noFill/>
+                  </a:ln>
+                  <a:solidFill>
+                    <a:prstClr val="black"/>
+                  </a:solidFill>
+                  <a:effectLst/>
+                  <a:uLnTx/>
+                  <a:uFillTx/>
+                  <a:latin typeface="Calibri"/>
+                  <a:ea typeface="+mn-ea"/>
+                  <a:cs typeface="+mn-cs"/>
+                </a:endParaRPr>
+              </a:p>
+            </p:txBody>
+          </p:sp>
+          <p:cxnSp>
+            <p:nvCxnSpPr>
+              <p:cNvPr id="142" name="Straight Connector 141"/>
+              <p:cNvCxnSpPr>
+                <a:stCxn id="141" idx="0"/>
+              </p:cNvCxnSpPr>
+              <p:nvPr/>
+            </p:nvCxnSpPr>
+            <p:spPr>
+              <a:xfrm flipH="1">
+                <a:off x="5540558" y="1752600"/>
+                <a:ext cx="165678" cy="0"/>
+              </a:xfrm>
+              <a:prstGeom prst="line">
+                <a:avLst/>
+              </a:prstGeom>
+              <a:ln w="19050">
+                <a:solidFill>
+                  <a:schemeClr val="tx1"/>
+                </a:solidFill>
+              </a:ln>
+            </p:spPr>
+            <p:style>
+              <a:lnRef idx="1">
+                <a:schemeClr val="accent1"/>
+              </a:lnRef>
+              <a:fillRef idx="0">
+                <a:schemeClr val="accent1"/>
+              </a:fillRef>
+              <a:effectRef idx="0">
+                <a:schemeClr val="accent1"/>
+              </a:effectRef>
+              <a:fontRef idx="minor">
+                <a:schemeClr val="tx1"/>
+              </a:fontRef>
+            </p:style>
+          </p:cxnSp>
+          <p:cxnSp>
+            <p:nvCxnSpPr>
+              <p:cNvPr id="143" name="Straight Connector 142"/>
+              <p:cNvCxnSpPr>
+                <a:stCxn id="141" idx="2"/>
+              </p:cNvCxnSpPr>
+              <p:nvPr/>
+            </p:nvCxnSpPr>
+            <p:spPr>
+              <a:xfrm flipH="1">
+                <a:off x="5541801" y="2083799"/>
+                <a:ext cx="164435" cy="0"/>
+              </a:xfrm>
+              <a:prstGeom prst="line">
+                <a:avLst/>
+              </a:prstGeom>
+              <a:ln w="19050">
+                <a:solidFill>
+                  <a:schemeClr val="tx1"/>
+                </a:solidFill>
+              </a:ln>
+            </p:spPr>
+            <p:style>
+              <a:lnRef idx="1">
+                <a:schemeClr val="accent1"/>
+              </a:lnRef>
+              <a:fillRef idx="0">
+                <a:schemeClr val="accent1"/>
+              </a:fillRef>
+              <a:effectRef idx="0">
+                <a:schemeClr val="accent1"/>
+              </a:effectRef>
+              <a:fontRef idx="minor">
+                <a:schemeClr val="tx1"/>
+              </a:fontRef>
+            </p:style>
+          </p:cxnSp>
+        </p:grpSp>
+        <p:cxnSp>
+          <p:nvCxnSpPr>
+            <p:cNvPr id="145" name="Straight Arrow Connector 144"/>
+            <p:cNvCxnSpPr>
+              <a:endCxn id="141" idx="1"/>
+            </p:cNvCxnSpPr>
+            <p:nvPr/>
+          </p:nvCxnSpPr>
+          <p:spPr>
+            <a:xfrm flipV="1">
+              <a:off x="2593851" y="5536023"/>
+              <a:ext cx="0" cy="805808"/>
+            </a:xfrm>
+            <a:prstGeom prst="straightConnector1">
+              <a:avLst/>
+            </a:prstGeom>
+            <a:noFill/>
+            <a:ln w="12700" cap="flat" cmpd="sng" algn="ctr">
+              <a:solidFill>
+                <a:sysClr val="windowText" lastClr="000000"/>
+              </a:solidFill>
+              <a:prstDash val="solid"/>
+              <a:tailEnd type="triangle"/>
+            </a:ln>
+            <a:effectLst/>
+          </p:spPr>
+        </p:cxnSp>
+        <p:sp>
+          <p:nvSpPr>
+            <p:cNvPr id="150" name="Freeform 149"/>
+            <p:cNvSpPr/>
+            <p:nvPr/>
+          </p:nvSpPr>
+          <p:spPr>
+            <a:xfrm>
+              <a:off x="1419830" y="1585266"/>
+              <a:ext cx="1171737" cy="4220806"/>
+            </a:xfrm>
+            <a:custGeom>
+              <a:avLst/>
+              <a:gdLst>
+                <a:gd name="connsiteX0" fmla="*/ 1410657 w 1410657"/>
+                <a:gd name="connsiteY0" fmla="*/ 4342252 h 4342252"/>
+                <a:gd name="connsiteX1" fmla="*/ 0 w 1410657"/>
+                <a:gd name="connsiteY1" fmla="*/ 4342252 h 4342252"/>
+                <a:gd name="connsiteX2" fmla="*/ 0 w 1410657"/>
+                <a:gd name="connsiteY2" fmla="*/ 0 h 4342252"/>
+              </a:gdLst>
+              <a:ahLst/>
+              <a:cxnLst>
+                <a:cxn ang="0">
+                  <a:pos x="connsiteX0" y="connsiteY0"/>
+                </a:cxn>
+                <a:cxn ang="0">
+                  <a:pos x="connsiteX1" y="connsiteY1"/>
+                </a:cxn>
+                <a:cxn ang="0">
+                  <a:pos x="connsiteX2" y="connsiteY2"/>
+                </a:cxn>
+              </a:cxnLst>
+              <a:rect l="l" t="t" r="r" b="b"/>
+              <a:pathLst>
+                <a:path w="1410657" h="4342252">
+                  <a:moveTo>
+                    <a:pt x="1410657" y="4342252"/>
+                  </a:moveTo>
+                  <a:lnTo>
+                    <a:pt x="0" y="4342252"/>
+                  </a:lnTo>
+                  <a:lnTo>
+                    <a:pt x="0" y="0"/>
+                  </a:lnTo>
+                </a:path>
+              </a:pathLst>
+            </a:custGeom>
+            <a:noFill/>
+            <a:ln>
+              <a:solidFill>
+                <a:schemeClr val="tx1"/>
+              </a:solidFill>
+              <a:headEnd type="none" w="med" len="med"/>
+              <a:tailEnd type="triangle" w="med" len="med"/>
+            </a:ln>
+          </p:spPr>
+          <p:style>
+            <a:lnRef idx="2">
+              <a:schemeClr val="accent1">
+                <a:shade val="50000"/>
+              </a:schemeClr>
+            </a:lnRef>
+            <a:fillRef idx="1">
+              <a:schemeClr val="accent1"/>
+            </a:fillRef>
+            <a:effectRef idx="0">
+              <a:schemeClr val="accent1"/>
+            </a:effectRef>
+            <a:fontRef idx="minor">
+              <a:schemeClr val="lt1"/>
+            </a:fontRef>
+          </p:style>
+          <p:txBody>
+            <a:bodyPr rtlCol="0" anchor="ctr"/>
+            <a:lstStyle/>
+            <a:p>
+              <a:pPr algn="ctr"/>
+              <a:endParaRPr lang="en-US"/>
+            </a:p>
+          </p:txBody>
+        </p:sp>
+        <p:sp>
+          <p:nvSpPr>
+            <p:cNvPr id="151" name="TextBox 150"/>
+            <p:cNvSpPr txBox="1"/>
+            <p:nvPr/>
+          </p:nvSpPr>
+          <p:spPr>
+            <a:xfrm>
+              <a:off x="461550" y="5221510"/>
+              <a:ext cx="1001172" cy="369332"/>
+            </a:xfrm>
+            <a:prstGeom prst="rect">
+              <a:avLst/>
+            </a:prstGeom>
+            <a:noFill/>
+          </p:spPr>
+          <p:txBody>
+            <a:bodyPr wrap="none" rtlCol="0">
+              <a:spAutoFit/>
+            </a:bodyPr>
+            <a:lstStyle/>
+            <a:p>
+              <a:r>
+                <a:rPr lang="en-US" dirty="0" smtClean="0"/>
+                <a:t>Wake up</a:t>
+              </a:r>
+              <a:endParaRPr lang="en-US" dirty="0"/>
+            </a:p>
+          </p:txBody>
+        </p:sp>
+        <p:sp>
+          <p:nvSpPr>
+            <p:cNvPr id="152" name="TextBox 151"/>
+            <p:cNvSpPr txBox="1"/>
+            <p:nvPr/>
+          </p:nvSpPr>
+          <p:spPr>
+            <a:xfrm>
+              <a:off x="9772238" y="6024778"/>
+              <a:ext cx="1018227" cy="369332"/>
+            </a:xfrm>
+            <a:prstGeom prst="rect">
+              <a:avLst/>
+            </a:prstGeom>
+            <a:noFill/>
+          </p:spPr>
+          <p:txBody>
+            <a:bodyPr wrap="none" rtlCol="0">
+              <a:spAutoFit/>
+            </a:bodyPr>
+            <a:lstStyle/>
+            <a:p>
+              <a:r>
+                <a:rPr lang="en-US" dirty="0" err="1" smtClean="0"/>
+                <a:t>dequeue</a:t>
+              </a:r>
+              <a:endParaRPr lang="en-US" dirty="0"/>
+            </a:p>
+          </p:txBody>
+        </p:sp>
+        <p:sp>
+          <p:nvSpPr>
+            <p:cNvPr id="153" name="Freeform 152"/>
+            <p:cNvSpPr/>
+            <p:nvPr/>
+          </p:nvSpPr>
+          <p:spPr>
+            <a:xfrm>
+              <a:off x="512481" y="1585266"/>
+              <a:ext cx="3889506" cy="4421132"/>
+            </a:xfrm>
+            <a:custGeom>
+              <a:avLst/>
+              <a:gdLst>
+                <a:gd name="connsiteX0" fmla="*/ 3505966 w 3505966"/>
+                <a:gd name="connsiteY0" fmla="*/ 2715630 h 4383606"/>
+                <a:gd name="connsiteX1" fmla="*/ 3505966 w 3505966"/>
+                <a:gd name="connsiteY1" fmla="*/ 4383606 h 4383606"/>
+                <a:gd name="connsiteX2" fmla="*/ 0 w 3505966"/>
+                <a:gd name="connsiteY2" fmla="*/ 4383606 h 4383606"/>
+                <a:gd name="connsiteX3" fmla="*/ 0 w 3505966"/>
+                <a:gd name="connsiteY3" fmla="*/ 0 h 4383606"/>
+              </a:gdLst>
+              <a:ahLst/>
+              <a:cxnLst>
+                <a:cxn ang="0">
+                  <a:pos x="connsiteX0" y="connsiteY0"/>
+                </a:cxn>
+                <a:cxn ang="0">
+                  <a:pos x="connsiteX1" y="connsiteY1"/>
+                </a:cxn>
+                <a:cxn ang="0">
+                  <a:pos x="connsiteX2" y="connsiteY2"/>
+                </a:cxn>
+                <a:cxn ang="0">
+                  <a:pos x="connsiteX3" y="connsiteY3"/>
+                </a:cxn>
+              </a:cxnLst>
+              <a:rect l="l" t="t" r="r" b="b"/>
+              <a:pathLst>
+                <a:path w="3505966" h="4383606">
+                  <a:moveTo>
+                    <a:pt x="3505966" y="2715630"/>
+                  </a:moveTo>
+                  <a:lnTo>
+                    <a:pt x="3505966" y="4383606"/>
+                  </a:lnTo>
+                  <a:lnTo>
+                    <a:pt x="0" y="4383606"/>
+                  </a:lnTo>
+                  <a:lnTo>
+                    <a:pt x="0" y="0"/>
+                  </a:lnTo>
+                </a:path>
+              </a:pathLst>
+            </a:custGeom>
+            <a:noFill/>
+            <a:ln>
+              <a:solidFill>
+                <a:schemeClr val="tx1"/>
+              </a:solidFill>
+              <a:headEnd type="none" w="med" len="med"/>
+              <a:tailEnd type="triangle" w="med" len="med"/>
+            </a:ln>
+          </p:spPr>
+          <p:style>
+            <a:lnRef idx="2">
+              <a:schemeClr val="accent1">
+                <a:shade val="50000"/>
+              </a:schemeClr>
+            </a:lnRef>
+            <a:fillRef idx="1">
+              <a:schemeClr val="accent1"/>
+            </a:fillRef>
+            <a:effectRef idx="0">
+              <a:schemeClr val="accent1"/>
+            </a:effectRef>
+            <a:fontRef idx="minor">
+              <a:schemeClr val="lt1"/>
+            </a:fontRef>
+          </p:style>
+          <p:txBody>
+            <a:bodyPr rtlCol="0" anchor="ctr"/>
+            <a:lstStyle/>
+            <a:p>
+              <a:pPr algn="ctr"/>
+              <a:endParaRPr lang="en-US"/>
+            </a:p>
+          </p:txBody>
+        </p:sp>
+      </p:grpSp>
+    </p:spTree>
+    <p:extLst>
+      <p:ext uri="{BB962C8B-B14F-4D97-AF65-F5344CB8AC3E}">
+        <p14:creationId xmlns:p14="http://schemas.microsoft.com/office/powerpoint/2010/main" val="2779059493"/>
+      </p:ext>
+    </p:extLst>
+  </p:cSld>
+  <p:clrMapOvr>
+    <a:masterClrMapping/>
+  </p:clrMapOvr>
 </p:sld>
 </file>
 
@@ -23095,7 +26075,7 @@
               <a:r>
                 <a:rPr lang="en-US" sz="2000" kern="0" dirty="0" smtClean="0">
                   <a:solidFill>
-                    <a:prstClr val="black"/>
+                    <a:srgbClr val="FF0000"/>
                   </a:solidFill>
                   <a:latin typeface="Calibri"/>
                 </a:rPr>
@@ -23103,7 +26083,7 @@
               </a:r>
               <a:endParaRPr lang="en-US" sz="2000" kern="0" dirty="0">
                 <a:solidFill>
-                  <a:prstClr val="black"/>
+                  <a:srgbClr val="FF0000"/>
                 </a:solidFill>
                 <a:latin typeface="Calibri"/>
               </a:endParaRPr>
@@ -23138,7 +26118,7 @@
               <a:r>
                 <a:rPr lang="en-US" sz="2000" kern="0" dirty="0" smtClean="0">
                   <a:solidFill>
-                    <a:prstClr val="black"/>
+                    <a:srgbClr val="FF0000"/>
                   </a:solidFill>
                   <a:latin typeface="Calibri"/>
                 </a:rPr>
@@ -23146,7 +26126,7 @@
               </a:r>
               <a:endParaRPr lang="en-US" sz="2000" kern="0" dirty="0">
                 <a:solidFill>
-                  <a:prstClr val="black"/>
+                  <a:srgbClr val="FF0000"/>
                 </a:solidFill>
                 <a:latin typeface="Calibri"/>
               </a:endParaRPr>
@@ -23181,7 +26161,7 @@
               <a:r>
                 <a:rPr lang="en-US" sz="2000" kern="0" dirty="0" smtClean="0">
                   <a:solidFill>
-                    <a:prstClr val="black"/>
+                    <a:srgbClr val="FF0000"/>
                   </a:solidFill>
                   <a:latin typeface="Calibri"/>
                 </a:rPr>
@@ -23189,7 +26169,7 @@
               </a:r>
               <a:endParaRPr lang="en-US" sz="2000" kern="0" dirty="0">
                 <a:solidFill>
-                  <a:prstClr val="black"/>
+                  <a:srgbClr val="FF0000"/>
                 </a:solidFill>
                 <a:latin typeface="Calibri"/>
               </a:endParaRPr>

--- a/fig/fig.pptx
+++ b/fig/fig.pptx
@@ -5,16 +5,18 @@
     <p:sldMasterId id="2147483648" r:id="rId1"/>
   </p:sldMasterIdLst>
   <p:sldIdLst>
-    <p:sldId id="256" r:id="rId2"/>
-    <p:sldId id="257" r:id="rId3"/>
-    <p:sldId id="258" r:id="rId4"/>
-    <p:sldId id="259" r:id="rId5"/>
-    <p:sldId id="260" r:id="rId6"/>
-    <p:sldId id="261" r:id="rId7"/>
-    <p:sldId id="262" r:id="rId8"/>
-    <p:sldId id="263" r:id="rId9"/>
-    <p:sldId id="264" r:id="rId10"/>
-    <p:sldId id="265" r:id="rId11"/>
+    <p:sldId id="266" r:id="rId2"/>
+    <p:sldId id="256" r:id="rId3"/>
+    <p:sldId id="257" r:id="rId4"/>
+    <p:sldId id="258" r:id="rId5"/>
+    <p:sldId id="259" r:id="rId6"/>
+    <p:sldId id="260" r:id="rId7"/>
+    <p:sldId id="261" r:id="rId8"/>
+    <p:sldId id="262" r:id="rId9"/>
+    <p:sldId id="263" r:id="rId10"/>
+    <p:sldId id="264" r:id="rId11"/>
+    <p:sldId id="265" r:id="rId12"/>
+    <p:sldId id="267" r:id="rId13"/>
   </p:sldIdLst>
   <p:sldSz cx="12192000" cy="6858000"/>
   <p:notesSz cx="7315200" cy="9601200"/>
@@ -252,7 +254,7 @@
           <a:p>
             <a:fld id="{BE4C2E38-1CA4-415D-AC32-50965AFA52AB}" type="datetimeFigureOut">
               <a:rPr lang="en-US" smtClean="0"/>
-              <a:t>5/31/2019</a:t>
+              <a:t>6/5/2019</a:t>
             </a:fld>
             <a:endParaRPr lang="en-US"/>
           </a:p>
@@ -422,7 +424,7 @@
           <a:p>
             <a:fld id="{BE4C2E38-1CA4-415D-AC32-50965AFA52AB}" type="datetimeFigureOut">
               <a:rPr lang="en-US" smtClean="0"/>
-              <a:t>5/31/2019</a:t>
+              <a:t>6/5/2019</a:t>
             </a:fld>
             <a:endParaRPr lang="en-US"/>
           </a:p>
@@ -602,7 +604,7 @@
           <a:p>
             <a:fld id="{BE4C2E38-1CA4-415D-AC32-50965AFA52AB}" type="datetimeFigureOut">
               <a:rPr lang="en-US" smtClean="0"/>
-              <a:t>5/31/2019</a:t>
+              <a:t>6/5/2019</a:t>
             </a:fld>
             <a:endParaRPr lang="en-US"/>
           </a:p>
@@ -772,7 +774,7 @@
           <a:p>
             <a:fld id="{BE4C2E38-1CA4-415D-AC32-50965AFA52AB}" type="datetimeFigureOut">
               <a:rPr lang="en-US" smtClean="0"/>
-              <a:t>5/31/2019</a:t>
+              <a:t>6/5/2019</a:t>
             </a:fld>
             <a:endParaRPr lang="en-US"/>
           </a:p>
@@ -1018,7 +1020,7 @@
           <a:p>
             <a:fld id="{BE4C2E38-1CA4-415D-AC32-50965AFA52AB}" type="datetimeFigureOut">
               <a:rPr lang="en-US" smtClean="0"/>
-              <a:t>5/31/2019</a:t>
+              <a:t>6/5/2019</a:t>
             </a:fld>
             <a:endParaRPr lang="en-US"/>
           </a:p>
@@ -1250,7 +1252,7 @@
           <a:p>
             <a:fld id="{BE4C2E38-1CA4-415D-AC32-50965AFA52AB}" type="datetimeFigureOut">
               <a:rPr lang="en-US" smtClean="0"/>
-              <a:t>5/31/2019</a:t>
+              <a:t>6/5/2019</a:t>
             </a:fld>
             <a:endParaRPr lang="en-US"/>
           </a:p>
@@ -1617,7 +1619,7 @@
           <a:p>
             <a:fld id="{BE4C2E38-1CA4-415D-AC32-50965AFA52AB}" type="datetimeFigureOut">
               <a:rPr lang="en-US" smtClean="0"/>
-              <a:t>5/31/2019</a:t>
+              <a:t>6/5/2019</a:t>
             </a:fld>
             <a:endParaRPr lang="en-US"/>
           </a:p>
@@ -1735,7 +1737,7 @@
           <a:p>
             <a:fld id="{BE4C2E38-1CA4-415D-AC32-50965AFA52AB}" type="datetimeFigureOut">
               <a:rPr lang="en-US" smtClean="0"/>
-              <a:t>5/31/2019</a:t>
+              <a:t>6/5/2019</a:t>
             </a:fld>
             <a:endParaRPr lang="en-US"/>
           </a:p>
@@ -1830,7 +1832,7 @@
           <a:p>
             <a:fld id="{BE4C2E38-1CA4-415D-AC32-50965AFA52AB}" type="datetimeFigureOut">
               <a:rPr lang="en-US" smtClean="0"/>
-              <a:t>5/31/2019</a:t>
+              <a:t>6/5/2019</a:t>
             </a:fld>
             <a:endParaRPr lang="en-US"/>
           </a:p>
@@ -2107,7 +2109,7 @@
           <a:p>
             <a:fld id="{BE4C2E38-1CA4-415D-AC32-50965AFA52AB}" type="datetimeFigureOut">
               <a:rPr lang="en-US" smtClean="0"/>
-              <a:t>5/31/2019</a:t>
+              <a:t>6/5/2019</a:t>
             </a:fld>
             <a:endParaRPr lang="en-US"/>
           </a:p>
@@ -2360,7 +2362,7 @@
           <a:p>
             <a:fld id="{BE4C2E38-1CA4-415D-AC32-50965AFA52AB}" type="datetimeFigureOut">
               <a:rPr lang="en-US" smtClean="0"/>
-              <a:t>5/31/2019</a:t>
+              <a:t>6/5/2019</a:t>
             </a:fld>
             <a:endParaRPr lang="en-US"/>
           </a:p>
@@ -2573,7 +2575,7 @@
           <a:p>
             <a:fld id="{BE4C2E38-1CA4-415D-AC32-50965AFA52AB}" type="datetimeFigureOut">
               <a:rPr lang="en-US" smtClean="0"/>
-              <a:t>5/31/2019</a:t>
+              <a:t>6/5/2019</a:t>
             </a:fld>
             <a:endParaRPr lang="en-US"/>
           </a:p>
@@ -2980,38 +2982,488 @@
       </p:grpSpPr>
       <p:grpSp>
         <p:nvGrpSpPr>
-          <p:cNvPr id="46" name="Group 45"/>
+          <p:cNvPr id="11" name="Group 10"/>
           <p:cNvGrpSpPr/>
           <p:nvPr/>
         </p:nvGrpSpPr>
         <p:grpSpPr>
           <a:xfrm>
-            <a:off x="2444524" y="1870154"/>
-            <a:ext cx="6300534" cy="2241019"/>
-            <a:chOff x="2444524" y="1870154"/>
-            <a:chExt cx="6300534" cy="2241019"/>
+            <a:off x="689245" y="1263616"/>
+            <a:ext cx="10292924" cy="3097015"/>
+            <a:chOff x="689245" y="1263616"/>
+            <a:chExt cx="10292924" cy="3097015"/>
           </a:xfrm>
         </p:grpSpPr>
         <p:sp>
           <p:nvSpPr>
-            <p:cNvPr id="4" name="TextBox 3"/>
-            <p:cNvSpPr txBox="1"/>
+            <p:cNvPr id="3" name="Rectangle 2"/>
+            <p:cNvSpPr/>
             <p:nvPr/>
           </p:nvSpPr>
           <p:spPr>
             <a:xfrm>
-              <a:off x="4021073" y="1870154"/>
-              <a:ext cx="3054769" cy="369332"/>
+              <a:off x="7103831" y="1764470"/>
+              <a:ext cx="3795449" cy="2508857"/>
             </a:xfrm>
             <a:prstGeom prst="rect">
               <a:avLst/>
             </a:prstGeom>
-            <a:noFill/>
-            <a:ln w="38100">
+            <a:solidFill>
+              <a:schemeClr val="bg1">
+                <a:lumMod val="75000"/>
+              </a:schemeClr>
+            </a:solidFill>
+            <a:ln>
+              <a:noFill/>
+            </a:ln>
+          </p:spPr>
+          <p:style>
+            <a:lnRef idx="2">
+              <a:schemeClr val="accent1">
+                <a:shade val="50000"/>
+              </a:schemeClr>
+            </a:lnRef>
+            <a:fillRef idx="1">
+              <a:schemeClr val="accent1"/>
+            </a:fillRef>
+            <a:effectRef idx="0">
+              <a:schemeClr val="accent1"/>
+            </a:effectRef>
+            <a:fontRef idx="minor">
+              <a:schemeClr val="lt1"/>
+            </a:fontRef>
+          </p:style>
+          <p:txBody>
+            <a:bodyPr rtlCol="0" anchor="ctr"/>
+            <a:lstStyle/>
+            <a:p>
+              <a:pPr algn="ctr"/>
+              <a:r>
+                <a:rPr lang="en-US" sz="2000" dirty="0" err="1" smtClean="0">
+                  <a:solidFill>
+                    <a:schemeClr val="tx1"/>
+                  </a:solidFill>
+                </a:rPr>
+                <a:t>RiscyOO</a:t>
+              </a:r>
+              <a:r>
+                <a:rPr lang="en-US" sz="2000" dirty="0" smtClean="0">
+                  <a:solidFill>
+                    <a:schemeClr val="tx1"/>
+                  </a:solidFill>
+                </a:rPr>
+                <a:t> Processor</a:t>
+              </a:r>
+              <a:endParaRPr lang="en-US" sz="2000" dirty="0">
+                <a:solidFill>
+                  <a:schemeClr val="tx1"/>
+                </a:solidFill>
+              </a:endParaRPr>
+            </a:p>
+          </p:txBody>
+        </p:sp>
+        <p:sp>
+          <p:nvSpPr>
+            <p:cNvPr id="4" name="Rectangle 3"/>
+            <p:cNvSpPr/>
+            <p:nvPr/>
+          </p:nvSpPr>
+          <p:spPr>
+            <a:xfrm>
+              <a:off x="689245" y="1263616"/>
+              <a:ext cx="2104499" cy="3097015"/>
+            </a:xfrm>
+            <a:prstGeom prst="rect">
+              <a:avLst/>
+            </a:prstGeom>
+            <a:solidFill>
+              <a:schemeClr val="bg1"/>
+            </a:solidFill>
+            <a:ln>
               <a:solidFill>
                 <a:schemeClr val="tx1"/>
               </a:solidFill>
             </a:ln>
+          </p:spPr>
+          <p:style>
+            <a:lnRef idx="2">
+              <a:schemeClr val="accent1">
+                <a:shade val="50000"/>
+              </a:schemeClr>
+            </a:lnRef>
+            <a:fillRef idx="1">
+              <a:schemeClr val="accent1"/>
+            </a:fillRef>
+            <a:effectRef idx="0">
+              <a:schemeClr val="accent1"/>
+            </a:effectRef>
+            <a:fontRef idx="minor">
+              <a:schemeClr val="lt1"/>
+            </a:fontRef>
+          </p:style>
+          <p:txBody>
+            <a:bodyPr rtlCol="0" anchor="ctr"/>
+            <a:lstStyle/>
+            <a:p>
+              <a:pPr algn="ctr"/>
+              <a:r>
+                <a:rPr lang="en-US" sz="2000" dirty="0" smtClean="0">
+                  <a:solidFill>
+                    <a:schemeClr val="tx1"/>
+                  </a:solidFill>
+                </a:rPr>
+                <a:t>X86 host software</a:t>
+              </a:r>
+              <a:endParaRPr lang="en-US" sz="2000" dirty="0">
+                <a:solidFill>
+                  <a:schemeClr val="tx1"/>
+                </a:solidFill>
+              </a:endParaRPr>
+            </a:p>
+          </p:txBody>
+        </p:sp>
+        <p:sp>
+          <p:nvSpPr>
+            <p:cNvPr id="5" name="Rectangle 4"/>
+            <p:cNvSpPr/>
+            <p:nvPr/>
+          </p:nvSpPr>
+          <p:spPr>
+            <a:xfrm>
+              <a:off x="6970577" y="1263616"/>
+              <a:ext cx="4011592" cy="3097015"/>
+            </a:xfrm>
+            <a:prstGeom prst="rect">
+              <a:avLst/>
+            </a:prstGeom>
+            <a:noFill/>
+            <a:ln w="12700">
+              <a:solidFill>
+                <a:schemeClr val="tx1"/>
+              </a:solidFill>
+            </a:ln>
+          </p:spPr>
+          <p:style>
+            <a:lnRef idx="2">
+              <a:schemeClr val="accent1">
+                <a:shade val="50000"/>
+              </a:schemeClr>
+            </a:lnRef>
+            <a:fillRef idx="1">
+              <a:schemeClr val="accent1"/>
+            </a:fillRef>
+            <a:effectRef idx="0">
+              <a:schemeClr val="accent1"/>
+            </a:effectRef>
+            <a:fontRef idx="minor">
+              <a:schemeClr val="lt1"/>
+            </a:fontRef>
+          </p:style>
+          <p:txBody>
+            <a:bodyPr rtlCol="0" anchor="ctr"/>
+            <a:lstStyle/>
+            <a:p>
+              <a:pPr algn="ctr"/>
+              <a:endParaRPr lang="en-US"/>
+            </a:p>
+          </p:txBody>
+        </p:sp>
+        <p:sp>
+          <p:nvSpPr>
+            <p:cNvPr id="6" name="Rectangle 5"/>
+            <p:cNvSpPr/>
+            <p:nvPr/>
+          </p:nvSpPr>
+          <p:spPr>
+            <a:xfrm>
+              <a:off x="7260061" y="1934484"/>
+              <a:ext cx="1180908" cy="794930"/>
+            </a:xfrm>
+            <a:prstGeom prst="rect">
+              <a:avLst/>
+            </a:prstGeom>
+            <a:ln>
+              <a:noFill/>
+            </a:ln>
+          </p:spPr>
+          <p:style>
+            <a:lnRef idx="2">
+              <a:schemeClr val="accent1">
+                <a:shade val="50000"/>
+              </a:schemeClr>
+            </a:lnRef>
+            <a:fillRef idx="1">
+              <a:schemeClr val="accent1"/>
+            </a:fillRef>
+            <a:effectRef idx="0">
+              <a:schemeClr val="accent1"/>
+            </a:effectRef>
+            <a:fontRef idx="minor">
+              <a:schemeClr val="lt1"/>
+            </a:fontRef>
+          </p:style>
+          <p:txBody>
+            <a:bodyPr rtlCol="0" anchor="ctr"/>
+            <a:lstStyle/>
+            <a:p>
+              <a:pPr algn="ctr"/>
+              <a:r>
+                <a:rPr lang="en-US" sz="2000" dirty="0" smtClean="0"/>
+                <a:t>Core 0</a:t>
+              </a:r>
+              <a:endParaRPr lang="en-US" sz="2000" dirty="0"/>
+            </a:p>
+          </p:txBody>
+        </p:sp>
+        <p:sp>
+          <p:nvSpPr>
+            <p:cNvPr id="7" name="Rectangle 6"/>
+            <p:cNvSpPr/>
+            <p:nvPr/>
+          </p:nvSpPr>
+          <p:spPr>
+            <a:xfrm>
+              <a:off x="9553719" y="1934484"/>
+              <a:ext cx="1180908" cy="794930"/>
+            </a:xfrm>
+            <a:prstGeom prst="rect">
+              <a:avLst/>
+            </a:prstGeom>
+            <a:ln>
+              <a:noFill/>
+            </a:ln>
+          </p:spPr>
+          <p:style>
+            <a:lnRef idx="2">
+              <a:schemeClr val="accent1">
+                <a:shade val="50000"/>
+              </a:schemeClr>
+            </a:lnRef>
+            <a:fillRef idx="1">
+              <a:schemeClr val="accent1"/>
+            </a:fillRef>
+            <a:effectRef idx="0">
+              <a:schemeClr val="accent1"/>
+            </a:effectRef>
+            <a:fontRef idx="minor">
+              <a:schemeClr val="lt1"/>
+            </a:fontRef>
+          </p:style>
+          <p:txBody>
+            <a:bodyPr rtlCol="0" anchor="ctr"/>
+            <a:lstStyle/>
+            <a:p>
+              <a:pPr algn="ctr"/>
+              <a:r>
+                <a:rPr lang="en-US" sz="2000" dirty="0" smtClean="0"/>
+                <a:t>Core N-1</a:t>
+              </a:r>
+              <a:endParaRPr lang="en-US" sz="2000" dirty="0"/>
+            </a:p>
+          </p:txBody>
+        </p:sp>
+        <p:sp>
+          <p:nvSpPr>
+            <p:cNvPr id="8" name="Rectangle 7"/>
+            <p:cNvSpPr/>
+            <p:nvPr/>
+          </p:nvSpPr>
+          <p:spPr>
+            <a:xfrm>
+              <a:off x="7260061" y="3332122"/>
+              <a:ext cx="3474566" cy="794930"/>
+            </a:xfrm>
+            <a:prstGeom prst="rect">
+              <a:avLst/>
+            </a:prstGeom>
+            <a:ln>
+              <a:noFill/>
+            </a:ln>
+          </p:spPr>
+          <p:style>
+            <a:lnRef idx="2">
+              <a:schemeClr val="accent1">
+                <a:shade val="50000"/>
+              </a:schemeClr>
+            </a:lnRef>
+            <a:fillRef idx="1">
+              <a:schemeClr val="accent1"/>
+            </a:fillRef>
+            <a:effectRef idx="0">
+              <a:schemeClr val="accent1"/>
+            </a:effectRef>
+            <a:fontRef idx="minor">
+              <a:schemeClr val="lt1"/>
+            </a:fontRef>
+          </p:style>
+          <p:txBody>
+            <a:bodyPr rtlCol="0" anchor="ctr"/>
+            <a:lstStyle/>
+            <a:p>
+              <a:pPr algn="ctr"/>
+              <a:r>
+                <a:rPr lang="en-US" sz="2000" dirty="0" err="1" smtClean="0"/>
+                <a:t>Uncore</a:t>
+              </a:r>
+              <a:endParaRPr lang="en-US" sz="2000" dirty="0" smtClean="0"/>
+            </a:p>
+            <a:p>
+              <a:pPr algn="ctr"/>
+              <a:r>
+                <a:rPr lang="en-US" sz="2000" dirty="0" smtClean="0"/>
+                <a:t>(L2 cache, DRAM, etc.)</a:t>
+              </a:r>
+              <a:endParaRPr lang="en-US" sz="2000" dirty="0"/>
+            </a:p>
+          </p:txBody>
+        </p:sp>
+        <p:sp>
+          <p:nvSpPr>
+            <p:cNvPr id="9" name="TextBox 8"/>
+            <p:cNvSpPr txBox="1"/>
+            <p:nvPr/>
+          </p:nvSpPr>
+          <p:spPr>
+            <a:xfrm>
+              <a:off x="8352808" y="1331776"/>
+              <a:ext cx="1289071" cy="400110"/>
+            </a:xfrm>
+            <a:prstGeom prst="rect">
+              <a:avLst/>
+            </a:prstGeom>
+            <a:noFill/>
+          </p:spPr>
+          <p:txBody>
+            <a:bodyPr wrap="none" rtlCol="0">
+              <a:spAutoFit/>
+            </a:bodyPr>
+            <a:lstStyle/>
+            <a:p>
+              <a:r>
+                <a:rPr lang="en-US" sz="2000" dirty="0" smtClean="0"/>
+                <a:t>AWS FPGA</a:t>
+              </a:r>
+              <a:endParaRPr lang="en-US" sz="2000" dirty="0"/>
+            </a:p>
+          </p:txBody>
+        </p:sp>
+        <p:sp>
+          <p:nvSpPr>
+            <p:cNvPr id="10" name="Left-Right Arrow 9"/>
+            <p:cNvSpPr/>
+            <p:nvPr/>
+          </p:nvSpPr>
+          <p:spPr>
+            <a:xfrm>
+              <a:off x="2793744" y="1446329"/>
+              <a:ext cx="4176833" cy="2726994"/>
+            </a:xfrm>
+            <a:prstGeom prst="leftRightArrow">
+              <a:avLst>
+                <a:gd name="adj1" fmla="val 51348"/>
+                <a:gd name="adj2" fmla="val 27253"/>
+              </a:avLst>
+            </a:prstGeom>
+            <a:noFill/>
+            <a:ln>
+              <a:solidFill>
+                <a:schemeClr val="tx1"/>
+              </a:solidFill>
+            </a:ln>
+          </p:spPr>
+          <p:style>
+            <a:lnRef idx="2">
+              <a:schemeClr val="accent1">
+                <a:shade val="50000"/>
+              </a:schemeClr>
+            </a:lnRef>
+            <a:fillRef idx="1">
+              <a:schemeClr val="accent1"/>
+            </a:fillRef>
+            <a:effectRef idx="0">
+              <a:schemeClr val="accent1"/>
+            </a:effectRef>
+            <a:fontRef idx="minor">
+              <a:schemeClr val="lt1"/>
+            </a:fontRef>
+          </p:style>
+          <p:txBody>
+            <a:bodyPr rtlCol="0" anchor="ctr"/>
+            <a:lstStyle/>
+            <a:p>
+              <a:pPr algn="ctr"/>
+              <a:r>
+                <a:rPr lang="en-US" sz="2000" dirty="0" smtClean="0">
+                  <a:solidFill>
+                    <a:schemeClr val="tx1"/>
+                  </a:solidFill>
+                </a:rPr>
+                <a:t>Initialization</a:t>
+              </a:r>
+            </a:p>
+            <a:p>
+              <a:pPr algn="ctr"/>
+              <a:r>
+                <a:rPr lang="en-US" sz="2000" dirty="0" smtClean="0">
+                  <a:solidFill>
+                    <a:schemeClr val="tx1"/>
+                  </a:solidFill>
+                </a:rPr>
+                <a:t>HTIF: character </a:t>
+              </a:r>
+              <a:r>
+                <a:rPr lang="en-US" sz="2000" dirty="0" smtClean="0">
+                  <a:solidFill>
+                    <a:schemeClr val="tx1"/>
+                  </a:solidFill>
+                </a:rPr>
+                <a:t>input/output</a:t>
+              </a:r>
+            </a:p>
+            <a:p>
+              <a:pPr algn="ctr"/>
+              <a:r>
+                <a:rPr lang="en-US" sz="2000" dirty="0" smtClean="0">
+                  <a:solidFill>
+                    <a:schemeClr val="tx1"/>
+                  </a:solidFill>
+                </a:rPr>
+                <a:t>Performance counters</a:t>
+              </a:r>
+            </a:p>
+            <a:p>
+              <a:pPr algn="ctr"/>
+              <a:r>
+                <a:rPr lang="en-US" sz="2000" dirty="0" smtClean="0">
+                  <a:solidFill>
+                    <a:schemeClr val="tx1"/>
+                  </a:solidFill>
+                </a:rPr>
+                <a:t>Terminate</a:t>
+              </a:r>
+              <a:endParaRPr lang="en-US" sz="2000" dirty="0">
+                <a:solidFill>
+                  <a:schemeClr val="tx1"/>
+                </a:solidFill>
+              </a:endParaRPr>
+            </a:p>
+          </p:txBody>
+        </p:sp>
+        <p:sp>
+          <p:nvSpPr>
+            <p:cNvPr id="12" name="TextBox 11"/>
+            <p:cNvSpPr txBox="1"/>
+            <p:nvPr/>
+          </p:nvSpPr>
+          <p:spPr>
+            <a:xfrm>
+              <a:off x="4558994" y="1666887"/>
+              <a:ext cx="646331" cy="400110"/>
+            </a:xfrm>
+            <a:prstGeom prst="rect">
+              <a:avLst/>
+            </a:prstGeom>
+            <a:noFill/>
           </p:spPr>
           <p:txBody>
             <a:bodyPr wrap="none" rtlCol="0">
@@ -3021,33 +3473,1177 @@
             <a:p>
               <a:pPr algn="ctr"/>
               <a:r>
-                <a:rPr lang="en-US" dirty="0" smtClean="0"/>
-                <a:t>FIFO Q[0]</a:t>
+                <a:rPr lang="en-US" sz="2000" dirty="0" err="1" smtClean="0"/>
+                <a:t>PCIe</a:t>
               </a:r>
-              <a:endParaRPr lang="en-US" dirty="0"/>
+              <a:endParaRPr lang="en-US" sz="2000" dirty="0"/>
+            </a:p>
+          </p:txBody>
+        </p:sp>
+      </p:grpSp>
+    </p:spTree>
+    <p:extLst>
+      <p:ext uri="{BB962C8B-B14F-4D97-AF65-F5344CB8AC3E}">
+        <p14:creationId xmlns:p14="http://schemas.microsoft.com/office/powerpoint/2010/main" val="1859407074"/>
+      </p:ext>
+    </p:extLst>
+  </p:cSld>
+  <p:clrMapOvr>
+    <a:masterClrMapping/>
+  </p:clrMapOvr>
+</p:sld>
+</file>
+
+<file path=ppt/slides/slide10.xml><?xml version="1.0" encoding="utf-8"?>
+<p:sld xmlns:a="http://schemas.openxmlformats.org/drawingml/2006/main" xmlns:r="http://schemas.openxmlformats.org/officeDocument/2006/relationships" xmlns:p="http://schemas.openxmlformats.org/presentationml/2006/main">
+  <p:cSld>
+    <p:spTree>
+      <p:nvGrpSpPr>
+        <p:cNvPr id="1" name=""/>
+        <p:cNvGrpSpPr/>
+        <p:nvPr/>
+      </p:nvGrpSpPr>
+      <p:grpSpPr>
+        <a:xfrm>
+          <a:off x="0" y="0"/>
+          <a:ext cx="0" cy="0"/>
+          <a:chOff x="0" y="0"/>
+          <a:chExt cx="0" cy="0"/>
+        </a:xfrm>
+      </p:grpSpPr>
+      <p:grpSp>
+        <p:nvGrpSpPr>
+          <p:cNvPr id="57" name="Group 56"/>
+          <p:cNvGrpSpPr/>
+          <p:nvPr/>
+        </p:nvGrpSpPr>
+        <p:grpSpPr>
+          <a:xfrm>
+            <a:off x="38292" y="2314454"/>
+            <a:ext cx="12130733" cy="3070858"/>
+            <a:chOff x="45950" y="2723405"/>
+            <a:chExt cx="12130733" cy="3070858"/>
+          </a:xfrm>
+        </p:grpSpPr>
+        <p:sp>
+          <p:nvSpPr>
+            <p:cNvPr id="7" name="Cloud 6"/>
+            <p:cNvSpPr/>
+            <p:nvPr/>
+          </p:nvSpPr>
+          <p:spPr>
+            <a:xfrm>
+              <a:off x="1653700" y="2723408"/>
+              <a:ext cx="2668896" cy="829819"/>
+            </a:xfrm>
+            <a:prstGeom prst="cloud">
+              <a:avLst/>
+            </a:prstGeom>
+            <a:solidFill>
+              <a:srgbClr val="4BACC6">
+                <a:lumMod val="40000"/>
+                <a:lumOff val="60000"/>
+              </a:srgbClr>
+            </a:solidFill>
+            <a:ln w="25400" cap="flat" cmpd="sng" algn="ctr">
+              <a:solidFill>
+                <a:sysClr val="windowText" lastClr="000000"/>
+              </a:solidFill>
+              <a:prstDash val="solid"/>
+            </a:ln>
+            <a:effectLst/>
+          </p:spPr>
+          <p:txBody>
+            <a:bodyPr rtlCol="0" anchor="ctr"/>
+            <a:lstStyle/>
+            <a:p>
+              <a:pPr marL="0" marR="0" lvl="0" indent="0" algn="ctr" defTabSz="914400" rtl="0" eaLnBrk="1" fontAlgn="auto" latinLnBrk="0" hangingPunct="1">
+                <a:lnSpc>
+                  <a:spcPct val="100000"/>
+                </a:lnSpc>
+                <a:spcBef>
+                  <a:spcPts val="0"/>
+                </a:spcBef>
+                <a:spcAft>
+                  <a:spcPts val="0"/>
+                </a:spcAft>
+                <a:buClrTx/>
+                <a:buSzTx/>
+                <a:buFontTx/>
+                <a:buNone/>
+                <a:tabLst/>
+                <a:defRPr/>
+              </a:pPr>
+              <a:r>
+                <a:rPr kumimoji="0" lang="en-US" sz="2000" b="1" i="0" u="none" strike="noStrike" kern="0" cap="none" spc="0" normalizeH="0" baseline="0" noProof="0" dirty="0" err="1" smtClean="0">
+                  <a:ln>
+                    <a:noFill/>
+                  </a:ln>
+                  <a:solidFill>
+                    <a:prstClr val="black"/>
+                  </a:solidFill>
+                  <a:effectLst/>
+                  <a:uLnTx/>
+                  <a:uFillTx/>
+                  <a:latin typeface="Calibri"/>
+                  <a:ea typeface="+mn-ea"/>
+                  <a:cs typeface="+mn-cs"/>
+                </a:rPr>
+                <a:t>doDispatchAlu</a:t>
+              </a:r>
+              <a:endParaRPr kumimoji="0" lang="en-US" sz="2000" b="1" i="0" u="none" strike="noStrike" kern="0" cap="none" spc="0" normalizeH="0" baseline="0" noProof="0" dirty="0" smtClean="0">
+                <a:ln>
+                  <a:noFill/>
+                </a:ln>
+                <a:solidFill>
+                  <a:prstClr val="black"/>
+                </a:solidFill>
+                <a:effectLst/>
+                <a:uLnTx/>
+                <a:uFillTx/>
+                <a:latin typeface="Calibri"/>
+                <a:ea typeface="+mn-ea"/>
+                <a:cs typeface="+mn-cs"/>
+              </a:endParaRPr>
             </a:p>
           </p:txBody>
         </p:sp>
         <p:sp>
           <p:nvSpPr>
-            <p:cNvPr id="5" name="TextBox 4"/>
+            <p:cNvPr id="8" name="Cloud 7"/>
+            <p:cNvSpPr/>
+            <p:nvPr/>
+          </p:nvSpPr>
+          <p:spPr>
+            <a:xfrm>
+              <a:off x="4717053" y="2723406"/>
+              <a:ext cx="2670477" cy="829819"/>
+            </a:xfrm>
+            <a:prstGeom prst="cloud">
+              <a:avLst/>
+            </a:prstGeom>
+            <a:solidFill>
+              <a:srgbClr val="4BACC6">
+                <a:lumMod val="40000"/>
+                <a:lumOff val="60000"/>
+              </a:srgbClr>
+            </a:solidFill>
+            <a:ln w="25400" cap="flat" cmpd="sng" algn="ctr">
+              <a:solidFill>
+                <a:sysClr val="windowText" lastClr="000000"/>
+              </a:solidFill>
+              <a:prstDash val="solid"/>
+            </a:ln>
+            <a:effectLst/>
+          </p:spPr>
+          <p:txBody>
+            <a:bodyPr rtlCol="0" anchor="ctr"/>
+            <a:lstStyle/>
+            <a:p>
+              <a:pPr marL="0" marR="0" lvl="0" indent="0" algn="ctr" defTabSz="914400" rtl="0" eaLnBrk="1" fontAlgn="auto" latinLnBrk="0" hangingPunct="1">
+                <a:lnSpc>
+                  <a:spcPct val="100000"/>
+                </a:lnSpc>
+                <a:spcBef>
+                  <a:spcPts val="0"/>
+                </a:spcBef>
+                <a:spcAft>
+                  <a:spcPts val="0"/>
+                </a:spcAft>
+                <a:buClrTx/>
+                <a:buSzTx/>
+                <a:buFontTx/>
+                <a:buNone/>
+                <a:tabLst/>
+                <a:defRPr/>
+              </a:pPr>
+              <a:r>
+                <a:rPr kumimoji="0" lang="en-US" sz="2000" b="1" i="0" u="none" strike="noStrike" kern="0" cap="none" spc="0" normalizeH="0" baseline="0" noProof="0" dirty="0" err="1" smtClean="0">
+                  <a:ln>
+                    <a:noFill/>
+                  </a:ln>
+                  <a:solidFill>
+                    <a:prstClr val="black"/>
+                  </a:solidFill>
+                  <a:effectLst/>
+                  <a:uLnTx/>
+                  <a:uFillTx/>
+                  <a:latin typeface="Calibri"/>
+                  <a:ea typeface="+mn-ea"/>
+                  <a:cs typeface="+mn-cs"/>
+                </a:rPr>
+                <a:t>doRegReadAlu</a:t>
+              </a:r>
+              <a:endParaRPr kumimoji="0" lang="en-US" sz="2000" b="1" i="0" u="none" strike="noStrike" kern="0" cap="none" spc="0" normalizeH="0" baseline="0" noProof="0" dirty="0" smtClean="0">
+                <a:ln>
+                  <a:noFill/>
+                </a:ln>
+                <a:solidFill>
+                  <a:prstClr val="black"/>
+                </a:solidFill>
+                <a:effectLst/>
+                <a:uLnTx/>
+                <a:uFillTx/>
+                <a:latin typeface="Calibri"/>
+                <a:ea typeface="+mn-ea"/>
+                <a:cs typeface="+mn-cs"/>
+              </a:endParaRPr>
+            </a:p>
+          </p:txBody>
+        </p:sp>
+        <p:sp>
+          <p:nvSpPr>
+            <p:cNvPr id="9" name="Cloud 8"/>
+            <p:cNvSpPr/>
+            <p:nvPr/>
+          </p:nvSpPr>
+          <p:spPr>
+            <a:xfrm>
+              <a:off x="7805583" y="2723405"/>
+              <a:ext cx="1822395" cy="829819"/>
+            </a:xfrm>
+            <a:prstGeom prst="cloud">
+              <a:avLst/>
+            </a:prstGeom>
+            <a:solidFill>
+              <a:srgbClr val="4BACC6">
+                <a:lumMod val="40000"/>
+                <a:lumOff val="60000"/>
+              </a:srgbClr>
+            </a:solidFill>
+            <a:ln w="25400" cap="flat" cmpd="sng" algn="ctr">
+              <a:solidFill>
+                <a:sysClr val="windowText" lastClr="000000"/>
+              </a:solidFill>
+              <a:prstDash val="solid"/>
+            </a:ln>
+            <a:effectLst/>
+          </p:spPr>
+          <p:txBody>
+            <a:bodyPr rtlCol="0" anchor="ctr"/>
+            <a:lstStyle/>
+            <a:p>
+              <a:pPr marL="0" marR="0" lvl="0" indent="0" algn="ctr" defTabSz="914400" rtl="0" eaLnBrk="1" fontAlgn="auto" latinLnBrk="0" hangingPunct="1">
+                <a:lnSpc>
+                  <a:spcPct val="100000"/>
+                </a:lnSpc>
+                <a:spcBef>
+                  <a:spcPts val="0"/>
+                </a:spcBef>
+                <a:spcAft>
+                  <a:spcPts val="0"/>
+                </a:spcAft>
+                <a:buClrTx/>
+                <a:buSzTx/>
+                <a:buFontTx/>
+                <a:buNone/>
+                <a:tabLst/>
+                <a:defRPr/>
+              </a:pPr>
+              <a:r>
+                <a:rPr kumimoji="0" lang="en-US" sz="2000" b="1" i="0" u="none" strike="noStrike" kern="0" cap="none" spc="0" normalizeH="0" baseline="0" noProof="0" dirty="0" err="1" smtClean="0">
+                  <a:ln>
+                    <a:noFill/>
+                  </a:ln>
+                  <a:solidFill>
+                    <a:prstClr val="black"/>
+                  </a:solidFill>
+                  <a:effectLst/>
+                  <a:uLnTx/>
+                  <a:uFillTx/>
+                  <a:latin typeface="Calibri"/>
+                  <a:ea typeface="+mn-ea"/>
+                  <a:cs typeface="+mn-cs"/>
+                </a:rPr>
+                <a:t>doExeAlu</a:t>
+              </a:r>
+              <a:endParaRPr kumimoji="0" lang="en-US" sz="2000" b="1" i="0" u="none" strike="noStrike" kern="0" cap="none" spc="0" normalizeH="0" baseline="0" noProof="0" dirty="0" smtClean="0">
+                <a:ln>
+                  <a:noFill/>
+                </a:ln>
+                <a:solidFill>
+                  <a:prstClr val="black"/>
+                </a:solidFill>
+                <a:effectLst/>
+                <a:uLnTx/>
+                <a:uFillTx/>
+                <a:latin typeface="Calibri"/>
+                <a:ea typeface="+mn-ea"/>
+                <a:cs typeface="+mn-cs"/>
+              </a:endParaRPr>
+            </a:p>
+          </p:txBody>
+        </p:sp>
+        <p:sp>
+          <p:nvSpPr>
+            <p:cNvPr id="10" name="Cloud 9"/>
+            <p:cNvSpPr/>
+            <p:nvPr/>
+          </p:nvSpPr>
+          <p:spPr>
+            <a:xfrm>
+              <a:off x="9992467" y="2723405"/>
+              <a:ext cx="2184216" cy="829819"/>
+            </a:xfrm>
+            <a:prstGeom prst="cloud">
+              <a:avLst/>
+            </a:prstGeom>
+            <a:solidFill>
+              <a:srgbClr val="4BACC6">
+                <a:lumMod val="40000"/>
+                <a:lumOff val="60000"/>
+              </a:srgbClr>
+            </a:solidFill>
+            <a:ln w="25400" cap="flat" cmpd="sng" algn="ctr">
+              <a:solidFill>
+                <a:sysClr val="windowText" lastClr="000000"/>
+              </a:solidFill>
+              <a:prstDash val="solid"/>
+            </a:ln>
+            <a:effectLst/>
+          </p:spPr>
+          <p:txBody>
+            <a:bodyPr rtlCol="0" anchor="ctr"/>
+            <a:lstStyle/>
+            <a:p>
+              <a:pPr marL="0" marR="0" lvl="0" indent="0" algn="ctr" defTabSz="914400" rtl="0" eaLnBrk="1" fontAlgn="auto" latinLnBrk="0" hangingPunct="1">
+                <a:lnSpc>
+                  <a:spcPct val="100000"/>
+                </a:lnSpc>
+                <a:spcBef>
+                  <a:spcPts val="0"/>
+                </a:spcBef>
+                <a:spcAft>
+                  <a:spcPts val="0"/>
+                </a:spcAft>
+                <a:buClrTx/>
+                <a:buSzTx/>
+                <a:buFontTx/>
+                <a:buNone/>
+                <a:tabLst/>
+                <a:defRPr/>
+              </a:pPr>
+              <a:r>
+                <a:rPr kumimoji="0" lang="en-US" sz="2000" b="1" i="0" u="none" strike="noStrike" kern="0" cap="none" spc="0" normalizeH="0" baseline="0" noProof="0" dirty="0" err="1" smtClean="0">
+                  <a:ln>
+                    <a:noFill/>
+                  </a:ln>
+                  <a:solidFill>
+                    <a:prstClr val="black"/>
+                  </a:solidFill>
+                  <a:effectLst/>
+                  <a:uLnTx/>
+                  <a:uFillTx/>
+                  <a:latin typeface="Calibri"/>
+                  <a:ea typeface="+mn-ea"/>
+                  <a:cs typeface="+mn-cs"/>
+                </a:rPr>
+                <a:t>doFinishAlu</a:t>
+              </a:r>
+              <a:endParaRPr kumimoji="0" lang="en-US" sz="2000" b="1" i="0" u="none" strike="noStrike" kern="0" cap="none" spc="0" normalizeH="0" baseline="0" noProof="0" dirty="0" smtClean="0">
+                <a:ln>
+                  <a:noFill/>
+                </a:ln>
+                <a:solidFill>
+                  <a:prstClr val="black"/>
+                </a:solidFill>
+                <a:effectLst/>
+                <a:uLnTx/>
+                <a:uFillTx/>
+                <a:latin typeface="Calibri"/>
+                <a:ea typeface="+mn-ea"/>
+                <a:cs typeface="+mn-cs"/>
+              </a:endParaRPr>
+            </a:p>
+          </p:txBody>
+        </p:sp>
+        <p:cxnSp>
+          <p:nvCxnSpPr>
+            <p:cNvPr id="14" name="Straight Arrow Connector 13"/>
+            <p:cNvCxnSpPr>
+              <a:stCxn id="7" idx="0"/>
+              <a:endCxn id="40" idx="1"/>
+            </p:cNvCxnSpPr>
+            <p:nvPr/>
+          </p:nvCxnSpPr>
+          <p:spPr>
+            <a:xfrm flipV="1">
+              <a:off x="4320372" y="3138317"/>
+              <a:ext cx="160186" cy="1"/>
+            </a:xfrm>
+            <a:prstGeom prst="straightConnector1">
+              <a:avLst/>
+            </a:prstGeom>
+            <a:noFill/>
+            <a:ln w="12700" cap="flat" cmpd="sng" algn="ctr">
+              <a:solidFill>
+                <a:sysClr val="windowText" lastClr="000000"/>
+              </a:solidFill>
+              <a:prstDash val="solid"/>
+              <a:tailEnd type="triangle"/>
+            </a:ln>
+            <a:effectLst/>
+          </p:spPr>
+        </p:cxnSp>
+        <p:cxnSp>
+          <p:nvCxnSpPr>
+            <p:cNvPr id="15" name="Straight Arrow Connector 14"/>
+            <p:cNvCxnSpPr>
+              <a:stCxn id="40" idx="3"/>
+              <a:endCxn id="8" idx="2"/>
+            </p:cNvCxnSpPr>
+            <p:nvPr/>
+          </p:nvCxnSpPr>
+          <p:spPr>
+            <a:xfrm flipV="1">
+              <a:off x="4610404" y="3138316"/>
+              <a:ext cx="114932" cy="1"/>
+            </a:xfrm>
+            <a:prstGeom prst="straightConnector1">
+              <a:avLst/>
+            </a:prstGeom>
+            <a:noFill/>
+            <a:ln w="12700" cap="flat" cmpd="sng" algn="ctr">
+              <a:solidFill>
+                <a:sysClr val="windowText" lastClr="000000"/>
+              </a:solidFill>
+              <a:prstDash val="solid"/>
+              <a:tailEnd type="triangle"/>
+            </a:ln>
+            <a:effectLst/>
+          </p:spPr>
+        </p:cxnSp>
+        <p:cxnSp>
+          <p:nvCxnSpPr>
+            <p:cNvPr id="16" name="Straight Arrow Connector 15"/>
+            <p:cNvCxnSpPr>
+              <a:stCxn id="8" idx="0"/>
+              <a:endCxn id="43" idx="1"/>
+            </p:cNvCxnSpPr>
+            <p:nvPr/>
+          </p:nvCxnSpPr>
+          <p:spPr>
+            <a:xfrm>
+              <a:off x="7385305" y="3138316"/>
+              <a:ext cx="161100" cy="1"/>
+            </a:xfrm>
+            <a:prstGeom prst="straightConnector1">
+              <a:avLst/>
+            </a:prstGeom>
+            <a:noFill/>
+            <a:ln w="12700" cap="flat" cmpd="sng" algn="ctr">
+              <a:solidFill>
+                <a:sysClr val="windowText" lastClr="000000"/>
+              </a:solidFill>
+              <a:prstDash val="solid"/>
+              <a:tailEnd type="triangle"/>
+            </a:ln>
+            <a:effectLst/>
+          </p:spPr>
+        </p:cxnSp>
+        <p:cxnSp>
+          <p:nvCxnSpPr>
+            <p:cNvPr id="17" name="Straight Arrow Connector 16"/>
+            <p:cNvCxnSpPr>
+              <a:stCxn id="43" idx="3"/>
+              <a:endCxn id="9" idx="2"/>
+            </p:cNvCxnSpPr>
+            <p:nvPr/>
+          </p:nvCxnSpPr>
+          <p:spPr>
+            <a:xfrm flipV="1">
+              <a:off x="7676251" y="3138315"/>
+              <a:ext cx="134985" cy="2"/>
+            </a:xfrm>
+            <a:prstGeom prst="straightConnector1">
+              <a:avLst/>
+            </a:prstGeom>
+            <a:noFill/>
+            <a:ln w="12700" cap="flat" cmpd="sng" algn="ctr">
+              <a:solidFill>
+                <a:sysClr val="windowText" lastClr="000000"/>
+              </a:solidFill>
+              <a:prstDash val="solid"/>
+              <a:tailEnd type="triangle"/>
+            </a:ln>
+            <a:effectLst/>
+          </p:spPr>
+        </p:cxnSp>
+        <p:cxnSp>
+          <p:nvCxnSpPr>
+            <p:cNvPr id="18" name="Straight Arrow Connector 17"/>
+            <p:cNvCxnSpPr>
+              <a:stCxn id="9" idx="0"/>
+              <a:endCxn id="49" idx="1"/>
+            </p:cNvCxnSpPr>
+            <p:nvPr/>
+          </p:nvCxnSpPr>
+          <p:spPr>
+            <a:xfrm>
+              <a:off x="9626459" y="3138315"/>
+              <a:ext cx="129844" cy="2"/>
+            </a:xfrm>
+            <a:prstGeom prst="straightConnector1">
+              <a:avLst/>
+            </a:prstGeom>
+            <a:noFill/>
+            <a:ln w="12700" cap="flat" cmpd="sng" algn="ctr">
+              <a:solidFill>
+                <a:sysClr val="windowText" lastClr="000000"/>
+              </a:solidFill>
+              <a:prstDash val="solid"/>
+              <a:tailEnd type="triangle"/>
+            </a:ln>
+            <a:effectLst/>
+          </p:spPr>
+        </p:cxnSp>
+        <p:cxnSp>
+          <p:nvCxnSpPr>
+            <p:cNvPr id="19" name="Straight Arrow Connector 18"/>
+            <p:cNvCxnSpPr>
+              <a:stCxn id="49" idx="3"/>
+              <a:endCxn id="10" idx="2"/>
+            </p:cNvCxnSpPr>
+            <p:nvPr/>
+          </p:nvCxnSpPr>
+          <p:spPr>
+            <a:xfrm flipV="1">
+              <a:off x="9886149" y="3138315"/>
+              <a:ext cx="113093" cy="2"/>
+            </a:xfrm>
+            <a:prstGeom prst="straightConnector1">
+              <a:avLst/>
+            </a:prstGeom>
+            <a:noFill/>
+            <a:ln w="12700" cap="flat" cmpd="sng" algn="ctr">
+              <a:solidFill>
+                <a:sysClr val="windowText" lastClr="000000"/>
+              </a:solidFill>
+              <a:prstDash val="solid"/>
+              <a:tailEnd type="triangle"/>
+            </a:ln>
+            <a:effectLst/>
+          </p:spPr>
+        </p:cxnSp>
+        <p:grpSp>
+          <p:nvGrpSpPr>
+            <p:cNvPr id="25" name="Group 24"/>
+            <p:cNvGrpSpPr/>
+            <p:nvPr/>
+          </p:nvGrpSpPr>
+          <p:grpSpPr>
+            <a:xfrm>
+              <a:off x="9655548" y="2972717"/>
+              <a:ext cx="230601" cy="331199"/>
+              <a:chOff x="5540558" y="1752600"/>
+              <a:chExt cx="230601" cy="331199"/>
+            </a:xfrm>
+          </p:grpSpPr>
+          <p:sp>
+            <p:nvSpPr>
+              <p:cNvPr id="49" name="Rectangle 48"/>
+              <p:cNvSpPr/>
+              <p:nvPr/>
+            </p:nvSpPr>
+            <p:spPr>
+              <a:xfrm>
+                <a:off x="5641313" y="1752600"/>
+                <a:ext cx="129846" cy="331199"/>
+              </a:xfrm>
+              <a:prstGeom prst="rect">
+                <a:avLst/>
+              </a:prstGeom>
+              <a:solidFill>
+                <a:srgbClr val="F79646">
+                  <a:lumMod val="40000"/>
+                  <a:lumOff val="60000"/>
+                </a:srgbClr>
+              </a:solidFill>
+              <a:ln w="19050" cap="flat" cmpd="sng" algn="ctr">
+                <a:solidFill>
+                  <a:sysClr val="windowText" lastClr="000000"/>
+                </a:solidFill>
+                <a:prstDash val="solid"/>
+              </a:ln>
+              <a:effectLst/>
+            </p:spPr>
+            <p:txBody>
+              <a:bodyPr rtlCol="0" anchor="ctr"/>
+              <a:lstStyle/>
+              <a:p>
+                <a:pPr marL="0" marR="0" lvl="0" indent="0" algn="ctr" defTabSz="914400" rtl="0" eaLnBrk="1" fontAlgn="auto" latinLnBrk="0" hangingPunct="1">
+                  <a:lnSpc>
+                    <a:spcPct val="100000"/>
+                  </a:lnSpc>
+                  <a:spcBef>
+                    <a:spcPts val="0"/>
+                  </a:spcBef>
+                  <a:spcAft>
+                    <a:spcPts val="0"/>
+                  </a:spcAft>
+                  <a:buClrTx/>
+                  <a:buSzTx/>
+                  <a:buFontTx/>
+                  <a:buNone/>
+                  <a:tabLst/>
+                  <a:defRPr/>
+                </a:pPr>
+                <a:endParaRPr kumimoji="0" lang="en-US" sz="2000" b="1" i="0" u="none" strike="noStrike" kern="0" cap="none" spc="0" normalizeH="0" baseline="0" noProof="0" dirty="0" smtClean="0">
+                  <a:ln>
+                    <a:noFill/>
+                  </a:ln>
+                  <a:solidFill>
+                    <a:prstClr val="black"/>
+                  </a:solidFill>
+                  <a:effectLst/>
+                  <a:uLnTx/>
+                  <a:uFillTx/>
+                  <a:latin typeface="Calibri"/>
+                  <a:ea typeface="+mn-ea"/>
+                  <a:cs typeface="+mn-cs"/>
+                </a:endParaRPr>
+              </a:p>
+            </p:txBody>
+          </p:sp>
+          <p:cxnSp>
+            <p:nvCxnSpPr>
+              <p:cNvPr id="50" name="Straight Connector 49"/>
+              <p:cNvCxnSpPr>
+                <a:stCxn id="49" idx="0"/>
+              </p:cNvCxnSpPr>
+              <p:nvPr/>
+            </p:nvCxnSpPr>
+            <p:spPr>
+              <a:xfrm flipH="1">
+                <a:off x="5540558" y="1752600"/>
+                <a:ext cx="165678" cy="0"/>
+              </a:xfrm>
+              <a:prstGeom prst="line">
+                <a:avLst/>
+              </a:prstGeom>
+              <a:ln w="19050">
+                <a:solidFill>
+                  <a:schemeClr val="tx1"/>
+                </a:solidFill>
+              </a:ln>
+            </p:spPr>
+            <p:style>
+              <a:lnRef idx="1">
+                <a:schemeClr val="accent1"/>
+              </a:lnRef>
+              <a:fillRef idx="0">
+                <a:schemeClr val="accent1"/>
+              </a:fillRef>
+              <a:effectRef idx="0">
+                <a:schemeClr val="accent1"/>
+              </a:effectRef>
+              <a:fontRef idx="minor">
+                <a:schemeClr val="tx1"/>
+              </a:fontRef>
+            </p:style>
+          </p:cxnSp>
+          <p:cxnSp>
+            <p:nvCxnSpPr>
+              <p:cNvPr id="51" name="Straight Connector 50"/>
+              <p:cNvCxnSpPr>
+                <a:stCxn id="49" idx="2"/>
+              </p:cNvCxnSpPr>
+              <p:nvPr/>
+            </p:nvCxnSpPr>
+            <p:spPr>
+              <a:xfrm flipH="1">
+                <a:off x="5541801" y="2083799"/>
+                <a:ext cx="164435" cy="0"/>
+              </a:xfrm>
+              <a:prstGeom prst="line">
+                <a:avLst/>
+              </a:prstGeom>
+              <a:ln w="19050">
+                <a:solidFill>
+                  <a:schemeClr val="tx1"/>
+                </a:solidFill>
+              </a:ln>
+            </p:spPr>
+            <p:style>
+              <a:lnRef idx="1">
+                <a:schemeClr val="accent1"/>
+              </a:lnRef>
+              <a:fillRef idx="0">
+                <a:schemeClr val="accent1"/>
+              </a:fillRef>
+              <a:effectRef idx="0">
+                <a:schemeClr val="accent1"/>
+              </a:effectRef>
+              <a:fontRef idx="minor">
+                <a:schemeClr val="tx1"/>
+              </a:fontRef>
+            </p:style>
+          </p:cxnSp>
+        </p:grpSp>
+        <p:grpSp>
+          <p:nvGrpSpPr>
+            <p:cNvPr id="28" name="Group 27"/>
+            <p:cNvGrpSpPr/>
+            <p:nvPr/>
+          </p:nvGrpSpPr>
+          <p:grpSpPr>
+            <a:xfrm>
+              <a:off x="7445650" y="2972717"/>
+              <a:ext cx="230601" cy="331199"/>
+              <a:chOff x="5540558" y="1752600"/>
+              <a:chExt cx="230601" cy="331199"/>
+            </a:xfrm>
+          </p:grpSpPr>
+          <p:sp>
+            <p:nvSpPr>
+              <p:cNvPr id="43" name="Rectangle 42"/>
+              <p:cNvSpPr/>
+              <p:nvPr/>
+            </p:nvSpPr>
+            <p:spPr>
+              <a:xfrm>
+                <a:off x="5641313" y="1752600"/>
+                <a:ext cx="129846" cy="331199"/>
+              </a:xfrm>
+              <a:prstGeom prst="rect">
+                <a:avLst/>
+              </a:prstGeom>
+              <a:solidFill>
+                <a:srgbClr val="F79646">
+                  <a:lumMod val="40000"/>
+                  <a:lumOff val="60000"/>
+                </a:srgbClr>
+              </a:solidFill>
+              <a:ln w="19050" cap="flat" cmpd="sng" algn="ctr">
+                <a:solidFill>
+                  <a:sysClr val="windowText" lastClr="000000"/>
+                </a:solidFill>
+                <a:prstDash val="solid"/>
+              </a:ln>
+              <a:effectLst/>
+            </p:spPr>
+            <p:txBody>
+              <a:bodyPr rtlCol="0" anchor="ctr"/>
+              <a:lstStyle/>
+              <a:p>
+                <a:pPr marL="0" marR="0" lvl="0" indent="0" algn="ctr" defTabSz="914400" rtl="0" eaLnBrk="1" fontAlgn="auto" latinLnBrk="0" hangingPunct="1">
+                  <a:lnSpc>
+                    <a:spcPct val="100000"/>
+                  </a:lnSpc>
+                  <a:spcBef>
+                    <a:spcPts val="0"/>
+                  </a:spcBef>
+                  <a:spcAft>
+                    <a:spcPts val="0"/>
+                  </a:spcAft>
+                  <a:buClrTx/>
+                  <a:buSzTx/>
+                  <a:buFontTx/>
+                  <a:buNone/>
+                  <a:tabLst/>
+                  <a:defRPr/>
+                </a:pPr>
+                <a:endParaRPr kumimoji="0" lang="en-US" sz="2000" b="1" i="0" u="none" strike="noStrike" kern="0" cap="none" spc="0" normalizeH="0" baseline="0" noProof="0" dirty="0" smtClean="0">
+                  <a:ln>
+                    <a:noFill/>
+                  </a:ln>
+                  <a:solidFill>
+                    <a:prstClr val="black"/>
+                  </a:solidFill>
+                  <a:effectLst/>
+                  <a:uLnTx/>
+                  <a:uFillTx/>
+                  <a:latin typeface="Calibri"/>
+                  <a:ea typeface="+mn-ea"/>
+                  <a:cs typeface="+mn-cs"/>
+                </a:endParaRPr>
+              </a:p>
+            </p:txBody>
+          </p:sp>
+          <p:cxnSp>
+            <p:nvCxnSpPr>
+              <p:cNvPr id="44" name="Straight Connector 43"/>
+              <p:cNvCxnSpPr>
+                <a:stCxn id="43" idx="0"/>
+              </p:cNvCxnSpPr>
+              <p:nvPr/>
+            </p:nvCxnSpPr>
+            <p:spPr>
+              <a:xfrm flipH="1">
+                <a:off x="5540558" y="1752600"/>
+                <a:ext cx="165678" cy="0"/>
+              </a:xfrm>
+              <a:prstGeom prst="line">
+                <a:avLst/>
+              </a:prstGeom>
+              <a:ln w="19050">
+                <a:solidFill>
+                  <a:schemeClr val="tx1"/>
+                </a:solidFill>
+              </a:ln>
+            </p:spPr>
+            <p:style>
+              <a:lnRef idx="1">
+                <a:schemeClr val="accent1"/>
+              </a:lnRef>
+              <a:fillRef idx="0">
+                <a:schemeClr val="accent1"/>
+              </a:fillRef>
+              <a:effectRef idx="0">
+                <a:schemeClr val="accent1"/>
+              </a:effectRef>
+              <a:fontRef idx="minor">
+                <a:schemeClr val="tx1"/>
+              </a:fontRef>
+            </p:style>
+          </p:cxnSp>
+          <p:cxnSp>
+            <p:nvCxnSpPr>
+              <p:cNvPr id="45" name="Straight Connector 44"/>
+              <p:cNvCxnSpPr>
+                <a:stCxn id="43" idx="2"/>
+              </p:cNvCxnSpPr>
+              <p:nvPr/>
+            </p:nvCxnSpPr>
+            <p:spPr>
+              <a:xfrm flipH="1">
+                <a:off x="5541801" y="2083799"/>
+                <a:ext cx="164435" cy="0"/>
+              </a:xfrm>
+              <a:prstGeom prst="line">
+                <a:avLst/>
+              </a:prstGeom>
+              <a:ln w="19050">
+                <a:solidFill>
+                  <a:schemeClr val="tx1"/>
+                </a:solidFill>
+              </a:ln>
+            </p:spPr>
+            <p:style>
+              <a:lnRef idx="1">
+                <a:schemeClr val="accent1"/>
+              </a:lnRef>
+              <a:fillRef idx="0">
+                <a:schemeClr val="accent1"/>
+              </a:fillRef>
+              <a:effectRef idx="0">
+                <a:schemeClr val="accent1"/>
+              </a:effectRef>
+              <a:fontRef idx="minor">
+                <a:schemeClr val="tx1"/>
+              </a:fontRef>
+            </p:style>
+          </p:cxnSp>
+        </p:grpSp>
+        <p:grpSp>
+          <p:nvGrpSpPr>
+            <p:cNvPr id="29" name="Group 28"/>
+            <p:cNvGrpSpPr/>
+            <p:nvPr/>
+          </p:nvGrpSpPr>
+          <p:grpSpPr>
+            <a:xfrm>
+              <a:off x="4379803" y="2972717"/>
+              <a:ext cx="230601" cy="331199"/>
+              <a:chOff x="5540558" y="1752600"/>
+              <a:chExt cx="230601" cy="331199"/>
+            </a:xfrm>
+          </p:grpSpPr>
+          <p:sp>
+            <p:nvSpPr>
+              <p:cNvPr id="40" name="Rectangle 39"/>
+              <p:cNvSpPr/>
+              <p:nvPr/>
+            </p:nvSpPr>
+            <p:spPr>
+              <a:xfrm>
+                <a:off x="5641313" y="1752600"/>
+                <a:ext cx="129846" cy="331199"/>
+              </a:xfrm>
+              <a:prstGeom prst="rect">
+                <a:avLst/>
+              </a:prstGeom>
+              <a:solidFill>
+                <a:srgbClr val="F79646">
+                  <a:lumMod val="40000"/>
+                  <a:lumOff val="60000"/>
+                </a:srgbClr>
+              </a:solidFill>
+              <a:ln w="19050" cap="flat" cmpd="sng" algn="ctr">
+                <a:solidFill>
+                  <a:sysClr val="windowText" lastClr="000000"/>
+                </a:solidFill>
+                <a:prstDash val="solid"/>
+              </a:ln>
+              <a:effectLst/>
+            </p:spPr>
+            <p:txBody>
+              <a:bodyPr rtlCol="0" anchor="ctr"/>
+              <a:lstStyle/>
+              <a:p>
+                <a:pPr marL="0" marR="0" lvl="0" indent="0" algn="ctr" defTabSz="914400" rtl="0" eaLnBrk="1" fontAlgn="auto" latinLnBrk="0" hangingPunct="1">
+                  <a:lnSpc>
+                    <a:spcPct val="100000"/>
+                  </a:lnSpc>
+                  <a:spcBef>
+                    <a:spcPts val="0"/>
+                  </a:spcBef>
+                  <a:spcAft>
+                    <a:spcPts val="0"/>
+                  </a:spcAft>
+                  <a:buClrTx/>
+                  <a:buSzTx/>
+                  <a:buFontTx/>
+                  <a:buNone/>
+                  <a:tabLst/>
+                  <a:defRPr/>
+                </a:pPr>
+                <a:endParaRPr kumimoji="0" lang="en-US" sz="2000" b="1" i="0" u="none" strike="noStrike" kern="0" cap="none" spc="0" normalizeH="0" baseline="0" noProof="0" dirty="0" smtClean="0">
+                  <a:ln>
+                    <a:noFill/>
+                  </a:ln>
+                  <a:solidFill>
+                    <a:prstClr val="black"/>
+                  </a:solidFill>
+                  <a:effectLst/>
+                  <a:uLnTx/>
+                  <a:uFillTx/>
+                  <a:latin typeface="Calibri"/>
+                  <a:ea typeface="+mn-ea"/>
+                  <a:cs typeface="+mn-cs"/>
+                </a:endParaRPr>
+              </a:p>
+            </p:txBody>
+          </p:sp>
+          <p:cxnSp>
+            <p:nvCxnSpPr>
+              <p:cNvPr id="41" name="Straight Connector 40"/>
+              <p:cNvCxnSpPr>
+                <a:stCxn id="40" idx="0"/>
+              </p:cNvCxnSpPr>
+              <p:nvPr/>
+            </p:nvCxnSpPr>
+            <p:spPr>
+              <a:xfrm flipH="1">
+                <a:off x="5540558" y="1752600"/>
+                <a:ext cx="165678" cy="0"/>
+              </a:xfrm>
+              <a:prstGeom prst="line">
+                <a:avLst/>
+              </a:prstGeom>
+              <a:ln w="19050">
+                <a:solidFill>
+                  <a:schemeClr val="tx1"/>
+                </a:solidFill>
+              </a:ln>
+            </p:spPr>
+            <p:style>
+              <a:lnRef idx="1">
+                <a:schemeClr val="accent1"/>
+              </a:lnRef>
+              <a:fillRef idx="0">
+                <a:schemeClr val="accent1"/>
+              </a:fillRef>
+              <a:effectRef idx="0">
+                <a:schemeClr val="accent1"/>
+              </a:effectRef>
+              <a:fontRef idx="minor">
+                <a:schemeClr val="tx1"/>
+              </a:fontRef>
+            </p:style>
+          </p:cxnSp>
+          <p:cxnSp>
+            <p:nvCxnSpPr>
+              <p:cNvPr id="42" name="Straight Connector 41"/>
+              <p:cNvCxnSpPr>
+                <a:stCxn id="40" idx="2"/>
+              </p:cNvCxnSpPr>
+              <p:nvPr/>
+            </p:nvCxnSpPr>
+            <p:spPr>
+              <a:xfrm flipH="1">
+                <a:off x="5541801" y="2083799"/>
+                <a:ext cx="164435" cy="0"/>
+              </a:xfrm>
+              <a:prstGeom prst="line">
+                <a:avLst/>
+              </a:prstGeom>
+              <a:ln w="19050">
+                <a:solidFill>
+                  <a:schemeClr val="tx1"/>
+                </a:solidFill>
+              </a:ln>
+            </p:spPr>
+            <p:style>
+              <a:lnRef idx="1">
+                <a:schemeClr val="accent1"/>
+              </a:lnRef>
+              <a:fillRef idx="0">
+                <a:schemeClr val="accent1"/>
+              </a:fillRef>
+              <a:effectRef idx="0">
+                <a:schemeClr val="accent1"/>
+              </a:effectRef>
+              <a:fontRef idx="minor">
+                <a:schemeClr val="tx1"/>
+              </a:fontRef>
+            </p:style>
+          </p:cxnSp>
+        </p:grpSp>
+        <p:sp>
+          <p:nvSpPr>
+            <p:cNvPr id="30" name="Rectangle 29"/>
+            <p:cNvSpPr/>
+            <p:nvPr/>
+          </p:nvSpPr>
+          <p:spPr>
+            <a:xfrm>
+              <a:off x="45950" y="2779484"/>
+              <a:ext cx="1459363" cy="717668"/>
+            </a:xfrm>
+            <a:prstGeom prst="rect">
+              <a:avLst/>
+            </a:prstGeom>
+            <a:solidFill>
+              <a:srgbClr val="F79646">
+                <a:lumMod val="40000"/>
+                <a:lumOff val="60000"/>
+              </a:srgbClr>
+            </a:solidFill>
+            <a:ln w="25400" cap="flat" cmpd="sng" algn="ctr">
+              <a:solidFill>
+                <a:sysClr val="windowText" lastClr="000000"/>
+              </a:solidFill>
+              <a:prstDash val="solid"/>
+            </a:ln>
+            <a:effectLst/>
+          </p:spPr>
+          <p:txBody>
+            <a:bodyPr rtlCol="0" anchor="ctr"/>
+            <a:lstStyle/>
+            <a:p>
+              <a:pPr marL="0" marR="0" lvl="0" indent="0" algn="ctr" defTabSz="914400" rtl="0" eaLnBrk="1" fontAlgn="auto" latinLnBrk="0" hangingPunct="1">
+                <a:lnSpc>
+                  <a:spcPct val="100000"/>
+                </a:lnSpc>
+                <a:spcBef>
+                  <a:spcPts val="0"/>
+                </a:spcBef>
+                <a:spcAft>
+                  <a:spcPts val="0"/>
+                </a:spcAft>
+                <a:buClrTx/>
+                <a:buSzTx/>
+                <a:buFontTx/>
+                <a:buNone/>
+                <a:tabLst/>
+                <a:defRPr/>
+              </a:pPr>
+              <a:r>
+                <a:rPr kumimoji="0" lang="en-US" sz="2000" b="1" i="0" u="none" strike="noStrike" kern="0" cap="none" spc="0" normalizeH="0" baseline="0" noProof="0" dirty="0" smtClean="0">
+                  <a:ln>
+                    <a:noFill/>
+                  </a:ln>
+                  <a:solidFill>
+                    <a:prstClr val="black"/>
+                  </a:solidFill>
+                  <a:effectLst/>
+                  <a:uLnTx/>
+                  <a:uFillTx/>
+                  <a:latin typeface="Calibri"/>
+                  <a:ea typeface="+mn-ea"/>
+                  <a:cs typeface="+mn-cs"/>
+                </a:rPr>
+                <a:t>Reservation</a:t>
+              </a:r>
+            </a:p>
+            <a:p>
+              <a:pPr marL="0" marR="0" lvl="0" indent="0" algn="ctr" defTabSz="914400" rtl="0" eaLnBrk="1" fontAlgn="auto" latinLnBrk="0" hangingPunct="1">
+                <a:lnSpc>
+                  <a:spcPct val="100000"/>
+                </a:lnSpc>
+                <a:spcBef>
+                  <a:spcPts val="0"/>
+                </a:spcBef>
+                <a:spcAft>
+                  <a:spcPts val="0"/>
+                </a:spcAft>
+                <a:buClrTx/>
+                <a:buSzTx/>
+                <a:buFontTx/>
+                <a:buNone/>
+                <a:tabLst/>
+                <a:defRPr/>
+              </a:pPr>
+              <a:r>
+                <a:rPr lang="en-US" sz="2000" b="1" kern="0" dirty="0" smtClean="0">
+                  <a:solidFill>
+                    <a:prstClr val="black"/>
+                  </a:solidFill>
+                  <a:latin typeface="Calibri"/>
+                </a:rPr>
+                <a:t>Station</a:t>
+              </a:r>
+              <a:endParaRPr kumimoji="0" lang="en-US" sz="2000" b="1" i="0" u="none" strike="noStrike" kern="0" cap="none" spc="0" normalizeH="0" baseline="0" noProof="0" dirty="0" smtClean="0">
+                <a:ln>
+                  <a:noFill/>
+                </a:ln>
+                <a:solidFill>
+                  <a:prstClr val="black"/>
+                </a:solidFill>
+                <a:effectLst/>
+                <a:uLnTx/>
+                <a:uFillTx/>
+                <a:latin typeface="Calibri"/>
+                <a:ea typeface="+mn-ea"/>
+                <a:cs typeface="+mn-cs"/>
+              </a:endParaRPr>
+            </a:p>
+          </p:txBody>
+        </p:sp>
+        <p:cxnSp>
+          <p:nvCxnSpPr>
+            <p:cNvPr id="72" name="Straight Arrow Connector 71"/>
+            <p:cNvCxnSpPr>
+              <a:stCxn id="30" idx="3"/>
+              <a:endCxn id="7" idx="2"/>
+            </p:cNvCxnSpPr>
+            <p:nvPr/>
+          </p:nvCxnSpPr>
+          <p:spPr>
+            <a:xfrm>
+              <a:off x="1505313" y="3138318"/>
+              <a:ext cx="156666" cy="0"/>
+            </a:xfrm>
+            <a:prstGeom prst="straightConnector1">
+              <a:avLst/>
+            </a:prstGeom>
+            <a:noFill/>
+            <a:ln w="12700" cap="flat" cmpd="sng" algn="ctr">
+              <a:solidFill>
+                <a:sysClr val="windowText" lastClr="000000"/>
+              </a:solidFill>
+              <a:prstDash val="solid"/>
+              <a:tailEnd type="triangle"/>
+            </a:ln>
+            <a:effectLst/>
+          </p:spPr>
+        </p:cxnSp>
+        <p:sp>
+          <p:nvSpPr>
+            <p:cNvPr id="39" name="TextBox 38"/>
             <p:cNvSpPr txBox="1"/>
             <p:nvPr/>
           </p:nvSpPr>
           <p:spPr>
             <a:xfrm>
-              <a:off x="4021073" y="2532596"/>
-              <a:ext cx="3054769" cy="369332"/>
+              <a:off x="5265052" y="4425612"/>
+              <a:ext cx="1574478" cy="400110"/>
             </a:xfrm>
             <a:prstGeom prst="rect">
               <a:avLst/>
             </a:prstGeom>
             <a:noFill/>
-            <a:ln w="38100">
-              <a:solidFill>
-                <a:schemeClr val="tx1"/>
-              </a:solidFill>
-            </a:ln>
           </p:spPr>
           <p:txBody>
             <a:bodyPr wrap="square" rtlCol="0">
@@ -3055,103 +4651,45 @@
             </a:bodyPr>
             <a:lstStyle/>
             <a:p>
-              <a:pPr algn="ctr"/>
+              <a:pPr algn="ctr">
+                <a:defRPr/>
+              </a:pPr>
               <a:r>
-                <a:rPr lang="en-US" dirty="0" smtClean="0"/>
-                <a:t>FIFO Q[1]</a:t>
+                <a:rPr lang="en-US" sz="2000" b="1" kern="0" dirty="0" err="1" smtClean="0">
+                  <a:solidFill>
+                    <a:prstClr val="black"/>
+                  </a:solidFill>
+                  <a:latin typeface="Calibri"/>
+                </a:rPr>
+                <a:t>recvBypass</a:t>
               </a:r>
-              <a:endParaRPr lang="en-US" dirty="0"/>
-            </a:p>
-          </p:txBody>
-        </p:sp>
-        <p:sp>
-          <p:nvSpPr>
-            <p:cNvPr id="6" name="TextBox 5"/>
-            <p:cNvSpPr txBox="1"/>
-            <p:nvPr/>
-          </p:nvSpPr>
-          <p:spPr>
-            <a:xfrm>
-              <a:off x="4021073" y="3741841"/>
-              <a:ext cx="3054769" cy="369332"/>
-            </a:xfrm>
-            <a:prstGeom prst="rect">
-              <a:avLst/>
-            </a:prstGeom>
-            <a:noFill/>
-            <a:ln w="38100">
-              <a:solidFill>
-                <a:schemeClr val="tx1"/>
-              </a:solidFill>
-            </a:ln>
-          </p:spPr>
-          <p:txBody>
-            <a:bodyPr wrap="square" rtlCol="0">
-              <a:spAutoFit/>
-            </a:bodyPr>
-            <a:lstStyle/>
-            <a:p>
-              <a:pPr algn="ctr"/>
-              <a:r>
-                <a:rPr lang="en-US" dirty="0" smtClean="0"/>
-                <a:t>FIFO Q[SupSize-1]</a:t>
-              </a:r>
-              <a:endParaRPr lang="en-US" dirty="0"/>
-            </a:p>
-          </p:txBody>
-        </p:sp>
-        <p:sp>
-          <p:nvSpPr>
-            <p:cNvPr id="7" name="TextBox 6"/>
-            <p:cNvSpPr txBox="1"/>
-            <p:nvPr/>
-          </p:nvSpPr>
-          <p:spPr>
-            <a:xfrm>
-              <a:off x="2444525" y="1870154"/>
-              <a:ext cx="1194751" cy="369332"/>
-            </a:xfrm>
-            <a:prstGeom prst="rect">
-              <a:avLst/>
-            </a:prstGeom>
-            <a:noFill/>
-          </p:spPr>
-          <p:txBody>
-            <a:bodyPr wrap="none" rtlCol="0">
-              <a:spAutoFit/>
-            </a:bodyPr>
-            <a:lstStyle/>
-            <a:p>
-              <a:r>
-                <a:rPr lang="en-US" dirty="0" err="1" smtClean="0"/>
-                <a:t>enqPort</a:t>
-              </a:r>
-              <a:r>
-                <a:rPr lang="en-US" dirty="0" smtClean="0"/>
-                <a:t>[0]</a:t>
-              </a:r>
-              <a:endParaRPr lang="en-US" dirty="0"/>
+              <a:endParaRPr lang="en-US" sz="2000" b="1" kern="0" dirty="0">
+                <a:solidFill>
+                  <a:prstClr val="black"/>
+                </a:solidFill>
+                <a:latin typeface="Calibri"/>
+              </a:endParaRPr>
             </a:p>
           </p:txBody>
         </p:sp>
         <p:cxnSp>
           <p:nvCxnSpPr>
-            <p:cNvPr id="9" name="Straight Arrow Connector 8"/>
+            <p:cNvPr id="27" name="Straight Arrow Connector 26"/>
             <p:cNvCxnSpPr>
-              <a:stCxn id="7" idx="3"/>
-              <a:endCxn id="4" idx="1"/>
+              <a:stCxn id="39" idx="0"/>
+              <a:endCxn id="8" idx="1"/>
             </p:cNvCxnSpPr>
             <p:nvPr/>
           </p:nvCxnSpPr>
           <p:spPr>
-            <a:xfrm>
-              <a:off x="3639276" y="2054820"/>
-              <a:ext cx="381797" cy="0"/>
+            <a:xfrm flipV="1">
+              <a:off x="6052291" y="3552341"/>
+              <a:ext cx="1" cy="873271"/>
             </a:xfrm>
             <a:prstGeom prst="straightConnector1">
               <a:avLst/>
             </a:prstGeom>
-            <a:ln w="19050">
+            <a:ln w="12700">
               <a:solidFill>
                 <a:schemeClr val="tx1"/>
               </a:solidFill>
@@ -3175,14 +4713,14 @@
         </p:cxnSp>
         <p:sp>
           <p:nvSpPr>
-            <p:cNvPr id="12" name="TextBox 11"/>
+            <p:cNvPr id="46" name="TextBox 45"/>
             <p:cNvSpPr txBox="1"/>
             <p:nvPr/>
           </p:nvSpPr>
           <p:spPr>
             <a:xfrm>
-              <a:off x="2444524" y="2532596"/>
-              <a:ext cx="1194751" cy="369332"/>
+              <a:off x="7929541" y="4425612"/>
+              <a:ext cx="1574478" cy="400110"/>
             </a:xfrm>
             <a:prstGeom prst="rect">
               <a:avLst/>
@@ -3190,41 +4728,50 @@
             <a:noFill/>
           </p:spPr>
           <p:txBody>
-            <a:bodyPr wrap="none" rtlCol="0">
+            <a:bodyPr wrap="square" rtlCol="0">
               <a:spAutoFit/>
             </a:bodyPr>
             <a:lstStyle/>
             <a:p>
+              <a:pPr algn="ctr">
+                <a:defRPr/>
+              </a:pPr>
               <a:r>
-                <a:rPr lang="en-US" dirty="0" err="1" smtClean="0"/>
-                <a:t>enqPort</a:t>
+                <a:rPr lang="en-US" sz="2000" b="1" kern="0" dirty="0" err="1" smtClean="0">
+                  <a:solidFill>
+                    <a:prstClr val="black"/>
+                  </a:solidFill>
+                  <a:latin typeface="Calibri"/>
+                </a:rPr>
+                <a:t>sendBypass</a:t>
               </a:r>
-              <a:r>
-                <a:rPr lang="en-US" dirty="0" smtClean="0"/>
-                <a:t>[1]</a:t>
-              </a:r>
-              <a:endParaRPr lang="en-US" dirty="0"/>
+              <a:endParaRPr lang="en-US" sz="2000" b="1" kern="0" dirty="0">
+                <a:solidFill>
+                  <a:prstClr val="black"/>
+                </a:solidFill>
+                <a:latin typeface="Calibri"/>
+              </a:endParaRPr>
             </a:p>
           </p:txBody>
         </p:sp>
         <p:cxnSp>
           <p:nvCxnSpPr>
-            <p:cNvPr id="13" name="Straight Arrow Connector 12"/>
+            <p:cNvPr id="34" name="Straight Arrow Connector 33"/>
             <p:cNvCxnSpPr>
-              <a:stCxn id="12" idx="3"/>
-              <a:endCxn id="5" idx="1"/>
+              <a:stCxn id="9" idx="1"/>
+              <a:endCxn id="46" idx="0"/>
             </p:cNvCxnSpPr>
             <p:nvPr/>
           </p:nvCxnSpPr>
           <p:spPr>
-            <a:xfrm>
-              <a:off x="3639275" y="2717262"/>
-              <a:ext cx="381798" cy="0"/>
+            <a:xfrm flipH="1">
+              <a:off x="8716780" y="3552340"/>
+              <a:ext cx="1" cy="873272"/>
             </a:xfrm>
             <a:prstGeom prst="straightConnector1">
               <a:avLst/>
             </a:prstGeom>
-            <a:ln w="19050">
+            <a:ln w="12700">
               <a:solidFill>
                 <a:schemeClr val="tx1"/>
               </a:solidFill>
@@ -3248,14 +4795,14 @@
         </p:cxnSp>
         <p:sp>
           <p:nvSpPr>
-            <p:cNvPr id="16" name="TextBox 15"/>
+            <p:cNvPr id="47" name="TextBox 46"/>
             <p:cNvSpPr txBox="1"/>
             <p:nvPr/>
           </p:nvSpPr>
           <p:spPr>
             <a:xfrm>
-              <a:off x="7550307" y="3741841"/>
-              <a:ext cx="1194751" cy="369332"/>
+              <a:off x="10297336" y="4425612"/>
+              <a:ext cx="1574478" cy="400110"/>
             </a:xfrm>
             <a:prstGeom prst="rect">
               <a:avLst/>
@@ -3263,41 +4810,50 @@
             <a:noFill/>
           </p:spPr>
           <p:txBody>
-            <a:bodyPr wrap="none" rtlCol="0">
+            <a:bodyPr wrap="square" rtlCol="0">
               <a:spAutoFit/>
             </a:bodyPr>
             <a:lstStyle/>
             <a:p>
+              <a:pPr algn="ctr">
+                <a:defRPr/>
+              </a:pPr>
               <a:r>
-                <a:rPr lang="en-US" dirty="0" err="1" smtClean="0"/>
-                <a:t>deqPort</a:t>
+                <a:rPr lang="en-US" sz="2000" b="1" kern="0" dirty="0" err="1" smtClean="0">
+                  <a:solidFill>
+                    <a:prstClr val="black"/>
+                  </a:solidFill>
+                  <a:latin typeface="Calibri"/>
+                </a:rPr>
+                <a:t>sendBypass</a:t>
               </a:r>
-              <a:r>
-                <a:rPr lang="en-US" dirty="0" smtClean="0"/>
-                <a:t>[0]</a:t>
-              </a:r>
-              <a:endParaRPr lang="en-US" dirty="0"/>
+              <a:endParaRPr lang="en-US" sz="2000" b="1" kern="0" dirty="0">
+                <a:solidFill>
+                  <a:prstClr val="black"/>
+                </a:solidFill>
+                <a:latin typeface="Calibri"/>
+              </a:endParaRPr>
             </a:p>
           </p:txBody>
         </p:sp>
         <p:cxnSp>
           <p:nvCxnSpPr>
-            <p:cNvPr id="17" name="Straight Arrow Connector 16"/>
+            <p:cNvPr id="48" name="Straight Arrow Connector 47"/>
             <p:cNvCxnSpPr>
-              <a:stCxn id="6" idx="3"/>
-              <a:endCxn id="16" idx="1"/>
+              <a:stCxn id="10" idx="1"/>
+              <a:endCxn id="47" idx="0"/>
             </p:cNvCxnSpPr>
             <p:nvPr/>
           </p:nvCxnSpPr>
           <p:spPr>
             <a:xfrm>
-              <a:off x="7075842" y="3926507"/>
-              <a:ext cx="474465" cy="0"/>
+              <a:off x="11084575" y="3552340"/>
+              <a:ext cx="0" cy="873272"/>
             </a:xfrm>
             <a:prstGeom prst="straightConnector1">
               <a:avLst/>
             </a:prstGeom>
-            <a:ln w="19050">
+            <a:ln w="12700">
               <a:solidFill>
                 <a:schemeClr val="tx1"/>
               </a:solidFill>
@@ -3321,14 +4877,14 @@
         </p:cxnSp>
         <p:sp>
           <p:nvSpPr>
-            <p:cNvPr id="20" name="TextBox 19"/>
+            <p:cNvPr id="52" name="TextBox 51"/>
             <p:cNvSpPr txBox="1"/>
             <p:nvPr/>
           </p:nvSpPr>
           <p:spPr>
             <a:xfrm>
-              <a:off x="7550306" y="1870154"/>
-              <a:ext cx="1194751" cy="369332"/>
+              <a:off x="8030622" y="3788921"/>
+              <a:ext cx="778928" cy="400110"/>
             </a:xfrm>
             <a:prstGeom prst="rect">
               <a:avLst/>
@@ -3336,72 +4892,42 @@
             <a:noFill/>
           </p:spPr>
           <p:txBody>
-            <a:bodyPr wrap="none" rtlCol="0">
+            <a:bodyPr wrap="square" rtlCol="0">
               <a:spAutoFit/>
             </a:bodyPr>
             <a:lstStyle/>
             <a:p>
+              <a:pPr algn="ctr">
+                <a:defRPr/>
+              </a:pPr>
               <a:r>
-                <a:rPr lang="en-US" dirty="0" err="1" smtClean="0"/>
-                <a:t>deqPort</a:t>
+                <a:rPr lang="en-US" sz="2000" kern="0" dirty="0" smtClean="0">
+                  <a:solidFill>
+                    <a:srgbClr val="FF0000"/>
+                  </a:solidFill>
+                  <a:latin typeface="Calibri"/>
+                </a:rPr>
+                <a:t>wire</a:t>
               </a:r>
-              <a:r>
-                <a:rPr lang="en-US" dirty="0" smtClean="0"/>
-                <a:t>[1]</a:t>
-              </a:r>
-              <a:endParaRPr lang="en-US" dirty="0"/>
+              <a:endParaRPr lang="en-US" sz="2000" kern="0" dirty="0">
+                <a:solidFill>
+                  <a:srgbClr val="FF0000"/>
+                </a:solidFill>
+                <a:latin typeface="Calibri"/>
+              </a:endParaRPr>
             </a:p>
           </p:txBody>
         </p:sp>
-        <p:cxnSp>
-          <p:nvCxnSpPr>
-            <p:cNvPr id="21" name="Straight Arrow Connector 20"/>
-            <p:cNvCxnSpPr>
-              <a:stCxn id="4" idx="3"/>
-              <a:endCxn id="20" idx="1"/>
-            </p:cNvCxnSpPr>
-            <p:nvPr/>
-          </p:nvCxnSpPr>
-          <p:spPr>
-            <a:xfrm>
-              <a:off x="7075842" y="2054820"/>
-              <a:ext cx="474464" cy="0"/>
-            </a:xfrm>
-            <a:prstGeom prst="straightConnector1">
-              <a:avLst/>
-            </a:prstGeom>
-            <a:ln w="19050">
-              <a:solidFill>
-                <a:schemeClr val="tx1"/>
-              </a:solidFill>
-              <a:tailEnd type="triangle"/>
-            </a:ln>
-          </p:spPr>
-          <p:style>
-            <a:lnRef idx="1">
-              <a:schemeClr val="accent1"/>
-            </a:lnRef>
-            <a:fillRef idx="0">
-              <a:schemeClr val="accent1"/>
-            </a:fillRef>
-            <a:effectRef idx="0">
-              <a:schemeClr val="accent1"/>
-            </a:effectRef>
-            <a:fontRef idx="minor">
-              <a:schemeClr val="tx1"/>
-            </a:fontRef>
-          </p:style>
-        </p:cxnSp>
         <p:sp>
           <p:nvSpPr>
-            <p:cNvPr id="25" name="TextBox 24"/>
+            <p:cNvPr id="53" name="TextBox 52"/>
             <p:cNvSpPr txBox="1"/>
             <p:nvPr/>
           </p:nvSpPr>
           <p:spPr>
             <a:xfrm>
-              <a:off x="5293411" y="3101608"/>
-              <a:ext cx="343364" cy="369332"/>
+              <a:off x="10398416" y="3788921"/>
+              <a:ext cx="778928" cy="400110"/>
             </a:xfrm>
             <a:prstGeom prst="rect">
               <a:avLst/>
@@ -3409,41 +4935,131 @@
             <a:noFill/>
           </p:spPr>
           <p:txBody>
-            <a:bodyPr wrap="none" rtlCol="0">
+            <a:bodyPr wrap="square" rtlCol="0">
               <a:spAutoFit/>
             </a:bodyPr>
             <a:lstStyle/>
             <a:p>
+              <a:pPr algn="ctr">
+                <a:defRPr/>
+              </a:pPr>
               <a:r>
-                <a:rPr lang="en-US" dirty="0" smtClean="0"/>
-                <a:t>…</a:t>
+                <a:rPr lang="en-US" sz="2000" kern="0" dirty="0" smtClean="0">
+                  <a:solidFill>
+                    <a:srgbClr val="FF0000"/>
+                  </a:solidFill>
+                  <a:latin typeface="Calibri"/>
+                </a:rPr>
+                <a:t>wire</a:t>
               </a:r>
-              <a:endParaRPr lang="en-US" dirty="0"/>
+              <a:endParaRPr lang="en-US" sz="2000" kern="0" dirty="0">
+                <a:solidFill>
+                  <a:srgbClr val="FF0000"/>
+                </a:solidFill>
+                <a:latin typeface="Calibri"/>
+              </a:endParaRPr>
             </a:p>
           </p:txBody>
         </p:sp>
-        <p:cxnSp>
-          <p:nvCxnSpPr>
-            <p:cNvPr id="27" name="Curved Connector 26"/>
-            <p:cNvCxnSpPr>
-              <a:stCxn id="7" idx="1"/>
-              <a:endCxn id="12" idx="1"/>
-            </p:cNvCxnSpPr>
-            <p:nvPr/>
-          </p:nvCxnSpPr>
-          <p:spPr>
-            <a:xfrm rot="10800000" flipV="1">
-              <a:off x="2444525" y="2054820"/>
-              <a:ext cx="1" cy="662442"/>
-            </a:xfrm>
-            <a:prstGeom prst="curvedConnector3">
-              <a:avLst>
-                <a:gd name="adj1" fmla="val 22860100000"/>
-              </a:avLst>
-            </a:prstGeom>
-            <a:ln w="19050">
+        <p:sp>
+          <p:nvSpPr>
+            <p:cNvPr id="54" name="TextBox 53"/>
+            <p:cNvSpPr txBox="1"/>
+            <p:nvPr/>
+          </p:nvSpPr>
+          <p:spPr>
+            <a:xfrm>
+              <a:off x="5352517" y="3788921"/>
+              <a:ext cx="778928" cy="400110"/>
+            </a:xfrm>
+            <a:prstGeom prst="rect">
+              <a:avLst/>
+            </a:prstGeom>
+            <a:noFill/>
+          </p:spPr>
+          <p:txBody>
+            <a:bodyPr wrap="square" rtlCol="0">
+              <a:spAutoFit/>
+            </a:bodyPr>
+            <a:lstStyle/>
+            <a:p>
+              <a:pPr algn="ctr">
+                <a:defRPr/>
+              </a:pPr>
+              <a:r>
+                <a:rPr lang="en-US" sz="2000" kern="0" dirty="0" smtClean="0">
+                  <a:solidFill>
+                    <a:srgbClr val="FF0000"/>
+                  </a:solidFill>
+                  <a:latin typeface="Calibri"/>
+                </a:rPr>
+                <a:t>wire</a:t>
+              </a:r>
+              <a:endParaRPr lang="en-US" sz="2000" kern="0" dirty="0">
+                <a:solidFill>
+                  <a:srgbClr val="FF0000"/>
+                </a:solidFill>
+                <a:latin typeface="Calibri"/>
+              </a:endParaRPr>
+            </a:p>
+          </p:txBody>
+        </p:sp>
+        <p:sp>
+          <p:nvSpPr>
+            <p:cNvPr id="56" name="Freeform 55"/>
+            <p:cNvSpPr/>
+            <p:nvPr/>
+          </p:nvSpPr>
+          <p:spPr>
+            <a:xfrm>
+              <a:off x="6304306" y="4824724"/>
+              <a:ext cx="2458311" cy="505447"/>
+            </a:xfrm>
+            <a:custGeom>
+              <a:avLst/>
+              <a:gdLst>
+                <a:gd name="connsiteX0" fmla="*/ 2665085 w 2665085"/>
+                <a:gd name="connsiteY0" fmla="*/ 0 h 505447"/>
+                <a:gd name="connsiteX1" fmla="*/ 1194693 w 2665085"/>
+                <a:gd name="connsiteY1" fmla="*/ 505447 h 505447"/>
+                <a:gd name="connsiteX2" fmla="*/ 0 w 2665085"/>
+                <a:gd name="connsiteY2" fmla="*/ 0 h 505447"/>
+              </a:gdLst>
+              <a:ahLst/>
+              <a:cxnLst>
+                <a:cxn ang="0">
+                  <a:pos x="connsiteX0" y="connsiteY0"/>
+                </a:cxn>
+                <a:cxn ang="0">
+                  <a:pos x="connsiteX1" y="connsiteY1"/>
+                </a:cxn>
+                <a:cxn ang="0">
+                  <a:pos x="connsiteX2" y="connsiteY2"/>
+                </a:cxn>
+              </a:cxnLst>
+              <a:rect l="l" t="t" r="r" b="b"/>
+              <a:pathLst>
+                <a:path w="2665085" h="505447">
+                  <a:moveTo>
+                    <a:pt x="2665085" y="0"/>
+                  </a:moveTo>
+                  <a:cubicBezTo>
+                    <a:pt x="2151979" y="252723"/>
+                    <a:pt x="1638874" y="505447"/>
+                    <a:pt x="1194693" y="505447"/>
+                  </a:cubicBezTo>
+                  <a:cubicBezTo>
+                    <a:pt x="750512" y="505447"/>
+                    <a:pt x="100323" y="20677"/>
+                    <a:pt x="0" y="0"/>
+                  </a:cubicBezTo>
+                </a:path>
+              </a:pathLst>
+            </a:custGeom>
+            <a:noFill/>
+            <a:ln>
               <a:solidFill>
-                <a:srgbClr val="FF0000"/>
+                <a:schemeClr val="tx1"/>
               </a:solidFill>
               <a:prstDash val="lgDash"/>
               <a:headEnd type="none" w="med" len="med"/>
@@ -3451,42 +5067,86 @@
             </a:ln>
           </p:spPr>
           <p:style>
-            <a:lnRef idx="1">
-              <a:schemeClr val="accent1"/>
+            <a:lnRef idx="2">
+              <a:schemeClr val="accent1">
+                <a:shade val="50000"/>
+              </a:schemeClr>
             </a:lnRef>
-            <a:fillRef idx="0">
+            <a:fillRef idx="1">
               <a:schemeClr val="accent1"/>
             </a:fillRef>
             <a:effectRef idx="0">
               <a:schemeClr val="accent1"/>
             </a:effectRef>
             <a:fontRef idx="minor">
-              <a:schemeClr val="tx1"/>
+              <a:schemeClr val="lt1"/>
             </a:fontRef>
           </p:style>
-        </p:cxnSp>
-        <p:cxnSp>
-          <p:nvCxnSpPr>
-            <p:cNvPr id="29" name="Curved Connector 28"/>
-            <p:cNvCxnSpPr>
-              <a:stCxn id="16" idx="3"/>
-              <a:endCxn id="20" idx="3"/>
-            </p:cNvCxnSpPr>
-            <p:nvPr/>
-          </p:nvCxnSpPr>
-          <p:spPr>
-            <a:xfrm flipH="1" flipV="1">
-              <a:off x="8745057" y="2054820"/>
-              <a:ext cx="1" cy="1871687"/>
-            </a:xfrm>
-            <a:prstGeom prst="curvedConnector3">
-              <a:avLst>
-                <a:gd name="adj1" fmla="val -22860000000"/>
-              </a:avLst>
-            </a:prstGeom>
-            <a:ln w="19050">
+          <p:txBody>
+            <a:bodyPr rtlCol="0" anchor="ctr"/>
+            <a:lstStyle/>
+            <a:p>
+              <a:pPr algn="ctr"/>
+              <a:endParaRPr lang="en-US"/>
+            </a:p>
+          </p:txBody>
+        </p:sp>
+        <p:sp>
+          <p:nvSpPr>
+            <p:cNvPr id="59" name="Freeform 58"/>
+            <p:cNvSpPr/>
+            <p:nvPr/>
+          </p:nvSpPr>
+          <p:spPr>
+            <a:xfrm>
+              <a:off x="5831023" y="4778774"/>
+              <a:ext cx="5284281" cy="1015489"/>
+            </a:xfrm>
+            <a:custGeom>
+              <a:avLst/>
+              <a:gdLst>
+                <a:gd name="connsiteX0" fmla="*/ 2665085 w 2665085"/>
+                <a:gd name="connsiteY0" fmla="*/ 0 h 505447"/>
+                <a:gd name="connsiteX1" fmla="*/ 1194693 w 2665085"/>
+                <a:gd name="connsiteY1" fmla="*/ 505447 h 505447"/>
+                <a:gd name="connsiteX2" fmla="*/ 0 w 2665085"/>
+                <a:gd name="connsiteY2" fmla="*/ 0 h 505447"/>
+              </a:gdLst>
+              <a:ahLst/>
+              <a:cxnLst>
+                <a:cxn ang="0">
+                  <a:pos x="connsiteX0" y="connsiteY0"/>
+                </a:cxn>
+                <a:cxn ang="0">
+                  <a:pos x="connsiteX1" y="connsiteY1"/>
+                </a:cxn>
+                <a:cxn ang="0">
+                  <a:pos x="connsiteX2" y="connsiteY2"/>
+                </a:cxn>
+              </a:cxnLst>
+              <a:rect l="l" t="t" r="r" b="b"/>
+              <a:pathLst>
+                <a:path w="2665085" h="505447">
+                  <a:moveTo>
+                    <a:pt x="2665085" y="0"/>
+                  </a:moveTo>
+                  <a:cubicBezTo>
+                    <a:pt x="2151979" y="252723"/>
+                    <a:pt x="1638874" y="505447"/>
+                    <a:pt x="1194693" y="505447"/>
+                  </a:cubicBezTo>
+                  <a:cubicBezTo>
+                    <a:pt x="750512" y="505447"/>
+                    <a:pt x="100323" y="20677"/>
+                    <a:pt x="0" y="0"/>
+                  </a:cubicBezTo>
+                </a:path>
+              </a:pathLst>
+            </a:custGeom>
+            <a:noFill/>
+            <a:ln>
               <a:solidFill>
-                <a:srgbClr val="FF0000"/>
+                <a:schemeClr val="tx1"/>
               </a:solidFill>
               <a:prstDash val="lgDash"/>
               <a:headEnd type="none" w="med" len="med"/>
@@ -3494,42 +5154,45 @@
             </a:ln>
           </p:spPr>
           <p:style>
-            <a:lnRef idx="1">
-              <a:schemeClr val="accent1"/>
+            <a:lnRef idx="2">
+              <a:schemeClr val="accent1">
+                <a:shade val="50000"/>
+              </a:schemeClr>
             </a:lnRef>
-            <a:fillRef idx="0">
+            <a:fillRef idx="1">
               <a:schemeClr val="accent1"/>
             </a:fillRef>
             <a:effectRef idx="0">
               <a:schemeClr val="accent1"/>
             </a:effectRef>
             <a:fontRef idx="minor">
-              <a:schemeClr val="tx1"/>
+              <a:schemeClr val="lt1"/>
             </a:fontRef>
           </p:style>
-        </p:cxnSp>
+          <p:txBody>
+            <a:bodyPr rtlCol="0" anchor="ctr"/>
+            <a:lstStyle/>
+            <a:p>
+              <a:pPr algn="ctr"/>
+              <a:endParaRPr lang="en-US"/>
+            </a:p>
+          </p:txBody>
+        </p:sp>
       </p:grpSp>
     </p:spTree>
     <p:extLst>
       <p:ext uri="{BB962C8B-B14F-4D97-AF65-F5344CB8AC3E}">
-        <p14:creationId xmlns:p14="http://schemas.microsoft.com/office/powerpoint/2010/main" val="1581263796"/>
+        <p14:creationId xmlns:p14="http://schemas.microsoft.com/office/powerpoint/2010/main" val="1588809634"/>
       </p:ext>
     </p:extLst>
   </p:cSld>
   <p:clrMapOvr>
     <a:masterClrMapping/>
   </p:clrMapOvr>
-  <p:timing>
-    <p:tnLst>
-      <p:par>
-        <p:cTn id="1" dur="indefinite" restart="never" nodeType="tmRoot"/>
-      </p:par>
-    </p:tnLst>
-  </p:timing>
 </p:sld>
 </file>
 
-<file path=ppt/slides/slide10.xml><?xml version="1.0" encoding="utf-8"?>
+<file path=ppt/slides/slide11.xml><?xml version="1.0" encoding="utf-8"?>
 <p:sld xmlns:a="http://schemas.openxmlformats.org/drawingml/2006/main" xmlns:r="http://schemas.openxmlformats.org/officeDocument/2006/relationships" xmlns:p="http://schemas.openxmlformats.org/presentationml/2006/main">
   <p:cSld>
     <p:spTree>
@@ -5141,20 +6804,6 @@
                 </a:rPr>
                 <a:t>L1 D$</a:t>
               </a:r>
-              <a:endParaRPr kumimoji="0" lang="en-US" sz="2000" b="1" i="0" u="none" strike="noStrike" kern="0" cap="none" spc="0" normalizeH="0" baseline="0" noProof="0" dirty="0" smtClean="0">
-                <a:ln>
-                  <a:noFill/>
-                </a:ln>
-                <a:solidFill>
-                  <a:prstClr val="black"/>
-                </a:solidFill>
-                <a:effectLst/>
-                <a:uLnTx/>
-                <a:uFillTx/>
-                <a:latin typeface="Calibri"/>
-                <a:ea typeface="+mn-ea"/>
-                <a:cs typeface="+mn-cs"/>
-              </a:endParaRPr>
             </a:p>
           </p:txBody>
         </p:sp>
@@ -6508,7 +8157,1802 @@
 </p:sld>
 </file>
 
+<file path=ppt/slides/slide12.xml><?xml version="1.0" encoding="utf-8"?>
+<p:sld xmlns:a="http://schemas.openxmlformats.org/drawingml/2006/main" xmlns:r="http://schemas.openxmlformats.org/officeDocument/2006/relationships" xmlns:p="http://schemas.openxmlformats.org/presentationml/2006/main">
+  <p:cSld>
+    <p:spTree>
+      <p:nvGrpSpPr>
+        <p:cNvPr id="1" name=""/>
+        <p:cNvGrpSpPr/>
+        <p:nvPr/>
+      </p:nvGrpSpPr>
+      <p:grpSpPr>
+        <a:xfrm>
+          <a:off x="0" y="0"/>
+          <a:ext cx="0" cy="0"/>
+          <a:chOff x="0" y="0"/>
+          <a:chExt cx="0" cy="0"/>
+        </a:xfrm>
+      </p:grpSpPr>
+      <p:grpSp>
+        <p:nvGrpSpPr>
+          <p:cNvPr id="78" name="Group 77"/>
+          <p:cNvGrpSpPr/>
+          <p:nvPr/>
+        </p:nvGrpSpPr>
+        <p:grpSpPr>
+          <a:xfrm>
+            <a:off x="64328" y="1125665"/>
+            <a:ext cx="12141388" cy="4411023"/>
+            <a:chOff x="64328" y="1125665"/>
+            <a:chExt cx="12141388" cy="4411023"/>
+          </a:xfrm>
+        </p:grpSpPr>
+        <p:sp>
+          <p:nvSpPr>
+            <p:cNvPr id="4" name="TextBox 3"/>
+            <p:cNvSpPr txBox="1"/>
+            <p:nvPr/>
+          </p:nvSpPr>
+          <p:spPr>
+            <a:xfrm>
+              <a:off x="8806967" y="2588451"/>
+              <a:ext cx="2014196" cy="369332"/>
+            </a:xfrm>
+            <a:prstGeom prst="rect">
+              <a:avLst/>
+            </a:prstGeom>
+            <a:solidFill>
+              <a:srgbClr val="00B050"/>
+            </a:solidFill>
+          </p:spPr>
+          <p:txBody>
+            <a:bodyPr wrap="square" rtlCol="0">
+              <a:spAutoFit/>
+            </a:bodyPr>
+            <a:lstStyle/>
+            <a:p>
+              <a:pPr algn="ctr"/>
+              <a:r>
+                <a:rPr lang="en-US" dirty="0" smtClean="0">
+                  <a:solidFill>
+                    <a:schemeClr val="bg1"/>
+                  </a:solidFill>
+                </a:rPr>
+                <a:t>Shared L2 Cache</a:t>
+              </a:r>
+              <a:endParaRPr lang="en-US" dirty="0">
+                <a:solidFill>
+                  <a:schemeClr val="bg1"/>
+                </a:solidFill>
+              </a:endParaRPr>
+            </a:p>
+          </p:txBody>
+        </p:sp>
+        <p:sp>
+          <p:nvSpPr>
+            <p:cNvPr id="5" name="TextBox 4"/>
+            <p:cNvSpPr txBox="1"/>
+            <p:nvPr/>
+          </p:nvSpPr>
+          <p:spPr>
+            <a:xfrm>
+              <a:off x="8806967" y="3250243"/>
+              <a:ext cx="2014196" cy="646331"/>
+            </a:xfrm>
+            <a:prstGeom prst="rect">
+              <a:avLst/>
+            </a:prstGeom>
+            <a:solidFill>
+              <a:srgbClr val="00B050"/>
+            </a:solidFill>
+          </p:spPr>
+          <p:txBody>
+            <a:bodyPr wrap="square" rtlCol="0">
+              <a:spAutoFit/>
+            </a:bodyPr>
+            <a:lstStyle/>
+            <a:p>
+              <a:pPr algn="ctr"/>
+              <a:r>
+                <a:rPr lang="en-US" dirty="0" smtClean="0">
+                  <a:solidFill>
+                    <a:schemeClr val="bg1"/>
+                  </a:solidFill>
+                </a:rPr>
+                <a:t>DRAM to L2 Converter</a:t>
+              </a:r>
+              <a:endParaRPr lang="en-US" dirty="0">
+                <a:solidFill>
+                  <a:schemeClr val="bg1"/>
+                </a:solidFill>
+              </a:endParaRPr>
+            </a:p>
+          </p:txBody>
+        </p:sp>
+        <p:sp>
+          <p:nvSpPr>
+            <p:cNvPr id="6" name="TextBox 5"/>
+            <p:cNvSpPr txBox="1"/>
+            <p:nvPr/>
+          </p:nvSpPr>
+          <p:spPr>
+            <a:xfrm>
+              <a:off x="8806967" y="4189034"/>
+              <a:ext cx="2014196" cy="369332"/>
+            </a:xfrm>
+            <a:prstGeom prst="rect">
+              <a:avLst/>
+            </a:prstGeom>
+            <a:solidFill>
+              <a:srgbClr val="00B050"/>
+            </a:solidFill>
+          </p:spPr>
+          <p:txBody>
+            <a:bodyPr wrap="square" rtlCol="0">
+              <a:spAutoFit/>
+            </a:bodyPr>
+            <a:lstStyle/>
+            <a:p>
+              <a:pPr algn="ctr"/>
+              <a:r>
+                <a:rPr lang="en-US" dirty="0" smtClean="0">
+                  <a:solidFill>
+                    <a:schemeClr val="bg1"/>
+                  </a:solidFill>
+                </a:rPr>
+                <a:t>DRAM</a:t>
+              </a:r>
+              <a:endParaRPr lang="en-US" dirty="0">
+                <a:solidFill>
+                  <a:schemeClr val="bg1"/>
+                </a:solidFill>
+              </a:endParaRPr>
+            </a:p>
+          </p:txBody>
+        </p:sp>
+        <p:sp>
+          <p:nvSpPr>
+            <p:cNvPr id="7" name="TextBox 6"/>
+            <p:cNvSpPr txBox="1"/>
+            <p:nvPr/>
+          </p:nvSpPr>
+          <p:spPr>
+            <a:xfrm>
+              <a:off x="2878292" y="2279827"/>
+              <a:ext cx="4248433" cy="369332"/>
+            </a:xfrm>
+            <a:prstGeom prst="rect">
+              <a:avLst/>
+            </a:prstGeom>
+            <a:solidFill>
+              <a:srgbClr val="00B050"/>
+            </a:solidFill>
+          </p:spPr>
+          <p:txBody>
+            <a:bodyPr wrap="square" rtlCol="0">
+              <a:spAutoFit/>
+            </a:bodyPr>
+            <a:lstStyle/>
+            <a:p>
+              <a:pPr algn="ctr"/>
+              <a:r>
+                <a:rPr lang="en-US" dirty="0" smtClean="0">
+                  <a:solidFill>
+                    <a:schemeClr val="bg1"/>
+                  </a:solidFill>
+                </a:rPr>
+                <a:t>MMIO Platform</a:t>
+              </a:r>
+              <a:endParaRPr lang="en-US" dirty="0">
+                <a:solidFill>
+                  <a:schemeClr val="bg1"/>
+                </a:solidFill>
+              </a:endParaRPr>
+            </a:p>
+          </p:txBody>
+        </p:sp>
+        <p:sp>
+          <p:nvSpPr>
+            <p:cNvPr id="8" name="TextBox 7"/>
+            <p:cNvSpPr txBox="1"/>
+            <p:nvPr/>
+          </p:nvSpPr>
+          <p:spPr>
+            <a:xfrm>
+              <a:off x="5123039" y="2939757"/>
+              <a:ext cx="2014196" cy="369332"/>
+            </a:xfrm>
+            <a:prstGeom prst="rect">
+              <a:avLst/>
+            </a:prstGeom>
+            <a:solidFill>
+              <a:srgbClr val="00B050"/>
+            </a:solidFill>
+          </p:spPr>
+          <p:txBody>
+            <a:bodyPr wrap="square" rtlCol="0">
+              <a:spAutoFit/>
+            </a:bodyPr>
+            <a:lstStyle/>
+            <a:p>
+              <a:pPr algn="ctr"/>
+              <a:r>
+                <a:rPr lang="en-US" dirty="0" smtClean="0">
+                  <a:solidFill>
+                    <a:schemeClr val="bg1"/>
+                  </a:solidFill>
+                </a:rPr>
+                <a:t>Memory Loader</a:t>
+              </a:r>
+              <a:endParaRPr lang="en-US" dirty="0">
+                <a:solidFill>
+                  <a:schemeClr val="bg1"/>
+                </a:solidFill>
+              </a:endParaRPr>
+            </a:p>
+          </p:txBody>
+        </p:sp>
+        <p:sp>
+          <p:nvSpPr>
+            <p:cNvPr id="9" name="TextBox 8"/>
+            <p:cNvSpPr txBox="1"/>
+            <p:nvPr/>
+          </p:nvSpPr>
+          <p:spPr>
+            <a:xfrm>
+              <a:off x="2878292" y="2939757"/>
+              <a:ext cx="2014196" cy="369332"/>
+            </a:xfrm>
+            <a:prstGeom prst="rect">
+              <a:avLst/>
+            </a:prstGeom>
+            <a:solidFill>
+              <a:srgbClr val="00B050"/>
+            </a:solidFill>
+          </p:spPr>
+          <p:txBody>
+            <a:bodyPr wrap="square" rtlCol="0">
+              <a:spAutoFit/>
+            </a:bodyPr>
+            <a:lstStyle/>
+            <a:p>
+              <a:pPr algn="ctr"/>
+              <a:r>
+                <a:rPr lang="en-US" dirty="0" smtClean="0">
+                  <a:solidFill>
+                    <a:schemeClr val="bg1"/>
+                  </a:solidFill>
+                </a:rPr>
+                <a:t>Boot Rom</a:t>
+              </a:r>
+              <a:endParaRPr lang="en-US" dirty="0">
+                <a:solidFill>
+                  <a:schemeClr val="bg1"/>
+                </a:solidFill>
+              </a:endParaRPr>
+            </a:p>
+          </p:txBody>
+        </p:sp>
+        <p:sp>
+          <p:nvSpPr>
+            <p:cNvPr id="10" name="Trapezoid 9"/>
+            <p:cNvSpPr/>
+            <p:nvPr/>
+          </p:nvSpPr>
+          <p:spPr>
+            <a:xfrm rot="5400000">
+              <a:off x="7782382" y="2696917"/>
+              <a:ext cx="876300" cy="152400"/>
+            </a:xfrm>
+            <a:prstGeom prst="trapezoid">
+              <a:avLst/>
+            </a:prstGeom>
+            <a:solidFill>
+              <a:schemeClr val="bg1"/>
+            </a:solidFill>
+            <a:ln w="12700">
+              <a:solidFill>
+                <a:schemeClr val="tx1"/>
+              </a:solidFill>
+            </a:ln>
+          </p:spPr>
+          <p:style>
+            <a:lnRef idx="2">
+              <a:schemeClr val="accent1">
+                <a:shade val="50000"/>
+              </a:schemeClr>
+            </a:lnRef>
+            <a:fillRef idx="1">
+              <a:schemeClr val="accent1"/>
+            </a:fillRef>
+            <a:effectRef idx="0">
+              <a:schemeClr val="accent1"/>
+            </a:effectRef>
+            <a:fontRef idx="minor">
+              <a:schemeClr val="lt1"/>
+            </a:fontRef>
+          </p:style>
+          <p:txBody>
+            <a:bodyPr rtlCol="0" anchor="ctr"/>
+            <a:lstStyle/>
+            <a:p>
+              <a:pPr algn="ctr"/>
+              <a:endParaRPr lang="en-US"/>
+            </a:p>
+          </p:txBody>
+        </p:sp>
+        <p:cxnSp>
+          <p:nvCxnSpPr>
+            <p:cNvPr id="12" name="Straight Arrow Connector 11"/>
+            <p:cNvCxnSpPr>
+              <a:stCxn id="10" idx="0"/>
+              <a:endCxn id="4" idx="1"/>
+            </p:cNvCxnSpPr>
+            <p:nvPr/>
+          </p:nvCxnSpPr>
+          <p:spPr>
+            <a:xfrm>
+              <a:off x="8296732" y="2773117"/>
+              <a:ext cx="510235" cy="0"/>
+            </a:xfrm>
+            <a:prstGeom prst="straightConnector1">
+              <a:avLst/>
+            </a:prstGeom>
+            <a:ln w="12700">
+              <a:solidFill>
+                <a:schemeClr val="tx1"/>
+              </a:solidFill>
+              <a:headEnd type="triangle" w="med" len="med"/>
+              <a:tailEnd type="triangle" w="med" len="med"/>
+            </a:ln>
+          </p:spPr>
+          <p:style>
+            <a:lnRef idx="1">
+              <a:schemeClr val="accent1"/>
+            </a:lnRef>
+            <a:fillRef idx="0">
+              <a:schemeClr val="accent1"/>
+            </a:fillRef>
+            <a:effectRef idx="0">
+              <a:schemeClr val="accent1"/>
+            </a:effectRef>
+            <a:fontRef idx="minor">
+              <a:schemeClr val="tx1"/>
+            </a:fontRef>
+          </p:style>
+        </p:cxnSp>
+        <p:cxnSp>
+          <p:nvCxnSpPr>
+            <p:cNvPr id="14" name="Straight Arrow Connector 13"/>
+            <p:cNvCxnSpPr>
+              <a:stCxn id="4" idx="2"/>
+              <a:endCxn id="5" idx="0"/>
+            </p:cNvCxnSpPr>
+            <p:nvPr/>
+          </p:nvCxnSpPr>
+          <p:spPr>
+            <a:xfrm>
+              <a:off x="9814065" y="2957783"/>
+              <a:ext cx="0" cy="292460"/>
+            </a:xfrm>
+            <a:prstGeom prst="straightConnector1">
+              <a:avLst/>
+            </a:prstGeom>
+            <a:ln w="12700">
+              <a:solidFill>
+                <a:schemeClr val="tx1"/>
+              </a:solidFill>
+              <a:headEnd type="triangle" w="med" len="med"/>
+              <a:tailEnd type="triangle" w="med" len="med"/>
+            </a:ln>
+          </p:spPr>
+          <p:style>
+            <a:lnRef idx="1">
+              <a:schemeClr val="accent1"/>
+            </a:lnRef>
+            <a:fillRef idx="0">
+              <a:schemeClr val="accent1"/>
+            </a:fillRef>
+            <a:effectRef idx="0">
+              <a:schemeClr val="accent1"/>
+            </a:effectRef>
+            <a:fontRef idx="minor">
+              <a:schemeClr val="tx1"/>
+            </a:fontRef>
+          </p:style>
+        </p:cxnSp>
+        <p:cxnSp>
+          <p:nvCxnSpPr>
+            <p:cNvPr id="15" name="Straight Arrow Connector 14"/>
+            <p:cNvCxnSpPr>
+              <a:stCxn id="5" idx="2"/>
+              <a:endCxn id="6" idx="0"/>
+            </p:cNvCxnSpPr>
+            <p:nvPr/>
+          </p:nvCxnSpPr>
+          <p:spPr>
+            <a:xfrm>
+              <a:off x="9814065" y="3896574"/>
+              <a:ext cx="0" cy="292460"/>
+            </a:xfrm>
+            <a:prstGeom prst="straightConnector1">
+              <a:avLst/>
+            </a:prstGeom>
+            <a:ln w="12700">
+              <a:solidFill>
+                <a:schemeClr val="tx1"/>
+              </a:solidFill>
+              <a:headEnd type="triangle" w="med" len="med"/>
+              <a:tailEnd type="triangle" w="med" len="med"/>
+            </a:ln>
+          </p:spPr>
+          <p:style>
+            <a:lnRef idx="1">
+              <a:schemeClr val="accent1"/>
+            </a:lnRef>
+            <a:fillRef idx="0">
+              <a:schemeClr val="accent1"/>
+            </a:fillRef>
+            <a:effectRef idx="0">
+              <a:schemeClr val="accent1"/>
+            </a:effectRef>
+            <a:fontRef idx="minor">
+              <a:schemeClr val="tx1"/>
+            </a:fontRef>
+          </p:style>
+        </p:cxnSp>
+        <p:sp>
+          <p:nvSpPr>
+            <p:cNvPr id="19" name="TextBox 18"/>
+            <p:cNvSpPr txBox="1"/>
+            <p:nvPr/>
+          </p:nvSpPr>
+          <p:spPr>
+            <a:xfrm>
+              <a:off x="6533631" y="1272567"/>
+              <a:ext cx="2449966" cy="400110"/>
+            </a:xfrm>
+            <a:prstGeom prst="rect">
+              <a:avLst/>
+            </a:prstGeom>
+            <a:noFill/>
+          </p:spPr>
+          <p:txBody>
+            <a:bodyPr wrap="none" rtlCol="0">
+              <a:spAutoFit/>
+            </a:bodyPr>
+            <a:lstStyle/>
+            <a:p>
+              <a:pPr algn="ctr"/>
+              <a:r>
+                <a:rPr lang="en-US" sz="2000" dirty="0" smtClean="0"/>
+                <a:t>Page walks by L2 TLBs</a:t>
+              </a:r>
+              <a:endParaRPr lang="en-US" sz="2000" dirty="0"/>
+            </a:p>
+          </p:txBody>
+        </p:sp>
+        <p:sp>
+          <p:nvSpPr>
+            <p:cNvPr id="21" name="Freeform 20"/>
+            <p:cNvSpPr/>
+            <p:nvPr/>
+          </p:nvSpPr>
+          <p:spPr>
+            <a:xfrm>
+              <a:off x="7837692" y="1641899"/>
+              <a:ext cx="309197" cy="765867"/>
+            </a:xfrm>
+            <a:custGeom>
+              <a:avLst/>
+              <a:gdLst>
+                <a:gd name="connsiteX0" fmla="*/ 0 w 1254429"/>
+                <a:gd name="connsiteY0" fmla="*/ 0 h 634106"/>
+                <a:gd name="connsiteX1" fmla="*/ 0 w 1254429"/>
+                <a:gd name="connsiteY1" fmla="*/ 634106 h 634106"/>
+                <a:gd name="connsiteX2" fmla="*/ 1254429 w 1254429"/>
+                <a:gd name="connsiteY2" fmla="*/ 634106 h 634106"/>
+              </a:gdLst>
+              <a:ahLst/>
+              <a:cxnLst>
+                <a:cxn ang="0">
+                  <a:pos x="connsiteX0" y="connsiteY0"/>
+                </a:cxn>
+                <a:cxn ang="0">
+                  <a:pos x="connsiteX1" y="connsiteY1"/>
+                </a:cxn>
+                <a:cxn ang="0">
+                  <a:pos x="connsiteX2" y="connsiteY2"/>
+                </a:cxn>
+              </a:cxnLst>
+              <a:rect l="l" t="t" r="r" b="b"/>
+              <a:pathLst>
+                <a:path w="1254429" h="634106">
+                  <a:moveTo>
+                    <a:pt x="0" y="0"/>
+                  </a:moveTo>
+                  <a:lnTo>
+                    <a:pt x="0" y="634106"/>
+                  </a:lnTo>
+                  <a:lnTo>
+                    <a:pt x="1254429" y="634106"/>
+                  </a:lnTo>
+                </a:path>
+              </a:pathLst>
+            </a:custGeom>
+            <a:noFill/>
+            <a:ln>
+              <a:solidFill>
+                <a:schemeClr val="tx1"/>
+              </a:solidFill>
+              <a:headEnd type="triangle" w="med" len="med"/>
+              <a:tailEnd type="triangle" w="med" len="med"/>
+            </a:ln>
+          </p:spPr>
+          <p:style>
+            <a:lnRef idx="2">
+              <a:schemeClr val="accent1">
+                <a:shade val="50000"/>
+              </a:schemeClr>
+            </a:lnRef>
+            <a:fillRef idx="1">
+              <a:schemeClr val="accent1"/>
+            </a:fillRef>
+            <a:effectRef idx="0">
+              <a:schemeClr val="accent1"/>
+            </a:effectRef>
+            <a:fontRef idx="minor">
+              <a:schemeClr val="lt1"/>
+            </a:fontRef>
+          </p:style>
+          <p:txBody>
+            <a:bodyPr rtlCol="0" anchor="ctr"/>
+            <a:lstStyle/>
+            <a:p>
+              <a:pPr algn="ctr"/>
+              <a:endParaRPr lang="en-US"/>
+            </a:p>
+          </p:txBody>
+        </p:sp>
+        <p:cxnSp>
+          <p:nvCxnSpPr>
+            <p:cNvPr id="23" name="Straight Arrow Connector 22"/>
+            <p:cNvCxnSpPr>
+              <a:stCxn id="8" idx="3"/>
+            </p:cNvCxnSpPr>
+            <p:nvPr/>
+          </p:nvCxnSpPr>
+          <p:spPr>
+            <a:xfrm flipV="1">
+              <a:off x="7137235" y="3118813"/>
+              <a:ext cx="993305" cy="5610"/>
+            </a:xfrm>
+            <a:prstGeom prst="straightConnector1">
+              <a:avLst/>
+            </a:prstGeom>
+            <a:ln w="12700">
+              <a:solidFill>
+                <a:schemeClr val="tx1"/>
+              </a:solidFill>
+              <a:headEnd type="triangle" w="med" len="med"/>
+              <a:tailEnd type="triangle" w="med" len="med"/>
+            </a:ln>
+          </p:spPr>
+          <p:style>
+            <a:lnRef idx="1">
+              <a:schemeClr val="accent1"/>
+            </a:lnRef>
+            <a:fillRef idx="0">
+              <a:schemeClr val="accent1"/>
+            </a:fillRef>
+            <a:effectRef idx="0">
+              <a:schemeClr val="accent1"/>
+            </a:effectRef>
+            <a:fontRef idx="minor">
+              <a:schemeClr val="tx1"/>
+            </a:fontRef>
+          </p:style>
+        </p:cxnSp>
+        <p:sp>
+          <p:nvSpPr>
+            <p:cNvPr id="24" name="TextBox 23"/>
+            <p:cNvSpPr txBox="1"/>
+            <p:nvPr/>
+          </p:nvSpPr>
+          <p:spPr>
+            <a:xfrm>
+              <a:off x="9207970" y="1272567"/>
+              <a:ext cx="1212191" cy="400110"/>
+            </a:xfrm>
+            <a:prstGeom prst="rect">
+              <a:avLst/>
+            </a:prstGeom>
+            <a:noFill/>
+          </p:spPr>
+          <p:txBody>
+            <a:bodyPr wrap="none" rtlCol="0">
+              <a:spAutoFit/>
+            </a:bodyPr>
+            <a:lstStyle/>
+            <a:p>
+              <a:pPr algn="ctr"/>
+              <a:r>
+                <a:rPr lang="en-US" sz="2000" dirty="0" smtClean="0"/>
+                <a:t>L1 Caches</a:t>
+              </a:r>
+              <a:endParaRPr lang="en-US" sz="2000" dirty="0"/>
+            </a:p>
+          </p:txBody>
+        </p:sp>
+        <p:cxnSp>
+          <p:nvCxnSpPr>
+            <p:cNvPr id="25" name="Straight Arrow Connector 24"/>
+            <p:cNvCxnSpPr>
+              <a:stCxn id="24" idx="2"/>
+              <a:endCxn id="4" idx="0"/>
+            </p:cNvCxnSpPr>
+            <p:nvPr/>
+          </p:nvCxnSpPr>
+          <p:spPr>
+            <a:xfrm flipH="1">
+              <a:off x="9814065" y="1672677"/>
+              <a:ext cx="1" cy="915774"/>
+            </a:xfrm>
+            <a:prstGeom prst="straightConnector1">
+              <a:avLst/>
+            </a:prstGeom>
+            <a:ln w="12700">
+              <a:solidFill>
+                <a:schemeClr val="tx1"/>
+              </a:solidFill>
+              <a:headEnd type="triangle" w="med" len="med"/>
+              <a:tailEnd type="triangle" w="med" len="med"/>
+            </a:ln>
+          </p:spPr>
+          <p:style>
+            <a:lnRef idx="1">
+              <a:schemeClr val="accent1"/>
+            </a:lnRef>
+            <a:fillRef idx="0">
+              <a:schemeClr val="accent1"/>
+            </a:fillRef>
+            <a:effectRef idx="0">
+              <a:schemeClr val="accent1"/>
+            </a:effectRef>
+            <a:fontRef idx="minor">
+              <a:schemeClr val="tx1"/>
+            </a:fontRef>
+          </p:style>
+        </p:cxnSp>
+        <p:sp>
+          <p:nvSpPr>
+            <p:cNvPr id="30" name="TextBox 29"/>
+            <p:cNvSpPr txBox="1"/>
+            <p:nvPr/>
+          </p:nvSpPr>
+          <p:spPr>
+            <a:xfrm>
+              <a:off x="3660762" y="1275690"/>
+              <a:ext cx="2683492" cy="400110"/>
+            </a:xfrm>
+            <a:prstGeom prst="rect">
+              <a:avLst/>
+            </a:prstGeom>
+            <a:noFill/>
+          </p:spPr>
+          <p:txBody>
+            <a:bodyPr wrap="none" rtlCol="0">
+              <a:spAutoFit/>
+            </a:bodyPr>
+            <a:lstStyle/>
+            <a:p>
+              <a:pPr algn="ctr"/>
+              <a:r>
+                <a:rPr lang="en-US" sz="2000" dirty="0" smtClean="0"/>
+                <a:t>MMIO handlers in cores</a:t>
+              </a:r>
+              <a:endParaRPr lang="en-US" sz="2000" dirty="0"/>
+            </a:p>
+          </p:txBody>
+        </p:sp>
+        <p:cxnSp>
+          <p:nvCxnSpPr>
+            <p:cNvPr id="31" name="Straight Arrow Connector 30"/>
+            <p:cNvCxnSpPr>
+              <a:stCxn id="30" idx="2"/>
+              <a:endCxn id="7" idx="0"/>
+            </p:cNvCxnSpPr>
+            <p:nvPr/>
+          </p:nvCxnSpPr>
+          <p:spPr>
+            <a:xfrm>
+              <a:off x="5002508" y="1675800"/>
+              <a:ext cx="1" cy="604027"/>
+            </a:xfrm>
+            <a:prstGeom prst="straightConnector1">
+              <a:avLst/>
+            </a:prstGeom>
+            <a:ln w="12700">
+              <a:solidFill>
+                <a:schemeClr val="tx1"/>
+              </a:solidFill>
+              <a:headEnd type="triangle" w="med" len="med"/>
+              <a:tailEnd type="triangle" w="med" len="med"/>
+            </a:ln>
+          </p:spPr>
+          <p:style>
+            <a:lnRef idx="1">
+              <a:schemeClr val="accent1"/>
+            </a:lnRef>
+            <a:fillRef idx="0">
+              <a:schemeClr val="accent1"/>
+            </a:fillRef>
+            <a:effectRef idx="0">
+              <a:schemeClr val="accent1"/>
+            </a:effectRef>
+            <a:fontRef idx="minor">
+              <a:schemeClr val="tx1"/>
+            </a:fontRef>
+          </p:style>
+        </p:cxnSp>
+        <p:cxnSp>
+          <p:nvCxnSpPr>
+            <p:cNvPr id="38" name="Straight Arrow Connector 37"/>
+            <p:cNvCxnSpPr>
+              <a:endCxn id="8" idx="0"/>
+            </p:cNvCxnSpPr>
+            <p:nvPr/>
+          </p:nvCxnSpPr>
+          <p:spPr>
+            <a:xfrm>
+              <a:off x="6130137" y="2649159"/>
+              <a:ext cx="0" cy="290598"/>
+            </a:xfrm>
+            <a:prstGeom prst="straightConnector1">
+              <a:avLst/>
+            </a:prstGeom>
+            <a:ln w="12700">
+              <a:solidFill>
+                <a:schemeClr val="tx1"/>
+              </a:solidFill>
+              <a:headEnd type="triangle" w="med" len="med"/>
+              <a:tailEnd type="triangle" w="med" len="med"/>
+            </a:ln>
+          </p:spPr>
+          <p:style>
+            <a:lnRef idx="1">
+              <a:schemeClr val="accent1"/>
+            </a:lnRef>
+            <a:fillRef idx="0">
+              <a:schemeClr val="accent1"/>
+            </a:fillRef>
+            <a:effectRef idx="0">
+              <a:schemeClr val="accent1"/>
+            </a:effectRef>
+            <a:fontRef idx="minor">
+              <a:schemeClr val="tx1"/>
+            </a:fontRef>
+          </p:style>
+        </p:cxnSp>
+        <p:cxnSp>
+          <p:nvCxnSpPr>
+            <p:cNvPr id="42" name="Straight Arrow Connector 41"/>
+            <p:cNvCxnSpPr>
+              <a:endCxn id="9" idx="0"/>
+            </p:cNvCxnSpPr>
+            <p:nvPr/>
+          </p:nvCxnSpPr>
+          <p:spPr>
+            <a:xfrm>
+              <a:off x="3885390" y="2649159"/>
+              <a:ext cx="0" cy="290598"/>
+            </a:xfrm>
+            <a:prstGeom prst="straightConnector1">
+              <a:avLst/>
+            </a:prstGeom>
+            <a:ln w="12700">
+              <a:solidFill>
+                <a:schemeClr val="tx1"/>
+              </a:solidFill>
+              <a:headEnd type="triangle" w="med" len="med"/>
+              <a:tailEnd type="triangle" w="med" len="med"/>
+            </a:ln>
+          </p:spPr>
+          <p:style>
+            <a:lnRef idx="1">
+              <a:schemeClr val="accent1"/>
+            </a:lnRef>
+            <a:fillRef idx="0">
+              <a:schemeClr val="accent1"/>
+            </a:fillRef>
+            <a:effectRef idx="0">
+              <a:schemeClr val="accent1"/>
+            </a:effectRef>
+            <a:fontRef idx="minor">
+              <a:schemeClr val="tx1"/>
+            </a:fontRef>
+          </p:style>
+        </p:cxnSp>
+        <p:sp>
+          <p:nvSpPr>
+            <p:cNvPr id="48" name="TextBox 47"/>
+            <p:cNvSpPr txBox="1"/>
+            <p:nvPr/>
+          </p:nvSpPr>
+          <p:spPr>
+            <a:xfrm>
+              <a:off x="213284" y="5130493"/>
+              <a:ext cx="2467791" cy="400110"/>
+            </a:xfrm>
+            <a:prstGeom prst="rect">
+              <a:avLst/>
+            </a:prstGeom>
+            <a:noFill/>
+          </p:spPr>
+          <p:txBody>
+            <a:bodyPr wrap="none" rtlCol="0">
+              <a:spAutoFit/>
+            </a:bodyPr>
+            <a:lstStyle/>
+            <a:p>
+              <a:r>
+                <a:rPr lang="en-US" sz="2000" dirty="0" smtClean="0"/>
+                <a:t>HTIF: character in/out</a:t>
+              </a:r>
+              <a:endParaRPr lang="en-US" sz="2000" dirty="0"/>
+            </a:p>
+          </p:txBody>
+        </p:sp>
+        <p:cxnSp>
+          <p:nvCxnSpPr>
+            <p:cNvPr id="50" name="Elbow Connector 49"/>
+            <p:cNvCxnSpPr>
+              <a:stCxn id="7" idx="1"/>
+              <a:endCxn id="48" idx="0"/>
+            </p:cNvCxnSpPr>
+            <p:nvPr/>
+          </p:nvCxnSpPr>
+          <p:spPr>
+            <a:xfrm rot="10800000" flipV="1">
+              <a:off x="1447180" y="2464493"/>
+              <a:ext cx="1431112" cy="2666000"/>
+            </a:xfrm>
+            <a:prstGeom prst="bentConnector2">
+              <a:avLst/>
+            </a:prstGeom>
+            <a:ln w="12700">
+              <a:solidFill>
+                <a:schemeClr val="tx1"/>
+              </a:solidFill>
+              <a:headEnd type="triangle" w="med" len="med"/>
+              <a:tailEnd type="triangle" w="med" len="med"/>
+            </a:ln>
+          </p:spPr>
+          <p:style>
+            <a:lnRef idx="1">
+              <a:schemeClr val="accent1"/>
+            </a:lnRef>
+            <a:fillRef idx="0">
+              <a:schemeClr val="accent1"/>
+            </a:fillRef>
+            <a:effectRef idx="0">
+              <a:schemeClr val="accent1"/>
+            </a:effectRef>
+            <a:fontRef idx="minor">
+              <a:schemeClr val="tx1"/>
+            </a:fontRef>
+          </p:style>
+        </p:cxnSp>
+        <p:sp>
+          <p:nvSpPr>
+            <p:cNvPr id="51" name="TextBox 50"/>
+            <p:cNvSpPr txBox="1"/>
+            <p:nvPr/>
+          </p:nvSpPr>
+          <p:spPr>
+            <a:xfrm>
+              <a:off x="2842605" y="5099715"/>
+              <a:ext cx="2085571" cy="400110"/>
+            </a:xfrm>
+            <a:prstGeom prst="rect">
+              <a:avLst/>
+            </a:prstGeom>
+            <a:noFill/>
+          </p:spPr>
+          <p:txBody>
+            <a:bodyPr wrap="none" rtlCol="0">
+              <a:spAutoFit/>
+            </a:bodyPr>
+            <a:lstStyle/>
+            <a:p>
+              <a:r>
+                <a:rPr lang="en-US" sz="2000" dirty="0" smtClean="0"/>
+                <a:t>Initialize boot rom</a:t>
+              </a:r>
+              <a:endParaRPr lang="en-US" sz="2000" dirty="0"/>
+            </a:p>
+          </p:txBody>
+        </p:sp>
+        <p:sp>
+          <p:nvSpPr>
+            <p:cNvPr id="53" name="TextBox 52"/>
+            <p:cNvSpPr txBox="1"/>
+            <p:nvPr/>
+          </p:nvSpPr>
+          <p:spPr>
+            <a:xfrm>
+              <a:off x="5145664" y="5136578"/>
+              <a:ext cx="1991571" cy="400110"/>
+            </a:xfrm>
+            <a:prstGeom prst="rect">
+              <a:avLst/>
+            </a:prstGeom>
+            <a:noFill/>
+          </p:spPr>
+          <p:txBody>
+            <a:bodyPr wrap="none" rtlCol="0">
+              <a:spAutoFit/>
+            </a:bodyPr>
+            <a:lstStyle/>
+            <a:p>
+              <a:r>
+                <a:rPr lang="en-US" sz="2000" dirty="0" smtClean="0"/>
+                <a:t>Initialize memory</a:t>
+              </a:r>
+              <a:endParaRPr lang="en-US" sz="2000" dirty="0"/>
+            </a:p>
+          </p:txBody>
+        </p:sp>
+        <p:cxnSp>
+          <p:nvCxnSpPr>
+            <p:cNvPr id="60" name="Straight Arrow Connector 59"/>
+            <p:cNvCxnSpPr>
+              <a:stCxn id="9" idx="2"/>
+              <a:endCxn id="51" idx="0"/>
+            </p:cNvCxnSpPr>
+            <p:nvPr/>
+          </p:nvCxnSpPr>
+          <p:spPr>
+            <a:xfrm>
+              <a:off x="3885390" y="3309089"/>
+              <a:ext cx="1" cy="1790626"/>
+            </a:xfrm>
+            <a:prstGeom prst="straightConnector1">
+              <a:avLst/>
+            </a:prstGeom>
+            <a:ln w="12700">
+              <a:solidFill>
+                <a:schemeClr val="tx1"/>
+              </a:solidFill>
+              <a:headEnd type="triangle" w="med" len="med"/>
+              <a:tailEnd type="triangle" w="med" len="med"/>
+            </a:ln>
+          </p:spPr>
+          <p:style>
+            <a:lnRef idx="1">
+              <a:schemeClr val="accent1"/>
+            </a:lnRef>
+            <a:fillRef idx="0">
+              <a:schemeClr val="accent1"/>
+            </a:fillRef>
+            <a:effectRef idx="0">
+              <a:schemeClr val="accent1"/>
+            </a:effectRef>
+            <a:fontRef idx="minor">
+              <a:schemeClr val="tx1"/>
+            </a:fontRef>
+          </p:style>
+        </p:cxnSp>
+        <p:cxnSp>
+          <p:nvCxnSpPr>
+            <p:cNvPr id="62" name="Straight Arrow Connector 61"/>
+            <p:cNvCxnSpPr>
+              <a:stCxn id="8" idx="2"/>
+              <a:endCxn id="53" idx="0"/>
+            </p:cNvCxnSpPr>
+            <p:nvPr/>
+          </p:nvCxnSpPr>
+          <p:spPr>
+            <a:xfrm>
+              <a:off x="6130137" y="3309089"/>
+              <a:ext cx="11313" cy="1827489"/>
+            </a:xfrm>
+            <a:prstGeom prst="straightConnector1">
+              <a:avLst/>
+            </a:prstGeom>
+            <a:ln w="12700">
+              <a:solidFill>
+                <a:schemeClr val="tx1"/>
+              </a:solidFill>
+              <a:headEnd type="triangle" w="med" len="med"/>
+              <a:tailEnd type="triangle" w="med" len="med"/>
+            </a:ln>
+          </p:spPr>
+          <p:style>
+            <a:lnRef idx="1">
+              <a:schemeClr val="accent1"/>
+            </a:lnRef>
+            <a:fillRef idx="0">
+              <a:schemeClr val="accent1"/>
+            </a:fillRef>
+            <a:effectRef idx="0">
+              <a:schemeClr val="accent1"/>
+            </a:effectRef>
+            <a:fontRef idx="minor">
+              <a:schemeClr val="tx1"/>
+            </a:fontRef>
+          </p:style>
+        </p:cxnSp>
+        <p:cxnSp>
+          <p:nvCxnSpPr>
+            <p:cNvPr id="64" name="Straight Connector 63"/>
+            <p:cNvCxnSpPr/>
+            <p:nvPr/>
+          </p:nvCxnSpPr>
+          <p:spPr>
+            <a:xfrm>
+              <a:off x="64328" y="1902320"/>
+              <a:ext cx="11992886" cy="0"/>
+            </a:xfrm>
+            <a:prstGeom prst="line">
+              <a:avLst/>
+            </a:prstGeom>
+            <a:ln w="76200">
+              <a:solidFill>
+                <a:srgbClr val="00B0F0"/>
+              </a:solidFill>
+              <a:prstDash val="solid"/>
+            </a:ln>
+          </p:spPr>
+          <p:style>
+            <a:lnRef idx="1">
+              <a:schemeClr val="accent1"/>
+            </a:lnRef>
+            <a:fillRef idx="0">
+              <a:schemeClr val="accent1"/>
+            </a:fillRef>
+            <a:effectRef idx="0">
+              <a:schemeClr val="accent1"/>
+            </a:effectRef>
+            <a:fontRef idx="minor">
+              <a:schemeClr val="tx1"/>
+            </a:fontRef>
+          </p:style>
+        </p:cxnSp>
+        <p:cxnSp>
+          <p:nvCxnSpPr>
+            <p:cNvPr id="65" name="Straight Connector 64"/>
+            <p:cNvCxnSpPr/>
+            <p:nvPr/>
+          </p:nvCxnSpPr>
+          <p:spPr>
+            <a:xfrm>
+              <a:off x="97259" y="4866845"/>
+              <a:ext cx="11959955" cy="0"/>
+            </a:xfrm>
+            <a:prstGeom prst="line">
+              <a:avLst/>
+            </a:prstGeom>
+            <a:ln w="76200">
+              <a:solidFill>
+                <a:srgbClr val="00B0F0"/>
+              </a:solidFill>
+              <a:prstDash val="solid"/>
+            </a:ln>
+          </p:spPr>
+          <p:style>
+            <a:lnRef idx="1">
+              <a:schemeClr val="accent1"/>
+            </a:lnRef>
+            <a:fillRef idx="0">
+              <a:schemeClr val="accent1"/>
+            </a:fillRef>
+            <a:effectRef idx="0">
+              <a:schemeClr val="accent1"/>
+            </a:effectRef>
+            <a:fontRef idx="minor">
+              <a:schemeClr val="tx1"/>
+            </a:fontRef>
+          </p:style>
+        </p:cxnSp>
+        <p:sp>
+          <p:nvSpPr>
+            <p:cNvPr id="68" name="TextBox 67"/>
+            <p:cNvSpPr txBox="1"/>
+            <p:nvPr/>
+          </p:nvSpPr>
+          <p:spPr>
+            <a:xfrm>
+              <a:off x="11193003" y="3250243"/>
+              <a:ext cx="940579" cy="400110"/>
+            </a:xfrm>
+            <a:prstGeom prst="rect">
+              <a:avLst/>
+            </a:prstGeom>
+            <a:noFill/>
+          </p:spPr>
+          <p:txBody>
+            <a:bodyPr wrap="none" rtlCol="0">
+              <a:spAutoFit/>
+            </a:bodyPr>
+            <a:lstStyle/>
+            <a:p>
+              <a:r>
+                <a:rPr lang="en-US" sz="2000" dirty="0" err="1" smtClean="0">
+                  <a:solidFill>
+                    <a:srgbClr val="FF0000"/>
+                  </a:solidFill>
+                </a:rPr>
+                <a:t>Uncore</a:t>
+              </a:r>
+              <a:endParaRPr lang="en-US" sz="2000" dirty="0">
+                <a:solidFill>
+                  <a:srgbClr val="FF0000"/>
+                </a:solidFill>
+              </a:endParaRPr>
+            </a:p>
+          </p:txBody>
+        </p:sp>
+        <p:sp>
+          <p:nvSpPr>
+            <p:cNvPr id="76" name="TextBox 75"/>
+            <p:cNvSpPr txBox="1"/>
+            <p:nvPr/>
+          </p:nvSpPr>
+          <p:spPr>
+            <a:xfrm>
+              <a:off x="11116635" y="5130493"/>
+              <a:ext cx="1089081" cy="400110"/>
+            </a:xfrm>
+            <a:prstGeom prst="rect">
+              <a:avLst/>
+            </a:prstGeom>
+            <a:noFill/>
+          </p:spPr>
+          <p:txBody>
+            <a:bodyPr wrap="none" rtlCol="0">
+              <a:spAutoFit/>
+            </a:bodyPr>
+            <a:lstStyle/>
+            <a:p>
+              <a:r>
+                <a:rPr lang="en-US" sz="2000" dirty="0" smtClean="0">
+                  <a:solidFill>
+                    <a:srgbClr val="FF0000"/>
+                  </a:solidFill>
+                </a:rPr>
+                <a:t>X86 host</a:t>
+              </a:r>
+              <a:endParaRPr lang="en-US" sz="2000" dirty="0">
+                <a:solidFill>
+                  <a:srgbClr val="FF0000"/>
+                </a:solidFill>
+              </a:endParaRPr>
+            </a:p>
+          </p:txBody>
+        </p:sp>
+        <p:sp>
+          <p:nvSpPr>
+            <p:cNvPr id="77" name="TextBox 76"/>
+            <p:cNvSpPr txBox="1"/>
+            <p:nvPr/>
+          </p:nvSpPr>
+          <p:spPr>
+            <a:xfrm>
+              <a:off x="11275588" y="1125665"/>
+              <a:ext cx="771173" cy="400110"/>
+            </a:xfrm>
+            <a:prstGeom prst="rect">
+              <a:avLst/>
+            </a:prstGeom>
+            <a:noFill/>
+          </p:spPr>
+          <p:txBody>
+            <a:bodyPr wrap="none" rtlCol="0">
+              <a:spAutoFit/>
+            </a:bodyPr>
+            <a:lstStyle/>
+            <a:p>
+              <a:r>
+                <a:rPr lang="en-US" sz="2000" dirty="0" smtClean="0">
+                  <a:solidFill>
+                    <a:srgbClr val="FF0000"/>
+                  </a:solidFill>
+                </a:rPr>
+                <a:t>Cores</a:t>
+              </a:r>
+              <a:endParaRPr lang="en-US" sz="2000" dirty="0">
+                <a:solidFill>
+                  <a:srgbClr val="FF0000"/>
+                </a:solidFill>
+              </a:endParaRPr>
+            </a:p>
+          </p:txBody>
+        </p:sp>
+      </p:grpSp>
+    </p:spTree>
+    <p:extLst>
+      <p:ext uri="{BB962C8B-B14F-4D97-AF65-F5344CB8AC3E}">
+        <p14:creationId xmlns:p14="http://schemas.microsoft.com/office/powerpoint/2010/main" val="645634107"/>
+      </p:ext>
+    </p:extLst>
+  </p:cSld>
+  <p:clrMapOvr>
+    <a:masterClrMapping/>
+  </p:clrMapOvr>
+</p:sld>
+</file>
+
 <file path=ppt/slides/slide2.xml><?xml version="1.0" encoding="utf-8"?>
+<p:sld xmlns:a="http://schemas.openxmlformats.org/drawingml/2006/main" xmlns:r="http://schemas.openxmlformats.org/officeDocument/2006/relationships" xmlns:p="http://schemas.openxmlformats.org/presentationml/2006/main">
+  <p:cSld>
+    <p:spTree>
+      <p:nvGrpSpPr>
+        <p:cNvPr id="1" name=""/>
+        <p:cNvGrpSpPr/>
+        <p:nvPr/>
+      </p:nvGrpSpPr>
+      <p:grpSpPr>
+        <a:xfrm>
+          <a:off x="0" y="0"/>
+          <a:ext cx="0" cy="0"/>
+          <a:chOff x="0" y="0"/>
+          <a:chExt cx="0" cy="0"/>
+        </a:xfrm>
+      </p:grpSpPr>
+      <p:grpSp>
+        <p:nvGrpSpPr>
+          <p:cNvPr id="46" name="Group 45"/>
+          <p:cNvGrpSpPr/>
+          <p:nvPr/>
+        </p:nvGrpSpPr>
+        <p:grpSpPr>
+          <a:xfrm>
+            <a:off x="2444524" y="1870154"/>
+            <a:ext cx="6300534" cy="2241019"/>
+            <a:chOff x="2444524" y="1870154"/>
+            <a:chExt cx="6300534" cy="2241019"/>
+          </a:xfrm>
+        </p:grpSpPr>
+        <p:sp>
+          <p:nvSpPr>
+            <p:cNvPr id="4" name="TextBox 3"/>
+            <p:cNvSpPr txBox="1"/>
+            <p:nvPr/>
+          </p:nvSpPr>
+          <p:spPr>
+            <a:xfrm>
+              <a:off x="4021073" y="1870154"/>
+              <a:ext cx="3054769" cy="369332"/>
+            </a:xfrm>
+            <a:prstGeom prst="rect">
+              <a:avLst/>
+            </a:prstGeom>
+            <a:noFill/>
+            <a:ln w="38100">
+              <a:solidFill>
+                <a:schemeClr val="tx1"/>
+              </a:solidFill>
+            </a:ln>
+          </p:spPr>
+          <p:txBody>
+            <a:bodyPr wrap="none" rtlCol="0">
+              <a:spAutoFit/>
+            </a:bodyPr>
+            <a:lstStyle/>
+            <a:p>
+              <a:pPr algn="ctr"/>
+              <a:r>
+                <a:rPr lang="en-US" dirty="0" smtClean="0"/>
+                <a:t>FIFO Q[0]</a:t>
+              </a:r>
+              <a:endParaRPr lang="en-US" dirty="0"/>
+            </a:p>
+          </p:txBody>
+        </p:sp>
+        <p:sp>
+          <p:nvSpPr>
+            <p:cNvPr id="5" name="TextBox 4"/>
+            <p:cNvSpPr txBox="1"/>
+            <p:nvPr/>
+          </p:nvSpPr>
+          <p:spPr>
+            <a:xfrm>
+              <a:off x="4021073" y="2532596"/>
+              <a:ext cx="3054769" cy="369332"/>
+            </a:xfrm>
+            <a:prstGeom prst="rect">
+              <a:avLst/>
+            </a:prstGeom>
+            <a:noFill/>
+            <a:ln w="38100">
+              <a:solidFill>
+                <a:schemeClr val="tx1"/>
+              </a:solidFill>
+            </a:ln>
+          </p:spPr>
+          <p:txBody>
+            <a:bodyPr wrap="square" rtlCol="0">
+              <a:spAutoFit/>
+            </a:bodyPr>
+            <a:lstStyle/>
+            <a:p>
+              <a:pPr algn="ctr"/>
+              <a:r>
+                <a:rPr lang="en-US" dirty="0" smtClean="0"/>
+                <a:t>FIFO Q[1]</a:t>
+              </a:r>
+              <a:endParaRPr lang="en-US" dirty="0"/>
+            </a:p>
+          </p:txBody>
+        </p:sp>
+        <p:sp>
+          <p:nvSpPr>
+            <p:cNvPr id="6" name="TextBox 5"/>
+            <p:cNvSpPr txBox="1"/>
+            <p:nvPr/>
+          </p:nvSpPr>
+          <p:spPr>
+            <a:xfrm>
+              <a:off x="4021073" y="3741841"/>
+              <a:ext cx="3054769" cy="369332"/>
+            </a:xfrm>
+            <a:prstGeom prst="rect">
+              <a:avLst/>
+            </a:prstGeom>
+            <a:noFill/>
+            <a:ln w="38100">
+              <a:solidFill>
+                <a:schemeClr val="tx1"/>
+              </a:solidFill>
+            </a:ln>
+          </p:spPr>
+          <p:txBody>
+            <a:bodyPr wrap="square" rtlCol="0">
+              <a:spAutoFit/>
+            </a:bodyPr>
+            <a:lstStyle/>
+            <a:p>
+              <a:pPr algn="ctr"/>
+              <a:r>
+                <a:rPr lang="en-US" dirty="0" smtClean="0"/>
+                <a:t>FIFO Q[SupSize-1]</a:t>
+              </a:r>
+              <a:endParaRPr lang="en-US" dirty="0"/>
+            </a:p>
+          </p:txBody>
+        </p:sp>
+        <p:sp>
+          <p:nvSpPr>
+            <p:cNvPr id="7" name="TextBox 6"/>
+            <p:cNvSpPr txBox="1"/>
+            <p:nvPr/>
+          </p:nvSpPr>
+          <p:spPr>
+            <a:xfrm>
+              <a:off x="2444525" y="1870154"/>
+              <a:ext cx="1194751" cy="369332"/>
+            </a:xfrm>
+            <a:prstGeom prst="rect">
+              <a:avLst/>
+            </a:prstGeom>
+            <a:noFill/>
+          </p:spPr>
+          <p:txBody>
+            <a:bodyPr wrap="none" rtlCol="0">
+              <a:spAutoFit/>
+            </a:bodyPr>
+            <a:lstStyle/>
+            <a:p>
+              <a:r>
+                <a:rPr lang="en-US" dirty="0" err="1" smtClean="0"/>
+                <a:t>enqPort</a:t>
+              </a:r>
+              <a:r>
+                <a:rPr lang="en-US" dirty="0" smtClean="0"/>
+                <a:t>[0]</a:t>
+              </a:r>
+              <a:endParaRPr lang="en-US" dirty="0"/>
+            </a:p>
+          </p:txBody>
+        </p:sp>
+        <p:cxnSp>
+          <p:nvCxnSpPr>
+            <p:cNvPr id="9" name="Straight Arrow Connector 8"/>
+            <p:cNvCxnSpPr>
+              <a:stCxn id="7" idx="3"/>
+              <a:endCxn id="4" idx="1"/>
+            </p:cNvCxnSpPr>
+            <p:nvPr/>
+          </p:nvCxnSpPr>
+          <p:spPr>
+            <a:xfrm>
+              <a:off x="3639276" y="2054820"/>
+              <a:ext cx="381797" cy="0"/>
+            </a:xfrm>
+            <a:prstGeom prst="straightConnector1">
+              <a:avLst/>
+            </a:prstGeom>
+            <a:ln w="19050">
+              <a:solidFill>
+                <a:schemeClr val="tx1"/>
+              </a:solidFill>
+              <a:tailEnd type="triangle"/>
+            </a:ln>
+          </p:spPr>
+          <p:style>
+            <a:lnRef idx="1">
+              <a:schemeClr val="accent1"/>
+            </a:lnRef>
+            <a:fillRef idx="0">
+              <a:schemeClr val="accent1"/>
+            </a:fillRef>
+            <a:effectRef idx="0">
+              <a:schemeClr val="accent1"/>
+            </a:effectRef>
+            <a:fontRef idx="minor">
+              <a:schemeClr val="tx1"/>
+            </a:fontRef>
+          </p:style>
+        </p:cxnSp>
+        <p:sp>
+          <p:nvSpPr>
+            <p:cNvPr id="12" name="TextBox 11"/>
+            <p:cNvSpPr txBox="1"/>
+            <p:nvPr/>
+          </p:nvSpPr>
+          <p:spPr>
+            <a:xfrm>
+              <a:off x="2444524" y="2532596"/>
+              <a:ext cx="1194751" cy="369332"/>
+            </a:xfrm>
+            <a:prstGeom prst="rect">
+              <a:avLst/>
+            </a:prstGeom>
+            <a:noFill/>
+          </p:spPr>
+          <p:txBody>
+            <a:bodyPr wrap="none" rtlCol="0">
+              <a:spAutoFit/>
+            </a:bodyPr>
+            <a:lstStyle/>
+            <a:p>
+              <a:r>
+                <a:rPr lang="en-US" dirty="0" err="1" smtClean="0"/>
+                <a:t>enqPort</a:t>
+              </a:r>
+              <a:r>
+                <a:rPr lang="en-US" dirty="0" smtClean="0"/>
+                <a:t>[1]</a:t>
+              </a:r>
+              <a:endParaRPr lang="en-US" dirty="0"/>
+            </a:p>
+          </p:txBody>
+        </p:sp>
+        <p:cxnSp>
+          <p:nvCxnSpPr>
+            <p:cNvPr id="13" name="Straight Arrow Connector 12"/>
+            <p:cNvCxnSpPr>
+              <a:stCxn id="12" idx="3"/>
+              <a:endCxn id="5" idx="1"/>
+            </p:cNvCxnSpPr>
+            <p:nvPr/>
+          </p:nvCxnSpPr>
+          <p:spPr>
+            <a:xfrm>
+              <a:off x="3639275" y="2717262"/>
+              <a:ext cx="381798" cy="0"/>
+            </a:xfrm>
+            <a:prstGeom prst="straightConnector1">
+              <a:avLst/>
+            </a:prstGeom>
+            <a:ln w="19050">
+              <a:solidFill>
+                <a:schemeClr val="tx1"/>
+              </a:solidFill>
+              <a:tailEnd type="triangle"/>
+            </a:ln>
+          </p:spPr>
+          <p:style>
+            <a:lnRef idx="1">
+              <a:schemeClr val="accent1"/>
+            </a:lnRef>
+            <a:fillRef idx="0">
+              <a:schemeClr val="accent1"/>
+            </a:fillRef>
+            <a:effectRef idx="0">
+              <a:schemeClr val="accent1"/>
+            </a:effectRef>
+            <a:fontRef idx="minor">
+              <a:schemeClr val="tx1"/>
+            </a:fontRef>
+          </p:style>
+        </p:cxnSp>
+        <p:sp>
+          <p:nvSpPr>
+            <p:cNvPr id="16" name="TextBox 15"/>
+            <p:cNvSpPr txBox="1"/>
+            <p:nvPr/>
+          </p:nvSpPr>
+          <p:spPr>
+            <a:xfrm>
+              <a:off x="7550307" y="3741841"/>
+              <a:ext cx="1194751" cy="369332"/>
+            </a:xfrm>
+            <a:prstGeom prst="rect">
+              <a:avLst/>
+            </a:prstGeom>
+            <a:noFill/>
+          </p:spPr>
+          <p:txBody>
+            <a:bodyPr wrap="none" rtlCol="0">
+              <a:spAutoFit/>
+            </a:bodyPr>
+            <a:lstStyle/>
+            <a:p>
+              <a:r>
+                <a:rPr lang="en-US" dirty="0" err="1" smtClean="0"/>
+                <a:t>deqPort</a:t>
+              </a:r>
+              <a:r>
+                <a:rPr lang="en-US" dirty="0" smtClean="0"/>
+                <a:t>[0]</a:t>
+              </a:r>
+              <a:endParaRPr lang="en-US" dirty="0"/>
+            </a:p>
+          </p:txBody>
+        </p:sp>
+        <p:cxnSp>
+          <p:nvCxnSpPr>
+            <p:cNvPr id="17" name="Straight Arrow Connector 16"/>
+            <p:cNvCxnSpPr>
+              <a:stCxn id="6" idx="3"/>
+              <a:endCxn id="16" idx="1"/>
+            </p:cNvCxnSpPr>
+            <p:nvPr/>
+          </p:nvCxnSpPr>
+          <p:spPr>
+            <a:xfrm>
+              <a:off x="7075842" y="3926507"/>
+              <a:ext cx="474465" cy="0"/>
+            </a:xfrm>
+            <a:prstGeom prst="straightConnector1">
+              <a:avLst/>
+            </a:prstGeom>
+            <a:ln w="19050">
+              <a:solidFill>
+                <a:schemeClr val="tx1"/>
+              </a:solidFill>
+              <a:tailEnd type="triangle"/>
+            </a:ln>
+          </p:spPr>
+          <p:style>
+            <a:lnRef idx="1">
+              <a:schemeClr val="accent1"/>
+            </a:lnRef>
+            <a:fillRef idx="0">
+              <a:schemeClr val="accent1"/>
+            </a:fillRef>
+            <a:effectRef idx="0">
+              <a:schemeClr val="accent1"/>
+            </a:effectRef>
+            <a:fontRef idx="minor">
+              <a:schemeClr val="tx1"/>
+            </a:fontRef>
+          </p:style>
+        </p:cxnSp>
+        <p:sp>
+          <p:nvSpPr>
+            <p:cNvPr id="20" name="TextBox 19"/>
+            <p:cNvSpPr txBox="1"/>
+            <p:nvPr/>
+          </p:nvSpPr>
+          <p:spPr>
+            <a:xfrm>
+              <a:off x="7550306" y="1870154"/>
+              <a:ext cx="1194751" cy="369332"/>
+            </a:xfrm>
+            <a:prstGeom prst="rect">
+              <a:avLst/>
+            </a:prstGeom>
+            <a:noFill/>
+          </p:spPr>
+          <p:txBody>
+            <a:bodyPr wrap="none" rtlCol="0">
+              <a:spAutoFit/>
+            </a:bodyPr>
+            <a:lstStyle/>
+            <a:p>
+              <a:r>
+                <a:rPr lang="en-US" dirty="0" err="1" smtClean="0"/>
+                <a:t>deqPort</a:t>
+              </a:r>
+              <a:r>
+                <a:rPr lang="en-US" dirty="0" smtClean="0"/>
+                <a:t>[1]</a:t>
+              </a:r>
+              <a:endParaRPr lang="en-US" dirty="0"/>
+            </a:p>
+          </p:txBody>
+        </p:sp>
+        <p:cxnSp>
+          <p:nvCxnSpPr>
+            <p:cNvPr id="21" name="Straight Arrow Connector 20"/>
+            <p:cNvCxnSpPr>
+              <a:stCxn id="4" idx="3"/>
+              <a:endCxn id="20" idx="1"/>
+            </p:cNvCxnSpPr>
+            <p:nvPr/>
+          </p:nvCxnSpPr>
+          <p:spPr>
+            <a:xfrm>
+              <a:off x="7075842" y="2054820"/>
+              <a:ext cx="474464" cy="0"/>
+            </a:xfrm>
+            <a:prstGeom prst="straightConnector1">
+              <a:avLst/>
+            </a:prstGeom>
+            <a:ln w="19050">
+              <a:solidFill>
+                <a:schemeClr val="tx1"/>
+              </a:solidFill>
+              <a:tailEnd type="triangle"/>
+            </a:ln>
+          </p:spPr>
+          <p:style>
+            <a:lnRef idx="1">
+              <a:schemeClr val="accent1"/>
+            </a:lnRef>
+            <a:fillRef idx="0">
+              <a:schemeClr val="accent1"/>
+            </a:fillRef>
+            <a:effectRef idx="0">
+              <a:schemeClr val="accent1"/>
+            </a:effectRef>
+            <a:fontRef idx="minor">
+              <a:schemeClr val="tx1"/>
+            </a:fontRef>
+          </p:style>
+        </p:cxnSp>
+        <p:sp>
+          <p:nvSpPr>
+            <p:cNvPr id="25" name="TextBox 24"/>
+            <p:cNvSpPr txBox="1"/>
+            <p:nvPr/>
+          </p:nvSpPr>
+          <p:spPr>
+            <a:xfrm>
+              <a:off x="5293411" y="3101608"/>
+              <a:ext cx="343364" cy="369332"/>
+            </a:xfrm>
+            <a:prstGeom prst="rect">
+              <a:avLst/>
+            </a:prstGeom>
+            <a:noFill/>
+          </p:spPr>
+          <p:txBody>
+            <a:bodyPr wrap="none" rtlCol="0">
+              <a:spAutoFit/>
+            </a:bodyPr>
+            <a:lstStyle/>
+            <a:p>
+              <a:r>
+                <a:rPr lang="en-US" dirty="0" smtClean="0"/>
+                <a:t>…</a:t>
+              </a:r>
+              <a:endParaRPr lang="en-US" dirty="0"/>
+            </a:p>
+          </p:txBody>
+        </p:sp>
+        <p:cxnSp>
+          <p:nvCxnSpPr>
+            <p:cNvPr id="27" name="Curved Connector 26"/>
+            <p:cNvCxnSpPr>
+              <a:stCxn id="7" idx="1"/>
+              <a:endCxn id="12" idx="1"/>
+            </p:cNvCxnSpPr>
+            <p:nvPr/>
+          </p:nvCxnSpPr>
+          <p:spPr>
+            <a:xfrm rot="10800000" flipV="1">
+              <a:off x="2444525" y="2054820"/>
+              <a:ext cx="1" cy="662442"/>
+            </a:xfrm>
+            <a:prstGeom prst="curvedConnector3">
+              <a:avLst>
+                <a:gd name="adj1" fmla="val 22860100000"/>
+              </a:avLst>
+            </a:prstGeom>
+            <a:ln w="19050">
+              <a:solidFill>
+                <a:srgbClr val="FF0000"/>
+              </a:solidFill>
+              <a:prstDash val="lgDash"/>
+              <a:headEnd type="none" w="med" len="med"/>
+              <a:tailEnd type="triangle" w="med" len="med"/>
+            </a:ln>
+          </p:spPr>
+          <p:style>
+            <a:lnRef idx="1">
+              <a:schemeClr val="accent1"/>
+            </a:lnRef>
+            <a:fillRef idx="0">
+              <a:schemeClr val="accent1"/>
+            </a:fillRef>
+            <a:effectRef idx="0">
+              <a:schemeClr val="accent1"/>
+            </a:effectRef>
+            <a:fontRef idx="minor">
+              <a:schemeClr val="tx1"/>
+            </a:fontRef>
+          </p:style>
+        </p:cxnSp>
+        <p:cxnSp>
+          <p:nvCxnSpPr>
+            <p:cNvPr id="29" name="Curved Connector 28"/>
+            <p:cNvCxnSpPr>
+              <a:stCxn id="16" idx="3"/>
+              <a:endCxn id="20" idx="3"/>
+            </p:cNvCxnSpPr>
+            <p:nvPr/>
+          </p:nvCxnSpPr>
+          <p:spPr>
+            <a:xfrm flipH="1" flipV="1">
+              <a:off x="8745057" y="2054820"/>
+              <a:ext cx="1" cy="1871687"/>
+            </a:xfrm>
+            <a:prstGeom prst="curvedConnector3">
+              <a:avLst>
+                <a:gd name="adj1" fmla="val -22860000000"/>
+              </a:avLst>
+            </a:prstGeom>
+            <a:ln w="19050">
+              <a:solidFill>
+                <a:srgbClr val="FF0000"/>
+              </a:solidFill>
+              <a:prstDash val="lgDash"/>
+              <a:headEnd type="none" w="med" len="med"/>
+              <a:tailEnd type="triangle" w="med" len="med"/>
+            </a:ln>
+          </p:spPr>
+          <p:style>
+            <a:lnRef idx="1">
+              <a:schemeClr val="accent1"/>
+            </a:lnRef>
+            <a:fillRef idx="0">
+              <a:schemeClr val="accent1"/>
+            </a:fillRef>
+            <a:effectRef idx="0">
+              <a:schemeClr val="accent1"/>
+            </a:effectRef>
+            <a:fontRef idx="minor">
+              <a:schemeClr val="tx1"/>
+            </a:fontRef>
+          </p:style>
+        </p:cxnSp>
+      </p:grpSp>
+    </p:spTree>
+    <p:extLst>
+      <p:ext uri="{BB962C8B-B14F-4D97-AF65-F5344CB8AC3E}">
+        <p14:creationId xmlns:p14="http://schemas.microsoft.com/office/powerpoint/2010/main" val="1581263796"/>
+      </p:ext>
+    </p:extLst>
+  </p:cSld>
+  <p:clrMapOvr>
+    <a:masterClrMapping/>
+  </p:clrMapOvr>
+  <p:timing>
+    <p:tnLst>
+      <p:par>
+        <p:cTn id="1" dur="indefinite" restart="never" nodeType="tmRoot"/>
+      </p:par>
+    </p:tnLst>
+  </p:timing>
+</p:sld>
+</file>
+
+<file path=ppt/slides/slide3.xml><?xml version="1.0" encoding="utf-8"?>
 <p:sld xmlns:a="http://schemas.openxmlformats.org/drawingml/2006/main" xmlns:r="http://schemas.openxmlformats.org/officeDocument/2006/relationships" xmlns:p="http://schemas.openxmlformats.org/presentationml/2006/main">
   <p:cSld>
     <p:spTree>
@@ -8794,7 +12238,7 @@
 </p:sld>
 </file>
 
-<file path=ppt/slides/slide3.xml><?xml version="1.0" encoding="utf-8"?>
+<file path=ppt/slides/slide4.xml><?xml version="1.0" encoding="utf-8"?>
 <p:sld xmlns:a="http://schemas.openxmlformats.org/drawingml/2006/main" xmlns:r="http://schemas.openxmlformats.org/officeDocument/2006/relationships" xmlns:p="http://schemas.openxmlformats.org/presentationml/2006/main">
   <p:cSld>
     <p:spTree>
@@ -10641,7 +14085,7 @@
 </p:sld>
 </file>
 
-<file path=ppt/slides/slide4.xml><?xml version="1.0" encoding="utf-8"?>
+<file path=ppt/slides/slide5.xml><?xml version="1.0" encoding="utf-8"?>
 <p:sld xmlns:a="http://schemas.openxmlformats.org/drawingml/2006/main" xmlns:r="http://schemas.openxmlformats.org/officeDocument/2006/relationships" xmlns:p="http://schemas.openxmlformats.org/presentationml/2006/main">
   <p:cSld>
     <p:spTree>
@@ -14837,7 +18281,7 @@
 </p:sld>
 </file>
 
-<file path=ppt/slides/slide5.xml><?xml version="1.0" encoding="utf-8"?>
+<file path=ppt/slides/slide6.xml><?xml version="1.0" encoding="utf-8"?>
 <p:sld xmlns:a="http://schemas.openxmlformats.org/drawingml/2006/main" xmlns:r="http://schemas.openxmlformats.org/officeDocument/2006/relationships" xmlns:p="http://schemas.openxmlformats.org/presentationml/2006/main">
   <p:cSld>
     <p:spTree>
@@ -18168,7 +21612,7 @@
 </p:sld>
 </file>
 
-<file path=ppt/slides/slide6.xml><?xml version="1.0" encoding="utf-8"?>
+<file path=ppt/slides/slide7.xml><?xml version="1.0" encoding="utf-8"?>
 <p:sld xmlns:a="http://schemas.openxmlformats.org/drawingml/2006/main" xmlns:r="http://schemas.openxmlformats.org/officeDocument/2006/relationships" xmlns:p="http://schemas.openxmlformats.org/presentationml/2006/main">
   <p:cSld>
     <p:spTree>
@@ -21088,7 +24532,7 @@
 </p:sld>
 </file>
 
-<file path=ppt/slides/slide7.xml><?xml version="1.0" encoding="utf-8"?>
+<file path=ppt/slides/slide8.xml><?xml version="1.0" encoding="utf-8"?>
 <p:sld xmlns:a="http://schemas.openxmlformats.org/drawingml/2006/main" xmlns:r="http://schemas.openxmlformats.org/officeDocument/2006/relationships" xmlns:p="http://schemas.openxmlformats.org/presentationml/2006/main">
   <p:cSld>
     <p:spTree>
@@ -23532,7 +26976,7 @@
 </p:sld>
 </file>
 
-<file path=ppt/slides/slide8.xml><?xml version="1.0" encoding="utf-8"?>
+<file path=ppt/slides/slide9.xml><?xml version="1.0" encoding="utf-8"?>
 <p:sld xmlns:a="http://schemas.openxmlformats.org/drawingml/2006/main" xmlns:r="http://schemas.openxmlformats.org/officeDocument/2006/relationships" xmlns:p="http://schemas.openxmlformats.org/presentationml/2006/main">
   <p:cSld>
     <p:spTree>
@@ -24666,1704 +28110,6 @@
 </p:sld>
 </file>
 
-<file path=ppt/slides/slide9.xml><?xml version="1.0" encoding="utf-8"?>
-<p:sld xmlns:a="http://schemas.openxmlformats.org/drawingml/2006/main" xmlns:r="http://schemas.openxmlformats.org/officeDocument/2006/relationships" xmlns:p="http://schemas.openxmlformats.org/presentationml/2006/main">
-  <p:cSld>
-    <p:spTree>
-      <p:nvGrpSpPr>
-        <p:cNvPr id="1" name=""/>
-        <p:cNvGrpSpPr/>
-        <p:nvPr/>
-      </p:nvGrpSpPr>
-      <p:grpSpPr>
-        <a:xfrm>
-          <a:off x="0" y="0"/>
-          <a:ext cx="0" cy="0"/>
-          <a:chOff x="0" y="0"/>
-          <a:chExt cx="0" cy="0"/>
-        </a:xfrm>
-      </p:grpSpPr>
-      <p:grpSp>
-        <p:nvGrpSpPr>
-          <p:cNvPr id="57" name="Group 56"/>
-          <p:cNvGrpSpPr/>
-          <p:nvPr/>
-        </p:nvGrpSpPr>
-        <p:grpSpPr>
-          <a:xfrm>
-            <a:off x="38292" y="2314454"/>
-            <a:ext cx="12130733" cy="3070858"/>
-            <a:chOff x="45950" y="2723405"/>
-            <a:chExt cx="12130733" cy="3070858"/>
-          </a:xfrm>
-        </p:grpSpPr>
-        <p:sp>
-          <p:nvSpPr>
-            <p:cNvPr id="7" name="Cloud 6"/>
-            <p:cNvSpPr/>
-            <p:nvPr/>
-          </p:nvSpPr>
-          <p:spPr>
-            <a:xfrm>
-              <a:off x="1653700" y="2723408"/>
-              <a:ext cx="2668896" cy="829819"/>
-            </a:xfrm>
-            <a:prstGeom prst="cloud">
-              <a:avLst/>
-            </a:prstGeom>
-            <a:solidFill>
-              <a:srgbClr val="4BACC6">
-                <a:lumMod val="40000"/>
-                <a:lumOff val="60000"/>
-              </a:srgbClr>
-            </a:solidFill>
-            <a:ln w="25400" cap="flat" cmpd="sng" algn="ctr">
-              <a:solidFill>
-                <a:sysClr val="windowText" lastClr="000000"/>
-              </a:solidFill>
-              <a:prstDash val="solid"/>
-            </a:ln>
-            <a:effectLst/>
-          </p:spPr>
-          <p:txBody>
-            <a:bodyPr rtlCol="0" anchor="ctr"/>
-            <a:lstStyle/>
-            <a:p>
-              <a:pPr marL="0" marR="0" lvl="0" indent="0" algn="ctr" defTabSz="914400" rtl="0" eaLnBrk="1" fontAlgn="auto" latinLnBrk="0" hangingPunct="1">
-                <a:lnSpc>
-                  <a:spcPct val="100000"/>
-                </a:lnSpc>
-                <a:spcBef>
-                  <a:spcPts val="0"/>
-                </a:spcBef>
-                <a:spcAft>
-                  <a:spcPts val="0"/>
-                </a:spcAft>
-                <a:buClrTx/>
-                <a:buSzTx/>
-                <a:buFontTx/>
-                <a:buNone/>
-                <a:tabLst/>
-                <a:defRPr/>
-              </a:pPr>
-              <a:r>
-                <a:rPr kumimoji="0" lang="en-US" sz="2000" b="1" i="0" u="none" strike="noStrike" kern="0" cap="none" spc="0" normalizeH="0" baseline="0" noProof="0" dirty="0" err="1" smtClean="0">
-                  <a:ln>
-                    <a:noFill/>
-                  </a:ln>
-                  <a:solidFill>
-                    <a:prstClr val="black"/>
-                  </a:solidFill>
-                  <a:effectLst/>
-                  <a:uLnTx/>
-                  <a:uFillTx/>
-                  <a:latin typeface="Calibri"/>
-                  <a:ea typeface="+mn-ea"/>
-                  <a:cs typeface="+mn-cs"/>
-                </a:rPr>
-                <a:t>doDispatchAlu</a:t>
-              </a:r>
-              <a:endParaRPr kumimoji="0" lang="en-US" sz="2000" b="1" i="0" u="none" strike="noStrike" kern="0" cap="none" spc="0" normalizeH="0" baseline="0" noProof="0" dirty="0" smtClean="0">
-                <a:ln>
-                  <a:noFill/>
-                </a:ln>
-                <a:solidFill>
-                  <a:prstClr val="black"/>
-                </a:solidFill>
-                <a:effectLst/>
-                <a:uLnTx/>
-                <a:uFillTx/>
-                <a:latin typeface="Calibri"/>
-                <a:ea typeface="+mn-ea"/>
-                <a:cs typeface="+mn-cs"/>
-              </a:endParaRPr>
-            </a:p>
-          </p:txBody>
-        </p:sp>
-        <p:sp>
-          <p:nvSpPr>
-            <p:cNvPr id="8" name="Cloud 7"/>
-            <p:cNvSpPr/>
-            <p:nvPr/>
-          </p:nvSpPr>
-          <p:spPr>
-            <a:xfrm>
-              <a:off x="4717053" y="2723406"/>
-              <a:ext cx="2670477" cy="829819"/>
-            </a:xfrm>
-            <a:prstGeom prst="cloud">
-              <a:avLst/>
-            </a:prstGeom>
-            <a:solidFill>
-              <a:srgbClr val="4BACC6">
-                <a:lumMod val="40000"/>
-                <a:lumOff val="60000"/>
-              </a:srgbClr>
-            </a:solidFill>
-            <a:ln w="25400" cap="flat" cmpd="sng" algn="ctr">
-              <a:solidFill>
-                <a:sysClr val="windowText" lastClr="000000"/>
-              </a:solidFill>
-              <a:prstDash val="solid"/>
-            </a:ln>
-            <a:effectLst/>
-          </p:spPr>
-          <p:txBody>
-            <a:bodyPr rtlCol="0" anchor="ctr"/>
-            <a:lstStyle/>
-            <a:p>
-              <a:pPr marL="0" marR="0" lvl="0" indent="0" algn="ctr" defTabSz="914400" rtl="0" eaLnBrk="1" fontAlgn="auto" latinLnBrk="0" hangingPunct="1">
-                <a:lnSpc>
-                  <a:spcPct val="100000"/>
-                </a:lnSpc>
-                <a:spcBef>
-                  <a:spcPts val="0"/>
-                </a:spcBef>
-                <a:spcAft>
-                  <a:spcPts val="0"/>
-                </a:spcAft>
-                <a:buClrTx/>
-                <a:buSzTx/>
-                <a:buFontTx/>
-                <a:buNone/>
-                <a:tabLst/>
-                <a:defRPr/>
-              </a:pPr>
-              <a:r>
-                <a:rPr kumimoji="0" lang="en-US" sz="2000" b="1" i="0" u="none" strike="noStrike" kern="0" cap="none" spc="0" normalizeH="0" baseline="0" noProof="0" dirty="0" err="1" smtClean="0">
-                  <a:ln>
-                    <a:noFill/>
-                  </a:ln>
-                  <a:solidFill>
-                    <a:prstClr val="black"/>
-                  </a:solidFill>
-                  <a:effectLst/>
-                  <a:uLnTx/>
-                  <a:uFillTx/>
-                  <a:latin typeface="Calibri"/>
-                  <a:ea typeface="+mn-ea"/>
-                  <a:cs typeface="+mn-cs"/>
-                </a:rPr>
-                <a:t>doRegReadAlu</a:t>
-              </a:r>
-              <a:endParaRPr kumimoji="0" lang="en-US" sz="2000" b="1" i="0" u="none" strike="noStrike" kern="0" cap="none" spc="0" normalizeH="0" baseline="0" noProof="0" dirty="0" smtClean="0">
-                <a:ln>
-                  <a:noFill/>
-                </a:ln>
-                <a:solidFill>
-                  <a:prstClr val="black"/>
-                </a:solidFill>
-                <a:effectLst/>
-                <a:uLnTx/>
-                <a:uFillTx/>
-                <a:latin typeface="Calibri"/>
-                <a:ea typeface="+mn-ea"/>
-                <a:cs typeface="+mn-cs"/>
-              </a:endParaRPr>
-            </a:p>
-          </p:txBody>
-        </p:sp>
-        <p:sp>
-          <p:nvSpPr>
-            <p:cNvPr id="9" name="Cloud 8"/>
-            <p:cNvSpPr/>
-            <p:nvPr/>
-          </p:nvSpPr>
-          <p:spPr>
-            <a:xfrm>
-              <a:off x="7805583" y="2723405"/>
-              <a:ext cx="1822395" cy="829819"/>
-            </a:xfrm>
-            <a:prstGeom prst="cloud">
-              <a:avLst/>
-            </a:prstGeom>
-            <a:solidFill>
-              <a:srgbClr val="4BACC6">
-                <a:lumMod val="40000"/>
-                <a:lumOff val="60000"/>
-              </a:srgbClr>
-            </a:solidFill>
-            <a:ln w="25400" cap="flat" cmpd="sng" algn="ctr">
-              <a:solidFill>
-                <a:sysClr val="windowText" lastClr="000000"/>
-              </a:solidFill>
-              <a:prstDash val="solid"/>
-            </a:ln>
-            <a:effectLst/>
-          </p:spPr>
-          <p:txBody>
-            <a:bodyPr rtlCol="0" anchor="ctr"/>
-            <a:lstStyle/>
-            <a:p>
-              <a:pPr marL="0" marR="0" lvl="0" indent="0" algn="ctr" defTabSz="914400" rtl="0" eaLnBrk="1" fontAlgn="auto" latinLnBrk="0" hangingPunct="1">
-                <a:lnSpc>
-                  <a:spcPct val="100000"/>
-                </a:lnSpc>
-                <a:spcBef>
-                  <a:spcPts val="0"/>
-                </a:spcBef>
-                <a:spcAft>
-                  <a:spcPts val="0"/>
-                </a:spcAft>
-                <a:buClrTx/>
-                <a:buSzTx/>
-                <a:buFontTx/>
-                <a:buNone/>
-                <a:tabLst/>
-                <a:defRPr/>
-              </a:pPr>
-              <a:r>
-                <a:rPr kumimoji="0" lang="en-US" sz="2000" b="1" i="0" u="none" strike="noStrike" kern="0" cap="none" spc="0" normalizeH="0" baseline="0" noProof="0" dirty="0" err="1" smtClean="0">
-                  <a:ln>
-                    <a:noFill/>
-                  </a:ln>
-                  <a:solidFill>
-                    <a:prstClr val="black"/>
-                  </a:solidFill>
-                  <a:effectLst/>
-                  <a:uLnTx/>
-                  <a:uFillTx/>
-                  <a:latin typeface="Calibri"/>
-                  <a:ea typeface="+mn-ea"/>
-                  <a:cs typeface="+mn-cs"/>
-                </a:rPr>
-                <a:t>doExeAlu</a:t>
-              </a:r>
-              <a:endParaRPr kumimoji="0" lang="en-US" sz="2000" b="1" i="0" u="none" strike="noStrike" kern="0" cap="none" spc="0" normalizeH="0" baseline="0" noProof="0" dirty="0" smtClean="0">
-                <a:ln>
-                  <a:noFill/>
-                </a:ln>
-                <a:solidFill>
-                  <a:prstClr val="black"/>
-                </a:solidFill>
-                <a:effectLst/>
-                <a:uLnTx/>
-                <a:uFillTx/>
-                <a:latin typeface="Calibri"/>
-                <a:ea typeface="+mn-ea"/>
-                <a:cs typeface="+mn-cs"/>
-              </a:endParaRPr>
-            </a:p>
-          </p:txBody>
-        </p:sp>
-        <p:sp>
-          <p:nvSpPr>
-            <p:cNvPr id="10" name="Cloud 9"/>
-            <p:cNvSpPr/>
-            <p:nvPr/>
-          </p:nvSpPr>
-          <p:spPr>
-            <a:xfrm>
-              <a:off x="9992467" y="2723405"/>
-              <a:ext cx="2184216" cy="829819"/>
-            </a:xfrm>
-            <a:prstGeom prst="cloud">
-              <a:avLst/>
-            </a:prstGeom>
-            <a:solidFill>
-              <a:srgbClr val="4BACC6">
-                <a:lumMod val="40000"/>
-                <a:lumOff val="60000"/>
-              </a:srgbClr>
-            </a:solidFill>
-            <a:ln w="25400" cap="flat" cmpd="sng" algn="ctr">
-              <a:solidFill>
-                <a:sysClr val="windowText" lastClr="000000"/>
-              </a:solidFill>
-              <a:prstDash val="solid"/>
-            </a:ln>
-            <a:effectLst/>
-          </p:spPr>
-          <p:txBody>
-            <a:bodyPr rtlCol="0" anchor="ctr"/>
-            <a:lstStyle/>
-            <a:p>
-              <a:pPr marL="0" marR="0" lvl="0" indent="0" algn="ctr" defTabSz="914400" rtl="0" eaLnBrk="1" fontAlgn="auto" latinLnBrk="0" hangingPunct="1">
-                <a:lnSpc>
-                  <a:spcPct val="100000"/>
-                </a:lnSpc>
-                <a:spcBef>
-                  <a:spcPts val="0"/>
-                </a:spcBef>
-                <a:spcAft>
-                  <a:spcPts val="0"/>
-                </a:spcAft>
-                <a:buClrTx/>
-                <a:buSzTx/>
-                <a:buFontTx/>
-                <a:buNone/>
-                <a:tabLst/>
-                <a:defRPr/>
-              </a:pPr>
-              <a:r>
-                <a:rPr kumimoji="0" lang="en-US" sz="2000" b="1" i="0" u="none" strike="noStrike" kern="0" cap="none" spc="0" normalizeH="0" baseline="0" noProof="0" dirty="0" err="1" smtClean="0">
-                  <a:ln>
-                    <a:noFill/>
-                  </a:ln>
-                  <a:solidFill>
-                    <a:prstClr val="black"/>
-                  </a:solidFill>
-                  <a:effectLst/>
-                  <a:uLnTx/>
-                  <a:uFillTx/>
-                  <a:latin typeface="Calibri"/>
-                  <a:ea typeface="+mn-ea"/>
-                  <a:cs typeface="+mn-cs"/>
-                </a:rPr>
-                <a:t>doFinishAlu</a:t>
-              </a:r>
-              <a:endParaRPr kumimoji="0" lang="en-US" sz="2000" b="1" i="0" u="none" strike="noStrike" kern="0" cap="none" spc="0" normalizeH="0" baseline="0" noProof="0" dirty="0" smtClean="0">
-                <a:ln>
-                  <a:noFill/>
-                </a:ln>
-                <a:solidFill>
-                  <a:prstClr val="black"/>
-                </a:solidFill>
-                <a:effectLst/>
-                <a:uLnTx/>
-                <a:uFillTx/>
-                <a:latin typeface="Calibri"/>
-                <a:ea typeface="+mn-ea"/>
-                <a:cs typeface="+mn-cs"/>
-              </a:endParaRPr>
-            </a:p>
-          </p:txBody>
-        </p:sp>
-        <p:cxnSp>
-          <p:nvCxnSpPr>
-            <p:cNvPr id="14" name="Straight Arrow Connector 13"/>
-            <p:cNvCxnSpPr>
-              <a:stCxn id="7" idx="0"/>
-              <a:endCxn id="40" idx="1"/>
-            </p:cNvCxnSpPr>
-            <p:nvPr/>
-          </p:nvCxnSpPr>
-          <p:spPr>
-            <a:xfrm flipV="1">
-              <a:off x="4320372" y="3138317"/>
-              <a:ext cx="160186" cy="1"/>
-            </a:xfrm>
-            <a:prstGeom prst="straightConnector1">
-              <a:avLst/>
-            </a:prstGeom>
-            <a:noFill/>
-            <a:ln w="12700" cap="flat" cmpd="sng" algn="ctr">
-              <a:solidFill>
-                <a:sysClr val="windowText" lastClr="000000"/>
-              </a:solidFill>
-              <a:prstDash val="solid"/>
-              <a:tailEnd type="triangle"/>
-            </a:ln>
-            <a:effectLst/>
-          </p:spPr>
-        </p:cxnSp>
-        <p:cxnSp>
-          <p:nvCxnSpPr>
-            <p:cNvPr id="15" name="Straight Arrow Connector 14"/>
-            <p:cNvCxnSpPr>
-              <a:stCxn id="40" idx="3"/>
-              <a:endCxn id="8" idx="2"/>
-            </p:cNvCxnSpPr>
-            <p:nvPr/>
-          </p:nvCxnSpPr>
-          <p:spPr>
-            <a:xfrm flipV="1">
-              <a:off x="4610404" y="3138316"/>
-              <a:ext cx="114932" cy="1"/>
-            </a:xfrm>
-            <a:prstGeom prst="straightConnector1">
-              <a:avLst/>
-            </a:prstGeom>
-            <a:noFill/>
-            <a:ln w="12700" cap="flat" cmpd="sng" algn="ctr">
-              <a:solidFill>
-                <a:sysClr val="windowText" lastClr="000000"/>
-              </a:solidFill>
-              <a:prstDash val="solid"/>
-              <a:tailEnd type="triangle"/>
-            </a:ln>
-            <a:effectLst/>
-          </p:spPr>
-        </p:cxnSp>
-        <p:cxnSp>
-          <p:nvCxnSpPr>
-            <p:cNvPr id="16" name="Straight Arrow Connector 15"/>
-            <p:cNvCxnSpPr>
-              <a:stCxn id="8" idx="0"/>
-              <a:endCxn id="43" idx="1"/>
-            </p:cNvCxnSpPr>
-            <p:nvPr/>
-          </p:nvCxnSpPr>
-          <p:spPr>
-            <a:xfrm>
-              <a:off x="7385305" y="3138316"/>
-              <a:ext cx="161100" cy="1"/>
-            </a:xfrm>
-            <a:prstGeom prst="straightConnector1">
-              <a:avLst/>
-            </a:prstGeom>
-            <a:noFill/>
-            <a:ln w="12700" cap="flat" cmpd="sng" algn="ctr">
-              <a:solidFill>
-                <a:sysClr val="windowText" lastClr="000000"/>
-              </a:solidFill>
-              <a:prstDash val="solid"/>
-              <a:tailEnd type="triangle"/>
-            </a:ln>
-            <a:effectLst/>
-          </p:spPr>
-        </p:cxnSp>
-        <p:cxnSp>
-          <p:nvCxnSpPr>
-            <p:cNvPr id="17" name="Straight Arrow Connector 16"/>
-            <p:cNvCxnSpPr>
-              <a:stCxn id="43" idx="3"/>
-              <a:endCxn id="9" idx="2"/>
-            </p:cNvCxnSpPr>
-            <p:nvPr/>
-          </p:nvCxnSpPr>
-          <p:spPr>
-            <a:xfrm flipV="1">
-              <a:off x="7676251" y="3138315"/>
-              <a:ext cx="134985" cy="2"/>
-            </a:xfrm>
-            <a:prstGeom prst="straightConnector1">
-              <a:avLst/>
-            </a:prstGeom>
-            <a:noFill/>
-            <a:ln w="12700" cap="flat" cmpd="sng" algn="ctr">
-              <a:solidFill>
-                <a:sysClr val="windowText" lastClr="000000"/>
-              </a:solidFill>
-              <a:prstDash val="solid"/>
-              <a:tailEnd type="triangle"/>
-            </a:ln>
-            <a:effectLst/>
-          </p:spPr>
-        </p:cxnSp>
-        <p:cxnSp>
-          <p:nvCxnSpPr>
-            <p:cNvPr id="18" name="Straight Arrow Connector 17"/>
-            <p:cNvCxnSpPr>
-              <a:stCxn id="9" idx="0"/>
-              <a:endCxn id="49" idx="1"/>
-            </p:cNvCxnSpPr>
-            <p:nvPr/>
-          </p:nvCxnSpPr>
-          <p:spPr>
-            <a:xfrm>
-              <a:off x="9626459" y="3138315"/>
-              <a:ext cx="129844" cy="2"/>
-            </a:xfrm>
-            <a:prstGeom prst="straightConnector1">
-              <a:avLst/>
-            </a:prstGeom>
-            <a:noFill/>
-            <a:ln w="12700" cap="flat" cmpd="sng" algn="ctr">
-              <a:solidFill>
-                <a:sysClr val="windowText" lastClr="000000"/>
-              </a:solidFill>
-              <a:prstDash val="solid"/>
-              <a:tailEnd type="triangle"/>
-            </a:ln>
-            <a:effectLst/>
-          </p:spPr>
-        </p:cxnSp>
-        <p:cxnSp>
-          <p:nvCxnSpPr>
-            <p:cNvPr id="19" name="Straight Arrow Connector 18"/>
-            <p:cNvCxnSpPr>
-              <a:stCxn id="49" idx="3"/>
-              <a:endCxn id="10" idx="2"/>
-            </p:cNvCxnSpPr>
-            <p:nvPr/>
-          </p:nvCxnSpPr>
-          <p:spPr>
-            <a:xfrm flipV="1">
-              <a:off x="9886149" y="3138315"/>
-              <a:ext cx="113093" cy="2"/>
-            </a:xfrm>
-            <a:prstGeom prst="straightConnector1">
-              <a:avLst/>
-            </a:prstGeom>
-            <a:noFill/>
-            <a:ln w="12700" cap="flat" cmpd="sng" algn="ctr">
-              <a:solidFill>
-                <a:sysClr val="windowText" lastClr="000000"/>
-              </a:solidFill>
-              <a:prstDash val="solid"/>
-              <a:tailEnd type="triangle"/>
-            </a:ln>
-            <a:effectLst/>
-          </p:spPr>
-        </p:cxnSp>
-        <p:grpSp>
-          <p:nvGrpSpPr>
-            <p:cNvPr id="25" name="Group 24"/>
-            <p:cNvGrpSpPr/>
-            <p:nvPr/>
-          </p:nvGrpSpPr>
-          <p:grpSpPr>
-            <a:xfrm>
-              <a:off x="9655548" y="2972717"/>
-              <a:ext cx="230601" cy="331199"/>
-              <a:chOff x="5540558" y="1752600"/>
-              <a:chExt cx="230601" cy="331199"/>
-            </a:xfrm>
-          </p:grpSpPr>
-          <p:sp>
-            <p:nvSpPr>
-              <p:cNvPr id="49" name="Rectangle 48"/>
-              <p:cNvSpPr/>
-              <p:nvPr/>
-            </p:nvSpPr>
-            <p:spPr>
-              <a:xfrm>
-                <a:off x="5641313" y="1752600"/>
-                <a:ext cx="129846" cy="331199"/>
-              </a:xfrm>
-              <a:prstGeom prst="rect">
-                <a:avLst/>
-              </a:prstGeom>
-              <a:solidFill>
-                <a:srgbClr val="F79646">
-                  <a:lumMod val="40000"/>
-                  <a:lumOff val="60000"/>
-                </a:srgbClr>
-              </a:solidFill>
-              <a:ln w="19050" cap="flat" cmpd="sng" algn="ctr">
-                <a:solidFill>
-                  <a:sysClr val="windowText" lastClr="000000"/>
-                </a:solidFill>
-                <a:prstDash val="solid"/>
-              </a:ln>
-              <a:effectLst/>
-            </p:spPr>
-            <p:txBody>
-              <a:bodyPr rtlCol="0" anchor="ctr"/>
-              <a:lstStyle/>
-              <a:p>
-                <a:pPr marL="0" marR="0" lvl="0" indent="0" algn="ctr" defTabSz="914400" rtl="0" eaLnBrk="1" fontAlgn="auto" latinLnBrk="0" hangingPunct="1">
-                  <a:lnSpc>
-                    <a:spcPct val="100000"/>
-                  </a:lnSpc>
-                  <a:spcBef>
-                    <a:spcPts val="0"/>
-                  </a:spcBef>
-                  <a:spcAft>
-                    <a:spcPts val="0"/>
-                  </a:spcAft>
-                  <a:buClrTx/>
-                  <a:buSzTx/>
-                  <a:buFontTx/>
-                  <a:buNone/>
-                  <a:tabLst/>
-                  <a:defRPr/>
-                </a:pPr>
-                <a:endParaRPr kumimoji="0" lang="en-US" sz="2000" b="1" i="0" u="none" strike="noStrike" kern="0" cap="none" spc="0" normalizeH="0" baseline="0" noProof="0" dirty="0" smtClean="0">
-                  <a:ln>
-                    <a:noFill/>
-                  </a:ln>
-                  <a:solidFill>
-                    <a:prstClr val="black"/>
-                  </a:solidFill>
-                  <a:effectLst/>
-                  <a:uLnTx/>
-                  <a:uFillTx/>
-                  <a:latin typeface="Calibri"/>
-                  <a:ea typeface="+mn-ea"/>
-                  <a:cs typeface="+mn-cs"/>
-                </a:endParaRPr>
-              </a:p>
-            </p:txBody>
-          </p:sp>
-          <p:cxnSp>
-            <p:nvCxnSpPr>
-              <p:cNvPr id="50" name="Straight Connector 49"/>
-              <p:cNvCxnSpPr>
-                <a:stCxn id="49" idx="0"/>
-              </p:cNvCxnSpPr>
-              <p:nvPr/>
-            </p:nvCxnSpPr>
-            <p:spPr>
-              <a:xfrm flipH="1">
-                <a:off x="5540558" y="1752600"/>
-                <a:ext cx="165678" cy="0"/>
-              </a:xfrm>
-              <a:prstGeom prst="line">
-                <a:avLst/>
-              </a:prstGeom>
-              <a:ln w="19050">
-                <a:solidFill>
-                  <a:schemeClr val="tx1"/>
-                </a:solidFill>
-              </a:ln>
-            </p:spPr>
-            <p:style>
-              <a:lnRef idx="1">
-                <a:schemeClr val="accent1"/>
-              </a:lnRef>
-              <a:fillRef idx="0">
-                <a:schemeClr val="accent1"/>
-              </a:fillRef>
-              <a:effectRef idx="0">
-                <a:schemeClr val="accent1"/>
-              </a:effectRef>
-              <a:fontRef idx="minor">
-                <a:schemeClr val="tx1"/>
-              </a:fontRef>
-            </p:style>
-          </p:cxnSp>
-          <p:cxnSp>
-            <p:nvCxnSpPr>
-              <p:cNvPr id="51" name="Straight Connector 50"/>
-              <p:cNvCxnSpPr>
-                <a:stCxn id="49" idx="2"/>
-              </p:cNvCxnSpPr>
-              <p:nvPr/>
-            </p:nvCxnSpPr>
-            <p:spPr>
-              <a:xfrm flipH="1">
-                <a:off x="5541801" y="2083799"/>
-                <a:ext cx="164435" cy="0"/>
-              </a:xfrm>
-              <a:prstGeom prst="line">
-                <a:avLst/>
-              </a:prstGeom>
-              <a:ln w="19050">
-                <a:solidFill>
-                  <a:schemeClr val="tx1"/>
-                </a:solidFill>
-              </a:ln>
-            </p:spPr>
-            <p:style>
-              <a:lnRef idx="1">
-                <a:schemeClr val="accent1"/>
-              </a:lnRef>
-              <a:fillRef idx="0">
-                <a:schemeClr val="accent1"/>
-              </a:fillRef>
-              <a:effectRef idx="0">
-                <a:schemeClr val="accent1"/>
-              </a:effectRef>
-              <a:fontRef idx="minor">
-                <a:schemeClr val="tx1"/>
-              </a:fontRef>
-            </p:style>
-          </p:cxnSp>
-        </p:grpSp>
-        <p:grpSp>
-          <p:nvGrpSpPr>
-            <p:cNvPr id="28" name="Group 27"/>
-            <p:cNvGrpSpPr/>
-            <p:nvPr/>
-          </p:nvGrpSpPr>
-          <p:grpSpPr>
-            <a:xfrm>
-              <a:off x="7445650" y="2972717"/>
-              <a:ext cx="230601" cy="331199"/>
-              <a:chOff x="5540558" y="1752600"/>
-              <a:chExt cx="230601" cy="331199"/>
-            </a:xfrm>
-          </p:grpSpPr>
-          <p:sp>
-            <p:nvSpPr>
-              <p:cNvPr id="43" name="Rectangle 42"/>
-              <p:cNvSpPr/>
-              <p:nvPr/>
-            </p:nvSpPr>
-            <p:spPr>
-              <a:xfrm>
-                <a:off x="5641313" y="1752600"/>
-                <a:ext cx="129846" cy="331199"/>
-              </a:xfrm>
-              <a:prstGeom prst="rect">
-                <a:avLst/>
-              </a:prstGeom>
-              <a:solidFill>
-                <a:srgbClr val="F79646">
-                  <a:lumMod val="40000"/>
-                  <a:lumOff val="60000"/>
-                </a:srgbClr>
-              </a:solidFill>
-              <a:ln w="19050" cap="flat" cmpd="sng" algn="ctr">
-                <a:solidFill>
-                  <a:sysClr val="windowText" lastClr="000000"/>
-                </a:solidFill>
-                <a:prstDash val="solid"/>
-              </a:ln>
-              <a:effectLst/>
-            </p:spPr>
-            <p:txBody>
-              <a:bodyPr rtlCol="0" anchor="ctr"/>
-              <a:lstStyle/>
-              <a:p>
-                <a:pPr marL="0" marR="0" lvl="0" indent="0" algn="ctr" defTabSz="914400" rtl="0" eaLnBrk="1" fontAlgn="auto" latinLnBrk="0" hangingPunct="1">
-                  <a:lnSpc>
-                    <a:spcPct val="100000"/>
-                  </a:lnSpc>
-                  <a:spcBef>
-                    <a:spcPts val="0"/>
-                  </a:spcBef>
-                  <a:spcAft>
-                    <a:spcPts val="0"/>
-                  </a:spcAft>
-                  <a:buClrTx/>
-                  <a:buSzTx/>
-                  <a:buFontTx/>
-                  <a:buNone/>
-                  <a:tabLst/>
-                  <a:defRPr/>
-                </a:pPr>
-                <a:endParaRPr kumimoji="0" lang="en-US" sz="2000" b="1" i="0" u="none" strike="noStrike" kern="0" cap="none" spc="0" normalizeH="0" baseline="0" noProof="0" dirty="0" smtClean="0">
-                  <a:ln>
-                    <a:noFill/>
-                  </a:ln>
-                  <a:solidFill>
-                    <a:prstClr val="black"/>
-                  </a:solidFill>
-                  <a:effectLst/>
-                  <a:uLnTx/>
-                  <a:uFillTx/>
-                  <a:latin typeface="Calibri"/>
-                  <a:ea typeface="+mn-ea"/>
-                  <a:cs typeface="+mn-cs"/>
-                </a:endParaRPr>
-              </a:p>
-            </p:txBody>
-          </p:sp>
-          <p:cxnSp>
-            <p:nvCxnSpPr>
-              <p:cNvPr id="44" name="Straight Connector 43"/>
-              <p:cNvCxnSpPr>
-                <a:stCxn id="43" idx="0"/>
-              </p:cNvCxnSpPr>
-              <p:nvPr/>
-            </p:nvCxnSpPr>
-            <p:spPr>
-              <a:xfrm flipH="1">
-                <a:off x="5540558" y="1752600"/>
-                <a:ext cx="165678" cy="0"/>
-              </a:xfrm>
-              <a:prstGeom prst="line">
-                <a:avLst/>
-              </a:prstGeom>
-              <a:ln w="19050">
-                <a:solidFill>
-                  <a:schemeClr val="tx1"/>
-                </a:solidFill>
-              </a:ln>
-            </p:spPr>
-            <p:style>
-              <a:lnRef idx="1">
-                <a:schemeClr val="accent1"/>
-              </a:lnRef>
-              <a:fillRef idx="0">
-                <a:schemeClr val="accent1"/>
-              </a:fillRef>
-              <a:effectRef idx="0">
-                <a:schemeClr val="accent1"/>
-              </a:effectRef>
-              <a:fontRef idx="minor">
-                <a:schemeClr val="tx1"/>
-              </a:fontRef>
-            </p:style>
-          </p:cxnSp>
-          <p:cxnSp>
-            <p:nvCxnSpPr>
-              <p:cNvPr id="45" name="Straight Connector 44"/>
-              <p:cNvCxnSpPr>
-                <a:stCxn id="43" idx="2"/>
-              </p:cNvCxnSpPr>
-              <p:nvPr/>
-            </p:nvCxnSpPr>
-            <p:spPr>
-              <a:xfrm flipH="1">
-                <a:off x="5541801" y="2083799"/>
-                <a:ext cx="164435" cy="0"/>
-              </a:xfrm>
-              <a:prstGeom prst="line">
-                <a:avLst/>
-              </a:prstGeom>
-              <a:ln w="19050">
-                <a:solidFill>
-                  <a:schemeClr val="tx1"/>
-                </a:solidFill>
-              </a:ln>
-            </p:spPr>
-            <p:style>
-              <a:lnRef idx="1">
-                <a:schemeClr val="accent1"/>
-              </a:lnRef>
-              <a:fillRef idx="0">
-                <a:schemeClr val="accent1"/>
-              </a:fillRef>
-              <a:effectRef idx="0">
-                <a:schemeClr val="accent1"/>
-              </a:effectRef>
-              <a:fontRef idx="minor">
-                <a:schemeClr val="tx1"/>
-              </a:fontRef>
-            </p:style>
-          </p:cxnSp>
-        </p:grpSp>
-        <p:grpSp>
-          <p:nvGrpSpPr>
-            <p:cNvPr id="29" name="Group 28"/>
-            <p:cNvGrpSpPr/>
-            <p:nvPr/>
-          </p:nvGrpSpPr>
-          <p:grpSpPr>
-            <a:xfrm>
-              <a:off x="4379803" y="2972717"/>
-              <a:ext cx="230601" cy="331199"/>
-              <a:chOff x="5540558" y="1752600"/>
-              <a:chExt cx="230601" cy="331199"/>
-            </a:xfrm>
-          </p:grpSpPr>
-          <p:sp>
-            <p:nvSpPr>
-              <p:cNvPr id="40" name="Rectangle 39"/>
-              <p:cNvSpPr/>
-              <p:nvPr/>
-            </p:nvSpPr>
-            <p:spPr>
-              <a:xfrm>
-                <a:off x="5641313" y="1752600"/>
-                <a:ext cx="129846" cy="331199"/>
-              </a:xfrm>
-              <a:prstGeom prst="rect">
-                <a:avLst/>
-              </a:prstGeom>
-              <a:solidFill>
-                <a:srgbClr val="F79646">
-                  <a:lumMod val="40000"/>
-                  <a:lumOff val="60000"/>
-                </a:srgbClr>
-              </a:solidFill>
-              <a:ln w="19050" cap="flat" cmpd="sng" algn="ctr">
-                <a:solidFill>
-                  <a:sysClr val="windowText" lastClr="000000"/>
-                </a:solidFill>
-                <a:prstDash val="solid"/>
-              </a:ln>
-              <a:effectLst/>
-            </p:spPr>
-            <p:txBody>
-              <a:bodyPr rtlCol="0" anchor="ctr"/>
-              <a:lstStyle/>
-              <a:p>
-                <a:pPr marL="0" marR="0" lvl="0" indent="0" algn="ctr" defTabSz="914400" rtl="0" eaLnBrk="1" fontAlgn="auto" latinLnBrk="0" hangingPunct="1">
-                  <a:lnSpc>
-                    <a:spcPct val="100000"/>
-                  </a:lnSpc>
-                  <a:spcBef>
-                    <a:spcPts val="0"/>
-                  </a:spcBef>
-                  <a:spcAft>
-                    <a:spcPts val="0"/>
-                  </a:spcAft>
-                  <a:buClrTx/>
-                  <a:buSzTx/>
-                  <a:buFontTx/>
-                  <a:buNone/>
-                  <a:tabLst/>
-                  <a:defRPr/>
-                </a:pPr>
-                <a:endParaRPr kumimoji="0" lang="en-US" sz="2000" b="1" i="0" u="none" strike="noStrike" kern="0" cap="none" spc="0" normalizeH="0" baseline="0" noProof="0" dirty="0" smtClean="0">
-                  <a:ln>
-                    <a:noFill/>
-                  </a:ln>
-                  <a:solidFill>
-                    <a:prstClr val="black"/>
-                  </a:solidFill>
-                  <a:effectLst/>
-                  <a:uLnTx/>
-                  <a:uFillTx/>
-                  <a:latin typeface="Calibri"/>
-                  <a:ea typeface="+mn-ea"/>
-                  <a:cs typeface="+mn-cs"/>
-                </a:endParaRPr>
-              </a:p>
-            </p:txBody>
-          </p:sp>
-          <p:cxnSp>
-            <p:nvCxnSpPr>
-              <p:cNvPr id="41" name="Straight Connector 40"/>
-              <p:cNvCxnSpPr>
-                <a:stCxn id="40" idx="0"/>
-              </p:cNvCxnSpPr>
-              <p:nvPr/>
-            </p:nvCxnSpPr>
-            <p:spPr>
-              <a:xfrm flipH="1">
-                <a:off x="5540558" y="1752600"/>
-                <a:ext cx="165678" cy="0"/>
-              </a:xfrm>
-              <a:prstGeom prst="line">
-                <a:avLst/>
-              </a:prstGeom>
-              <a:ln w="19050">
-                <a:solidFill>
-                  <a:schemeClr val="tx1"/>
-                </a:solidFill>
-              </a:ln>
-            </p:spPr>
-            <p:style>
-              <a:lnRef idx="1">
-                <a:schemeClr val="accent1"/>
-              </a:lnRef>
-              <a:fillRef idx="0">
-                <a:schemeClr val="accent1"/>
-              </a:fillRef>
-              <a:effectRef idx="0">
-                <a:schemeClr val="accent1"/>
-              </a:effectRef>
-              <a:fontRef idx="minor">
-                <a:schemeClr val="tx1"/>
-              </a:fontRef>
-            </p:style>
-          </p:cxnSp>
-          <p:cxnSp>
-            <p:nvCxnSpPr>
-              <p:cNvPr id="42" name="Straight Connector 41"/>
-              <p:cNvCxnSpPr>
-                <a:stCxn id="40" idx="2"/>
-              </p:cNvCxnSpPr>
-              <p:nvPr/>
-            </p:nvCxnSpPr>
-            <p:spPr>
-              <a:xfrm flipH="1">
-                <a:off x="5541801" y="2083799"/>
-                <a:ext cx="164435" cy="0"/>
-              </a:xfrm>
-              <a:prstGeom prst="line">
-                <a:avLst/>
-              </a:prstGeom>
-              <a:ln w="19050">
-                <a:solidFill>
-                  <a:schemeClr val="tx1"/>
-                </a:solidFill>
-              </a:ln>
-            </p:spPr>
-            <p:style>
-              <a:lnRef idx="1">
-                <a:schemeClr val="accent1"/>
-              </a:lnRef>
-              <a:fillRef idx="0">
-                <a:schemeClr val="accent1"/>
-              </a:fillRef>
-              <a:effectRef idx="0">
-                <a:schemeClr val="accent1"/>
-              </a:effectRef>
-              <a:fontRef idx="minor">
-                <a:schemeClr val="tx1"/>
-              </a:fontRef>
-            </p:style>
-          </p:cxnSp>
-        </p:grpSp>
-        <p:sp>
-          <p:nvSpPr>
-            <p:cNvPr id="30" name="Rectangle 29"/>
-            <p:cNvSpPr/>
-            <p:nvPr/>
-          </p:nvSpPr>
-          <p:spPr>
-            <a:xfrm>
-              <a:off x="45950" y="2779484"/>
-              <a:ext cx="1459363" cy="717668"/>
-            </a:xfrm>
-            <a:prstGeom prst="rect">
-              <a:avLst/>
-            </a:prstGeom>
-            <a:solidFill>
-              <a:srgbClr val="F79646">
-                <a:lumMod val="40000"/>
-                <a:lumOff val="60000"/>
-              </a:srgbClr>
-            </a:solidFill>
-            <a:ln w="25400" cap="flat" cmpd="sng" algn="ctr">
-              <a:solidFill>
-                <a:sysClr val="windowText" lastClr="000000"/>
-              </a:solidFill>
-              <a:prstDash val="solid"/>
-            </a:ln>
-            <a:effectLst/>
-          </p:spPr>
-          <p:txBody>
-            <a:bodyPr rtlCol="0" anchor="ctr"/>
-            <a:lstStyle/>
-            <a:p>
-              <a:pPr marL="0" marR="0" lvl="0" indent="0" algn="ctr" defTabSz="914400" rtl="0" eaLnBrk="1" fontAlgn="auto" latinLnBrk="0" hangingPunct="1">
-                <a:lnSpc>
-                  <a:spcPct val="100000"/>
-                </a:lnSpc>
-                <a:spcBef>
-                  <a:spcPts val="0"/>
-                </a:spcBef>
-                <a:spcAft>
-                  <a:spcPts val="0"/>
-                </a:spcAft>
-                <a:buClrTx/>
-                <a:buSzTx/>
-                <a:buFontTx/>
-                <a:buNone/>
-                <a:tabLst/>
-                <a:defRPr/>
-              </a:pPr>
-              <a:r>
-                <a:rPr kumimoji="0" lang="en-US" sz="2000" b="1" i="0" u="none" strike="noStrike" kern="0" cap="none" spc="0" normalizeH="0" baseline="0" noProof="0" dirty="0" smtClean="0">
-                  <a:ln>
-                    <a:noFill/>
-                  </a:ln>
-                  <a:solidFill>
-                    <a:prstClr val="black"/>
-                  </a:solidFill>
-                  <a:effectLst/>
-                  <a:uLnTx/>
-                  <a:uFillTx/>
-                  <a:latin typeface="Calibri"/>
-                  <a:ea typeface="+mn-ea"/>
-                  <a:cs typeface="+mn-cs"/>
-                </a:rPr>
-                <a:t>Reservation</a:t>
-              </a:r>
-            </a:p>
-            <a:p>
-              <a:pPr marL="0" marR="0" lvl="0" indent="0" algn="ctr" defTabSz="914400" rtl="0" eaLnBrk="1" fontAlgn="auto" latinLnBrk="0" hangingPunct="1">
-                <a:lnSpc>
-                  <a:spcPct val="100000"/>
-                </a:lnSpc>
-                <a:spcBef>
-                  <a:spcPts val="0"/>
-                </a:spcBef>
-                <a:spcAft>
-                  <a:spcPts val="0"/>
-                </a:spcAft>
-                <a:buClrTx/>
-                <a:buSzTx/>
-                <a:buFontTx/>
-                <a:buNone/>
-                <a:tabLst/>
-                <a:defRPr/>
-              </a:pPr>
-              <a:r>
-                <a:rPr lang="en-US" sz="2000" b="1" kern="0" dirty="0" smtClean="0">
-                  <a:solidFill>
-                    <a:prstClr val="black"/>
-                  </a:solidFill>
-                  <a:latin typeface="Calibri"/>
-                </a:rPr>
-                <a:t>Station</a:t>
-              </a:r>
-              <a:endParaRPr kumimoji="0" lang="en-US" sz="2000" b="1" i="0" u="none" strike="noStrike" kern="0" cap="none" spc="0" normalizeH="0" baseline="0" noProof="0" dirty="0" smtClean="0">
-                <a:ln>
-                  <a:noFill/>
-                </a:ln>
-                <a:solidFill>
-                  <a:prstClr val="black"/>
-                </a:solidFill>
-                <a:effectLst/>
-                <a:uLnTx/>
-                <a:uFillTx/>
-                <a:latin typeface="Calibri"/>
-                <a:ea typeface="+mn-ea"/>
-                <a:cs typeface="+mn-cs"/>
-              </a:endParaRPr>
-            </a:p>
-          </p:txBody>
-        </p:sp>
-        <p:cxnSp>
-          <p:nvCxnSpPr>
-            <p:cNvPr id="72" name="Straight Arrow Connector 71"/>
-            <p:cNvCxnSpPr>
-              <a:stCxn id="30" idx="3"/>
-              <a:endCxn id="7" idx="2"/>
-            </p:cNvCxnSpPr>
-            <p:nvPr/>
-          </p:nvCxnSpPr>
-          <p:spPr>
-            <a:xfrm>
-              <a:off x="1505313" y="3138318"/>
-              <a:ext cx="156666" cy="0"/>
-            </a:xfrm>
-            <a:prstGeom prst="straightConnector1">
-              <a:avLst/>
-            </a:prstGeom>
-            <a:noFill/>
-            <a:ln w="12700" cap="flat" cmpd="sng" algn="ctr">
-              <a:solidFill>
-                <a:sysClr val="windowText" lastClr="000000"/>
-              </a:solidFill>
-              <a:prstDash val="solid"/>
-              <a:tailEnd type="triangle"/>
-            </a:ln>
-            <a:effectLst/>
-          </p:spPr>
-        </p:cxnSp>
-        <p:sp>
-          <p:nvSpPr>
-            <p:cNvPr id="39" name="TextBox 38"/>
-            <p:cNvSpPr txBox="1"/>
-            <p:nvPr/>
-          </p:nvSpPr>
-          <p:spPr>
-            <a:xfrm>
-              <a:off x="5265052" y="4425612"/>
-              <a:ext cx="1574478" cy="400110"/>
-            </a:xfrm>
-            <a:prstGeom prst="rect">
-              <a:avLst/>
-            </a:prstGeom>
-            <a:noFill/>
-          </p:spPr>
-          <p:txBody>
-            <a:bodyPr wrap="square" rtlCol="0">
-              <a:spAutoFit/>
-            </a:bodyPr>
-            <a:lstStyle/>
-            <a:p>
-              <a:pPr algn="ctr">
-                <a:defRPr/>
-              </a:pPr>
-              <a:r>
-                <a:rPr lang="en-US" sz="2000" b="1" kern="0" dirty="0" err="1" smtClean="0">
-                  <a:solidFill>
-                    <a:prstClr val="black"/>
-                  </a:solidFill>
-                  <a:latin typeface="Calibri"/>
-                </a:rPr>
-                <a:t>recvBypass</a:t>
-              </a:r>
-              <a:endParaRPr lang="en-US" sz="2000" b="1" kern="0" dirty="0">
-                <a:solidFill>
-                  <a:prstClr val="black"/>
-                </a:solidFill>
-                <a:latin typeface="Calibri"/>
-              </a:endParaRPr>
-            </a:p>
-          </p:txBody>
-        </p:sp>
-        <p:cxnSp>
-          <p:nvCxnSpPr>
-            <p:cNvPr id="27" name="Straight Arrow Connector 26"/>
-            <p:cNvCxnSpPr>
-              <a:stCxn id="39" idx="0"/>
-              <a:endCxn id="8" idx="1"/>
-            </p:cNvCxnSpPr>
-            <p:nvPr/>
-          </p:nvCxnSpPr>
-          <p:spPr>
-            <a:xfrm flipV="1">
-              <a:off x="6052291" y="3552341"/>
-              <a:ext cx="1" cy="873271"/>
-            </a:xfrm>
-            <a:prstGeom prst="straightConnector1">
-              <a:avLst/>
-            </a:prstGeom>
-            <a:ln w="12700">
-              <a:solidFill>
-                <a:schemeClr val="tx1"/>
-              </a:solidFill>
-              <a:tailEnd type="triangle"/>
-            </a:ln>
-          </p:spPr>
-          <p:style>
-            <a:lnRef idx="1">
-              <a:schemeClr val="accent1"/>
-            </a:lnRef>
-            <a:fillRef idx="0">
-              <a:schemeClr val="accent1"/>
-            </a:fillRef>
-            <a:effectRef idx="0">
-              <a:schemeClr val="accent1"/>
-            </a:effectRef>
-            <a:fontRef idx="minor">
-              <a:schemeClr val="tx1"/>
-            </a:fontRef>
-          </p:style>
-        </p:cxnSp>
-        <p:sp>
-          <p:nvSpPr>
-            <p:cNvPr id="46" name="TextBox 45"/>
-            <p:cNvSpPr txBox="1"/>
-            <p:nvPr/>
-          </p:nvSpPr>
-          <p:spPr>
-            <a:xfrm>
-              <a:off x="7929541" y="4425612"/>
-              <a:ext cx="1574478" cy="400110"/>
-            </a:xfrm>
-            <a:prstGeom prst="rect">
-              <a:avLst/>
-            </a:prstGeom>
-            <a:noFill/>
-          </p:spPr>
-          <p:txBody>
-            <a:bodyPr wrap="square" rtlCol="0">
-              <a:spAutoFit/>
-            </a:bodyPr>
-            <a:lstStyle/>
-            <a:p>
-              <a:pPr algn="ctr">
-                <a:defRPr/>
-              </a:pPr>
-              <a:r>
-                <a:rPr lang="en-US" sz="2000" b="1" kern="0" dirty="0" err="1" smtClean="0">
-                  <a:solidFill>
-                    <a:prstClr val="black"/>
-                  </a:solidFill>
-                  <a:latin typeface="Calibri"/>
-                </a:rPr>
-                <a:t>sendBypass</a:t>
-              </a:r>
-              <a:endParaRPr lang="en-US" sz="2000" b="1" kern="0" dirty="0">
-                <a:solidFill>
-                  <a:prstClr val="black"/>
-                </a:solidFill>
-                <a:latin typeface="Calibri"/>
-              </a:endParaRPr>
-            </a:p>
-          </p:txBody>
-        </p:sp>
-        <p:cxnSp>
-          <p:nvCxnSpPr>
-            <p:cNvPr id="34" name="Straight Arrow Connector 33"/>
-            <p:cNvCxnSpPr>
-              <a:stCxn id="9" idx="1"/>
-              <a:endCxn id="46" idx="0"/>
-            </p:cNvCxnSpPr>
-            <p:nvPr/>
-          </p:nvCxnSpPr>
-          <p:spPr>
-            <a:xfrm flipH="1">
-              <a:off x="8716780" y="3552340"/>
-              <a:ext cx="1" cy="873272"/>
-            </a:xfrm>
-            <a:prstGeom prst="straightConnector1">
-              <a:avLst/>
-            </a:prstGeom>
-            <a:ln w="12700">
-              <a:solidFill>
-                <a:schemeClr val="tx1"/>
-              </a:solidFill>
-              <a:tailEnd type="triangle"/>
-            </a:ln>
-          </p:spPr>
-          <p:style>
-            <a:lnRef idx="1">
-              <a:schemeClr val="accent1"/>
-            </a:lnRef>
-            <a:fillRef idx="0">
-              <a:schemeClr val="accent1"/>
-            </a:fillRef>
-            <a:effectRef idx="0">
-              <a:schemeClr val="accent1"/>
-            </a:effectRef>
-            <a:fontRef idx="minor">
-              <a:schemeClr val="tx1"/>
-            </a:fontRef>
-          </p:style>
-        </p:cxnSp>
-        <p:sp>
-          <p:nvSpPr>
-            <p:cNvPr id="47" name="TextBox 46"/>
-            <p:cNvSpPr txBox="1"/>
-            <p:nvPr/>
-          </p:nvSpPr>
-          <p:spPr>
-            <a:xfrm>
-              <a:off x="10297336" y="4425612"/>
-              <a:ext cx="1574478" cy="400110"/>
-            </a:xfrm>
-            <a:prstGeom prst="rect">
-              <a:avLst/>
-            </a:prstGeom>
-            <a:noFill/>
-          </p:spPr>
-          <p:txBody>
-            <a:bodyPr wrap="square" rtlCol="0">
-              <a:spAutoFit/>
-            </a:bodyPr>
-            <a:lstStyle/>
-            <a:p>
-              <a:pPr algn="ctr">
-                <a:defRPr/>
-              </a:pPr>
-              <a:r>
-                <a:rPr lang="en-US" sz="2000" b="1" kern="0" dirty="0" err="1" smtClean="0">
-                  <a:solidFill>
-                    <a:prstClr val="black"/>
-                  </a:solidFill>
-                  <a:latin typeface="Calibri"/>
-                </a:rPr>
-                <a:t>sendBypass</a:t>
-              </a:r>
-              <a:endParaRPr lang="en-US" sz="2000" b="1" kern="0" dirty="0">
-                <a:solidFill>
-                  <a:prstClr val="black"/>
-                </a:solidFill>
-                <a:latin typeface="Calibri"/>
-              </a:endParaRPr>
-            </a:p>
-          </p:txBody>
-        </p:sp>
-        <p:cxnSp>
-          <p:nvCxnSpPr>
-            <p:cNvPr id="48" name="Straight Arrow Connector 47"/>
-            <p:cNvCxnSpPr>
-              <a:stCxn id="10" idx="1"/>
-              <a:endCxn id="47" idx="0"/>
-            </p:cNvCxnSpPr>
-            <p:nvPr/>
-          </p:nvCxnSpPr>
-          <p:spPr>
-            <a:xfrm>
-              <a:off x="11084575" y="3552340"/>
-              <a:ext cx="0" cy="873272"/>
-            </a:xfrm>
-            <a:prstGeom prst="straightConnector1">
-              <a:avLst/>
-            </a:prstGeom>
-            <a:ln w="12700">
-              <a:solidFill>
-                <a:schemeClr val="tx1"/>
-              </a:solidFill>
-              <a:tailEnd type="triangle"/>
-            </a:ln>
-          </p:spPr>
-          <p:style>
-            <a:lnRef idx="1">
-              <a:schemeClr val="accent1"/>
-            </a:lnRef>
-            <a:fillRef idx="0">
-              <a:schemeClr val="accent1"/>
-            </a:fillRef>
-            <a:effectRef idx="0">
-              <a:schemeClr val="accent1"/>
-            </a:effectRef>
-            <a:fontRef idx="minor">
-              <a:schemeClr val="tx1"/>
-            </a:fontRef>
-          </p:style>
-        </p:cxnSp>
-        <p:sp>
-          <p:nvSpPr>
-            <p:cNvPr id="52" name="TextBox 51"/>
-            <p:cNvSpPr txBox="1"/>
-            <p:nvPr/>
-          </p:nvSpPr>
-          <p:spPr>
-            <a:xfrm>
-              <a:off x="8030622" y="3788921"/>
-              <a:ext cx="778928" cy="400110"/>
-            </a:xfrm>
-            <a:prstGeom prst="rect">
-              <a:avLst/>
-            </a:prstGeom>
-            <a:noFill/>
-          </p:spPr>
-          <p:txBody>
-            <a:bodyPr wrap="square" rtlCol="0">
-              <a:spAutoFit/>
-            </a:bodyPr>
-            <a:lstStyle/>
-            <a:p>
-              <a:pPr algn="ctr">
-                <a:defRPr/>
-              </a:pPr>
-              <a:r>
-                <a:rPr lang="en-US" sz="2000" kern="0" dirty="0" smtClean="0">
-                  <a:solidFill>
-                    <a:srgbClr val="FF0000"/>
-                  </a:solidFill>
-                  <a:latin typeface="Calibri"/>
-                </a:rPr>
-                <a:t>wire</a:t>
-              </a:r>
-              <a:endParaRPr lang="en-US" sz="2000" kern="0" dirty="0">
-                <a:solidFill>
-                  <a:srgbClr val="FF0000"/>
-                </a:solidFill>
-                <a:latin typeface="Calibri"/>
-              </a:endParaRPr>
-            </a:p>
-          </p:txBody>
-        </p:sp>
-        <p:sp>
-          <p:nvSpPr>
-            <p:cNvPr id="53" name="TextBox 52"/>
-            <p:cNvSpPr txBox="1"/>
-            <p:nvPr/>
-          </p:nvSpPr>
-          <p:spPr>
-            <a:xfrm>
-              <a:off x="10398416" y="3788921"/>
-              <a:ext cx="778928" cy="400110"/>
-            </a:xfrm>
-            <a:prstGeom prst="rect">
-              <a:avLst/>
-            </a:prstGeom>
-            <a:noFill/>
-          </p:spPr>
-          <p:txBody>
-            <a:bodyPr wrap="square" rtlCol="0">
-              <a:spAutoFit/>
-            </a:bodyPr>
-            <a:lstStyle/>
-            <a:p>
-              <a:pPr algn="ctr">
-                <a:defRPr/>
-              </a:pPr>
-              <a:r>
-                <a:rPr lang="en-US" sz="2000" kern="0" dirty="0" smtClean="0">
-                  <a:solidFill>
-                    <a:srgbClr val="FF0000"/>
-                  </a:solidFill>
-                  <a:latin typeface="Calibri"/>
-                </a:rPr>
-                <a:t>wire</a:t>
-              </a:r>
-              <a:endParaRPr lang="en-US" sz="2000" kern="0" dirty="0">
-                <a:solidFill>
-                  <a:srgbClr val="FF0000"/>
-                </a:solidFill>
-                <a:latin typeface="Calibri"/>
-              </a:endParaRPr>
-            </a:p>
-          </p:txBody>
-        </p:sp>
-        <p:sp>
-          <p:nvSpPr>
-            <p:cNvPr id="54" name="TextBox 53"/>
-            <p:cNvSpPr txBox="1"/>
-            <p:nvPr/>
-          </p:nvSpPr>
-          <p:spPr>
-            <a:xfrm>
-              <a:off x="5352517" y="3788921"/>
-              <a:ext cx="778928" cy="400110"/>
-            </a:xfrm>
-            <a:prstGeom prst="rect">
-              <a:avLst/>
-            </a:prstGeom>
-            <a:noFill/>
-          </p:spPr>
-          <p:txBody>
-            <a:bodyPr wrap="square" rtlCol="0">
-              <a:spAutoFit/>
-            </a:bodyPr>
-            <a:lstStyle/>
-            <a:p>
-              <a:pPr algn="ctr">
-                <a:defRPr/>
-              </a:pPr>
-              <a:r>
-                <a:rPr lang="en-US" sz="2000" kern="0" dirty="0" smtClean="0">
-                  <a:solidFill>
-                    <a:srgbClr val="FF0000"/>
-                  </a:solidFill>
-                  <a:latin typeface="Calibri"/>
-                </a:rPr>
-                <a:t>wire</a:t>
-              </a:r>
-              <a:endParaRPr lang="en-US" sz="2000" kern="0" dirty="0">
-                <a:solidFill>
-                  <a:srgbClr val="FF0000"/>
-                </a:solidFill>
-                <a:latin typeface="Calibri"/>
-              </a:endParaRPr>
-            </a:p>
-          </p:txBody>
-        </p:sp>
-        <p:sp>
-          <p:nvSpPr>
-            <p:cNvPr id="56" name="Freeform 55"/>
-            <p:cNvSpPr/>
-            <p:nvPr/>
-          </p:nvSpPr>
-          <p:spPr>
-            <a:xfrm>
-              <a:off x="6304306" y="4824724"/>
-              <a:ext cx="2458311" cy="505447"/>
-            </a:xfrm>
-            <a:custGeom>
-              <a:avLst/>
-              <a:gdLst>
-                <a:gd name="connsiteX0" fmla="*/ 2665085 w 2665085"/>
-                <a:gd name="connsiteY0" fmla="*/ 0 h 505447"/>
-                <a:gd name="connsiteX1" fmla="*/ 1194693 w 2665085"/>
-                <a:gd name="connsiteY1" fmla="*/ 505447 h 505447"/>
-                <a:gd name="connsiteX2" fmla="*/ 0 w 2665085"/>
-                <a:gd name="connsiteY2" fmla="*/ 0 h 505447"/>
-              </a:gdLst>
-              <a:ahLst/>
-              <a:cxnLst>
-                <a:cxn ang="0">
-                  <a:pos x="connsiteX0" y="connsiteY0"/>
-                </a:cxn>
-                <a:cxn ang="0">
-                  <a:pos x="connsiteX1" y="connsiteY1"/>
-                </a:cxn>
-                <a:cxn ang="0">
-                  <a:pos x="connsiteX2" y="connsiteY2"/>
-                </a:cxn>
-              </a:cxnLst>
-              <a:rect l="l" t="t" r="r" b="b"/>
-              <a:pathLst>
-                <a:path w="2665085" h="505447">
-                  <a:moveTo>
-                    <a:pt x="2665085" y="0"/>
-                  </a:moveTo>
-                  <a:cubicBezTo>
-                    <a:pt x="2151979" y="252723"/>
-                    <a:pt x="1638874" y="505447"/>
-                    <a:pt x="1194693" y="505447"/>
-                  </a:cubicBezTo>
-                  <a:cubicBezTo>
-                    <a:pt x="750512" y="505447"/>
-                    <a:pt x="100323" y="20677"/>
-                    <a:pt x="0" y="0"/>
-                  </a:cubicBezTo>
-                </a:path>
-              </a:pathLst>
-            </a:custGeom>
-            <a:noFill/>
-            <a:ln>
-              <a:solidFill>
-                <a:schemeClr val="tx1"/>
-              </a:solidFill>
-              <a:prstDash val="lgDash"/>
-              <a:headEnd type="none" w="med" len="med"/>
-              <a:tailEnd type="triangle" w="med" len="med"/>
-            </a:ln>
-          </p:spPr>
-          <p:style>
-            <a:lnRef idx="2">
-              <a:schemeClr val="accent1">
-                <a:shade val="50000"/>
-              </a:schemeClr>
-            </a:lnRef>
-            <a:fillRef idx="1">
-              <a:schemeClr val="accent1"/>
-            </a:fillRef>
-            <a:effectRef idx="0">
-              <a:schemeClr val="accent1"/>
-            </a:effectRef>
-            <a:fontRef idx="minor">
-              <a:schemeClr val="lt1"/>
-            </a:fontRef>
-          </p:style>
-          <p:txBody>
-            <a:bodyPr rtlCol="0" anchor="ctr"/>
-            <a:lstStyle/>
-            <a:p>
-              <a:pPr algn="ctr"/>
-              <a:endParaRPr lang="en-US"/>
-            </a:p>
-          </p:txBody>
-        </p:sp>
-        <p:sp>
-          <p:nvSpPr>
-            <p:cNvPr id="59" name="Freeform 58"/>
-            <p:cNvSpPr/>
-            <p:nvPr/>
-          </p:nvSpPr>
-          <p:spPr>
-            <a:xfrm>
-              <a:off x="5831023" y="4778774"/>
-              <a:ext cx="5284281" cy="1015489"/>
-            </a:xfrm>
-            <a:custGeom>
-              <a:avLst/>
-              <a:gdLst>
-                <a:gd name="connsiteX0" fmla="*/ 2665085 w 2665085"/>
-                <a:gd name="connsiteY0" fmla="*/ 0 h 505447"/>
-                <a:gd name="connsiteX1" fmla="*/ 1194693 w 2665085"/>
-                <a:gd name="connsiteY1" fmla="*/ 505447 h 505447"/>
-                <a:gd name="connsiteX2" fmla="*/ 0 w 2665085"/>
-                <a:gd name="connsiteY2" fmla="*/ 0 h 505447"/>
-              </a:gdLst>
-              <a:ahLst/>
-              <a:cxnLst>
-                <a:cxn ang="0">
-                  <a:pos x="connsiteX0" y="connsiteY0"/>
-                </a:cxn>
-                <a:cxn ang="0">
-                  <a:pos x="connsiteX1" y="connsiteY1"/>
-                </a:cxn>
-                <a:cxn ang="0">
-                  <a:pos x="connsiteX2" y="connsiteY2"/>
-                </a:cxn>
-              </a:cxnLst>
-              <a:rect l="l" t="t" r="r" b="b"/>
-              <a:pathLst>
-                <a:path w="2665085" h="505447">
-                  <a:moveTo>
-                    <a:pt x="2665085" y="0"/>
-                  </a:moveTo>
-                  <a:cubicBezTo>
-                    <a:pt x="2151979" y="252723"/>
-                    <a:pt x="1638874" y="505447"/>
-                    <a:pt x="1194693" y="505447"/>
-                  </a:cubicBezTo>
-                  <a:cubicBezTo>
-                    <a:pt x="750512" y="505447"/>
-                    <a:pt x="100323" y="20677"/>
-                    <a:pt x="0" y="0"/>
-                  </a:cubicBezTo>
-                </a:path>
-              </a:pathLst>
-            </a:custGeom>
-            <a:noFill/>
-            <a:ln>
-              <a:solidFill>
-                <a:schemeClr val="tx1"/>
-              </a:solidFill>
-              <a:prstDash val="lgDash"/>
-              <a:headEnd type="none" w="med" len="med"/>
-              <a:tailEnd type="triangle" w="med" len="med"/>
-            </a:ln>
-          </p:spPr>
-          <p:style>
-            <a:lnRef idx="2">
-              <a:schemeClr val="accent1">
-                <a:shade val="50000"/>
-              </a:schemeClr>
-            </a:lnRef>
-            <a:fillRef idx="1">
-              <a:schemeClr val="accent1"/>
-            </a:fillRef>
-            <a:effectRef idx="0">
-              <a:schemeClr val="accent1"/>
-            </a:effectRef>
-            <a:fontRef idx="minor">
-              <a:schemeClr val="lt1"/>
-            </a:fontRef>
-          </p:style>
-          <p:txBody>
-            <a:bodyPr rtlCol="0" anchor="ctr"/>
-            <a:lstStyle/>
-            <a:p>
-              <a:pPr algn="ctr"/>
-              <a:endParaRPr lang="en-US"/>
-            </a:p>
-          </p:txBody>
-        </p:sp>
-      </p:grpSp>
-    </p:spTree>
-    <p:extLst>
-      <p:ext uri="{BB962C8B-B14F-4D97-AF65-F5344CB8AC3E}">
-        <p14:creationId xmlns:p14="http://schemas.microsoft.com/office/powerpoint/2010/main" val="1588809634"/>
-      </p:ext>
-    </p:extLst>
-  </p:cSld>
-  <p:clrMapOvr>
-    <a:masterClrMapping/>
-  </p:clrMapOvr>
-</p:sld>
-</file>
-
 <file path=ppt/theme/theme1.xml><?xml version="1.0" encoding="utf-8"?>
 <a:theme xmlns:a="http://schemas.openxmlformats.org/drawingml/2006/main" name="Office Theme">
   <a:themeElements>

--- a/fig/fig.pptx
+++ b/fig/fig.pptx
@@ -254,7 +254,7 @@
           <a:p>
             <a:fld id="{BE4C2E38-1CA4-415D-AC32-50965AFA52AB}" type="datetimeFigureOut">
               <a:rPr lang="en-US" smtClean="0"/>
-              <a:t>6/5/2019</a:t>
+              <a:t>6/8/2019</a:t>
             </a:fld>
             <a:endParaRPr lang="en-US"/>
           </a:p>
@@ -424,7 +424,7 @@
           <a:p>
             <a:fld id="{BE4C2E38-1CA4-415D-AC32-50965AFA52AB}" type="datetimeFigureOut">
               <a:rPr lang="en-US" smtClean="0"/>
-              <a:t>6/5/2019</a:t>
+              <a:t>6/8/2019</a:t>
             </a:fld>
             <a:endParaRPr lang="en-US"/>
           </a:p>
@@ -604,7 +604,7 @@
           <a:p>
             <a:fld id="{BE4C2E38-1CA4-415D-AC32-50965AFA52AB}" type="datetimeFigureOut">
               <a:rPr lang="en-US" smtClean="0"/>
-              <a:t>6/5/2019</a:t>
+              <a:t>6/8/2019</a:t>
             </a:fld>
             <a:endParaRPr lang="en-US"/>
           </a:p>
@@ -774,7 +774,7 @@
           <a:p>
             <a:fld id="{BE4C2E38-1CA4-415D-AC32-50965AFA52AB}" type="datetimeFigureOut">
               <a:rPr lang="en-US" smtClean="0"/>
-              <a:t>6/5/2019</a:t>
+              <a:t>6/8/2019</a:t>
             </a:fld>
             <a:endParaRPr lang="en-US"/>
           </a:p>
@@ -1020,7 +1020,7 @@
           <a:p>
             <a:fld id="{BE4C2E38-1CA4-415D-AC32-50965AFA52AB}" type="datetimeFigureOut">
               <a:rPr lang="en-US" smtClean="0"/>
-              <a:t>6/5/2019</a:t>
+              <a:t>6/8/2019</a:t>
             </a:fld>
             <a:endParaRPr lang="en-US"/>
           </a:p>
@@ -1252,7 +1252,7 @@
           <a:p>
             <a:fld id="{BE4C2E38-1CA4-415D-AC32-50965AFA52AB}" type="datetimeFigureOut">
               <a:rPr lang="en-US" smtClean="0"/>
-              <a:t>6/5/2019</a:t>
+              <a:t>6/8/2019</a:t>
             </a:fld>
             <a:endParaRPr lang="en-US"/>
           </a:p>
@@ -1619,7 +1619,7 @@
           <a:p>
             <a:fld id="{BE4C2E38-1CA4-415D-AC32-50965AFA52AB}" type="datetimeFigureOut">
               <a:rPr lang="en-US" smtClean="0"/>
-              <a:t>6/5/2019</a:t>
+              <a:t>6/8/2019</a:t>
             </a:fld>
             <a:endParaRPr lang="en-US"/>
           </a:p>
@@ -1737,7 +1737,7 @@
           <a:p>
             <a:fld id="{BE4C2E38-1CA4-415D-AC32-50965AFA52AB}" type="datetimeFigureOut">
               <a:rPr lang="en-US" smtClean="0"/>
-              <a:t>6/5/2019</a:t>
+              <a:t>6/8/2019</a:t>
             </a:fld>
             <a:endParaRPr lang="en-US"/>
           </a:p>
@@ -1832,7 +1832,7 @@
           <a:p>
             <a:fld id="{BE4C2E38-1CA4-415D-AC32-50965AFA52AB}" type="datetimeFigureOut">
               <a:rPr lang="en-US" smtClean="0"/>
-              <a:t>6/5/2019</a:t>
+              <a:t>6/8/2019</a:t>
             </a:fld>
             <a:endParaRPr lang="en-US"/>
           </a:p>
@@ -2109,7 +2109,7 @@
           <a:p>
             <a:fld id="{BE4C2E38-1CA4-415D-AC32-50965AFA52AB}" type="datetimeFigureOut">
               <a:rPr lang="en-US" smtClean="0"/>
-              <a:t>6/5/2019</a:t>
+              <a:t>6/8/2019</a:t>
             </a:fld>
             <a:endParaRPr lang="en-US"/>
           </a:p>
@@ -2362,7 +2362,7 @@
           <a:p>
             <a:fld id="{BE4C2E38-1CA4-415D-AC32-50965AFA52AB}" type="datetimeFigureOut">
               <a:rPr lang="en-US" smtClean="0"/>
-              <a:t>6/5/2019</a:t>
+              <a:t>6/8/2019</a:t>
             </a:fld>
             <a:endParaRPr lang="en-US"/>
           </a:p>
@@ -2575,7 +2575,7 @@
           <a:p>
             <a:fld id="{BE4C2E38-1CA4-415D-AC32-50965AFA52AB}" type="datetimeFigureOut">
               <a:rPr lang="en-US" smtClean="0"/>
-              <a:t>6/5/2019</a:t>
+              <a:t>6/8/2019</a:t>
             </a:fld>
             <a:endParaRPr lang="en-US"/>
           </a:p>
@@ -3409,15 +3409,7 @@
                     <a:schemeClr val="tx1"/>
                   </a:solidFill>
                 </a:rPr>
-                <a:t>HTIF: character </a:t>
-              </a:r>
-              <a:r>
-                <a:rPr lang="en-US" sz="2000" dirty="0" smtClean="0">
-                  <a:solidFill>
-                    <a:schemeClr val="tx1"/>
-                  </a:solidFill>
-                </a:rPr>
-                <a:t>input/output</a:t>
+                <a:t>HTIF: character input/output</a:t>
               </a:r>
             </a:p>
             <a:p>
@@ -14102,225 +14094,40 @@
           <a:chExt cx="0" cy="0"/>
         </a:xfrm>
       </p:grpSpPr>
-      <p:sp>
-        <p:nvSpPr>
-          <p:cNvPr id="5" name="Rectangle 4"/>
-          <p:cNvSpPr/>
-          <p:nvPr/>
-        </p:nvSpPr>
-        <p:spPr>
-          <a:xfrm>
-            <a:off x="2662687" y="1226744"/>
-            <a:ext cx="9393420" cy="4587275"/>
-          </a:xfrm>
-          <a:prstGeom prst="rect">
-            <a:avLst/>
-          </a:prstGeom>
-          <a:solidFill>
-            <a:sysClr val="window" lastClr="FFFFFF">
-              <a:lumMod val="85000"/>
-            </a:sysClr>
-          </a:solidFill>
-          <a:ln w="28575" cap="flat" cmpd="sng" algn="ctr">
-            <a:solidFill>
-              <a:sysClr val="windowText" lastClr="000000"/>
-            </a:solidFill>
-            <a:prstDash val="solid"/>
-          </a:ln>
-          <a:effectLst/>
-        </p:spPr>
-        <p:txBody>
-          <a:bodyPr rtlCol="0" anchor="ctr"/>
-          <a:lstStyle/>
-          <a:p>
-            <a:pPr marL="0" marR="0" lvl="0" indent="0" algn="ctr" defTabSz="914400" eaLnBrk="1" fontAlgn="auto" latinLnBrk="0" hangingPunct="1">
-              <a:lnSpc>
-                <a:spcPct val="100000"/>
-              </a:lnSpc>
-              <a:spcBef>
-                <a:spcPts val="0"/>
-              </a:spcBef>
-              <a:spcAft>
-                <a:spcPts val="0"/>
-              </a:spcAft>
-              <a:buClrTx/>
-              <a:buSzTx/>
-              <a:buFontTx/>
-              <a:buNone/>
-              <a:tabLst/>
-              <a:defRPr/>
-            </a:pPr>
-            <a:endParaRPr kumimoji="0" lang="en-US" sz="1800" b="0" i="0" u="none" strike="noStrike" kern="0" cap="none" spc="0" normalizeH="0" baseline="0" noProof="0" dirty="0">
-              <a:ln>
-                <a:noFill/>
-              </a:ln>
-              <a:solidFill>
-                <a:prstClr val="white"/>
-              </a:solidFill>
-              <a:effectLst/>
-              <a:uLnTx/>
-              <a:uFillTx/>
-              <a:latin typeface="Calibri"/>
-              <a:ea typeface="+mn-ea"/>
-              <a:cs typeface="+mn-cs"/>
-            </a:endParaRPr>
-          </a:p>
-        </p:txBody>
-      </p:sp>
-      <p:sp>
-        <p:nvSpPr>
-          <p:cNvPr id="6" name="Pentagon 5"/>
-          <p:cNvSpPr/>
-          <p:nvPr/>
-        </p:nvSpPr>
-        <p:spPr>
-          <a:xfrm>
-            <a:off x="5264588" y="3643433"/>
-            <a:ext cx="2590800" cy="533400"/>
-          </a:xfrm>
-          <a:prstGeom prst="homePlate">
-            <a:avLst/>
-          </a:prstGeom>
-          <a:solidFill>
-            <a:srgbClr val="4F81BD"/>
-          </a:solidFill>
-          <a:ln w="25400" cap="flat" cmpd="sng" algn="ctr">
-            <a:solidFill>
-              <a:sysClr val="windowText" lastClr="000000"/>
-            </a:solidFill>
-            <a:prstDash val="solid"/>
-          </a:ln>
-          <a:effectLst/>
-        </p:spPr>
-        <p:txBody>
-          <a:bodyPr rtlCol="0" anchor="ctr"/>
-          <a:lstStyle/>
-          <a:p>
-            <a:pPr marL="0" marR="0" lvl="0" indent="0" algn="ctr" defTabSz="914400" eaLnBrk="1" fontAlgn="auto" latinLnBrk="0" hangingPunct="1">
-              <a:lnSpc>
-                <a:spcPct val="100000"/>
-              </a:lnSpc>
-              <a:spcBef>
-                <a:spcPts val="0"/>
-              </a:spcBef>
-              <a:spcAft>
-                <a:spcPts val="0"/>
-              </a:spcAft>
-              <a:buClrTx/>
-              <a:buSzTx/>
-              <a:buFontTx/>
-              <a:buNone/>
-              <a:tabLst/>
-              <a:defRPr/>
-            </a:pPr>
-            <a:r>
-              <a:rPr kumimoji="0" lang="en-US" sz="2000" b="0" i="0" u="none" strike="noStrike" kern="0" cap="none" spc="0" normalizeH="0" baseline="0" noProof="0" dirty="0">
-                <a:ln>
-                  <a:noFill/>
-                </a:ln>
-                <a:solidFill>
-                  <a:prstClr val="white"/>
-                </a:solidFill>
-                <a:effectLst/>
-                <a:uLnTx/>
-                <a:uFillTx/>
-                <a:latin typeface="Calibri"/>
-                <a:ea typeface="+mn-ea"/>
-                <a:cs typeface="+mn-cs"/>
-              </a:rPr>
-              <a:t>Cache-access pipeline</a:t>
-            </a:r>
-          </a:p>
-        </p:txBody>
-      </p:sp>
-      <p:cxnSp>
-        <p:nvCxnSpPr>
-          <p:cNvPr id="7" name="Straight Arrow Connector 6"/>
-          <p:cNvCxnSpPr>
-            <a:stCxn id="35" idx="0"/>
-            <a:endCxn id="6" idx="1"/>
-          </p:cNvCxnSpPr>
-          <p:nvPr/>
-        </p:nvCxnSpPr>
-        <p:spPr>
-          <a:xfrm>
-            <a:off x="4991578" y="3910133"/>
-            <a:ext cx="273010" cy="0"/>
-          </a:xfrm>
-          <a:prstGeom prst="straightConnector1">
-            <a:avLst/>
-          </a:prstGeom>
-          <a:noFill/>
-          <a:ln w="12700" cap="flat" cmpd="sng" algn="ctr">
-            <a:solidFill>
-              <a:sysClr val="windowText" lastClr="000000"/>
-            </a:solidFill>
-            <a:prstDash val="solid"/>
-            <a:tailEnd type="triangle"/>
-          </a:ln>
-          <a:effectLst/>
-        </p:spPr>
-      </p:cxnSp>
-      <p:cxnSp>
-        <p:nvCxnSpPr>
-          <p:cNvPr id="8" name="Straight Arrow Connector 7"/>
-          <p:cNvCxnSpPr>
-            <a:stCxn id="94" idx="3"/>
-          </p:cNvCxnSpPr>
-          <p:nvPr/>
-        </p:nvCxnSpPr>
-        <p:spPr>
-          <a:xfrm>
-            <a:off x="3181156" y="3810311"/>
-            <a:ext cx="296796" cy="0"/>
-          </a:xfrm>
-          <a:prstGeom prst="straightConnector1">
-            <a:avLst/>
-          </a:prstGeom>
-          <a:noFill/>
-          <a:ln w="12700" cap="flat" cmpd="sng" algn="ctr">
-            <a:solidFill>
-              <a:sysClr val="windowText" lastClr="000000"/>
-            </a:solidFill>
-            <a:prstDash val="solid"/>
-            <a:tailEnd type="triangle"/>
-          </a:ln>
-          <a:effectLst/>
-        </p:spPr>
-      </p:cxnSp>
       <p:grpSp>
         <p:nvGrpSpPr>
-          <p:cNvPr id="9" name="Group 8"/>
+          <p:cNvPr id="4" name="Group 3"/>
           <p:cNvGrpSpPr/>
           <p:nvPr/>
         </p:nvGrpSpPr>
         <p:grpSpPr>
           <a:xfrm>
-            <a:off x="2723956" y="3692025"/>
-            <a:ext cx="457200" cy="236571"/>
-            <a:chOff x="7848600" y="1143000"/>
-            <a:chExt cx="457200" cy="381000"/>
+            <a:off x="250133" y="666378"/>
+            <a:ext cx="11805974" cy="5827858"/>
+            <a:chOff x="250133" y="666378"/>
+            <a:chExt cx="11805974" cy="5827858"/>
           </a:xfrm>
-          <a:solidFill>
-            <a:srgbClr val="FCD5B5"/>
-          </a:solidFill>
         </p:grpSpPr>
         <p:sp>
           <p:nvSpPr>
-            <p:cNvPr id="94" name="Rectangle 93"/>
+            <p:cNvPr id="5" name="Rectangle 4"/>
             <p:cNvSpPr/>
             <p:nvPr/>
           </p:nvSpPr>
           <p:spPr>
             <a:xfrm>
-              <a:off x="8001000" y="1143000"/>
-              <a:ext cx="304800" cy="381000"/>
+              <a:off x="2662687" y="1226744"/>
+              <a:ext cx="9393420" cy="4587275"/>
             </a:xfrm>
             <a:prstGeom prst="rect">
               <a:avLst/>
             </a:prstGeom>
-            <a:grpFill/>
-            <a:ln w="12700" cap="flat" cmpd="sng" algn="ctr">
+            <a:solidFill>
+              <a:sysClr val="window" lastClr="FFFFFF">
+                <a:lumMod val="85000"/>
+              </a:sysClr>
+            </a:solidFill>
+            <a:ln w="28575" cap="flat" cmpd="sng" algn="ctr">
               <a:solidFill>
                 <a:sysClr val="windowText" lastClr="000000"/>
               </a:solidFill>
@@ -14349,7 +14156,7 @@
                 <a:tabLst/>
                 <a:defRPr/>
               </a:pPr>
-              <a:endParaRPr kumimoji="0" lang="en-US" sz="1800" b="0" i="0" u="none" strike="noStrike" kern="0" cap="none" spc="0" normalizeH="0" baseline="0" noProof="0">
+              <a:endParaRPr kumimoji="0" lang="en-US" sz="1800" b="0" i="0" u="none" strike="noStrike" kern="0" cap="none" spc="0" normalizeH="0" baseline="0" noProof="0" dirty="0">
                 <a:ln>
                   <a:noFill/>
                 </a:ln>
@@ -14366,255 +14173,24 @@
             </a:p>
           </p:txBody>
         </p:sp>
-        <p:cxnSp>
-          <p:nvCxnSpPr>
-            <p:cNvPr id="95" name="Straight Connector 94"/>
-            <p:cNvCxnSpPr>
-              <a:stCxn id="94" idx="0"/>
-            </p:cNvCxnSpPr>
-            <p:nvPr/>
-          </p:nvCxnSpPr>
-          <p:spPr>
-            <a:xfrm flipH="1">
-              <a:off x="7848600" y="1143000"/>
-              <a:ext cx="304800" cy="0"/>
-            </a:xfrm>
-            <a:prstGeom prst="line">
-              <a:avLst/>
-            </a:prstGeom>
-            <a:grpFill/>
-            <a:ln w="12700" cap="flat" cmpd="sng" algn="ctr">
-              <a:solidFill>
-                <a:sysClr val="windowText" lastClr="000000"/>
-              </a:solidFill>
-              <a:prstDash val="solid"/>
-            </a:ln>
-            <a:effectLst/>
-          </p:spPr>
-        </p:cxnSp>
-        <p:cxnSp>
-          <p:nvCxnSpPr>
-            <p:cNvPr id="96" name="Straight Connector 95"/>
-            <p:cNvCxnSpPr>
-              <a:stCxn id="94" idx="0"/>
-              <a:endCxn id="94" idx="2"/>
-            </p:cNvCxnSpPr>
-            <p:nvPr/>
-          </p:nvCxnSpPr>
-          <p:spPr>
-            <a:xfrm>
-              <a:off x="8153400" y="1143000"/>
-              <a:ext cx="0" cy="381000"/>
-            </a:xfrm>
-            <a:prstGeom prst="line">
-              <a:avLst/>
-            </a:prstGeom>
-            <a:grpFill/>
-            <a:ln w="12700" cap="flat" cmpd="sng" algn="ctr">
-              <a:solidFill>
-                <a:sysClr val="windowText" lastClr="000000"/>
-              </a:solidFill>
-              <a:prstDash val="solid"/>
-            </a:ln>
-            <a:effectLst/>
-          </p:spPr>
-        </p:cxnSp>
-        <p:cxnSp>
-          <p:nvCxnSpPr>
-            <p:cNvPr id="97" name="Straight Connector 96"/>
-            <p:cNvCxnSpPr>
-              <a:stCxn id="94" idx="2"/>
-            </p:cNvCxnSpPr>
-            <p:nvPr/>
-          </p:nvCxnSpPr>
-          <p:spPr>
-            <a:xfrm flipH="1">
-              <a:off x="7848600" y="1524000"/>
-              <a:ext cx="304800" cy="0"/>
-            </a:xfrm>
-            <a:prstGeom prst="line">
-              <a:avLst/>
-            </a:prstGeom>
-            <a:grpFill/>
-            <a:ln w="12700" cap="flat" cmpd="sng" algn="ctr">
-              <a:solidFill>
-                <a:sysClr val="windowText" lastClr="000000"/>
-              </a:solidFill>
-              <a:prstDash val="solid"/>
-            </a:ln>
-            <a:effectLst/>
-          </p:spPr>
-        </p:cxnSp>
-      </p:grpSp>
-      <p:cxnSp>
-        <p:nvCxnSpPr>
-          <p:cNvPr id="10" name="Straight Arrow Connector 9"/>
-          <p:cNvCxnSpPr>
-            <a:stCxn id="11" idx="3"/>
-            <a:endCxn id="94" idx="1"/>
-          </p:cNvCxnSpPr>
-          <p:nvPr/>
-        </p:nvCxnSpPr>
-        <p:spPr>
-          <a:xfrm flipV="1">
-            <a:off x="2405488" y="3810311"/>
-            <a:ext cx="470868" cy="1872"/>
-          </a:xfrm>
-          <a:prstGeom prst="straightConnector1">
-            <a:avLst/>
-          </a:prstGeom>
-          <a:noFill/>
-          <a:ln w="12700" cap="flat" cmpd="sng" algn="ctr">
-            <a:solidFill>
-              <a:sysClr val="windowText" lastClr="000000"/>
-            </a:solidFill>
-            <a:prstDash val="solid"/>
-            <a:tailEnd type="triangle"/>
-          </a:ln>
-          <a:effectLst/>
-        </p:spPr>
-      </p:cxnSp>
-      <p:sp>
-        <p:nvSpPr>
-          <p:cNvPr id="11" name="TextBox 10"/>
-          <p:cNvSpPr txBox="1"/>
-          <p:nvPr/>
-        </p:nvSpPr>
-        <p:spPr>
-          <a:xfrm>
-            <a:off x="250133" y="3612128"/>
-            <a:ext cx="2155355" cy="400110"/>
-          </a:xfrm>
-          <a:prstGeom prst="rect">
-            <a:avLst/>
-          </a:prstGeom>
-          <a:noFill/>
-        </p:spPr>
-        <p:txBody>
-          <a:bodyPr wrap="square" rtlCol="0">
-            <a:spAutoFit/>
-          </a:bodyPr>
-          <a:lstStyle/>
-          <a:p>
-            <a:pPr marL="0" marR="0" lvl="0" indent="0" algn="r" defTabSz="914400" eaLnBrk="1" fontAlgn="auto" latinLnBrk="0" hangingPunct="1">
-              <a:lnSpc>
-                <a:spcPct val="100000"/>
-              </a:lnSpc>
-              <a:spcBef>
-                <a:spcPts val="0"/>
-              </a:spcBef>
-              <a:spcAft>
-                <a:spcPts val="0"/>
-              </a:spcAft>
-              <a:buClrTx/>
-              <a:buSzTx/>
-              <a:buFontTx/>
-              <a:buNone/>
-              <a:tabLst/>
-              <a:defRPr/>
-            </a:pPr>
-            <a:r>
-              <a:rPr kumimoji="0" lang="en-US" sz="2000" b="0" i="0" u="none" strike="noStrike" kern="0" cap="none" spc="0" normalizeH="0" baseline="0" noProof="0" dirty="0" smtClean="0">
-                <a:ln>
-                  <a:noFill/>
-                </a:ln>
-                <a:solidFill>
-                  <a:prstClr val="black"/>
-                </a:solidFill>
-                <a:effectLst/>
-                <a:uLnTx/>
-                <a:uFillTx/>
-              </a:rPr>
-              <a:t>L1 downgrade </a:t>
-            </a:r>
-            <a:r>
-              <a:rPr kumimoji="0" lang="en-US" sz="2000" b="0" i="0" u="none" strike="noStrike" kern="0" cap="none" spc="0" normalizeH="0" baseline="0" noProof="0" dirty="0" err="1">
-                <a:ln>
-                  <a:noFill/>
-                </a:ln>
-                <a:solidFill>
-                  <a:prstClr val="black"/>
-                </a:solidFill>
-                <a:effectLst/>
-                <a:uLnTx/>
-                <a:uFillTx/>
-              </a:rPr>
-              <a:t>resp</a:t>
-            </a:r>
-            <a:endParaRPr kumimoji="0" lang="en-US" sz="2000" b="0" i="0" u="none" strike="noStrike" kern="0" cap="none" spc="0" normalizeH="0" baseline="0" noProof="0" dirty="0">
-              <a:ln>
-                <a:noFill/>
-              </a:ln>
-              <a:solidFill>
-                <a:prstClr val="black"/>
-              </a:solidFill>
-              <a:effectLst/>
-              <a:uLnTx/>
-              <a:uFillTx/>
-            </a:endParaRPr>
-          </a:p>
-        </p:txBody>
-      </p:sp>
-      <p:cxnSp>
-        <p:nvCxnSpPr>
-          <p:cNvPr id="12" name="Straight Arrow Connector 11"/>
-          <p:cNvCxnSpPr>
-            <a:stCxn id="90" idx="3"/>
-          </p:cNvCxnSpPr>
-          <p:nvPr/>
-        </p:nvCxnSpPr>
-        <p:spPr>
-          <a:xfrm>
-            <a:off x="3183698" y="4230394"/>
-            <a:ext cx="341876" cy="0"/>
-          </a:xfrm>
-          <a:prstGeom prst="straightConnector1">
-            <a:avLst/>
-          </a:prstGeom>
-          <a:noFill/>
-          <a:ln w="12700" cap="flat" cmpd="sng" algn="ctr">
-            <a:solidFill>
-              <a:sysClr val="windowText" lastClr="000000"/>
-            </a:solidFill>
-            <a:prstDash val="solid"/>
-            <a:tailEnd type="triangle"/>
-          </a:ln>
-          <a:effectLst/>
-        </p:spPr>
-      </p:cxnSp>
-      <p:grpSp>
-        <p:nvGrpSpPr>
-          <p:cNvPr id="13" name="Group 12"/>
-          <p:cNvGrpSpPr/>
-          <p:nvPr/>
-        </p:nvGrpSpPr>
-        <p:grpSpPr>
-          <a:xfrm>
-            <a:off x="2726498" y="4112108"/>
-            <a:ext cx="457200" cy="236571"/>
-            <a:chOff x="7848600" y="1143000"/>
-            <a:chExt cx="457200" cy="381000"/>
-          </a:xfrm>
-          <a:solidFill>
-            <a:srgbClr val="FCD5B5"/>
-          </a:solidFill>
-        </p:grpSpPr>
         <p:sp>
           <p:nvSpPr>
-            <p:cNvPr id="90" name="Rectangle 89"/>
+            <p:cNvPr id="6" name="Pentagon 5"/>
             <p:cNvSpPr/>
             <p:nvPr/>
           </p:nvSpPr>
           <p:spPr>
             <a:xfrm>
-              <a:off x="8001000" y="1143000"/>
-              <a:ext cx="304800" cy="381000"/>
-            </a:xfrm>
-            <a:prstGeom prst="rect">
-              <a:avLst/>
-            </a:prstGeom>
-            <a:grpFill/>
-            <a:ln w="12700" cap="flat" cmpd="sng" algn="ctr">
+              <a:off x="5264588" y="3643433"/>
+              <a:ext cx="2590800" cy="533400"/>
+            </a:xfrm>
+            <a:prstGeom prst="homePlate">
+              <a:avLst/>
+            </a:prstGeom>
+            <a:solidFill>
+              <a:srgbClr val="4F81BD"/>
+            </a:solidFill>
+            <a:ln w="25400" cap="flat" cmpd="sng" algn="ctr">
               <a:solidFill>
                 <a:sysClr val="windowText" lastClr="000000"/>
               </a:solidFill>
@@ -14643,172 +14219,335 @@
                 <a:tabLst/>
                 <a:defRPr/>
               </a:pPr>
-              <a:endParaRPr kumimoji="0" lang="en-US" sz="1800" b="0" i="0" u="none" strike="noStrike" kern="0" cap="none" spc="0" normalizeH="0" baseline="0" noProof="0">
-                <a:ln>
-                  <a:noFill/>
-                </a:ln>
-                <a:solidFill>
-                  <a:prstClr val="white"/>
-                </a:solidFill>
-                <a:effectLst/>
-                <a:uLnTx/>
-                <a:uFillTx/>
-                <a:latin typeface="Calibri"/>
-                <a:ea typeface="+mn-ea"/>
-                <a:cs typeface="+mn-cs"/>
-              </a:endParaRPr>
+              <a:r>
+                <a:rPr kumimoji="0" lang="en-US" sz="2000" b="0" i="0" u="none" strike="noStrike" kern="0" cap="none" spc="0" normalizeH="0" baseline="0" noProof="0" dirty="0">
+                  <a:ln>
+                    <a:noFill/>
+                  </a:ln>
+                  <a:solidFill>
+                    <a:prstClr val="white"/>
+                  </a:solidFill>
+                  <a:effectLst/>
+                  <a:uLnTx/>
+                  <a:uFillTx/>
+                  <a:latin typeface="Calibri"/>
+                  <a:ea typeface="+mn-ea"/>
+                  <a:cs typeface="+mn-cs"/>
+                </a:rPr>
+                <a:t>Cache-access pipeline</a:t>
+              </a:r>
             </a:p>
           </p:txBody>
         </p:sp>
         <p:cxnSp>
           <p:nvCxnSpPr>
-            <p:cNvPr id="91" name="Straight Connector 90"/>
+            <p:cNvPr id="7" name="Straight Arrow Connector 6"/>
             <p:cNvCxnSpPr>
-              <a:stCxn id="90" idx="0"/>
+              <a:stCxn id="35" idx="0"/>
+              <a:endCxn id="6" idx="1"/>
             </p:cNvCxnSpPr>
             <p:nvPr/>
           </p:nvCxnSpPr>
           <p:spPr>
-            <a:xfrm flipH="1">
-              <a:off x="7848600" y="1143000"/>
-              <a:ext cx="304800" cy="0"/>
-            </a:xfrm>
-            <a:prstGeom prst="line">
-              <a:avLst/>
-            </a:prstGeom>
-            <a:grpFill/>
+            <a:xfrm>
+              <a:off x="4991578" y="3910133"/>
+              <a:ext cx="273010" cy="0"/>
+            </a:xfrm>
+            <a:prstGeom prst="straightConnector1">
+              <a:avLst/>
+            </a:prstGeom>
+            <a:noFill/>
             <a:ln w="12700" cap="flat" cmpd="sng" algn="ctr">
               <a:solidFill>
                 <a:sysClr val="windowText" lastClr="000000"/>
               </a:solidFill>
               <a:prstDash val="solid"/>
+              <a:tailEnd type="triangle"/>
             </a:ln>
             <a:effectLst/>
           </p:spPr>
         </p:cxnSp>
         <p:cxnSp>
           <p:nvCxnSpPr>
-            <p:cNvPr id="92" name="Straight Connector 91"/>
+            <p:cNvPr id="8" name="Straight Arrow Connector 7"/>
             <p:cNvCxnSpPr>
-              <a:stCxn id="90" idx="0"/>
-              <a:endCxn id="90" idx="2"/>
+              <a:stCxn id="94" idx="3"/>
             </p:cNvCxnSpPr>
             <p:nvPr/>
           </p:nvCxnSpPr>
           <p:spPr>
             <a:xfrm>
-              <a:off x="8153400" y="1143000"/>
-              <a:ext cx="0" cy="381000"/>
-            </a:xfrm>
-            <a:prstGeom prst="line">
-              <a:avLst/>
-            </a:prstGeom>
-            <a:grpFill/>
+              <a:off x="3181156" y="3810311"/>
+              <a:ext cx="296796" cy="0"/>
+            </a:xfrm>
+            <a:prstGeom prst="straightConnector1">
+              <a:avLst/>
+            </a:prstGeom>
+            <a:noFill/>
             <a:ln w="12700" cap="flat" cmpd="sng" algn="ctr">
               <a:solidFill>
                 <a:sysClr val="windowText" lastClr="000000"/>
               </a:solidFill>
               <a:prstDash val="solid"/>
+              <a:tailEnd type="triangle"/>
             </a:ln>
             <a:effectLst/>
           </p:spPr>
         </p:cxnSp>
+        <p:grpSp>
+          <p:nvGrpSpPr>
+            <p:cNvPr id="9" name="Group 8"/>
+            <p:cNvGrpSpPr/>
+            <p:nvPr/>
+          </p:nvGrpSpPr>
+          <p:grpSpPr>
+            <a:xfrm>
+              <a:off x="2723956" y="3692025"/>
+              <a:ext cx="457200" cy="236571"/>
+              <a:chOff x="7848600" y="1143000"/>
+              <a:chExt cx="457200" cy="381000"/>
+            </a:xfrm>
+            <a:solidFill>
+              <a:srgbClr val="FCD5B5"/>
+            </a:solidFill>
+          </p:grpSpPr>
+          <p:sp>
+            <p:nvSpPr>
+              <p:cNvPr id="94" name="Rectangle 93"/>
+              <p:cNvSpPr/>
+              <p:nvPr/>
+            </p:nvSpPr>
+            <p:spPr>
+              <a:xfrm>
+                <a:off x="8001000" y="1143000"/>
+                <a:ext cx="304800" cy="381000"/>
+              </a:xfrm>
+              <a:prstGeom prst="rect">
+                <a:avLst/>
+              </a:prstGeom>
+              <a:grpFill/>
+              <a:ln w="12700" cap="flat" cmpd="sng" algn="ctr">
+                <a:solidFill>
+                  <a:sysClr val="windowText" lastClr="000000"/>
+                </a:solidFill>
+                <a:prstDash val="solid"/>
+              </a:ln>
+              <a:effectLst/>
+            </p:spPr>
+            <p:txBody>
+              <a:bodyPr rtlCol="0" anchor="ctr"/>
+              <a:lstStyle/>
+              <a:p>
+                <a:pPr marL="0" marR="0" lvl="0" indent="0" algn="ctr" defTabSz="914400" eaLnBrk="1" fontAlgn="auto" latinLnBrk="0" hangingPunct="1">
+                  <a:lnSpc>
+                    <a:spcPct val="100000"/>
+                  </a:lnSpc>
+                  <a:spcBef>
+                    <a:spcPts val="0"/>
+                  </a:spcBef>
+                  <a:spcAft>
+                    <a:spcPts val="0"/>
+                  </a:spcAft>
+                  <a:buClrTx/>
+                  <a:buSzTx/>
+                  <a:buFontTx/>
+                  <a:buNone/>
+                  <a:tabLst/>
+                  <a:defRPr/>
+                </a:pPr>
+                <a:endParaRPr kumimoji="0" lang="en-US" sz="1800" b="0" i="0" u="none" strike="noStrike" kern="0" cap="none" spc="0" normalizeH="0" baseline="0" noProof="0">
+                  <a:ln>
+                    <a:noFill/>
+                  </a:ln>
+                  <a:solidFill>
+                    <a:prstClr val="white"/>
+                  </a:solidFill>
+                  <a:effectLst/>
+                  <a:uLnTx/>
+                  <a:uFillTx/>
+                  <a:latin typeface="Calibri"/>
+                  <a:ea typeface="+mn-ea"/>
+                  <a:cs typeface="+mn-cs"/>
+                </a:endParaRPr>
+              </a:p>
+            </p:txBody>
+          </p:sp>
+          <p:cxnSp>
+            <p:nvCxnSpPr>
+              <p:cNvPr id="95" name="Straight Connector 94"/>
+              <p:cNvCxnSpPr>
+                <a:stCxn id="94" idx="0"/>
+              </p:cNvCxnSpPr>
+              <p:nvPr/>
+            </p:nvCxnSpPr>
+            <p:spPr>
+              <a:xfrm flipH="1">
+                <a:off x="7848600" y="1143000"/>
+                <a:ext cx="304800" cy="0"/>
+              </a:xfrm>
+              <a:prstGeom prst="line">
+                <a:avLst/>
+              </a:prstGeom>
+              <a:grpFill/>
+              <a:ln w="12700" cap="flat" cmpd="sng" algn="ctr">
+                <a:solidFill>
+                  <a:sysClr val="windowText" lastClr="000000"/>
+                </a:solidFill>
+                <a:prstDash val="solid"/>
+              </a:ln>
+              <a:effectLst/>
+            </p:spPr>
+          </p:cxnSp>
+          <p:cxnSp>
+            <p:nvCxnSpPr>
+              <p:cNvPr id="96" name="Straight Connector 95"/>
+              <p:cNvCxnSpPr>
+                <a:stCxn id="94" idx="0"/>
+                <a:endCxn id="94" idx="2"/>
+              </p:cNvCxnSpPr>
+              <p:nvPr/>
+            </p:nvCxnSpPr>
+            <p:spPr>
+              <a:xfrm>
+                <a:off x="8153400" y="1143000"/>
+                <a:ext cx="0" cy="381000"/>
+              </a:xfrm>
+              <a:prstGeom prst="line">
+                <a:avLst/>
+              </a:prstGeom>
+              <a:grpFill/>
+              <a:ln w="12700" cap="flat" cmpd="sng" algn="ctr">
+                <a:solidFill>
+                  <a:sysClr val="windowText" lastClr="000000"/>
+                </a:solidFill>
+                <a:prstDash val="solid"/>
+              </a:ln>
+              <a:effectLst/>
+            </p:spPr>
+          </p:cxnSp>
+          <p:cxnSp>
+            <p:nvCxnSpPr>
+              <p:cNvPr id="97" name="Straight Connector 96"/>
+              <p:cNvCxnSpPr>
+                <a:stCxn id="94" idx="2"/>
+              </p:cNvCxnSpPr>
+              <p:nvPr/>
+            </p:nvCxnSpPr>
+            <p:spPr>
+              <a:xfrm flipH="1">
+                <a:off x="7848600" y="1524000"/>
+                <a:ext cx="304800" cy="0"/>
+              </a:xfrm>
+              <a:prstGeom prst="line">
+                <a:avLst/>
+              </a:prstGeom>
+              <a:grpFill/>
+              <a:ln w="12700" cap="flat" cmpd="sng" algn="ctr">
+                <a:solidFill>
+                  <a:sysClr val="windowText" lastClr="000000"/>
+                </a:solidFill>
+                <a:prstDash val="solid"/>
+              </a:ln>
+              <a:effectLst/>
+            </p:spPr>
+          </p:cxnSp>
+        </p:grpSp>
         <p:cxnSp>
           <p:nvCxnSpPr>
-            <p:cNvPr id="93" name="Straight Connector 92"/>
+            <p:cNvPr id="10" name="Straight Arrow Connector 9"/>
             <p:cNvCxnSpPr>
-              <a:stCxn id="90" idx="2"/>
+              <a:stCxn id="11" idx="3"/>
+              <a:endCxn id="94" idx="1"/>
             </p:cNvCxnSpPr>
             <p:nvPr/>
           </p:nvCxnSpPr>
           <p:spPr>
-            <a:xfrm flipH="1">
-              <a:off x="7848600" y="1524000"/>
-              <a:ext cx="304800" cy="0"/>
-            </a:xfrm>
-            <a:prstGeom prst="line">
-              <a:avLst/>
-            </a:prstGeom>
-            <a:grpFill/>
+            <a:xfrm flipV="1">
+              <a:off x="2405488" y="3810311"/>
+              <a:ext cx="470868" cy="1872"/>
+            </a:xfrm>
+            <a:prstGeom prst="straightConnector1">
+              <a:avLst/>
+            </a:prstGeom>
+            <a:noFill/>
             <a:ln w="12700" cap="flat" cmpd="sng" algn="ctr">
               <a:solidFill>
                 <a:sysClr val="windowText" lastClr="000000"/>
               </a:solidFill>
               <a:prstDash val="solid"/>
+              <a:tailEnd type="triangle"/>
             </a:ln>
             <a:effectLst/>
           </p:spPr>
         </p:cxnSp>
-      </p:grpSp>
-      <p:cxnSp>
-        <p:nvCxnSpPr>
-          <p:cNvPr id="14" name="Straight Arrow Connector 13"/>
-          <p:cNvCxnSpPr>
-            <a:stCxn id="15" idx="3"/>
-            <a:endCxn id="90" idx="1"/>
-          </p:cNvCxnSpPr>
-          <p:nvPr/>
-        </p:nvCxnSpPr>
-        <p:spPr>
-          <a:xfrm>
-            <a:off x="2404962" y="4227164"/>
-            <a:ext cx="473936" cy="3230"/>
-          </a:xfrm>
-          <a:prstGeom prst="straightConnector1">
-            <a:avLst/>
-          </a:prstGeom>
-          <a:noFill/>
-          <a:ln w="12700" cap="flat" cmpd="sng" algn="ctr">
-            <a:solidFill>
-              <a:sysClr val="windowText" lastClr="000000"/>
-            </a:solidFill>
-            <a:prstDash val="solid"/>
-            <a:tailEnd type="triangle"/>
-          </a:ln>
-          <a:effectLst/>
-        </p:spPr>
-      </p:cxnSp>
-      <p:sp>
-        <p:nvSpPr>
-          <p:cNvPr id="15" name="TextBox 14"/>
-          <p:cNvSpPr txBox="1"/>
-          <p:nvPr/>
-        </p:nvSpPr>
-        <p:spPr>
-          <a:xfrm>
-            <a:off x="547115" y="4027109"/>
-            <a:ext cx="1857847" cy="400110"/>
-          </a:xfrm>
-          <a:prstGeom prst="rect">
-            <a:avLst/>
-          </a:prstGeom>
-          <a:noFill/>
-        </p:spPr>
-        <p:txBody>
-          <a:bodyPr wrap="square" rtlCol="0">
-            <a:spAutoFit/>
-          </a:bodyPr>
-          <a:lstStyle/>
-          <a:p>
-            <a:pPr marL="0" marR="0" lvl="0" indent="0" algn="r" defTabSz="914400" eaLnBrk="1" fontAlgn="auto" latinLnBrk="0" hangingPunct="1">
-              <a:lnSpc>
-                <a:spcPct val="100000"/>
-              </a:lnSpc>
-              <a:spcBef>
-                <a:spcPts val="0"/>
-              </a:spcBef>
-              <a:spcAft>
-                <a:spcPts val="0"/>
-              </a:spcAft>
-              <a:buClrTx/>
-              <a:buSzTx/>
-              <a:buFontTx/>
-              <a:buNone/>
-              <a:tabLst/>
-              <a:defRPr/>
-            </a:pPr>
-            <a:r>
-              <a:rPr kumimoji="0" lang="en-US" sz="2000" b="0" i="0" u="none" strike="noStrike" kern="0" cap="none" spc="0" normalizeH="0" baseline="0" noProof="0" dirty="0" smtClean="0">
+        <p:sp>
+          <p:nvSpPr>
+            <p:cNvPr id="11" name="TextBox 10"/>
+            <p:cNvSpPr txBox="1"/>
+            <p:nvPr/>
+          </p:nvSpPr>
+          <p:spPr>
+            <a:xfrm>
+              <a:off x="250133" y="3612128"/>
+              <a:ext cx="2155355" cy="400110"/>
+            </a:xfrm>
+            <a:prstGeom prst="rect">
+              <a:avLst/>
+            </a:prstGeom>
+            <a:noFill/>
+          </p:spPr>
+          <p:txBody>
+            <a:bodyPr wrap="square" rtlCol="0">
+              <a:spAutoFit/>
+            </a:bodyPr>
+            <a:lstStyle/>
+            <a:p>
+              <a:pPr marL="0" marR="0" lvl="0" indent="0" algn="r" defTabSz="914400" eaLnBrk="1" fontAlgn="auto" latinLnBrk="0" hangingPunct="1">
+                <a:lnSpc>
+                  <a:spcPct val="100000"/>
+                </a:lnSpc>
+                <a:spcBef>
+                  <a:spcPts val="0"/>
+                </a:spcBef>
+                <a:spcAft>
+                  <a:spcPts val="0"/>
+                </a:spcAft>
+                <a:buClrTx/>
+                <a:buSzTx/>
+                <a:buFontTx/>
+                <a:buNone/>
+                <a:tabLst/>
+                <a:defRPr/>
+              </a:pPr>
+              <a:r>
+                <a:rPr kumimoji="0" lang="en-US" sz="2000" b="0" i="0" u="none" strike="noStrike" kern="0" cap="none" spc="0" normalizeH="0" baseline="0" noProof="0" dirty="0" smtClean="0">
+                  <a:ln>
+                    <a:noFill/>
+                  </a:ln>
+                  <a:solidFill>
+                    <a:prstClr val="black"/>
+                  </a:solidFill>
+                  <a:effectLst/>
+                  <a:uLnTx/>
+                  <a:uFillTx/>
+                </a:rPr>
+                <a:t>L1 downgrade </a:t>
+              </a:r>
+              <a:r>
+                <a:rPr kumimoji="0" lang="en-US" sz="2000" b="0" i="0" u="none" strike="noStrike" kern="0" cap="none" spc="0" normalizeH="0" baseline="0" noProof="0" dirty="0" err="1">
+                  <a:ln>
+                    <a:noFill/>
+                  </a:ln>
+                  <a:solidFill>
+                    <a:prstClr val="black"/>
+                  </a:solidFill>
+                  <a:effectLst/>
+                  <a:uLnTx/>
+                  <a:uFillTx/>
+                </a:rPr>
+                <a:t>resp</a:t>
+              </a:r>
+              <a:endParaRPr kumimoji="0" lang="en-US" sz="2000" b="0" i="0" u="none" strike="noStrike" kern="0" cap="none" spc="0" normalizeH="0" baseline="0" noProof="0" dirty="0">
                 <a:ln>
                   <a:noFill/>
                 </a:ln>
@@ -14818,11 +14557,291 @@
                 <a:effectLst/>
                 <a:uLnTx/>
                 <a:uFillTx/>
-              </a:rPr>
-              <a:t>L1 upgrade </a:t>
-            </a:r>
-            <a:r>
-              <a:rPr kumimoji="0" lang="en-US" sz="2000" b="0" i="0" u="none" strike="noStrike" kern="0" cap="none" spc="0" normalizeH="0" baseline="0" noProof="0" dirty="0" err="1">
+              </a:endParaRPr>
+            </a:p>
+          </p:txBody>
+        </p:sp>
+        <p:cxnSp>
+          <p:nvCxnSpPr>
+            <p:cNvPr id="12" name="Straight Arrow Connector 11"/>
+            <p:cNvCxnSpPr>
+              <a:stCxn id="90" idx="3"/>
+            </p:cNvCxnSpPr>
+            <p:nvPr/>
+          </p:nvCxnSpPr>
+          <p:spPr>
+            <a:xfrm>
+              <a:off x="3183698" y="4230394"/>
+              <a:ext cx="341876" cy="0"/>
+            </a:xfrm>
+            <a:prstGeom prst="straightConnector1">
+              <a:avLst/>
+            </a:prstGeom>
+            <a:noFill/>
+            <a:ln w="12700" cap="flat" cmpd="sng" algn="ctr">
+              <a:solidFill>
+                <a:sysClr val="windowText" lastClr="000000"/>
+              </a:solidFill>
+              <a:prstDash val="solid"/>
+              <a:tailEnd type="triangle"/>
+            </a:ln>
+            <a:effectLst/>
+          </p:spPr>
+        </p:cxnSp>
+        <p:grpSp>
+          <p:nvGrpSpPr>
+            <p:cNvPr id="13" name="Group 12"/>
+            <p:cNvGrpSpPr/>
+            <p:nvPr/>
+          </p:nvGrpSpPr>
+          <p:grpSpPr>
+            <a:xfrm>
+              <a:off x="2726498" y="4112108"/>
+              <a:ext cx="457200" cy="236571"/>
+              <a:chOff x="7848600" y="1143000"/>
+              <a:chExt cx="457200" cy="381000"/>
+            </a:xfrm>
+            <a:solidFill>
+              <a:srgbClr val="FCD5B5"/>
+            </a:solidFill>
+          </p:grpSpPr>
+          <p:sp>
+            <p:nvSpPr>
+              <p:cNvPr id="90" name="Rectangle 89"/>
+              <p:cNvSpPr/>
+              <p:nvPr/>
+            </p:nvSpPr>
+            <p:spPr>
+              <a:xfrm>
+                <a:off x="8001000" y="1143000"/>
+                <a:ext cx="304800" cy="381000"/>
+              </a:xfrm>
+              <a:prstGeom prst="rect">
+                <a:avLst/>
+              </a:prstGeom>
+              <a:grpFill/>
+              <a:ln w="12700" cap="flat" cmpd="sng" algn="ctr">
+                <a:solidFill>
+                  <a:sysClr val="windowText" lastClr="000000"/>
+                </a:solidFill>
+                <a:prstDash val="solid"/>
+              </a:ln>
+              <a:effectLst/>
+            </p:spPr>
+            <p:txBody>
+              <a:bodyPr rtlCol="0" anchor="ctr"/>
+              <a:lstStyle/>
+              <a:p>
+                <a:pPr marL="0" marR="0" lvl="0" indent="0" algn="ctr" defTabSz="914400" eaLnBrk="1" fontAlgn="auto" latinLnBrk="0" hangingPunct="1">
+                  <a:lnSpc>
+                    <a:spcPct val="100000"/>
+                  </a:lnSpc>
+                  <a:spcBef>
+                    <a:spcPts val="0"/>
+                  </a:spcBef>
+                  <a:spcAft>
+                    <a:spcPts val="0"/>
+                  </a:spcAft>
+                  <a:buClrTx/>
+                  <a:buSzTx/>
+                  <a:buFontTx/>
+                  <a:buNone/>
+                  <a:tabLst/>
+                  <a:defRPr/>
+                </a:pPr>
+                <a:endParaRPr kumimoji="0" lang="en-US" sz="1800" b="0" i="0" u="none" strike="noStrike" kern="0" cap="none" spc="0" normalizeH="0" baseline="0" noProof="0">
+                  <a:ln>
+                    <a:noFill/>
+                  </a:ln>
+                  <a:solidFill>
+                    <a:prstClr val="white"/>
+                  </a:solidFill>
+                  <a:effectLst/>
+                  <a:uLnTx/>
+                  <a:uFillTx/>
+                  <a:latin typeface="Calibri"/>
+                  <a:ea typeface="+mn-ea"/>
+                  <a:cs typeface="+mn-cs"/>
+                </a:endParaRPr>
+              </a:p>
+            </p:txBody>
+          </p:sp>
+          <p:cxnSp>
+            <p:nvCxnSpPr>
+              <p:cNvPr id="91" name="Straight Connector 90"/>
+              <p:cNvCxnSpPr>
+                <a:stCxn id="90" idx="0"/>
+              </p:cNvCxnSpPr>
+              <p:nvPr/>
+            </p:nvCxnSpPr>
+            <p:spPr>
+              <a:xfrm flipH="1">
+                <a:off x="7848600" y="1143000"/>
+                <a:ext cx="304800" cy="0"/>
+              </a:xfrm>
+              <a:prstGeom prst="line">
+                <a:avLst/>
+              </a:prstGeom>
+              <a:grpFill/>
+              <a:ln w="12700" cap="flat" cmpd="sng" algn="ctr">
+                <a:solidFill>
+                  <a:sysClr val="windowText" lastClr="000000"/>
+                </a:solidFill>
+                <a:prstDash val="solid"/>
+              </a:ln>
+              <a:effectLst/>
+            </p:spPr>
+          </p:cxnSp>
+          <p:cxnSp>
+            <p:nvCxnSpPr>
+              <p:cNvPr id="92" name="Straight Connector 91"/>
+              <p:cNvCxnSpPr>
+                <a:stCxn id="90" idx="0"/>
+                <a:endCxn id="90" idx="2"/>
+              </p:cNvCxnSpPr>
+              <p:nvPr/>
+            </p:nvCxnSpPr>
+            <p:spPr>
+              <a:xfrm>
+                <a:off x="8153400" y="1143000"/>
+                <a:ext cx="0" cy="381000"/>
+              </a:xfrm>
+              <a:prstGeom prst="line">
+                <a:avLst/>
+              </a:prstGeom>
+              <a:grpFill/>
+              <a:ln w="12700" cap="flat" cmpd="sng" algn="ctr">
+                <a:solidFill>
+                  <a:sysClr val="windowText" lastClr="000000"/>
+                </a:solidFill>
+                <a:prstDash val="solid"/>
+              </a:ln>
+              <a:effectLst/>
+            </p:spPr>
+          </p:cxnSp>
+          <p:cxnSp>
+            <p:nvCxnSpPr>
+              <p:cNvPr id="93" name="Straight Connector 92"/>
+              <p:cNvCxnSpPr>
+                <a:stCxn id="90" idx="2"/>
+              </p:cNvCxnSpPr>
+              <p:nvPr/>
+            </p:nvCxnSpPr>
+            <p:spPr>
+              <a:xfrm flipH="1">
+                <a:off x="7848600" y="1524000"/>
+                <a:ext cx="304800" cy="0"/>
+              </a:xfrm>
+              <a:prstGeom prst="line">
+                <a:avLst/>
+              </a:prstGeom>
+              <a:grpFill/>
+              <a:ln w="12700" cap="flat" cmpd="sng" algn="ctr">
+                <a:solidFill>
+                  <a:sysClr val="windowText" lastClr="000000"/>
+                </a:solidFill>
+                <a:prstDash val="solid"/>
+              </a:ln>
+              <a:effectLst/>
+            </p:spPr>
+          </p:cxnSp>
+        </p:grpSp>
+        <p:cxnSp>
+          <p:nvCxnSpPr>
+            <p:cNvPr id="14" name="Straight Arrow Connector 13"/>
+            <p:cNvCxnSpPr>
+              <a:stCxn id="15" idx="3"/>
+              <a:endCxn id="90" idx="1"/>
+            </p:cNvCxnSpPr>
+            <p:nvPr/>
+          </p:nvCxnSpPr>
+          <p:spPr>
+            <a:xfrm>
+              <a:off x="2404962" y="4227164"/>
+              <a:ext cx="473936" cy="3230"/>
+            </a:xfrm>
+            <a:prstGeom prst="straightConnector1">
+              <a:avLst/>
+            </a:prstGeom>
+            <a:noFill/>
+            <a:ln w="12700" cap="flat" cmpd="sng" algn="ctr">
+              <a:solidFill>
+                <a:sysClr val="windowText" lastClr="000000"/>
+              </a:solidFill>
+              <a:prstDash val="solid"/>
+              <a:tailEnd type="triangle"/>
+            </a:ln>
+            <a:effectLst/>
+          </p:spPr>
+        </p:cxnSp>
+        <p:sp>
+          <p:nvSpPr>
+            <p:cNvPr id="15" name="TextBox 14"/>
+            <p:cNvSpPr txBox="1"/>
+            <p:nvPr/>
+          </p:nvSpPr>
+          <p:spPr>
+            <a:xfrm>
+              <a:off x="547115" y="4027109"/>
+              <a:ext cx="1857847" cy="400110"/>
+            </a:xfrm>
+            <a:prstGeom prst="rect">
+              <a:avLst/>
+            </a:prstGeom>
+            <a:noFill/>
+          </p:spPr>
+          <p:txBody>
+            <a:bodyPr wrap="square" rtlCol="0">
+              <a:spAutoFit/>
+            </a:bodyPr>
+            <a:lstStyle/>
+            <a:p>
+              <a:pPr marL="0" marR="0" lvl="0" indent="0" algn="r" defTabSz="914400" eaLnBrk="1" fontAlgn="auto" latinLnBrk="0" hangingPunct="1">
+                <a:lnSpc>
+                  <a:spcPct val="100000"/>
+                </a:lnSpc>
+                <a:spcBef>
+                  <a:spcPts val="0"/>
+                </a:spcBef>
+                <a:spcAft>
+                  <a:spcPts val="0"/>
+                </a:spcAft>
+                <a:buClrTx/>
+                <a:buSzTx/>
+                <a:buFontTx/>
+                <a:buNone/>
+                <a:tabLst/>
+                <a:defRPr/>
+              </a:pPr>
+              <a:r>
+                <a:rPr kumimoji="0" lang="en-US" sz="2000" b="0" i="0" u="none" strike="noStrike" kern="0" cap="none" spc="0" normalizeH="0" baseline="0" noProof="0" dirty="0" smtClean="0">
+                  <a:ln>
+                    <a:noFill/>
+                  </a:ln>
+                  <a:solidFill>
+                    <a:prstClr val="black"/>
+                  </a:solidFill>
+                  <a:effectLst/>
+                  <a:uLnTx/>
+                  <a:uFillTx/>
+                </a:rPr>
+                <a:t>L1 upgrade </a:t>
+              </a:r>
+              <a:r>
+                <a:rPr kumimoji="0" lang="en-US" sz="2000" b="0" i="0" u="none" strike="noStrike" kern="0" cap="none" spc="0" normalizeH="0" baseline="0" noProof="0" dirty="0" err="1">
+                  <a:ln>
+                    <a:noFill/>
+                  </a:ln>
+                  <a:solidFill>
+                    <a:prstClr val="black"/>
+                  </a:solidFill>
+                  <a:effectLst/>
+                  <a:uLnTx/>
+                  <a:uFillTx/>
+                </a:rPr>
+                <a:t>req</a:t>
+              </a:r>
+              <a:endParaRPr kumimoji="0" lang="en-US" sz="2000" b="0" i="0" u="none" strike="noStrike" kern="0" cap="none" spc="0" normalizeH="0" baseline="0" noProof="0" dirty="0">
                 <a:ln>
                   <a:noFill/>
                 </a:ln>
@@ -14832,303 +14851,28 @@
                 <a:effectLst/>
                 <a:uLnTx/>
                 <a:uFillTx/>
-              </a:rPr>
-              <a:t>req</a:t>
-            </a:r>
-            <a:endParaRPr kumimoji="0" lang="en-US" sz="2000" b="0" i="0" u="none" strike="noStrike" kern="0" cap="none" spc="0" normalizeH="0" baseline="0" noProof="0" dirty="0">
-              <a:ln>
-                <a:noFill/>
-              </a:ln>
-              <a:solidFill>
-                <a:prstClr val="black"/>
-              </a:solidFill>
-              <a:effectLst/>
-              <a:uLnTx/>
-              <a:uFillTx/>
-            </a:endParaRPr>
-          </a:p>
-        </p:txBody>
-      </p:sp>
-      <p:sp>
-        <p:nvSpPr>
-          <p:cNvPr id="16" name="Cloud 15"/>
-          <p:cNvSpPr/>
-          <p:nvPr/>
-        </p:nvSpPr>
-        <p:spPr>
-          <a:xfrm>
-            <a:off x="8083988" y="3636110"/>
-            <a:ext cx="1559566" cy="551057"/>
-          </a:xfrm>
-          <a:prstGeom prst="cloud">
-            <a:avLst/>
-          </a:prstGeom>
-          <a:solidFill>
-            <a:srgbClr val="B7DEE8"/>
-          </a:solidFill>
-          <a:ln w="25400" cap="flat" cmpd="sng" algn="ctr">
-            <a:solidFill>
-              <a:sysClr val="windowText" lastClr="000000"/>
-            </a:solidFill>
-            <a:prstDash val="solid"/>
-          </a:ln>
-          <a:effectLst/>
-        </p:spPr>
-        <p:txBody>
-          <a:bodyPr rot="0" spcFirstLastPara="0" vertOverflow="overflow" horzOverflow="overflow" vert="horz" wrap="square" lIns="91440" tIns="45720" rIns="91440" bIns="45720" numCol="1" spcCol="0" rtlCol="0" fromWordArt="0" anchor="ctr" anchorCtr="0" forceAA="0" compatLnSpc="1">
-            <a:prstTxWarp prst="textNoShape">
-              <a:avLst/>
-            </a:prstTxWarp>
-            <a:noAutofit/>
-          </a:bodyPr>
-          <a:lstStyle/>
-          <a:p>
-            <a:pPr marL="0" marR="0" lvl="0" indent="0" algn="ctr" defTabSz="914400" eaLnBrk="1" fontAlgn="auto" latinLnBrk="0" hangingPunct="1">
-              <a:lnSpc>
-                <a:spcPct val="100000"/>
-              </a:lnSpc>
-              <a:spcBef>
-                <a:spcPts val="0"/>
-              </a:spcBef>
-              <a:spcAft>
-                <a:spcPts val="0"/>
-              </a:spcAft>
-              <a:buClrTx/>
-              <a:buSzTx/>
-              <a:buFontTx/>
-              <a:buNone/>
-              <a:tabLst/>
-              <a:defRPr/>
-            </a:pPr>
-            <a:r>
-              <a:rPr kumimoji="0" lang="en-US" sz="2000" b="0" i="0" u="none" strike="noStrike" kern="0" cap="none" spc="0" normalizeH="0" baseline="0" noProof="0" dirty="0">
-                <a:ln>
-                  <a:noFill/>
-                </a:ln>
-                <a:solidFill>
-                  <a:prstClr val="black"/>
-                </a:solidFill>
-                <a:effectLst/>
-                <a:uLnTx/>
-                <a:uFillTx/>
-                <a:latin typeface="Calibri"/>
-                <a:ea typeface="+mn-ea"/>
-                <a:cs typeface="+mn-cs"/>
-              </a:rPr>
-              <a:t>Process</a:t>
-            </a:r>
-          </a:p>
-        </p:txBody>
-      </p:sp>
-      <p:sp>
-        <p:nvSpPr>
-          <p:cNvPr id="17" name="Cloud 16"/>
-          <p:cNvSpPr/>
-          <p:nvPr/>
-        </p:nvSpPr>
-        <p:spPr>
-          <a:xfrm>
-            <a:off x="6472259" y="1737578"/>
-            <a:ext cx="2146563" cy="887484"/>
-          </a:xfrm>
-          <a:prstGeom prst="cloud">
-            <a:avLst/>
-          </a:prstGeom>
-          <a:solidFill>
-            <a:srgbClr val="B7DEE8"/>
-          </a:solidFill>
-          <a:ln w="25400" cap="flat" cmpd="sng" algn="ctr">
-            <a:solidFill>
-              <a:sysClr val="windowText" lastClr="000000"/>
-            </a:solidFill>
-            <a:prstDash val="solid"/>
-          </a:ln>
-          <a:effectLst/>
-        </p:spPr>
-        <p:txBody>
-          <a:bodyPr rot="0" spcFirstLastPara="0" vertOverflow="overflow" horzOverflow="overflow" vert="horz" wrap="square" lIns="91440" tIns="45720" rIns="91440" bIns="45720" numCol="1" spcCol="0" rtlCol="0" fromWordArt="0" anchor="ctr" anchorCtr="0" forceAA="0" compatLnSpc="1">
-            <a:prstTxWarp prst="textNoShape">
-              <a:avLst/>
-            </a:prstTxWarp>
-            <a:noAutofit/>
-          </a:bodyPr>
-          <a:lstStyle/>
-          <a:p>
-            <a:pPr marL="0" marR="0" lvl="0" indent="0" algn="ctr" defTabSz="914400" eaLnBrk="1" fontAlgn="auto" latinLnBrk="0" hangingPunct="1">
-              <a:lnSpc>
-                <a:spcPct val="100000"/>
-              </a:lnSpc>
-              <a:spcBef>
-                <a:spcPts val="0"/>
-              </a:spcBef>
-              <a:spcAft>
-                <a:spcPts val="0"/>
-              </a:spcAft>
-              <a:buClrTx/>
-              <a:buSzTx/>
-              <a:buFontTx/>
-              <a:buNone/>
-              <a:tabLst/>
-              <a:defRPr/>
-            </a:pPr>
-            <a:r>
-              <a:rPr kumimoji="0" lang="en-US" sz="2000" b="0" i="0" u="none" strike="noStrike" kern="0" cap="none" spc="0" normalizeH="0" baseline="0" noProof="0" dirty="0" smtClean="0">
-                <a:ln>
-                  <a:noFill/>
-                </a:ln>
-                <a:solidFill>
-                  <a:prstClr val="black"/>
-                </a:solidFill>
-                <a:effectLst/>
-                <a:uLnTx/>
-                <a:uFillTx/>
-                <a:latin typeface="Calibri"/>
-                <a:ea typeface="+mn-ea"/>
-                <a:cs typeface="+mn-cs"/>
-              </a:rPr>
-              <a:t>Downgrade</a:t>
-            </a:r>
-          </a:p>
-          <a:p>
-            <a:pPr marL="0" marR="0" lvl="0" indent="0" algn="ctr" defTabSz="914400" eaLnBrk="1" fontAlgn="auto" latinLnBrk="0" hangingPunct="1">
-              <a:lnSpc>
-                <a:spcPct val="100000"/>
-              </a:lnSpc>
-              <a:spcBef>
-                <a:spcPts val="0"/>
-              </a:spcBef>
-              <a:spcAft>
-                <a:spcPts val="0"/>
-              </a:spcAft>
-              <a:buClrTx/>
-              <a:buSzTx/>
-              <a:buFontTx/>
-              <a:buNone/>
-              <a:tabLst/>
-              <a:defRPr/>
-            </a:pPr>
-            <a:r>
-              <a:rPr kumimoji="0" lang="en-US" sz="2000" b="0" i="0" u="none" strike="noStrike" kern="0" cap="none" spc="0" normalizeH="0" baseline="0" noProof="0" dirty="0" smtClean="0">
-                <a:ln>
-                  <a:noFill/>
-                </a:ln>
-                <a:solidFill>
-                  <a:prstClr val="black"/>
-                </a:solidFill>
-                <a:effectLst/>
-                <a:uLnTx/>
-                <a:uFillTx/>
-                <a:latin typeface="Calibri"/>
-                <a:ea typeface="+mn-ea"/>
-                <a:cs typeface="+mn-cs"/>
-              </a:rPr>
-              <a:t>L1</a:t>
-            </a:r>
-            <a:endParaRPr kumimoji="0" lang="en-US" sz="2000" b="0" i="0" u="none" strike="noStrike" kern="0" cap="none" spc="0" normalizeH="0" baseline="0" noProof="0" dirty="0">
-              <a:ln>
-                <a:noFill/>
-              </a:ln>
-              <a:solidFill>
-                <a:prstClr val="black"/>
-              </a:solidFill>
-              <a:effectLst/>
-              <a:uLnTx/>
-              <a:uFillTx/>
-              <a:latin typeface="Calibri"/>
-              <a:ea typeface="+mn-ea"/>
-              <a:cs typeface="+mn-cs"/>
-            </a:endParaRPr>
-          </a:p>
-        </p:txBody>
-      </p:sp>
-      <p:cxnSp>
-        <p:nvCxnSpPr>
-          <p:cNvPr id="18" name="Straight Arrow Connector 17"/>
-          <p:cNvCxnSpPr>
-            <a:stCxn id="6" idx="3"/>
-            <a:endCxn id="16" idx="2"/>
-          </p:cNvCxnSpPr>
-          <p:nvPr/>
-        </p:nvCxnSpPr>
-        <p:spPr>
-          <a:xfrm>
-            <a:off x="7855388" y="3910133"/>
-            <a:ext cx="233438" cy="1506"/>
-          </a:xfrm>
-          <a:prstGeom prst="straightConnector1">
-            <a:avLst/>
-          </a:prstGeom>
-          <a:noFill/>
-          <a:ln w="12700" cap="flat" cmpd="sng" algn="ctr">
-            <a:solidFill>
-              <a:sysClr val="windowText" lastClr="000000"/>
-            </a:solidFill>
-            <a:prstDash val="solid"/>
-            <a:tailEnd type="triangle"/>
-          </a:ln>
-          <a:effectLst/>
-        </p:spPr>
-      </p:cxnSp>
-      <p:cxnSp>
-        <p:nvCxnSpPr>
-          <p:cNvPr id="19" name="Straight Arrow Connector 18"/>
-          <p:cNvCxnSpPr>
-            <a:stCxn id="86" idx="3"/>
-          </p:cNvCxnSpPr>
-          <p:nvPr/>
-        </p:nvCxnSpPr>
-        <p:spPr>
-          <a:xfrm flipV="1">
-            <a:off x="3803750" y="4485128"/>
-            <a:ext cx="0" cy="457824"/>
-          </a:xfrm>
-          <a:prstGeom prst="straightConnector1">
-            <a:avLst/>
-          </a:prstGeom>
-          <a:noFill/>
-          <a:ln w="12700" cap="flat" cmpd="sng" algn="ctr">
-            <a:solidFill>
-              <a:sysClr val="windowText" lastClr="000000"/>
-            </a:solidFill>
-            <a:prstDash val="solid"/>
-            <a:tailEnd type="triangle"/>
-          </a:ln>
-          <a:effectLst/>
-        </p:spPr>
-      </p:cxnSp>
-      <p:grpSp>
-        <p:nvGrpSpPr>
-          <p:cNvPr id="20" name="Group 19"/>
-          <p:cNvGrpSpPr/>
-          <p:nvPr/>
-        </p:nvGrpSpPr>
-        <p:grpSpPr>
-          <a:xfrm rot="16200000">
-            <a:off x="3575149" y="5053266"/>
-            <a:ext cx="457200" cy="236571"/>
-            <a:chOff x="7848600" y="1143000"/>
-            <a:chExt cx="457200" cy="381000"/>
-          </a:xfrm>
-          <a:solidFill>
-            <a:srgbClr val="FCD5B5"/>
-          </a:solidFill>
-        </p:grpSpPr>
+              </a:endParaRPr>
+            </a:p>
+          </p:txBody>
+        </p:sp>
         <p:sp>
           <p:nvSpPr>
-            <p:cNvPr id="86" name="Rectangle 85"/>
+            <p:cNvPr id="16" name="Cloud 15"/>
             <p:cNvSpPr/>
             <p:nvPr/>
           </p:nvSpPr>
           <p:spPr>
             <a:xfrm>
-              <a:off x="8001000" y="1143000"/>
-              <a:ext cx="304800" cy="381000"/>
-            </a:xfrm>
-            <a:prstGeom prst="rect">
-              <a:avLst/>
-            </a:prstGeom>
-            <a:grpFill/>
-            <a:ln w="12700" cap="flat" cmpd="sng" algn="ctr">
+              <a:off x="8083988" y="3636110"/>
+              <a:ext cx="1559566" cy="551057"/>
+            </a:xfrm>
+            <a:prstGeom prst="cloud">
+              <a:avLst/>
+            </a:prstGeom>
+            <a:solidFill>
+              <a:srgbClr val="B7DEE8"/>
+            </a:solidFill>
+            <a:ln w="25400" cap="flat" cmpd="sng" algn="ctr">
               <a:solidFill>
                 <a:sysClr val="windowText" lastClr="000000"/>
               </a:solidFill>
@@ -15137,7 +14881,12 @@
             <a:effectLst/>
           </p:spPr>
           <p:txBody>
-            <a:bodyPr rtlCol="0" anchor="ctr"/>
+            <a:bodyPr rot="0" spcFirstLastPara="0" vertOverflow="overflow" horzOverflow="overflow" vert="horz" wrap="square" lIns="91440" tIns="45720" rIns="91440" bIns="45720" numCol="1" spcCol="0" rtlCol="0" fromWordArt="0" anchor="ctr" anchorCtr="0" forceAA="0" compatLnSpc="1">
+              <a:prstTxWarp prst="textNoShape">
+                <a:avLst/>
+              </a:prstTxWarp>
+              <a:noAutofit/>
+            </a:bodyPr>
             <a:lstStyle/>
             <a:p>
               <a:pPr marL="0" marR="0" lvl="0" indent="0" algn="ctr" defTabSz="914400" eaLnBrk="1" fontAlgn="auto" latinLnBrk="0" hangingPunct="1">
@@ -15157,12 +14906,29 @@
                 <a:tabLst/>
                 <a:defRPr/>
               </a:pPr>
-              <a:endParaRPr kumimoji="0" lang="en-US" sz="1800" b="0" i="0" u="none" strike="noStrike" kern="0" cap="none" spc="0" normalizeH="0" baseline="0" noProof="0">
+              <a:r>
+                <a:rPr kumimoji="0" lang="en-US" sz="2000" b="0" i="0" u="none" strike="noStrike" kern="0" cap="none" spc="0" normalizeH="0" baseline="0" noProof="0" dirty="0" smtClean="0">
+                  <a:ln>
+                    <a:noFill/>
+                  </a:ln>
+                  <a:solidFill>
+                    <a:prstClr val="black"/>
+                  </a:solidFill>
+                  <a:effectLst/>
+                  <a:uLnTx/>
+                  <a:uFillTx/>
+                  <a:latin typeface="Calibri"/>
+                  <a:ea typeface="+mn-ea"/>
+                  <a:cs typeface="+mn-cs"/>
+                </a:rPr>
+                <a:t>Process</a:t>
+              </a:r>
+              <a:endParaRPr kumimoji="0" lang="en-US" sz="2000" b="0" i="0" u="none" strike="noStrike" kern="0" cap="none" spc="0" normalizeH="0" baseline="0" noProof="0" dirty="0">
                 <a:ln>
                   <a:noFill/>
                 </a:ln>
                 <a:solidFill>
-                  <a:prstClr val="white"/>
+                  <a:prstClr val="black"/>
                 </a:solidFill>
                 <a:effectLst/>
                 <a:uLnTx/>
@@ -15174,24 +14940,24 @@
             </a:p>
           </p:txBody>
         </p:sp>
-        <p:cxnSp>
-          <p:nvCxnSpPr>
-            <p:cNvPr id="87" name="Straight Connector 86"/>
-            <p:cNvCxnSpPr>
-              <a:stCxn id="86" idx="0"/>
-            </p:cNvCxnSpPr>
-            <p:nvPr/>
-          </p:nvCxnSpPr>
-          <p:spPr>
-            <a:xfrm flipH="1">
-              <a:off x="7848600" y="1143000"/>
-              <a:ext cx="304800" cy="0"/>
-            </a:xfrm>
-            <a:prstGeom prst="line">
-              <a:avLst/>
-            </a:prstGeom>
-            <a:grpFill/>
-            <a:ln w="12700" cap="flat" cmpd="sng" algn="ctr">
+        <p:sp>
+          <p:nvSpPr>
+            <p:cNvPr id="17" name="Cloud 16"/>
+            <p:cNvSpPr/>
+            <p:nvPr/>
+          </p:nvSpPr>
+          <p:spPr>
+            <a:xfrm>
+              <a:off x="6472259" y="1737578"/>
+              <a:ext cx="2146563" cy="887484"/>
+            </a:xfrm>
+            <a:prstGeom prst="cloud">
+              <a:avLst/>
+            </a:prstGeom>
+            <a:solidFill>
+              <a:srgbClr val="B7DEE8"/>
+            </a:solidFill>
+            <a:ln w="25400" cap="flat" cmpd="sng" algn="ctr">
               <a:solidFill>
                 <a:sysClr val="windowText" lastClr="000000"/>
               </a:solidFill>
@@ -15199,293 +14965,13 @@
             </a:ln>
             <a:effectLst/>
           </p:spPr>
-        </p:cxnSp>
-        <p:cxnSp>
-          <p:nvCxnSpPr>
-            <p:cNvPr id="88" name="Straight Connector 87"/>
-            <p:cNvCxnSpPr>
-              <a:stCxn id="86" idx="0"/>
-              <a:endCxn id="86" idx="2"/>
-            </p:cNvCxnSpPr>
-            <p:nvPr/>
-          </p:nvCxnSpPr>
-          <p:spPr>
-            <a:xfrm>
-              <a:off x="8153400" y="1143000"/>
-              <a:ext cx="0" cy="381000"/>
-            </a:xfrm>
-            <a:prstGeom prst="line">
-              <a:avLst/>
-            </a:prstGeom>
-            <a:grpFill/>
-            <a:ln w="12700" cap="flat" cmpd="sng" algn="ctr">
-              <a:solidFill>
-                <a:sysClr val="windowText" lastClr="000000"/>
-              </a:solidFill>
-              <a:prstDash val="solid"/>
-            </a:ln>
-            <a:effectLst/>
-          </p:spPr>
-        </p:cxnSp>
-        <p:cxnSp>
-          <p:nvCxnSpPr>
-            <p:cNvPr id="89" name="Straight Connector 88"/>
-            <p:cNvCxnSpPr>
-              <a:stCxn id="86" idx="2"/>
-            </p:cNvCxnSpPr>
-            <p:nvPr/>
-          </p:nvCxnSpPr>
-          <p:spPr>
-            <a:xfrm flipH="1">
-              <a:off x="7848600" y="1524000"/>
-              <a:ext cx="304800" cy="0"/>
-            </a:xfrm>
-            <a:prstGeom prst="line">
-              <a:avLst/>
-            </a:prstGeom>
-            <a:grpFill/>
-            <a:ln w="12700" cap="flat" cmpd="sng" algn="ctr">
-              <a:solidFill>
-                <a:sysClr val="windowText" lastClr="000000"/>
-              </a:solidFill>
-              <a:prstDash val="solid"/>
-            </a:ln>
-            <a:effectLst/>
-          </p:spPr>
-        </p:cxnSp>
-      </p:grpSp>
-      <p:cxnSp>
-        <p:nvCxnSpPr>
-          <p:cNvPr id="21" name="Straight Arrow Connector 20"/>
-          <p:cNvCxnSpPr>
-            <a:stCxn id="22" idx="0"/>
-            <a:endCxn id="86" idx="1"/>
-          </p:cNvCxnSpPr>
-          <p:nvPr/>
-        </p:nvCxnSpPr>
-        <p:spPr>
-          <a:xfrm flipV="1">
-            <a:off x="3801990" y="5247752"/>
-            <a:ext cx="1760" cy="844638"/>
-          </a:xfrm>
-          <a:prstGeom prst="straightConnector1">
-            <a:avLst/>
-          </a:prstGeom>
-          <a:noFill/>
-          <a:ln w="12700" cap="flat" cmpd="sng" algn="ctr">
-            <a:solidFill>
-              <a:sysClr val="windowText" lastClr="000000"/>
-            </a:solidFill>
-            <a:prstDash val="solid"/>
-            <a:tailEnd type="triangle"/>
-          </a:ln>
-          <a:effectLst/>
-        </p:spPr>
-      </p:cxnSp>
-      <p:sp>
-        <p:nvSpPr>
-          <p:cNvPr id="22" name="TextBox 21"/>
-          <p:cNvSpPr txBox="1"/>
-          <p:nvPr/>
-        </p:nvSpPr>
-        <p:spPr>
-          <a:xfrm>
-            <a:off x="3084902" y="6092390"/>
-            <a:ext cx="1434175" cy="400110"/>
-          </a:xfrm>
-          <a:prstGeom prst="rect">
-            <a:avLst/>
-          </a:prstGeom>
-          <a:noFill/>
-        </p:spPr>
-        <p:txBody>
-          <a:bodyPr wrap="square" rtlCol="0">
-            <a:spAutoFit/>
-          </a:bodyPr>
-          <a:lstStyle/>
-          <a:p>
-            <a:pPr marL="0" marR="0" lvl="0" indent="0" algn="r" defTabSz="914400" eaLnBrk="1" fontAlgn="auto" latinLnBrk="0" hangingPunct="1">
-              <a:lnSpc>
-                <a:spcPct val="100000"/>
-              </a:lnSpc>
-              <a:spcBef>
-                <a:spcPts val="0"/>
-              </a:spcBef>
-              <a:spcAft>
-                <a:spcPts val="0"/>
-              </a:spcAft>
-              <a:buClrTx/>
-              <a:buSzTx/>
-              <a:buFontTx/>
-              <a:buNone/>
-              <a:tabLst/>
-              <a:defRPr/>
-            </a:pPr>
-            <a:r>
-              <a:rPr kumimoji="0" lang="en-US" sz="2000" b="0" i="0" u="none" strike="noStrike" kern="0" cap="none" spc="0" normalizeH="0" baseline="0" noProof="0" dirty="0">
-                <a:ln>
-                  <a:noFill/>
-                </a:ln>
-                <a:solidFill>
-                  <a:prstClr val="black"/>
-                </a:solidFill>
-                <a:effectLst/>
-                <a:uLnTx/>
-                <a:uFillTx/>
-              </a:rPr>
-              <a:t>DRAM </a:t>
-            </a:r>
-            <a:r>
-              <a:rPr kumimoji="0" lang="en-US" sz="2000" b="0" i="0" u="none" strike="noStrike" kern="0" cap="none" spc="0" normalizeH="0" baseline="0" noProof="0" dirty="0" err="1">
-                <a:ln>
-                  <a:noFill/>
-                </a:ln>
-                <a:solidFill>
-                  <a:prstClr val="black"/>
-                </a:solidFill>
-                <a:effectLst/>
-                <a:uLnTx/>
-                <a:uFillTx/>
-              </a:rPr>
-              <a:t>resp</a:t>
-            </a:r>
-            <a:endParaRPr kumimoji="0" lang="en-US" sz="2000" b="0" i="0" u="none" strike="noStrike" kern="0" cap="none" spc="0" normalizeH="0" baseline="0" noProof="0" dirty="0">
-              <a:ln>
-                <a:noFill/>
-              </a:ln>
-              <a:solidFill>
-                <a:prstClr val="black"/>
-              </a:solidFill>
-              <a:effectLst/>
-              <a:uLnTx/>
-              <a:uFillTx/>
-            </a:endParaRPr>
-          </a:p>
-        </p:txBody>
-      </p:sp>
-      <p:sp>
-        <p:nvSpPr>
-          <p:cNvPr id="23" name="TextBox 22"/>
-          <p:cNvSpPr txBox="1"/>
-          <p:nvPr/>
-        </p:nvSpPr>
-        <p:spPr>
-          <a:xfrm>
-            <a:off x="10245489" y="6094126"/>
-            <a:ext cx="1412987" cy="400110"/>
-          </a:xfrm>
-          <a:prstGeom prst="rect">
-            <a:avLst/>
-          </a:prstGeom>
-          <a:noFill/>
-        </p:spPr>
-        <p:txBody>
-          <a:bodyPr wrap="square" rtlCol="0">
-            <a:spAutoFit/>
-          </a:bodyPr>
-          <a:lstStyle/>
-          <a:p>
-            <a:pPr marL="0" marR="0" lvl="0" indent="0" defTabSz="914400" eaLnBrk="1" fontAlgn="auto" latinLnBrk="0" hangingPunct="1">
-              <a:lnSpc>
-                <a:spcPct val="100000"/>
-              </a:lnSpc>
-              <a:spcBef>
-                <a:spcPts val="0"/>
-              </a:spcBef>
-              <a:spcAft>
-                <a:spcPts val="0"/>
-              </a:spcAft>
-              <a:buClrTx/>
-              <a:buSzTx/>
-              <a:buFontTx/>
-              <a:buNone/>
-              <a:tabLst/>
-              <a:defRPr/>
-            </a:pPr>
-            <a:r>
-              <a:rPr kumimoji="0" lang="en-US" sz="2000" b="0" i="0" u="none" strike="noStrike" kern="0" cap="none" spc="0" normalizeH="0" baseline="0" noProof="0" dirty="0">
-                <a:ln>
-                  <a:noFill/>
-                </a:ln>
-                <a:solidFill>
-                  <a:prstClr val="black"/>
-                </a:solidFill>
-                <a:effectLst/>
-                <a:uLnTx/>
-                <a:uFillTx/>
-              </a:rPr>
-              <a:t>DRAM </a:t>
-            </a:r>
-            <a:r>
-              <a:rPr kumimoji="0" lang="en-US" sz="2000" b="0" i="0" u="none" strike="noStrike" kern="0" cap="none" spc="0" normalizeH="0" baseline="0" noProof="0" dirty="0" err="1">
-                <a:ln>
-                  <a:noFill/>
-                </a:ln>
-                <a:solidFill>
-                  <a:prstClr val="black"/>
-                </a:solidFill>
-                <a:effectLst/>
-                <a:uLnTx/>
-                <a:uFillTx/>
-              </a:rPr>
-              <a:t>req</a:t>
-            </a:r>
-            <a:endParaRPr kumimoji="0" lang="en-US" sz="2000" b="0" i="0" u="none" strike="noStrike" kern="0" cap="none" spc="0" normalizeH="0" baseline="0" noProof="0" dirty="0">
-              <a:ln>
-                <a:noFill/>
-              </a:ln>
-              <a:solidFill>
-                <a:prstClr val="black"/>
-              </a:solidFill>
-              <a:effectLst/>
-              <a:uLnTx/>
-              <a:uFillTx/>
-            </a:endParaRPr>
-          </a:p>
-        </p:txBody>
-      </p:sp>
-      <p:grpSp>
-        <p:nvGrpSpPr>
-          <p:cNvPr id="24" name="Group 23"/>
-          <p:cNvGrpSpPr/>
-          <p:nvPr/>
-        </p:nvGrpSpPr>
-        <p:grpSpPr>
-          <a:xfrm rot="16200000">
-            <a:off x="9093692" y="4334634"/>
-            <a:ext cx="461013" cy="762000"/>
-            <a:chOff x="8873314" y="3352800"/>
-            <a:chExt cx="236572" cy="762000"/>
-          </a:xfrm>
-          <a:solidFill>
-            <a:srgbClr val="FCD5B5"/>
-          </a:solidFill>
-        </p:grpSpPr>
-        <p:sp>
-          <p:nvSpPr>
-            <p:cNvPr id="80" name="Rectangle 79"/>
-            <p:cNvSpPr/>
-            <p:nvPr/>
-          </p:nvSpPr>
-          <p:spPr>
-            <a:xfrm rot="5400000">
-              <a:off x="8839200" y="3539314"/>
-              <a:ext cx="304800" cy="236571"/>
-            </a:xfrm>
-            <a:prstGeom prst="rect">
-              <a:avLst/>
-            </a:prstGeom>
-            <a:grpFill/>
-            <a:ln w="12700" cap="flat" cmpd="sng" algn="ctr">
-              <a:solidFill>
-                <a:sysClr val="windowText" lastClr="000000"/>
-              </a:solidFill>
-              <a:prstDash val="solid"/>
-            </a:ln>
-            <a:effectLst/>
-          </p:spPr>
           <p:txBody>
-            <a:bodyPr rtlCol="0" anchor="ctr"/>
+            <a:bodyPr rot="0" spcFirstLastPara="0" vertOverflow="overflow" horzOverflow="overflow" vert="horz" wrap="square" lIns="91440" tIns="45720" rIns="91440" bIns="45720" numCol="1" spcCol="0" rtlCol="0" fromWordArt="0" anchor="ctr" anchorCtr="0" forceAA="0" compatLnSpc="1">
+              <a:prstTxWarp prst="textNoShape">
+                <a:avLst/>
+              </a:prstTxWarp>
+              <a:noAutofit/>
+            </a:bodyPr>
             <a:lstStyle/>
             <a:p>
               <a:pPr marL="0" marR="0" lvl="0" indent="0" algn="ctr" defTabSz="914400" eaLnBrk="1" fontAlgn="auto" latinLnBrk="0" hangingPunct="1">
@@ -15505,12 +14991,65 @@
                 <a:tabLst/>
                 <a:defRPr/>
               </a:pPr>
-              <a:endParaRPr kumimoji="0" lang="en-US" sz="1800" b="0" i="0" u="none" strike="noStrike" kern="0" cap="none" spc="0" normalizeH="0" baseline="0" noProof="0">
+              <a:r>
+                <a:rPr kumimoji="0" lang="en-US" sz="2000" b="0" i="0" u="none" strike="noStrike" kern="0" cap="none" spc="0" normalizeH="0" baseline="0" noProof="0" dirty="0" smtClean="0">
+                  <a:ln>
+                    <a:noFill/>
+                  </a:ln>
+                  <a:solidFill>
+                    <a:prstClr val="black"/>
+                  </a:solidFill>
+                  <a:effectLst/>
+                  <a:uLnTx/>
+                  <a:uFillTx/>
+                  <a:latin typeface="Calibri"/>
+                  <a:ea typeface="+mn-ea"/>
+                  <a:cs typeface="+mn-cs"/>
+                </a:rPr>
+                <a:t>Downgrade</a:t>
+              </a:r>
+            </a:p>
+            <a:p>
+              <a:pPr marL="0" marR="0" lvl="0" indent="0" algn="ctr" defTabSz="914400" eaLnBrk="1" fontAlgn="auto" latinLnBrk="0" hangingPunct="1">
+                <a:lnSpc>
+                  <a:spcPct val="100000"/>
+                </a:lnSpc>
+                <a:spcBef>
+                  <a:spcPts val="0"/>
+                </a:spcBef>
+                <a:spcAft>
+                  <a:spcPts val="0"/>
+                </a:spcAft>
+                <a:buClrTx/>
+                <a:buSzTx/>
+                <a:buFontTx/>
+                <a:buNone/>
+                <a:tabLst/>
+                <a:defRPr/>
+              </a:pPr>
+              <a:r>
+                <a:rPr kumimoji="0" lang="en-US" sz="2000" b="0" i="0" u="none" strike="noStrike" kern="0" cap="none" spc="0" normalizeH="0" baseline="0" noProof="0" dirty="0" smtClean="0">
+                  <a:ln>
+                    <a:noFill/>
+                  </a:ln>
+                  <a:solidFill>
+                    <a:prstClr val="black"/>
+                  </a:solidFill>
+                  <a:effectLst/>
+                  <a:uLnTx/>
+                  <a:uFillTx/>
+                  <a:latin typeface="Calibri"/>
+                  <a:ea typeface="+mn-ea"/>
+                  <a:cs typeface="+mn-cs"/>
+                </a:rPr>
+                <a:t>L1</a:t>
+              </a:r>
+              <a:endParaRPr kumimoji="0" lang="en-US" sz="2000" b="0" i="0" u="none" strike="noStrike" kern="0" cap="none" spc="0" normalizeH="0" baseline="0" noProof="0" dirty="0">
                 <a:ln>
                   <a:noFill/>
                 </a:ln>
                 <a:solidFill>
-                  <a:prstClr val="white"/>
+                  <a:prstClr val="black"/>
                 </a:solidFill>
                 <a:effectLst/>
                 <a:uLnTx/>
@@ -15524,108 +15063,1242 @@
         </p:sp>
         <p:cxnSp>
           <p:nvCxnSpPr>
-            <p:cNvPr id="81" name="Straight Connector 80"/>
+            <p:cNvPr id="18" name="Straight Arrow Connector 17"/>
             <p:cNvCxnSpPr>
-              <a:stCxn id="80" idx="0"/>
+              <a:stCxn id="6" idx="3"/>
+              <a:endCxn id="16" idx="2"/>
             </p:cNvCxnSpPr>
             <p:nvPr/>
           </p:nvCxnSpPr>
           <p:spPr>
-            <a:xfrm rot="5400000" flipH="1">
-              <a:off x="8957486" y="3505200"/>
-              <a:ext cx="304800" cy="0"/>
-            </a:xfrm>
-            <a:prstGeom prst="line">
-              <a:avLst/>
-            </a:prstGeom>
-            <a:grpFill/>
+            <a:xfrm>
+              <a:off x="7855388" y="3910133"/>
+              <a:ext cx="233438" cy="1506"/>
+            </a:xfrm>
+            <a:prstGeom prst="straightConnector1">
+              <a:avLst/>
+            </a:prstGeom>
+            <a:noFill/>
             <a:ln w="12700" cap="flat" cmpd="sng" algn="ctr">
               <a:solidFill>
                 <a:sysClr val="windowText" lastClr="000000"/>
               </a:solidFill>
               <a:prstDash val="solid"/>
+              <a:tailEnd type="triangle"/>
             </a:ln>
             <a:effectLst/>
           </p:spPr>
         </p:cxnSp>
         <p:cxnSp>
           <p:nvCxnSpPr>
-            <p:cNvPr id="82" name="Straight Connector 81"/>
+            <p:cNvPr id="19" name="Straight Arrow Connector 18"/>
             <p:cNvCxnSpPr>
-              <a:stCxn id="80" idx="0"/>
-              <a:endCxn id="80" idx="2"/>
+              <a:stCxn id="86" idx="3"/>
             </p:cNvCxnSpPr>
             <p:nvPr/>
           </p:nvCxnSpPr>
           <p:spPr>
-            <a:xfrm rot="5400000">
-              <a:off x="8991600" y="3539314"/>
-              <a:ext cx="0" cy="236571"/>
-            </a:xfrm>
-            <a:prstGeom prst="line">
-              <a:avLst/>
-            </a:prstGeom>
-            <a:grpFill/>
+            <a:xfrm flipV="1">
+              <a:off x="3803750" y="4485128"/>
+              <a:ext cx="0" cy="457824"/>
+            </a:xfrm>
+            <a:prstGeom prst="straightConnector1">
+              <a:avLst/>
+            </a:prstGeom>
+            <a:noFill/>
             <a:ln w="12700" cap="flat" cmpd="sng" algn="ctr">
               <a:solidFill>
                 <a:sysClr val="windowText" lastClr="000000"/>
               </a:solidFill>
               <a:prstDash val="solid"/>
+              <a:tailEnd type="triangle"/>
             </a:ln>
             <a:effectLst/>
           </p:spPr>
         </p:cxnSp>
+        <p:grpSp>
+          <p:nvGrpSpPr>
+            <p:cNvPr id="20" name="Group 19"/>
+            <p:cNvGrpSpPr/>
+            <p:nvPr/>
+          </p:nvGrpSpPr>
+          <p:grpSpPr>
+            <a:xfrm rot="16200000">
+              <a:off x="3575149" y="5053266"/>
+              <a:ext cx="457200" cy="236571"/>
+              <a:chOff x="7848600" y="1143000"/>
+              <a:chExt cx="457200" cy="381000"/>
+            </a:xfrm>
+            <a:solidFill>
+              <a:srgbClr val="FCD5B5"/>
+            </a:solidFill>
+          </p:grpSpPr>
+          <p:sp>
+            <p:nvSpPr>
+              <p:cNvPr id="86" name="Rectangle 85"/>
+              <p:cNvSpPr/>
+              <p:nvPr/>
+            </p:nvSpPr>
+            <p:spPr>
+              <a:xfrm>
+                <a:off x="8001000" y="1143000"/>
+                <a:ext cx="304800" cy="381000"/>
+              </a:xfrm>
+              <a:prstGeom prst="rect">
+                <a:avLst/>
+              </a:prstGeom>
+              <a:grpFill/>
+              <a:ln w="12700" cap="flat" cmpd="sng" algn="ctr">
+                <a:solidFill>
+                  <a:sysClr val="windowText" lastClr="000000"/>
+                </a:solidFill>
+                <a:prstDash val="solid"/>
+              </a:ln>
+              <a:effectLst/>
+            </p:spPr>
+            <p:txBody>
+              <a:bodyPr rtlCol="0" anchor="ctr"/>
+              <a:lstStyle/>
+              <a:p>
+                <a:pPr marL="0" marR="0" lvl="0" indent="0" algn="ctr" defTabSz="914400" eaLnBrk="1" fontAlgn="auto" latinLnBrk="0" hangingPunct="1">
+                  <a:lnSpc>
+                    <a:spcPct val="100000"/>
+                  </a:lnSpc>
+                  <a:spcBef>
+                    <a:spcPts val="0"/>
+                  </a:spcBef>
+                  <a:spcAft>
+                    <a:spcPts val="0"/>
+                  </a:spcAft>
+                  <a:buClrTx/>
+                  <a:buSzTx/>
+                  <a:buFontTx/>
+                  <a:buNone/>
+                  <a:tabLst/>
+                  <a:defRPr/>
+                </a:pPr>
+                <a:endParaRPr kumimoji="0" lang="en-US" sz="1800" b="0" i="0" u="none" strike="noStrike" kern="0" cap="none" spc="0" normalizeH="0" baseline="0" noProof="0">
+                  <a:ln>
+                    <a:noFill/>
+                  </a:ln>
+                  <a:solidFill>
+                    <a:prstClr val="white"/>
+                  </a:solidFill>
+                  <a:effectLst/>
+                  <a:uLnTx/>
+                  <a:uFillTx/>
+                  <a:latin typeface="Calibri"/>
+                  <a:ea typeface="+mn-ea"/>
+                  <a:cs typeface="+mn-cs"/>
+                </a:endParaRPr>
+              </a:p>
+            </p:txBody>
+          </p:sp>
+          <p:cxnSp>
+            <p:nvCxnSpPr>
+              <p:cNvPr id="87" name="Straight Connector 86"/>
+              <p:cNvCxnSpPr>
+                <a:stCxn id="86" idx="0"/>
+              </p:cNvCxnSpPr>
+              <p:nvPr/>
+            </p:nvCxnSpPr>
+            <p:spPr>
+              <a:xfrm flipH="1">
+                <a:off x="7848600" y="1143000"/>
+                <a:ext cx="304800" cy="0"/>
+              </a:xfrm>
+              <a:prstGeom prst="line">
+                <a:avLst/>
+              </a:prstGeom>
+              <a:grpFill/>
+              <a:ln w="12700" cap="flat" cmpd="sng" algn="ctr">
+                <a:solidFill>
+                  <a:sysClr val="windowText" lastClr="000000"/>
+                </a:solidFill>
+                <a:prstDash val="solid"/>
+              </a:ln>
+              <a:effectLst/>
+            </p:spPr>
+          </p:cxnSp>
+          <p:cxnSp>
+            <p:nvCxnSpPr>
+              <p:cNvPr id="88" name="Straight Connector 87"/>
+              <p:cNvCxnSpPr>
+                <a:stCxn id="86" idx="0"/>
+                <a:endCxn id="86" idx="2"/>
+              </p:cNvCxnSpPr>
+              <p:nvPr/>
+            </p:nvCxnSpPr>
+            <p:spPr>
+              <a:xfrm>
+                <a:off x="8153400" y="1143000"/>
+                <a:ext cx="0" cy="381000"/>
+              </a:xfrm>
+              <a:prstGeom prst="line">
+                <a:avLst/>
+              </a:prstGeom>
+              <a:grpFill/>
+              <a:ln w="12700" cap="flat" cmpd="sng" algn="ctr">
+                <a:solidFill>
+                  <a:sysClr val="windowText" lastClr="000000"/>
+                </a:solidFill>
+                <a:prstDash val="solid"/>
+              </a:ln>
+              <a:effectLst/>
+            </p:spPr>
+          </p:cxnSp>
+          <p:cxnSp>
+            <p:nvCxnSpPr>
+              <p:cNvPr id="89" name="Straight Connector 88"/>
+              <p:cNvCxnSpPr>
+                <a:stCxn id="86" idx="2"/>
+              </p:cNvCxnSpPr>
+              <p:nvPr/>
+            </p:nvCxnSpPr>
+            <p:spPr>
+              <a:xfrm flipH="1">
+                <a:off x="7848600" y="1524000"/>
+                <a:ext cx="304800" cy="0"/>
+              </a:xfrm>
+              <a:prstGeom prst="line">
+                <a:avLst/>
+              </a:prstGeom>
+              <a:grpFill/>
+              <a:ln w="12700" cap="flat" cmpd="sng" algn="ctr">
+                <a:solidFill>
+                  <a:sysClr val="windowText" lastClr="000000"/>
+                </a:solidFill>
+                <a:prstDash val="solid"/>
+              </a:ln>
+              <a:effectLst/>
+            </p:spPr>
+          </p:cxnSp>
+        </p:grpSp>
         <p:cxnSp>
           <p:nvCxnSpPr>
-            <p:cNvPr id="83" name="Straight Connector 82"/>
+            <p:cNvPr id="21" name="Straight Arrow Connector 20"/>
             <p:cNvCxnSpPr>
-              <a:stCxn id="80" idx="2"/>
+              <a:stCxn id="22" idx="0"/>
+              <a:endCxn id="86" idx="1"/>
             </p:cNvCxnSpPr>
             <p:nvPr/>
           </p:nvCxnSpPr>
           <p:spPr>
-            <a:xfrm rot="5400000" flipH="1">
-              <a:off x="8720915" y="3505200"/>
-              <a:ext cx="304800" cy="0"/>
-            </a:xfrm>
-            <a:prstGeom prst="line">
-              <a:avLst/>
-            </a:prstGeom>
-            <a:grpFill/>
+            <a:xfrm flipV="1">
+              <a:off x="3801990" y="5247752"/>
+              <a:ext cx="1760" cy="844638"/>
+            </a:xfrm>
+            <a:prstGeom prst="straightConnector1">
+              <a:avLst/>
+            </a:prstGeom>
+            <a:noFill/>
             <a:ln w="12700" cap="flat" cmpd="sng" algn="ctr">
               <a:solidFill>
                 <a:sysClr val="windowText" lastClr="000000"/>
               </a:solidFill>
               <a:prstDash val="solid"/>
+              <a:tailEnd type="triangle"/>
             </a:ln>
             <a:effectLst/>
           </p:spPr>
         </p:cxnSp>
         <p:sp>
           <p:nvSpPr>
-            <p:cNvPr id="84" name="Rectangle 83"/>
-            <p:cNvSpPr/>
+            <p:cNvPr id="22" name="TextBox 21"/>
+            <p:cNvSpPr txBox="1"/>
             <p:nvPr/>
           </p:nvSpPr>
           <p:spPr>
-            <a:xfrm rot="5400000">
-              <a:off x="8839200" y="3844114"/>
-              <a:ext cx="304800" cy="236571"/>
+            <a:xfrm>
+              <a:off x="3084902" y="6092390"/>
+              <a:ext cx="1434175" cy="400110"/>
             </a:xfrm>
             <a:prstGeom prst="rect">
               <a:avLst/>
             </a:prstGeom>
-            <a:grpFill/>
+            <a:noFill/>
+          </p:spPr>
+          <p:txBody>
+            <a:bodyPr wrap="square" rtlCol="0">
+              <a:spAutoFit/>
+            </a:bodyPr>
+            <a:lstStyle/>
+            <a:p>
+              <a:pPr marL="0" marR="0" lvl="0" indent="0" algn="r" defTabSz="914400" eaLnBrk="1" fontAlgn="auto" latinLnBrk="0" hangingPunct="1">
+                <a:lnSpc>
+                  <a:spcPct val="100000"/>
+                </a:lnSpc>
+                <a:spcBef>
+                  <a:spcPts val="0"/>
+                </a:spcBef>
+                <a:spcAft>
+                  <a:spcPts val="0"/>
+                </a:spcAft>
+                <a:buClrTx/>
+                <a:buSzTx/>
+                <a:buFontTx/>
+                <a:buNone/>
+                <a:tabLst/>
+                <a:defRPr/>
+              </a:pPr>
+              <a:r>
+                <a:rPr kumimoji="0" lang="en-US" sz="2000" b="0" i="0" u="none" strike="noStrike" kern="0" cap="none" spc="0" normalizeH="0" baseline="0" noProof="0" dirty="0">
+                  <a:ln>
+                    <a:noFill/>
+                  </a:ln>
+                  <a:solidFill>
+                    <a:prstClr val="black"/>
+                  </a:solidFill>
+                  <a:effectLst/>
+                  <a:uLnTx/>
+                  <a:uFillTx/>
+                </a:rPr>
+                <a:t>DRAM </a:t>
+              </a:r>
+              <a:r>
+                <a:rPr kumimoji="0" lang="en-US" sz="2000" b="0" i="0" u="none" strike="noStrike" kern="0" cap="none" spc="0" normalizeH="0" baseline="0" noProof="0" dirty="0" err="1">
+                  <a:ln>
+                    <a:noFill/>
+                  </a:ln>
+                  <a:solidFill>
+                    <a:prstClr val="black"/>
+                  </a:solidFill>
+                  <a:effectLst/>
+                  <a:uLnTx/>
+                  <a:uFillTx/>
+                </a:rPr>
+                <a:t>resp</a:t>
+              </a:r>
+              <a:endParaRPr kumimoji="0" lang="en-US" sz="2000" b="0" i="0" u="none" strike="noStrike" kern="0" cap="none" spc="0" normalizeH="0" baseline="0" noProof="0" dirty="0">
+                <a:ln>
+                  <a:noFill/>
+                </a:ln>
+                <a:solidFill>
+                  <a:prstClr val="black"/>
+                </a:solidFill>
+                <a:effectLst/>
+                <a:uLnTx/>
+                <a:uFillTx/>
+              </a:endParaRPr>
+            </a:p>
+          </p:txBody>
+        </p:sp>
+        <p:sp>
+          <p:nvSpPr>
+            <p:cNvPr id="23" name="TextBox 22"/>
+            <p:cNvSpPr txBox="1"/>
+            <p:nvPr/>
+          </p:nvSpPr>
+          <p:spPr>
+            <a:xfrm>
+              <a:off x="10245489" y="6094126"/>
+              <a:ext cx="1412987" cy="400110"/>
+            </a:xfrm>
+            <a:prstGeom prst="rect">
+              <a:avLst/>
+            </a:prstGeom>
+            <a:noFill/>
+          </p:spPr>
+          <p:txBody>
+            <a:bodyPr wrap="square" rtlCol="0">
+              <a:spAutoFit/>
+            </a:bodyPr>
+            <a:lstStyle/>
+            <a:p>
+              <a:pPr marL="0" marR="0" lvl="0" indent="0" defTabSz="914400" eaLnBrk="1" fontAlgn="auto" latinLnBrk="0" hangingPunct="1">
+                <a:lnSpc>
+                  <a:spcPct val="100000"/>
+                </a:lnSpc>
+                <a:spcBef>
+                  <a:spcPts val="0"/>
+                </a:spcBef>
+                <a:spcAft>
+                  <a:spcPts val="0"/>
+                </a:spcAft>
+                <a:buClrTx/>
+                <a:buSzTx/>
+                <a:buFontTx/>
+                <a:buNone/>
+                <a:tabLst/>
+                <a:defRPr/>
+              </a:pPr>
+              <a:r>
+                <a:rPr kumimoji="0" lang="en-US" sz="2000" b="0" i="0" u="none" strike="noStrike" kern="0" cap="none" spc="0" normalizeH="0" baseline="0" noProof="0" dirty="0">
+                  <a:ln>
+                    <a:noFill/>
+                  </a:ln>
+                  <a:solidFill>
+                    <a:prstClr val="black"/>
+                  </a:solidFill>
+                  <a:effectLst/>
+                  <a:uLnTx/>
+                  <a:uFillTx/>
+                </a:rPr>
+                <a:t>DRAM </a:t>
+              </a:r>
+              <a:r>
+                <a:rPr kumimoji="0" lang="en-US" sz="2000" b="0" i="0" u="none" strike="noStrike" kern="0" cap="none" spc="0" normalizeH="0" baseline="0" noProof="0" dirty="0" err="1">
+                  <a:ln>
+                    <a:noFill/>
+                  </a:ln>
+                  <a:solidFill>
+                    <a:prstClr val="black"/>
+                  </a:solidFill>
+                  <a:effectLst/>
+                  <a:uLnTx/>
+                  <a:uFillTx/>
+                </a:rPr>
+                <a:t>req</a:t>
+              </a:r>
+              <a:endParaRPr kumimoji="0" lang="en-US" sz="2000" b="0" i="0" u="none" strike="noStrike" kern="0" cap="none" spc="0" normalizeH="0" baseline="0" noProof="0" dirty="0">
+                <a:ln>
+                  <a:noFill/>
+                </a:ln>
+                <a:solidFill>
+                  <a:prstClr val="black"/>
+                </a:solidFill>
+                <a:effectLst/>
+                <a:uLnTx/>
+                <a:uFillTx/>
+              </a:endParaRPr>
+            </a:p>
+          </p:txBody>
+        </p:sp>
+        <p:grpSp>
+          <p:nvGrpSpPr>
+            <p:cNvPr id="24" name="Group 23"/>
+            <p:cNvGrpSpPr/>
+            <p:nvPr/>
+          </p:nvGrpSpPr>
+          <p:grpSpPr>
+            <a:xfrm rot="16200000">
+              <a:off x="9194083" y="4334634"/>
+              <a:ext cx="260230" cy="762000"/>
+              <a:chOff x="8873314" y="3352800"/>
+              <a:chExt cx="236572" cy="762000"/>
+            </a:xfrm>
+            <a:solidFill>
+              <a:srgbClr val="FCD5B5"/>
+            </a:solidFill>
+          </p:grpSpPr>
+          <p:sp>
+            <p:nvSpPr>
+              <p:cNvPr id="80" name="Rectangle 79"/>
+              <p:cNvSpPr/>
+              <p:nvPr/>
+            </p:nvSpPr>
+            <p:spPr>
+              <a:xfrm rot="5400000">
+                <a:off x="8839200" y="3539314"/>
+                <a:ext cx="304800" cy="236571"/>
+              </a:xfrm>
+              <a:prstGeom prst="rect">
+                <a:avLst/>
+              </a:prstGeom>
+              <a:grpFill/>
+              <a:ln w="12700" cap="flat" cmpd="sng" algn="ctr">
+                <a:solidFill>
+                  <a:sysClr val="windowText" lastClr="000000"/>
+                </a:solidFill>
+                <a:prstDash val="solid"/>
+              </a:ln>
+              <a:effectLst/>
+            </p:spPr>
+            <p:txBody>
+              <a:bodyPr rtlCol="0" anchor="ctr"/>
+              <a:lstStyle/>
+              <a:p>
+                <a:pPr marL="0" marR="0" lvl="0" indent="0" algn="ctr" defTabSz="914400" eaLnBrk="1" fontAlgn="auto" latinLnBrk="0" hangingPunct="1">
+                  <a:lnSpc>
+                    <a:spcPct val="100000"/>
+                  </a:lnSpc>
+                  <a:spcBef>
+                    <a:spcPts val="0"/>
+                  </a:spcBef>
+                  <a:spcAft>
+                    <a:spcPts val="0"/>
+                  </a:spcAft>
+                  <a:buClrTx/>
+                  <a:buSzTx/>
+                  <a:buFontTx/>
+                  <a:buNone/>
+                  <a:tabLst/>
+                  <a:defRPr/>
+                </a:pPr>
+                <a:endParaRPr kumimoji="0" lang="en-US" sz="1800" b="0" i="0" u="none" strike="noStrike" kern="0" cap="none" spc="0" normalizeH="0" baseline="0" noProof="0">
+                  <a:ln>
+                    <a:noFill/>
+                  </a:ln>
+                  <a:solidFill>
+                    <a:prstClr val="white"/>
+                  </a:solidFill>
+                  <a:effectLst/>
+                  <a:uLnTx/>
+                  <a:uFillTx/>
+                  <a:latin typeface="Calibri"/>
+                  <a:ea typeface="+mn-ea"/>
+                  <a:cs typeface="+mn-cs"/>
+                </a:endParaRPr>
+              </a:p>
+            </p:txBody>
+          </p:sp>
+          <p:cxnSp>
+            <p:nvCxnSpPr>
+              <p:cNvPr id="81" name="Straight Connector 80"/>
+              <p:cNvCxnSpPr>
+                <a:stCxn id="80" idx="0"/>
+              </p:cNvCxnSpPr>
+              <p:nvPr/>
+            </p:nvCxnSpPr>
+            <p:spPr>
+              <a:xfrm rot="5400000" flipH="1">
+                <a:off x="8957486" y="3505200"/>
+                <a:ext cx="304800" cy="0"/>
+              </a:xfrm>
+              <a:prstGeom prst="line">
+                <a:avLst/>
+              </a:prstGeom>
+              <a:grpFill/>
+              <a:ln w="12700" cap="flat" cmpd="sng" algn="ctr">
+                <a:solidFill>
+                  <a:sysClr val="windowText" lastClr="000000"/>
+                </a:solidFill>
+                <a:prstDash val="solid"/>
+              </a:ln>
+              <a:effectLst/>
+            </p:spPr>
+          </p:cxnSp>
+          <p:cxnSp>
+            <p:nvCxnSpPr>
+              <p:cNvPr id="82" name="Straight Connector 81"/>
+              <p:cNvCxnSpPr>
+                <a:stCxn id="80" idx="0"/>
+                <a:endCxn id="80" idx="2"/>
+              </p:cNvCxnSpPr>
+              <p:nvPr/>
+            </p:nvCxnSpPr>
+            <p:spPr>
+              <a:xfrm rot="5400000">
+                <a:off x="8991600" y="3539314"/>
+                <a:ext cx="0" cy="236571"/>
+              </a:xfrm>
+              <a:prstGeom prst="line">
+                <a:avLst/>
+              </a:prstGeom>
+              <a:grpFill/>
+              <a:ln w="12700" cap="flat" cmpd="sng" algn="ctr">
+                <a:solidFill>
+                  <a:sysClr val="windowText" lastClr="000000"/>
+                </a:solidFill>
+                <a:prstDash val="solid"/>
+              </a:ln>
+              <a:effectLst/>
+            </p:spPr>
+          </p:cxnSp>
+          <p:cxnSp>
+            <p:nvCxnSpPr>
+              <p:cNvPr id="83" name="Straight Connector 82"/>
+              <p:cNvCxnSpPr>
+                <a:stCxn id="80" idx="2"/>
+              </p:cNvCxnSpPr>
+              <p:nvPr/>
+            </p:nvCxnSpPr>
+            <p:spPr>
+              <a:xfrm rot="5400000" flipH="1">
+                <a:off x="8720915" y="3505200"/>
+                <a:ext cx="304800" cy="0"/>
+              </a:xfrm>
+              <a:prstGeom prst="line">
+                <a:avLst/>
+              </a:prstGeom>
+              <a:grpFill/>
+              <a:ln w="12700" cap="flat" cmpd="sng" algn="ctr">
+                <a:solidFill>
+                  <a:sysClr val="windowText" lastClr="000000"/>
+                </a:solidFill>
+                <a:prstDash val="solid"/>
+              </a:ln>
+              <a:effectLst/>
+            </p:spPr>
+          </p:cxnSp>
+          <p:sp>
+            <p:nvSpPr>
+              <p:cNvPr id="84" name="Rectangle 83"/>
+              <p:cNvSpPr/>
+              <p:nvPr/>
+            </p:nvSpPr>
+            <p:spPr>
+              <a:xfrm rot="5400000">
+                <a:off x="8839200" y="3844114"/>
+                <a:ext cx="304800" cy="236571"/>
+              </a:xfrm>
+              <a:prstGeom prst="rect">
+                <a:avLst/>
+              </a:prstGeom>
+              <a:grpFill/>
+              <a:ln w="12700" cap="flat" cmpd="sng" algn="ctr">
+                <a:solidFill>
+                  <a:sysClr val="windowText" lastClr="000000"/>
+                </a:solidFill>
+                <a:prstDash val="solid"/>
+              </a:ln>
+              <a:effectLst/>
+            </p:spPr>
+            <p:txBody>
+              <a:bodyPr rtlCol="0" anchor="ctr"/>
+              <a:lstStyle/>
+              <a:p>
+                <a:pPr marL="0" marR="0" lvl="0" indent="0" algn="ctr" defTabSz="914400" eaLnBrk="1" fontAlgn="auto" latinLnBrk="0" hangingPunct="1">
+                  <a:lnSpc>
+                    <a:spcPct val="100000"/>
+                  </a:lnSpc>
+                  <a:spcBef>
+                    <a:spcPts val="0"/>
+                  </a:spcBef>
+                  <a:spcAft>
+                    <a:spcPts val="0"/>
+                  </a:spcAft>
+                  <a:buClrTx/>
+                  <a:buSzTx/>
+                  <a:buFontTx/>
+                  <a:buNone/>
+                  <a:tabLst/>
+                  <a:defRPr/>
+                </a:pPr>
+                <a:endParaRPr kumimoji="0" lang="en-US" sz="1800" b="0" i="0" u="none" strike="noStrike" kern="0" cap="none" spc="0" normalizeH="0" baseline="0" noProof="0">
+                  <a:ln>
+                    <a:noFill/>
+                  </a:ln>
+                  <a:solidFill>
+                    <a:prstClr val="white"/>
+                  </a:solidFill>
+                  <a:effectLst/>
+                  <a:uLnTx/>
+                  <a:uFillTx/>
+                  <a:latin typeface="Calibri"/>
+                  <a:ea typeface="+mn-ea"/>
+                  <a:cs typeface="+mn-cs"/>
+                </a:endParaRPr>
+              </a:p>
+            </p:txBody>
+          </p:sp>
+          <p:cxnSp>
+            <p:nvCxnSpPr>
+              <p:cNvPr id="85" name="Straight Connector 84"/>
+              <p:cNvCxnSpPr>
+                <a:stCxn id="84" idx="0"/>
+                <a:endCxn id="84" idx="2"/>
+              </p:cNvCxnSpPr>
+              <p:nvPr/>
+            </p:nvCxnSpPr>
+            <p:spPr>
+              <a:xfrm rot="5400000">
+                <a:off x="8991600" y="3844114"/>
+                <a:ext cx="0" cy="236571"/>
+              </a:xfrm>
+              <a:prstGeom prst="line">
+                <a:avLst/>
+              </a:prstGeom>
+              <a:grpFill/>
+              <a:ln w="12700" cap="flat" cmpd="sng" algn="ctr">
+                <a:solidFill>
+                  <a:sysClr val="windowText" lastClr="000000"/>
+                </a:solidFill>
+                <a:prstDash val="solid"/>
+              </a:ln>
+              <a:effectLst/>
+            </p:spPr>
+          </p:cxnSp>
+        </p:grpSp>
+        <p:cxnSp>
+          <p:nvCxnSpPr>
+            <p:cNvPr id="25" name="Straight Arrow Connector 24"/>
+            <p:cNvCxnSpPr>
+              <a:stCxn id="84" idx="3"/>
+              <a:endCxn id="45" idx="2"/>
+            </p:cNvCxnSpPr>
+            <p:nvPr/>
+          </p:nvCxnSpPr>
+          <p:spPr>
+            <a:xfrm flipV="1">
+              <a:off x="9705198" y="4714462"/>
+              <a:ext cx="412478" cy="1173"/>
+            </a:xfrm>
+            <a:prstGeom prst="straightConnector1">
+              <a:avLst/>
+            </a:prstGeom>
+            <a:noFill/>
             <a:ln w="12700" cap="flat" cmpd="sng" algn="ctr">
               <a:solidFill>
                 <a:sysClr val="windowText" lastClr="000000"/>
               </a:solidFill>
               <a:prstDash val="solid"/>
+              <a:tailEnd type="triangle"/>
             </a:ln>
             <a:effectLst/>
           </p:spPr>
+        </p:cxnSp>
+        <p:grpSp>
+          <p:nvGrpSpPr>
+            <p:cNvPr id="26" name="Group 25"/>
+            <p:cNvGrpSpPr/>
+            <p:nvPr/>
+          </p:nvGrpSpPr>
+          <p:grpSpPr>
+            <a:xfrm rot="16200000" flipH="1">
+              <a:off x="9184902" y="2704315"/>
+              <a:ext cx="236573" cy="762000"/>
+              <a:chOff x="8773798" y="1360549"/>
+              <a:chExt cx="236572" cy="762000"/>
+            </a:xfrm>
+            <a:solidFill>
+              <a:srgbClr val="FCD5B5"/>
+            </a:solidFill>
+          </p:grpSpPr>
+          <p:sp>
+            <p:nvSpPr>
+              <p:cNvPr id="74" name="Rectangle 73"/>
+              <p:cNvSpPr/>
+              <p:nvPr/>
+            </p:nvSpPr>
+            <p:spPr>
+              <a:xfrm rot="5400000">
+                <a:off x="8739684" y="1547063"/>
+                <a:ext cx="304800" cy="236571"/>
+              </a:xfrm>
+              <a:prstGeom prst="rect">
+                <a:avLst/>
+              </a:prstGeom>
+              <a:grpFill/>
+              <a:ln w="12700" cap="flat" cmpd="sng" algn="ctr">
+                <a:solidFill>
+                  <a:sysClr val="windowText" lastClr="000000"/>
+                </a:solidFill>
+                <a:prstDash val="solid"/>
+              </a:ln>
+              <a:effectLst/>
+            </p:spPr>
+            <p:txBody>
+              <a:bodyPr rtlCol="0" anchor="ctr"/>
+              <a:lstStyle/>
+              <a:p>
+                <a:pPr marL="0" marR="0" lvl="0" indent="0" algn="ctr" defTabSz="914400" eaLnBrk="1" fontAlgn="auto" latinLnBrk="0" hangingPunct="1">
+                  <a:lnSpc>
+                    <a:spcPct val="100000"/>
+                  </a:lnSpc>
+                  <a:spcBef>
+                    <a:spcPts val="0"/>
+                  </a:spcBef>
+                  <a:spcAft>
+                    <a:spcPts val="0"/>
+                  </a:spcAft>
+                  <a:buClrTx/>
+                  <a:buSzTx/>
+                  <a:buFontTx/>
+                  <a:buNone/>
+                  <a:tabLst/>
+                  <a:defRPr/>
+                </a:pPr>
+                <a:endParaRPr kumimoji="0" lang="en-US" sz="1800" b="0" i="0" u="none" strike="noStrike" kern="0" cap="none" spc="0" normalizeH="0" baseline="0" noProof="0">
+                  <a:ln>
+                    <a:noFill/>
+                  </a:ln>
+                  <a:solidFill>
+                    <a:prstClr val="white"/>
+                  </a:solidFill>
+                  <a:effectLst/>
+                  <a:uLnTx/>
+                  <a:uFillTx/>
+                  <a:latin typeface="Calibri"/>
+                  <a:ea typeface="+mn-ea"/>
+                  <a:cs typeface="+mn-cs"/>
+                </a:endParaRPr>
+              </a:p>
+            </p:txBody>
+          </p:sp>
+          <p:cxnSp>
+            <p:nvCxnSpPr>
+              <p:cNvPr id="75" name="Straight Connector 74"/>
+              <p:cNvCxnSpPr>
+                <a:stCxn id="74" idx="0"/>
+              </p:cNvCxnSpPr>
+              <p:nvPr/>
+            </p:nvCxnSpPr>
+            <p:spPr>
+              <a:xfrm rot="5400000" flipH="1">
+                <a:off x="8857970" y="1512949"/>
+                <a:ext cx="304800" cy="0"/>
+              </a:xfrm>
+              <a:prstGeom prst="line">
+                <a:avLst/>
+              </a:prstGeom>
+              <a:grpFill/>
+              <a:ln w="12700" cap="flat" cmpd="sng" algn="ctr">
+                <a:solidFill>
+                  <a:sysClr val="windowText" lastClr="000000"/>
+                </a:solidFill>
+                <a:prstDash val="solid"/>
+              </a:ln>
+              <a:effectLst/>
+            </p:spPr>
+          </p:cxnSp>
+          <p:cxnSp>
+            <p:nvCxnSpPr>
+              <p:cNvPr id="76" name="Straight Connector 75"/>
+              <p:cNvCxnSpPr>
+                <a:stCxn id="74" idx="0"/>
+                <a:endCxn id="74" idx="2"/>
+              </p:cNvCxnSpPr>
+              <p:nvPr/>
+            </p:nvCxnSpPr>
+            <p:spPr>
+              <a:xfrm rot="5400000">
+                <a:off x="8892084" y="1547063"/>
+                <a:ext cx="0" cy="236571"/>
+              </a:xfrm>
+              <a:prstGeom prst="line">
+                <a:avLst/>
+              </a:prstGeom>
+              <a:grpFill/>
+              <a:ln w="12700" cap="flat" cmpd="sng" algn="ctr">
+                <a:solidFill>
+                  <a:sysClr val="windowText" lastClr="000000"/>
+                </a:solidFill>
+                <a:prstDash val="solid"/>
+              </a:ln>
+              <a:effectLst/>
+            </p:spPr>
+          </p:cxnSp>
+          <p:cxnSp>
+            <p:nvCxnSpPr>
+              <p:cNvPr id="77" name="Straight Connector 76"/>
+              <p:cNvCxnSpPr>
+                <a:stCxn id="74" idx="2"/>
+              </p:cNvCxnSpPr>
+              <p:nvPr/>
+            </p:nvCxnSpPr>
+            <p:spPr>
+              <a:xfrm rot="5400000" flipH="1">
+                <a:off x="8621399" y="1512949"/>
+                <a:ext cx="304800" cy="0"/>
+              </a:xfrm>
+              <a:prstGeom prst="line">
+                <a:avLst/>
+              </a:prstGeom>
+              <a:grpFill/>
+              <a:ln w="12700" cap="flat" cmpd="sng" algn="ctr">
+                <a:solidFill>
+                  <a:sysClr val="windowText" lastClr="000000"/>
+                </a:solidFill>
+                <a:prstDash val="solid"/>
+              </a:ln>
+              <a:effectLst/>
+            </p:spPr>
+          </p:cxnSp>
+          <p:sp>
+            <p:nvSpPr>
+              <p:cNvPr id="78" name="Rectangle 77"/>
+              <p:cNvSpPr/>
+              <p:nvPr/>
+            </p:nvSpPr>
+            <p:spPr>
+              <a:xfrm rot="5400000">
+                <a:off x="8739684" y="1851863"/>
+                <a:ext cx="304800" cy="236571"/>
+              </a:xfrm>
+              <a:prstGeom prst="rect">
+                <a:avLst/>
+              </a:prstGeom>
+              <a:grpFill/>
+              <a:ln w="12700" cap="flat" cmpd="sng" algn="ctr">
+                <a:solidFill>
+                  <a:sysClr val="windowText" lastClr="000000"/>
+                </a:solidFill>
+                <a:prstDash val="solid"/>
+              </a:ln>
+              <a:effectLst/>
+            </p:spPr>
+            <p:txBody>
+              <a:bodyPr rtlCol="0" anchor="ctr"/>
+              <a:lstStyle/>
+              <a:p>
+                <a:pPr marL="0" marR="0" lvl="0" indent="0" algn="ctr" defTabSz="914400" eaLnBrk="1" fontAlgn="auto" latinLnBrk="0" hangingPunct="1">
+                  <a:lnSpc>
+                    <a:spcPct val="100000"/>
+                  </a:lnSpc>
+                  <a:spcBef>
+                    <a:spcPts val="0"/>
+                  </a:spcBef>
+                  <a:spcAft>
+                    <a:spcPts val="0"/>
+                  </a:spcAft>
+                  <a:buClrTx/>
+                  <a:buSzTx/>
+                  <a:buFontTx/>
+                  <a:buNone/>
+                  <a:tabLst/>
+                  <a:defRPr/>
+                </a:pPr>
+                <a:endParaRPr kumimoji="0" lang="en-US" sz="1800" b="0" i="0" u="none" strike="noStrike" kern="0" cap="none" spc="0" normalizeH="0" baseline="0" noProof="0">
+                  <a:ln>
+                    <a:noFill/>
+                  </a:ln>
+                  <a:solidFill>
+                    <a:prstClr val="white"/>
+                  </a:solidFill>
+                  <a:effectLst/>
+                  <a:uLnTx/>
+                  <a:uFillTx/>
+                  <a:latin typeface="Calibri"/>
+                  <a:ea typeface="+mn-ea"/>
+                  <a:cs typeface="+mn-cs"/>
+                </a:endParaRPr>
+              </a:p>
+            </p:txBody>
+          </p:sp>
+          <p:cxnSp>
+            <p:nvCxnSpPr>
+              <p:cNvPr id="79" name="Straight Connector 78"/>
+              <p:cNvCxnSpPr>
+                <a:stCxn id="78" idx="0"/>
+                <a:endCxn id="78" idx="2"/>
+              </p:cNvCxnSpPr>
+              <p:nvPr/>
+            </p:nvCxnSpPr>
+            <p:spPr>
+              <a:xfrm rot="5400000">
+                <a:off x="8892084" y="1851863"/>
+                <a:ext cx="0" cy="236571"/>
+              </a:xfrm>
+              <a:prstGeom prst="line">
+                <a:avLst/>
+              </a:prstGeom>
+              <a:grpFill/>
+              <a:ln w="12700" cap="flat" cmpd="sng" algn="ctr">
+                <a:solidFill>
+                  <a:sysClr val="windowText" lastClr="000000"/>
+                </a:solidFill>
+                <a:prstDash val="solid"/>
+              </a:ln>
+              <a:effectLst/>
+            </p:spPr>
+          </p:cxnSp>
+        </p:grpSp>
+        <p:cxnSp>
+          <p:nvCxnSpPr>
+            <p:cNvPr id="27" name="Elbow Connector 26"/>
+            <p:cNvCxnSpPr>
+              <a:stCxn id="16" idx="3"/>
+              <a:endCxn id="74" idx="1"/>
+            </p:cNvCxnSpPr>
+            <p:nvPr/>
+          </p:nvCxnSpPr>
+          <p:spPr>
+            <a:xfrm rot="5400000" flipH="1" flipV="1">
+              <a:off x="8678028" y="3271058"/>
+              <a:ext cx="582302" cy="210817"/>
+            </a:xfrm>
+            <a:prstGeom prst="bentConnector2">
+              <a:avLst/>
+            </a:prstGeom>
+            <a:noFill/>
+            <a:ln w="12700" cap="flat" cmpd="sng" algn="ctr">
+              <a:solidFill>
+                <a:sysClr val="windowText" lastClr="000000"/>
+              </a:solidFill>
+              <a:prstDash val="solid"/>
+              <a:tailEnd type="triangle"/>
+            </a:ln>
+            <a:effectLst/>
+          </p:spPr>
+        </p:cxnSp>
+        <p:cxnSp>
+          <p:nvCxnSpPr>
+            <p:cNvPr id="28" name="Straight Arrow Connector 27"/>
+            <p:cNvCxnSpPr>
+              <a:stCxn id="78" idx="3"/>
+              <a:endCxn id="37" idx="2"/>
+            </p:cNvCxnSpPr>
+            <p:nvPr/>
+          </p:nvCxnSpPr>
+          <p:spPr>
+            <a:xfrm flipV="1">
+              <a:off x="9684188" y="3082958"/>
+              <a:ext cx="419755" cy="2357"/>
+            </a:xfrm>
+            <a:prstGeom prst="straightConnector1">
+              <a:avLst/>
+            </a:prstGeom>
+            <a:noFill/>
+            <a:ln w="12700" cap="flat" cmpd="sng" algn="ctr">
+              <a:solidFill>
+                <a:sysClr val="windowText" lastClr="000000"/>
+              </a:solidFill>
+              <a:prstDash val="solid"/>
+              <a:tailEnd type="triangle"/>
+            </a:ln>
+            <a:effectLst/>
+          </p:spPr>
+        </p:cxnSp>
+        <p:grpSp>
+          <p:nvGrpSpPr>
+            <p:cNvPr id="29" name="Group 28"/>
+            <p:cNvGrpSpPr/>
+            <p:nvPr/>
+          </p:nvGrpSpPr>
+          <p:grpSpPr>
+            <a:xfrm rot="16200000">
+              <a:off x="10543747" y="1314004"/>
+              <a:ext cx="457200" cy="674967"/>
+              <a:chOff x="7848600" y="1143000"/>
+              <a:chExt cx="457200" cy="381000"/>
+            </a:xfrm>
+            <a:solidFill>
+              <a:srgbClr val="FCD5B5"/>
+            </a:solidFill>
+          </p:grpSpPr>
+          <p:sp>
+            <p:nvSpPr>
+              <p:cNvPr id="70" name="Rectangle 69"/>
+              <p:cNvSpPr/>
+              <p:nvPr/>
+            </p:nvSpPr>
+            <p:spPr>
+              <a:xfrm>
+                <a:off x="8001000" y="1143000"/>
+                <a:ext cx="304800" cy="381000"/>
+              </a:xfrm>
+              <a:prstGeom prst="rect">
+                <a:avLst/>
+              </a:prstGeom>
+              <a:grpFill/>
+              <a:ln w="12700" cap="flat" cmpd="sng" algn="ctr">
+                <a:solidFill>
+                  <a:sysClr val="windowText" lastClr="000000"/>
+                </a:solidFill>
+                <a:prstDash val="solid"/>
+              </a:ln>
+              <a:effectLst/>
+            </p:spPr>
+            <p:txBody>
+              <a:bodyPr rtlCol="0" anchor="ctr"/>
+              <a:lstStyle/>
+              <a:p>
+                <a:pPr marL="0" marR="0" lvl="0" indent="0" algn="ctr" defTabSz="914400" eaLnBrk="1" fontAlgn="auto" latinLnBrk="0" hangingPunct="1">
+                  <a:lnSpc>
+                    <a:spcPct val="100000"/>
+                  </a:lnSpc>
+                  <a:spcBef>
+                    <a:spcPts val="0"/>
+                  </a:spcBef>
+                  <a:spcAft>
+                    <a:spcPts val="0"/>
+                  </a:spcAft>
+                  <a:buClrTx/>
+                  <a:buSzTx/>
+                  <a:buFontTx/>
+                  <a:buNone/>
+                  <a:tabLst/>
+                  <a:defRPr/>
+                </a:pPr>
+                <a:endParaRPr kumimoji="0" lang="en-US" sz="1800" b="0" i="0" u="none" strike="noStrike" kern="0" cap="none" spc="0" normalizeH="0" baseline="0" noProof="0">
+                  <a:ln>
+                    <a:noFill/>
+                  </a:ln>
+                  <a:solidFill>
+                    <a:prstClr val="white"/>
+                  </a:solidFill>
+                  <a:effectLst/>
+                  <a:uLnTx/>
+                  <a:uFillTx/>
+                  <a:latin typeface="Calibri"/>
+                  <a:ea typeface="+mn-ea"/>
+                  <a:cs typeface="+mn-cs"/>
+                </a:endParaRPr>
+              </a:p>
+            </p:txBody>
+          </p:sp>
+          <p:cxnSp>
+            <p:nvCxnSpPr>
+              <p:cNvPr id="71" name="Straight Connector 70"/>
+              <p:cNvCxnSpPr>
+                <a:stCxn id="70" idx="0"/>
+              </p:cNvCxnSpPr>
+              <p:nvPr/>
+            </p:nvCxnSpPr>
+            <p:spPr>
+              <a:xfrm flipH="1">
+                <a:off x="7848600" y="1143000"/>
+                <a:ext cx="304800" cy="0"/>
+              </a:xfrm>
+              <a:prstGeom prst="line">
+                <a:avLst/>
+              </a:prstGeom>
+              <a:grpFill/>
+              <a:ln w="12700" cap="flat" cmpd="sng" algn="ctr">
+                <a:solidFill>
+                  <a:sysClr val="windowText" lastClr="000000"/>
+                </a:solidFill>
+                <a:prstDash val="solid"/>
+              </a:ln>
+              <a:effectLst/>
+            </p:spPr>
+          </p:cxnSp>
+          <p:cxnSp>
+            <p:nvCxnSpPr>
+              <p:cNvPr id="72" name="Straight Connector 71"/>
+              <p:cNvCxnSpPr>
+                <a:stCxn id="70" idx="0"/>
+                <a:endCxn id="70" idx="2"/>
+              </p:cNvCxnSpPr>
+              <p:nvPr/>
+            </p:nvCxnSpPr>
+            <p:spPr>
+              <a:xfrm>
+                <a:off x="8153400" y="1143000"/>
+                <a:ext cx="0" cy="381000"/>
+              </a:xfrm>
+              <a:prstGeom prst="line">
+                <a:avLst/>
+              </a:prstGeom>
+              <a:grpFill/>
+              <a:ln w="12700" cap="flat" cmpd="sng" algn="ctr">
+                <a:solidFill>
+                  <a:sysClr val="windowText" lastClr="000000"/>
+                </a:solidFill>
+                <a:prstDash val="solid"/>
+              </a:ln>
+              <a:effectLst/>
+            </p:spPr>
+          </p:cxnSp>
+          <p:cxnSp>
+            <p:nvCxnSpPr>
+              <p:cNvPr id="73" name="Straight Connector 72"/>
+              <p:cNvCxnSpPr>
+                <a:stCxn id="70" idx="2"/>
+              </p:cNvCxnSpPr>
+              <p:nvPr/>
+            </p:nvCxnSpPr>
+            <p:spPr>
+              <a:xfrm flipH="1">
+                <a:off x="7848600" y="1524000"/>
+                <a:ext cx="304800" cy="0"/>
+              </a:xfrm>
+              <a:prstGeom prst="line">
+                <a:avLst/>
+              </a:prstGeom>
+              <a:grpFill/>
+              <a:ln w="12700" cap="flat" cmpd="sng" algn="ctr">
+                <a:solidFill>
+                  <a:sysClr val="windowText" lastClr="000000"/>
+                </a:solidFill>
+                <a:prstDash val="solid"/>
+              </a:ln>
+              <a:effectLst/>
+            </p:spPr>
+          </p:cxnSp>
+        </p:grpSp>
+        <p:sp>
+          <p:nvSpPr>
+            <p:cNvPr id="30" name="TextBox 29"/>
+            <p:cNvSpPr txBox="1"/>
+            <p:nvPr/>
+          </p:nvSpPr>
+          <p:spPr>
+            <a:xfrm>
+              <a:off x="6698362" y="2838425"/>
+              <a:ext cx="2152444" cy="707886"/>
+            </a:xfrm>
+            <a:prstGeom prst="rect">
+              <a:avLst/>
+            </a:prstGeom>
+            <a:noFill/>
+          </p:spPr>
           <p:txBody>
-            <a:bodyPr rtlCol="0" anchor="ctr"/>
+            <a:bodyPr wrap="square" rtlCol="0">
+              <a:spAutoFit/>
+            </a:bodyPr>
+            <a:lstStyle/>
+            <a:p>
+              <a:pPr marL="0" marR="0" lvl="0" indent="0" algn="r" defTabSz="914400" eaLnBrk="1" fontAlgn="auto" latinLnBrk="0" hangingPunct="1">
+                <a:lnSpc>
+                  <a:spcPct val="100000"/>
+                </a:lnSpc>
+                <a:spcBef>
+                  <a:spcPts val="0"/>
+                </a:spcBef>
+                <a:spcAft>
+                  <a:spcPts val="0"/>
+                </a:spcAft>
+                <a:buClrTx/>
+                <a:buSzTx/>
+                <a:buFontTx/>
+                <a:buNone/>
+                <a:tabLst/>
+                <a:defRPr/>
+              </a:pPr>
+              <a:r>
+                <a:rPr kumimoji="0" lang="en-US" sz="2000" b="0" i="0" u="none" strike="noStrike" kern="0" cap="none" spc="0" normalizeH="0" baseline="0" noProof="0" dirty="0" smtClean="0">
+                  <a:ln>
+                    <a:noFill/>
+                  </a:ln>
+                  <a:solidFill>
+                    <a:prstClr val="black"/>
+                  </a:solidFill>
+                  <a:effectLst/>
+                  <a:uLnTx/>
+                  <a:uFillTx/>
+                </a:rPr>
+                <a:t>MSHR index to send upgrade </a:t>
+              </a:r>
+              <a:r>
+                <a:rPr kumimoji="0" lang="en-US" sz="2000" b="0" i="0" u="none" strike="noStrike" kern="0" cap="none" spc="0" normalizeH="0" baseline="0" noProof="0" dirty="0" err="1">
+                  <a:ln>
+                    <a:noFill/>
+                  </a:ln>
+                  <a:solidFill>
+                    <a:prstClr val="black"/>
+                  </a:solidFill>
+                  <a:effectLst/>
+                  <a:uLnTx/>
+                  <a:uFillTx/>
+                </a:rPr>
+                <a:t>resp</a:t>
+              </a:r>
+              <a:endParaRPr kumimoji="0" lang="en-US" sz="2000" b="0" i="0" u="none" strike="noStrike" kern="0" cap="none" spc="0" normalizeH="0" baseline="0" noProof="0" dirty="0">
+                <a:ln>
+                  <a:noFill/>
+                </a:ln>
+                <a:solidFill>
+                  <a:prstClr val="black"/>
+                </a:solidFill>
+                <a:effectLst/>
+                <a:uLnTx/>
+                <a:uFillTx/>
+              </a:endParaRPr>
+            </a:p>
+          </p:txBody>
+        </p:sp>
+        <p:sp>
+          <p:nvSpPr>
+            <p:cNvPr id="31" name="TextBox 30"/>
+            <p:cNvSpPr txBox="1"/>
+            <p:nvPr/>
+          </p:nvSpPr>
+          <p:spPr>
+            <a:xfrm>
+              <a:off x="8475296" y="1789646"/>
+              <a:ext cx="2159859" cy="400110"/>
+            </a:xfrm>
+            <a:prstGeom prst="rect">
+              <a:avLst/>
+            </a:prstGeom>
+            <a:noFill/>
+          </p:spPr>
+          <p:txBody>
+            <a:bodyPr wrap="square" rtlCol="0">
+              <a:spAutoFit/>
+            </a:bodyPr>
             <a:lstStyle/>
             <a:p>
               <a:pPr marL="0" marR="0" lvl="0" indent="0" algn="ctr" defTabSz="914400" eaLnBrk="1" fontAlgn="auto" latinLnBrk="0" hangingPunct="1">
@@ -15645,580 +16318,35 @@
                 <a:tabLst/>
                 <a:defRPr/>
               </a:pPr>
-              <a:endParaRPr kumimoji="0" lang="en-US" sz="1800" b="0" i="0" u="none" strike="noStrike" kern="0" cap="none" spc="0" normalizeH="0" baseline="0" noProof="0">
-                <a:ln>
-                  <a:noFill/>
-                </a:ln>
-                <a:solidFill>
-                  <a:prstClr val="white"/>
-                </a:solidFill>
-                <a:effectLst/>
-                <a:uLnTx/>
-                <a:uFillTx/>
-                <a:latin typeface="Calibri"/>
-                <a:ea typeface="+mn-ea"/>
-                <a:cs typeface="+mn-cs"/>
-              </a:endParaRPr>
-            </a:p>
-          </p:txBody>
-        </p:sp>
-        <p:cxnSp>
-          <p:nvCxnSpPr>
-            <p:cNvPr id="85" name="Straight Connector 84"/>
-            <p:cNvCxnSpPr>
-              <a:stCxn id="84" idx="0"/>
-              <a:endCxn id="84" idx="2"/>
-            </p:cNvCxnSpPr>
-            <p:nvPr/>
-          </p:nvCxnSpPr>
-          <p:spPr>
-            <a:xfrm rot="5400000">
-              <a:off x="8991600" y="3844114"/>
-              <a:ext cx="0" cy="236571"/>
-            </a:xfrm>
-            <a:prstGeom prst="line">
-              <a:avLst/>
-            </a:prstGeom>
-            <a:grpFill/>
-            <a:ln w="12700" cap="flat" cmpd="sng" algn="ctr">
-              <a:solidFill>
-                <a:sysClr val="windowText" lastClr="000000"/>
-              </a:solidFill>
-              <a:prstDash val="solid"/>
-            </a:ln>
-            <a:effectLst/>
-          </p:spPr>
-        </p:cxnSp>
-      </p:grpSp>
-      <p:cxnSp>
-        <p:nvCxnSpPr>
-          <p:cNvPr id="25" name="Straight Arrow Connector 24"/>
-          <p:cNvCxnSpPr>
-            <a:stCxn id="84" idx="3"/>
-            <a:endCxn id="45" idx="2"/>
-          </p:cNvCxnSpPr>
-          <p:nvPr/>
-        </p:nvCxnSpPr>
-        <p:spPr>
-          <a:xfrm flipV="1">
-            <a:off x="9705198" y="4714462"/>
-            <a:ext cx="412478" cy="1172"/>
-          </a:xfrm>
-          <a:prstGeom prst="straightConnector1">
-            <a:avLst/>
-          </a:prstGeom>
-          <a:noFill/>
-          <a:ln w="12700" cap="flat" cmpd="sng" algn="ctr">
-            <a:solidFill>
-              <a:sysClr val="windowText" lastClr="000000"/>
-            </a:solidFill>
-            <a:prstDash val="solid"/>
-            <a:tailEnd type="triangle"/>
-          </a:ln>
-          <a:effectLst/>
-        </p:spPr>
-      </p:cxnSp>
-      <p:grpSp>
-        <p:nvGrpSpPr>
-          <p:cNvPr id="26" name="Group 25"/>
-          <p:cNvGrpSpPr/>
-          <p:nvPr/>
-        </p:nvGrpSpPr>
-        <p:grpSpPr>
-          <a:xfrm rot="16200000" flipH="1">
-            <a:off x="9072682" y="2704315"/>
-            <a:ext cx="461013" cy="762000"/>
-            <a:chOff x="8773798" y="1360549"/>
-            <a:chExt cx="236572" cy="762000"/>
-          </a:xfrm>
-          <a:solidFill>
-            <a:srgbClr val="FCD5B5"/>
-          </a:solidFill>
-        </p:grpSpPr>
-        <p:sp>
-          <p:nvSpPr>
-            <p:cNvPr id="74" name="Rectangle 73"/>
-            <p:cNvSpPr/>
-            <p:nvPr/>
-          </p:nvSpPr>
-          <p:spPr>
-            <a:xfrm rot="5400000">
-              <a:off x="8739684" y="1547063"/>
-              <a:ext cx="304800" cy="236571"/>
-            </a:xfrm>
-            <a:prstGeom prst="rect">
-              <a:avLst/>
-            </a:prstGeom>
-            <a:grpFill/>
-            <a:ln w="12700" cap="flat" cmpd="sng" algn="ctr">
-              <a:solidFill>
-                <a:sysClr val="windowText" lastClr="000000"/>
-              </a:solidFill>
-              <a:prstDash val="solid"/>
-            </a:ln>
-            <a:effectLst/>
-          </p:spPr>
-          <p:txBody>
-            <a:bodyPr rtlCol="0" anchor="ctr"/>
-            <a:lstStyle/>
-            <a:p>
-              <a:pPr marL="0" marR="0" lvl="0" indent="0" algn="ctr" defTabSz="914400" eaLnBrk="1" fontAlgn="auto" latinLnBrk="0" hangingPunct="1">
-                <a:lnSpc>
-                  <a:spcPct val="100000"/>
-                </a:lnSpc>
-                <a:spcBef>
-                  <a:spcPts val="0"/>
-                </a:spcBef>
-                <a:spcAft>
-                  <a:spcPts val="0"/>
-                </a:spcAft>
-                <a:buClrTx/>
-                <a:buSzTx/>
-                <a:buFontTx/>
-                <a:buNone/>
-                <a:tabLst/>
-                <a:defRPr/>
-              </a:pPr>
-              <a:endParaRPr kumimoji="0" lang="en-US" sz="1800" b="0" i="0" u="none" strike="noStrike" kern="0" cap="none" spc="0" normalizeH="0" baseline="0" noProof="0">
-                <a:ln>
-                  <a:noFill/>
-                </a:ln>
-                <a:solidFill>
-                  <a:prstClr val="white"/>
-                </a:solidFill>
-                <a:effectLst/>
-                <a:uLnTx/>
-                <a:uFillTx/>
-                <a:latin typeface="Calibri"/>
-                <a:ea typeface="+mn-ea"/>
-                <a:cs typeface="+mn-cs"/>
-              </a:endParaRPr>
-            </a:p>
-          </p:txBody>
-        </p:sp>
-        <p:cxnSp>
-          <p:nvCxnSpPr>
-            <p:cNvPr id="75" name="Straight Connector 74"/>
-            <p:cNvCxnSpPr>
-              <a:stCxn id="74" idx="0"/>
-            </p:cNvCxnSpPr>
-            <p:nvPr/>
-          </p:nvCxnSpPr>
-          <p:spPr>
-            <a:xfrm rot="5400000" flipH="1">
-              <a:off x="8857970" y="1512949"/>
-              <a:ext cx="304800" cy="0"/>
-            </a:xfrm>
-            <a:prstGeom prst="line">
-              <a:avLst/>
-            </a:prstGeom>
-            <a:grpFill/>
-            <a:ln w="12700" cap="flat" cmpd="sng" algn="ctr">
-              <a:solidFill>
-                <a:sysClr val="windowText" lastClr="000000"/>
-              </a:solidFill>
-              <a:prstDash val="solid"/>
-            </a:ln>
-            <a:effectLst/>
-          </p:spPr>
-        </p:cxnSp>
-        <p:cxnSp>
-          <p:nvCxnSpPr>
-            <p:cNvPr id="76" name="Straight Connector 75"/>
-            <p:cNvCxnSpPr>
-              <a:stCxn id="74" idx="0"/>
-              <a:endCxn id="74" idx="2"/>
-            </p:cNvCxnSpPr>
-            <p:nvPr/>
-          </p:nvCxnSpPr>
-          <p:spPr>
-            <a:xfrm rot="5400000">
-              <a:off x="8892084" y="1547063"/>
-              <a:ext cx="0" cy="236571"/>
-            </a:xfrm>
-            <a:prstGeom prst="line">
-              <a:avLst/>
-            </a:prstGeom>
-            <a:grpFill/>
-            <a:ln w="12700" cap="flat" cmpd="sng" algn="ctr">
-              <a:solidFill>
-                <a:sysClr val="windowText" lastClr="000000"/>
-              </a:solidFill>
-              <a:prstDash val="solid"/>
-            </a:ln>
-            <a:effectLst/>
-          </p:spPr>
-        </p:cxnSp>
-        <p:cxnSp>
-          <p:nvCxnSpPr>
-            <p:cNvPr id="77" name="Straight Connector 76"/>
-            <p:cNvCxnSpPr>
-              <a:stCxn id="74" idx="2"/>
-            </p:cNvCxnSpPr>
-            <p:nvPr/>
-          </p:nvCxnSpPr>
-          <p:spPr>
-            <a:xfrm rot="5400000" flipH="1">
-              <a:off x="8621399" y="1512949"/>
-              <a:ext cx="304800" cy="0"/>
-            </a:xfrm>
-            <a:prstGeom prst="line">
-              <a:avLst/>
-            </a:prstGeom>
-            <a:grpFill/>
-            <a:ln w="12700" cap="flat" cmpd="sng" algn="ctr">
-              <a:solidFill>
-                <a:sysClr val="windowText" lastClr="000000"/>
-              </a:solidFill>
-              <a:prstDash val="solid"/>
-            </a:ln>
-            <a:effectLst/>
-          </p:spPr>
-        </p:cxnSp>
-        <p:sp>
-          <p:nvSpPr>
-            <p:cNvPr id="78" name="Rectangle 77"/>
-            <p:cNvSpPr/>
-            <p:nvPr/>
-          </p:nvSpPr>
-          <p:spPr>
-            <a:xfrm rot="5400000">
-              <a:off x="8739684" y="1851863"/>
-              <a:ext cx="304800" cy="236571"/>
-            </a:xfrm>
-            <a:prstGeom prst="rect">
-              <a:avLst/>
-            </a:prstGeom>
-            <a:grpFill/>
-            <a:ln w="12700" cap="flat" cmpd="sng" algn="ctr">
-              <a:solidFill>
-                <a:sysClr val="windowText" lastClr="000000"/>
-              </a:solidFill>
-              <a:prstDash val="solid"/>
-            </a:ln>
-            <a:effectLst/>
-          </p:spPr>
-          <p:txBody>
-            <a:bodyPr rtlCol="0" anchor="ctr"/>
-            <a:lstStyle/>
-            <a:p>
-              <a:pPr marL="0" marR="0" lvl="0" indent="0" algn="ctr" defTabSz="914400" eaLnBrk="1" fontAlgn="auto" latinLnBrk="0" hangingPunct="1">
-                <a:lnSpc>
-                  <a:spcPct val="100000"/>
-                </a:lnSpc>
-                <a:spcBef>
-                  <a:spcPts val="0"/>
-                </a:spcBef>
-                <a:spcAft>
-                  <a:spcPts val="0"/>
-                </a:spcAft>
-                <a:buClrTx/>
-                <a:buSzTx/>
-                <a:buFontTx/>
-                <a:buNone/>
-                <a:tabLst/>
-                <a:defRPr/>
-              </a:pPr>
-              <a:endParaRPr kumimoji="0" lang="en-US" sz="1800" b="0" i="0" u="none" strike="noStrike" kern="0" cap="none" spc="0" normalizeH="0" baseline="0" noProof="0">
-                <a:ln>
-                  <a:noFill/>
-                </a:ln>
-                <a:solidFill>
-                  <a:prstClr val="white"/>
-                </a:solidFill>
-                <a:effectLst/>
-                <a:uLnTx/>
-                <a:uFillTx/>
-                <a:latin typeface="Calibri"/>
-                <a:ea typeface="+mn-ea"/>
-                <a:cs typeface="+mn-cs"/>
-              </a:endParaRPr>
-            </a:p>
-          </p:txBody>
-        </p:sp>
-        <p:cxnSp>
-          <p:nvCxnSpPr>
-            <p:cNvPr id="79" name="Straight Connector 78"/>
-            <p:cNvCxnSpPr>
-              <a:stCxn id="78" idx="0"/>
-              <a:endCxn id="78" idx="2"/>
-            </p:cNvCxnSpPr>
-            <p:nvPr/>
-          </p:nvCxnSpPr>
-          <p:spPr>
-            <a:xfrm rot="5400000">
-              <a:off x="8892084" y="1851863"/>
-              <a:ext cx="0" cy="236571"/>
-            </a:xfrm>
-            <a:prstGeom prst="line">
-              <a:avLst/>
-            </a:prstGeom>
-            <a:grpFill/>
-            <a:ln w="12700" cap="flat" cmpd="sng" algn="ctr">
-              <a:solidFill>
-                <a:sysClr val="windowText" lastClr="000000"/>
-              </a:solidFill>
-              <a:prstDash val="solid"/>
-            </a:ln>
-            <a:effectLst/>
-          </p:spPr>
-        </p:cxnSp>
-      </p:grpSp>
-      <p:cxnSp>
-        <p:nvCxnSpPr>
-          <p:cNvPr id="27" name="Elbow Connector 26"/>
-          <p:cNvCxnSpPr>
-            <a:stCxn id="16" idx="3"/>
-            <a:endCxn id="74" idx="1"/>
-          </p:cNvCxnSpPr>
-          <p:nvPr/>
-        </p:nvCxnSpPr>
-        <p:spPr>
-          <a:xfrm rot="5400000" flipH="1" flipV="1">
-            <a:off x="8678028" y="3271058"/>
-            <a:ext cx="582303" cy="210817"/>
-          </a:xfrm>
-          <a:prstGeom prst="bentConnector2">
-            <a:avLst/>
-          </a:prstGeom>
-          <a:noFill/>
-          <a:ln w="12700" cap="flat" cmpd="sng" algn="ctr">
-            <a:solidFill>
-              <a:sysClr val="windowText" lastClr="000000"/>
-            </a:solidFill>
-            <a:prstDash val="solid"/>
-            <a:tailEnd type="triangle"/>
-          </a:ln>
-          <a:effectLst/>
-        </p:spPr>
-      </p:cxnSp>
-      <p:cxnSp>
-        <p:nvCxnSpPr>
-          <p:cNvPr id="28" name="Straight Arrow Connector 27"/>
-          <p:cNvCxnSpPr>
-            <a:stCxn id="78" idx="3"/>
-            <a:endCxn id="37" idx="2"/>
-          </p:cNvCxnSpPr>
-          <p:nvPr/>
-        </p:nvCxnSpPr>
-        <p:spPr>
-          <a:xfrm flipV="1">
-            <a:off x="9684188" y="3082958"/>
-            <a:ext cx="419755" cy="2356"/>
-          </a:xfrm>
-          <a:prstGeom prst="straightConnector1">
-            <a:avLst/>
-          </a:prstGeom>
-          <a:noFill/>
-          <a:ln w="12700" cap="flat" cmpd="sng" algn="ctr">
-            <a:solidFill>
-              <a:sysClr val="windowText" lastClr="000000"/>
-            </a:solidFill>
-            <a:prstDash val="solid"/>
-            <a:tailEnd type="triangle"/>
-          </a:ln>
-          <a:effectLst/>
-        </p:spPr>
-      </p:cxnSp>
-      <p:grpSp>
-        <p:nvGrpSpPr>
-          <p:cNvPr id="29" name="Group 28"/>
-          <p:cNvGrpSpPr/>
-          <p:nvPr/>
-        </p:nvGrpSpPr>
-        <p:grpSpPr>
-          <a:xfrm rot="16200000">
-            <a:off x="10543747" y="1314004"/>
-            <a:ext cx="457200" cy="674967"/>
-            <a:chOff x="7848600" y="1143000"/>
-            <a:chExt cx="457200" cy="381000"/>
-          </a:xfrm>
-          <a:solidFill>
-            <a:srgbClr val="FCD5B5"/>
-          </a:solidFill>
-        </p:grpSpPr>
-        <p:sp>
-          <p:nvSpPr>
-            <p:cNvPr id="70" name="Rectangle 69"/>
-            <p:cNvSpPr/>
-            <p:nvPr/>
-          </p:nvSpPr>
-          <p:spPr>
-            <a:xfrm>
-              <a:off x="8001000" y="1143000"/>
-              <a:ext cx="304800" cy="381000"/>
-            </a:xfrm>
-            <a:prstGeom prst="rect">
-              <a:avLst/>
-            </a:prstGeom>
-            <a:grpFill/>
-            <a:ln w="12700" cap="flat" cmpd="sng" algn="ctr">
-              <a:solidFill>
-                <a:sysClr val="windowText" lastClr="000000"/>
-              </a:solidFill>
-              <a:prstDash val="solid"/>
-            </a:ln>
-            <a:effectLst/>
-          </p:spPr>
-          <p:txBody>
-            <a:bodyPr rtlCol="0" anchor="ctr"/>
-            <a:lstStyle/>
-            <a:p>
-              <a:pPr marL="0" marR="0" lvl="0" indent="0" algn="ctr" defTabSz="914400" eaLnBrk="1" fontAlgn="auto" latinLnBrk="0" hangingPunct="1">
-                <a:lnSpc>
-                  <a:spcPct val="100000"/>
-                </a:lnSpc>
-                <a:spcBef>
-                  <a:spcPts val="0"/>
-                </a:spcBef>
-                <a:spcAft>
-                  <a:spcPts val="0"/>
-                </a:spcAft>
-                <a:buClrTx/>
-                <a:buSzTx/>
-                <a:buFontTx/>
-                <a:buNone/>
-                <a:tabLst/>
-                <a:defRPr/>
-              </a:pPr>
-              <a:endParaRPr kumimoji="0" lang="en-US" sz="1800" b="0" i="0" u="none" strike="noStrike" kern="0" cap="none" spc="0" normalizeH="0" baseline="0" noProof="0">
-                <a:ln>
-                  <a:noFill/>
-                </a:ln>
-                <a:solidFill>
-                  <a:prstClr val="white"/>
-                </a:solidFill>
-                <a:effectLst/>
-                <a:uLnTx/>
-                <a:uFillTx/>
-                <a:latin typeface="Calibri"/>
-                <a:ea typeface="+mn-ea"/>
-                <a:cs typeface="+mn-cs"/>
-              </a:endParaRPr>
-            </a:p>
-          </p:txBody>
-        </p:sp>
-        <p:cxnSp>
-          <p:nvCxnSpPr>
-            <p:cNvPr id="71" name="Straight Connector 70"/>
-            <p:cNvCxnSpPr>
-              <a:stCxn id="70" idx="0"/>
-            </p:cNvCxnSpPr>
-            <p:nvPr/>
-          </p:nvCxnSpPr>
-          <p:spPr>
-            <a:xfrm flipH="1">
-              <a:off x="7848600" y="1143000"/>
-              <a:ext cx="304800" cy="0"/>
-            </a:xfrm>
-            <a:prstGeom prst="line">
-              <a:avLst/>
-            </a:prstGeom>
-            <a:grpFill/>
-            <a:ln w="12700" cap="flat" cmpd="sng" algn="ctr">
-              <a:solidFill>
-                <a:sysClr val="windowText" lastClr="000000"/>
-              </a:solidFill>
-              <a:prstDash val="solid"/>
-            </a:ln>
-            <a:effectLst/>
-          </p:spPr>
-        </p:cxnSp>
-        <p:cxnSp>
-          <p:nvCxnSpPr>
-            <p:cNvPr id="72" name="Straight Connector 71"/>
-            <p:cNvCxnSpPr>
-              <a:stCxn id="70" idx="0"/>
-              <a:endCxn id="70" idx="2"/>
-            </p:cNvCxnSpPr>
-            <p:nvPr/>
-          </p:nvCxnSpPr>
-          <p:spPr>
-            <a:xfrm>
-              <a:off x="8153400" y="1143000"/>
-              <a:ext cx="0" cy="381000"/>
-            </a:xfrm>
-            <a:prstGeom prst="line">
-              <a:avLst/>
-            </a:prstGeom>
-            <a:grpFill/>
-            <a:ln w="12700" cap="flat" cmpd="sng" algn="ctr">
-              <a:solidFill>
-                <a:sysClr val="windowText" lastClr="000000"/>
-              </a:solidFill>
-              <a:prstDash val="solid"/>
-            </a:ln>
-            <a:effectLst/>
-          </p:spPr>
-        </p:cxnSp>
-        <p:cxnSp>
-          <p:nvCxnSpPr>
-            <p:cNvPr id="73" name="Straight Connector 72"/>
-            <p:cNvCxnSpPr>
-              <a:stCxn id="70" idx="2"/>
-            </p:cNvCxnSpPr>
-            <p:nvPr/>
-          </p:nvCxnSpPr>
-          <p:spPr>
-            <a:xfrm flipH="1">
-              <a:off x="7848600" y="1524000"/>
-              <a:ext cx="304800" cy="0"/>
-            </a:xfrm>
-            <a:prstGeom prst="line">
-              <a:avLst/>
-            </a:prstGeom>
-            <a:grpFill/>
-            <a:ln w="12700" cap="flat" cmpd="sng" algn="ctr">
-              <a:solidFill>
-                <a:sysClr val="windowText" lastClr="000000"/>
-              </a:solidFill>
-              <a:prstDash val="solid"/>
-            </a:ln>
-            <a:effectLst/>
-          </p:spPr>
-        </p:cxnSp>
-      </p:grpSp>
-      <p:sp>
-        <p:nvSpPr>
-          <p:cNvPr id="30" name="TextBox 29"/>
-          <p:cNvSpPr txBox="1"/>
-          <p:nvPr/>
-        </p:nvSpPr>
-        <p:spPr>
-          <a:xfrm>
-            <a:off x="6698362" y="2838425"/>
-            <a:ext cx="2152444" cy="707886"/>
-          </a:xfrm>
-          <a:prstGeom prst="rect">
-            <a:avLst/>
-          </a:prstGeom>
-          <a:noFill/>
-        </p:spPr>
-        <p:txBody>
-          <a:bodyPr wrap="square" rtlCol="0">
-            <a:spAutoFit/>
-          </a:bodyPr>
-          <a:lstStyle/>
-          <a:p>
-            <a:pPr marL="0" marR="0" lvl="0" indent="0" algn="r" defTabSz="914400" eaLnBrk="1" fontAlgn="auto" latinLnBrk="0" hangingPunct="1">
-              <a:lnSpc>
-                <a:spcPct val="100000"/>
-              </a:lnSpc>
-              <a:spcBef>
-                <a:spcPts val="0"/>
-              </a:spcBef>
-              <a:spcAft>
-                <a:spcPts val="0"/>
-              </a:spcAft>
-              <a:buClrTx/>
-              <a:buSzTx/>
-              <a:buFontTx/>
-              <a:buNone/>
-              <a:tabLst/>
-              <a:defRPr/>
-            </a:pPr>
-            <a:r>
-              <a:rPr kumimoji="0" lang="en-US" sz="2000" b="0" i="0" u="none" strike="noStrike" kern="0" cap="none" spc="0" normalizeH="0" baseline="0" noProof="0" dirty="0" smtClean="0">
+              <a:r>
+                <a:rPr kumimoji="0" lang="en-US" sz="2000" b="0" i="0" u="none" strike="noStrike" kern="0" cap="none" spc="0" normalizeH="0" baseline="0" noProof="0" dirty="0">
+                  <a:ln>
+                    <a:noFill/>
+                  </a:ln>
+                  <a:solidFill>
+                    <a:prstClr val="black"/>
+                  </a:solidFill>
+                  <a:effectLst/>
+                  <a:uLnTx/>
+                  <a:uFillTx/>
+                </a:rPr>
+                <a:t>Downgrade </a:t>
+              </a:r>
+              <a:r>
+                <a:rPr kumimoji="0" lang="en-US" sz="2000" b="0" i="0" u="none" strike="noStrike" kern="0" cap="none" spc="0" normalizeH="0" baseline="0" noProof="0" dirty="0" err="1" smtClean="0">
+                  <a:ln>
+                    <a:noFill/>
+                  </a:ln>
+                  <a:solidFill>
+                    <a:prstClr val="black"/>
+                  </a:solidFill>
+                  <a:effectLst/>
+                  <a:uLnTx/>
+                  <a:uFillTx/>
+                </a:rPr>
+                <a:t>req</a:t>
+              </a:r>
+              <a:endParaRPr kumimoji="0" lang="en-US" sz="2000" b="0" i="0" u="none" strike="noStrike" kern="0" cap="none" spc="0" normalizeH="0" baseline="0" noProof="0" dirty="0">
                 <a:ln>
                   <a:noFill/>
                 </a:ln>
@@ -16228,984 +16356,48 @@
                 <a:effectLst/>
                 <a:uLnTx/>
                 <a:uFillTx/>
-              </a:rPr>
-              <a:t>MSHR index to send upgrade </a:t>
-            </a:r>
-            <a:r>
-              <a:rPr kumimoji="0" lang="en-US" sz="2000" b="0" i="0" u="none" strike="noStrike" kern="0" cap="none" spc="0" normalizeH="0" baseline="0" noProof="0" dirty="0" err="1">
-                <a:ln>
-                  <a:noFill/>
-                </a:ln>
-                <a:solidFill>
-                  <a:prstClr val="black"/>
-                </a:solidFill>
-                <a:effectLst/>
-                <a:uLnTx/>
-                <a:uFillTx/>
-              </a:rPr>
-              <a:t>resp</a:t>
-            </a:r>
-            <a:endParaRPr kumimoji="0" lang="en-US" sz="2000" b="0" i="0" u="none" strike="noStrike" kern="0" cap="none" spc="0" normalizeH="0" baseline="0" noProof="0" dirty="0">
-              <a:ln>
-                <a:noFill/>
-              </a:ln>
-              <a:solidFill>
-                <a:prstClr val="black"/>
-              </a:solidFill>
-              <a:effectLst/>
-              <a:uLnTx/>
-              <a:uFillTx/>
-            </a:endParaRPr>
-          </a:p>
-        </p:txBody>
-      </p:sp>
-      <p:sp>
-        <p:nvSpPr>
-          <p:cNvPr id="31" name="TextBox 30"/>
-          <p:cNvSpPr txBox="1"/>
-          <p:nvPr/>
-        </p:nvSpPr>
-        <p:spPr>
-          <a:xfrm>
-            <a:off x="8475296" y="1789646"/>
-            <a:ext cx="2159859" cy="400110"/>
-          </a:xfrm>
-          <a:prstGeom prst="rect">
-            <a:avLst/>
-          </a:prstGeom>
-          <a:noFill/>
-        </p:spPr>
-        <p:txBody>
-          <a:bodyPr wrap="square" rtlCol="0">
-            <a:spAutoFit/>
-          </a:bodyPr>
-          <a:lstStyle/>
-          <a:p>
-            <a:pPr marL="0" marR="0" lvl="0" indent="0" algn="ctr" defTabSz="914400" eaLnBrk="1" fontAlgn="auto" latinLnBrk="0" hangingPunct="1">
-              <a:lnSpc>
-                <a:spcPct val="100000"/>
-              </a:lnSpc>
-              <a:spcBef>
-                <a:spcPts val="0"/>
-              </a:spcBef>
-              <a:spcAft>
-                <a:spcPts val="0"/>
-              </a:spcAft>
-              <a:buClrTx/>
-              <a:buSzTx/>
-              <a:buFontTx/>
-              <a:buNone/>
-              <a:tabLst/>
-              <a:defRPr/>
-            </a:pPr>
-            <a:r>
-              <a:rPr kumimoji="0" lang="en-US" sz="2000" b="0" i="0" u="none" strike="noStrike" kern="0" cap="none" spc="0" normalizeH="0" baseline="0" noProof="0" dirty="0">
-                <a:ln>
-                  <a:noFill/>
-                </a:ln>
-                <a:solidFill>
-                  <a:prstClr val="black"/>
-                </a:solidFill>
-                <a:effectLst/>
-                <a:uLnTx/>
-                <a:uFillTx/>
-              </a:rPr>
-              <a:t>Downgrade </a:t>
-            </a:r>
-            <a:r>
-              <a:rPr kumimoji="0" lang="en-US" sz="2000" b="0" i="0" u="none" strike="noStrike" kern="0" cap="none" spc="0" normalizeH="0" baseline="0" noProof="0" dirty="0" err="1" smtClean="0">
-                <a:ln>
-                  <a:noFill/>
-                </a:ln>
-                <a:solidFill>
-                  <a:prstClr val="black"/>
-                </a:solidFill>
-                <a:effectLst/>
-                <a:uLnTx/>
-                <a:uFillTx/>
-              </a:rPr>
-              <a:t>req</a:t>
-            </a:r>
-            <a:endParaRPr kumimoji="0" lang="en-US" sz="2000" b="0" i="0" u="none" strike="noStrike" kern="0" cap="none" spc="0" normalizeH="0" baseline="0" noProof="0" dirty="0">
-              <a:ln>
-                <a:noFill/>
-              </a:ln>
-              <a:solidFill>
-                <a:prstClr val="black"/>
-              </a:solidFill>
-              <a:effectLst/>
-              <a:uLnTx/>
-              <a:uFillTx/>
-            </a:endParaRPr>
-          </a:p>
-        </p:txBody>
-      </p:sp>
-      <p:cxnSp>
-        <p:nvCxnSpPr>
-          <p:cNvPr id="32" name="Elbow Connector 31"/>
-          <p:cNvCxnSpPr>
-            <a:stCxn id="16" idx="1"/>
-            <a:endCxn id="80" idx="1"/>
-          </p:cNvCxnSpPr>
-          <p:nvPr/>
-        </p:nvCxnSpPr>
-        <p:spPr>
-          <a:xfrm rot="16200000" flipH="1">
-            <a:off x="8715157" y="4335193"/>
-            <a:ext cx="529054" cy="231827"/>
-          </a:xfrm>
-          <a:prstGeom prst="bentConnector2">
-            <a:avLst/>
-          </a:prstGeom>
-          <a:noFill/>
-          <a:ln w="12700" cap="flat" cmpd="sng" algn="ctr">
-            <a:solidFill>
-              <a:sysClr val="windowText" lastClr="000000"/>
-            </a:solidFill>
-            <a:prstDash val="solid"/>
-            <a:tailEnd type="triangle"/>
-          </a:ln>
-          <a:effectLst/>
-        </p:spPr>
-      </p:cxnSp>
-      <p:sp>
-        <p:nvSpPr>
-          <p:cNvPr id="33" name="TextBox 32"/>
-          <p:cNvSpPr txBox="1"/>
-          <p:nvPr/>
-        </p:nvSpPr>
-        <p:spPr>
-          <a:xfrm>
-            <a:off x="8371342" y="4951915"/>
-            <a:ext cx="1991717" cy="707886"/>
-          </a:xfrm>
-          <a:prstGeom prst="rect">
-            <a:avLst/>
-          </a:prstGeom>
-          <a:noFill/>
-        </p:spPr>
-        <p:txBody>
-          <a:bodyPr wrap="square" rtlCol="0">
-            <a:spAutoFit/>
-          </a:bodyPr>
-          <a:lstStyle/>
-          <a:p>
-            <a:pPr marL="0" marR="0" lvl="0" indent="0" algn="ctr" defTabSz="914400" eaLnBrk="1" fontAlgn="auto" latinLnBrk="0" hangingPunct="1">
-              <a:lnSpc>
-                <a:spcPct val="100000"/>
-              </a:lnSpc>
-              <a:spcBef>
-                <a:spcPts val="0"/>
-              </a:spcBef>
-              <a:spcAft>
-                <a:spcPts val="0"/>
-              </a:spcAft>
-              <a:buClrTx/>
-              <a:buSzTx/>
-              <a:buFontTx/>
-              <a:buNone/>
-              <a:tabLst/>
-              <a:defRPr/>
-            </a:pPr>
-            <a:r>
-              <a:rPr kumimoji="0" lang="en-US" sz="2000" b="0" i="0" u="none" strike="noStrike" kern="0" cap="none" spc="0" normalizeH="0" baseline="0" noProof="0" dirty="0" smtClean="0">
-                <a:ln>
-                  <a:noFill/>
-                </a:ln>
-                <a:solidFill>
-                  <a:prstClr val="black"/>
-                </a:solidFill>
-                <a:effectLst/>
-                <a:uLnTx/>
-                <a:uFillTx/>
-              </a:rPr>
-              <a:t>MSHR index to send DRAM </a:t>
-            </a:r>
-            <a:r>
-              <a:rPr kumimoji="0" lang="en-US" sz="2000" b="0" i="0" u="none" strike="noStrike" kern="0" cap="none" spc="0" normalizeH="0" baseline="0" noProof="0" dirty="0" err="1" smtClean="0">
-                <a:ln>
-                  <a:noFill/>
-                </a:ln>
-                <a:solidFill>
-                  <a:prstClr val="black"/>
-                </a:solidFill>
-                <a:effectLst/>
-                <a:uLnTx/>
-                <a:uFillTx/>
-              </a:rPr>
-              <a:t>req</a:t>
-            </a:r>
-            <a:endParaRPr kumimoji="0" lang="en-US" sz="2000" b="0" i="0" u="none" strike="noStrike" kern="0" cap="none" spc="0" normalizeH="0" baseline="0" noProof="0" dirty="0">
-              <a:ln>
-                <a:noFill/>
-              </a:ln>
-              <a:solidFill>
-                <a:prstClr val="black"/>
-              </a:solidFill>
-              <a:effectLst/>
-              <a:uLnTx/>
-              <a:uFillTx/>
-            </a:endParaRPr>
-          </a:p>
-        </p:txBody>
-      </p:sp>
-      <p:sp>
-        <p:nvSpPr>
-          <p:cNvPr id="34" name="TextBox 33"/>
-          <p:cNvSpPr txBox="1"/>
-          <p:nvPr/>
-        </p:nvSpPr>
-        <p:spPr>
-          <a:xfrm>
-            <a:off x="3801990" y="1952206"/>
-            <a:ext cx="1784822" cy="779701"/>
-          </a:xfrm>
-          <a:prstGeom prst="rect">
-            <a:avLst/>
-          </a:prstGeom>
-          <a:solidFill>
-            <a:srgbClr val="92D050"/>
-          </a:solidFill>
-          <a:ln w="28575">
-            <a:solidFill>
-              <a:sysClr val="windowText" lastClr="000000"/>
-            </a:solidFill>
-          </a:ln>
-        </p:spPr>
-        <p:txBody>
-          <a:bodyPr wrap="square" rtlCol="0" anchor="ctr">
-            <a:spAutoFit/>
-          </a:bodyPr>
-          <a:lstStyle/>
-          <a:p>
-            <a:pPr marL="0" marR="0" lvl="0" indent="0" algn="ctr" defTabSz="914400" eaLnBrk="1" fontAlgn="auto" latinLnBrk="0" hangingPunct="1">
-              <a:lnSpc>
-                <a:spcPct val="100000"/>
-              </a:lnSpc>
-              <a:spcBef>
-                <a:spcPts val="0"/>
-              </a:spcBef>
-              <a:spcAft>
-                <a:spcPts val="0"/>
-              </a:spcAft>
-              <a:buClrTx/>
-              <a:buSzTx/>
-              <a:buFontTx/>
-              <a:buNone/>
-              <a:tabLst/>
-              <a:defRPr/>
-            </a:pPr>
-            <a:r>
-              <a:rPr kumimoji="0" lang="en-US" sz="2000" b="0" i="0" u="none" strike="noStrike" kern="0" cap="none" spc="0" normalizeH="0" baseline="0" noProof="0" dirty="0" smtClean="0">
-                <a:ln>
-                  <a:noFill/>
-                </a:ln>
-                <a:solidFill>
-                  <a:prstClr val="black"/>
-                </a:solidFill>
-                <a:effectLst/>
-                <a:uLnTx/>
-                <a:uFillTx/>
-              </a:rPr>
-              <a:t>MSHR</a:t>
-            </a:r>
-            <a:endParaRPr kumimoji="0" lang="en-US" sz="2000" b="0" i="0" u="none" strike="noStrike" kern="0" cap="none" spc="0" normalizeH="0" baseline="0" noProof="0" dirty="0">
-              <a:ln>
-                <a:noFill/>
-              </a:ln>
-              <a:solidFill>
-                <a:prstClr val="black"/>
-              </a:solidFill>
-              <a:effectLst/>
-              <a:uLnTx/>
-              <a:uFillTx/>
-            </a:endParaRPr>
-          </a:p>
-        </p:txBody>
-      </p:sp>
-      <p:sp>
-        <p:nvSpPr>
-          <p:cNvPr id="35" name="Cloud 34"/>
-          <p:cNvSpPr/>
-          <p:nvPr/>
-        </p:nvSpPr>
-        <p:spPr>
-          <a:xfrm>
-            <a:off x="3477952" y="3210333"/>
-            <a:ext cx="1514888" cy="1399600"/>
-          </a:xfrm>
-          <a:prstGeom prst="cloud">
-            <a:avLst/>
-          </a:prstGeom>
-          <a:solidFill>
-            <a:srgbClr val="B7DEE8"/>
-          </a:solidFill>
-          <a:ln w="25400" cap="flat" cmpd="sng" algn="ctr">
-            <a:solidFill>
-              <a:sysClr val="windowText" lastClr="000000"/>
-            </a:solidFill>
-            <a:prstDash val="solid"/>
-          </a:ln>
-          <a:effectLst/>
-        </p:spPr>
-        <p:txBody>
-          <a:bodyPr rot="0" spcFirstLastPara="0" vertOverflow="overflow" horzOverflow="overflow" vert="horz" wrap="square" lIns="91440" tIns="45720" rIns="91440" bIns="45720" numCol="1" spcCol="0" rtlCol="0" fromWordArt="0" anchor="ctr" anchorCtr="0" forceAA="0" compatLnSpc="1">
-            <a:prstTxWarp prst="textNoShape">
-              <a:avLst/>
-            </a:prstTxWarp>
-            <a:noAutofit/>
-          </a:bodyPr>
-          <a:lstStyle/>
-          <a:p>
-            <a:pPr marL="0" marR="0" lvl="0" indent="0" algn="ctr" defTabSz="914400" eaLnBrk="1" fontAlgn="auto" latinLnBrk="0" hangingPunct="1">
-              <a:lnSpc>
-                <a:spcPct val="100000"/>
-              </a:lnSpc>
-              <a:spcBef>
-                <a:spcPts val="0"/>
-              </a:spcBef>
-              <a:spcAft>
-                <a:spcPts val="0"/>
-              </a:spcAft>
-              <a:buClrTx/>
-              <a:buSzTx/>
-              <a:buFontTx/>
-              <a:buNone/>
-              <a:tabLst/>
-              <a:defRPr/>
-            </a:pPr>
-            <a:r>
-              <a:rPr kumimoji="0" lang="en-US" sz="2000" b="0" i="0" u="none" strike="noStrike" kern="0" cap="none" spc="0" normalizeH="0" baseline="0" noProof="0" dirty="0" err="1" smtClean="0">
-                <a:ln>
-                  <a:noFill/>
-                </a:ln>
-                <a:solidFill>
-                  <a:prstClr val="black"/>
-                </a:solidFill>
-                <a:effectLst/>
-                <a:uLnTx/>
-                <a:uFillTx/>
-                <a:latin typeface="Calibri"/>
-                <a:ea typeface="+mn-ea"/>
-                <a:cs typeface="+mn-cs"/>
-              </a:rPr>
-              <a:t>Req</a:t>
-            </a:r>
-            <a:endParaRPr kumimoji="0" lang="en-US" sz="2000" b="0" i="0" u="none" strike="noStrike" kern="0" cap="none" spc="0" normalizeH="0" baseline="0" noProof="0" dirty="0" smtClean="0">
-              <a:ln>
-                <a:noFill/>
-              </a:ln>
-              <a:solidFill>
-                <a:prstClr val="black"/>
-              </a:solidFill>
-              <a:effectLst/>
-              <a:uLnTx/>
-              <a:uFillTx/>
-              <a:latin typeface="Calibri"/>
-              <a:ea typeface="+mn-ea"/>
-              <a:cs typeface="+mn-cs"/>
-            </a:endParaRPr>
-          </a:p>
-          <a:p>
-            <a:pPr marL="0" marR="0" lvl="0" indent="0" algn="ctr" defTabSz="914400" eaLnBrk="1" fontAlgn="auto" latinLnBrk="0" hangingPunct="1">
-              <a:lnSpc>
-                <a:spcPct val="100000"/>
-              </a:lnSpc>
-              <a:spcBef>
-                <a:spcPts val="0"/>
-              </a:spcBef>
-              <a:spcAft>
-                <a:spcPts val="0"/>
-              </a:spcAft>
-              <a:buClrTx/>
-              <a:buSzTx/>
-              <a:buFontTx/>
-              <a:buNone/>
-              <a:tabLst/>
-              <a:defRPr/>
-            </a:pPr>
-            <a:r>
-              <a:rPr kumimoji="0" lang="en-US" sz="2000" b="0" i="0" u="none" strike="noStrike" kern="0" cap="none" spc="0" normalizeH="0" baseline="0" noProof="0" dirty="0" smtClean="0">
-                <a:ln>
-                  <a:noFill/>
-                </a:ln>
-                <a:solidFill>
-                  <a:prstClr val="black"/>
-                </a:solidFill>
-                <a:effectLst/>
-                <a:uLnTx/>
-                <a:uFillTx/>
-                <a:latin typeface="Calibri"/>
-                <a:ea typeface="+mn-ea"/>
-                <a:cs typeface="+mn-cs"/>
-              </a:rPr>
-              <a:t>Cache</a:t>
-            </a:r>
-            <a:endParaRPr kumimoji="0" lang="en-US" sz="2000" b="0" i="0" u="none" strike="noStrike" kern="0" cap="none" spc="0" normalizeH="0" baseline="0" noProof="0" dirty="0">
-              <a:ln>
-                <a:noFill/>
-              </a:ln>
-              <a:solidFill>
-                <a:prstClr val="black"/>
-              </a:solidFill>
-              <a:effectLst/>
-              <a:uLnTx/>
-              <a:uFillTx/>
-              <a:latin typeface="Calibri"/>
-              <a:ea typeface="+mn-ea"/>
-              <a:cs typeface="+mn-cs"/>
-            </a:endParaRPr>
-          </a:p>
-        </p:txBody>
-      </p:sp>
-      <p:sp>
-        <p:nvSpPr>
-          <p:cNvPr id="36" name="TextBox 35"/>
-          <p:cNvSpPr txBox="1"/>
-          <p:nvPr/>
-        </p:nvSpPr>
-        <p:spPr>
-          <a:xfrm>
-            <a:off x="4926666" y="5162066"/>
-            <a:ext cx="2453529" cy="400110"/>
-          </a:xfrm>
-          <a:prstGeom prst="rect">
-            <a:avLst/>
-          </a:prstGeom>
-          <a:noFill/>
-        </p:spPr>
-        <p:txBody>
-          <a:bodyPr wrap="square" rtlCol="0">
-            <a:spAutoFit/>
-          </a:bodyPr>
-          <a:lstStyle/>
-          <a:p>
-            <a:pPr marL="0" marR="0" lvl="0" indent="0" algn="ctr" defTabSz="914400" eaLnBrk="1" fontAlgn="auto" latinLnBrk="0" hangingPunct="1">
-              <a:lnSpc>
-                <a:spcPct val="100000"/>
-              </a:lnSpc>
-              <a:spcBef>
-                <a:spcPts val="0"/>
-              </a:spcBef>
-              <a:spcAft>
-                <a:spcPts val="0"/>
-              </a:spcAft>
-              <a:buClrTx/>
-              <a:buSzTx/>
-              <a:buFontTx/>
-              <a:buNone/>
-              <a:tabLst/>
-              <a:defRPr/>
-            </a:pPr>
-            <a:r>
-              <a:rPr kumimoji="0" lang="en-US" sz="2000" b="0" i="0" u="none" strike="noStrike" kern="0" cap="none" spc="0" normalizeH="0" baseline="0" noProof="0" dirty="0" smtClean="0">
-                <a:ln>
-                  <a:noFill/>
-                </a:ln>
-                <a:solidFill>
-                  <a:prstClr val="black"/>
-                </a:solidFill>
-                <a:effectLst/>
-                <a:uLnTx/>
-                <a:uFillTx/>
-              </a:rPr>
-              <a:t>MSHR index to retry</a:t>
-            </a:r>
-            <a:endParaRPr kumimoji="0" lang="en-US" sz="2000" b="0" i="0" u="none" strike="noStrike" kern="0" cap="none" spc="0" normalizeH="0" baseline="0" noProof="0" dirty="0">
-              <a:ln>
-                <a:noFill/>
-              </a:ln>
-              <a:solidFill>
-                <a:prstClr val="black"/>
-              </a:solidFill>
-              <a:effectLst/>
-              <a:uLnTx/>
-              <a:uFillTx/>
-            </a:endParaRPr>
-          </a:p>
-        </p:txBody>
-      </p:sp>
-      <p:sp>
-        <p:nvSpPr>
-          <p:cNvPr id="37" name="Cloud 36"/>
-          <p:cNvSpPr/>
-          <p:nvPr/>
-        </p:nvSpPr>
-        <p:spPr>
-          <a:xfrm>
-            <a:off x="10098735" y="2639216"/>
-            <a:ext cx="1679033" cy="887484"/>
-          </a:xfrm>
-          <a:prstGeom prst="cloud">
-            <a:avLst/>
-          </a:prstGeom>
-          <a:solidFill>
-            <a:srgbClr val="B7DEE8"/>
-          </a:solidFill>
-          <a:ln w="25400" cap="flat" cmpd="sng" algn="ctr">
-            <a:solidFill>
-              <a:sysClr val="windowText" lastClr="000000"/>
-            </a:solidFill>
-            <a:prstDash val="solid"/>
-          </a:ln>
-          <a:effectLst/>
-        </p:spPr>
-        <p:txBody>
-          <a:bodyPr rot="0" spcFirstLastPara="0" vertOverflow="overflow" horzOverflow="overflow" vert="horz" wrap="square" lIns="91440" tIns="45720" rIns="91440" bIns="45720" numCol="1" spcCol="0" rtlCol="0" fromWordArt="0" anchor="ctr" anchorCtr="0" forceAA="0" compatLnSpc="1">
-            <a:prstTxWarp prst="textNoShape">
-              <a:avLst/>
-            </a:prstTxWarp>
-            <a:noAutofit/>
-          </a:bodyPr>
-          <a:lstStyle/>
-          <a:p>
-            <a:pPr marL="0" marR="0" lvl="0" indent="0" algn="ctr" defTabSz="914400" eaLnBrk="1" fontAlgn="auto" latinLnBrk="0" hangingPunct="1">
-              <a:lnSpc>
-                <a:spcPct val="100000"/>
-              </a:lnSpc>
-              <a:spcBef>
-                <a:spcPts val="0"/>
-              </a:spcBef>
-              <a:spcAft>
-                <a:spcPts val="0"/>
-              </a:spcAft>
-              <a:buClrTx/>
-              <a:buSzTx/>
-              <a:buFontTx/>
-              <a:buNone/>
-              <a:tabLst/>
-              <a:defRPr/>
-            </a:pPr>
-            <a:r>
-              <a:rPr kumimoji="0" lang="en-US" sz="2000" b="0" i="0" u="none" strike="noStrike" kern="0" cap="none" spc="0" normalizeH="0" baseline="0" noProof="0" dirty="0" smtClean="0">
-                <a:ln>
-                  <a:noFill/>
-                </a:ln>
-                <a:solidFill>
-                  <a:prstClr val="black"/>
-                </a:solidFill>
-                <a:effectLst/>
-                <a:uLnTx/>
-                <a:uFillTx/>
-                <a:latin typeface="Calibri"/>
-                <a:ea typeface="+mn-ea"/>
-                <a:cs typeface="+mn-cs"/>
-              </a:rPr>
-              <a:t>Upgrade</a:t>
-            </a:r>
-          </a:p>
-          <a:p>
-            <a:pPr marL="0" marR="0" lvl="0" indent="0" algn="ctr" defTabSz="914400" eaLnBrk="1" fontAlgn="auto" latinLnBrk="0" hangingPunct="1">
-              <a:lnSpc>
-                <a:spcPct val="100000"/>
-              </a:lnSpc>
-              <a:spcBef>
-                <a:spcPts val="0"/>
-              </a:spcBef>
-              <a:spcAft>
-                <a:spcPts val="0"/>
-              </a:spcAft>
-              <a:buClrTx/>
-              <a:buSzTx/>
-              <a:buFontTx/>
-              <a:buNone/>
-              <a:tabLst/>
-              <a:defRPr/>
-            </a:pPr>
-            <a:r>
-              <a:rPr kumimoji="0" lang="en-US" sz="2000" b="0" i="0" u="none" strike="noStrike" kern="0" cap="none" spc="0" normalizeH="0" baseline="0" noProof="0" dirty="0" smtClean="0">
-                <a:ln>
-                  <a:noFill/>
-                </a:ln>
-                <a:solidFill>
-                  <a:prstClr val="black"/>
-                </a:solidFill>
-                <a:effectLst/>
-                <a:uLnTx/>
-                <a:uFillTx/>
-                <a:latin typeface="Calibri"/>
-                <a:ea typeface="+mn-ea"/>
-                <a:cs typeface="+mn-cs"/>
-              </a:rPr>
-              <a:t>L1</a:t>
-            </a:r>
-            <a:endParaRPr kumimoji="0" lang="en-US" sz="2000" b="0" i="0" u="none" strike="noStrike" kern="0" cap="none" spc="0" normalizeH="0" baseline="0" noProof="0" dirty="0">
-              <a:ln>
-                <a:noFill/>
-              </a:ln>
-              <a:solidFill>
-                <a:prstClr val="black"/>
-              </a:solidFill>
-              <a:effectLst/>
-              <a:uLnTx/>
-              <a:uFillTx/>
-              <a:latin typeface="Calibri"/>
-              <a:ea typeface="+mn-ea"/>
-              <a:cs typeface="+mn-cs"/>
-            </a:endParaRPr>
-          </a:p>
-        </p:txBody>
-      </p:sp>
-      <p:cxnSp>
-        <p:nvCxnSpPr>
-          <p:cNvPr id="38" name="Elbow Connector 37"/>
-          <p:cNvCxnSpPr>
-            <a:endCxn id="64" idx="1"/>
-          </p:cNvCxnSpPr>
-          <p:nvPr/>
-        </p:nvCxnSpPr>
-        <p:spPr>
-          <a:xfrm rot="10800000" flipV="1">
-            <a:off x="6435582" y="4159502"/>
-            <a:ext cx="2123392" cy="754891"/>
-          </a:xfrm>
-          <a:prstGeom prst="bentConnector3">
-            <a:avLst>
-              <a:gd name="adj1" fmla="val -241"/>
-            </a:avLst>
-          </a:prstGeom>
-          <a:noFill/>
-          <a:ln w="12700" cap="flat" cmpd="sng" algn="ctr">
-            <a:solidFill>
-              <a:sysClr val="windowText" lastClr="000000"/>
-            </a:solidFill>
-            <a:prstDash val="solid"/>
-            <a:tailEnd type="triangle"/>
-          </a:ln>
-          <a:effectLst/>
-        </p:spPr>
-      </p:cxnSp>
-      <p:grpSp>
-        <p:nvGrpSpPr>
-          <p:cNvPr id="39" name="Group 38"/>
-          <p:cNvGrpSpPr/>
-          <p:nvPr/>
-        </p:nvGrpSpPr>
-        <p:grpSpPr>
-          <a:xfrm rot="5400000">
-            <a:off x="5976475" y="4533395"/>
-            <a:ext cx="461013" cy="762000"/>
-            <a:chOff x="8873314" y="3352800"/>
-            <a:chExt cx="236572" cy="762000"/>
-          </a:xfrm>
-          <a:solidFill>
-            <a:srgbClr val="FCD5B5"/>
-          </a:solidFill>
-        </p:grpSpPr>
-        <p:sp>
-          <p:nvSpPr>
-            <p:cNvPr id="64" name="Rectangle 63"/>
-            <p:cNvSpPr/>
-            <p:nvPr/>
-          </p:nvSpPr>
-          <p:spPr>
-            <a:xfrm rot="5400000">
-              <a:off x="8839200" y="3539314"/>
-              <a:ext cx="304800" cy="236571"/>
-            </a:xfrm>
-            <a:prstGeom prst="rect">
-              <a:avLst/>
-            </a:prstGeom>
-            <a:grpFill/>
-            <a:ln w="12700" cap="flat" cmpd="sng" algn="ctr">
-              <a:solidFill>
-                <a:sysClr val="windowText" lastClr="000000"/>
-              </a:solidFill>
-              <a:prstDash val="solid"/>
-            </a:ln>
-            <a:effectLst/>
-          </p:spPr>
-          <p:txBody>
-            <a:bodyPr rtlCol="0" anchor="ctr"/>
-            <a:lstStyle/>
-            <a:p>
-              <a:pPr marL="0" marR="0" lvl="0" indent="0" algn="ctr" defTabSz="914400" eaLnBrk="1" fontAlgn="auto" latinLnBrk="0" hangingPunct="1">
-                <a:lnSpc>
-                  <a:spcPct val="100000"/>
-                </a:lnSpc>
-                <a:spcBef>
-                  <a:spcPts val="0"/>
-                </a:spcBef>
-                <a:spcAft>
-                  <a:spcPts val="0"/>
-                </a:spcAft>
-                <a:buClrTx/>
-                <a:buSzTx/>
-                <a:buFontTx/>
-                <a:buNone/>
-                <a:tabLst/>
-                <a:defRPr/>
-              </a:pPr>
-              <a:endParaRPr kumimoji="0" lang="en-US" sz="1800" b="0" i="0" u="none" strike="noStrike" kern="0" cap="none" spc="0" normalizeH="0" baseline="0" noProof="0">
-                <a:ln>
-                  <a:noFill/>
-                </a:ln>
-                <a:solidFill>
-                  <a:prstClr val="white"/>
-                </a:solidFill>
-                <a:effectLst/>
-                <a:uLnTx/>
-                <a:uFillTx/>
-                <a:latin typeface="Calibri"/>
-                <a:ea typeface="+mn-ea"/>
-                <a:cs typeface="+mn-cs"/>
               </a:endParaRPr>
             </a:p>
           </p:txBody>
         </p:sp>
         <p:cxnSp>
           <p:nvCxnSpPr>
-            <p:cNvPr id="65" name="Straight Connector 64"/>
+            <p:cNvPr id="32" name="Elbow Connector 31"/>
             <p:cNvCxnSpPr>
-              <a:stCxn id="64" idx="0"/>
+              <a:stCxn id="16" idx="1"/>
+              <a:endCxn id="80" idx="1"/>
             </p:cNvCxnSpPr>
             <p:nvPr/>
           </p:nvCxnSpPr>
           <p:spPr>
-            <a:xfrm rot="5400000" flipH="1">
-              <a:off x="8957486" y="3505200"/>
-              <a:ext cx="304800" cy="0"/>
-            </a:xfrm>
-            <a:prstGeom prst="line">
-              <a:avLst/>
-            </a:prstGeom>
-            <a:grpFill/>
+            <a:xfrm rot="16200000" flipH="1">
+              <a:off x="8715157" y="4335193"/>
+              <a:ext cx="529055" cy="231827"/>
+            </a:xfrm>
+            <a:prstGeom prst="bentConnector2">
+              <a:avLst/>
+            </a:prstGeom>
+            <a:noFill/>
             <a:ln w="12700" cap="flat" cmpd="sng" algn="ctr">
               <a:solidFill>
                 <a:sysClr val="windowText" lastClr="000000"/>
               </a:solidFill>
               <a:prstDash val="solid"/>
-            </a:ln>
-            <a:effectLst/>
-          </p:spPr>
-        </p:cxnSp>
-        <p:cxnSp>
-          <p:nvCxnSpPr>
-            <p:cNvPr id="66" name="Straight Connector 65"/>
-            <p:cNvCxnSpPr>
-              <a:stCxn id="64" idx="0"/>
-              <a:endCxn id="64" idx="2"/>
-            </p:cNvCxnSpPr>
-            <p:nvPr/>
-          </p:nvCxnSpPr>
-          <p:spPr>
-            <a:xfrm rot="5400000">
-              <a:off x="8991600" y="3539314"/>
-              <a:ext cx="0" cy="236571"/>
-            </a:xfrm>
-            <a:prstGeom prst="line">
-              <a:avLst/>
-            </a:prstGeom>
-            <a:grpFill/>
-            <a:ln w="12700" cap="flat" cmpd="sng" algn="ctr">
-              <a:solidFill>
-                <a:sysClr val="windowText" lastClr="000000"/>
-              </a:solidFill>
-              <a:prstDash val="solid"/>
-            </a:ln>
-            <a:effectLst/>
-          </p:spPr>
-        </p:cxnSp>
-        <p:cxnSp>
-          <p:nvCxnSpPr>
-            <p:cNvPr id="67" name="Straight Connector 66"/>
-            <p:cNvCxnSpPr>
-              <a:stCxn id="64" idx="2"/>
-            </p:cNvCxnSpPr>
-            <p:nvPr/>
-          </p:nvCxnSpPr>
-          <p:spPr>
-            <a:xfrm rot="5400000" flipH="1">
-              <a:off x="8720915" y="3505200"/>
-              <a:ext cx="304800" cy="0"/>
-            </a:xfrm>
-            <a:prstGeom prst="line">
-              <a:avLst/>
-            </a:prstGeom>
-            <a:grpFill/>
-            <a:ln w="12700" cap="flat" cmpd="sng" algn="ctr">
-              <a:solidFill>
-                <a:sysClr val="windowText" lastClr="000000"/>
-              </a:solidFill>
-              <a:prstDash val="solid"/>
+              <a:tailEnd type="triangle"/>
             </a:ln>
             <a:effectLst/>
           </p:spPr>
         </p:cxnSp>
         <p:sp>
           <p:nvSpPr>
-            <p:cNvPr id="68" name="Rectangle 67"/>
-            <p:cNvSpPr/>
+            <p:cNvPr id="33" name="TextBox 32"/>
+            <p:cNvSpPr txBox="1"/>
             <p:nvPr/>
           </p:nvSpPr>
           <p:spPr>
-            <a:xfrm rot="5400000">
-              <a:off x="8839200" y="3844114"/>
-              <a:ext cx="304800" cy="236571"/>
-            </a:xfrm>
-            <a:prstGeom prst="rect">
-              <a:avLst/>
-            </a:prstGeom>
-            <a:grpFill/>
-            <a:ln w="12700" cap="flat" cmpd="sng" algn="ctr">
-              <a:solidFill>
-                <a:sysClr val="windowText" lastClr="000000"/>
-              </a:solidFill>
-              <a:prstDash val="solid"/>
-            </a:ln>
-            <a:effectLst/>
-          </p:spPr>
-          <p:txBody>
-            <a:bodyPr rtlCol="0" anchor="ctr"/>
-            <a:lstStyle/>
-            <a:p>
-              <a:pPr marL="0" marR="0" lvl="0" indent="0" algn="ctr" defTabSz="914400" eaLnBrk="1" fontAlgn="auto" latinLnBrk="0" hangingPunct="1">
-                <a:lnSpc>
-                  <a:spcPct val="100000"/>
-                </a:lnSpc>
-                <a:spcBef>
-                  <a:spcPts val="0"/>
-                </a:spcBef>
-                <a:spcAft>
-                  <a:spcPts val="0"/>
-                </a:spcAft>
-                <a:buClrTx/>
-                <a:buSzTx/>
-                <a:buFontTx/>
-                <a:buNone/>
-                <a:tabLst/>
-                <a:defRPr/>
-              </a:pPr>
-              <a:endParaRPr kumimoji="0" lang="en-US" sz="1800" b="0" i="0" u="none" strike="noStrike" kern="0" cap="none" spc="0" normalizeH="0" baseline="0" noProof="0">
-                <a:ln>
-                  <a:noFill/>
-                </a:ln>
-                <a:solidFill>
-                  <a:prstClr val="white"/>
-                </a:solidFill>
-                <a:effectLst/>
-                <a:uLnTx/>
-                <a:uFillTx/>
-                <a:latin typeface="Calibri"/>
-                <a:ea typeface="+mn-ea"/>
-                <a:cs typeface="+mn-cs"/>
-              </a:endParaRPr>
-            </a:p>
-          </p:txBody>
-        </p:sp>
-        <p:cxnSp>
-          <p:nvCxnSpPr>
-            <p:cNvPr id="69" name="Straight Connector 68"/>
-            <p:cNvCxnSpPr>
-              <a:stCxn id="68" idx="0"/>
-              <a:endCxn id="68" idx="2"/>
-            </p:cNvCxnSpPr>
-            <p:nvPr/>
-          </p:nvCxnSpPr>
-          <p:spPr>
-            <a:xfrm rot="5400000">
-              <a:off x="8991600" y="3844114"/>
-              <a:ext cx="0" cy="236571"/>
-            </a:xfrm>
-            <a:prstGeom prst="line">
-              <a:avLst/>
-            </a:prstGeom>
-            <a:grpFill/>
-            <a:ln w="12700" cap="flat" cmpd="sng" algn="ctr">
-              <a:solidFill>
-                <a:sysClr val="windowText" lastClr="000000"/>
-              </a:solidFill>
-              <a:prstDash val="solid"/>
-            </a:ln>
-            <a:effectLst/>
-          </p:spPr>
-        </p:cxnSp>
-      </p:grpSp>
-      <p:grpSp>
-        <p:nvGrpSpPr>
-          <p:cNvPr id="40" name="Group 39"/>
-          <p:cNvGrpSpPr/>
-          <p:nvPr/>
-        </p:nvGrpSpPr>
-        <p:grpSpPr>
-          <a:xfrm>
-            <a:off x="5803348" y="4707509"/>
-            <a:ext cx="664049" cy="400110"/>
-            <a:chOff x="1314782" y="4537987"/>
-            <a:chExt cx="664049" cy="400110"/>
-          </a:xfrm>
-        </p:grpSpPr>
-        <p:sp>
-          <p:nvSpPr>
-            <p:cNvPr id="62" name="Rectangle 61"/>
-            <p:cNvSpPr/>
-            <p:nvPr/>
-          </p:nvSpPr>
-          <p:spPr>
             <a:xfrm>
-              <a:off x="1396703" y="4603902"/>
-              <a:ext cx="506370" cy="268280"/>
-            </a:xfrm>
-            <a:prstGeom prst="rect">
-              <a:avLst/>
-            </a:prstGeom>
-            <a:solidFill>
-              <a:srgbClr val="FCD5B5"/>
-            </a:solidFill>
-            <a:ln w="25400" cap="flat" cmpd="sng" algn="ctr">
-              <a:noFill/>
-              <a:prstDash val="solid"/>
-            </a:ln>
-            <a:effectLst/>
-          </p:spPr>
-          <p:txBody>
-            <a:bodyPr rtlCol="0" anchor="ctr"/>
-            <a:lstStyle/>
-            <a:p>
-              <a:pPr marL="0" marR="0" lvl="0" indent="0" algn="ctr" defTabSz="914400" eaLnBrk="1" fontAlgn="auto" latinLnBrk="0" hangingPunct="1">
-                <a:lnSpc>
-                  <a:spcPct val="100000"/>
-                </a:lnSpc>
-                <a:spcBef>
-                  <a:spcPts val="0"/>
-                </a:spcBef>
-                <a:spcAft>
-                  <a:spcPts val="0"/>
-                </a:spcAft>
-                <a:buClrTx/>
-                <a:buSzTx/>
-                <a:buFontTx/>
-                <a:buNone/>
-                <a:tabLst/>
-                <a:defRPr/>
-              </a:pPr>
-              <a:endParaRPr kumimoji="0" lang="en-US" sz="1800" b="0" i="0" u="none" strike="noStrike" kern="0" cap="none" spc="0" normalizeH="0" baseline="0" noProof="0">
-                <a:ln>
-                  <a:noFill/>
-                </a:ln>
-                <a:solidFill>
-                  <a:prstClr val="white"/>
-                </a:solidFill>
-                <a:effectLst/>
-                <a:uLnTx/>
-                <a:uFillTx/>
-                <a:latin typeface="Calibri"/>
-                <a:ea typeface="+mn-ea"/>
-                <a:cs typeface="+mn-cs"/>
-              </a:endParaRPr>
-            </a:p>
-          </p:txBody>
-        </p:sp>
-        <p:sp>
-          <p:nvSpPr>
-            <p:cNvPr id="63" name="TextBox 62"/>
-            <p:cNvSpPr txBox="1"/>
-            <p:nvPr/>
-          </p:nvSpPr>
-          <p:spPr>
-            <a:xfrm>
-              <a:off x="1314782" y="4537987"/>
-              <a:ext cx="664049" cy="400110"/>
+              <a:off x="8354610" y="4891376"/>
+              <a:ext cx="1991717" cy="707886"/>
             </a:xfrm>
             <a:prstGeom prst="rect">
               <a:avLst/>
@@ -17247,7 +16439,21 @@
                   <a:uLnTx/>
                   <a:uFillTx/>
                 </a:rPr>
-                <a:t>RQ</a:t>
+                <a:t>MSHR index to send DRAM </a:t>
+              </a:r>
+              <a:r>
+                <a:rPr kumimoji="0" lang="en-US" sz="2000" b="0" i="0" u="none" strike="noStrike" kern="0" cap="none" spc="0" normalizeH="0" baseline="0" noProof="0" dirty="0" err="1" smtClean="0">
+                  <a:ln>
+                    <a:noFill/>
+                  </a:ln>
+                  <a:solidFill>
+                    <a:prstClr val="black"/>
+                  </a:solidFill>
+                  <a:effectLst/>
+                  <a:uLnTx/>
+                  <a:uFillTx/>
+                </a:rPr>
+                <a:t>req</a:t>
               </a:r>
               <a:endParaRPr kumimoji="0" lang="en-US" sz="2000" b="0" i="0" u="none" strike="noStrike" kern="0" cap="none" spc="0" normalizeH="0" baseline="0" noProof="0" dirty="0">
                 <a:ln>
@@ -17263,349 +16469,33 @@
             </a:p>
           </p:txBody>
         </p:sp>
-      </p:grpSp>
-      <p:cxnSp>
-        <p:nvCxnSpPr>
-          <p:cNvPr id="41" name="Elbow Connector 40"/>
-          <p:cNvCxnSpPr>
-            <a:stCxn id="68" idx="3"/>
-            <a:endCxn id="35" idx="1"/>
-          </p:cNvCxnSpPr>
-          <p:nvPr/>
-        </p:nvCxnSpPr>
-        <p:spPr>
-          <a:xfrm rot="10800000">
-            <a:off x="4235396" y="4608444"/>
-            <a:ext cx="1590586" cy="305951"/>
-          </a:xfrm>
-          <a:prstGeom prst="bentConnector2">
-            <a:avLst/>
-          </a:prstGeom>
-          <a:noFill/>
-          <a:ln w="12700" cap="flat" cmpd="sng" algn="ctr">
-            <a:solidFill>
-              <a:sysClr val="windowText" lastClr="000000"/>
-            </a:solidFill>
-            <a:prstDash val="solid"/>
-            <a:tailEnd type="triangle"/>
-          </a:ln>
-          <a:effectLst/>
-        </p:spPr>
-      </p:cxnSp>
-      <p:cxnSp>
-        <p:nvCxnSpPr>
-          <p:cNvPr id="42" name="Elbow Connector 41"/>
-          <p:cNvCxnSpPr>
-            <a:stCxn id="17" idx="0"/>
-          </p:cNvCxnSpPr>
-          <p:nvPr/>
-        </p:nvCxnSpPr>
-        <p:spPr>
-          <a:xfrm flipV="1">
-            <a:off x="8617033" y="1730325"/>
-            <a:ext cx="2004826" cy="450995"/>
-          </a:xfrm>
-          <a:prstGeom prst="bentConnector3">
-            <a:avLst>
-              <a:gd name="adj1" fmla="val 99918"/>
-            </a:avLst>
-          </a:prstGeom>
-          <a:noFill/>
-          <a:ln w="12700" cap="flat" cmpd="sng" algn="ctr">
-            <a:solidFill>
-              <a:sysClr val="windowText" lastClr="000000"/>
-            </a:solidFill>
-            <a:prstDash val="solid"/>
-            <a:tailEnd type="triangle"/>
-          </a:ln>
-          <a:effectLst/>
-        </p:spPr>
-      </p:cxnSp>
-      <p:cxnSp>
-        <p:nvCxnSpPr>
-          <p:cNvPr id="43" name="Straight Arrow Connector 42"/>
-          <p:cNvCxnSpPr>
-            <a:stCxn id="37" idx="3"/>
-          </p:cNvCxnSpPr>
-          <p:nvPr/>
-        </p:nvCxnSpPr>
-        <p:spPr>
-          <a:xfrm flipV="1">
-            <a:off x="10938252" y="1727687"/>
-            <a:ext cx="0" cy="962272"/>
-          </a:xfrm>
-          <a:prstGeom prst="straightConnector1">
-            <a:avLst/>
-          </a:prstGeom>
-          <a:noFill/>
-          <a:ln w="12700" cap="flat" cmpd="sng" algn="ctr">
-            <a:solidFill>
-              <a:sysClr val="windowText" lastClr="000000"/>
-            </a:solidFill>
-            <a:prstDash val="solid"/>
-            <a:tailEnd type="triangle"/>
-          </a:ln>
-          <a:effectLst/>
-        </p:spPr>
-      </p:cxnSp>
-      <p:sp>
-        <p:nvSpPr>
-          <p:cNvPr id="44" name="TextBox 43"/>
-          <p:cNvSpPr txBox="1"/>
-          <p:nvPr/>
-        </p:nvSpPr>
-        <p:spPr>
-          <a:xfrm>
-            <a:off x="10924563" y="1901868"/>
-            <a:ext cx="1075103" cy="707886"/>
-          </a:xfrm>
-          <a:prstGeom prst="rect">
-            <a:avLst/>
-          </a:prstGeom>
-          <a:noFill/>
-        </p:spPr>
-        <p:txBody>
-          <a:bodyPr wrap="square" rtlCol="0">
-            <a:spAutoFit/>
-          </a:bodyPr>
-          <a:lstStyle/>
-          <a:p>
-            <a:pPr marL="0" marR="0" lvl="0" indent="0" defTabSz="914400" eaLnBrk="1" fontAlgn="auto" latinLnBrk="0" hangingPunct="1">
-              <a:lnSpc>
-                <a:spcPct val="100000"/>
-              </a:lnSpc>
-              <a:spcBef>
-                <a:spcPts val="0"/>
-              </a:spcBef>
-              <a:spcAft>
-                <a:spcPts val="0"/>
-              </a:spcAft>
-              <a:buClrTx/>
-              <a:buSzTx/>
-              <a:buFontTx/>
-              <a:buNone/>
-              <a:tabLst/>
-              <a:defRPr/>
-            </a:pPr>
-            <a:r>
-              <a:rPr kumimoji="0" lang="en-US" sz="2000" b="0" i="0" u="none" strike="noStrike" kern="0" cap="none" spc="0" normalizeH="0" baseline="0" noProof="0" dirty="0" smtClean="0">
-                <a:ln>
-                  <a:noFill/>
-                </a:ln>
-                <a:solidFill>
-                  <a:prstClr val="black"/>
-                </a:solidFill>
-                <a:effectLst/>
-                <a:uLnTx/>
-                <a:uFillTx/>
-              </a:rPr>
-              <a:t>upgrade </a:t>
-            </a:r>
-            <a:r>
-              <a:rPr kumimoji="0" lang="en-US" sz="2000" b="0" i="0" u="none" strike="noStrike" kern="0" cap="none" spc="0" normalizeH="0" baseline="0" noProof="0" dirty="0" err="1" smtClean="0">
-                <a:ln>
-                  <a:noFill/>
-                </a:ln>
-                <a:solidFill>
-                  <a:prstClr val="black"/>
-                </a:solidFill>
-                <a:effectLst/>
-                <a:uLnTx/>
-                <a:uFillTx/>
-              </a:rPr>
-              <a:t>resp</a:t>
-            </a:r>
-            <a:endParaRPr kumimoji="0" lang="en-US" sz="2000" b="0" i="0" u="none" strike="noStrike" kern="0" cap="none" spc="0" normalizeH="0" baseline="0" noProof="0" dirty="0">
-              <a:ln>
-                <a:noFill/>
-              </a:ln>
-              <a:solidFill>
-                <a:prstClr val="black"/>
-              </a:solidFill>
-              <a:effectLst/>
-              <a:uLnTx/>
-              <a:uFillTx/>
-            </a:endParaRPr>
-          </a:p>
-        </p:txBody>
-      </p:sp>
-      <p:sp>
-        <p:nvSpPr>
-          <p:cNvPr id="45" name="Cloud 44"/>
-          <p:cNvSpPr/>
-          <p:nvPr/>
-        </p:nvSpPr>
-        <p:spPr>
-          <a:xfrm>
-            <a:off x="10112468" y="4270720"/>
-            <a:ext cx="1679033" cy="887484"/>
-          </a:xfrm>
-          <a:prstGeom prst="cloud">
-            <a:avLst/>
-          </a:prstGeom>
-          <a:solidFill>
-            <a:srgbClr val="B7DEE8"/>
-          </a:solidFill>
-          <a:ln w="25400" cap="flat" cmpd="sng" algn="ctr">
-            <a:solidFill>
-              <a:sysClr val="windowText" lastClr="000000"/>
-            </a:solidFill>
-            <a:prstDash val="solid"/>
-          </a:ln>
-          <a:effectLst/>
-        </p:spPr>
-        <p:txBody>
-          <a:bodyPr rot="0" spcFirstLastPara="0" vertOverflow="overflow" horzOverflow="overflow" vert="horz" wrap="square" lIns="91440" tIns="45720" rIns="91440" bIns="45720" numCol="1" spcCol="0" rtlCol="0" fromWordArt="0" anchor="ctr" anchorCtr="0" forceAA="0" compatLnSpc="1">
-            <a:prstTxWarp prst="textNoShape">
-              <a:avLst/>
-            </a:prstTxWarp>
-            <a:noAutofit/>
-          </a:bodyPr>
-          <a:lstStyle/>
-          <a:p>
-            <a:pPr marL="0" marR="0" lvl="0" indent="0" algn="ctr" defTabSz="914400" eaLnBrk="1" fontAlgn="auto" latinLnBrk="0" hangingPunct="1">
-              <a:lnSpc>
-                <a:spcPct val="100000"/>
-              </a:lnSpc>
-              <a:spcBef>
-                <a:spcPts val="0"/>
-              </a:spcBef>
-              <a:spcAft>
-                <a:spcPts val="0"/>
-              </a:spcAft>
-              <a:buClrTx/>
-              <a:buSzTx/>
-              <a:buFontTx/>
-              <a:buNone/>
-              <a:tabLst/>
-              <a:defRPr/>
-            </a:pPr>
-            <a:r>
-              <a:rPr kumimoji="0" lang="en-US" sz="2000" b="0" i="0" u="none" strike="noStrike" kern="0" cap="none" spc="0" normalizeH="0" baseline="0" noProof="0" dirty="0" err="1" smtClean="0">
-                <a:ln>
-                  <a:noFill/>
-                </a:ln>
-                <a:solidFill>
-                  <a:prstClr val="black"/>
-                </a:solidFill>
-                <a:effectLst/>
-                <a:uLnTx/>
-                <a:uFillTx/>
-                <a:latin typeface="Calibri"/>
-                <a:ea typeface="+mn-ea"/>
-                <a:cs typeface="+mn-cs"/>
-              </a:rPr>
-              <a:t>Req</a:t>
-            </a:r>
-            <a:endParaRPr kumimoji="0" lang="en-US" sz="2000" b="0" i="0" u="none" strike="noStrike" kern="0" cap="none" spc="0" normalizeH="0" baseline="0" noProof="0" dirty="0" smtClean="0">
-              <a:ln>
-                <a:noFill/>
-              </a:ln>
-              <a:solidFill>
-                <a:prstClr val="black"/>
-              </a:solidFill>
-              <a:effectLst/>
-              <a:uLnTx/>
-              <a:uFillTx/>
-              <a:latin typeface="Calibri"/>
-              <a:ea typeface="+mn-ea"/>
-              <a:cs typeface="+mn-cs"/>
-            </a:endParaRPr>
-          </a:p>
-          <a:p>
-            <a:pPr marL="0" marR="0" lvl="0" indent="0" algn="ctr" defTabSz="914400" eaLnBrk="1" fontAlgn="auto" latinLnBrk="0" hangingPunct="1">
-              <a:lnSpc>
-                <a:spcPct val="100000"/>
-              </a:lnSpc>
-              <a:spcBef>
-                <a:spcPts val="0"/>
-              </a:spcBef>
-              <a:spcAft>
-                <a:spcPts val="0"/>
-              </a:spcAft>
-              <a:buClrTx/>
-              <a:buSzTx/>
-              <a:buFontTx/>
-              <a:buNone/>
-              <a:tabLst/>
-              <a:defRPr/>
-            </a:pPr>
-            <a:r>
-              <a:rPr kumimoji="0" lang="en-US" sz="2000" b="0" i="0" u="none" strike="noStrike" kern="0" cap="none" spc="0" normalizeH="0" baseline="0" noProof="0" dirty="0" smtClean="0">
-                <a:ln>
-                  <a:noFill/>
-                </a:ln>
-                <a:solidFill>
-                  <a:prstClr val="black"/>
-                </a:solidFill>
-                <a:effectLst/>
-                <a:uLnTx/>
-                <a:uFillTx/>
-                <a:latin typeface="Calibri"/>
-                <a:ea typeface="+mn-ea"/>
-                <a:cs typeface="+mn-cs"/>
-              </a:rPr>
-              <a:t>DRAM</a:t>
-            </a:r>
-            <a:endParaRPr kumimoji="0" lang="en-US" sz="2000" b="0" i="0" u="none" strike="noStrike" kern="0" cap="none" spc="0" normalizeH="0" baseline="0" noProof="0" dirty="0">
-              <a:ln>
-                <a:noFill/>
-              </a:ln>
-              <a:solidFill>
-                <a:prstClr val="black"/>
-              </a:solidFill>
-              <a:effectLst/>
-              <a:uLnTx/>
-              <a:uFillTx/>
-              <a:latin typeface="Calibri"/>
-              <a:ea typeface="+mn-ea"/>
-              <a:cs typeface="+mn-cs"/>
-            </a:endParaRPr>
-          </a:p>
-        </p:txBody>
-      </p:sp>
-      <p:grpSp>
-        <p:nvGrpSpPr>
-          <p:cNvPr id="46" name="Group 45"/>
-          <p:cNvGrpSpPr/>
-          <p:nvPr/>
-        </p:nvGrpSpPr>
-        <p:grpSpPr>
-          <a:xfrm rot="5400000">
-            <a:off x="10723383" y="5377651"/>
-            <a:ext cx="457200" cy="236571"/>
-            <a:chOff x="7848600" y="1143000"/>
-            <a:chExt cx="457200" cy="381000"/>
-          </a:xfrm>
-          <a:solidFill>
-            <a:srgbClr val="FCD5B5"/>
-          </a:solidFill>
-        </p:grpSpPr>
         <p:sp>
           <p:nvSpPr>
-            <p:cNvPr id="58" name="Rectangle 57"/>
-            <p:cNvSpPr/>
+            <p:cNvPr id="34" name="TextBox 33"/>
+            <p:cNvSpPr txBox="1"/>
             <p:nvPr/>
           </p:nvSpPr>
           <p:spPr>
             <a:xfrm>
-              <a:off x="8001000" y="1143000"/>
-              <a:ext cx="304800" cy="381000"/>
+              <a:off x="3801990" y="1952206"/>
+              <a:ext cx="1784822" cy="779701"/>
             </a:xfrm>
             <a:prstGeom prst="rect">
               <a:avLst/>
             </a:prstGeom>
-            <a:grpFill/>
-            <a:ln w="12700" cap="flat" cmpd="sng" algn="ctr">
+            <a:solidFill>
+              <a:srgbClr val="92D050"/>
+            </a:solidFill>
+            <a:ln w="28575">
               <a:solidFill>
                 <a:sysClr val="windowText" lastClr="000000"/>
               </a:solidFill>
-              <a:prstDash val="solid"/>
             </a:ln>
-            <a:effectLst/>
           </p:spPr>
           <p:txBody>
-            <a:bodyPr rtlCol="0" anchor="ctr"/>
+            <a:bodyPr wrap="square" rtlCol="0" anchor="ctr">
+              <a:spAutoFit/>
+            </a:bodyPr>
             <a:lstStyle/>
             <a:p>
               <a:pPr marL="0" marR="0" lvl="0" indent="0" algn="ctr" defTabSz="914400" eaLnBrk="1" fontAlgn="auto" latinLnBrk="0" hangingPunct="1">
@@ -17625,228 +16515,21 @@
                 <a:tabLst/>
                 <a:defRPr/>
               </a:pPr>
-              <a:endParaRPr kumimoji="0" lang="en-US" sz="1800" b="0" i="0" u="none" strike="noStrike" kern="0" cap="none" spc="0" normalizeH="0" baseline="0" noProof="0">
-                <a:ln>
-                  <a:noFill/>
-                </a:ln>
-                <a:solidFill>
-                  <a:prstClr val="white"/>
-                </a:solidFill>
-                <a:effectLst/>
-                <a:uLnTx/>
-                <a:uFillTx/>
-                <a:latin typeface="Calibri"/>
-                <a:ea typeface="+mn-ea"/>
-                <a:cs typeface="+mn-cs"/>
-              </a:endParaRPr>
-            </a:p>
-          </p:txBody>
-        </p:sp>
-        <p:cxnSp>
-          <p:nvCxnSpPr>
-            <p:cNvPr id="59" name="Straight Connector 58"/>
-            <p:cNvCxnSpPr>
-              <a:stCxn id="58" idx="0"/>
-            </p:cNvCxnSpPr>
-            <p:nvPr/>
-          </p:nvCxnSpPr>
-          <p:spPr>
-            <a:xfrm flipH="1">
-              <a:off x="7848600" y="1143000"/>
-              <a:ext cx="304800" cy="0"/>
-            </a:xfrm>
-            <a:prstGeom prst="line">
-              <a:avLst/>
-            </a:prstGeom>
-            <a:grpFill/>
-            <a:ln w="12700" cap="flat" cmpd="sng" algn="ctr">
-              <a:solidFill>
-                <a:sysClr val="windowText" lastClr="000000"/>
-              </a:solidFill>
-              <a:prstDash val="solid"/>
-            </a:ln>
-            <a:effectLst/>
-          </p:spPr>
-        </p:cxnSp>
-        <p:cxnSp>
-          <p:nvCxnSpPr>
-            <p:cNvPr id="60" name="Straight Connector 59"/>
-            <p:cNvCxnSpPr>
-              <a:stCxn id="58" idx="0"/>
-              <a:endCxn id="58" idx="2"/>
-            </p:cNvCxnSpPr>
-            <p:nvPr/>
-          </p:nvCxnSpPr>
-          <p:spPr>
-            <a:xfrm>
-              <a:off x="8153400" y="1143000"/>
-              <a:ext cx="0" cy="381000"/>
-            </a:xfrm>
-            <a:prstGeom prst="line">
-              <a:avLst/>
-            </a:prstGeom>
-            <a:grpFill/>
-            <a:ln w="12700" cap="flat" cmpd="sng" algn="ctr">
-              <a:solidFill>
-                <a:sysClr val="windowText" lastClr="000000"/>
-              </a:solidFill>
-              <a:prstDash val="solid"/>
-            </a:ln>
-            <a:effectLst/>
-          </p:spPr>
-        </p:cxnSp>
-        <p:cxnSp>
-          <p:nvCxnSpPr>
-            <p:cNvPr id="61" name="Straight Connector 60"/>
-            <p:cNvCxnSpPr>
-              <a:stCxn id="58" idx="2"/>
-            </p:cNvCxnSpPr>
-            <p:nvPr/>
-          </p:nvCxnSpPr>
-          <p:spPr>
-            <a:xfrm flipH="1">
-              <a:off x="7848600" y="1524000"/>
-              <a:ext cx="304800" cy="0"/>
-            </a:xfrm>
-            <a:prstGeom prst="line">
-              <a:avLst/>
-            </a:prstGeom>
-            <a:grpFill/>
-            <a:ln w="12700" cap="flat" cmpd="sng" algn="ctr">
-              <a:solidFill>
-                <a:sysClr val="windowText" lastClr="000000"/>
-              </a:solidFill>
-              <a:prstDash val="solid"/>
-            </a:ln>
-            <a:effectLst/>
-          </p:spPr>
-        </p:cxnSp>
-      </p:grpSp>
-      <p:cxnSp>
-        <p:nvCxnSpPr>
-          <p:cNvPr id="47" name="Straight Arrow Connector 46"/>
-          <p:cNvCxnSpPr>
-            <a:stCxn id="45" idx="1"/>
-            <a:endCxn id="58" idx="1"/>
-          </p:cNvCxnSpPr>
-          <p:nvPr/>
-        </p:nvCxnSpPr>
-        <p:spPr>
-          <a:xfrm flipH="1">
-            <a:off x="10951983" y="5157259"/>
-            <a:ext cx="2" cy="262478"/>
-          </a:xfrm>
-          <a:prstGeom prst="straightConnector1">
-            <a:avLst/>
-          </a:prstGeom>
-          <a:noFill/>
-          <a:ln w="12700" cap="flat" cmpd="sng" algn="ctr">
-            <a:solidFill>
-              <a:sysClr val="windowText" lastClr="000000"/>
-            </a:solidFill>
-            <a:prstDash val="solid"/>
-            <a:tailEnd type="triangle"/>
-          </a:ln>
-          <a:effectLst/>
-        </p:spPr>
-      </p:cxnSp>
-      <p:cxnSp>
-        <p:nvCxnSpPr>
-          <p:cNvPr id="48" name="Straight Arrow Connector 47"/>
-          <p:cNvCxnSpPr>
-            <a:stCxn id="58" idx="3"/>
-            <a:endCxn id="23" idx="0"/>
-          </p:cNvCxnSpPr>
-          <p:nvPr/>
-        </p:nvCxnSpPr>
-        <p:spPr>
-          <a:xfrm>
-            <a:off x="10951983" y="5724537"/>
-            <a:ext cx="0" cy="369589"/>
-          </a:xfrm>
-          <a:prstGeom prst="straightConnector1">
-            <a:avLst/>
-          </a:prstGeom>
-          <a:noFill/>
-          <a:ln w="12700" cap="flat" cmpd="sng" algn="ctr">
-            <a:solidFill>
-              <a:sysClr val="windowText" lastClr="000000"/>
-            </a:solidFill>
-            <a:prstDash val="solid"/>
-            <a:tailEnd type="triangle"/>
-          </a:ln>
-          <a:effectLst/>
-        </p:spPr>
-      </p:cxnSp>
-      <p:cxnSp>
-        <p:nvCxnSpPr>
-          <p:cNvPr id="49" name="Straight Arrow Connector 48"/>
-          <p:cNvCxnSpPr>
-            <a:stCxn id="70" idx="3"/>
-            <a:endCxn id="50" idx="2"/>
-          </p:cNvCxnSpPr>
-          <p:nvPr/>
-        </p:nvCxnSpPr>
-        <p:spPr>
-          <a:xfrm flipH="1" flipV="1">
-            <a:off x="10772347" y="1066488"/>
-            <a:ext cx="1" cy="356400"/>
-          </a:xfrm>
-          <a:prstGeom prst="straightConnector1">
-            <a:avLst/>
-          </a:prstGeom>
-          <a:noFill/>
-          <a:ln w="12700" cap="flat" cmpd="sng" algn="ctr">
-            <a:solidFill>
-              <a:sysClr val="windowText" lastClr="000000"/>
-            </a:solidFill>
-            <a:prstDash val="solid"/>
-            <a:tailEnd type="triangle"/>
-          </a:ln>
-          <a:effectLst/>
-        </p:spPr>
-      </p:cxnSp>
-      <p:sp>
-        <p:nvSpPr>
-          <p:cNvPr id="50" name="TextBox 49"/>
-          <p:cNvSpPr txBox="1"/>
-          <p:nvPr/>
-        </p:nvSpPr>
-        <p:spPr>
-          <a:xfrm>
-            <a:off x="9823161" y="666378"/>
-            <a:ext cx="1898372" cy="400110"/>
-          </a:xfrm>
-          <a:prstGeom prst="rect">
-            <a:avLst/>
-          </a:prstGeom>
-          <a:noFill/>
-        </p:spPr>
-        <p:txBody>
-          <a:bodyPr wrap="square" rtlCol="0">
-            <a:spAutoFit/>
-          </a:bodyPr>
-          <a:lstStyle/>
-          <a:p>
-            <a:pPr marL="0" marR="0" lvl="0" indent="0" algn="ctr" defTabSz="914400" eaLnBrk="1" fontAlgn="auto" latinLnBrk="0" hangingPunct="1">
-              <a:lnSpc>
-                <a:spcPct val="100000"/>
-              </a:lnSpc>
-              <a:spcBef>
-                <a:spcPts val="0"/>
-              </a:spcBef>
-              <a:spcAft>
-                <a:spcPts val="0"/>
-              </a:spcAft>
-              <a:buClrTx/>
-              <a:buSzTx/>
-              <a:buFontTx/>
-              <a:buNone/>
-              <a:tabLst/>
-              <a:defRPr/>
-            </a:pPr>
-            <a:r>
-              <a:rPr kumimoji="0" lang="en-US" sz="2000" b="0" i="0" u="none" strike="noStrike" kern="0" cap="none" spc="0" normalizeH="0" baseline="0" noProof="0" dirty="0" err="1" smtClean="0">
+              <a:r>
+                <a:rPr kumimoji="0" lang="en-US" sz="2000" b="0" i="0" u="none" strike="noStrike" kern="0" cap="none" spc="0" normalizeH="0" baseline="0" noProof="0" dirty="0" smtClean="0">
+                  <a:ln>
+                    <a:noFill/>
+                  </a:ln>
+                  <a:solidFill>
+                    <a:prstClr val="black"/>
+                  </a:solidFill>
+                  <a:effectLst/>
+                  <a:uLnTx/>
+                  <a:uFillTx/>
+                </a:rPr>
+                <a:t>MSHR</a:t>
+              </a:r>
+              <a:endParaRPr kumimoji="0" lang="en-US" sz="2000" b="0" i="0" u="none" strike="noStrike" kern="0" cap="none" spc="0" normalizeH="0" baseline="0" noProof="0" dirty="0">
                 <a:ln>
                   <a:noFill/>
                 </a:ln>
@@ -17856,104 +16539,42 @@
                 <a:effectLst/>
                 <a:uLnTx/>
                 <a:uFillTx/>
-              </a:rPr>
-              <a:t>req</a:t>
-            </a:r>
-            <a:r>
-              <a:rPr kumimoji="0" lang="en-US" sz="2000" b="0" i="0" u="none" strike="noStrike" kern="0" cap="none" spc="0" normalizeH="0" baseline="0" noProof="0" dirty="0" smtClean="0">
-                <a:ln>
-                  <a:noFill/>
-                </a:ln>
-                <a:solidFill>
-                  <a:prstClr val="black"/>
-                </a:solidFill>
-                <a:effectLst/>
-                <a:uLnTx/>
-                <a:uFillTx/>
-              </a:rPr>
-              <a:t>/</a:t>
-            </a:r>
-            <a:r>
-              <a:rPr kumimoji="0" lang="en-US" sz="2000" b="0" i="0" u="none" strike="noStrike" kern="0" cap="none" spc="0" normalizeH="0" baseline="0" noProof="0" dirty="0" err="1" smtClean="0">
-                <a:ln>
-                  <a:noFill/>
-                </a:ln>
-                <a:solidFill>
-                  <a:prstClr val="black"/>
-                </a:solidFill>
-                <a:effectLst/>
-                <a:uLnTx/>
-                <a:uFillTx/>
-              </a:rPr>
-              <a:t>resp</a:t>
-            </a:r>
-            <a:r>
-              <a:rPr kumimoji="0" lang="en-US" sz="2000" b="0" i="0" u="none" strike="noStrike" kern="0" cap="none" spc="0" normalizeH="0" baseline="0" noProof="0" dirty="0" smtClean="0">
-                <a:ln>
-                  <a:noFill/>
-                </a:ln>
-                <a:solidFill>
-                  <a:prstClr val="black"/>
-                </a:solidFill>
-                <a:effectLst/>
-                <a:uLnTx/>
-                <a:uFillTx/>
-              </a:rPr>
-              <a:t> to L1</a:t>
-            </a:r>
-            <a:endParaRPr kumimoji="0" lang="en-US" sz="2000" b="0" i="0" u="none" strike="noStrike" kern="0" cap="none" spc="0" normalizeH="0" baseline="0" noProof="0" dirty="0">
-              <a:ln>
-                <a:noFill/>
-              </a:ln>
-              <a:solidFill>
-                <a:prstClr val="black"/>
-              </a:solidFill>
-              <a:effectLst/>
-              <a:uLnTx/>
-              <a:uFillTx/>
-            </a:endParaRPr>
-          </a:p>
-        </p:txBody>
-      </p:sp>
-      <p:grpSp>
-        <p:nvGrpSpPr>
-          <p:cNvPr id="51" name="Group 50"/>
-          <p:cNvGrpSpPr/>
-          <p:nvPr/>
-        </p:nvGrpSpPr>
-        <p:grpSpPr>
-          <a:xfrm>
-            <a:off x="9058268" y="4527921"/>
-            <a:ext cx="664049" cy="400110"/>
-            <a:chOff x="1314782" y="4537987"/>
-            <a:chExt cx="664049" cy="400110"/>
-          </a:xfrm>
-        </p:grpSpPr>
+              </a:endParaRPr>
+            </a:p>
+          </p:txBody>
+        </p:sp>
         <p:sp>
           <p:nvSpPr>
-            <p:cNvPr id="56" name="Rectangle 55"/>
+            <p:cNvPr id="35" name="Cloud 34"/>
             <p:cNvSpPr/>
             <p:nvPr/>
           </p:nvSpPr>
           <p:spPr>
             <a:xfrm>
-              <a:off x="1396703" y="4603902"/>
-              <a:ext cx="506370" cy="268280"/>
-            </a:xfrm>
-            <a:prstGeom prst="rect">
+              <a:off x="3477952" y="3210333"/>
+              <a:ext cx="1514888" cy="1399600"/>
+            </a:xfrm>
+            <a:prstGeom prst="cloud">
               <a:avLst/>
             </a:prstGeom>
             <a:solidFill>
-              <a:srgbClr val="FCD5B5"/>
+              <a:srgbClr val="B7DEE8"/>
             </a:solidFill>
             <a:ln w="25400" cap="flat" cmpd="sng" algn="ctr">
-              <a:noFill/>
+              <a:solidFill>
+                <a:sysClr val="windowText" lastClr="000000"/>
+              </a:solidFill>
               <a:prstDash val="solid"/>
             </a:ln>
             <a:effectLst/>
           </p:spPr>
           <p:txBody>
-            <a:bodyPr rtlCol="0" anchor="ctr"/>
+            <a:bodyPr rot="0" spcFirstLastPara="0" vertOverflow="overflow" horzOverflow="overflow" vert="horz" wrap="square" lIns="91440" tIns="45720" rIns="91440" bIns="45720" numCol="1" spcCol="0" rtlCol="0" fromWordArt="0" anchor="ctr" anchorCtr="0" forceAA="0" compatLnSpc="1">
+              <a:prstTxWarp prst="textNoShape">
+                <a:avLst/>
+              </a:prstTxWarp>
+              <a:noAutofit/>
+            </a:bodyPr>
             <a:lstStyle/>
             <a:p>
               <a:pPr marL="0" marR="0" lvl="0" indent="0" algn="ctr" defTabSz="914400" eaLnBrk="1" fontAlgn="auto" latinLnBrk="0" hangingPunct="1">
@@ -17973,33 +16594,36 @@
                 <a:tabLst/>
                 <a:defRPr/>
               </a:pPr>
-              <a:endParaRPr kumimoji="0" lang="en-US" sz="1800" b="0" i="0" u="none" strike="noStrike" kern="0" cap="none" spc="0" normalizeH="0" baseline="0" noProof="0">
-                <a:ln>
-                  <a:noFill/>
-                </a:ln>
-                <a:solidFill>
-                  <a:prstClr val="white"/>
-                </a:solidFill>
-                <a:effectLst/>
-                <a:uLnTx/>
-                <a:uFillTx/>
-                <a:latin typeface="Calibri"/>
-                <a:ea typeface="+mn-ea"/>
-                <a:cs typeface="+mn-cs"/>
-              </a:endParaRPr>
+              <a:r>
+                <a:rPr kumimoji="0" lang="en-US" sz="2000" b="0" i="0" u="none" strike="noStrike" kern="0" cap="none" spc="0" normalizeH="0" baseline="0" noProof="0" dirty="0" smtClean="0">
+                  <a:ln>
+                    <a:noFill/>
+                  </a:ln>
+                  <a:solidFill>
+                    <a:prstClr val="black"/>
+                  </a:solidFill>
+                  <a:effectLst/>
+                  <a:uLnTx/>
+                  <a:uFillTx/>
+                  <a:latin typeface="Calibri"/>
+                  <a:ea typeface="+mn-ea"/>
+                  <a:cs typeface="+mn-cs"/>
+                </a:rPr>
+                <a:t>Income</a:t>
+              </a:r>
             </a:p>
           </p:txBody>
         </p:sp>
         <p:sp>
           <p:nvSpPr>
-            <p:cNvPr id="57" name="TextBox 56"/>
+            <p:cNvPr id="36" name="TextBox 35"/>
             <p:cNvSpPr txBox="1"/>
             <p:nvPr/>
           </p:nvSpPr>
           <p:spPr>
             <a:xfrm>
-              <a:off x="1314782" y="4537987"/>
-              <a:ext cx="664049" cy="400110"/>
+              <a:off x="4926666" y="5162066"/>
+              <a:ext cx="2453529" cy="400110"/>
             </a:xfrm>
             <a:prstGeom prst="rect">
               <a:avLst/>
@@ -18041,7 +16665,7 @@
                   <a:uLnTx/>
                   <a:uFillTx/>
                 </a:rPr>
-                <a:t>DQ</a:t>
+                <a:t>MSHR index to retry</a:t>
               </a:r>
               <a:endParaRPr kumimoji="0" lang="en-US" sz="2000" b="0" i="0" u="none" strike="noStrike" kern="0" cap="none" spc="0" normalizeH="0" baseline="0" noProof="0" dirty="0">
                 <a:ln>
@@ -18057,101 +16681,37 @@
             </a:p>
           </p:txBody>
         </p:sp>
-      </p:grpSp>
-      <p:grpSp>
-        <p:nvGrpSpPr>
-          <p:cNvPr id="52" name="Group 51"/>
-          <p:cNvGrpSpPr/>
-          <p:nvPr/>
-        </p:nvGrpSpPr>
-        <p:grpSpPr>
-          <a:xfrm>
-            <a:off x="9027047" y="2870965"/>
-            <a:ext cx="664049" cy="400110"/>
-            <a:chOff x="1314782" y="4537987"/>
-            <a:chExt cx="664049" cy="400110"/>
-          </a:xfrm>
-        </p:grpSpPr>
         <p:sp>
           <p:nvSpPr>
-            <p:cNvPr id="54" name="Rectangle 53"/>
+            <p:cNvPr id="37" name="Cloud 36"/>
             <p:cNvSpPr/>
             <p:nvPr/>
           </p:nvSpPr>
           <p:spPr>
             <a:xfrm>
-              <a:off x="1396703" y="4603902"/>
-              <a:ext cx="506370" cy="268280"/>
-            </a:xfrm>
-            <a:prstGeom prst="rect">
+              <a:off x="10098735" y="2639216"/>
+              <a:ext cx="1679033" cy="887484"/>
+            </a:xfrm>
+            <a:prstGeom prst="cloud">
               <a:avLst/>
             </a:prstGeom>
             <a:solidFill>
-              <a:srgbClr val="FCD5B5"/>
+              <a:srgbClr val="B7DEE8"/>
             </a:solidFill>
             <a:ln w="25400" cap="flat" cmpd="sng" algn="ctr">
-              <a:noFill/>
+              <a:solidFill>
+                <a:sysClr val="windowText" lastClr="000000"/>
+              </a:solidFill>
               <a:prstDash val="solid"/>
             </a:ln>
             <a:effectLst/>
           </p:spPr>
           <p:txBody>
-            <a:bodyPr rtlCol="0" anchor="ctr"/>
-            <a:lstStyle/>
-            <a:p>
-              <a:pPr marL="0" marR="0" lvl="0" indent="0" algn="ctr" defTabSz="914400" eaLnBrk="1" fontAlgn="auto" latinLnBrk="0" hangingPunct="1">
-                <a:lnSpc>
-                  <a:spcPct val="100000"/>
-                </a:lnSpc>
-                <a:spcBef>
-                  <a:spcPts val="0"/>
-                </a:spcBef>
-                <a:spcAft>
-                  <a:spcPts val="0"/>
-                </a:spcAft>
-                <a:buClrTx/>
-                <a:buSzTx/>
-                <a:buFontTx/>
-                <a:buNone/>
-                <a:tabLst/>
-                <a:defRPr/>
-              </a:pPr>
-              <a:endParaRPr kumimoji="0" lang="en-US" sz="1800" b="0" i="0" u="none" strike="noStrike" kern="0" cap="none" spc="0" normalizeH="0" baseline="0" noProof="0">
-                <a:ln>
-                  <a:noFill/>
-                </a:ln>
-                <a:solidFill>
-                  <a:prstClr val="white"/>
-                </a:solidFill>
-                <a:effectLst/>
-                <a:uLnTx/>
-                <a:uFillTx/>
-                <a:latin typeface="Calibri"/>
-                <a:ea typeface="+mn-ea"/>
-                <a:cs typeface="+mn-cs"/>
-              </a:endParaRPr>
-            </a:p>
-          </p:txBody>
-        </p:sp>
-        <p:sp>
-          <p:nvSpPr>
-            <p:cNvPr id="55" name="TextBox 54"/>
-            <p:cNvSpPr txBox="1"/>
-            <p:nvPr/>
-          </p:nvSpPr>
-          <p:spPr>
-            <a:xfrm>
-              <a:off x="1314782" y="4537987"/>
-              <a:ext cx="664049" cy="400110"/>
-            </a:xfrm>
-            <a:prstGeom prst="rect">
-              <a:avLst/>
-            </a:prstGeom>
-            <a:noFill/>
-          </p:spPr>
-          <p:txBody>
-            <a:bodyPr wrap="square" rtlCol="0">
-              <a:spAutoFit/>
+            <a:bodyPr rot="0" spcFirstLastPara="0" vertOverflow="overflow" horzOverflow="overflow" vert="horz" wrap="square" lIns="91440" tIns="45720" rIns="91440" bIns="45720" numCol="1" spcCol="0" rtlCol="0" fromWordArt="0" anchor="ctr" anchorCtr="0" forceAA="0" compatLnSpc="1">
+              <a:prstTxWarp prst="textNoShape">
+                <a:avLst/>
+              </a:prstTxWarp>
+              <a:noAutofit/>
             </a:bodyPr>
             <a:lstStyle/>
             <a:p>
@@ -18183,8 +16743,490 @@
                   <a:effectLst/>
                   <a:uLnTx/>
                   <a:uFillTx/>
+                  <a:latin typeface="Calibri"/>
+                  <a:ea typeface="+mn-ea"/>
+                  <a:cs typeface="+mn-cs"/>
                 </a:rPr>
-                <a:t>UQ</a:t>
+                <a:t>Upgrade</a:t>
+              </a:r>
+            </a:p>
+            <a:p>
+              <a:pPr marL="0" marR="0" lvl="0" indent="0" algn="ctr" defTabSz="914400" eaLnBrk="1" fontAlgn="auto" latinLnBrk="0" hangingPunct="1">
+                <a:lnSpc>
+                  <a:spcPct val="100000"/>
+                </a:lnSpc>
+                <a:spcBef>
+                  <a:spcPts val="0"/>
+                </a:spcBef>
+                <a:spcAft>
+                  <a:spcPts val="0"/>
+                </a:spcAft>
+                <a:buClrTx/>
+                <a:buSzTx/>
+                <a:buFontTx/>
+                <a:buNone/>
+                <a:tabLst/>
+                <a:defRPr/>
+              </a:pPr>
+              <a:r>
+                <a:rPr kumimoji="0" lang="en-US" sz="2000" b="0" i="0" u="none" strike="noStrike" kern="0" cap="none" spc="0" normalizeH="0" baseline="0" noProof="0" dirty="0" smtClean="0">
+                  <a:ln>
+                    <a:noFill/>
+                  </a:ln>
+                  <a:solidFill>
+                    <a:prstClr val="black"/>
+                  </a:solidFill>
+                  <a:effectLst/>
+                  <a:uLnTx/>
+                  <a:uFillTx/>
+                  <a:latin typeface="Calibri"/>
+                  <a:ea typeface="+mn-ea"/>
+                  <a:cs typeface="+mn-cs"/>
+                </a:rPr>
+                <a:t>L1</a:t>
+              </a:r>
+              <a:endParaRPr kumimoji="0" lang="en-US" sz="2000" b="0" i="0" u="none" strike="noStrike" kern="0" cap="none" spc="0" normalizeH="0" baseline="0" noProof="0" dirty="0">
+                <a:ln>
+                  <a:noFill/>
+                </a:ln>
+                <a:solidFill>
+                  <a:prstClr val="black"/>
+                </a:solidFill>
+                <a:effectLst/>
+                <a:uLnTx/>
+                <a:uFillTx/>
+                <a:latin typeface="Calibri"/>
+                <a:ea typeface="+mn-ea"/>
+                <a:cs typeface="+mn-cs"/>
+              </a:endParaRPr>
+            </a:p>
+          </p:txBody>
+        </p:sp>
+        <p:cxnSp>
+          <p:nvCxnSpPr>
+            <p:cNvPr id="38" name="Elbow Connector 37"/>
+            <p:cNvCxnSpPr>
+              <a:endCxn id="64" idx="1"/>
+            </p:cNvCxnSpPr>
+            <p:nvPr/>
+          </p:nvCxnSpPr>
+          <p:spPr>
+            <a:xfrm rot="10800000" flipV="1">
+              <a:off x="6435583" y="4153759"/>
+              <a:ext cx="2071427" cy="760636"/>
+            </a:xfrm>
+            <a:prstGeom prst="bentConnector3">
+              <a:avLst>
+                <a:gd name="adj1" fmla="val -1133"/>
+              </a:avLst>
+            </a:prstGeom>
+            <a:noFill/>
+            <a:ln w="12700" cap="flat" cmpd="sng" algn="ctr">
+              <a:solidFill>
+                <a:sysClr val="windowText" lastClr="000000"/>
+              </a:solidFill>
+              <a:prstDash val="solid"/>
+              <a:tailEnd type="triangle"/>
+            </a:ln>
+            <a:effectLst/>
+          </p:spPr>
+        </p:cxnSp>
+        <p:grpSp>
+          <p:nvGrpSpPr>
+            <p:cNvPr id="39" name="Group 38"/>
+            <p:cNvGrpSpPr/>
+            <p:nvPr/>
+          </p:nvGrpSpPr>
+          <p:grpSpPr>
+            <a:xfrm rot="5400000">
+              <a:off x="6076866" y="4533395"/>
+              <a:ext cx="260230" cy="762000"/>
+              <a:chOff x="8873314" y="3352800"/>
+              <a:chExt cx="236572" cy="762000"/>
+            </a:xfrm>
+            <a:solidFill>
+              <a:srgbClr val="FCD5B5"/>
+            </a:solidFill>
+          </p:grpSpPr>
+          <p:sp>
+            <p:nvSpPr>
+              <p:cNvPr id="64" name="Rectangle 63"/>
+              <p:cNvSpPr/>
+              <p:nvPr/>
+            </p:nvSpPr>
+            <p:spPr>
+              <a:xfrm rot="5400000">
+                <a:off x="8839200" y="3539314"/>
+                <a:ext cx="304800" cy="236571"/>
+              </a:xfrm>
+              <a:prstGeom prst="rect">
+                <a:avLst/>
+              </a:prstGeom>
+              <a:grpFill/>
+              <a:ln w="12700" cap="flat" cmpd="sng" algn="ctr">
+                <a:solidFill>
+                  <a:sysClr val="windowText" lastClr="000000"/>
+                </a:solidFill>
+                <a:prstDash val="solid"/>
+              </a:ln>
+              <a:effectLst/>
+            </p:spPr>
+            <p:txBody>
+              <a:bodyPr rtlCol="0" anchor="ctr"/>
+              <a:lstStyle/>
+              <a:p>
+                <a:pPr marL="0" marR="0" lvl="0" indent="0" algn="ctr" defTabSz="914400" eaLnBrk="1" fontAlgn="auto" latinLnBrk="0" hangingPunct="1">
+                  <a:lnSpc>
+                    <a:spcPct val="100000"/>
+                  </a:lnSpc>
+                  <a:spcBef>
+                    <a:spcPts val="0"/>
+                  </a:spcBef>
+                  <a:spcAft>
+                    <a:spcPts val="0"/>
+                  </a:spcAft>
+                  <a:buClrTx/>
+                  <a:buSzTx/>
+                  <a:buFontTx/>
+                  <a:buNone/>
+                  <a:tabLst/>
+                  <a:defRPr/>
+                </a:pPr>
+                <a:endParaRPr kumimoji="0" lang="en-US" sz="1800" b="0" i="0" u="none" strike="noStrike" kern="0" cap="none" spc="0" normalizeH="0" baseline="0" noProof="0">
+                  <a:ln>
+                    <a:noFill/>
+                  </a:ln>
+                  <a:solidFill>
+                    <a:prstClr val="white"/>
+                  </a:solidFill>
+                  <a:effectLst/>
+                  <a:uLnTx/>
+                  <a:uFillTx/>
+                  <a:latin typeface="Calibri"/>
+                  <a:ea typeface="+mn-ea"/>
+                  <a:cs typeface="+mn-cs"/>
+                </a:endParaRPr>
+              </a:p>
+            </p:txBody>
+          </p:sp>
+          <p:cxnSp>
+            <p:nvCxnSpPr>
+              <p:cNvPr id="65" name="Straight Connector 64"/>
+              <p:cNvCxnSpPr>
+                <a:stCxn id="64" idx="0"/>
+              </p:cNvCxnSpPr>
+              <p:nvPr/>
+            </p:nvCxnSpPr>
+            <p:spPr>
+              <a:xfrm rot="5400000" flipH="1">
+                <a:off x="8957486" y="3505200"/>
+                <a:ext cx="304800" cy="0"/>
+              </a:xfrm>
+              <a:prstGeom prst="line">
+                <a:avLst/>
+              </a:prstGeom>
+              <a:grpFill/>
+              <a:ln w="12700" cap="flat" cmpd="sng" algn="ctr">
+                <a:solidFill>
+                  <a:sysClr val="windowText" lastClr="000000"/>
+                </a:solidFill>
+                <a:prstDash val="solid"/>
+              </a:ln>
+              <a:effectLst/>
+            </p:spPr>
+          </p:cxnSp>
+          <p:cxnSp>
+            <p:nvCxnSpPr>
+              <p:cNvPr id="66" name="Straight Connector 65"/>
+              <p:cNvCxnSpPr>
+                <a:stCxn id="64" idx="0"/>
+                <a:endCxn id="64" idx="2"/>
+              </p:cNvCxnSpPr>
+              <p:nvPr/>
+            </p:nvCxnSpPr>
+            <p:spPr>
+              <a:xfrm rot="5400000">
+                <a:off x="8991600" y="3539314"/>
+                <a:ext cx="0" cy="236571"/>
+              </a:xfrm>
+              <a:prstGeom prst="line">
+                <a:avLst/>
+              </a:prstGeom>
+              <a:grpFill/>
+              <a:ln w="12700" cap="flat" cmpd="sng" algn="ctr">
+                <a:solidFill>
+                  <a:sysClr val="windowText" lastClr="000000"/>
+                </a:solidFill>
+                <a:prstDash val="solid"/>
+              </a:ln>
+              <a:effectLst/>
+            </p:spPr>
+          </p:cxnSp>
+          <p:cxnSp>
+            <p:nvCxnSpPr>
+              <p:cNvPr id="67" name="Straight Connector 66"/>
+              <p:cNvCxnSpPr>
+                <a:stCxn id="64" idx="2"/>
+              </p:cNvCxnSpPr>
+              <p:nvPr/>
+            </p:nvCxnSpPr>
+            <p:spPr>
+              <a:xfrm rot="5400000" flipH="1">
+                <a:off x="8720915" y="3505200"/>
+                <a:ext cx="304800" cy="0"/>
+              </a:xfrm>
+              <a:prstGeom prst="line">
+                <a:avLst/>
+              </a:prstGeom>
+              <a:grpFill/>
+              <a:ln w="12700" cap="flat" cmpd="sng" algn="ctr">
+                <a:solidFill>
+                  <a:sysClr val="windowText" lastClr="000000"/>
+                </a:solidFill>
+                <a:prstDash val="solid"/>
+              </a:ln>
+              <a:effectLst/>
+            </p:spPr>
+          </p:cxnSp>
+          <p:sp>
+            <p:nvSpPr>
+              <p:cNvPr id="68" name="Rectangle 67"/>
+              <p:cNvSpPr/>
+              <p:nvPr/>
+            </p:nvSpPr>
+            <p:spPr>
+              <a:xfrm rot="5400000">
+                <a:off x="8839200" y="3844114"/>
+                <a:ext cx="304800" cy="236571"/>
+              </a:xfrm>
+              <a:prstGeom prst="rect">
+                <a:avLst/>
+              </a:prstGeom>
+              <a:grpFill/>
+              <a:ln w="12700" cap="flat" cmpd="sng" algn="ctr">
+                <a:solidFill>
+                  <a:sysClr val="windowText" lastClr="000000"/>
+                </a:solidFill>
+                <a:prstDash val="solid"/>
+              </a:ln>
+              <a:effectLst/>
+            </p:spPr>
+            <p:txBody>
+              <a:bodyPr rtlCol="0" anchor="ctr"/>
+              <a:lstStyle/>
+              <a:p>
+                <a:pPr marL="0" marR="0" lvl="0" indent="0" algn="ctr" defTabSz="914400" eaLnBrk="1" fontAlgn="auto" latinLnBrk="0" hangingPunct="1">
+                  <a:lnSpc>
+                    <a:spcPct val="100000"/>
+                  </a:lnSpc>
+                  <a:spcBef>
+                    <a:spcPts val="0"/>
+                  </a:spcBef>
+                  <a:spcAft>
+                    <a:spcPts val="0"/>
+                  </a:spcAft>
+                  <a:buClrTx/>
+                  <a:buSzTx/>
+                  <a:buFontTx/>
+                  <a:buNone/>
+                  <a:tabLst/>
+                  <a:defRPr/>
+                </a:pPr>
+                <a:endParaRPr kumimoji="0" lang="en-US" sz="1800" b="0" i="0" u="none" strike="noStrike" kern="0" cap="none" spc="0" normalizeH="0" baseline="0" noProof="0">
+                  <a:ln>
+                    <a:noFill/>
+                  </a:ln>
+                  <a:solidFill>
+                    <a:prstClr val="white"/>
+                  </a:solidFill>
+                  <a:effectLst/>
+                  <a:uLnTx/>
+                  <a:uFillTx/>
+                  <a:latin typeface="Calibri"/>
+                  <a:ea typeface="+mn-ea"/>
+                  <a:cs typeface="+mn-cs"/>
+                </a:endParaRPr>
+              </a:p>
+            </p:txBody>
+          </p:sp>
+          <p:cxnSp>
+            <p:nvCxnSpPr>
+              <p:cNvPr id="69" name="Straight Connector 68"/>
+              <p:cNvCxnSpPr>
+                <a:stCxn id="68" idx="0"/>
+                <a:endCxn id="68" idx="2"/>
+              </p:cNvCxnSpPr>
+              <p:nvPr/>
+            </p:nvCxnSpPr>
+            <p:spPr>
+              <a:xfrm rot="5400000">
+                <a:off x="8991600" y="3844114"/>
+                <a:ext cx="0" cy="236571"/>
+              </a:xfrm>
+              <a:prstGeom prst="line">
+                <a:avLst/>
+              </a:prstGeom>
+              <a:grpFill/>
+              <a:ln w="12700" cap="flat" cmpd="sng" algn="ctr">
+                <a:solidFill>
+                  <a:sysClr val="windowText" lastClr="000000"/>
+                </a:solidFill>
+                <a:prstDash val="solid"/>
+              </a:ln>
+              <a:effectLst/>
+            </p:spPr>
+          </p:cxnSp>
+        </p:grpSp>
+        <p:cxnSp>
+          <p:nvCxnSpPr>
+            <p:cNvPr id="41" name="Elbow Connector 40"/>
+            <p:cNvCxnSpPr>
+              <a:stCxn id="68" idx="3"/>
+              <a:endCxn id="35" idx="1"/>
+            </p:cNvCxnSpPr>
+            <p:nvPr/>
+          </p:nvCxnSpPr>
+          <p:spPr>
+            <a:xfrm rot="10800000">
+              <a:off x="4235396" y="4608443"/>
+              <a:ext cx="1590586" cy="305952"/>
+            </a:xfrm>
+            <a:prstGeom prst="bentConnector2">
+              <a:avLst/>
+            </a:prstGeom>
+            <a:noFill/>
+            <a:ln w="12700" cap="flat" cmpd="sng" algn="ctr">
+              <a:solidFill>
+                <a:sysClr val="windowText" lastClr="000000"/>
+              </a:solidFill>
+              <a:prstDash val="solid"/>
+              <a:tailEnd type="triangle"/>
+            </a:ln>
+            <a:effectLst/>
+          </p:spPr>
+        </p:cxnSp>
+        <p:cxnSp>
+          <p:nvCxnSpPr>
+            <p:cNvPr id="42" name="Elbow Connector 41"/>
+            <p:cNvCxnSpPr>
+              <a:stCxn id="17" idx="0"/>
+            </p:cNvCxnSpPr>
+            <p:nvPr/>
+          </p:nvCxnSpPr>
+          <p:spPr>
+            <a:xfrm flipV="1">
+              <a:off x="8617033" y="1730325"/>
+              <a:ext cx="2004826" cy="450995"/>
+            </a:xfrm>
+            <a:prstGeom prst="bentConnector3">
+              <a:avLst>
+                <a:gd name="adj1" fmla="val 99918"/>
+              </a:avLst>
+            </a:prstGeom>
+            <a:noFill/>
+            <a:ln w="12700" cap="flat" cmpd="sng" algn="ctr">
+              <a:solidFill>
+                <a:sysClr val="windowText" lastClr="000000"/>
+              </a:solidFill>
+              <a:prstDash val="solid"/>
+              <a:tailEnd type="triangle"/>
+            </a:ln>
+            <a:effectLst/>
+          </p:spPr>
+        </p:cxnSp>
+        <p:cxnSp>
+          <p:nvCxnSpPr>
+            <p:cNvPr id="43" name="Straight Arrow Connector 42"/>
+            <p:cNvCxnSpPr>
+              <a:stCxn id="37" idx="3"/>
+            </p:cNvCxnSpPr>
+            <p:nvPr/>
+          </p:nvCxnSpPr>
+          <p:spPr>
+            <a:xfrm flipV="1">
+              <a:off x="10938252" y="1727687"/>
+              <a:ext cx="0" cy="962272"/>
+            </a:xfrm>
+            <a:prstGeom prst="straightConnector1">
+              <a:avLst/>
+            </a:prstGeom>
+            <a:noFill/>
+            <a:ln w="12700" cap="flat" cmpd="sng" algn="ctr">
+              <a:solidFill>
+                <a:sysClr val="windowText" lastClr="000000"/>
+              </a:solidFill>
+              <a:prstDash val="solid"/>
+              <a:tailEnd type="triangle"/>
+            </a:ln>
+            <a:effectLst/>
+          </p:spPr>
+        </p:cxnSp>
+        <p:sp>
+          <p:nvSpPr>
+            <p:cNvPr id="44" name="TextBox 43"/>
+            <p:cNvSpPr txBox="1"/>
+            <p:nvPr/>
+          </p:nvSpPr>
+          <p:spPr>
+            <a:xfrm>
+              <a:off x="10924563" y="1901868"/>
+              <a:ext cx="1075103" cy="707886"/>
+            </a:xfrm>
+            <a:prstGeom prst="rect">
+              <a:avLst/>
+            </a:prstGeom>
+            <a:noFill/>
+          </p:spPr>
+          <p:txBody>
+            <a:bodyPr wrap="square" rtlCol="0">
+              <a:spAutoFit/>
+            </a:bodyPr>
+            <a:lstStyle/>
+            <a:p>
+              <a:pPr marL="0" marR="0" lvl="0" indent="0" defTabSz="914400" eaLnBrk="1" fontAlgn="auto" latinLnBrk="0" hangingPunct="1">
+                <a:lnSpc>
+                  <a:spcPct val="100000"/>
+                </a:lnSpc>
+                <a:spcBef>
+                  <a:spcPts val="0"/>
+                </a:spcBef>
+                <a:spcAft>
+                  <a:spcPts val="0"/>
+                </a:spcAft>
+                <a:buClrTx/>
+                <a:buSzTx/>
+                <a:buFontTx/>
+                <a:buNone/>
+                <a:tabLst/>
+                <a:defRPr/>
+              </a:pPr>
+              <a:r>
+                <a:rPr kumimoji="0" lang="en-US" sz="2000" b="0" i="0" u="none" strike="noStrike" kern="0" cap="none" spc="0" normalizeH="0" baseline="0" noProof="0" dirty="0" smtClean="0">
+                  <a:ln>
+                    <a:noFill/>
+                  </a:ln>
+                  <a:solidFill>
+                    <a:prstClr val="black"/>
+                  </a:solidFill>
+                  <a:effectLst/>
+                  <a:uLnTx/>
+                  <a:uFillTx/>
+                </a:rPr>
+                <a:t>upgrade </a:t>
+              </a:r>
+              <a:r>
+                <a:rPr kumimoji="0" lang="en-US" sz="2000" b="0" i="0" u="none" strike="noStrike" kern="0" cap="none" spc="0" normalizeH="0" baseline="0" noProof="0" dirty="0" err="1" smtClean="0">
+                  <a:ln>
+                    <a:noFill/>
+                  </a:ln>
+                  <a:solidFill>
+                    <a:prstClr val="black"/>
+                  </a:solidFill>
+                  <a:effectLst/>
+                  <a:uLnTx/>
+                  <a:uFillTx/>
+                </a:rPr>
+                <a:t>resp</a:t>
               </a:r>
               <a:endParaRPr kumimoji="0" lang="en-US" sz="2000" b="0" i="0" u="none" strike="noStrike" kern="0" cap="none" spc="0" normalizeH="0" baseline="0" noProof="0" dirty="0">
                 <a:ln>
@@ -18200,48 +17242,75 @@
             </a:p>
           </p:txBody>
         </p:sp>
-      </p:grpSp>
-      <p:sp>
-        <p:nvSpPr>
-          <p:cNvPr id="53" name="TextBox 52"/>
-          <p:cNvSpPr txBox="1"/>
-          <p:nvPr/>
-        </p:nvSpPr>
-        <p:spPr>
-          <a:xfrm>
-            <a:off x="2682773" y="1244688"/>
-            <a:ext cx="1119217" cy="400110"/>
-          </a:xfrm>
-          <a:prstGeom prst="rect">
-            <a:avLst/>
-          </a:prstGeom>
-          <a:noFill/>
-        </p:spPr>
-        <p:txBody>
-          <a:bodyPr wrap="none" rtlCol="0">
-            <a:spAutoFit/>
-          </a:bodyPr>
-          <a:lstStyle/>
-          <a:p>
-            <a:pPr marL="0" marR="0" lvl="0" indent="0" defTabSz="914400" eaLnBrk="1" fontAlgn="auto" latinLnBrk="0" hangingPunct="1">
-              <a:lnSpc>
-                <a:spcPct val="100000"/>
-              </a:lnSpc>
-              <a:spcBef>
-                <a:spcPts val="0"/>
-              </a:spcBef>
-              <a:spcAft>
-                <a:spcPts val="0"/>
-              </a:spcAft>
-              <a:buClrTx/>
-              <a:buSzTx/>
-              <a:buFontTx/>
-              <a:buNone/>
-              <a:tabLst/>
-              <a:defRPr/>
-            </a:pPr>
-            <a:r>
-              <a:rPr kumimoji="0" lang="en-US" sz="2000" b="1" i="0" u="none" strike="noStrike" kern="0" cap="none" spc="0" normalizeH="0" baseline="0" noProof="0" dirty="0" smtClean="0">
+        <p:sp>
+          <p:nvSpPr>
+            <p:cNvPr id="45" name="Cloud 44"/>
+            <p:cNvSpPr/>
+            <p:nvPr/>
+          </p:nvSpPr>
+          <p:spPr>
+            <a:xfrm>
+              <a:off x="10112468" y="4270720"/>
+              <a:ext cx="1679033" cy="887484"/>
+            </a:xfrm>
+            <a:prstGeom prst="cloud">
+              <a:avLst/>
+            </a:prstGeom>
+            <a:solidFill>
+              <a:srgbClr val="B7DEE8"/>
+            </a:solidFill>
+            <a:ln w="25400" cap="flat" cmpd="sng" algn="ctr">
+              <a:solidFill>
+                <a:sysClr val="windowText" lastClr="000000"/>
+              </a:solidFill>
+              <a:prstDash val="solid"/>
+            </a:ln>
+            <a:effectLst/>
+          </p:spPr>
+          <p:txBody>
+            <a:bodyPr rot="0" spcFirstLastPara="0" vertOverflow="overflow" horzOverflow="overflow" vert="horz" wrap="square" lIns="91440" tIns="45720" rIns="91440" bIns="45720" numCol="1" spcCol="0" rtlCol="0" fromWordArt="0" anchor="ctr" anchorCtr="0" forceAA="0" compatLnSpc="1">
+              <a:prstTxWarp prst="textNoShape">
+                <a:avLst/>
+              </a:prstTxWarp>
+              <a:noAutofit/>
+            </a:bodyPr>
+            <a:lstStyle/>
+            <a:p>
+              <a:pPr marL="0" marR="0" lvl="0" indent="0" algn="ctr" defTabSz="914400" eaLnBrk="1" fontAlgn="auto" latinLnBrk="0" hangingPunct="1">
+                <a:lnSpc>
+                  <a:spcPct val="100000"/>
+                </a:lnSpc>
+                <a:spcBef>
+                  <a:spcPts val="0"/>
+                </a:spcBef>
+                <a:spcAft>
+                  <a:spcPts val="0"/>
+                </a:spcAft>
+                <a:buClrTx/>
+                <a:buSzTx/>
+                <a:buFontTx/>
+                <a:buNone/>
+                <a:tabLst/>
+                <a:defRPr/>
+              </a:pPr>
+              <a:r>
+                <a:rPr kumimoji="0" lang="en-US" sz="2000" b="0" i="0" u="none" strike="noStrike" kern="0" cap="none" spc="0" normalizeH="0" baseline="0" noProof="0" dirty="0" err="1" smtClean="0">
+                  <a:ln>
+                    <a:noFill/>
+                  </a:ln>
+                  <a:solidFill>
+                    <a:prstClr val="black"/>
+                  </a:solidFill>
+                  <a:effectLst/>
+                  <a:uLnTx/>
+                  <a:uFillTx/>
+                  <a:latin typeface="Calibri"/>
+                  <a:ea typeface="+mn-ea"/>
+                  <a:cs typeface="+mn-cs"/>
+                </a:rPr>
+                <a:t>Req</a:t>
+              </a:r>
+              <a:endParaRPr kumimoji="0" lang="en-US" sz="2000" b="0" i="0" u="none" strike="noStrike" kern="0" cap="none" spc="0" normalizeH="0" baseline="0" noProof="0" dirty="0" smtClean="0">
                 <a:ln>
                   <a:noFill/>
                 </a:ln>
@@ -18251,23 +17320,482 @@
                 <a:effectLst/>
                 <a:uLnTx/>
                 <a:uFillTx/>
-              </a:rPr>
-              <a:t>L2 Cache</a:t>
-            </a:r>
-            <a:endParaRPr kumimoji="0" lang="en-US" sz="2000" b="1" i="0" u="none" strike="noStrike" kern="0" cap="none" spc="0" normalizeH="0" baseline="0" noProof="0" dirty="0">
-              <a:ln>
-                <a:noFill/>
+                <a:latin typeface="Calibri"/>
+                <a:ea typeface="+mn-ea"/>
+                <a:cs typeface="+mn-cs"/>
+              </a:endParaRPr>
+            </a:p>
+            <a:p>
+              <a:pPr marL="0" marR="0" lvl="0" indent="0" algn="ctr" defTabSz="914400" eaLnBrk="1" fontAlgn="auto" latinLnBrk="0" hangingPunct="1">
+                <a:lnSpc>
+                  <a:spcPct val="100000"/>
+                </a:lnSpc>
+                <a:spcBef>
+                  <a:spcPts val="0"/>
+                </a:spcBef>
+                <a:spcAft>
+                  <a:spcPts val="0"/>
+                </a:spcAft>
+                <a:buClrTx/>
+                <a:buSzTx/>
+                <a:buFontTx/>
+                <a:buNone/>
+                <a:tabLst/>
+                <a:defRPr/>
+              </a:pPr>
+              <a:r>
+                <a:rPr kumimoji="0" lang="en-US" sz="2000" b="0" i="0" u="none" strike="noStrike" kern="0" cap="none" spc="0" normalizeH="0" baseline="0" noProof="0" dirty="0" smtClean="0">
+                  <a:ln>
+                    <a:noFill/>
+                  </a:ln>
+                  <a:solidFill>
+                    <a:prstClr val="black"/>
+                  </a:solidFill>
+                  <a:effectLst/>
+                  <a:uLnTx/>
+                  <a:uFillTx/>
+                  <a:latin typeface="Calibri"/>
+                  <a:ea typeface="+mn-ea"/>
+                  <a:cs typeface="+mn-cs"/>
+                </a:rPr>
+                <a:t>DRAM</a:t>
+              </a:r>
+              <a:endParaRPr kumimoji="0" lang="en-US" sz="2000" b="0" i="0" u="none" strike="noStrike" kern="0" cap="none" spc="0" normalizeH="0" baseline="0" noProof="0" dirty="0">
+                <a:ln>
+                  <a:noFill/>
+                </a:ln>
+                <a:solidFill>
+                  <a:prstClr val="black"/>
+                </a:solidFill>
+                <a:effectLst/>
+                <a:uLnTx/>
+                <a:uFillTx/>
+                <a:latin typeface="Calibri"/>
+                <a:ea typeface="+mn-ea"/>
+                <a:cs typeface="+mn-cs"/>
+              </a:endParaRPr>
+            </a:p>
+          </p:txBody>
+        </p:sp>
+        <p:grpSp>
+          <p:nvGrpSpPr>
+            <p:cNvPr id="46" name="Group 45"/>
+            <p:cNvGrpSpPr/>
+            <p:nvPr/>
+          </p:nvGrpSpPr>
+          <p:grpSpPr>
+            <a:xfrm rot="5400000">
+              <a:off x="10723383" y="5377651"/>
+              <a:ext cx="457200" cy="236571"/>
+              <a:chOff x="7848600" y="1143000"/>
+              <a:chExt cx="457200" cy="381000"/>
+            </a:xfrm>
+            <a:solidFill>
+              <a:srgbClr val="FCD5B5"/>
+            </a:solidFill>
+          </p:grpSpPr>
+          <p:sp>
+            <p:nvSpPr>
+              <p:cNvPr id="58" name="Rectangle 57"/>
+              <p:cNvSpPr/>
+              <p:nvPr/>
+            </p:nvSpPr>
+            <p:spPr>
+              <a:xfrm>
+                <a:off x="8001000" y="1143000"/>
+                <a:ext cx="304800" cy="381000"/>
+              </a:xfrm>
+              <a:prstGeom prst="rect">
+                <a:avLst/>
+              </a:prstGeom>
+              <a:grpFill/>
+              <a:ln w="12700" cap="flat" cmpd="sng" algn="ctr">
+                <a:solidFill>
+                  <a:sysClr val="windowText" lastClr="000000"/>
+                </a:solidFill>
+                <a:prstDash val="solid"/>
               </a:ln>
+              <a:effectLst/>
+            </p:spPr>
+            <p:txBody>
+              <a:bodyPr rtlCol="0" anchor="ctr"/>
+              <a:lstStyle/>
+              <a:p>
+                <a:pPr marL="0" marR="0" lvl="0" indent="0" algn="ctr" defTabSz="914400" eaLnBrk="1" fontAlgn="auto" latinLnBrk="0" hangingPunct="1">
+                  <a:lnSpc>
+                    <a:spcPct val="100000"/>
+                  </a:lnSpc>
+                  <a:spcBef>
+                    <a:spcPts val="0"/>
+                  </a:spcBef>
+                  <a:spcAft>
+                    <a:spcPts val="0"/>
+                  </a:spcAft>
+                  <a:buClrTx/>
+                  <a:buSzTx/>
+                  <a:buFontTx/>
+                  <a:buNone/>
+                  <a:tabLst/>
+                  <a:defRPr/>
+                </a:pPr>
+                <a:endParaRPr kumimoji="0" lang="en-US" sz="1800" b="0" i="0" u="none" strike="noStrike" kern="0" cap="none" spc="0" normalizeH="0" baseline="0" noProof="0">
+                  <a:ln>
+                    <a:noFill/>
+                  </a:ln>
+                  <a:solidFill>
+                    <a:prstClr val="white"/>
+                  </a:solidFill>
+                  <a:effectLst/>
+                  <a:uLnTx/>
+                  <a:uFillTx/>
+                  <a:latin typeface="Calibri"/>
+                  <a:ea typeface="+mn-ea"/>
+                  <a:cs typeface="+mn-cs"/>
+                </a:endParaRPr>
+              </a:p>
+            </p:txBody>
+          </p:sp>
+          <p:cxnSp>
+            <p:nvCxnSpPr>
+              <p:cNvPr id="59" name="Straight Connector 58"/>
+              <p:cNvCxnSpPr>
+                <a:stCxn id="58" idx="0"/>
+              </p:cNvCxnSpPr>
+              <p:nvPr/>
+            </p:nvCxnSpPr>
+            <p:spPr>
+              <a:xfrm flipH="1">
+                <a:off x="7848600" y="1143000"/>
+                <a:ext cx="304800" cy="0"/>
+              </a:xfrm>
+              <a:prstGeom prst="line">
+                <a:avLst/>
+              </a:prstGeom>
+              <a:grpFill/>
+              <a:ln w="12700" cap="flat" cmpd="sng" algn="ctr">
+                <a:solidFill>
+                  <a:sysClr val="windowText" lastClr="000000"/>
+                </a:solidFill>
+                <a:prstDash val="solid"/>
+              </a:ln>
+              <a:effectLst/>
+            </p:spPr>
+          </p:cxnSp>
+          <p:cxnSp>
+            <p:nvCxnSpPr>
+              <p:cNvPr id="60" name="Straight Connector 59"/>
+              <p:cNvCxnSpPr>
+                <a:stCxn id="58" idx="0"/>
+                <a:endCxn id="58" idx="2"/>
+              </p:cNvCxnSpPr>
+              <p:nvPr/>
+            </p:nvCxnSpPr>
+            <p:spPr>
+              <a:xfrm>
+                <a:off x="8153400" y="1143000"/>
+                <a:ext cx="0" cy="381000"/>
+              </a:xfrm>
+              <a:prstGeom prst="line">
+                <a:avLst/>
+              </a:prstGeom>
+              <a:grpFill/>
+              <a:ln w="12700" cap="flat" cmpd="sng" algn="ctr">
+                <a:solidFill>
+                  <a:sysClr val="windowText" lastClr="000000"/>
+                </a:solidFill>
+                <a:prstDash val="solid"/>
+              </a:ln>
+              <a:effectLst/>
+            </p:spPr>
+          </p:cxnSp>
+          <p:cxnSp>
+            <p:nvCxnSpPr>
+              <p:cNvPr id="61" name="Straight Connector 60"/>
+              <p:cNvCxnSpPr>
+                <a:stCxn id="58" idx="2"/>
+              </p:cNvCxnSpPr>
+              <p:nvPr/>
+            </p:nvCxnSpPr>
+            <p:spPr>
+              <a:xfrm flipH="1">
+                <a:off x="7848600" y="1524000"/>
+                <a:ext cx="304800" cy="0"/>
+              </a:xfrm>
+              <a:prstGeom prst="line">
+                <a:avLst/>
+              </a:prstGeom>
+              <a:grpFill/>
+              <a:ln w="12700" cap="flat" cmpd="sng" algn="ctr">
+                <a:solidFill>
+                  <a:sysClr val="windowText" lastClr="000000"/>
+                </a:solidFill>
+                <a:prstDash val="solid"/>
+              </a:ln>
+              <a:effectLst/>
+            </p:spPr>
+          </p:cxnSp>
+        </p:grpSp>
+        <p:cxnSp>
+          <p:nvCxnSpPr>
+            <p:cNvPr id="47" name="Straight Arrow Connector 46"/>
+            <p:cNvCxnSpPr>
+              <a:stCxn id="45" idx="1"/>
+              <a:endCxn id="58" idx="1"/>
+            </p:cNvCxnSpPr>
+            <p:nvPr/>
+          </p:nvCxnSpPr>
+          <p:spPr>
+            <a:xfrm flipH="1">
+              <a:off x="10951983" y="5157259"/>
+              <a:ext cx="2" cy="262478"/>
+            </a:xfrm>
+            <a:prstGeom prst="straightConnector1">
+              <a:avLst/>
+            </a:prstGeom>
+            <a:noFill/>
+            <a:ln w="12700" cap="flat" cmpd="sng" algn="ctr">
               <a:solidFill>
-                <a:prstClr val="black"/>
+                <a:sysClr val="windowText" lastClr="000000"/>
               </a:solidFill>
-              <a:effectLst/>
-              <a:uLnTx/>
-              <a:uFillTx/>
-            </a:endParaRPr>
-          </a:p>
-        </p:txBody>
-      </p:sp>
+              <a:prstDash val="solid"/>
+              <a:tailEnd type="triangle"/>
+            </a:ln>
+            <a:effectLst/>
+          </p:spPr>
+        </p:cxnSp>
+        <p:cxnSp>
+          <p:nvCxnSpPr>
+            <p:cNvPr id="48" name="Straight Arrow Connector 47"/>
+            <p:cNvCxnSpPr>
+              <a:stCxn id="58" idx="3"/>
+              <a:endCxn id="23" idx="0"/>
+            </p:cNvCxnSpPr>
+            <p:nvPr/>
+          </p:nvCxnSpPr>
+          <p:spPr>
+            <a:xfrm>
+              <a:off x="10951983" y="5724537"/>
+              <a:ext cx="0" cy="369589"/>
+            </a:xfrm>
+            <a:prstGeom prst="straightConnector1">
+              <a:avLst/>
+            </a:prstGeom>
+            <a:noFill/>
+            <a:ln w="12700" cap="flat" cmpd="sng" algn="ctr">
+              <a:solidFill>
+                <a:sysClr val="windowText" lastClr="000000"/>
+              </a:solidFill>
+              <a:prstDash val="solid"/>
+              <a:tailEnd type="triangle"/>
+            </a:ln>
+            <a:effectLst/>
+          </p:spPr>
+        </p:cxnSp>
+        <p:cxnSp>
+          <p:nvCxnSpPr>
+            <p:cNvPr id="49" name="Straight Arrow Connector 48"/>
+            <p:cNvCxnSpPr>
+              <a:stCxn id="70" idx="3"/>
+              <a:endCxn id="50" idx="2"/>
+            </p:cNvCxnSpPr>
+            <p:nvPr/>
+          </p:nvCxnSpPr>
+          <p:spPr>
+            <a:xfrm flipH="1" flipV="1">
+              <a:off x="10772347" y="1066488"/>
+              <a:ext cx="1" cy="356400"/>
+            </a:xfrm>
+            <a:prstGeom prst="straightConnector1">
+              <a:avLst/>
+            </a:prstGeom>
+            <a:noFill/>
+            <a:ln w="12700" cap="flat" cmpd="sng" algn="ctr">
+              <a:solidFill>
+                <a:sysClr val="windowText" lastClr="000000"/>
+              </a:solidFill>
+              <a:prstDash val="solid"/>
+              <a:tailEnd type="triangle"/>
+            </a:ln>
+            <a:effectLst/>
+          </p:spPr>
+        </p:cxnSp>
+        <p:sp>
+          <p:nvSpPr>
+            <p:cNvPr id="50" name="TextBox 49"/>
+            <p:cNvSpPr txBox="1"/>
+            <p:nvPr/>
+          </p:nvSpPr>
+          <p:spPr>
+            <a:xfrm>
+              <a:off x="9823161" y="666378"/>
+              <a:ext cx="1898372" cy="400110"/>
+            </a:xfrm>
+            <a:prstGeom prst="rect">
+              <a:avLst/>
+            </a:prstGeom>
+            <a:noFill/>
+          </p:spPr>
+          <p:txBody>
+            <a:bodyPr wrap="square" rtlCol="0">
+              <a:spAutoFit/>
+            </a:bodyPr>
+            <a:lstStyle/>
+            <a:p>
+              <a:pPr marL="0" marR="0" lvl="0" indent="0" algn="ctr" defTabSz="914400" eaLnBrk="1" fontAlgn="auto" latinLnBrk="0" hangingPunct="1">
+                <a:lnSpc>
+                  <a:spcPct val="100000"/>
+                </a:lnSpc>
+                <a:spcBef>
+                  <a:spcPts val="0"/>
+                </a:spcBef>
+                <a:spcAft>
+                  <a:spcPts val="0"/>
+                </a:spcAft>
+                <a:buClrTx/>
+                <a:buSzTx/>
+                <a:buFontTx/>
+                <a:buNone/>
+                <a:tabLst/>
+                <a:defRPr/>
+              </a:pPr>
+              <a:r>
+                <a:rPr kumimoji="0" lang="en-US" sz="2000" b="0" i="0" u="none" strike="noStrike" kern="0" cap="none" spc="0" normalizeH="0" baseline="0" noProof="0" dirty="0" err="1" smtClean="0">
+                  <a:ln>
+                    <a:noFill/>
+                  </a:ln>
+                  <a:solidFill>
+                    <a:prstClr val="black"/>
+                  </a:solidFill>
+                  <a:effectLst/>
+                  <a:uLnTx/>
+                  <a:uFillTx/>
+                </a:rPr>
+                <a:t>req</a:t>
+              </a:r>
+              <a:r>
+                <a:rPr kumimoji="0" lang="en-US" sz="2000" b="0" i="0" u="none" strike="noStrike" kern="0" cap="none" spc="0" normalizeH="0" baseline="0" noProof="0" dirty="0" smtClean="0">
+                  <a:ln>
+                    <a:noFill/>
+                  </a:ln>
+                  <a:solidFill>
+                    <a:prstClr val="black"/>
+                  </a:solidFill>
+                  <a:effectLst/>
+                  <a:uLnTx/>
+                  <a:uFillTx/>
+                </a:rPr>
+                <a:t>/</a:t>
+              </a:r>
+              <a:r>
+                <a:rPr kumimoji="0" lang="en-US" sz="2000" b="0" i="0" u="none" strike="noStrike" kern="0" cap="none" spc="0" normalizeH="0" baseline="0" noProof="0" dirty="0" err="1" smtClean="0">
+                  <a:ln>
+                    <a:noFill/>
+                  </a:ln>
+                  <a:solidFill>
+                    <a:prstClr val="black"/>
+                  </a:solidFill>
+                  <a:effectLst/>
+                  <a:uLnTx/>
+                  <a:uFillTx/>
+                </a:rPr>
+                <a:t>resp</a:t>
+              </a:r>
+              <a:r>
+                <a:rPr kumimoji="0" lang="en-US" sz="2000" b="0" i="0" u="none" strike="noStrike" kern="0" cap="none" spc="0" normalizeH="0" baseline="0" noProof="0" dirty="0" smtClean="0">
+                  <a:ln>
+                    <a:noFill/>
+                  </a:ln>
+                  <a:solidFill>
+                    <a:prstClr val="black"/>
+                  </a:solidFill>
+                  <a:effectLst/>
+                  <a:uLnTx/>
+                  <a:uFillTx/>
+                </a:rPr>
+                <a:t> to L1</a:t>
+              </a:r>
+              <a:endParaRPr kumimoji="0" lang="en-US" sz="2000" b="0" i="0" u="none" strike="noStrike" kern="0" cap="none" spc="0" normalizeH="0" baseline="0" noProof="0" dirty="0">
+                <a:ln>
+                  <a:noFill/>
+                </a:ln>
+                <a:solidFill>
+                  <a:prstClr val="black"/>
+                </a:solidFill>
+                <a:effectLst/>
+                <a:uLnTx/>
+                <a:uFillTx/>
+              </a:endParaRPr>
+            </a:p>
+          </p:txBody>
+        </p:sp>
+        <p:sp>
+          <p:nvSpPr>
+            <p:cNvPr id="53" name="TextBox 52"/>
+            <p:cNvSpPr txBox="1"/>
+            <p:nvPr/>
+          </p:nvSpPr>
+          <p:spPr>
+            <a:xfrm>
+              <a:off x="2682773" y="1244688"/>
+              <a:ext cx="1119217" cy="400110"/>
+            </a:xfrm>
+            <a:prstGeom prst="rect">
+              <a:avLst/>
+            </a:prstGeom>
+            <a:noFill/>
+          </p:spPr>
+          <p:txBody>
+            <a:bodyPr wrap="none" rtlCol="0">
+              <a:spAutoFit/>
+            </a:bodyPr>
+            <a:lstStyle/>
+            <a:p>
+              <a:pPr marL="0" marR="0" lvl="0" indent="0" defTabSz="914400" eaLnBrk="1" fontAlgn="auto" latinLnBrk="0" hangingPunct="1">
+                <a:lnSpc>
+                  <a:spcPct val="100000"/>
+                </a:lnSpc>
+                <a:spcBef>
+                  <a:spcPts val="0"/>
+                </a:spcBef>
+                <a:spcAft>
+                  <a:spcPts val="0"/>
+                </a:spcAft>
+                <a:buClrTx/>
+                <a:buSzTx/>
+                <a:buFontTx/>
+                <a:buNone/>
+                <a:tabLst/>
+                <a:defRPr/>
+              </a:pPr>
+              <a:r>
+                <a:rPr kumimoji="0" lang="en-US" sz="2000" b="1" i="0" u="none" strike="noStrike" kern="0" cap="none" spc="0" normalizeH="0" baseline="0" noProof="0" dirty="0" smtClean="0">
+                  <a:ln>
+                    <a:noFill/>
+                  </a:ln>
+                  <a:solidFill>
+                    <a:prstClr val="black"/>
+                  </a:solidFill>
+                  <a:effectLst/>
+                  <a:uLnTx/>
+                  <a:uFillTx/>
+                </a:rPr>
+                <a:t>L2 Cache</a:t>
+              </a:r>
+              <a:endParaRPr kumimoji="0" lang="en-US" sz="2000" b="1" i="0" u="none" strike="noStrike" kern="0" cap="none" spc="0" normalizeH="0" baseline="0" noProof="0" dirty="0">
+                <a:ln>
+                  <a:noFill/>
+                </a:ln>
+                <a:solidFill>
+                  <a:prstClr val="black"/>
+                </a:solidFill>
+                <a:effectLst/>
+                <a:uLnTx/>
+                <a:uFillTx/>
+              </a:endParaRPr>
+            </a:p>
+          </p:txBody>
+        </p:sp>
+      </p:grpSp>
     </p:spTree>
     <p:extLst>
       <p:ext uri="{BB962C8B-B14F-4D97-AF65-F5344CB8AC3E}">

--- a/fig/fig.pptx
+++ b/fig/fig.pptx
@@ -8247,12 +8247,20 @@
             <a:p>
               <a:pPr algn="ctr"/>
               <a:r>
+                <a:rPr lang="en-US" smtClean="0">
+                  <a:solidFill>
+                    <a:schemeClr val="bg1"/>
+                  </a:solidFill>
+                </a:rPr>
+                <a:t>L2-DRAM </a:t>
+              </a:r>
+              <a:r>
                 <a:rPr lang="en-US" dirty="0" smtClean="0">
                   <a:solidFill>
                     <a:schemeClr val="bg1"/>
                   </a:solidFill>
                 </a:rPr>
-                <a:t>DRAM to L2 Converter</a:t>
+                <a:t>Converter</a:t>
               </a:r>
               <a:endParaRPr lang="en-US" dirty="0">
                 <a:solidFill>
